--- a/MLflow.pptx
+++ b/MLflow.pptx
@@ -5,33 +5,46 @@
     <p:sldMasterId id="2147483656" r:id="rId1"/>
   </p:sldMasterIdLst>
   <p:notesMasterIdLst>
-    <p:notesMasterId r:id="rId10"/>
+    <p:notesMasterId r:id="rId23"/>
   </p:notesMasterIdLst>
   <p:sldIdLst>
     <p:sldId id="257" r:id="rId2"/>
-    <p:sldId id="408" r:id="rId3"/>
-    <p:sldId id="409" r:id="rId4"/>
-    <p:sldId id="407" r:id="rId5"/>
-    <p:sldId id="405" r:id="rId6"/>
-    <p:sldId id="401" r:id="rId7"/>
-    <p:sldId id="410" r:id="rId8"/>
-    <p:sldId id="411" r:id="rId9"/>
+    <p:sldId id="412" r:id="rId3"/>
+    <p:sldId id="408" r:id="rId4"/>
+    <p:sldId id="413" r:id="rId5"/>
+    <p:sldId id="407" r:id="rId6"/>
+    <p:sldId id="405" r:id="rId7"/>
+    <p:sldId id="401" r:id="rId8"/>
+    <p:sldId id="414" r:id="rId9"/>
+    <p:sldId id="415" r:id="rId10"/>
+    <p:sldId id="411" r:id="rId11"/>
+    <p:sldId id="416" r:id="rId12"/>
+    <p:sldId id="410" r:id="rId13"/>
+    <p:sldId id="417" r:id="rId14"/>
+    <p:sldId id="418" r:id="rId15"/>
+    <p:sldId id="419" r:id="rId16"/>
+    <p:sldId id="420" r:id="rId17"/>
+    <p:sldId id="422" r:id="rId18"/>
+    <p:sldId id="421" r:id="rId19"/>
+    <p:sldId id="423" r:id="rId20"/>
+    <p:sldId id="424" r:id="rId21"/>
+    <p:sldId id="425" r:id="rId22"/>
   </p:sldIdLst>
   <p:sldSz cx="12192000" cy="6858000"/>
   <p:notesSz cx="6858000" cy="9144000"/>
   <p:embeddedFontLst>
     <p:embeddedFont>
-      <p:font typeface="나눔스퀘어 ExtraBold" panose="020B0600000101010101" pitchFamily="50" charset="-127"/>
-      <p:bold r:id="rId11"/>
-    </p:embeddedFont>
-    <p:embeddedFont>
       <p:font typeface="나눔스퀘어 Bold" panose="020B0600000101010101" pitchFamily="50" charset="-127"/>
-      <p:bold r:id="rId12"/>
+      <p:bold r:id="rId24"/>
     </p:embeddedFont>
     <p:embeddedFont>
       <p:font typeface="맑은 고딕" panose="020B0503020000020004" pitchFamily="50" charset="-127"/>
-      <p:regular r:id="rId13"/>
-      <p:bold r:id="rId14"/>
+      <p:regular r:id="rId25"/>
+      <p:bold r:id="rId26"/>
+    </p:embeddedFont>
+    <p:embeddedFont>
+      <p:font typeface="나눔스퀘어 ExtraBold" panose="020B0600000101010101" pitchFamily="50" charset="-127"/>
+      <p:bold r:id="rId27"/>
     </p:embeddedFont>
   </p:embeddedFontLst>
   <p:defaultTextStyle>
@@ -219,7 +232,7 @@
           <a:p>
             <a:fld id="{17FB36FB-C10C-479A-9DFD-15DEB134881C}" type="datetimeFigureOut">
               <a:rPr lang="ko-KR" altLang="en-US" smtClean="0"/>
-              <a:t>2021-12-31</a:t>
+              <a:t>2022-01-12</a:t>
             </a:fld>
             <a:endParaRPr lang="ko-KR" altLang="en-US"/>
           </a:p>
@@ -1095,6 +1108,3570 @@
 </p:sld>
 </file>
 
+<file path=ppt/slides/slide10.xml><?xml version="1.0" encoding="utf-8"?>
+<p:sld xmlns:a="http://schemas.openxmlformats.org/drawingml/2006/main" xmlns:r="http://schemas.openxmlformats.org/officeDocument/2006/relationships" xmlns:p="http://schemas.openxmlformats.org/presentationml/2006/main">
+  <p:cSld>
+    <p:spTree>
+      <p:nvGrpSpPr>
+        <p:cNvPr id="1" name=""/>
+        <p:cNvGrpSpPr/>
+        <p:nvPr/>
+      </p:nvGrpSpPr>
+      <p:grpSpPr>
+        <a:xfrm>
+          <a:off x="0" y="0"/>
+          <a:ext cx="0" cy="0"/>
+          <a:chOff x="0" y="0"/>
+          <a:chExt cx="0" cy="0"/>
+        </a:xfrm>
+      </p:grpSpPr>
+      <p:sp>
+        <p:nvSpPr>
+          <p:cNvPr id="12" name="TextBox 11"/>
+          <p:cNvSpPr txBox="1"/>
+          <p:nvPr/>
+        </p:nvSpPr>
+        <p:spPr>
+          <a:xfrm>
+            <a:off x="455532" y="498947"/>
+            <a:ext cx="614271" cy="461665"/>
+          </a:xfrm>
+          <a:prstGeom prst="rect">
+            <a:avLst/>
+          </a:prstGeom>
+          <a:noFill/>
+        </p:spPr>
+        <p:txBody>
+          <a:bodyPr wrap="square" rtlCol="0">
+            <a:spAutoFit/>
+          </a:bodyPr>
+          <a:lstStyle/>
+          <a:p>
+            <a:pPr algn="ctr"/>
+            <a:r>
+              <a:rPr lang="en-US" altLang="ko-KR" sz="2400" spc="-150" smtClean="0">
+                <a:solidFill>
+                  <a:srgbClr val="00002F"/>
+                </a:solidFill>
+                <a:latin typeface="나눔스퀘어 ExtraBold" panose="020B0600000101010101" pitchFamily="50" charset="-127"/>
+                <a:ea typeface="나눔스퀘어 ExtraBold" panose="020B0600000101010101" pitchFamily="50" charset="-127"/>
+              </a:rPr>
+              <a:t>02.</a:t>
+            </a:r>
+            <a:endParaRPr lang="ko-KR" altLang="en-US" sz="2400" spc="-150" dirty="0">
+              <a:solidFill>
+                <a:srgbClr val="00002F"/>
+              </a:solidFill>
+              <a:latin typeface="나눔스퀘어 ExtraBold" panose="020B0600000101010101" pitchFamily="50" charset="-127"/>
+              <a:ea typeface="나눔스퀘어 ExtraBold" panose="020B0600000101010101" pitchFamily="50" charset="-127"/>
+            </a:endParaRPr>
+          </a:p>
+        </p:txBody>
+      </p:sp>
+      <p:sp>
+        <p:nvSpPr>
+          <p:cNvPr id="36" name="TextBox 35">
+            <a:extLst>
+              <a:ext uri="{FF2B5EF4-FFF2-40B4-BE49-F238E27FC236}">
+                <a16:creationId xmlns:a16="http://schemas.microsoft.com/office/drawing/2014/main" id="{76BF0B6A-32FF-436D-83C4-AB1F31C134F8}"/>
+              </a:ext>
+            </a:extLst>
+          </p:cNvPr>
+          <p:cNvSpPr txBox="1"/>
+          <p:nvPr/>
+        </p:nvSpPr>
+        <p:spPr>
+          <a:xfrm>
+            <a:off x="1119982" y="1075034"/>
+            <a:ext cx="2596341" cy="307777"/>
+          </a:xfrm>
+          <a:prstGeom prst="rect">
+            <a:avLst/>
+          </a:prstGeom>
+          <a:noFill/>
+        </p:spPr>
+        <p:txBody>
+          <a:bodyPr wrap="square" rtlCol="0">
+            <a:spAutoFit/>
+          </a:bodyPr>
+          <a:lstStyle/>
+          <a:p>
+            <a:r>
+              <a:rPr lang="en-US" altLang="ko-KR" sz="1400" spc="-100" smtClean="0">
+                <a:ln>
+                  <a:solidFill>
+                    <a:schemeClr val="bg1">
+                      <a:lumMod val="65000"/>
+                      <a:alpha val="0"/>
+                    </a:schemeClr>
+                  </a:solidFill>
+                </a:ln>
+                <a:latin typeface="나눔스퀘어 ExtraBold" panose="020B0600000101010101" pitchFamily="50" charset="-127"/>
+                <a:ea typeface="나눔스퀘어 ExtraBold" panose="020B0600000101010101" pitchFamily="50" charset="-127"/>
+              </a:rPr>
+              <a:t>Needs</a:t>
+            </a:r>
+            <a:endParaRPr lang="ko-KR" altLang="en-US" sz="1400" spc="-100" dirty="0">
+              <a:ln>
+                <a:solidFill>
+                  <a:schemeClr val="bg1">
+                    <a:lumMod val="65000"/>
+                    <a:alpha val="0"/>
+                  </a:schemeClr>
+                </a:solidFill>
+              </a:ln>
+              <a:latin typeface="나눔스퀘어 ExtraBold" panose="020B0600000101010101" pitchFamily="50" charset="-127"/>
+              <a:ea typeface="나눔스퀘어 ExtraBold" panose="020B0600000101010101" pitchFamily="50" charset="-127"/>
+            </a:endParaRPr>
+          </a:p>
+        </p:txBody>
+      </p:sp>
+      <p:sp>
+        <p:nvSpPr>
+          <p:cNvPr id="9" name="TextBox 8"/>
+          <p:cNvSpPr txBox="1"/>
+          <p:nvPr/>
+        </p:nvSpPr>
+        <p:spPr>
+          <a:xfrm>
+            <a:off x="1088238" y="437393"/>
+            <a:ext cx="5396382" cy="584775"/>
+          </a:xfrm>
+          <a:prstGeom prst="rect">
+            <a:avLst/>
+          </a:prstGeom>
+          <a:noFill/>
+        </p:spPr>
+        <p:txBody>
+          <a:bodyPr wrap="square" rtlCol="0">
+            <a:spAutoFit/>
+          </a:bodyPr>
+          <a:lstStyle/>
+          <a:p>
+            <a:r>
+              <a:rPr lang="en-US" altLang="ko-KR" sz="3200" spc="-150" smtClean="0">
+                <a:solidFill>
+                  <a:srgbClr val="00002F"/>
+                </a:solidFill>
+                <a:latin typeface="나눔스퀘어 ExtraBold" panose="020B0600000101010101" pitchFamily="50" charset="-127"/>
+                <a:ea typeface="나눔스퀘어 ExtraBold" panose="020B0600000101010101" pitchFamily="50" charset="-127"/>
+              </a:rPr>
+              <a:t>Mlflow Tracking</a:t>
+            </a:r>
+            <a:endParaRPr lang="en-US" altLang="ko-KR" sz="3200" spc="-150">
+              <a:solidFill>
+                <a:srgbClr val="00002F"/>
+              </a:solidFill>
+              <a:latin typeface="나눔스퀘어 ExtraBold" panose="020B0600000101010101" pitchFamily="50" charset="-127"/>
+              <a:ea typeface="나눔스퀘어 ExtraBold" panose="020B0600000101010101" pitchFamily="50" charset="-127"/>
+            </a:endParaRPr>
+          </a:p>
+        </p:txBody>
+      </p:sp>
+      <p:pic>
+        <p:nvPicPr>
+          <p:cNvPr id="2" name="그림 1"/>
+          <p:cNvPicPr>
+            <a:picLocks noChangeAspect="1"/>
+          </p:cNvPicPr>
+          <p:nvPr/>
+        </p:nvPicPr>
+        <p:blipFill>
+          <a:blip r:embed="rId2"/>
+          <a:stretch>
+            <a:fillRect/>
+          </a:stretch>
+        </p:blipFill>
+        <p:spPr>
+          <a:xfrm>
+            <a:off x="1385280" y="1799510"/>
+            <a:ext cx="9421441" cy="4406135"/>
+          </a:xfrm>
+          <a:prstGeom prst="rect">
+            <a:avLst/>
+          </a:prstGeom>
+        </p:spPr>
+      </p:pic>
+    </p:spTree>
+    <p:extLst>
+      <p:ext uri="{BB962C8B-B14F-4D97-AF65-F5344CB8AC3E}">
+        <p14:creationId xmlns:p14="http://schemas.microsoft.com/office/powerpoint/2010/main" val="1717091195"/>
+      </p:ext>
+    </p:extLst>
+  </p:cSld>
+  <p:clrMapOvr>
+    <a:masterClrMapping/>
+  </p:clrMapOvr>
+</p:sld>
+</file>
+
+<file path=ppt/slides/slide11.xml><?xml version="1.0" encoding="utf-8"?>
+<p:sld xmlns:a="http://schemas.openxmlformats.org/drawingml/2006/main" xmlns:r="http://schemas.openxmlformats.org/officeDocument/2006/relationships" xmlns:p="http://schemas.openxmlformats.org/presentationml/2006/main">
+  <p:cSld>
+    <p:spTree>
+      <p:nvGrpSpPr>
+        <p:cNvPr id="1" name=""/>
+        <p:cNvGrpSpPr/>
+        <p:nvPr/>
+      </p:nvGrpSpPr>
+      <p:grpSpPr>
+        <a:xfrm>
+          <a:off x="0" y="0"/>
+          <a:ext cx="0" cy="0"/>
+          <a:chOff x="0" y="0"/>
+          <a:chExt cx="0" cy="0"/>
+        </a:xfrm>
+      </p:grpSpPr>
+      <p:sp>
+        <p:nvSpPr>
+          <p:cNvPr id="12" name="TextBox 11"/>
+          <p:cNvSpPr txBox="1"/>
+          <p:nvPr/>
+        </p:nvSpPr>
+        <p:spPr>
+          <a:xfrm>
+            <a:off x="455532" y="498947"/>
+            <a:ext cx="614271" cy="461665"/>
+          </a:xfrm>
+          <a:prstGeom prst="rect">
+            <a:avLst/>
+          </a:prstGeom>
+          <a:noFill/>
+        </p:spPr>
+        <p:txBody>
+          <a:bodyPr wrap="square" rtlCol="0">
+            <a:spAutoFit/>
+          </a:bodyPr>
+          <a:lstStyle/>
+          <a:p>
+            <a:pPr algn="ctr"/>
+            <a:r>
+              <a:rPr lang="en-US" altLang="ko-KR" sz="2400" spc="-150" smtClean="0">
+                <a:solidFill>
+                  <a:srgbClr val="00002F"/>
+                </a:solidFill>
+                <a:latin typeface="나눔스퀘어 ExtraBold" panose="020B0600000101010101" pitchFamily="50" charset="-127"/>
+                <a:ea typeface="나눔스퀘어 ExtraBold" panose="020B0600000101010101" pitchFamily="50" charset="-127"/>
+              </a:rPr>
+              <a:t>02.</a:t>
+            </a:r>
+            <a:endParaRPr lang="ko-KR" altLang="en-US" sz="2400" spc="-150" dirty="0">
+              <a:solidFill>
+                <a:srgbClr val="00002F"/>
+              </a:solidFill>
+              <a:latin typeface="나눔스퀘어 ExtraBold" panose="020B0600000101010101" pitchFamily="50" charset="-127"/>
+              <a:ea typeface="나눔스퀘어 ExtraBold" panose="020B0600000101010101" pitchFamily="50" charset="-127"/>
+            </a:endParaRPr>
+          </a:p>
+        </p:txBody>
+      </p:sp>
+      <p:sp>
+        <p:nvSpPr>
+          <p:cNvPr id="36" name="TextBox 35">
+            <a:extLst>
+              <a:ext uri="{FF2B5EF4-FFF2-40B4-BE49-F238E27FC236}">
+                <a16:creationId xmlns:a16="http://schemas.microsoft.com/office/drawing/2014/main" id="{76BF0B6A-32FF-436D-83C4-AB1F31C134F8}"/>
+              </a:ext>
+            </a:extLst>
+          </p:cNvPr>
+          <p:cNvSpPr txBox="1"/>
+          <p:nvPr/>
+        </p:nvSpPr>
+        <p:spPr>
+          <a:xfrm>
+            <a:off x="1119982" y="1075034"/>
+            <a:ext cx="2596341" cy="307777"/>
+          </a:xfrm>
+          <a:prstGeom prst="rect">
+            <a:avLst/>
+          </a:prstGeom>
+          <a:noFill/>
+        </p:spPr>
+        <p:txBody>
+          <a:bodyPr wrap="square" rtlCol="0">
+            <a:spAutoFit/>
+          </a:bodyPr>
+          <a:lstStyle/>
+          <a:p>
+            <a:r>
+              <a:rPr lang="en-US" altLang="ko-KR" sz="1400" spc="-100" smtClean="0">
+                <a:ln>
+                  <a:solidFill>
+                    <a:schemeClr val="bg1">
+                      <a:lumMod val="65000"/>
+                      <a:alpha val="0"/>
+                    </a:schemeClr>
+                  </a:solidFill>
+                </a:ln>
+                <a:latin typeface="나눔스퀘어 ExtraBold" panose="020B0600000101010101" pitchFamily="50" charset="-127"/>
+                <a:ea typeface="나눔스퀘어 ExtraBold" panose="020B0600000101010101" pitchFamily="50" charset="-127"/>
+              </a:rPr>
+              <a:t>Log</a:t>
+            </a:r>
+            <a:endParaRPr lang="ko-KR" altLang="en-US" sz="1400" spc="-100" dirty="0">
+              <a:ln>
+                <a:solidFill>
+                  <a:schemeClr val="bg1">
+                    <a:lumMod val="65000"/>
+                    <a:alpha val="0"/>
+                  </a:schemeClr>
+                </a:solidFill>
+              </a:ln>
+              <a:latin typeface="나눔스퀘어 ExtraBold" panose="020B0600000101010101" pitchFamily="50" charset="-127"/>
+              <a:ea typeface="나눔스퀘어 ExtraBold" panose="020B0600000101010101" pitchFamily="50" charset="-127"/>
+            </a:endParaRPr>
+          </a:p>
+        </p:txBody>
+      </p:sp>
+      <p:sp>
+        <p:nvSpPr>
+          <p:cNvPr id="9" name="TextBox 8"/>
+          <p:cNvSpPr txBox="1"/>
+          <p:nvPr/>
+        </p:nvSpPr>
+        <p:spPr>
+          <a:xfrm>
+            <a:off x="1088238" y="437393"/>
+            <a:ext cx="5396382" cy="584775"/>
+          </a:xfrm>
+          <a:prstGeom prst="rect">
+            <a:avLst/>
+          </a:prstGeom>
+          <a:noFill/>
+        </p:spPr>
+        <p:txBody>
+          <a:bodyPr wrap="square" rtlCol="0">
+            <a:spAutoFit/>
+          </a:bodyPr>
+          <a:lstStyle/>
+          <a:p>
+            <a:r>
+              <a:rPr lang="en-US" altLang="ko-KR" sz="3200" spc="-150" smtClean="0">
+                <a:solidFill>
+                  <a:srgbClr val="00002F"/>
+                </a:solidFill>
+                <a:latin typeface="나눔스퀘어 ExtraBold" panose="020B0600000101010101" pitchFamily="50" charset="-127"/>
+                <a:ea typeface="나눔스퀘어 ExtraBold" panose="020B0600000101010101" pitchFamily="50" charset="-127"/>
+              </a:rPr>
+              <a:t>Mlflow Tracking</a:t>
+            </a:r>
+            <a:endParaRPr lang="en-US" altLang="ko-KR" sz="3200" spc="-150">
+              <a:solidFill>
+                <a:srgbClr val="00002F"/>
+              </a:solidFill>
+              <a:latin typeface="나눔스퀘어 ExtraBold" panose="020B0600000101010101" pitchFamily="50" charset="-127"/>
+              <a:ea typeface="나눔스퀘어 ExtraBold" panose="020B0600000101010101" pitchFamily="50" charset="-127"/>
+            </a:endParaRPr>
+          </a:p>
+        </p:txBody>
+      </p:sp>
+      <p:sp>
+        <p:nvSpPr>
+          <p:cNvPr id="6" name="TextBox 5">
+            <a:extLst>
+              <a:ext uri="{FF2B5EF4-FFF2-40B4-BE49-F238E27FC236}">
+                <a16:creationId xmlns:a16="http://schemas.microsoft.com/office/drawing/2014/main" id="{C40C17C7-6436-43BB-AB8B-1F1856BAF096}"/>
+              </a:ext>
+            </a:extLst>
+          </p:cNvPr>
+          <p:cNvSpPr txBox="1"/>
+          <p:nvPr/>
+        </p:nvSpPr>
+        <p:spPr>
+          <a:xfrm>
+            <a:off x="3901129" y="3176183"/>
+            <a:ext cx="4389742" cy="1569660"/>
+          </a:xfrm>
+          <a:prstGeom prst="rect">
+            <a:avLst/>
+          </a:prstGeom>
+          <a:noFill/>
+        </p:spPr>
+        <p:txBody>
+          <a:bodyPr wrap="square" rtlCol="0" anchor="ctr">
+            <a:spAutoFit/>
+          </a:bodyPr>
+          <a:lstStyle/>
+          <a:p>
+            <a:pPr marL="171450" indent="-171450">
+              <a:lnSpc>
+                <a:spcPct val="200000"/>
+              </a:lnSpc>
+              <a:buFont typeface="Arial" panose="020B0604020202020204" pitchFamily="34" charset="0"/>
+              <a:buChar char="•"/>
+            </a:pPr>
+            <a:r>
+              <a:rPr lang="en-US" altLang="ko-KR" sz="1200" spc="-103" smtClean="0">
+                <a:ln>
+                  <a:solidFill>
+                    <a:schemeClr val="bg1">
+                      <a:lumMod val="85000"/>
+                      <a:alpha val="0"/>
+                    </a:schemeClr>
+                  </a:solidFill>
+                </a:ln>
+                <a:latin typeface="나눔스퀘어 Bold" panose="020B0600000101010101" pitchFamily="50" charset="-127"/>
+                <a:ea typeface="나눔스퀘어 Bold" panose="020B0600000101010101" pitchFamily="50" charset="-127"/>
+              </a:rPr>
+              <a:t>log_param : </a:t>
+            </a:r>
+            <a:r>
+              <a:rPr lang="ko-KR" altLang="en-US" sz="1200" spc="-103" smtClean="0">
+                <a:ln>
+                  <a:solidFill>
+                    <a:schemeClr val="bg1">
+                      <a:lumMod val="85000"/>
+                      <a:alpha val="0"/>
+                    </a:schemeClr>
+                  </a:solidFill>
+                </a:ln>
+                <a:latin typeface="나눔스퀘어 Bold" panose="020B0600000101010101" pitchFamily="50" charset="-127"/>
+                <a:ea typeface="나눔스퀘어 Bold" panose="020B0600000101010101" pitchFamily="50" charset="-127"/>
+              </a:rPr>
+              <a:t>파라미터 저장</a:t>
+            </a:r>
+            <a:endParaRPr lang="en-US" altLang="ko-KR" sz="1200" spc="-103" smtClean="0">
+              <a:ln>
+                <a:solidFill>
+                  <a:schemeClr val="bg1">
+                    <a:lumMod val="85000"/>
+                    <a:alpha val="0"/>
+                  </a:schemeClr>
+                </a:solidFill>
+              </a:ln>
+              <a:latin typeface="나눔스퀘어 Bold" panose="020B0600000101010101" pitchFamily="50" charset="-127"/>
+              <a:ea typeface="나눔스퀘어 Bold" panose="020B0600000101010101" pitchFamily="50" charset="-127"/>
+            </a:endParaRPr>
+          </a:p>
+          <a:p>
+            <a:pPr marL="171450" indent="-171450">
+              <a:lnSpc>
+                <a:spcPct val="200000"/>
+              </a:lnSpc>
+              <a:buFont typeface="Arial" panose="020B0604020202020204" pitchFamily="34" charset="0"/>
+              <a:buChar char="•"/>
+            </a:pPr>
+            <a:r>
+              <a:rPr lang="en-US" altLang="ko-KR" sz="1200" spc="-103">
+                <a:ln>
+                  <a:solidFill>
+                    <a:schemeClr val="bg1">
+                      <a:lumMod val="85000"/>
+                      <a:alpha val="0"/>
+                    </a:schemeClr>
+                  </a:solidFill>
+                </a:ln>
+                <a:latin typeface="나눔스퀘어 Bold" panose="020B0600000101010101" pitchFamily="50" charset="-127"/>
+                <a:ea typeface="나눔스퀘어 Bold" panose="020B0600000101010101" pitchFamily="50" charset="-127"/>
+              </a:rPr>
+              <a:t>l</a:t>
+            </a:r>
+            <a:r>
+              <a:rPr lang="en-US" altLang="ko-KR" sz="1200" spc="-103" smtClean="0">
+                <a:ln>
+                  <a:solidFill>
+                    <a:schemeClr val="bg1">
+                      <a:lumMod val="85000"/>
+                      <a:alpha val="0"/>
+                    </a:schemeClr>
+                  </a:solidFill>
+                </a:ln>
+                <a:latin typeface="나눔스퀘어 Bold" panose="020B0600000101010101" pitchFamily="50" charset="-127"/>
+                <a:ea typeface="나눔스퀘어 Bold" panose="020B0600000101010101" pitchFamily="50" charset="-127"/>
+              </a:rPr>
+              <a:t>og_metric : </a:t>
+            </a:r>
+            <a:r>
+              <a:rPr lang="ko-KR" altLang="en-US" sz="1200" spc="-103" smtClean="0">
+                <a:ln>
+                  <a:solidFill>
+                    <a:schemeClr val="bg1">
+                      <a:lumMod val="85000"/>
+                      <a:alpha val="0"/>
+                    </a:schemeClr>
+                  </a:solidFill>
+                </a:ln>
+                <a:latin typeface="나눔스퀘어 Bold" panose="020B0600000101010101" pitchFamily="50" charset="-127"/>
+                <a:ea typeface="나눔스퀘어 Bold" panose="020B0600000101010101" pitchFamily="50" charset="-127"/>
+              </a:rPr>
+              <a:t>평가 저장</a:t>
+            </a:r>
+            <a:r>
+              <a:rPr lang="en-US" altLang="ko-KR" sz="1200" spc="-103">
+                <a:ln>
+                  <a:solidFill>
+                    <a:schemeClr val="bg1">
+                      <a:lumMod val="85000"/>
+                      <a:alpha val="0"/>
+                    </a:schemeClr>
+                  </a:solidFill>
+                </a:ln>
+                <a:latin typeface="나눔스퀘어 Bold" panose="020B0600000101010101" pitchFamily="50" charset="-127"/>
+                <a:ea typeface="나눔스퀘어 Bold" panose="020B0600000101010101" pitchFamily="50" charset="-127"/>
+              </a:rPr>
+              <a:t> </a:t>
+            </a:r>
+            <a:r>
+              <a:rPr lang="en-US" altLang="ko-KR" sz="1200" spc="-103" smtClean="0">
+                <a:ln>
+                  <a:solidFill>
+                    <a:schemeClr val="bg1">
+                      <a:lumMod val="85000"/>
+                      <a:alpha val="0"/>
+                    </a:schemeClr>
+                  </a:solidFill>
+                </a:ln>
+                <a:latin typeface="나눔스퀘어 Bold" panose="020B0600000101010101" pitchFamily="50" charset="-127"/>
+                <a:ea typeface="나눔스퀘어 Bold" panose="020B0600000101010101" pitchFamily="50" charset="-127"/>
+              </a:rPr>
+              <a:t>(</a:t>
+            </a:r>
+            <a:r>
+              <a:rPr lang="ko-KR" altLang="en-US" sz="1200" spc="-103" smtClean="0">
+                <a:ln>
+                  <a:solidFill>
+                    <a:schemeClr val="bg1">
+                      <a:lumMod val="85000"/>
+                      <a:alpha val="0"/>
+                    </a:schemeClr>
+                  </a:solidFill>
+                </a:ln>
+                <a:latin typeface="나눔스퀘어 Bold" panose="020B0600000101010101" pitchFamily="50" charset="-127"/>
+                <a:ea typeface="나눔스퀘어 Bold" panose="020B0600000101010101" pitchFamily="50" charset="-127"/>
+              </a:rPr>
+              <a:t>파라미터와 다르게 시계열하게 기록 저장 가능</a:t>
+            </a:r>
+            <a:r>
+              <a:rPr lang="en-US" altLang="ko-KR" sz="1200" spc="-103" smtClean="0">
+                <a:ln>
+                  <a:solidFill>
+                    <a:schemeClr val="bg1">
+                      <a:lumMod val="85000"/>
+                      <a:alpha val="0"/>
+                    </a:schemeClr>
+                  </a:solidFill>
+                </a:ln>
+                <a:latin typeface="나눔스퀘어 Bold" panose="020B0600000101010101" pitchFamily="50" charset="-127"/>
+                <a:ea typeface="나눔스퀘어 Bold" panose="020B0600000101010101" pitchFamily="50" charset="-127"/>
+              </a:rPr>
+              <a:t>)</a:t>
+            </a:r>
+          </a:p>
+          <a:p>
+            <a:pPr marL="171450" indent="-171450">
+              <a:lnSpc>
+                <a:spcPct val="200000"/>
+              </a:lnSpc>
+              <a:buFont typeface="Arial" panose="020B0604020202020204" pitchFamily="34" charset="0"/>
+              <a:buChar char="•"/>
+            </a:pPr>
+            <a:r>
+              <a:rPr lang="en-US" altLang="ko-KR" sz="1200" spc="-103" smtClean="0">
+                <a:ln>
+                  <a:solidFill>
+                    <a:schemeClr val="bg1">
+                      <a:lumMod val="85000"/>
+                      <a:alpha val="0"/>
+                    </a:schemeClr>
+                  </a:solidFill>
+                </a:ln>
+                <a:latin typeface="나눔스퀘어 Bold" panose="020B0600000101010101" pitchFamily="50" charset="-127"/>
+                <a:ea typeface="나눔스퀘어 Bold" panose="020B0600000101010101" pitchFamily="50" charset="-127"/>
+              </a:rPr>
+              <a:t>log_artifact : </a:t>
+            </a:r>
+            <a:r>
+              <a:rPr lang="ko-KR" altLang="en-US" sz="1200" spc="-103" smtClean="0">
+                <a:ln>
+                  <a:solidFill>
+                    <a:schemeClr val="bg1">
+                      <a:lumMod val="85000"/>
+                      <a:alpha val="0"/>
+                    </a:schemeClr>
+                  </a:solidFill>
+                </a:ln>
+                <a:latin typeface="나눔스퀘어 Bold" panose="020B0600000101010101" pitchFamily="50" charset="-127"/>
+                <a:ea typeface="나눔스퀘어 Bold" panose="020B0600000101010101" pitchFamily="50" charset="-127"/>
+              </a:rPr>
+              <a:t>이미지</a:t>
+            </a:r>
+            <a:r>
+              <a:rPr lang="en-US" altLang="ko-KR" sz="1200" spc="-103" smtClean="0">
+                <a:ln>
+                  <a:solidFill>
+                    <a:schemeClr val="bg1">
+                      <a:lumMod val="85000"/>
+                      <a:alpha val="0"/>
+                    </a:schemeClr>
+                  </a:solidFill>
+                </a:ln>
+                <a:latin typeface="나눔스퀘어 Bold" panose="020B0600000101010101" pitchFamily="50" charset="-127"/>
+                <a:ea typeface="나눔스퀘어 Bold" panose="020B0600000101010101" pitchFamily="50" charset="-127"/>
+              </a:rPr>
+              <a:t>, csv, </a:t>
+            </a:r>
+            <a:r>
+              <a:rPr lang="ko-KR" altLang="en-US" sz="1200" spc="-103" smtClean="0">
+                <a:ln>
+                  <a:solidFill>
+                    <a:schemeClr val="bg1">
+                      <a:lumMod val="85000"/>
+                      <a:alpha val="0"/>
+                    </a:schemeClr>
+                  </a:solidFill>
+                </a:ln>
+                <a:latin typeface="나눔스퀘어 Bold" panose="020B0600000101010101" pitchFamily="50" charset="-127"/>
+                <a:ea typeface="나눔스퀘어 Bold" panose="020B0600000101010101" pitchFamily="50" charset="-127"/>
+              </a:rPr>
+              <a:t>문서 등 모델과 관련된 파일 저장 가능 </a:t>
+            </a:r>
+            <a:endParaRPr lang="en-US" altLang="ko-KR" sz="1200" spc="-103">
+              <a:ln>
+                <a:solidFill>
+                  <a:schemeClr val="bg1">
+                    <a:lumMod val="85000"/>
+                    <a:alpha val="0"/>
+                  </a:schemeClr>
+                </a:solidFill>
+              </a:ln>
+              <a:latin typeface="나눔스퀘어 Bold" panose="020B0600000101010101" pitchFamily="50" charset="-127"/>
+              <a:ea typeface="나눔스퀘어 Bold" panose="020B0600000101010101" pitchFamily="50" charset="-127"/>
+            </a:endParaRPr>
+          </a:p>
+          <a:p>
+            <a:pPr marL="171450" indent="-171450">
+              <a:lnSpc>
+                <a:spcPct val="200000"/>
+              </a:lnSpc>
+              <a:buFont typeface="Arial" panose="020B0604020202020204" pitchFamily="34" charset="0"/>
+              <a:buChar char="•"/>
+            </a:pPr>
+            <a:r>
+              <a:rPr lang="en-US" altLang="ko-KR" sz="1200" spc="-103" smtClean="0">
+                <a:ln>
+                  <a:solidFill>
+                    <a:schemeClr val="bg1">
+                      <a:lumMod val="85000"/>
+                      <a:alpha val="0"/>
+                    </a:schemeClr>
+                  </a:solidFill>
+                </a:ln>
+                <a:latin typeface="나눔스퀘어 Bold" panose="020B0600000101010101" pitchFamily="50" charset="-127"/>
+                <a:ea typeface="나눔스퀘어 Bold" panose="020B0600000101010101" pitchFamily="50" charset="-127"/>
+              </a:rPr>
+              <a:t>log_model : </a:t>
+            </a:r>
+            <a:r>
+              <a:rPr lang="ko-KR" altLang="en-US" sz="1200" spc="-103" smtClean="0">
+                <a:ln>
+                  <a:solidFill>
+                    <a:schemeClr val="bg1">
+                      <a:lumMod val="85000"/>
+                      <a:alpha val="0"/>
+                    </a:schemeClr>
+                  </a:solidFill>
+                </a:ln>
+                <a:latin typeface="나눔스퀘어 Bold" panose="020B0600000101010101" pitchFamily="50" charset="-127"/>
+                <a:ea typeface="나눔스퀘어 Bold" panose="020B0600000101010101" pitchFamily="50" charset="-127"/>
+              </a:rPr>
+              <a:t>학습 모델 저장 가능</a:t>
+            </a:r>
+            <a:endParaRPr lang="en-US" altLang="ko-KR" sz="1200" spc="-103" smtClean="0">
+              <a:ln>
+                <a:solidFill>
+                  <a:schemeClr val="bg1">
+                    <a:lumMod val="85000"/>
+                    <a:alpha val="0"/>
+                  </a:schemeClr>
+                </a:solidFill>
+              </a:ln>
+              <a:latin typeface="나눔스퀘어 Bold" panose="020B0600000101010101" pitchFamily="50" charset="-127"/>
+              <a:ea typeface="나눔스퀘어 Bold" panose="020B0600000101010101" pitchFamily="50" charset="-127"/>
+            </a:endParaRPr>
+          </a:p>
+        </p:txBody>
+      </p:sp>
+    </p:spTree>
+    <p:extLst>
+      <p:ext uri="{BB962C8B-B14F-4D97-AF65-F5344CB8AC3E}">
+        <p14:creationId xmlns:p14="http://schemas.microsoft.com/office/powerpoint/2010/main" val="2060644441"/>
+      </p:ext>
+    </p:extLst>
+  </p:cSld>
+  <p:clrMapOvr>
+    <a:masterClrMapping/>
+  </p:clrMapOvr>
+</p:sld>
+</file>
+
+<file path=ppt/slides/slide12.xml><?xml version="1.0" encoding="utf-8"?>
+<p:sld xmlns:a="http://schemas.openxmlformats.org/drawingml/2006/main" xmlns:r="http://schemas.openxmlformats.org/officeDocument/2006/relationships" xmlns:p="http://schemas.openxmlformats.org/presentationml/2006/main">
+  <p:cSld>
+    <p:spTree>
+      <p:nvGrpSpPr>
+        <p:cNvPr id="1" name=""/>
+        <p:cNvGrpSpPr/>
+        <p:nvPr/>
+      </p:nvGrpSpPr>
+      <p:grpSpPr>
+        <a:xfrm>
+          <a:off x="0" y="0"/>
+          <a:ext cx="0" cy="0"/>
+          <a:chOff x="0" y="0"/>
+          <a:chExt cx="0" cy="0"/>
+        </a:xfrm>
+      </p:grpSpPr>
+      <p:sp>
+        <p:nvSpPr>
+          <p:cNvPr id="12" name="TextBox 11"/>
+          <p:cNvSpPr txBox="1"/>
+          <p:nvPr/>
+        </p:nvSpPr>
+        <p:spPr>
+          <a:xfrm>
+            <a:off x="455532" y="498947"/>
+            <a:ext cx="614271" cy="461665"/>
+          </a:xfrm>
+          <a:prstGeom prst="rect">
+            <a:avLst/>
+          </a:prstGeom>
+          <a:noFill/>
+        </p:spPr>
+        <p:txBody>
+          <a:bodyPr wrap="square" rtlCol="0">
+            <a:spAutoFit/>
+          </a:bodyPr>
+          <a:lstStyle/>
+          <a:p>
+            <a:pPr algn="ctr"/>
+            <a:r>
+              <a:rPr lang="en-US" altLang="ko-KR" sz="2400" spc="-150" smtClean="0">
+                <a:solidFill>
+                  <a:srgbClr val="00002F"/>
+                </a:solidFill>
+                <a:latin typeface="나눔스퀘어 ExtraBold" panose="020B0600000101010101" pitchFamily="50" charset="-127"/>
+                <a:ea typeface="나눔스퀘어 ExtraBold" panose="020B0600000101010101" pitchFamily="50" charset="-127"/>
+              </a:rPr>
+              <a:t>02.</a:t>
+            </a:r>
+            <a:endParaRPr lang="ko-KR" altLang="en-US" sz="2400" spc="-150" dirty="0">
+              <a:solidFill>
+                <a:srgbClr val="00002F"/>
+              </a:solidFill>
+              <a:latin typeface="나눔스퀘어 ExtraBold" panose="020B0600000101010101" pitchFamily="50" charset="-127"/>
+              <a:ea typeface="나눔스퀘어 ExtraBold" panose="020B0600000101010101" pitchFamily="50" charset="-127"/>
+            </a:endParaRPr>
+          </a:p>
+        </p:txBody>
+      </p:sp>
+      <p:sp>
+        <p:nvSpPr>
+          <p:cNvPr id="36" name="TextBox 35">
+            <a:extLst>
+              <a:ext uri="{FF2B5EF4-FFF2-40B4-BE49-F238E27FC236}">
+                <a16:creationId xmlns:a16="http://schemas.microsoft.com/office/drawing/2014/main" id="{76BF0B6A-32FF-436D-83C4-AB1F31C134F8}"/>
+              </a:ext>
+            </a:extLst>
+          </p:cNvPr>
+          <p:cNvSpPr txBox="1"/>
+          <p:nvPr/>
+        </p:nvSpPr>
+        <p:spPr>
+          <a:xfrm>
+            <a:off x="1119982" y="1075034"/>
+            <a:ext cx="2596341" cy="307777"/>
+          </a:xfrm>
+          <a:prstGeom prst="rect">
+            <a:avLst/>
+          </a:prstGeom>
+          <a:noFill/>
+        </p:spPr>
+        <p:txBody>
+          <a:bodyPr wrap="square" rtlCol="0">
+            <a:spAutoFit/>
+          </a:bodyPr>
+          <a:lstStyle/>
+          <a:p>
+            <a:r>
+              <a:rPr lang="en-US" altLang="ko-KR" sz="1400" spc="-100" smtClean="0">
+                <a:ln>
+                  <a:solidFill>
+                    <a:schemeClr val="bg1">
+                      <a:lumMod val="65000"/>
+                      <a:alpha val="0"/>
+                    </a:schemeClr>
+                  </a:solidFill>
+                </a:ln>
+                <a:latin typeface="나눔스퀘어 ExtraBold" panose="020B0600000101010101" pitchFamily="50" charset="-127"/>
+                <a:ea typeface="나눔스퀘어 ExtraBold" panose="020B0600000101010101" pitchFamily="50" charset="-127"/>
+              </a:rPr>
+              <a:t>Exercise</a:t>
+            </a:r>
+            <a:endParaRPr lang="ko-KR" altLang="en-US" sz="1400" spc="-100" dirty="0">
+              <a:ln>
+                <a:solidFill>
+                  <a:schemeClr val="bg1">
+                    <a:lumMod val="65000"/>
+                    <a:alpha val="0"/>
+                  </a:schemeClr>
+                </a:solidFill>
+              </a:ln>
+              <a:latin typeface="나눔스퀘어 ExtraBold" panose="020B0600000101010101" pitchFamily="50" charset="-127"/>
+              <a:ea typeface="나눔스퀘어 ExtraBold" panose="020B0600000101010101" pitchFamily="50" charset="-127"/>
+            </a:endParaRPr>
+          </a:p>
+        </p:txBody>
+      </p:sp>
+      <p:sp>
+        <p:nvSpPr>
+          <p:cNvPr id="9" name="TextBox 8"/>
+          <p:cNvSpPr txBox="1"/>
+          <p:nvPr/>
+        </p:nvSpPr>
+        <p:spPr>
+          <a:xfrm>
+            <a:off x="1088238" y="437393"/>
+            <a:ext cx="5396382" cy="584775"/>
+          </a:xfrm>
+          <a:prstGeom prst="rect">
+            <a:avLst/>
+          </a:prstGeom>
+          <a:noFill/>
+        </p:spPr>
+        <p:txBody>
+          <a:bodyPr wrap="square" rtlCol="0">
+            <a:spAutoFit/>
+          </a:bodyPr>
+          <a:lstStyle/>
+          <a:p>
+            <a:r>
+              <a:rPr lang="en-US" altLang="ko-KR" sz="3200" spc="-150" smtClean="0">
+                <a:solidFill>
+                  <a:srgbClr val="00002F"/>
+                </a:solidFill>
+                <a:latin typeface="나눔스퀘어 ExtraBold" panose="020B0600000101010101" pitchFamily="50" charset="-127"/>
+                <a:ea typeface="나눔스퀘어 ExtraBold" panose="020B0600000101010101" pitchFamily="50" charset="-127"/>
+              </a:rPr>
+              <a:t>Mlflow Tracking</a:t>
+            </a:r>
+            <a:endParaRPr lang="en-US" altLang="ko-KR" sz="3200" spc="-150">
+              <a:solidFill>
+                <a:srgbClr val="00002F"/>
+              </a:solidFill>
+              <a:latin typeface="나눔스퀘어 ExtraBold" panose="020B0600000101010101" pitchFamily="50" charset="-127"/>
+              <a:ea typeface="나눔스퀘어 ExtraBold" panose="020B0600000101010101" pitchFamily="50" charset="-127"/>
+            </a:endParaRPr>
+          </a:p>
+        </p:txBody>
+      </p:sp>
+      <p:pic>
+        <p:nvPicPr>
+          <p:cNvPr id="5" name="그림 4"/>
+          <p:cNvPicPr>
+            <a:picLocks noChangeAspect="1"/>
+          </p:cNvPicPr>
+          <p:nvPr/>
+        </p:nvPicPr>
+        <p:blipFill>
+          <a:blip r:embed="rId2"/>
+          <a:stretch>
+            <a:fillRect/>
+          </a:stretch>
+        </p:blipFill>
+        <p:spPr>
+          <a:xfrm>
+            <a:off x="3373038" y="1518562"/>
+            <a:ext cx="5445924" cy="4100545"/>
+          </a:xfrm>
+          <a:prstGeom prst="rect">
+            <a:avLst/>
+          </a:prstGeom>
+        </p:spPr>
+      </p:pic>
+      <p:sp>
+        <p:nvSpPr>
+          <p:cNvPr id="6" name="TextBox 5">
+            <a:extLst>
+              <a:ext uri="{FF2B5EF4-FFF2-40B4-BE49-F238E27FC236}">
+                <a16:creationId xmlns:a16="http://schemas.microsoft.com/office/drawing/2014/main" id="{C40C17C7-6436-43BB-AB8B-1F1856BAF096}"/>
+              </a:ext>
+            </a:extLst>
+          </p:cNvPr>
+          <p:cNvSpPr txBox="1"/>
+          <p:nvPr/>
+        </p:nvSpPr>
+        <p:spPr>
+          <a:xfrm>
+            <a:off x="2518969" y="5946049"/>
+            <a:ext cx="7154062" cy="411972"/>
+          </a:xfrm>
+          <a:prstGeom prst="rect">
+            <a:avLst/>
+          </a:prstGeom>
+          <a:noFill/>
+        </p:spPr>
+        <p:txBody>
+          <a:bodyPr wrap="square" rtlCol="0" anchor="ctr">
+            <a:spAutoFit/>
+          </a:bodyPr>
+          <a:lstStyle/>
+          <a:p>
+            <a:pPr marL="171450" indent="-171450" algn="ctr">
+              <a:lnSpc>
+                <a:spcPct val="200000"/>
+              </a:lnSpc>
+              <a:buFont typeface="Arial" panose="020B0604020202020204" pitchFamily="34" charset="0"/>
+              <a:buChar char="•"/>
+            </a:pPr>
+            <a:r>
+              <a:rPr lang="ko-KR" altLang="en-US" sz="1200" spc="-103" smtClean="0">
+                <a:ln>
+                  <a:solidFill>
+                    <a:schemeClr val="bg1">
+                      <a:lumMod val="85000"/>
+                      <a:alpha val="0"/>
+                    </a:schemeClr>
+                  </a:solidFill>
+                </a:ln>
+                <a:latin typeface="나눔스퀘어 Bold" panose="020B0600000101010101" pitchFamily="50" charset="-127"/>
+                <a:ea typeface="나눔스퀘어 Bold" panose="020B0600000101010101" pitchFamily="50" charset="-127"/>
+              </a:rPr>
+              <a:t>타이타닉 데이터를 사용한 </a:t>
+            </a:r>
+            <a:r>
+              <a:rPr lang="en-US" altLang="ko-KR" sz="1200" spc="-103" smtClean="0">
+                <a:ln>
+                  <a:solidFill>
+                    <a:schemeClr val="bg1">
+                      <a:lumMod val="85000"/>
+                      <a:alpha val="0"/>
+                    </a:schemeClr>
+                  </a:solidFill>
+                </a:ln>
+                <a:latin typeface="나눔스퀘어 Bold" panose="020B0600000101010101" pitchFamily="50" charset="-127"/>
+                <a:ea typeface="나눔스퀘어 Bold" panose="020B0600000101010101" pitchFamily="50" charset="-127"/>
+              </a:rPr>
+              <a:t>ML </a:t>
+            </a:r>
+            <a:r>
+              <a:rPr lang="ko-KR" altLang="en-US" sz="1200" spc="-103" smtClean="0">
+                <a:ln>
+                  <a:solidFill>
+                    <a:schemeClr val="bg1">
+                      <a:lumMod val="85000"/>
+                      <a:alpha val="0"/>
+                    </a:schemeClr>
+                  </a:solidFill>
+                </a:ln>
+                <a:latin typeface="나눔스퀘어 Bold" panose="020B0600000101010101" pitchFamily="50" charset="-127"/>
+                <a:ea typeface="나눔스퀘어 Bold" panose="020B0600000101010101" pitchFamily="50" charset="-127"/>
+              </a:rPr>
+              <a:t>모델 실험에 </a:t>
+            </a:r>
+            <a:r>
+              <a:rPr lang="en-US" altLang="ko-KR" sz="1200" spc="-103" smtClean="0">
+                <a:ln>
+                  <a:solidFill>
+                    <a:schemeClr val="bg1">
+                      <a:lumMod val="85000"/>
+                      <a:alpha val="0"/>
+                    </a:schemeClr>
+                  </a:solidFill>
+                </a:ln>
+                <a:latin typeface="나눔스퀘어 Bold" panose="020B0600000101010101" pitchFamily="50" charset="-127"/>
+                <a:ea typeface="나눔스퀘어 Bold" panose="020B0600000101010101" pitchFamily="50" charset="-127"/>
+              </a:rPr>
+              <a:t>logging</a:t>
+            </a:r>
+            <a:r>
+              <a:rPr lang="ko-KR" altLang="en-US" sz="1200" spc="-103" smtClean="0">
+                <a:ln>
+                  <a:solidFill>
+                    <a:schemeClr val="bg1">
+                      <a:lumMod val="85000"/>
+                      <a:alpha val="0"/>
+                    </a:schemeClr>
+                  </a:solidFill>
+                </a:ln>
+                <a:latin typeface="나눔스퀘어 Bold" panose="020B0600000101010101" pitchFamily="50" charset="-127"/>
+                <a:ea typeface="나눔스퀘어 Bold" panose="020B0600000101010101" pitchFamily="50" charset="-127"/>
+              </a:rPr>
+              <a:t>을 해보자</a:t>
+            </a:r>
+            <a:r>
+              <a:rPr lang="en-US" altLang="ko-KR" sz="1200" spc="-103" smtClean="0">
+                <a:ln>
+                  <a:solidFill>
+                    <a:schemeClr val="bg1">
+                      <a:lumMod val="85000"/>
+                      <a:alpha val="0"/>
+                    </a:schemeClr>
+                  </a:solidFill>
+                </a:ln>
+                <a:latin typeface="나눔스퀘어 Bold" panose="020B0600000101010101" pitchFamily="50" charset="-127"/>
+                <a:ea typeface="나눔스퀘어 Bold" panose="020B0600000101010101" pitchFamily="50" charset="-127"/>
+              </a:rPr>
+              <a:t>.</a:t>
+            </a:r>
+            <a:endParaRPr lang="en-US" altLang="ko-KR" sz="1200" spc="-103" smtClean="0">
+              <a:ln>
+                <a:solidFill>
+                  <a:schemeClr val="bg1">
+                    <a:lumMod val="85000"/>
+                    <a:alpha val="0"/>
+                  </a:schemeClr>
+                </a:solidFill>
+              </a:ln>
+              <a:latin typeface="나눔스퀘어 Bold" panose="020B0600000101010101" pitchFamily="50" charset="-127"/>
+              <a:ea typeface="나눔스퀘어 Bold" panose="020B0600000101010101" pitchFamily="50" charset="-127"/>
+            </a:endParaRPr>
+          </a:p>
+        </p:txBody>
+      </p:sp>
+    </p:spTree>
+    <p:extLst>
+      <p:ext uri="{BB962C8B-B14F-4D97-AF65-F5344CB8AC3E}">
+        <p14:creationId xmlns:p14="http://schemas.microsoft.com/office/powerpoint/2010/main" val="3243341211"/>
+      </p:ext>
+    </p:extLst>
+  </p:cSld>
+  <p:clrMapOvr>
+    <a:masterClrMapping/>
+  </p:clrMapOvr>
+</p:sld>
+</file>
+
+<file path=ppt/slides/slide13.xml><?xml version="1.0" encoding="utf-8"?>
+<p:sld xmlns:a="http://schemas.openxmlformats.org/drawingml/2006/main" xmlns:r="http://schemas.openxmlformats.org/officeDocument/2006/relationships" xmlns:p="http://schemas.openxmlformats.org/presentationml/2006/main">
+  <p:cSld>
+    <p:spTree>
+      <p:nvGrpSpPr>
+        <p:cNvPr id="1" name=""/>
+        <p:cNvGrpSpPr/>
+        <p:nvPr/>
+      </p:nvGrpSpPr>
+      <p:grpSpPr>
+        <a:xfrm>
+          <a:off x="0" y="0"/>
+          <a:ext cx="0" cy="0"/>
+          <a:chOff x="0" y="0"/>
+          <a:chExt cx="0" cy="0"/>
+        </a:xfrm>
+      </p:grpSpPr>
+      <p:sp>
+        <p:nvSpPr>
+          <p:cNvPr id="12" name="TextBox 11"/>
+          <p:cNvSpPr txBox="1"/>
+          <p:nvPr/>
+        </p:nvSpPr>
+        <p:spPr>
+          <a:xfrm>
+            <a:off x="455532" y="498947"/>
+            <a:ext cx="614271" cy="461665"/>
+          </a:xfrm>
+          <a:prstGeom prst="rect">
+            <a:avLst/>
+          </a:prstGeom>
+          <a:noFill/>
+        </p:spPr>
+        <p:txBody>
+          <a:bodyPr wrap="square" rtlCol="0">
+            <a:spAutoFit/>
+          </a:bodyPr>
+          <a:lstStyle/>
+          <a:p>
+            <a:pPr algn="ctr"/>
+            <a:r>
+              <a:rPr lang="en-US" altLang="ko-KR" sz="2400" spc="-150" smtClean="0">
+                <a:solidFill>
+                  <a:srgbClr val="00002F"/>
+                </a:solidFill>
+                <a:latin typeface="나눔스퀘어 ExtraBold" panose="020B0600000101010101" pitchFamily="50" charset="-127"/>
+                <a:ea typeface="나눔스퀘어 ExtraBold" panose="020B0600000101010101" pitchFamily="50" charset="-127"/>
+              </a:rPr>
+              <a:t>03.</a:t>
+            </a:r>
+            <a:endParaRPr lang="ko-KR" altLang="en-US" sz="2400" spc="-150" dirty="0">
+              <a:solidFill>
+                <a:srgbClr val="00002F"/>
+              </a:solidFill>
+              <a:latin typeface="나눔스퀘어 ExtraBold" panose="020B0600000101010101" pitchFamily="50" charset="-127"/>
+              <a:ea typeface="나눔스퀘어 ExtraBold" panose="020B0600000101010101" pitchFamily="50" charset="-127"/>
+            </a:endParaRPr>
+          </a:p>
+        </p:txBody>
+      </p:sp>
+      <p:sp>
+        <p:nvSpPr>
+          <p:cNvPr id="36" name="TextBox 35">
+            <a:extLst>
+              <a:ext uri="{FF2B5EF4-FFF2-40B4-BE49-F238E27FC236}">
+                <a16:creationId xmlns:a16="http://schemas.microsoft.com/office/drawing/2014/main" id="{76BF0B6A-32FF-436D-83C4-AB1F31C134F8}"/>
+              </a:ext>
+            </a:extLst>
+          </p:cNvPr>
+          <p:cNvSpPr txBox="1"/>
+          <p:nvPr/>
+        </p:nvSpPr>
+        <p:spPr>
+          <a:xfrm>
+            <a:off x="1119982" y="1075034"/>
+            <a:ext cx="2596341" cy="523220"/>
+          </a:xfrm>
+          <a:prstGeom prst="rect">
+            <a:avLst/>
+          </a:prstGeom>
+          <a:noFill/>
+        </p:spPr>
+        <p:txBody>
+          <a:bodyPr wrap="square" rtlCol="0">
+            <a:spAutoFit/>
+          </a:bodyPr>
+          <a:lstStyle/>
+          <a:p>
+            <a:r>
+              <a:rPr lang="en-US" altLang="ko-KR" sz="1400" spc="-100">
+                <a:ln>
+                  <a:solidFill>
+                    <a:schemeClr val="bg1">
+                      <a:lumMod val="65000"/>
+                      <a:alpha val="0"/>
+                    </a:schemeClr>
+                  </a:solidFill>
+                </a:ln>
+                <a:latin typeface="나눔스퀘어 ExtraBold" panose="020B0600000101010101" pitchFamily="50" charset="-127"/>
+                <a:ea typeface="나눔스퀘어 ExtraBold" panose="020B0600000101010101" pitchFamily="50" charset="-127"/>
+              </a:rPr>
+              <a:t>Exercise</a:t>
+            </a:r>
+            <a:endParaRPr lang="ko-KR" altLang="en-US" sz="1400" spc="-100">
+              <a:ln>
+                <a:solidFill>
+                  <a:schemeClr val="bg1">
+                    <a:lumMod val="65000"/>
+                    <a:alpha val="0"/>
+                  </a:schemeClr>
+                </a:solidFill>
+              </a:ln>
+              <a:latin typeface="나눔스퀘어 ExtraBold" panose="020B0600000101010101" pitchFamily="50" charset="-127"/>
+              <a:ea typeface="나눔스퀘어 ExtraBold" panose="020B0600000101010101" pitchFamily="50" charset="-127"/>
+            </a:endParaRPr>
+          </a:p>
+          <a:p>
+            <a:endParaRPr lang="ko-KR" altLang="en-US" sz="1400" spc="-100" dirty="0">
+              <a:ln>
+                <a:solidFill>
+                  <a:schemeClr val="bg1">
+                    <a:lumMod val="65000"/>
+                    <a:alpha val="0"/>
+                  </a:schemeClr>
+                </a:solidFill>
+              </a:ln>
+              <a:latin typeface="나눔스퀘어 ExtraBold" panose="020B0600000101010101" pitchFamily="50" charset="-127"/>
+              <a:ea typeface="나눔스퀘어 ExtraBold" panose="020B0600000101010101" pitchFamily="50" charset="-127"/>
+            </a:endParaRPr>
+          </a:p>
+        </p:txBody>
+      </p:sp>
+      <p:sp>
+        <p:nvSpPr>
+          <p:cNvPr id="9" name="TextBox 8"/>
+          <p:cNvSpPr txBox="1"/>
+          <p:nvPr/>
+        </p:nvSpPr>
+        <p:spPr>
+          <a:xfrm>
+            <a:off x="1088238" y="437393"/>
+            <a:ext cx="5396382" cy="584775"/>
+          </a:xfrm>
+          <a:prstGeom prst="rect">
+            <a:avLst/>
+          </a:prstGeom>
+          <a:noFill/>
+        </p:spPr>
+        <p:txBody>
+          <a:bodyPr wrap="square" rtlCol="0">
+            <a:spAutoFit/>
+          </a:bodyPr>
+          <a:lstStyle/>
+          <a:p>
+            <a:r>
+              <a:rPr lang="en-US" altLang="ko-KR" sz="3200" spc="-150" smtClean="0">
+                <a:solidFill>
+                  <a:srgbClr val="00002F"/>
+                </a:solidFill>
+                <a:latin typeface="나눔스퀘어 ExtraBold" panose="020B0600000101010101" pitchFamily="50" charset="-127"/>
+                <a:ea typeface="나눔스퀘어 ExtraBold" panose="020B0600000101010101" pitchFamily="50" charset="-127"/>
+              </a:rPr>
+              <a:t>Mlflow Tracking</a:t>
+            </a:r>
+            <a:endParaRPr lang="en-US" altLang="ko-KR" sz="3200" spc="-150">
+              <a:solidFill>
+                <a:srgbClr val="00002F"/>
+              </a:solidFill>
+              <a:latin typeface="나눔스퀘어 ExtraBold" panose="020B0600000101010101" pitchFamily="50" charset="-127"/>
+              <a:ea typeface="나눔스퀘어 ExtraBold" panose="020B0600000101010101" pitchFamily="50" charset="-127"/>
+            </a:endParaRPr>
+          </a:p>
+        </p:txBody>
+      </p:sp>
+      <p:sp>
+        <p:nvSpPr>
+          <p:cNvPr id="6" name="TextBox 5">
+            <a:extLst>
+              <a:ext uri="{FF2B5EF4-FFF2-40B4-BE49-F238E27FC236}">
+                <a16:creationId xmlns:a16="http://schemas.microsoft.com/office/drawing/2014/main" id="{C40C17C7-6436-43BB-AB8B-1F1856BAF096}"/>
+              </a:ext>
+            </a:extLst>
+          </p:cNvPr>
+          <p:cNvSpPr txBox="1"/>
+          <p:nvPr/>
+        </p:nvSpPr>
+        <p:spPr>
+          <a:xfrm>
+            <a:off x="2518969" y="5987612"/>
+            <a:ext cx="7154062" cy="411972"/>
+          </a:xfrm>
+          <a:prstGeom prst="rect">
+            <a:avLst/>
+          </a:prstGeom>
+          <a:noFill/>
+        </p:spPr>
+        <p:txBody>
+          <a:bodyPr wrap="square" rtlCol="0" anchor="ctr">
+            <a:spAutoFit/>
+          </a:bodyPr>
+          <a:lstStyle/>
+          <a:p>
+            <a:pPr marL="171450" indent="-171450" algn="ctr">
+              <a:lnSpc>
+                <a:spcPct val="200000"/>
+              </a:lnSpc>
+              <a:buFont typeface="Arial" panose="020B0604020202020204" pitchFamily="34" charset="0"/>
+              <a:buChar char="•"/>
+            </a:pPr>
+            <a:r>
+              <a:rPr lang="ko-KR" altLang="en-US" sz="1200" spc="-103" smtClean="0">
+                <a:ln>
+                  <a:solidFill>
+                    <a:schemeClr val="bg1">
+                      <a:lumMod val="85000"/>
+                      <a:alpha val="0"/>
+                    </a:schemeClr>
+                  </a:solidFill>
+                </a:ln>
+                <a:latin typeface="나눔스퀘어 Bold" panose="020B0600000101010101" pitchFamily="50" charset="-127"/>
+                <a:ea typeface="나눔스퀘어 Bold" panose="020B0600000101010101" pitchFamily="50" charset="-127"/>
+              </a:rPr>
+              <a:t>영화 리뷰 긍부정 분류하는 </a:t>
+            </a:r>
+            <a:r>
+              <a:rPr lang="en-US" altLang="ko-KR" sz="1200" spc="-103" smtClean="0">
+                <a:ln>
+                  <a:solidFill>
+                    <a:schemeClr val="bg1">
+                      <a:lumMod val="85000"/>
+                      <a:alpha val="0"/>
+                    </a:schemeClr>
+                  </a:solidFill>
+                </a:ln>
+                <a:latin typeface="나눔스퀘어 Bold" panose="020B0600000101010101" pitchFamily="50" charset="-127"/>
+                <a:ea typeface="나눔스퀘어 Bold" panose="020B0600000101010101" pitchFamily="50" charset="-127"/>
+              </a:rPr>
+              <a:t>DL </a:t>
+            </a:r>
+            <a:r>
+              <a:rPr lang="ko-KR" altLang="en-US" sz="1200" spc="-103" smtClean="0">
+                <a:ln>
+                  <a:solidFill>
+                    <a:schemeClr val="bg1">
+                      <a:lumMod val="85000"/>
+                      <a:alpha val="0"/>
+                    </a:schemeClr>
+                  </a:solidFill>
+                </a:ln>
+                <a:latin typeface="나눔스퀘어 Bold" panose="020B0600000101010101" pitchFamily="50" charset="-127"/>
+                <a:ea typeface="나눔스퀘어 Bold" panose="020B0600000101010101" pitchFamily="50" charset="-127"/>
+              </a:rPr>
+              <a:t>모델에 로깅을 해보자</a:t>
+            </a:r>
+            <a:r>
+              <a:rPr lang="en-US" altLang="ko-KR" sz="1200" spc="-103" smtClean="0">
+                <a:ln>
+                  <a:solidFill>
+                    <a:schemeClr val="bg1">
+                      <a:lumMod val="85000"/>
+                      <a:alpha val="0"/>
+                    </a:schemeClr>
+                  </a:solidFill>
+                </a:ln>
+                <a:latin typeface="나눔스퀘어 Bold" panose="020B0600000101010101" pitchFamily="50" charset="-127"/>
+                <a:ea typeface="나눔스퀘어 Bold" panose="020B0600000101010101" pitchFamily="50" charset="-127"/>
+              </a:rPr>
+              <a:t>.</a:t>
+            </a:r>
+            <a:endParaRPr lang="en-US" altLang="ko-KR" sz="1200" spc="-103" smtClean="0">
+              <a:ln>
+                <a:solidFill>
+                  <a:schemeClr val="bg1">
+                    <a:lumMod val="85000"/>
+                    <a:alpha val="0"/>
+                  </a:schemeClr>
+                </a:solidFill>
+              </a:ln>
+              <a:latin typeface="나눔스퀘어 Bold" panose="020B0600000101010101" pitchFamily="50" charset="-127"/>
+              <a:ea typeface="나눔스퀘어 Bold" panose="020B0600000101010101" pitchFamily="50" charset="-127"/>
+            </a:endParaRPr>
+          </a:p>
+        </p:txBody>
+      </p:sp>
+      <p:pic>
+        <p:nvPicPr>
+          <p:cNvPr id="2" name="그림 1"/>
+          <p:cNvPicPr>
+            <a:picLocks noChangeAspect="1"/>
+          </p:cNvPicPr>
+          <p:nvPr/>
+        </p:nvPicPr>
+        <p:blipFill>
+          <a:blip r:embed="rId2"/>
+          <a:stretch>
+            <a:fillRect/>
+          </a:stretch>
+        </p:blipFill>
+        <p:spPr>
+          <a:xfrm>
+            <a:off x="2830138" y="1822811"/>
+            <a:ext cx="6531725" cy="3877399"/>
+          </a:xfrm>
+          <a:prstGeom prst="rect">
+            <a:avLst/>
+          </a:prstGeom>
+        </p:spPr>
+      </p:pic>
+    </p:spTree>
+    <p:extLst>
+      <p:ext uri="{BB962C8B-B14F-4D97-AF65-F5344CB8AC3E}">
+        <p14:creationId xmlns:p14="http://schemas.microsoft.com/office/powerpoint/2010/main" val="3248689033"/>
+      </p:ext>
+    </p:extLst>
+  </p:cSld>
+  <p:clrMapOvr>
+    <a:masterClrMapping/>
+  </p:clrMapOvr>
+</p:sld>
+</file>
+
+<file path=ppt/slides/slide14.xml><?xml version="1.0" encoding="utf-8"?>
+<p:sld xmlns:a="http://schemas.openxmlformats.org/drawingml/2006/main" xmlns:r="http://schemas.openxmlformats.org/officeDocument/2006/relationships" xmlns:p="http://schemas.openxmlformats.org/presentationml/2006/main">
+  <p:cSld>
+    <p:spTree>
+      <p:nvGrpSpPr>
+        <p:cNvPr id="1" name=""/>
+        <p:cNvGrpSpPr/>
+        <p:nvPr/>
+      </p:nvGrpSpPr>
+      <p:grpSpPr>
+        <a:xfrm>
+          <a:off x="0" y="0"/>
+          <a:ext cx="0" cy="0"/>
+          <a:chOff x="0" y="0"/>
+          <a:chExt cx="0" cy="0"/>
+        </a:xfrm>
+      </p:grpSpPr>
+      <p:sp>
+        <p:nvSpPr>
+          <p:cNvPr id="12" name="TextBox 11"/>
+          <p:cNvSpPr txBox="1"/>
+          <p:nvPr/>
+        </p:nvSpPr>
+        <p:spPr>
+          <a:xfrm>
+            <a:off x="455532" y="498947"/>
+            <a:ext cx="614271" cy="461665"/>
+          </a:xfrm>
+          <a:prstGeom prst="rect">
+            <a:avLst/>
+          </a:prstGeom>
+          <a:noFill/>
+        </p:spPr>
+        <p:txBody>
+          <a:bodyPr wrap="square" rtlCol="0">
+            <a:spAutoFit/>
+          </a:bodyPr>
+          <a:lstStyle/>
+          <a:p>
+            <a:pPr algn="ctr"/>
+            <a:r>
+              <a:rPr lang="en-US" altLang="ko-KR" sz="2400" spc="-150" smtClean="0">
+                <a:solidFill>
+                  <a:srgbClr val="00002F"/>
+                </a:solidFill>
+                <a:latin typeface="나눔스퀘어 ExtraBold" panose="020B0600000101010101" pitchFamily="50" charset="-127"/>
+                <a:ea typeface="나눔스퀘어 ExtraBold" panose="020B0600000101010101" pitchFamily="50" charset="-127"/>
+              </a:rPr>
+              <a:t>03.</a:t>
+            </a:r>
+            <a:endParaRPr lang="ko-KR" altLang="en-US" sz="2400" spc="-150" dirty="0">
+              <a:solidFill>
+                <a:srgbClr val="00002F"/>
+              </a:solidFill>
+              <a:latin typeface="나눔스퀘어 ExtraBold" panose="020B0600000101010101" pitchFamily="50" charset="-127"/>
+              <a:ea typeface="나눔스퀘어 ExtraBold" panose="020B0600000101010101" pitchFamily="50" charset="-127"/>
+            </a:endParaRPr>
+          </a:p>
+        </p:txBody>
+      </p:sp>
+      <p:sp>
+        <p:nvSpPr>
+          <p:cNvPr id="36" name="TextBox 35">
+            <a:extLst>
+              <a:ext uri="{FF2B5EF4-FFF2-40B4-BE49-F238E27FC236}">
+                <a16:creationId xmlns:a16="http://schemas.microsoft.com/office/drawing/2014/main" id="{76BF0B6A-32FF-436D-83C4-AB1F31C134F8}"/>
+              </a:ext>
+            </a:extLst>
+          </p:cNvPr>
+          <p:cNvSpPr txBox="1"/>
+          <p:nvPr/>
+        </p:nvSpPr>
+        <p:spPr>
+          <a:xfrm>
+            <a:off x="1119982" y="1075034"/>
+            <a:ext cx="2596341" cy="307777"/>
+          </a:xfrm>
+          <a:prstGeom prst="rect">
+            <a:avLst/>
+          </a:prstGeom>
+          <a:noFill/>
+        </p:spPr>
+        <p:txBody>
+          <a:bodyPr wrap="square" rtlCol="0">
+            <a:spAutoFit/>
+          </a:bodyPr>
+          <a:lstStyle/>
+          <a:p>
+            <a:r>
+              <a:rPr lang="en-US" altLang="ko-KR" sz="1400" spc="-100" smtClean="0">
+                <a:ln>
+                  <a:solidFill>
+                    <a:schemeClr val="bg1">
+                      <a:lumMod val="65000"/>
+                      <a:alpha val="0"/>
+                    </a:schemeClr>
+                  </a:solidFill>
+                </a:ln>
+                <a:latin typeface="나눔스퀘어 ExtraBold" panose="020B0600000101010101" pitchFamily="50" charset="-127"/>
+                <a:ea typeface="나눔스퀘어 ExtraBold" panose="020B0600000101010101" pitchFamily="50" charset="-127"/>
+              </a:rPr>
+              <a:t>Needs</a:t>
+            </a:r>
+            <a:endParaRPr lang="ko-KR" altLang="en-US" sz="1400" spc="-100" dirty="0">
+              <a:ln>
+                <a:solidFill>
+                  <a:schemeClr val="bg1">
+                    <a:lumMod val="65000"/>
+                    <a:alpha val="0"/>
+                  </a:schemeClr>
+                </a:solidFill>
+              </a:ln>
+              <a:latin typeface="나눔스퀘어 ExtraBold" panose="020B0600000101010101" pitchFamily="50" charset="-127"/>
+              <a:ea typeface="나눔스퀘어 ExtraBold" panose="020B0600000101010101" pitchFamily="50" charset="-127"/>
+            </a:endParaRPr>
+          </a:p>
+        </p:txBody>
+      </p:sp>
+      <p:sp>
+        <p:nvSpPr>
+          <p:cNvPr id="9" name="TextBox 8"/>
+          <p:cNvSpPr txBox="1"/>
+          <p:nvPr/>
+        </p:nvSpPr>
+        <p:spPr>
+          <a:xfrm>
+            <a:off x="1088238" y="437393"/>
+            <a:ext cx="5396382" cy="584775"/>
+          </a:xfrm>
+          <a:prstGeom prst="rect">
+            <a:avLst/>
+          </a:prstGeom>
+          <a:noFill/>
+        </p:spPr>
+        <p:txBody>
+          <a:bodyPr wrap="square" rtlCol="0">
+            <a:spAutoFit/>
+          </a:bodyPr>
+          <a:lstStyle/>
+          <a:p>
+            <a:r>
+              <a:rPr lang="en-US" altLang="ko-KR" sz="3200" spc="-150" smtClean="0">
+                <a:solidFill>
+                  <a:srgbClr val="00002F"/>
+                </a:solidFill>
+                <a:latin typeface="나눔스퀘어 ExtraBold" panose="020B0600000101010101" pitchFamily="50" charset="-127"/>
+                <a:ea typeface="나눔스퀘어 ExtraBold" panose="020B0600000101010101" pitchFamily="50" charset="-127"/>
+              </a:rPr>
+              <a:t>Mlflow </a:t>
+            </a:r>
+            <a:r>
+              <a:rPr lang="en-US" altLang="ko-KR" sz="3200" spc="-150" smtClean="0">
+                <a:solidFill>
+                  <a:srgbClr val="00002F"/>
+                </a:solidFill>
+                <a:latin typeface="나눔스퀘어 ExtraBold" panose="020B0600000101010101" pitchFamily="50" charset="-127"/>
+                <a:ea typeface="나눔스퀘어 ExtraBold" panose="020B0600000101010101" pitchFamily="50" charset="-127"/>
+              </a:rPr>
+              <a:t>Registry</a:t>
+            </a:r>
+            <a:endParaRPr lang="en-US" altLang="ko-KR" sz="3200" spc="-150">
+              <a:solidFill>
+                <a:srgbClr val="00002F"/>
+              </a:solidFill>
+              <a:latin typeface="나눔스퀘어 ExtraBold" panose="020B0600000101010101" pitchFamily="50" charset="-127"/>
+              <a:ea typeface="나눔스퀘어 ExtraBold" panose="020B0600000101010101" pitchFamily="50" charset="-127"/>
+            </a:endParaRPr>
+          </a:p>
+        </p:txBody>
+      </p:sp>
+      <p:sp>
+        <p:nvSpPr>
+          <p:cNvPr id="6" name="TextBox 5">
+            <a:extLst>
+              <a:ext uri="{FF2B5EF4-FFF2-40B4-BE49-F238E27FC236}">
+                <a16:creationId xmlns:a16="http://schemas.microsoft.com/office/drawing/2014/main" id="{C40C17C7-6436-43BB-AB8B-1F1856BAF096}"/>
+              </a:ext>
+            </a:extLst>
+          </p:cNvPr>
+          <p:cNvSpPr txBox="1"/>
+          <p:nvPr/>
+        </p:nvSpPr>
+        <p:spPr>
+          <a:xfrm>
+            <a:off x="3689572" y="2644170"/>
+            <a:ext cx="4812856" cy="1569660"/>
+          </a:xfrm>
+          <a:prstGeom prst="rect">
+            <a:avLst/>
+          </a:prstGeom>
+          <a:noFill/>
+        </p:spPr>
+        <p:txBody>
+          <a:bodyPr wrap="square" rtlCol="0" anchor="ctr">
+            <a:spAutoFit/>
+          </a:bodyPr>
+          <a:lstStyle/>
+          <a:p>
+            <a:pPr marL="171450" indent="-171450">
+              <a:lnSpc>
+                <a:spcPct val="200000"/>
+              </a:lnSpc>
+              <a:buFont typeface="Arial" panose="020B0604020202020204" pitchFamily="34" charset="0"/>
+              <a:buChar char="•"/>
+            </a:pPr>
+            <a:r>
+              <a:rPr lang="ko-KR" altLang="en-US" sz="1200" spc="-103" smtClean="0">
+                <a:ln>
+                  <a:solidFill>
+                    <a:schemeClr val="bg1">
+                      <a:lumMod val="85000"/>
+                      <a:alpha val="0"/>
+                    </a:schemeClr>
+                  </a:solidFill>
+                </a:ln>
+                <a:latin typeface="나눔스퀘어 Bold" panose="020B0600000101010101" pitchFamily="50" charset="-127"/>
+                <a:ea typeface="나눔스퀘어 Bold" panose="020B0600000101010101" pitchFamily="50" charset="-127"/>
+              </a:rPr>
+              <a:t>회사에 다른 </a:t>
+            </a:r>
+            <a:r>
+              <a:rPr lang="en-US" altLang="ko-KR" sz="1200" spc="-103" smtClean="0">
+                <a:ln>
+                  <a:solidFill>
+                    <a:schemeClr val="bg1">
+                      <a:lumMod val="85000"/>
+                      <a:alpha val="0"/>
+                    </a:schemeClr>
+                  </a:solidFill>
+                </a:ln>
+                <a:latin typeface="나눔스퀘어 Bold" panose="020B0600000101010101" pitchFamily="50" charset="-127"/>
+                <a:ea typeface="나눔스퀘어 Bold" panose="020B0600000101010101" pitchFamily="50" charset="-127"/>
+              </a:rPr>
+              <a:t>3</a:t>
+            </a:r>
+            <a:r>
+              <a:rPr lang="ko-KR" altLang="en-US" sz="1200" spc="-103" smtClean="0">
+                <a:ln>
+                  <a:solidFill>
+                    <a:schemeClr val="bg1">
+                      <a:lumMod val="85000"/>
+                      <a:alpha val="0"/>
+                    </a:schemeClr>
+                  </a:solidFill>
+                </a:ln>
+                <a:latin typeface="나눔스퀘어 Bold" panose="020B0600000101010101" pitchFamily="50" charset="-127"/>
+                <a:ea typeface="나눔스퀘어 Bold" panose="020B0600000101010101" pitchFamily="50" charset="-127"/>
+              </a:rPr>
+              <a:t>명의 모델러와 같은 프로젝트에 대한 실험 결과를 공유하고 싶은데</a:t>
+            </a:r>
+            <a:r>
+              <a:rPr lang="en-US" altLang="ko-KR" sz="1200" spc="-103" smtClean="0">
+                <a:ln>
+                  <a:solidFill>
+                    <a:schemeClr val="bg1">
+                      <a:lumMod val="85000"/>
+                      <a:alpha val="0"/>
+                    </a:schemeClr>
+                  </a:solidFill>
+                </a:ln>
+                <a:latin typeface="나눔스퀘어 Bold" panose="020B0600000101010101" pitchFamily="50" charset="-127"/>
+                <a:ea typeface="나눔스퀘어 Bold" panose="020B0600000101010101" pitchFamily="50" charset="-127"/>
+              </a:rPr>
+              <a:t>..</a:t>
+            </a:r>
+          </a:p>
+          <a:p>
+            <a:pPr marL="171450" indent="-171450">
+              <a:lnSpc>
+                <a:spcPct val="200000"/>
+              </a:lnSpc>
+              <a:buFont typeface="Arial" panose="020B0604020202020204" pitchFamily="34" charset="0"/>
+              <a:buChar char="•"/>
+            </a:pPr>
+            <a:r>
+              <a:rPr lang="en-US" altLang="ko-KR" sz="1200" spc="-103" smtClean="0">
+                <a:ln>
+                  <a:solidFill>
+                    <a:schemeClr val="bg1">
+                      <a:lumMod val="85000"/>
+                      <a:alpha val="0"/>
+                    </a:schemeClr>
+                  </a:solidFill>
+                </a:ln>
+                <a:latin typeface="나눔스퀘어 Bold" panose="020B0600000101010101" pitchFamily="50" charset="-127"/>
+                <a:ea typeface="나눔스퀘어 Bold" panose="020B0600000101010101" pitchFamily="50" charset="-127"/>
+              </a:rPr>
+              <a:t>PC</a:t>
+            </a:r>
+            <a:r>
+              <a:rPr lang="ko-KR" altLang="en-US" sz="1200" spc="-103" smtClean="0">
+                <a:ln>
+                  <a:solidFill>
+                    <a:schemeClr val="bg1">
+                      <a:lumMod val="85000"/>
+                      <a:alpha val="0"/>
+                    </a:schemeClr>
+                  </a:solidFill>
+                </a:ln>
+                <a:latin typeface="나눔스퀘어 Bold" panose="020B0600000101010101" pitchFamily="50" charset="-127"/>
+                <a:ea typeface="나눔스퀘어 Bold" panose="020B0600000101010101" pitchFamily="50" charset="-127"/>
+              </a:rPr>
+              <a:t>가 서로 다르네</a:t>
+            </a:r>
+            <a:r>
+              <a:rPr lang="en-US" altLang="ko-KR" sz="1200" spc="-103" smtClean="0">
+                <a:ln>
+                  <a:solidFill>
+                    <a:schemeClr val="bg1">
+                      <a:lumMod val="85000"/>
+                      <a:alpha val="0"/>
+                    </a:schemeClr>
+                  </a:solidFill>
+                </a:ln>
+                <a:latin typeface="나눔스퀘어 Bold" panose="020B0600000101010101" pitchFamily="50" charset="-127"/>
+                <a:ea typeface="나눔스퀘어 Bold" panose="020B0600000101010101" pitchFamily="50" charset="-127"/>
+              </a:rPr>
+              <a:t>..</a:t>
+            </a:r>
+          </a:p>
+          <a:p>
+            <a:pPr marL="171450" indent="-171450">
+              <a:lnSpc>
+                <a:spcPct val="200000"/>
+              </a:lnSpc>
+              <a:buFont typeface="Arial" panose="020B0604020202020204" pitchFamily="34" charset="0"/>
+              <a:buChar char="•"/>
+            </a:pPr>
+            <a:r>
+              <a:rPr lang="ko-KR" altLang="en-US" sz="1200" spc="-103" smtClean="0">
+                <a:ln>
+                  <a:solidFill>
+                    <a:schemeClr val="bg1">
+                      <a:lumMod val="85000"/>
+                      <a:alpha val="0"/>
+                    </a:schemeClr>
+                  </a:solidFill>
+                </a:ln>
+                <a:latin typeface="나눔스퀘어 Bold" panose="020B0600000101010101" pitchFamily="50" charset="-127"/>
+                <a:ea typeface="나눔스퀘어 Bold" panose="020B0600000101010101" pitchFamily="50" charset="-127"/>
+              </a:rPr>
+              <a:t>모델 기록들을 중앙에서 관리하고 싶다</a:t>
+            </a:r>
+            <a:r>
+              <a:rPr lang="en-US" altLang="ko-KR" sz="1200" spc="-103" smtClean="0">
+                <a:ln>
+                  <a:solidFill>
+                    <a:schemeClr val="bg1">
+                      <a:lumMod val="85000"/>
+                      <a:alpha val="0"/>
+                    </a:schemeClr>
+                  </a:solidFill>
+                </a:ln>
+                <a:latin typeface="나눔스퀘어 Bold" panose="020B0600000101010101" pitchFamily="50" charset="-127"/>
+                <a:ea typeface="나눔스퀘어 Bold" panose="020B0600000101010101" pitchFamily="50" charset="-127"/>
+              </a:rPr>
+              <a:t>..</a:t>
+            </a:r>
+          </a:p>
+          <a:p>
+            <a:pPr marL="171450" indent="-171450">
+              <a:lnSpc>
+                <a:spcPct val="200000"/>
+              </a:lnSpc>
+              <a:buFont typeface="Arial" panose="020B0604020202020204" pitchFamily="34" charset="0"/>
+              <a:buChar char="•"/>
+            </a:pPr>
+            <a:r>
+              <a:rPr lang="ko-KR" altLang="en-US" sz="1200" spc="-103" smtClean="0">
+                <a:ln>
+                  <a:solidFill>
+                    <a:schemeClr val="bg1">
+                      <a:lumMod val="85000"/>
+                      <a:alpha val="0"/>
+                    </a:schemeClr>
+                  </a:solidFill>
+                </a:ln>
+                <a:latin typeface="나눔스퀘어 Bold" panose="020B0600000101010101" pitchFamily="50" charset="-127"/>
+                <a:ea typeface="나눔스퀘어 Bold" panose="020B0600000101010101" pitchFamily="50" charset="-127"/>
+              </a:rPr>
+              <a:t>여러 실험 모델 중 </a:t>
+            </a:r>
+            <a:r>
+              <a:rPr lang="en-US" altLang="ko-KR" sz="1200" spc="-103" smtClean="0">
+                <a:ln>
+                  <a:solidFill>
+                    <a:schemeClr val="bg1">
+                      <a:lumMod val="85000"/>
+                      <a:alpha val="0"/>
+                    </a:schemeClr>
+                  </a:solidFill>
+                </a:ln>
+                <a:latin typeface="나눔스퀘어 Bold" panose="020B0600000101010101" pitchFamily="50" charset="-127"/>
+                <a:ea typeface="나눔스퀘어 Bold" panose="020B0600000101010101" pitchFamily="50" charset="-127"/>
+              </a:rPr>
+              <a:t>Staging </a:t>
+            </a:r>
+            <a:r>
+              <a:rPr lang="ko-KR" altLang="en-US" sz="1200" spc="-103" smtClean="0">
+                <a:ln>
+                  <a:solidFill>
+                    <a:schemeClr val="bg1">
+                      <a:lumMod val="85000"/>
+                      <a:alpha val="0"/>
+                    </a:schemeClr>
+                  </a:solidFill>
+                </a:ln>
+                <a:latin typeface="나눔스퀘어 Bold" panose="020B0600000101010101" pitchFamily="50" charset="-127"/>
+                <a:ea typeface="나눔스퀘어 Bold" panose="020B0600000101010101" pitchFamily="50" charset="-127"/>
+              </a:rPr>
+              <a:t>중인 것과 </a:t>
+            </a:r>
+            <a:r>
+              <a:rPr lang="en-US" altLang="ko-KR" sz="1200" spc="-103" smtClean="0">
+                <a:ln>
+                  <a:solidFill>
+                    <a:schemeClr val="bg1">
+                      <a:lumMod val="85000"/>
+                      <a:alpha val="0"/>
+                    </a:schemeClr>
+                  </a:solidFill>
+                </a:ln>
+                <a:latin typeface="나눔스퀘어 Bold" panose="020B0600000101010101" pitchFamily="50" charset="-127"/>
+                <a:ea typeface="나눔스퀘어 Bold" panose="020B0600000101010101" pitchFamily="50" charset="-127"/>
+              </a:rPr>
+              <a:t>Production</a:t>
+            </a:r>
+            <a:r>
+              <a:rPr lang="ko-KR" altLang="en-US" sz="1200" spc="-103" smtClean="0">
+                <a:ln>
+                  <a:solidFill>
+                    <a:schemeClr val="bg1">
+                      <a:lumMod val="85000"/>
+                      <a:alpha val="0"/>
+                    </a:schemeClr>
+                  </a:solidFill>
+                </a:ln>
+                <a:latin typeface="나눔스퀘어 Bold" panose="020B0600000101010101" pitchFamily="50" charset="-127"/>
+                <a:ea typeface="나눔스퀘어 Bold" panose="020B0600000101010101" pitchFamily="50" charset="-127"/>
+              </a:rPr>
+              <a:t>것을 구분하고 관리하고 싶다</a:t>
+            </a:r>
+            <a:r>
+              <a:rPr lang="en-US" altLang="ko-KR" sz="1200" spc="-103" smtClean="0">
+                <a:ln>
+                  <a:solidFill>
+                    <a:schemeClr val="bg1">
+                      <a:lumMod val="85000"/>
+                      <a:alpha val="0"/>
+                    </a:schemeClr>
+                  </a:solidFill>
+                </a:ln>
+                <a:latin typeface="나눔스퀘어 Bold" panose="020B0600000101010101" pitchFamily="50" charset="-127"/>
+                <a:ea typeface="나눔스퀘어 Bold" panose="020B0600000101010101" pitchFamily="50" charset="-127"/>
+              </a:rPr>
+              <a:t>.</a:t>
+            </a:r>
+            <a:endParaRPr lang="en-US" altLang="ko-KR" sz="1200" spc="-103" smtClean="0">
+              <a:ln>
+                <a:solidFill>
+                  <a:schemeClr val="bg1">
+                    <a:lumMod val="85000"/>
+                    <a:alpha val="0"/>
+                  </a:schemeClr>
+                </a:solidFill>
+              </a:ln>
+              <a:latin typeface="나눔스퀘어 Bold" panose="020B0600000101010101" pitchFamily="50" charset="-127"/>
+              <a:ea typeface="나눔스퀘어 Bold" panose="020B0600000101010101" pitchFamily="50" charset="-127"/>
+            </a:endParaRPr>
+          </a:p>
+        </p:txBody>
+      </p:sp>
+    </p:spTree>
+    <p:extLst>
+      <p:ext uri="{BB962C8B-B14F-4D97-AF65-F5344CB8AC3E}">
+        <p14:creationId xmlns:p14="http://schemas.microsoft.com/office/powerpoint/2010/main" val="1265656884"/>
+      </p:ext>
+    </p:extLst>
+  </p:cSld>
+  <p:clrMapOvr>
+    <a:masterClrMapping/>
+  </p:clrMapOvr>
+</p:sld>
+</file>
+
+<file path=ppt/slides/slide15.xml><?xml version="1.0" encoding="utf-8"?>
+<p:sld xmlns:a="http://schemas.openxmlformats.org/drawingml/2006/main" xmlns:r="http://schemas.openxmlformats.org/officeDocument/2006/relationships" xmlns:p="http://schemas.openxmlformats.org/presentationml/2006/main">
+  <p:cSld>
+    <p:spTree>
+      <p:nvGrpSpPr>
+        <p:cNvPr id="1" name=""/>
+        <p:cNvGrpSpPr/>
+        <p:nvPr/>
+      </p:nvGrpSpPr>
+      <p:grpSpPr>
+        <a:xfrm>
+          <a:off x="0" y="0"/>
+          <a:ext cx="0" cy="0"/>
+          <a:chOff x="0" y="0"/>
+          <a:chExt cx="0" cy="0"/>
+        </a:xfrm>
+      </p:grpSpPr>
+      <p:sp>
+        <p:nvSpPr>
+          <p:cNvPr id="12" name="TextBox 11"/>
+          <p:cNvSpPr txBox="1"/>
+          <p:nvPr/>
+        </p:nvSpPr>
+        <p:spPr>
+          <a:xfrm>
+            <a:off x="455532" y="498947"/>
+            <a:ext cx="614271" cy="461665"/>
+          </a:xfrm>
+          <a:prstGeom prst="rect">
+            <a:avLst/>
+          </a:prstGeom>
+          <a:noFill/>
+        </p:spPr>
+        <p:txBody>
+          <a:bodyPr wrap="square" rtlCol="0">
+            <a:spAutoFit/>
+          </a:bodyPr>
+          <a:lstStyle/>
+          <a:p>
+            <a:pPr algn="ctr"/>
+            <a:r>
+              <a:rPr lang="en-US" altLang="ko-KR" sz="2400" spc="-150" smtClean="0">
+                <a:solidFill>
+                  <a:srgbClr val="00002F"/>
+                </a:solidFill>
+                <a:latin typeface="나눔스퀘어 ExtraBold" panose="020B0600000101010101" pitchFamily="50" charset="-127"/>
+                <a:ea typeface="나눔스퀘어 ExtraBold" panose="020B0600000101010101" pitchFamily="50" charset="-127"/>
+              </a:rPr>
+              <a:t>03.</a:t>
+            </a:r>
+            <a:endParaRPr lang="ko-KR" altLang="en-US" sz="2400" spc="-150" dirty="0">
+              <a:solidFill>
+                <a:srgbClr val="00002F"/>
+              </a:solidFill>
+              <a:latin typeface="나눔스퀘어 ExtraBold" panose="020B0600000101010101" pitchFamily="50" charset="-127"/>
+              <a:ea typeface="나눔스퀘어 ExtraBold" panose="020B0600000101010101" pitchFamily="50" charset="-127"/>
+            </a:endParaRPr>
+          </a:p>
+        </p:txBody>
+      </p:sp>
+      <p:sp>
+        <p:nvSpPr>
+          <p:cNvPr id="36" name="TextBox 35">
+            <a:extLst>
+              <a:ext uri="{FF2B5EF4-FFF2-40B4-BE49-F238E27FC236}">
+                <a16:creationId xmlns:a16="http://schemas.microsoft.com/office/drawing/2014/main" id="{76BF0B6A-32FF-436D-83C4-AB1F31C134F8}"/>
+              </a:ext>
+            </a:extLst>
+          </p:cNvPr>
+          <p:cNvSpPr txBox="1"/>
+          <p:nvPr/>
+        </p:nvSpPr>
+        <p:spPr>
+          <a:xfrm>
+            <a:off x="1119982" y="1075034"/>
+            <a:ext cx="2596341" cy="307777"/>
+          </a:xfrm>
+          <a:prstGeom prst="rect">
+            <a:avLst/>
+          </a:prstGeom>
+          <a:noFill/>
+        </p:spPr>
+        <p:txBody>
+          <a:bodyPr wrap="square" rtlCol="0">
+            <a:spAutoFit/>
+          </a:bodyPr>
+          <a:lstStyle/>
+          <a:p>
+            <a:r>
+              <a:rPr lang="en-US" altLang="ko-KR" sz="1400" spc="-100" smtClean="0">
+                <a:ln>
+                  <a:solidFill>
+                    <a:schemeClr val="bg1">
+                      <a:lumMod val="65000"/>
+                      <a:alpha val="0"/>
+                    </a:schemeClr>
+                  </a:solidFill>
+                </a:ln>
+                <a:latin typeface="나눔스퀘어 ExtraBold" panose="020B0600000101010101" pitchFamily="50" charset="-127"/>
+                <a:ea typeface="나눔스퀘어 ExtraBold" panose="020B0600000101010101" pitchFamily="50" charset="-127"/>
+              </a:rPr>
+              <a:t>Exercise</a:t>
+            </a:r>
+            <a:endParaRPr lang="ko-KR" altLang="en-US" sz="1400" spc="-100" dirty="0">
+              <a:ln>
+                <a:solidFill>
+                  <a:schemeClr val="bg1">
+                    <a:lumMod val="65000"/>
+                    <a:alpha val="0"/>
+                  </a:schemeClr>
+                </a:solidFill>
+              </a:ln>
+              <a:latin typeface="나눔스퀘어 ExtraBold" panose="020B0600000101010101" pitchFamily="50" charset="-127"/>
+              <a:ea typeface="나눔스퀘어 ExtraBold" panose="020B0600000101010101" pitchFamily="50" charset="-127"/>
+            </a:endParaRPr>
+          </a:p>
+        </p:txBody>
+      </p:sp>
+      <p:sp>
+        <p:nvSpPr>
+          <p:cNvPr id="9" name="TextBox 8"/>
+          <p:cNvSpPr txBox="1"/>
+          <p:nvPr/>
+        </p:nvSpPr>
+        <p:spPr>
+          <a:xfrm>
+            <a:off x="1088238" y="437393"/>
+            <a:ext cx="5396382" cy="584775"/>
+          </a:xfrm>
+          <a:prstGeom prst="rect">
+            <a:avLst/>
+          </a:prstGeom>
+          <a:noFill/>
+        </p:spPr>
+        <p:txBody>
+          <a:bodyPr wrap="square" rtlCol="0">
+            <a:spAutoFit/>
+          </a:bodyPr>
+          <a:lstStyle/>
+          <a:p>
+            <a:r>
+              <a:rPr lang="en-US" altLang="ko-KR" sz="3200" spc="-150" smtClean="0">
+                <a:solidFill>
+                  <a:srgbClr val="00002F"/>
+                </a:solidFill>
+                <a:latin typeface="나눔스퀘어 ExtraBold" panose="020B0600000101010101" pitchFamily="50" charset="-127"/>
+                <a:ea typeface="나눔스퀘어 ExtraBold" panose="020B0600000101010101" pitchFamily="50" charset="-127"/>
+              </a:rPr>
+              <a:t>Mlflow </a:t>
+            </a:r>
+            <a:r>
+              <a:rPr lang="en-US" altLang="ko-KR" sz="3200" spc="-150" smtClean="0">
+                <a:solidFill>
+                  <a:srgbClr val="00002F"/>
+                </a:solidFill>
+                <a:latin typeface="나눔스퀘어 ExtraBold" panose="020B0600000101010101" pitchFamily="50" charset="-127"/>
+                <a:ea typeface="나눔스퀘어 ExtraBold" panose="020B0600000101010101" pitchFamily="50" charset="-127"/>
+              </a:rPr>
+              <a:t>Registry</a:t>
+            </a:r>
+            <a:endParaRPr lang="en-US" altLang="ko-KR" sz="3200" spc="-150">
+              <a:solidFill>
+                <a:srgbClr val="00002F"/>
+              </a:solidFill>
+              <a:latin typeface="나눔스퀘어 ExtraBold" panose="020B0600000101010101" pitchFamily="50" charset="-127"/>
+              <a:ea typeface="나눔스퀘어 ExtraBold" panose="020B0600000101010101" pitchFamily="50" charset="-127"/>
+            </a:endParaRPr>
+          </a:p>
+        </p:txBody>
+      </p:sp>
+      <p:sp>
+        <p:nvSpPr>
+          <p:cNvPr id="7" name="TextBox 6">
+            <a:extLst>
+              <a:ext uri="{FF2B5EF4-FFF2-40B4-BE49-F238E27FC236}">
+                <a16:creationId xmlns:a16="http://schemas.microsoft.com/office/drawing/2014/main" id="{C40C17C7-6436-43BB-AB8B-1F1856BAF096}"/>
+              </a:ext>
+            </a:extLst>
+          </p:cNvPr>
+          <p:cNvSpPr txBox="1"/>
+          <p:nvPr/>
+        </p:nvSpPr>
+        <p:spPr>
+          <a:xfrm>
+            <a:off x="4353844" y="3641730"/>
+            <a:ext cx="3484312" cy="830997"/>
+          </a:xfrm>
+          <a:prstGeom prst="rect">
+            <a:avLst/>
+          </a:prstGeom>
+          <a:noFill/>
+        </p:spPr>
+        <p:txBody>
+          <a:bodyPr wrap="square" rtlCol="0" anchor="ctr">
+            <a:spAutoFit/>
+          </a:bodyPr>
+          <a:lstStyle/>
+          <a:p>
+            <a:pPr marL="171450" indent="-171450">
+              <a:lnSpc>
+                <a:spcPct val="200000"/>
+              </a:lnSpc>
+              <a:buFont typeface="Arial" panose="020B0604020202020204" pitchFamily="34" charset="0"/>
+              <a:buChar char="•"/>
+            </a:pPr>
+            <a:r>
+              <a:rPr lang="en-US" altLang="ko-KR" sz="1200" spc="-103">
+                <a:ln>
+                  <a:solidFill>
+                    <a:schemeClr val="bg1">
+                      <a:lumMod val="85000"/>
+                      <a:alpha val="0"/>
+                    </a:schemeClr>
+                  </a:solidFill>
+                </a:ln>
+                <a:latin typeface="나눔스퀘어 Bold" panose="020B0600000101010101" pitchFamily="50" charset="-127"/>
+                <a:ea typeface="나눔스퀘어 Bold" panose="020B0600000101010101" pitchFamily="50" charset="-127"/>
+              </a:rPr>
+              <a:t>mlflow server --backend-store-uri sqlite</a:t>
+            </a:r>
+            <a:r>
+              <a:rPr lang="en-US" altLang="ko-KR" sz="1200" spc="-103">
+                <a:ln>
+                  <a:solidFill>
+                    <a:schemeClr val="bg1">
+                      <a:lumMod val="85000"/>
+                      <a:alpha val="0"/>
+                    </a:schemeClr>
+                  </a:solidFill>
+                </a:ln>
+                <a:latin typeface="나눔스퀘어 Bold" panose="020B0600000101010101" pitchFamily="50" charset="-127"/>
+                <a:ea typeface="나눔스퀘어 Bold" panose="020B0600000101010101" pitchFamily="50" charset="-127"/>
+              </a:rPr>
+              <a:t>:///</a:t>
+            </a:r>
+            <a:r>
+              <a:rPr lang="en-US" altLang="ko-KR" sz="1200" spc="-103" smtClean="0">
+                <a:ln>
+                  <a:solidFill>
+                    <a:schemeClr val="bg1">
+                      <a:lumMod val="85000"/>
+                      <a:alpha val="0"/>
+                    </a:schemeClr>
+                  </a:solidFill>
+                </a:ln>
+                <a:latin typeface="나눔스퀘어 Bold" panose="020B0600000101010101" pitchFamily="50" charset="-127"/>
+                <a:ea typeface="나눔스퀘어 Bold" panose="020B0600000101010101" pitchFamily="50" charset="-127"/>
+              </a:rPr>
+              <a:t>mlflow.db</a:t>
+            </a:r>
+            <a:endParaRPr lang="en-US" altLang="ko-KR" sz="1200" spc="-103">
+              <a:ln>
+                <a:solidFill>
+                  <a:schemeClr val="bg1">
+                    <a:lumMod val="85000"/>
+                    <a:alpha val="0"/>
+                  </a:schemeClr>
+                </a:solidFill>
+              </a:ln>
+              <a:latin typeface="나눔스퀘어 Bold" panose="020B0600000101010101" pitchFamily="50" charset="-127"/>
+              <a:ea typeface="나눔스퀘어 Bold" panose="020B0600000101010101" pitchFamily="50" charset="-127"/>
+            </a:endParaRPr>
+          </a:p>
+          <a:p>
+            <a:pPr marL="171450" indent="-171450">
+              <a:lnSpc>
+                <a:spcPct val="200000"/>
+              </a:lnSpc>
+              <a:buFont typeface="Arial" panose="020B0604020202020204" pitchFamily="34" charset="0"/>
+              <a:buChar char="•"/>
+            </a:pPr>
+            <a:r>
+              <a:rPr lang="en-US" altLang="ko-KR" sz="1200" spc="-103" smtClean="0">
+                <a:ln>
+                  <a:solidFill>
+                    <a:schemeClr val="bg1">
+                      <a:lumMod val="85000"/>
+                      <a:alpha val="0"/>
+                    </a:schemeClr>
+                  </a:solidFill>
+                </a:ln>
+                <a:latin typeface="나눔스퀘어 Bold" panose="020B0600000101010101" pitchFamily="50" charset="-127"/>
+                <a:ea typeface="나눔스퀘어 Bold" panose="020B0600000101010101" pitchFamily="50" charset="-127"/>
+              </a:rPr>
+              <a:t>mlflow.set_tracking_uri</a:t>
+            </a:r>
+            <a:r>
+              <a:rPr lang="en-US" altLang="ko-KR" sz="1200" spc="-103">
+                <a:ln>
+                  <a:solidFill>
+                    <a:schemeClr val="bg1">
+                      <a:lumMod val="85000"/>
+                      <a:alpha val="0"/>
+                    </a:schemeClr>
+                  </a:solidFill>
+                </a:ln>
+                <a:latin typeface="나눔스퀘어 Bold" panose="020B0600000101010101" pitchFamily="50" charset="-127"/>
+                <a:ea typeface="나눔스퀘어 Bold" panose="020B0600000101010101" pitchFamily="50" charset="-127"/>
+              </a:rPr>
+              <a:t>("</a:t>
+            </a:r>
+            <a:r>
+              <a:rPr lang="en-US" altLang="ko-KR" sz="1200" spc="-103">
+                <a:ln>
+                  <a:solidFill>
+                    <a:schemeClr val="bg1">
+                      <a:lumMod val="85000"/>
+                      <a:alpha val="0"/>
+                    </a:schemeClr>
+                  </a:solidFill>
+                </a:ln>
+                <a:latin typeface="나눔스퀘어 Bold" panose="020B0600000101010101" pitchFamily="50" charset="-127"/>
+                <a:ea typeface="나눔스퀘어 Bold" panose="020B0600000101010101" pitchFamily="50" charset="-127"/>
+              </a:rPr>
+              <a:t>http</a:t>
+            </a:r>
+            <a:r>
+              <a:rPr lang="en-US" altLang="ko-KR" sz="1200" spc="-103" smtClean="0">
+                <a:ln>
+                  <a:solidFill>
+                    <a:schemeClr val="bg1">
+                      <a:lumMod val="85000"/>
+                      <a:alpha val="0"/>
+                    </a:schemeClr>
+                  </a:solidFill>
+                </a:ln>
+                <a:latin typeface="나눔스퀘어 Bold" panose="020B0600000101010101" pitchFamily="50" charset="-127"/>
+                <a:ea typeface="나눔스퀘어 Bold" panose="020B0600000101010101" pitchFamily="50" charset="-127"/>
+              </a:rPr>
+              <a:t>://127.0.0.1:5000")</a:t>
+            </a:r>
+          </a:p>
+        </p:txBody>
+      </p:sp>
+    </p:spTree>
+    <p:extLst>
+      <p:ext uri="{BB962C8B-B14F-4D97-AF65-F5344CB8AC3E}">
+        <p14:creationId xmlns:p14="http://schemas.microsoft.com/office/powerpoint/2010/main" val="3476186399"/>
+      </p:ext>
+    </p:extLst>
+  </p:cSld>
+  <p:clrMapOvr>
+    <a:masterClrMapping/>
+  </p:clrMapOvr>
+</p:sld>
+</file>
+
+<file path=ppt/slides/slide16.xml><?xml version="1.0" encoding="utf-8"?>
+<p:sld xmlns:a="http://schemas.openxmlformats.org/drawingml/2006/main" xmlns:r="http://schemas.openxmlformats.org/officeDocument/2006/relationships" xmlns:p="http://schemas.openxmlformats.org/presentationml/2006/main">
+  <p:cSld>
+    <p:spTree>
+      <p:nvGrpSpPr>
+        <p:cNvPr id="1" name=""/>
+        <p:cNvGrpSpPr/>
+        <p:nvPr/>
+      </p:nvGrpSpPr>
+      <p:grpSpPr>
+        <a:xfrm>
+          <a:off x="0" y="0"/>
+          <a:ext cx="0" cy="0"/>
+          <a:chOff x="0" y="0"/>
+          <a:chExt cx="0" cy="0"/>
+        </a:xfrm>
+      </p:grpSpPr>
+      <p:sp>
+        <p:nvSpPr>
+          <p:cNvPr id="12" name="TextBox 11"/>
+          <p:cNvSpPr txBox="1"/>
+          <p:nvPr/>
+        </p:nvSpPr>
+        <p:spPr>
+          <a:xfrm>
+            <a:off x="455532" y="498947"/>
+            <a:ext cx="614271" cy="461665"/>
+          </a:xfrm>
+          <a:prstGeom prst="rect">
+            <a:avLst/>
+          </a:prstGeom>
+          <a:noFill/>
+        </p:spPr>
+        <p:txBody>
+          <a:bodyPr wrap="square" rtlCol="0">
+            <a:spAutoFit/>
+          </a:bodyPr>
+          <a:lstStyle/>
+          <a:p>
+            <a:pPr algn="ctr"/>
+            <a:r>
+              <a:rPr lang="en-US" altLang="ko-KR" sz="2400" spc="-150" smtClean="0">
+                <a:solidFill>
+                  <a:srgbClr val="00002F"/>
+                </a:solidFill>
+                <a:latin typeface="나눔스퀘어 ExtraBold" panose="020B0600000101010101" pitchFamily="50" charset="-127"/>
+                <a:ea typeface="나눔스퀘어 ExtraBold" panose="020B0600000101010101" pitchFamily="50" charset="-127"/>
+              </a:rPr>
+              <a:t>03.</a:t>
+            </a:r>
+            <a:endParaRPr lang="ko-KR" altLang="en-US" sz="2400" spc="-150" dirty="0">
+              <a:solidFill>
+                <a:srgbClr val="00002F"/>
+              </a:solidFill>
+              <a:latin typeface="나눔스퀘어 ExtraBold" panose="020B0600000101010101" pitchFamily="50" charset="-127"/>
+              <a:ea typeface="나눔스퀘어 ExtraBold" panose="020B0600000101010101" pitchFamily="50" charset="-127"/>
+            </a:endParaRPr>
+          </a:p>
+        </p:txBody>
+      </p:sp>
+      <p:sp>
+        <p:nvSpPr>
+          <p:cNvPr id="36" name="TextBox 35">
+            <a:extLst>
+              <a:ext uri="{FF2B5EF4-FFF2-40B4-BE49-F238E27FC236}">
+                <a16:creationId xmlns:a16="http://schemas.microsoft.com/office/drawing/2014/main" id="{76BF0B6A-32FF-436D-83C4-AB1F31C134F8}"/>
+              </a:ext>
+            </a:extLst>
+          </p:cNvPr>
+          <p:cNvSpPr txBox="1"/>
+          <p:nvPr/>
+        </p:nvSpPr>
+        <p:spPr>
+          <a:xfrm>
+            <a:off x="1119982" y="1075034"/>
+            <a:ext cx="2596341" cy="307777"/>
+          </a:xfrm>
+          <a:prstGeom prst="rect">
+            <a:avLst/>
+          </a:prstGeom>
+          <a:noFill/>
+        </p:spPr>
+        <p:txBody>
+          <a:bodyPr wrap="square" rtlCol="0">
+            <a:spAutoFit/>
+          </a:bodyPr>
+          <a:lstStyle/>
+          <a:p>
+            <a:r>
+              <a:rPr lang="en-US" altLang="ko-KR" sz="1400" spc="-100" smtClean="0">
+                <a:ln>
+                  <a:solidFill>
+                    <a:schemeClr val="bg1">
+                      <a:lumMod val="65000"/>
+                      <a:alpha val="0"/>
+                    </a:schemeClr>
+                  </a:solidFill>
+                </a:ln>
+                <a:latin typeface="나눔스퀘어 ExtraBold" panose="020B0600000101010101" pitchFamily="50" charset="-127"/>
+                <a:ea typeface="나눔스퀘어 ExtraBold" panose="020B0600000101010101" pitchFamily="50" charset="-127"/>
+              </a:rPr>
+              <a:t>Exercise</a:t>
+            </a:r>
+            <a:endParaRPr lang="ko-KR" altLang="en-US" sz="1400" spc="-100" dirty="0">
+              <a:ln>
+                <a:solidFill>
+                  <a:schemeClr val="bg1">
+                    <a:lumMod val="65000"/>
+                    <a:alpha val="0"/>
+                  </a:schemeClr>
+                </a:solidFill>
+              </a:ln>
+              <a:latin typeface="나눔스퀘어 ExtraBold" panose="020B0600000101010101" pitchFamily="50" charset="-127"/>
+              <a:ea typeface="나눔스퀘어 ExtraBold" panose="020B0600000101010101" pitchFamily="50" charset="-127"/>
+            </a:endParaRPr>
+          </a:p>
+        </p:txBody>
+      </p:sp>
+      <p:sp>
+        <p:nvSpPr>
+          <p:cNvPr id="9" name="TextBox 8"/>
+          <p:cNvSpPr txBox="1"/>
+          <p:nvPr/>
+        </p:nvSpPr>
+        <p:spPr>
+          <a:xfrm>
+            <a:off x="1088238" y="437393"/>
+            <a:ext cx="5396382" cy="584775"/>
+          </a:xfrm>
+          <a:prstGeom prst="rect">
+            <a:avLst/>
+          </a:prstGeom>
+          <a:noFill/>
+        </p:spPr>
+        <p:txBody>
+          <a:bodyPr wrap="square" rtlCol="0">
+            <a:spAutoFit/>
+          </a:bodyPr>
+          <a:lstStyle/>
+          <a:p>
+            <a:r>
+              <a:rPr lang="en-US" altLang="ko-KR" sz="3200" spc="-150" smtClean="0">
+                <a:solidFill>
+                  <a:srgbClr val="00002F"/>
+                </a:solidFill>
+                <a:latin typeface="나눔스퀘어 ExtraBold" panose="020B0600000101010101" pitchFamily="50" charset="-127"/>
+                <a:ea typeface="나눔스퀘어 ExtraBold" panose="020B0600000101010101" pitchFamily="50" charset="-127"/>
+              </a:rPr>
+              <a:t>Mlflow </a:t>
+            </a:r>
+            <a:r>
+              <a:rPr lang="en-US" altLang="ko-KR" sz="3200" spc="-150" smtClean="0">
+                <a:solidFill>
+                  <a:srgbClr val="00002F"/>
+                </a:solidFill>
+                <a:latin typeface="나눔스퀘어 ExtraBold" panose="020B0600000101010101" pitchFamily="50" charset="-127"/>
+                <a:ea typeface="나눔스퀘어 ExtraBold" panose="020B0600000101010101" pitchFamily="50" charset="-127"/>
+              </a:rPr>
+              <a:t>Registry</a:t>
+            </a:r>
+            <a:endParaRPr lang="en-US" altLang="ko-KR" sz="3200" spc="-150">
+              <a:solidFill>
+                <a:srgbClr val="00002F"/>
+              </a:solidFill>
+              <a:latin typeface="나눔스퀘어 ExtraBold" panose="020B0600000101010101" pitchFamily="50" charset="-127"/>
+              <a:ea typeface="나눔스퀘어 ExtraBold" panose="020B0600000101010101" pitchFamily="50" charset="-127"/>
+            </a:endParaRPr>
+          </a:p>
+        </p:txBody>
+      </p:sp>
+      <p:sp>
+        <p:nvSpPr>
+          <p:cNvPr id="7" name="TextBox 6">
+            <a:extLst>
+              <a:ext uri="{FF2B5EF4-FFF2-40B4-BE49-F238E27FC236}">
+                <a16:creationId xmlns:a16="http://schemas.microsoft.com/office/drawing/2014/main" id="{C40C17C7-6436-43BB-AB8B-1F1856BAF096}"/>
+              </a:ext>
+            </a:extLst>
+          </p:cNvPr>
+          <p:cNvSpPr txBox="1"/>
+          <p:nvPr/>
+        </p:nvSpPr>
+        <p:spPr>
+          <a:xfrm>
+            <a:off x="4353844" y="4930204"/>
+            <a:ext cx="3484312" cy="830997"/>
+          </a:xfrm>
+          <a:prstGeom prst="rect">
+            <a:avLst/>
+          </a:prstGeom>
+          <a:noFill/>
+        </p:spPr>
+        <p:txBody>
+          <a:bodyPr wrap="square" rtlCol="0" anchor="ctr">
+            <a:spAutoFit/>
+          </a:bodyPr>
+          <a:lstStyle/>
+          <a:p>
+            <a:pPr marL="171450" indent="-171450">
+              <a:lnSpc>
+                <a:spcPct val="200000"/>
+              </a:lnSpc>
+              <a:buFont typeface="Arial" panose="020B0604020202020204" pitchFamily="34" charset="0"/>
+              <a:buChar char="•"/>
+            </a:pPr>
+            <a:r>
+              <a:rPr lang="en-US" altLang="ko-KR" sz="1200" spc="-103">
+                <a:ln>
+                  <a:solidFill>
+                    <a:schemeClr val="bg1">
+                      <a:lumMod val="85000"/>
+                      <a:alpha val="0"/>
+                    </a:schemeClr>
+                  </a:solidFill>
+                </a:ln>
+                <a:latin typeface="나눔스퀘어 Bold" panose="020B0600000101010101" pitchFamily="50" charset="-127"/>
+                <a:ea typeface="나눔스퀘어 Bold" panose="020B0600000101010101" pitchFamily="50" charset="-127"/>
+              </a:rPr>
+              <a:t>mlflow server --backend-store-uri sqlite</a:t>
+            </a:r>
+            <a:r>
+              <a:rPr lang="en-US" altLang="ko-KR" sz="1200" spc="-103">
+                <a:ln>
+                  <a:solidFill>
+                    <a:schemeClr val="bg1">
+                      <a:lumMod val="85000"/>
+                      <a:alpha val="0"/>
+                    </a:schemeClr>
+                  </a:solidFill>
+                </a:ln>
+                <a:latin typeface="나눔스퀘어 Bold" panose="020B0600000101010101" pitchFamily="50" charset="-127"/>
+                <a:ea typeface="나눔스퀘어 Bold" panose="020B0600000101010101" pitchFamily="50" charset="-127"/>
+              </a:rPr>
+              <a:t>:///</a:t>
+            </a:r>
+            <a:r>
+              <a:rPr lang="en-US" altLang="ko-KR" sz="1200" spc="-103" smtClean="0">
+                <a:ln>
+                  <a:solidFill>
+                    <a:schemeClr val="bg1">
+                      <a:lumMod val="85000"/>
+                      <a:alpha val="0"/>
+                    </a:schemeClr>
+                  </a:solidFill>
+                </a:ln>
+                <a:latin typeface="나눔스퀘어 Bold" panose="020B0600000101010101" pitchFamily="50" charset="-127"/>
+                <a:ea typeface="나눔스퀘어 Bold" panose="020B0600000101010101" pitchFamily="50" charset="-127"/>
+              </a:rPr>
+              <a:t>mlflow.db</a:t>
+            </a:r>
+            <a:endParaRPr lang="en-US" altLang="ko-KR" sz="1200" spc="-103">
+              <a:ln>
+                <a:solidFill>
+                  <a:schemeClr val="bg1">
+                    <a:lumMod val="85000"/>
+                    <a:alpha val="0"/>
+                  </a:schemeClr>
+                </a:solidFill>
+              </a:ln>
+              <a:latin typeface="나눔스퀘어 Bold" panose="020B0600000101010101" pitchFamily="50" charset="-127"/>
+              <a:ea typeface="나눔스퀘어 Bold" panose="020B0600000101010101" pitchFamily="50" charset="-127"/>
+            </a:endParaRPr>
+          </a:p>
+          <a:p>
+            <a:pPr marL="171450" indent="-171450">
+              <a:lnSpc>
+                <a:spcPct val="200000"/>
+              </a:lnSpc>
+              <a:buFont typeface="Arial" panose="020B0604020202020204" pitchFamily="34" charset="0"/>
+              <a:buChar char="•"/>
+            </a:pPr>
+            <a:r>
+              <a:rPr lang="en-US" altLang="ko-KR" sz="1200" spc="-103" smtClean="0">
+                <a:ln>
+                  <a:solidFill>
+                    <a:schemeClr val="bg1">
+                      <a:lumMod val="85000"/>
+                      <a:alpha val="0"/>
+                    </a:schemeClr>
+                  </a:solidFill>
+                </a:ln>
+                <a:latin typeface="나눔스퀘어 Bold" panose="020B0600000101010101" pitchFamily="50" charset="-127"/>
+                <a:ea typeface="나눔스퀘어 Bold" panose="020B0600000101010101" pitchFamily="50" charset="-127"/>
+              </a:rPr>
+              <a:t>mlflow.set_tracking_uri</a:t>
+            </a:r>
+            <a:r>
+              <a:rPr lang="en-US" altLang="ko-KR" sz="1200" spc="-103">
+                <a:ln>
+                  <a:solidFill>
+                    <a:schemeClr val="bg1">
+                      <a:lumMod val="85000"/>
+                      <a:alpha val="0"/>
+                    </a:schemeClr>
+                  </a:solidFill>
+                </a:ln>
+                <a:latin typeface="나눔스퀘어 Bold" panose="020B0600000101010101" pitchFamily="50" charset="-127"/>
+                <a:ea typeface="나눔스퀘어 Bold" panose="020B0600000101010101" pitchFamily="50" charset="-127"/>
+              </a:rPr>
+              <a:t>("</a:t>
+            </a:r>
+            <a:r>
+              <a:rPr lang="en-US" altLang="ko-KR" sz="1200" spc="-103">
+                <a:ln>
+                  <a:solidFill>
+                    <a:schemeClr val="bg1">
+                      <a:lumMod val="85000"/>
+                      <a:alpha val="0"/>
+                    </a:schemeClr>
+                  </a:solidFill>
+                </a:ln>
+                <a:latin typeface="나눔스퀘어 Bold" panose="020B0600000101010101" pitchFamily="50" charset="-127"/>
+                <a:ea typeface="나눔스퀘어 Bold" panose="020B0600000101010101" pitchFamily="50" charset="-127"/>
+              </a:rPr>
+              <a:t>http</a:t>
+            </a:r>
+            <a:r>
+              <a:rPr lang="en-US" altLang="ko-KR" sz="1200" spc="-103" smtClean="0">
+                <a:ln>
+                  <a:solidFill>
+                    <a:schemeClr val="bg1">
+                      <a:lumMod val="85000"/>
+                      <a:alpha val="0"/>
+                    </a:schemeClr>
+                  </a:solidFill>
+                </a:ln>
+                <a:latin typeface="나눔스퀘어 Bold" panose="020B0600000101010101" pitchFamily="50" charset="-127"/>
+                <a:ea typeface="나눔스퀘어 Bold" panose="020B0600000101010101" pitchFamily="50" charset="-127"/>
+              </a:rPr>
+              <a:t>://127.0.0.1:5000")</a:t>
+            </a:r>
+          </a:p>
+        </p:txBody>
+      </p:sp>
+      <p:pic>
+        <p:nvPicPr>
+          <p:cNvPr id="2" name="그림 1"/>
+          <p:cNvPicPr>
+            <a:picLocks noChangeAspect="1"/>
+          </p:cNvPicPr>
+          <p:nvPr/>
+        </p:nvPicPr>
+        <p:blipFill>
+          <a:blip r:embed="rId2"/>
+          <a:stretch>
+            <a:fillRect/>
+          </a:stretch>
+        </p:blipFill>
+        <p:spPr>
+          <a:xfrm>
+            <a:off x="1119944" y="2080385"/>
+            <a:ext cx="9952113" cy="2473243"/>
+          </a:xfrm>
+          <a:prstGeom prst="rect">
+            <a:avLst/>
+          </a:prstGeom>
+        </p:spPr>
+      </p:pic>
+    </p:spTree>
+    <p:extLst>
+      <p:ext uri="{BB962C8B-B14F-4D97-AF65-F5344CB8AC3E}">
+        <p14:creationId xmlns:p14="http://schemas.microsoft.com/office/powerpoint/2010/main" val="3376578036"/>
+      </p:ext>
+    </p:extLst>
+  </p:cSld>
+  <p:clrMapOvr>
+    <a:masterClrMapping/>
+  </p:clrMapOvr>
+</p:sld>
+</file>
+
+<file path=ppt/slides/slide17.xml><?xml version="1.0" encoding="utf-8"?>
+<p:sld xmlns:a="http://schemas.openxmlformats.org/drawingml/2006/main" xmlns:r="http://schemas.openxmlformats.org/officeDocument/2006/relationships" xmlns:p="http://schemas.openxmlformats.org/presentationml/2006/main">
+  <p:cSld>
+    <p:spTree>
+      <p:nvGrpSpPr>
+        <p:cNvPr id="1" name=""/>
+        <p:cNvGrpSpPr/>
+        <p:nvPr/>
+      </p:nvGrpSpPr>
+      <p:grpSpPr>
+        <a:xfrm>
+          <a:off x="0" y="0"/>
+          <a:ext cx="0" cy="0"/>
+          <a:chOff x="0" y="0"/>
+          <a:chExt cx="0" cy="0"/>
+        </a:xfrm>
+      </p:grpSpPr>
+      <p:sp>
+        <p:nvSpPr>
+          <p:cNvPr id="36" name="TextBox 35">
+            <a:extLst>
+              <a:ext uri="{FF2B5EF4-FFF2-40B4-BE49-F238E27FC236}">
+                <a16:creationId xmlns:a16="http://schemas.microsoft.com/office/drawing/2014/main" id="{76BF0B6A-32FF-436D-83C4-AB1F31C134F8}"/>
+              </a:ext>
+            </a:extLst>
+          </p:cNvPr>
+          <p:cNvSpPr txBox="1"/>
+          <p:nvPr/>
+        </p:nvSpPr>
+        <p:spPr>
+          <a:xfrm>
+            <a:off x="1119982" y="1075034"/>
+            <a:ext cx="2596341" cy="307777"/>
+          </a:xfrm>
+          <a:prstGeom prst="rect">
+            <a:avLst/>
+          </a:prstGeom>
+          <a:noFill/>
+        </p:spPr>
+        <p:txBody>
+          <a:bodyPr wrap="square" rtlCol="0">
+            <a:spAutoFit/>
+          </a:bodyPr>
+          <a:lstStyle/>
+          <a:p>
+            <a:r>
+              <a:rPr lang="en-US" altLang="ko-KR" sz="1400" spc="-100" smtClean="0">
+                <a:ln>
+                  <a:solidFill>
+                    <a:schemeClr val="bg1">
+                      <a:lumMod val="65000"/>
+                      <a:alpha val="0"/>
+                    </a:schemeClr>
+                  </a:solidFill>
+                </a:ln>
+                <a:latin typeface="나눔스퀘어 ExtraBold" panose="020B0600000101010101" pitchFamily="50" charset="-127"/>
+                <a:ea typeface="나눔스퀘어 ExtraBold" panose="020B0600000101010101" pitchFamily="50" charset="-127"/>
+              </a:rPr>
+              <a:t>Needs</a:t>
+            </a:r>
+            <a:endParaRPr lang="ko-KR" altLang="en-US" sz="1400" spc="-100" dirty="0">
+              <a:ln>
+                <a:solidFill>
+                  <a:schemeClr val="bg1">
+                    <a:lumMod val="65000"/>
+                    <a:alpha val="0"/>
+                  </a:schemeClr>
+                </a:solidFill>
+              </a:ln>
+              <a:latin typeface="나눔스퀘어 ExtraBold" panose="020B0600000101010101" pitchFamily="50" charset="-127"/>
+              <a:ea typeface="나눔스퀘어 ExtraBold" panose="020B0600000101010101" pitchFamily="50" charset="-127"/>
+            </a:endParaRPr>
+          </a:p>
+        </p:txBody>
+      </p:sp>
+      <p:sp>
+        <p:nvSpPr>
+          <p:cNvPr id="8" name="TextBox 7">
+            <a:extLst>
+              <a:ext uri="{FF2B5EF4-FFF2-40B4-BE49-F238E27FC236}">
+                <a16:creationId xmlns:a16="http://schemas.microsoft.com/office/drawing/2014/main" id="{C40C17C7-6436-43BB-AB8B-1F1856BAF096}"/>
+              </a:ext>
+            </a:extLst>
+          </p:cNvPr>
+          <p:cNvSpPr txBox="1"/>
+          <p:nvPr/>
+        </p:nvSpPr>
+        <p:spPr>
+          <a:xfrm>
+            <a:off x="3445305" y="5236200"/>
+            <a:ext cx="5301388" cy="830997"/>
+          </a:xfrm>
+          <a:prstGeom prst="rect">
+            <a:avLst/>
+          </a:prstGeom>
+          <a:noFill/>
+        </p:spPr>
+        <p:txBody>
+          <a:bodyPr wrap="square" rtlCol="0" anchor="ctr">
+            <a:spAutoFit/>
+          </a:bodyPr>
+          <a:lstStyle/>
+          <a:p>
+            <a:pPr marL="171450" indent="-171450">
+              <a:lnSpc>
+                <a:spcPct val="200000"/>
+              </a:lnSpc>
+              <a:buFont typeface="Arial" panose="020B0604020202020204" pitchFamily="34" charset="0"/>
+              <a:buChar char="•"/>
+            </a:pPr>
+            <a:r>
+              <a:rPr lang="en-US" altLang="ko-KR" sz="1200" spc="-103" smtClean="0">
+                <a:ln>
+                  <a:solidFill>
+                    <a:schemeClr val="bg1">
+                      <a:lumMod val="85000"/>
+                      <a:alpha val="0"/>
+                    </a:schemeClr>
+                  </a:solidFill>
+                </a:ln>
+                <a:latin typeface="나눔스퀘어 Bold" panose="020B0600000101010101" pitchFamily="50" charset="-127"/>
+                <a:ea typeface="나눔스퀘어 Bold" panose="020B0600000101010101" pitchFamily="50" charset="-127"/>
+              </a:rPr>
+              <a:t>Artifacts</a:t>
+            </a:r>
+            <a:r>
+              <a:rPr lang="ko-KR" altLang="en-US" sz="1200" spc="-103" smtClean="0">
+                <a:ln>
+                  <a:solidFill>
+                    <a:schemeClr val="bg1">
+                      <a:lumMod val="85000"/>
+                      <a:alpha val="0"/>
+                    </a:schemeClr>
+                  </a:solidFill>
+                </a:ln>
+                <a:latin typeface="나눔스퀘어 Bold" panose="020B0600000101010101" pitchFamily="50" charset="-127"/>
+                <a:ea typeface="나눔스퀘어 Bold" panose="020B0600000101010101" pitchFamily="50" charset="-127"/>
+              </a:rPr>
+              <a:t>에 저장한 모델을 재사용하고 싶은데 어떻게하지</a:t>
+            </a:r>
+            <a:r>
+              <a:rPr lang="en-US" altLang="ko-KR" sz="1200" spc="-103" smtClean="0">
+                <a:ln>
+                  <a:solidFill>
+                    <a:schemeClr val="bg1">
+                      <a:lumMod val="85000"/>
+                      <a:alpha val="0"/>
+                    </a:schemeClr>
+                  </a:solidFill>
+                </a:ln>
+                <a:latin typeface="나눔스퀘어 Bold" panose="020B0600000101010101" pitchFamily="50" charset="-127"/>
+                <a:ea typeface="나눔스퀘어 Bold" panose="020B0600000101010101" pitchFamily="50" charset="-127"/>
+              </a:rPr>
+              <a:t>?</a:t>
+            </a:r>
+          </a:p>
+          <a:p>
+            <a:pPr marL="171450" indent="-171450">
+              <a:lnSpc>
+                <a:spcPct val="200000"/>
+              </a:lnSpc>
+              <a:buFont typeface="Arial" panose="020B0604020202020204" pitchFamily="34" charset="0"/>
+              <a:buChar char="•"/>
+            </a:pPr>
+            <a:r>
+              <a:rPr lang="en-US" altLang="ko-KR" sz="1200" spc="-103" smtClean="0">
+                <a:ln>
+                  <a:solidFill>
+                    <a:schemeClr val="bg1">
+                      <a:lumMod val="85000"/>
+                      <a:alpha val="0"/>
+                    </a:schemeClr>
+                  </a:solidFill>
+                </a:ln>
+                <a:latin typeface="나눔스퀘어 Bold" panose="020B0600000101010101" pitchFamily="50" charset="-127"/>
+                <a:ea typeface="나눔스퀘어 Bold" panose="020B0600000101010101" pitchFamily="50" charset="-127"/>
+              </a:rPr>
+              <a:t>Flask</a:t>
+            </a:r>
+            <a:r>
+              <a:rPr lang="ko-KR" altLang="en-US" sz="1200" spc="-103" smtClean="0">
+                <a:ln>
+                  <a:solidFill>
+                    <a:schemeClr val="bg1">
+                      <a:lumMod val="85000"/>
+                      <a:alpha val="0"/>
+                    </a:schemeClr>
+                  </a:solidFill>
+                </a:ln>
+                <a:latin typeface="나눔스퀘어 Bold" panose="020B0600000101010101" pitchFamily="50" charset="-127"/>
+                <a:ea typeface="나눔스퀘어 Bold" panose="020B0600000101010101" pitchFamily="50" charset="-127"/>
+              </a:rPr>
+              <a:t>이용해서 서버 띄우기 너무 귀찮은데 </a:t>
+            </a:r>
+            <a:r>
+              <a:rPr lang="ko-KR" altLang="en-US" sz="1200" spc="-103" smtClean="0">
+                <a:ln>
+                  <a:solidFill>
+                    <a:schemeClr val="bg1">
+                      <a:lumMod val="85000"/>
+                      <a:alpha val="0"/>
+                    </a:schemeClr>
+                  </a:solidFill>
+                </a:ln>
+                <a:latin typeface="나눔스퀘어 Bold" panose="020B0600000101010101" pitchFamily="50" charset="-127"/>
+                <a:ea typeface="나눔스퀘어 Bold" panose="020B0600000101010101" pitchFamily="50" charset="-127"/>
+              </a:rPr>
+              <a:t>명령어 하나로 </a:t>
+            </a:r>
+            <a:r>
+              <a:rPr lang="ko-KR" altLang="en-US" sz="1200" spc="-103" smtClean="0">
+                <a:ln>
+                  <a:solidFill>
+                    <a:schemeClr val="bg1">
+                      <a:lumMod val="85000"/>
+                      <a:alpha val="0"/>
+                    </a:schemeClr>
+                  </a:solidFill>
+                </a:ln>
+                <a:latin typeface="나눔스퀘어 Bold" panose="020B0600000101010101" pitchFamily="50" charset="-127"/>
+                <a:ea typeface="나눔스퀘어 Bold" panose="020B0600000101010101" pitchFamily="50" charset="-127"/>
+              </a:rPr>
+              <a:t>서빙하는 서버 만들 수 없을까</a:t>
+            </a:r>
+            <a:r>
+              <a:rPr lang="en-US" altLang="ko-KR" sz="1200" spc="-103" smtClean="0">
+                <a:ln>
+                  <a:solidFill>
+                    <a:schemeClr val="bg1">
+                      <a:lumMod val="85000"/>
+                      <a:alpha val="0"/>
+                    </a:schemeClr>
+                  </a:solidFill>
+                </a:ln>
+                <a:latin typeface="나눔스퀘어 Bold" panose="020B0600000101010101" pitchFamily="50" charset="-127"/>
+                <a:ea typeface="나눔스퀘어 Bold" panose="020B0600000101010101" pitchFamily="50" charset="-127"/>
+              </a:rPr>
+              <a:t>?</a:t>
+            </a:r>
+            <a:endParaRPr lang="en-US" altLang="ko-KR" sz="1200" spc="-103" smtClean="0">
+              <a:ln>
+                <a:solidFill>
+                  <a:schemeClr val="bg1">
+                    <a:lumMod val="85000"/>
+                    <a:alpha val="0"/>
+                  </a:schemeClr>
+                </a:solidFill>
+              </a:ln>
+              <a:latin typeface="나눔스퀘어 Bold" panose="020B0600000101010101" pitchFamily="50" charset="-127"/>
+              <a:ea typeface="나눔스퀘어 Bold" panose="020B0600000101010101" pitchFamily="50" charset="-127"/>
+            </a:endParaRPr>
+          </a:p>
+        </p:txBody>
+      </p:sp>
+      <p:sp>
+        <p:nvSpPr>
+          <p:cNvPr id="10" name="TextBox 9"/>
+          <p:cNvSpPr txBox="1"/>
+          <p:nvPr/>
+        </p:nvSpPr>
+        <p:spPr>
+          <a:xfrm>
+            <a:off x="455532" y="498947"/>
+            <a:ext cx="614271" cy="461665"/>
+          </a:xfrm>
+          <a:prstGeom prst="rect">
+            <a:avLst/>
+          </a:prstGeom>
+          <a:noFill/>
+        </p:spPr>
+        <p:txBody>
+          <a:bodyPr wrap="square" rtlCol="0">
+            <a:spAutoFit/>
+          </a:bodyPr>
+          <a:lstStyle/>
+          <a:p>
+            <a:pPr algn="ctr"/>
+            <a:r>
+              <a:rPr lang="en-US" altLang="ko-KR" sz="2400" spc="-150" smtClean="0">
+                <a:solidFill>
+                  <a:srgbClr val="00002F"/>
+                </a:solidFill>
+                <a:latin typeface="나눔스퀘어 ExtraBold" panose="020B0600000101010101" pitchFamily="50" charset="-127"/>
+                <a:ea typeface="나눔스퀘어 ExtraBold" panose="020B0600000101010101" pitchFamily="50" charset="-127"/>
+              </a:rPr>
+              <a:t>04.</a:t>
+            </a:r>
+            <a:endParaRPr lang="ko-KR" altLang="en-US" sz="2400" spc="-150" dirty="0">
+              <a:solidFill>
+                <a:srgbClr val="00002F"/>
+              </a:solidFill>
+              <a:latin typeface="나눔스퀘어 ExtraBold" panose="020B0600000101010101" pitchFamily="50" charset="-127"/>
+              <a:ea typeface="나눔스퀘어 ExtraBold" panose="020B0600000101010101" pitchFamily="50" charset="-127"/>
+            </a:endParaRPr>
+          </a:p>
+        </p:txBody>
+      </p:sp>
+      <p:sp>
+        <p:nvSpPr>
+          <p:cNvPr id="11" name="TextBox 10"/>
+          <p:cNvSpPr txBox="1"/>
+          <p:nvPr/>
+        </p:nvSpPr>
+        <p:spPr>
+          <a:xfrm>
+            <a:off x="1088238" y="437393"/>
+            <a:ext cx="5396382" cy="584775"/>
+          </a:xfrm>
+          <a:prstGeom prst="rect">
+            <a:avLst/>
+          </a:prstGeom>
+          <a:noFill/>
+        </p:spPr>
+        <p:txBody>
+          <a:bodyPr wrap="square" rtlCol="0">
+            <a:spAutoFit/>
+          </a:bodyPr>
+          <a:lstStyle/>
+          <a:p>
+            <a:r>
+              <a:rPr lang="en-US" altLang="ko-KR" sz="3200" spc="-150" smtClean="0">
+                <a:solidFill>
+                  <a:srgbClr val="00002F"/>
+                </a:solidFill>
+                <a:latin typeface="나눔스퀘어 ExtraBold" panose="020B0600000101010101" pitchFamily="50" charset="-127"/>
+                <a:ea typeface="나눔스퀘어 ExtraBold" panose="020B0600000101010101" pitchFamily="50" charset="-127"/>
+              </a:rPr>
+              <a:t>Mlflow </a:t>
+            </a:r>
+            <a:r>
+              <a:rPr lang="en-US" altLang="ko-KR" sz="3200" spc="-150" smtClean="0">
+                <a:solidFill>
+                  <a:srgbClr val="00002F"/>
+                </a:solidFill>
+                <a:latin typeface="나눔스퀘어 ExtraBold" panose="020B0600000101010101" pitchFamily="50" charset="-127"/>
+                <a:ea typeface="나눔스퀘어 ExtraBold" panose="020B0600000101010101" pitchFamily="50" charset="-127"/>
+              </a:rPr>
+              <a:t>Models</a:t>
+            </a:r>
+            <a:endParaRPr lang="en-US" altLang="ko-KR" sz="3200" spc="-150">
+              <a:solidFill>
+                <a:srgbClr val="00002F"/>
+              </a:solidFill>
+              <a:latin typeface="나눔스퀘어 ExtraBold" panose="020B0600000101010101" pitchFamily="50" charset="-127"/>
+              <a:ea typeface="나눔스퀘어 ExtraBold" panose="020B0600000101010101" pitchFamily="50" charset="-127"/>
+            </a:endParaRPr>
+          </a:p>
+        </p:txBody>
+      </p:sp>
+      <p:pic>
+        <p:nvPicPr>
+          <p:cNvPr id="13" name="Picture 6" descr="웃긴짤모음(3) - 월요일, 출근짤, 사회생활짤"/>
+          <p:cNvPicPr>
+            <a:picLocks noChangeAspect="1" noChangeArrowheads="1"/>
+          </p:cNvPicPr>
+          <p:nvPr/>
+        </p:nvPicPr>
+        <p:blipFill>
+          <a:blip r:embed="rId2">
+            <a:extLst>
+              <a:ext uri="{28A0092B-C50C-407E-A947-70E740481C1C}">
+                <a14:useLocalDpi xmlns:a14="http://schemas.microsoft.com/office/drawing/2010/main" val="0"/>
+              </a:ext>
+            </a:extLst>
+          </a:blip>
+          <a:srcRect/>
+          <a:stretch>
+            <a:fillRect/>
+          </a:stretch>
+        </p:blipFill>
+        <p:spPr bwMode="auto">
+          <a:xfrm>
+            <a:off x="3734429" y="1872760"/>
+            <a:ext cx="4723141" cy="2928347"/>
+          </a:xfrm>
+          <a:prstGeom prst="rect">
+            <a:avLst/>
+          </a:prstGeom>
+          <a:noFill/>
+          <a:extLst>
+            <a:ext uri="{909E8E84-426E-40DD-AFC4-6F175D3DCCD1}">
+              <a14:hiddenFill xmlns:a14="http://schemas.microsoft.com/office/drawing/2010/main">
+                <a:solidFill>
+                  <a:srgbClr val="FFFFFF"/>
+                </a:solidFill>
+              </a14:hiddenFill>
+            </a:ext>
+          </a:extLst>
+        </p:spPr>
+      </p:pic>
+    </p:spTree>
+    <p:extLst>
+      <p:ext uri="{BB962C8B-B14F-4D97-AF65-F5344CB8AC3E}">
+        <p14:creationId xmlns:p14="http://schemas.microsoft.com/office/powerpoint/2010/main" val="3853548113"/>
+      </p:ext>
+    </p:extLst>
+  </p:cSld>
+  <p:clrMapOvr>
+    <a:masterClrMapping/>
+  </p:clrMapOvr>
+</p:sld>
+</file>
+
+<file path=ppt/slides/slide18.xml><?xml version="1.0" encoding="utf-8"?>
+<p:sld xmlns:a="http://schemas.openxmlformats.org/drawingml/2006/main" xmlns:r="http://schemas.openxmlformats.org/officeDocument/2006/relationships" xmlns:p="http://schemas.openxmlformats.org/presentationml/2006/main">
+  <p:cSld>
+    <p:spTree>
+      <p:nvGrpSpPr>
+        <p:cNvPr id="1" name=""/>
+        <p:cNvGrpSpPr/>
+        <p:nvPr/>
+      </p:nvGrpSpPr>
+      <p:grpSpPr>
+        <a:xfrm>
+          <a:off x="0" y="0"/>
+          <a:ext cx="0" cy="0"/>
+          <a:chOff x="0" y="0"/>
+          <a:chExt cx="0" cy="0"/>
+        </a:xfrm>
+      </p:grpSpPr>
+      <p:sp>
+        <p:nvSpPr>
+          <p:cNvPr id="12" name="TextBox 11"/>
+          <p:cNvSpPr txBox="1"/>
+          <p:nvPr/>
+        </p:nvSpPr>
+        <p:spPr>
+          <a:xfrm>
+            <a:off x="455532" y="498947"/>
+            <a:ext cx="614271" cy="461665"/>
+          </a:xfrm>
+          <a:prstGeom prst="rect">
+            <a:avLst/>
+          </a:prstGeom>
+          <a:noFill/>
+        </p:spPr>
+        <p:txBody>
+          <a:bodyPr wrap="square" rtlCol="0">
+            <a:spAutoFit/>
+          </a:bodyPr>
+          <a:lstStyle/>
+          <a:p>
+            <a:pPr algn="ctr"/>
+            <a:r>
+              <a:rPr lang="en-US" altLang="ko-KR" sz="2400" spc="-150" smtClean="0">
+                <a:solidFill>
+                  <a:srgbClr val="00002F"/>
+                </a:solidFill>
+                <a:latin typeface="나눔스퀘어 ExtraBold" panose="020B0600000101010101" pitchFamily="50" charset="-127"/>
+                <a:ea typeface="나눔스퀘어 ExtraBold" panose="020B0600000101010101" pitchFamily="50" charset="-127"/>
+              </a:rPr>
+              <a:t>04.</a:t>
+            </a:r>
+            <a:endParaRPr lang="ko-KR" altLang="en-US" sz="2400" spc="-150" dirty="0">
+              <a:solidFill>
+                <a:srgbClr val="00002F"/>
+              </a:solidFill>
+              <a:latin typeface="나눔스퀘어 ExtraBold" panose="020B0600000101010101" pitchFamily="50" charset="-127"/>
+              <a:ea typeface="나눔스퀘어 ExtraBold" panose="020B0600000101010101" pitchFamily="50" charset="-127"/>
+            </a:endParaRPr>
+          </a:p>
+        </p:txBody>
+      </p:sp>
+      <p:sp>
+        <p:nvSpPr>
+          <p:cNvPr id="36" name="TextBox 35">
+            <a:extLst>
+              <a:ext uri="{FF2B5EF4-FFF2-40B4-BE49-F238E27FC236}">
+                <a16:creationId xmlns:a16="http://schemas.microsoft.com/office/drawing/2014/main" id="{76BF0B6A-32FF-436D-83C4-AB1F31C134F8}"/>
+              </a:ext>
+            </a:extLst>
+          </p:cNvPr>
+          <p:cNvSpPr txBox="1"/>
+          <p:nvPr/>
+        </p:nvSpPr>
+        <p:spPr>
+          <a:xfrm>
+            <a:off x="1119982" y="1075034"/>
+            <a:ext cx="2596341" cy="307777"/>
+          </a:xfrm>
+          <a:prstGeom prst="rect">
+            <a:avLst/>
+          </a:prstGeom>
+          <a:noFill/>
+        </p:spPr>
+        <p:txBody>
+          <a:bodyPr wrap="square" rtlCol="0">
+            <a:spAutoFit/>
+          </a:bodyPr>
+          <a:lstStyle/>
+          <a:p>
+            <a:r>
+              <a:rPr lang="en-US" altLang="ko-KR" sz="1400" spc="-100" smtClean="0">
+                <a:ln>
+                  <a:solidFill>
+                    <a:schemeClr val="bg1">
+                      <a:lumMod val="65000"/>
+                      <a:alpha val="0"/>
+                    </a:schemeClr>
+                  </a:solidFill>
+                </a:ln>
+                <a:latin typeface="나눔스퀘어 ExtraBold" panose="020B0600000101010101" pitchFamily="50" charset="-127"/>
+                <a:ea typeface="나눔스퀘어 ExtraBold" panose="020B0600000101010101" pitchFamily="50" charset="-127"/>
+              </a:rPr>
+              <a:t>Exercise</a:t>
+            </a:r>
+            <a:endParaRPr lang="ko-KR" altLang="en-US" sz="1400" spc="-100" dirty="0">
+              <a:ln>
+                <a:solidFill>
+                  <a:schemeClr val="bg1">
+                    <a:lumMod val="65000"/>
+                    <a:alpha val="0"/>
+                  </a:schemeClr>
+                </a:solidFill>
+              </a:ln>
+              <a:latin typeface="나눔스퀘어 ExtraBold" panose="020B0600000101010101" pitchFamily="50" charset="-127"/>
+              <a:ea typeface="나눔스퀘어 ExtraBold" panose="020B0600000101010101" pitchFamily="50" charset="-127"/>
+            </a:endParaRPr>
+          </a:p>
+        </p:txBody>
+      </p:sp>
+      <p:sp>
+        <p:nvSpPr>
+          <p:cNvPr id="9" name="TextBox 8"/>
+          <p:cNvSpPr txBox="1"/>
+          <p:nvPr/>
+        </p:nvSpPr>
+        <p:spPr>
+          <a:xfrm>
+            <a:off x="1088238" y="437393"/>
+            <a:ext cx="5396382" cy="584775"/>
+          </a:xfrm>
+          <a:prstGeom prst="rect">
+            <a:avLst/>
+          </a:prstGeom>
+          <a:noFill/>
+        </p:spPr>
+        <p:txBody>
+          <a:bodyPr wrap="square" rtlCol="0">
+            <a:spAutoFit/>
+          </a:bodyPr>
+          <a:lstStyle/>
+          <a:p>
+            <a:r>
+              <a:rPr lang="en-US" altLang="ko-KR" sz="3200" spc="-150" smtClean="0">
+                <a:solidFill>
+                  <a:srgbClr val="00002F"/>
+                </a:solidFill>
+                <a:latin typeface="나눔스퀘어 ExtraBold" panose="020B0600000101010101" pitchFamily="50" charset="-127"/>
+                <a:ea typeface="나눔스퀘어 ExtraBold" panose="020B0600000101010101" pitchFamily="50" charset="-127"/>
+              </a:rPr>
+              <a:t>Mlflow </a:t>
+            </a:r>
+            <a:r>
+              <a:rPr lang="en-US" altLang="ko-KR" sz="3200" spc="-150" smtClean="0">
+                <a:solidFill>
+                  <a:srgbClr val="00002F"/>
+                </a:solidFill>
+                <a:latin typeface="나눔스퀘어 ExtraBold" panose="020B0600000101010101" pitchFamily="50" charset="-127"/>
+                <a:ea typeface="나눔스퀘어 ExtraBold" panose="020B0600000101010101" pitchFamily="50" charset="-127"/>
+              </a:rPr>
+              <a:t>Models</a:t>
+            </a:r>
+            <a:endParaRPr lang="en-US" altLang="ko-KR" sz="3200" spc="-150">
+              <a:solidFill>
+                <a:srgbClr val="00002F"/>
+              </a:solidFill>
+              <a:latin typeface="나눔스퀘어 ExtraBold" panose="020B0600000101010101" pitchFamily="50" charset="-127"/>
+              <a:ea typeface="나눔스퀘어 ExtraBold" panose="020B0600000101010101" pitchFamily="50" charset="-127"/>
+            </a:endParaRPr>
+          </a:p>
+        </p:txBody>
+      </p:sp>
+      <p:sp>
+        <p:nvSpPr>
+          <p:cNvPr id="7" name="TextBox 6">
+            <a:extLst>
+              <a:ext uri="{FF2B5EF4-FFF2-40B4-BE49-F238E27FC236}">
+                <a16:creationId xmlns:a16="http://schemas.microsoft.com/office/drawing/2014/main" id="{C40C17C7-6436-43BB-AB8B-1F1856BAF096}"/>
+              </a:ext>
+            </a:extLst>
+          </p:cNvPr>
+          <p:cNvSpPr txBox="1"/>
+          <p:nvPr/>
+        </p:nvSpPr>
+        <p:spPr>
+          <a:xfrm>
+            <a:off x="4353844" y="5114870"/>
+            <a:ext cx="3484312" cy="461665"/>
+          </a:xfrm>
+          <a:prstGeom prst="rect">
+            <a:avLst/>
+          </a:prstGeom>
+          <a:noFill/>
+        </p:spPr>
+        <p:txBody>
+          <a:bodyPr wrap="square" rtlCol="0" anchor="ctr">
+            <a:spAutoFit/>
+          </a:bodyPr>
+          <a:lstStyle/>
+          <a:p>
+            <a:pPr marL="171450" indent="-171450" algn="ctr">
+              <a:lnSpc>
+                <a:spcPct val="200000"/>
+              </a:lnSpc>
+              <a:buFont typeface="Arial" panose="020B0604020202020204" pitchFamily="34" charset="0"/>
+              <a:buChar char="•"/>
+            </a:pPr>
+            <a:r>
+              <a:rPr lang="ko-KR" altLang="en-US" sz="1200" spc="-103" smtClean="0">
+                <a:ln>
+                  <a:solidFill>
+                    <a:schemeClr val="bg1">
+                      <a:lumMod val="85000"/>
+                      <a:alpha val="0"/>
+                    </a:schemeClr>
+                  </a:solidFill>
+                </a:ln>
+                <a:latin typeface="나눔스퀘어 Bold" panose="020B0600000101010101" pitchFamily="50" charset="-127"/>
+                <a:ea typeface="나눔스퀘어 Bold" panose="020B0600000101010101" pitchFamily="50" charset="-127"/>
+              </a:rPr>
+              <a:t>타이타닉 모델 </a:t>
+            </a:r>
+            <a:r>
+              <a:rPr lang="en-US" altLang="ko-KR" sz="1200" spc="-103" smtClean="0">
+                <a:ln>
+                  <a:solidFill>
+                    <a:schemeClr val="bg1">
+                      <a:lumMod val="85000"/>
+                      <a:alpha val="0"/>
+                    </a:schemeClr>
+                  </a:solidFill>
+                </a:ln>
+                <a:latin typeface="나눔스퀘어 Bold" panose="020B0600000101010101" pitchFamily="50" charset="-127"/>
+                <a:ea typeface="나눔스퀘어 Bold" panose="020B0600000101010101" pitchFamily="50" charset="-127"/>
+              </a:rPr>
+              <a:t>ML </a:t>
+            </a:r>
+            <a:r>
+              <a:rPr lang="ko-KR" altLang="en-US" sz="1200" spc="-103" smtClean="0">
+                <a:ln>
+                  <a:solidFill>
+                    <a:schemeClr val="bg1">
+                      <a:lumMod val="85000"/>
+                      <a:alpha val="0"/>
+                    </a:schemeClr>
+                  </a:solidFill>
+                </a:ln>
+                <a:latin typeface="나눔스퀘어 Bold" panose="020B0600000101010101" pitchFamily="50" charset="-127"/>
+                <a:ea typeface="나눔스퀘어 Bold" panose="020B0600000101010101" pitchFamily="50" charset="-127"/>
+              </a:rPr>
+              <a:t>가져와서 추론하기</a:t>
+            </a:r>
+            <a:endParaRPr lang="en-US" altLang="ko-KR" sz="1200" spc="-103" smtClean="0">
+              <a:ln>
+                <a:solidFill>
+                  <a:schemeClr val="bg1">
+                    <a:lumMod val="85000"/>
+                    <a:alpha val="0"/>
+                  </a:schemeClr>
+                </a:solidFill>
+              </a:ln>
+              <a:latin typeface="나눔스퀘어 Bold" panose="020B0600000101010101" pitchFamily="50" charset="-127"/>
+              <a:ea typeface="나눔스퀘어 Bold" panose="020B0600000101010101" pitchFamily="50" charset="-127"/>
+            </a:endParaRPr>
+          </a:p>
+        </p:txBody>
+      </p:sp>
+      <p:pic>
+        <p:nvPicPr>
+          <p:cNvPr id="3" name="그림 2"/>
+          <p:cNvPicPr>
+            <a:picLocks noChangeAspect="1"/>
+          </p:cNvPicPr>
+          <p:nvPr/>
+        </p:nvPicPr>
+        <p:blipFill>
+          <a:blip r:embed="rId2"/>
+          <a:stretch>
+            <a:fillRect/>
+          </a:stretch>
+        </p:blipFill>
+        <p:spPr>
+          <a:xfrm>
+            <a:off x="2424546" y="2500923"/>
+            <a:ext cx="7342909" cy="2138795"/>
+          </a:xfrm>
+          <a:prstGeom prst="rect">
+            <a:avLst/>
+          </a:prstGeom>
+        </p:spPr>
+      </p:pic>
+    </p:spTree>
+    <p:extLst>
+      <p:ext uri="{BB962C8B-B14F-4D97-AF65-F5344CB8AC3E}">
+        <p14:creationId xmlns:p14="http://schemas.microsoft.com/office/powerpoint/2010/main" val="2853359701"/>
+      </p:ext>
+    </p:extLst>
+  </p:cSld>
+  <p:clrMapOvr>
+    <a:masterClrMapping/>
+  </p:clrMapOvr>
+</p:sld>
+</file>
+
+<file path=ppt/slides/slide19.xml><?xml version="1.0" encoding="utf-8"?>
+<p:sld xmlns:a="http://schemas.openxmlformats.org/drawingml/2006/main" xmlns:r="http://schemas.openxmlformats.org/officeDocument/2006/relationships" xmlns:p="http://schemas.openxmlformats.org/presentationml/2006/main">
+  <p:cSld>
+    <p:spTree>
+      <p:nvGrpSpPr>
+        <p:cNvPr id="1" name=""/>
+        <p:cNvGrpSpPr/>
+        <p:nvPr/>
+      </p:nvGrpSpPr>
+      <p:grpSpPr>
+        <a:xfrm>
+          <a:off x="0" y="0"/>
+          <a:ext cx="0" cy="0"/>
+          <a:chOff x="0" y="0"/>
+          <a:chExt cx="0" cy="0"/>
+        </a:xfrm>
+      </p:grpSpPr>
+      <p:sp>
+        <p:nvSpPr>
+          <p:cNvPr id="12" name="TextBox 11"/>
+          <p:cNvSpPr txBox="1"/>
+          <p:nvPr/>
+        </p:nvSpPr>
+        <p:spPr>
+          <a:xfrm>
+            <a:off x="455532" y="498947"/>
+            <a:ext cx="614271" cy="461665"/>
+          </a:xfrm>
+          <a:prstGeom prst="rect">
+            <a:avLst/>
+          </a:prstGeom>
+          <a:noFill/>
+        </p:spPr>
+        <p:txBody>
+          <a:bodyPr wrap="square" rtlCol="0">
+            <a:spAutoFit/>
+          </a:bodyPr>
+          <a:lstStyle/>
+          <a:p>
+            <a:pPr algn="ctr"/>
+            <a:r>
+              <a:rPr lang="en-US" altLang="ko-KR" sz="2400" spc="-150" smtClean="0">
+                <a:solidFill>
+                  <a:srgbClr val="00002F"/>
+                </a:solidFill>
+                <a:latin typeface="나눔스퀘어 ExtraBold" panose="020B0600000101010101" pitchFamily="50" charset="-127"/>
+                <a:ea typeface="나눔스퀘어 ExtraBold" panose="020B0600000101010101" pitchFamily="50" charset="-127"/>
+              </a:rPr>
+              <a:t>04.</a:t>
+            </a:r>
+            <a:endParaRPr lang="ko-KR" altLang="en-US" sz="2400" spc="-150" dirty="0">
+              <a:solidFill>
+                <a:srgbClr val="00002F"/>
+              </a:solidFill>
+              <a:latin typeface="나눔스퀘어 ExtraBold" panose="020B0600000101010101" pitchFamily="50" charset="-127"/>
+              <a:ea typeface="나눔스퀘어 ExtraBold" panose="020B0600000101010101" pitchFamily="50" charset="-127"/>
+            </a:endParaRPr>
+          </a:p>
+        </p:txBody>
+      </p:sp>
+      <p:sp>
+        <p:nvSpPr>
+          <p:cNvPr id="36" name="TextBox 35">
+            <a:extLst>
+              <a:ext uri="{FF2B5EF4-FFF2-40B4-BE49-F238E27FC236}">
+                <a16:creationId xmlns:a16="http://schemas.microsoft.com/office/drawing/2014/main" id="{76BF0B6A-32FF-436D-83C4-AB1F31C134F8}"/>
+              </a:ext>
+            </a:extLst>
+          </p:cNvPr>
+          <p:cNvSpPr txBox="1"/>
+          <p:nvPr/>
+        </p:nvSpPr>
+        <p:spPr>
+          <a:xfrm>
+            <a:off x="1119982" y="1075034"/>
+            <a:ext cx="2596341" cy="307777"/>
+          </a:xfrm>
+          <a:prstGeom prst="rect">
+            <a:avLst/>
+          </a:prstGeom>
+          <a:noFill/>
+        </p:spPr>
+        <p:txBody>
+          <a:bodyPr wrap="square" rtlCol="0">
+            <a:spAutoFit/>
+          </a:bodyPr>
+          <a:lstStyle/>
+          <a:p>
+            <a:r>
+              <a:rPr lang="en-US" altLang="ko-KR" sz="1400" spc="-100" smtClean="0">
+                <a:ln>
+                  <a:solidFill>
+                    <a:schemeClr val="bg1">
+                      <a:lumMod val="65000"/>
+                      <a:alpha val="0"/>
+                    </a:schemeClr>
+                  </a:solidFill>
+                </a:ln>
+                <a:latin typeface="나눔스퀘어 ExtraBold" panose="020B0600000101010101" pitchFamily="50" charset="-127"/>
+                <a:ea typeface="나눔스퀘어 ExtraBold" panose="020B0600000101010101" pitchFamily="50" charset="-127"/>
+              </a:rPr>
+              <a:t>Exercise</a:t>
+            </a:r>
+            <a:endParaRPr lang="ko-KR" altLang="en-US" sz="1400" spc="-100" dirty="0">
+              <a:ln>
+                <a:solidFill>
+                  <a:schemeClr val="bg1">
+                    <a:lumMod val="65000"/>
+                    <a:alpha val="0"/>
+                  </a:schemeClr>
+                </a:solidFill>
+              </a:ln>
+              <a:latin typeface="나눔스퀘어 ExtraBold" panose="020B0600000101010101" pitchFamily="50" charset="-127"/>
+              <a:ea typeface="나눔스퀘어 ExtraBold" panose="020B0600000101010101" pitchFamily="50" charset="-127"/>
+            </a:endParaRPr>
+          </a:p>
+        </p:txBody>
+      </p:sp>
+      <p:sp>
+        <p:nvSpPr>
+          <p:cNvPr id="9" name="TextBox 8"/>
+          <p:cNvSpPr txBox="1"/>
+          <p:nvPr/>
+        </p:nvSpPr>
+        <p:spPr>
+          <a:xfrm>
+            <a:off x="1088238" y="437393"/>
+            <a:ext cx="5396382" cy="584775"/>
+          </a:xfrm>
+          <a:prstGeom prst="rect">
+            <a:avLst/>
+          </a:prstGeom>
+          <a:noFill/>
+        </p:spPr>
+        <p:txBody>
+          <a:bodyPr wrap="square" rtlCol="0">
+            <a:spAutoFit/>
+          </a:bodyPr>
+          <a:lstStyle/>
+          <a:p>
+            <a:r>
+              <a:rPr lang="en-US" altLang="ko-KR" sz="3200" spc="-150" smtClean="0">
+                <a:solidFill>
+                  <a:srgbClr val="00002F"/>
+                </a:solidFill>
+                <a:latin typeface="나눔스퀘어 ExtraBold" panose="020B0600000101010101" pitchFamily="50" charset="-127"/>
+                <a:ea typeface="나눔스퀘어 ExtraBold" panose="020B0600000101010101" pitchFamily="50" charset="-127"/>
+              </a:rPr>
+              <a:t>Mlflow </a:t>
+            </a:r>
+            <a:r>
+              <a:rPr lang="en-US" altLang="ko-KR" sz="3200" spc="-150" smtClean="0">
+                <a:solidFill>
+                  <a:srgbClr val="00002F"/>
+                </a:solidFill>
+                <a:latin typeface="나눔스퀘어 ExtraBold" panose="020B0600000101010101" pitchFamily="50" charset="-127"/>
+                <a:ea typeface="나눔스퀘어 ExtraBold" panose="020B0600000101010101" pitchFamily="50" charset="-127"/>
+              </a:rPr>
+              <a:t>Models</a:t>
+            </a:r>
+            <a:endParaRPr lang="en-US" altLang="ko-KR" sz="3200" spc="-150">
+              <a:solidFill>
+                <a:srgbClr val="00002F"/>
+              </a:solidFill>
+              <a:latin typeface="나눔스퀘어 ExtraBold" panose="020B0600000101010101" pitchFamily="50" charset="-127"/>
+              <a:ea typeface="나눔스퀘어 ExtraBold" panose="020B0600000101010101" pitchFamily="50" charset="-127"/>
+            </a:endParaRPr>
+          </a:p>
+        </p:txBody>
+      </p:sp>
+      <p:sp>
+        <p:nvSpPr>
+          <p:cNvPr id="7" name="TextBox 6">
+            <a:extLst>
+              <a:ext uri="{FF2B5EF4-FFF2-40B4-BE49-F238E27FC236}">
+                <a16:creationId xmlns:a16="http://schemas.microsoft.com/office/drawing/2014/main" id="{C40C17C7-6436-43BB-AB8B-1F1856BAF096}"/>
+              </a:ext>
+            </a:extLst>
+          </p:cNvPr>
+          <p:cNvSpPr txBox="1"/>
+          <p:nvPr/>
+        </p:nvSpPr>
+        <p:spPr>
+          <a:xfrm>
+            <a:off x="4353843" y="5960614"/>
+            <a:ext cx="3484312" cy="461665"/>
+          </a:xfrm>
+          <a:prstGeom prst="rect">
+            <a:avLst/>
+          </a:prstGeom>
+          <a:noFill/>
+        </p:spPr>
+        <p:txBody>
+          <a:bodyPr wrap="square" rtlCol="0" anchor="ctr">
+            <a:spAutoFit/>
+          </a:bodyPr>
+          <a:lstStyle/>
+          <a:p>
+            <a:pPr marL="171450" indent="-171450" algn="ctr">
+              <a:lnSpc>
+                <a:spcPct val="200000"/>
+              </a:lnSpc>
+              <a:buFont typeface="Arial" panose="020B0604020202020204" pitchFamily="34" charset="0"/>
+              <a:buChar char="•"/>
+            </a:pPr>
+            <a:r>
+              <a:rPr lang="ko-KR" altLang="en-US" sz="1200" spc="-103" smtClean="0">
+                <a:ln>
+                  <a:solidFill>
+                    <a:schemeClr val="bg1">
+                      <a:lumMod val="85000"/>
+                      <a:alpha val="0"/>
+                    </a:schemeClr>
+                  </a:solidFill>
+                </a:ln>
+                <a:latin typeface="나눔스퀘어 Bold" panose="020B0600000101010101" pitchFamily="50" charset="-127"/>
+                <a:ea typeface="나눔스퀘어 Bold" panose="020B0600000101010101" pitchFamily="50" charset="-127"/>
+              </a:rPr>
+              <a:t>리뷰 감정 분류 </a:t>
+            </a:r>
+            <a:r>
+              <a:rPr lang="en-US" altLang="ko-KR" sz="1200" spc="-103" smtClean="0">
+                <a:ln>
+                  <a:solidFill>
+                    <a:schemeClr val="bg1">
+                      <a:lumMod val="85000"/>
+                      <a:alpha val="0"/>
+                    </a:schemeClr>
+                  </a:solidFill>
+                </a:ln>
+                <a:latin typeface="나눔스퀘어 Bold" panose="020B0600000101010101" pitchFamily="50" charset="-127"/>
+                <a:ea typeface="나눔스퀘어 Bold" panose="020B0600000101010101" pitchFamily="50" charset="-127"/>
+              </a:rPr>
+              <a:t>DL</a:t>
+            </a:r>
+            <a:r>
+              <a:rPr lang="ko-KR" altLang="en-US" sz="1200" spc="-103" smtClean="0">
+                <a:ln>
+                  <a:solidFill>
+                    <a:schemeClr val="bg1">
+                      <a:lumMod val="85000"/>
+                      <a:alpha val="0"/>
+                    </a:schemeClr>
+                  </a:solidFill>
+                </a:ln>
+                <a:latin typeface="나눔스퀘어 Bold" panose="020B0600000101010101" pitchFamily="50" charset="-127"/>
+                <a:ea typeface="나눔스퀘어 Bold" panose="020B0600000101010101" pitchFamily="50" charset="-127"/>
+              </a:rPr>
+              <a:t> 모델 가져와서 추론하기</a:t>
+            </a:r>
+            <a:endParaRPr lang="en-US" altLang="ko-KR" sz="1200" spc="-103" smtClean="0">
+              <a:ln>
+                <a:solidFill>
+                  <a:schemeClr val="bg1">
+                    <a:lumMod val="85000"/>
+                    <a:alpha val="0"/>
+                  </a:schemeClr>
+                </a:solidFill>
+              </a:ln>
+              <a:latin typeface="나눔스퀘어 Bold" panose="020B0600000101010101" pitchFamily="50" charset="-127"/>
+              <a:ea typeface="나눔스퀘어 Bold" panose="020B0600000101010101" pitchFamily="50" charset="-127"/>
+            </a:endParaRPr>
+          </a:p>
+        </p:txBody>
+      </p:sp>
+      <p:pic>
+        <p:nvPicPr>
+          <p:cNvPr id="2" name="그림 1"/>
+          <p:cNvPicPr>
+            <a:picLocks noChangeAspect="1"/>
+          </p:cNvPicPr>
+          <p:nvPr/>
+        </p:nvPicPr>
+        <p:blipFill>
+          <a:blip r:embed="rId2"/>
+          <a:stretch>
+            <a:fillRect/>
+          </a:stretch>
+        </p:blipFill>
+        <p:spPr>
+          <a:xfrm>
+            <a:off x="3394507" y="2043569"/>
+            <a:ext cx="5402986" cy="3635386"/>
+          </a:xfrm>
+          <a:prstGeom prst="rect">
+            <a:avLst/>
+          </a:prstGeom>
+        </p:spPr>
+      </p:pic>
+    </p:spTree>
+    <p:extLst>
+      <p:ext uri="{BB962C8B-B14F-4D97-AF65-F5344CB8AC3E}">
+        <p14:creationId xmlns:p14="http://schemas.microsoft.com/office/powerpoint/2010/main" val="2632634638"/>
+      </p:ext>
+    </p:extLst>
+  </p:cSld>
+  <p:clrMapOvr>
+    <a:masterClrMapping/>
+  </p:clrMapOvr>
+</p:sld>
+</file>
+
 <file path=ppt/slides/slide2.xml><?xml version="1.0" encoding="utf-8"?>
 <p:sld xmlns:a="http://schemas.openxmlformats.org/drawingml/2006/main" xmlns:r="http://schemas.openxmlformats.org/officeDocument/2006/relationships" xmlns:p="http://schemas.openxmlformats.org/presentationml/2006/main">
   <p:cSld>
@@ -1227,8 +4804,8 @@
         </p:nvSpPr>
         <p:spPr>
           <a:xfrm>
-            <a:off x="2641871" y="4458124"/>
-            <a:ext cx="7092333" cy="1938992"/>
+            <a:off x="2629566" y="4720844"/>
+            <a:ext cx="6932869" cy="1938992"/>
           </a:xfrm>
           <a:prstGeom prst="rect">
             <a:avLst/>
@@ -1249,6 +4826,21 @@
               <a:buChar char="•"/>
             </a:pPr>
             <a:r>
+              <a:rPr lang="en-US" altLang="ko-KR" sz="1200" spc="-103" smtClean="0">
+                <a:ln>
+                  <a:solidFill>
+                    <a:schemeClr val="bg1">
+                      <a:lumMod val="85000"/>
+                      <a:alpha val="0"/>
+                    </a:schemeClr>
+                  </a:solidFill>
+                </a:ln>
+                <a:latin typeface="나눔스퀘어 Bold" panose="020B0600000101010101" pitchFamily="50" charset="-127"/>
+                <a:ea typeface="나눔스퀘어 Bold" panose="020B0600000101010101" pitchFamily="50" charset="-127"/>
+              </a:rPr>
+              <a:t>2018</a:t>
+            </a:r>
+            <a:r>
               <a:rPr lang="ko-KR" altLang="en-US" sz="1200" spc="-103" smtClean="0">
                 <a:ln>
                   <a:solidFill>
@@ -1261,23 +4853,20 @@
                 <a:latin typeface="나눔스퀘어 Bold" panose="020B0600000101010101" pitchFamily="50" charset="-127"/>
                 <a:ea typeface="나눔스퀘어 Bold" panose="020B0600000101010101" pitchFamily="50" charset="-127"/>
               </a:rPr>
-              <a:t>인공지능을 처음 입문하면 알고리즘 공부를 열심히 한다</a:t>
-            </a:r>
-            <a:r>
-              <a:rPr lang="en-US" altLang="ko-KR" sz="1200" spc="-103" smtClean="0">
-                <a:ln>
-                  <a:solidFill>
-                    <a:schemeClr val="bg1">
-                      <a:lumMod val="85000"/>
-                      <a:alpha val="0"/>
-                    </a:schemeClr>
-                  </a:solidFill>
-                </a:ln>
-                <a:latin typeface="나눔스퀘어 Bold" panose="020B0600000101010101" pitchFamily="50" charset="-127"/>
-                <a:ea typeface="나눔스퀘어 Bold" panose="020B0600000101010101" pitchFamily="50" charset="-127"/>
-              </a:rPr>
-              <a:t>.</a:t>
-            </a:r>
+              <a:t>년 인공지능을 처음 공부했을 때 생각한 내 모습</a:t>
+            </a:r>
+            <a:endParaRPr lang="en-US" altLang="ko-KR" sz="1200" spc="-103" smtClean="0">
+              <a:ln>
+                <a:solidFill>
+                  <a:schemeClr val="bg1">
+                    <a:lumMod val="85000"/>
+                    <a:alpha val="0"/>
+                  </a:schemeClr>
+                </a:solidFill>
+              </a:ln>
+              <a:latin typeface="나눔스퀘어 Bold" panose="020B0600000101010101" pitchFamily="50" charset="-127"/>
+              <a:ea typeface="나눔스퀘어 Bold" panose="020B0600000101010101" pitchFamily="50" charset="-127"/>
+            </a:endParaRPr>
           </a:p>
           <a:p>
             <a:pPr marL="628650" lvl="1" indent="-171450">
@@ -1354,7 +4943,7 @@
                 <a:latin typeface="나눔스퀘어 Bold" panose="020B0600000101010101" pitchFamily="50" charset="-127"/>
                 <a:ea typeface="나눔스퀘어 Bold" panose="020B0600000101010101" pitchFamily="50" charset="-127"/>
               </a:rPr>
-              <a:t>NB, SVM, Random Forest, XGBoost </a:t>
+              <a:t>EDA </a:t>
             </a:r>
             <a:r>
               <a:rPr lang="ko-KR" altLang="en-US" sz="1200" spc="-103" smtClean="0">
@@ -1369,7 +4958,7 @@
                 <a:latin typeface="나눔스퀘어 Bold" panose="020B0600000101010101" pitchFamily="50" charset="-127"/>
                 <a:ea typeface="나눔스퀘어 Bold" panose="020B0600000101010101" pitchFamily="50" charset="-127"/>
               </a:rPr>
-              <a:t>같은 통계기반 알고리즘은 어떻게 작동하고 어느때 좋을까</a:t>
+              <a:t>어떻게 하지</a:t>
             </a:r>
             <a:r>
               <a:rPr lang="en-US" altLang="ko-KR" sz="1200" spc="-103" smtClean="0">
@@ -1386,6 +4975,18 @@
               </a:rPr>
               <a:t>?</a:t>
             </a:r>
+            <a:endParaRPr lang="en-US" altLang="ko-KR" sz="1200" spc="-103" smtClean="0">
+              <a:ln>
+                <a:solidFill>
+                  <a:schemeClr val="bg1">
+                    <a:lumMod val="85000"/>
+                    <a:alpha val="0"/>
+                  </a:schemeClr>
+                </a:solidFill>
+              </a:ln>
+              <a:latin typeface="나눔스퀘어 Bold" panose="020B0600000101010101" pitchFamily="50" charset="-127"/>
+              <a:ea typeface="나눔스퀘어 Bold" panose="020B0600000101010101" pitchFamily="50" charset="-127"/>
+            </a:endParaRPr>
           </a:p>
           <a:p>
             <a:pPr marL="628650" lvl="1" indent="-171450">
@@ -1396,6 +4997,21 @@
               <a:buChar char="•"/>
             </a:pPr>
             <a:r>
+              <a:rPr lang="en-US" altLang="ko-KR" sz="1200" spc="-103" smtClean="0">
+                <a:ln>
+                  <a:solidFill>
+                    <a:schemeClr val="bg1">
+                      <a:lumMod val="85000"/>
+                      <a:alpha val="0"/>
+                    </a:schemeClr>
+                  </a:solidFill>
+                </a:ln>
+                <a:latin typeface="나눔스퀘어 Bold" panose="020B0600000101010101" pitchFamily="50" charset="-127"/>
+                <a:ea typeface="나눔스퀘어 Bold" panose="020B0600000101010101" pitchFamily="50" charset="-127"/>
+              </a:rPr>
+              <a:t>NB, SVM, Random Forest, XGBoost </a:t>
+            </a:r>
+            <a:r>
               <a:rPr lang="ko-KR" altLang="en-US" sz="1200" spc="-103" smtClean="0">
                 <a:ln>
                   <a:solidFill>
@@ -1408,7 +5024,37 @@
                 <a:latin typeface="나눔스퀘어 Bold" panose="020B0600000101010101" pitchFamily="50" charset="-127"/>
                 <a:ea typeface="나눔스퀘어 Bold" panose="020B0600000101010101" pitchFamily="50" charset="-127"/>
               </a:rPr>
-              <a:t>역전파가 뭐지</a:t>
+              <a:t>같은 통계기반 알고리즘은 </a:t>
+            </a:r>
+            <a:r>
+              <a:rPr lang="ko-KR" altLang="en-US" sz="1200" spc="-103" smtClean="0">
+                <a:ln>
+                  <a:solidFill>
+                    <a:schemeClr val="bg1">
+                      <a:lumMod val="85000"/>
+                      <a:alpha val="0"/>
+                    </a:schemeClr>
+                  </a:solidFill>
+                </a:ln>
+                <a:latin typeface="나눔스퀘어 Bold" panose="020B0600000101010101" pitchFamily="50" charset="-127"/>
+                <a:ea typeface="나눔스퀘어 Bold" panose="020B0600000101010101" pitchFamily="50" charset="-127"/>
+              </a:rPr>
+              <a:t>어떤</a:t>
+            </a:r>
+            <a:r>
+              <a:rPr lang="en-US" altLang="ko-KR" sz="1200" spc="-103">
+                <a:ln>
+                  <a:solidFill>
+                    <a:schemeClr val="bg1">
+                      <a:lumMod val="85000"/>
+                      <a:alpha val="0"/>
+                    </a:schemeClr>
+                  </a:solidFill>
+                </a:ln>
+                <a:latin typeface="나눔스퀘어 Bold" panose="020B0600000101010101" pitchFamily="50" charset="-127"/>
+                <a:ea typeface="나눔스퀘어 Bold" panose="020B0600000101010101" pitchFamily="50" charset="-127"/>
+              </a:rPr>
+              <a:t> </a:t>
             </a:r>
             <a:r>
               <a:rPr lang="en-US" altLang="ko-KR" sz="1200" spc="-103" smtClean="0">
@@ -1423,7 +5069,7 @@
                 <a:latin typeface="나눔스퀘어 Bold" panose="020B0600000101010101" pitchFamily="50" charset="-127"/>
                 <a:ea typeface="나눔스퀘어 Bold" panose="020B0600000101010101" pitchFamily="50" charset="-127"/>
               </a:rPr>
-              <a:t>? CNN</a:t>
+              <a:t>Feature</a:t>
             </a:r>
             <a:r>
               <a:rPr lang="ko-KR" altLang="en-US" sz="1200" spc="-103" smtClean="0">
@@ -1438,7 +5084,7 @@
                 <a:latin typeface="나눔스퀘어 Bold" panose="020B0600000101010101" pitchFamily="50" charset="-127"/>
                 <a:ea typeface="나눔스퀘어 Bold" panose="020B0600000101010101" pitchFamily="50" charset="-127"/>
               </a:rPr>
-              <a:t>이 뭐지</a:t>
+              <a:t>를 뽑아야 더 좋은 성능을 보일까</a:t>
             </a:r>
             <a:r>
               <a:rPr lang="en-US" altLang="ko-KR" sz="1200" spc="-103" smtClean="0">
@@ -1453,71 +5099,23 @@
                 <a:latin typeface="나눔스퀘어 Bold" panose="020B0600000101010101" pitchFamily="50" charset="-127"/>
                 <a:ea typeface="나눔스퀘어 Bold" panose="020B0600000101010101" pitchFamily="50" charset="-127"/>
               </a:rPr>
-              <a:t>? RNN</a:t>
-            </a:r>
-            <a:r>
-              <a:rPr lang="ko-KR" altLang="en-US" sz="1200" spc="-103" smtClean="0">
-                <a:ln>
-                  <a:solidFill>
-                    <a:schemeClr val="bg1">
-                      <a:lumMod val="85000"/>
-                      <a:alpha val="0"/>
-                    </a:schemeClr>
-                  </a:solidFill>
-                </a:ln>
-                <a:latin typeface="나눔스퀘어 Bold" panose="020B0600000101010101" pitchFamily="50" charset="-127"/>
-                <a:ea typeface="나눔스퀘어 Bold" panose="020B0600000101010101" pitchFamily="50" charset="-127"/>
-              </a:rPr>
-              <a:t>이  뭐지</a:t>
-            </a:r>
-            <a:r>
-              <a:rPr lang="en-US" altLang="ko-KR" sz="1200" spc="-103" smtClean="0">
-                <a:ln>
-                  <a:solidFill>
-                    <a:schemeClr val="bg1">
-                      <a:lumMod val="85000"/>
-                      <a:alpha val="0"/>
-                    </a:schemeClr>
-                  </a:solidFill>
-                </a:ln>
-                <a:latin typeface="나눔스퀘어 Bold" panose="020B0600000101010101" pitchFamily="50" charset="-127"/>
-                <a:ea typeface="나눔스퀘어 Bold" panose="020B0600000101010101" pitchFamily="50" charset="-127"/>
-              </a:rPr>
-              <a:t>? Attention</a:t>
-            </a:r>
-            <a:r>
-              <a:rPr lang="ko-KR" altLang="en-US" sz="1200" spc="-103" smtClean="0">
-                <a:ln>
-                  <a:solidFill>
-                    <a:schemeClr val="bg1">
-                      <a:lumMod val="85000"/>
-                      <a:alpha val="0"/>
-                    </a:schemeClr>
-                  </a:solidFill>
-                </a:ln>
-                <a:latin typeface="나눔스퀘어 Bold" panose="020B0600000101010101" pitchFamily="50" charset="-127"/>
-                <a:ea typeface="나눔스퀘어 Bold" panose="020B0600000101010101" pitchFamily="50" charset="-127"/>
-              </a:rPr>
-              <a:t>이 뭐지</a:t>
-            </a:r>
-            <a:r>
-              <a:rPr lang="en-US" altLang="ko-KR" sz="1200" spc="-103" smtClean="0">
-                <a:ln>
-                  <a:solidFill>
-                    <a:schemeClr val="bg1">
-                      <a:lumMod val="85000"/>
-                      <a:alpha val="0"/>
-                    </a:schemeClr>
-                  </a:solidFill>
-                </a:ln>
-                <a:latin typeface="나눔스퀘어 Bold" panose="020B0600000101010101" pitchFamily="50" charset="-127"/>
-                <a:ea typeface="나눔스퀘어 Bold" panose="020B0600000101010101" pitchFamily="50" charset="-127"/>
-              </a:rPr>
               <a:t>?</a:t>
             </a:r>
-          </a:p>
-          <a:p>
-            <a:pPr marL="171450" indent="-171450">
+            <a:endParaRPr lang="en-US" altLang="ko-KR" sz="1200" spc="-103" smtClean="0">
+              <a:ln>
+                <a:solidFill>
+                  <a:schemeClr val="bg1">
+                    <a:lumMod val="85000"/>
+                    <a:alpha val="0"/>
+                  </a:schemeClr>
+                </a:solidFill>
+              </a:ln>
+              <a:latin typeface="나눔스퀘어 Bold" panose="020B0600000101010101" pitchFamily="50" charset="-127"/>
+              <a:ea typeface="나눔스퀘어 Bold" panose="020B0600000101010101" pitchFamily="50" charset="-127"/>
+            </a:endParaRPr>
+          </a:p>
+          <a:p>
+            <a:pPr marL="628650" lvl="1" indent="-171450">
               <a:lnSpc>
                 <a:spcPct val="200000"/>
               </a:lnSpc>
@@ -1525,6 +5123,21 @@
               <a:buChar char="•"/>
             </a:pPr>
             <a:r>
+              <a:rPr lang="en-US" altLang="ko-KR" sz="1200" spc="-103" smtClean="0">
+                <a:ln>
+                  <a:solidFill>
+                    <a:schemeClr val="bg1">
+                      <a:lumMod val="85000"/>
+                      <a:alpha val="0"/>
+                    </a:schemeClr>
+                  </a:solidFill>
+                </a:ln>
+                <a:latin typeface="나눔스퀘어 Bold" panose="020B0600000101010101" pitchFamily="50" charset="-127"/>
+                <a:ea typeface="나눔스퀘어 Bold" panose="020B0600000101010101" pitchFamily="50" charset="-127"/>
+              </a:rPr>
+              <a:t>Loss</a:t>
+            </a:r>
+            <a:r>
               <a:rPr lang="ko-KR" altLang="en-US" sz="1200" spc="-103" smtClean="0">
                 <a:ln>
                   <a:solidFill>
@@ -1537,7 +5150,7 @@
                 <a:latin typeface="나눔스퀘어 Bold" panose="020B0600000101010101" pitchFamily="50" charset="-127"/>
                 <a:ea typeface="나눔스퀘어 Bold" panose="020B0600000101010101" pitchFamily="50" charset="-127"/>
               </a:rPr>
-              <a:t>배운 알고리즘은 </a:t>
+              <a:t>를 빠르게 수렴시키기 위한 방법들이 무엇이 있을까</a:t>
             </a:r>
             <a:r>
               <a:rPr lang="en-US" altLang="ko-KR" sz="1200" spc="-103" smtClean="0">
@@ -1552,97 +5165,7 @@
                 <a:latin typeface="나눔스퀘어 Bold" panose="020B0600000101010101" pitchFamily="50" charset="-127"/>
                 <a:ea typeface="나눔스퀘어 Bold" panose="020B0600000101010101" pitchFamily="50" charset="-127"/>
               </a:rPr>
-              <a:t>Kaggle</a:t>
-            </a:r>
-            <a:r>
-              <a:rPr lang="ko-KR" altLang="en-US" sz="1200" spc="-103" smtClean="0">
-                <a:ln>
-                  <a:solidFill>
-                    <a:schemeClr val="bg1">
-                      <a:lumMod val="85000"/>
-                      <a:alpha val="0"/>
-                    </a:schemeClr>
-                  </a:solidFill>
-                </a:ln>
-                <a:latin typeface="나눔스퀘어 Bold" panose="020B0600000101010101" pitchFamily="50" charset="-127"/>
-                <a:ea typeface="나눔스퀘어 Bold" panose="020B0600000101010101" pitchFamily="50" charset="-127"/>
-              </a:rPr>
-              <a:t>의 </a:t>
-            </a:r>
-            <a:r>
-              <a:rPr lang="en-US" altLang="ko-KR" sz="1200" spc="-103" smtClean="0">
-                <a:ln>
-                  <a:solidFill>
-                    <a:schemeClr val="bg1">
-                      <a:lumMod val="85000"/>
-                      <a:alpha val="0"/>
-                    </a:schemeClr>
-                  </a:solidFill>
-                </a:ln>
-                <a:latin typeface="나눔스퀘어 Bold" panose="020B0600000101010101" pitchFamily="50" charset="-127"/>
-                <a:ea typeface="나눔스퀘어 Bold" panose="020B0600000101010101" pitchFamily="50" charset="-127"/>
-              </a:rPr>
-              <a:t>competition</a:t>
-            </a:r>
-            <a:r>
-              <a:rPr lang="ko-KR" altLang="en-US" sz="1200" spc="-103" smtClean="0">
-                <a:ln>
-                  <a:solidFill>
-                    <a:schemeClr val="bg1">
-                      <a:lumMod val="85000"/>
-                      <a:alpha val="0"/>
-                    </a:schemeClr>
-                  </a:solidFill>
-                </a:ln>
-                <a:latin typeface="나눔스퀘어 Bold" panose="020B0600000101010101" pitchFamily="50" charset="-127"/>
-                <a:ea typeface="나눔스퀘어 Bold" panose="020B0600000101010101" pitchFamily="50" charset="-127"/>
-              </a:rPr>
-              <a:t>에 참여하며 모델을 학습시키고 성능을 본다</a:t>
-            </a:r>
-            <a:r>
-              <a:rPr lang="en-US" altLang="ko-KR" sz="1200" spc="-103" smtClean="0">
-                <a:ln>
-                  <a:solidFill>
-                    <a:schemeClr val="bg1">
-                      <a:lumMod val="85000"/>
-                      <a:alpha val="0"/>
-                    </a:schemeClr>
-                  </a:solidFill>
-                </a:ln>
-                <a:latin typeface="나눔스퀘어 Bold" panose="020B0600000101010101" pitchFamily="50" charset="-127"/>
-                <a:ea typeface="나눔스퀘어 Bold" panose="020B0600000101010101" pitchFamily="50" charset="-127"/>
-              </a:rPr>
-              <a:t>. </a:t>
-            </a:r>
-            <a:r>
-              <a:rPr lang="ko-KR" altLang="en-US" sz="1200" spc="-103" smtClean="0">
-                <a:ln>
-                  <a:solidFill>
-                    <a:schemeClr val="bg1">
-                      <a:lumMod val="85000"/>
-                      <a:alpha val="0"/>
-                    </a:schemeClr>
-                  </a:solidFill>
-                </a:ln>
-                <a:latin typeface="나눔스퀘어 Bold" panose="020B0600000101010101" pitchFamily="50" charset="-127"/>
-                <a:ea typeface="나눔스퀘어 Bold" panose="020B0600000101010101" pitchFamily="50" charset="-127"/>
-              </a:rPr>
-              <a:t>올라가는 리더보드 순위를 보며 뿌듯</a:t>
-            </a:r>
-            <a:r>
-              <a:rPr lang="en-US" altLang="ko-KR" sz="1200" spc="-103" smtClean="0">
-                <a:ln>
-                  <a:solidFill>
-                    <a:schemeClr val="bg1">
-                      <a:lumMod val="85000"/>
-                      <a:alpha val="0"/>
-                    </a:schemeClr>
-                  </a:solidFill>
-                </a:ln>
-                <a:latin typeface="나눔스퀘어 Bold" panose="020B0600000101010101" pitchFamily="50" charset="-127"/>
-                <a:ea typeface="나눔스퀘어 Bold" panose="020B0600000101010101" pitchFamily="50" charset="-127"/>
-              </a:rPr>
-              <a:t>!</a:t>
+              <a:t>?</a:t>
             </a:r>
           </a:p>
         </p:txBody>
@@ -1701,7 +5224,7 @@
       </p:sp>
       <p:pic>
         <p:nvPicPr>
-          <p:cNvPr id="7" name="Picture 4" descr="Kaggle] 캐글 시작하기 (타이타닉 문제) :: Juun42"/>
+          <p:cNvPr id="1026" name="Picture 2" descr="전쟁 역사 바꾼 천재 실화 &amp;#39;수학자 울람&amp;#39; 영화로 부활 &amp;lt; 영화 &amp;lt; 문화 &amp;lt; 기사본문 - 강원도민일보"/>
           <p:cNvPicPr>
             <a:picLocks noChangeAspect="1" noChangeArrowheads="1"/>
           </p:cNvPicPr>
@@ -1722,8 +5245,8 @@
         </p:blipFill>
         <p:spPr bwMode="auto">
           <a:xfrm>
-            <a:off x="2331564" y="1737295"/>
-            <a:ext cx="7528873" cy="2413025"/>
+            <a:off x="4014175" y="1749422"/>
+            <a:ext cx="4163650" cy="2771430"/>
           </a:xfrm>
           <a:prstGeom prst="rect">
             <a:avLst/>
@@ -1743,7 +5266,1912 @@
     </p:spTree>
     <p:extLst>
       <p:ext uri="{BB962C8B-B14F-4D97-AF65-F5344CB8AC3E}">
-        <p14:creationId xmlns:p14="http://schemas.microsoft.com/office/powerpoint/2010/main" val="3307504117"/>
+        <p14:creationId xmlns:p14="http://schemas.microsoft.com/office/powerpoint/2010/main" val="2069102524"/>
+      </p:ext>
+    </p:extLst>
+  </p:cSld>
+  <p:clrMapOvr>
+    <a:masterClrMapping/>
+  </p:clrMapOvr>
+</p:sld>
+</file>
+
+<file path=ppt/slides/slide20.xml><?xml version="1.0" encoding="utf-8"?>
+<p:sld xmlns:a="http://schemas.openxmlformats.org/drawingml/2006/main" xmlns:r="http://schemas.openxmlformats.org/officeDocument/2006/relationships" xmlns:p="http://schemas.openxmlformats.org/presentationml/2006/main">
+  <p:cSld>
+    <p:spTree>
+      <p:nvGrpSpPr>
+        <p:cNvPr id="1" name=""/>
+        <p:cNvGrpSpPr/>
+        <p:nvPr/>
+      </p:nvGrpSpPr>
+      <p:grpSpPr>
+        <a:xfrm>
+          <a:off x="0" y="0"/>
+          <a:ext cx="0" cy="0"/>
+          <a:chOff x="0" y="0"/>
+          <a:chExt cx="0" cy="0"/>
+        </a:xfrm>
+      </p:grpSpPr>
+      <p:sp>
+        <p:nvSpPr>
+          <p:cNvPr id="12" name="TextBox 11"/>
+          <p:cNvSpPr txBox="1"/>
+          <p:nvPr/>
+        </p:nvSpPr>
+        <p:spPr>
+          <a:xfrm>
+            <a:off x="455532" y="498947"/>
+            <a:ext cx="614271" cy="461665"/>
+          </a:xfrm>
+          <a:prstGeom prst="rect">
+            <a:avLst/>
+          </a:prstGeom>
+          <a:noFill/>
+        </p:spPr>
+        <p:txBody>
+          <a:bodyPr wrap="square" rtlCol="0">
+            <a:spAutoFit/>
+          </a:bodyPr>
+          <a:lstStyle/>
+          <a:p>
+            <a:pPr algn="ctr"/>
+            <a:r>
+              <a:rPr lang="en-US" altLang="ko-KR" sz="2400" spc="-150" smtClean="0">
+                <a:solidFill>
+                  <a:srgbClr val="00002F"/>
+                </a:solidFill>
+                <a:latin typeface="나눔스퀘어 ExtraBold" panose="020B0600000101010101" pitchFamily="50" charset="-127"/>
+                <a:ea typeface="나눔스퀘어 ExtraBold" panose="020B0600000101010101" pitchFamily="50" charset="-127"/>
+              </a:rPr>
+              <a:t>04.</a:t>
+            </a:r>
+            <a:endParaRPr lang="ko-KR" altLang="en-US" sz="2400" spc="-150" dirty="0">
+              <a:solidFill>
+                <a:srgbClr val="00002F"/>
+              </a:solidFill>
+              <a:latin typeface="나눔스퀘어 ExtraBold" panose="020B0600000101010101" pitchFamily="50" charset="-127"/>
+              <a:ea typeface="나눔스퀘어 ExtraBold" panose="020B0600000101010101" pitchFamily="50" charset="-127"/>
+            </a:endParaRPr>
+          </a:p>
+        </p:txBody>
+      </p:sp>
+      <p:sp>
+        <p:nvSpPr>
+          <p:cNvPr id="36" name="TextBox 35">
+            <a:extLst>
+              <a:ext uri="{FF2B5EF4-FFF2-40B4-BE49-F238E27FC236}">
+                <a16:creationId xmlns:a16="http://schemas.microsoft.com/office/drawing/2014/main" id="{76BF0B6A-32FF-436D-83C4-AB1F31C134F8}"/>
+              </a:ext>
+            </a:extLst>
+          </p:cNvPr>
+          <p:cNvSpPr txBox="1"/>
+          <p:nvPr/>
+        </p:nvSpPr>
+        <p:spPr>
+          <a:xfrm>
+            <a:off x="1119982" y="1075034"/>
+            <a:ext cx="2596341" cy="307777"/>
+          </a:xfrm>
+          <a:prstGeom prst="rect">
+            <a:avLst/>
+          </a:prstGeom>
+          <a:noFill/>
+        </p:spPr>
+        <p:txBody>
+          <a:bodyPr wrap="square" rtlCol="0">
+            <a:spAutoFit/>
+          </a:bodyPr>
+          <a:lstStyle/>
+          <a:p>
+            <a:r>
+              <a:rPr lang="en-US" altLang="ko-KR" sz="1400" spc="-100" smtClean="0">
+                <a:ln>
+                  <a:solidFill>
+                    <a:schemeClr val="bg1">
+                      <a:lumMod val="65000"/>
+                      <a:alpha val="0"/>
+                    </a:schemeClr>
+                  </a:solidFill>
+                </a:ln>
+                <a:latin typeface="나눔스퀘어 ExtraBold" panose="020B0600000101010101" pitchFamily="50" charset="-127"/>
+                <a:ea typeface="나눔스퀘어 ExtraBold" panose="020B0600000101010101" pitchFamily="50" charset="-127"/>
+              </a:rPr>
+              <a:t>Exercise</a:t>
+            </a:r>
+            <a:endParaRPr lang="ko-KR" altLang="en-US" sz="1400" spc="-100" dirty="0">
+              <a:ln>
+                <a:solidFill>
+                  <a:schemeClr val="bg1">
+                    <a:lumMod val="65000"/>
+                    <a:alpha val="0"/>
+                  </a:schemeClr>
+                </a:solidFill>
+              </a:ln>
+              <a:latin typeface="나눔스퀘어 ExtraBold" panose="020B0600000101010101" pitchFamily="50" charset="-127"/>
+              <a:ea typeface="나눔스퀘어 ExtraBold" panose="020B0600000101010101" pitchFamily="50" charset="-127"/>
+            </a:endParaRPr>
+          </a:p>
+        </p:txBody>
+      </p:sp>
+      <p:sp>
+        <p:nvSpPr>
+          <p:cNvPr id="9" name="TextBox 8"/>
+          <p:cNvSpPr txBox="1"/>
+          <p:nvPr/>
+        </p:nvSpPr>
+        <p:spPr>
+          <a:xfrm>
+            <a:off x="1088238" y="437393"/>
+            <a:ext cx="5396382" cy="584775"/>
+          </a:xfrm>
+          <a:prstGeom prst="rect">
+            <a:avLst/>
+          </a:prstGeom>
+          <a:noFill/>
+        </p:spPr>
+        <p:txBody>
+          <a:bodyPr wrap="square" rtlCol="0">
+            <a:spAutoFit/>
+          </a:bodyPr>
+          <a:lstStyle/>
+          <a:p>
+            <a:r>
+              <a:rPr lang="en-US" altLang="ko-KR" sz="3200" spc="-150" smtClean="0">
+                <a:solidFill>
+                  <a:srgbClr val="00002F"/>
+                </a:solidFill>
+                <a:latin typeface="나눔스퀘어 ExtraBold" panose="020B0600000101010101" pitchFamily="50" charset="-127"/>
+                <a:ea typeface="나눔스퀘어 ExtraBold" panose="020B0600000101010101" pitchFamily="50" charset="-127"/>
+              </a:rPr>
+              <a:t>Mlflow </a:t>
+            </a:r>
+            <a:r>
+              <a:rPr lang="en-US" altLang="ko-KR" sz="3200" spc="-150" smtClean="0">
+                <a:solidFill>
+                  <a:srgbClr val="00002F"/>
+                </a:solidFill>
+                <a:latin typeface="나눔스퀘어 ExtraBold" panose="020B0600000101010101" pitchFamily="50" charset="-127"/>
+                <a:ea typeface="나눔스퀘어 ExtraBold" panose="020B0600000101010101" pitchFamily="50" charset="-127"/>
+              </a:rPr>
+              <a:t>Models</a:t>
+            </a:r>
+            <a:endParaRPr lang="en-US" altLang="ko-KR" sz="3200" spc="-150">
+              <a:solidFill>
+                <a:srgbClr val="00002F"/>
+              </a:solidFill>
+              <a:latin typeface="나눔스퀘어 ExtraBold" panose="020B0600000101010101" pitchFamily="50" charset="-127"/>
+              <a:ea typeface="나눔스퀘어 ExtraBold" panose="020B0600000101010101" pitchFamily="50" charset="-127"/>
+            </a:endParaRPr>
+          </a:p>
+        </p:txBody>
+      </p:sp>
+      <p:sp>
+        <p:nvSpPr>
+          <p:cNvPr id="7" name="TextBox 6">
+            <a:extLst>
+              <a:ext uri="{FF2B5EF4-FFF2-40B4-BE49-F238E27FC236}">
+                <a16:creationId xmlns:a16="http://schemas.microsoft.com/office/drawing/2014/main" id="{C40C17C7-6436-43BB-AB8B-1F1856BAF096}"/>
+              </a:ext>
+            </a:extLst>
+          </p:cNvPr>
+          <p:cNvSpPr txBox="1"/>
+          <p:nvPr/>
+        </p:nvSpPr>
+        <p:spPr>
+          <a:xfrm>
+            <a:off x="2624423" y="2896173"/>
+            <a:ext cx="6943154" cy="1569660"/>
+          </a:xfrm>
+          <a:prstGeom prst="rect">
+            <a:avLst/>
+          </a:prstGeom>
+          <a:noFill/>
+        </p:spPr>
+        <p:txBody>
+          <a:bodyPr wrap="square" rtlCol="0" anchor="ctr">
+            <a:spAutoFit/>
+          </a:bodyPr>
+          <a:lstStyle/>
+          <a:p>
+            <a:pPr marL="171450" indent="-171450">
+              <a:lnSpc>
+                <a:spcPct val="200000"/>
+              </a:lnSpc>
+              <a:buFont typeface="Arial" panose="020B0604020202020204" pitchFamily="34" charset="0"/>
+              <a:buChar char="•"/>
+            </a:pPr>
+            <a:r>
+              <a:rPr lang="en-US" altLang="ko-KR" sz="1200" spc="-103">
+                <a:ln>
+                  <a:solidFill>
+                    <a:schemeClr val="bg1">
+                      <a:lumMod val="85000"/>
+                      <a:alpha val="0"/>
+                    </a:schemeClr>
+                  </a:solidFill>
+                </a:ln>
+                <a:latin typeface="나눔스퀘어 Bold" panose="020B0600000101010101" pitchFamily="50" charset="-127"/>
+                <a:ea typeface="나눔스퀘어 Bold" panose="020B0600000101010101" pitchFamily="50" charset="-127"/>
+              </a:rPr>
+              <a:t>mlflow models serve -m runs:/2e42495638d24ee5a1fc1f25354cde96/titanic_model </a:t>
+            </a:r>
+            <a:r>
+              <a:rPr lang="en-US" altLang="ko-KR" sz="1200" spc="-103">
+                <a:ln>
+                  <a:solidFill>
+                    <a:schemeClr val="bg1">
+                      <a:lumMod val="85000"/>
+                      <a:alpha val="0"/>
+                    </a:schemeClr>
+                  </a:solidFill>
+                </a:ln>
+                <a:latin typeface="나눔스퀘어 Bold" panose="020B0600000101010101" pitchFamily="50" charset="-127"/>
+                <a:ea typeface="나눔스퀘어 Bold" panose="020B0600000101010101" pitchFamily="50" charset="-127"/>
+              </a:rPr>
+              <a:t>--</a:t>
+            </a:r>
+            <a:r>
+              <a:rPr lang="en-US" altLang="ko-KR" sz="1200" spc="-103" smtClean="0">
+                <a:ln>
+                  <a:solidFill>
+                    <a:schemeClr val="bg1">
+                      <a:lumMod val="85000"/>
+                      <a:alpha val="0"/>
+                    </a:schemeClr>
+                  </a:solidFill>
+                </a:ln>
+                <a:latin typeface="나눔스퀘어 Bold" panose="020B0600000101010101" pitchFamily="50" charset="-127"/>
+                <a:ea typeface="나눔스퀘어 Bold" panose="020B0600000101010101" pitchFamily="50" charset="-127"/>
+              </a:rPr>
+              <a:t>no-conda</a:t>
+            </a:r>
+            <a:endParaRPr lang="en-US" altLang="ko-KR" sz="1200" spc="-103">
+              <a:ln>
+                <a:solidFill>
+                  <a:schemeClr val="bg1">
+                    <a:lumMod val="85000"/>
+                    <a:alpha val="0"/>
+                  </a:schemeClr>
+                </a:solidFill>
+              </a:ln>
+              <a:latin typeface="나눔스퀘어 Bold" panose="020B0600000101010101" pitchFamily="50" charset="-127"/>
+              <a:ea typeface="나눔스퀘어 Bold" panose="020B0600000101010101" pitchFamily="50" charset="-127"/>
+            </a:endParaRPr>
+          </a:p>
+          <a:p>
+            <a:pPr marL="171450" indent="-171450">
+              <a:lnSpc>
+                <a:spcPct val="200000"/>
+              </a:lnSpc>
+              <a:buFont typeface="Arial" panose="020B0604020202020204" pitchFamily="34" charset="0"/>
+              <a:buChar char="•"/>
+            </a:pPr>
+            <a:r>
+              <a:rPr lang="en-US" altLang="ko-KR" sz="1200" spc="-103">
+                <a:ln>
+                  <a:solidFill>
+                    <a:schemeClr val="bg1">
+                      <a:lumMod val="85000"/>
+                      <a:alpha val="0"/>
+                    </a:schemeClr>
+                  </a:solidFill>
+                </a:ln>
+                <a:latin typeface="나눔스퀘어 Bold" panose="020B0600000101010101" pitchFamily="50" charset="-127"/>
+                <a:ea typeface="나눔스퀘어 Bold" panose="020B0600000101010101" pitchFamily="50" charset="-127"/>
+              </a:rPr>
+              <a:t>mlflow models serve -m runs</a:t>
+            </a:r>
+            <a:r>
+              <a:rPr lang="en-US" altLang="ko-KR" sz="1200" spc="-103">
+                <a:ln>
+                  <a:solidFill>
+                    <a:schemeClr val="bg1">
+                      <a:lumMod val="85000"/>
+                      <a:alpha val="0"/>
+                    </a:schemeClr>
+                  </a:solidFill>
+                </a:ln>
+                <a:latin typeface="나눔스퀘어 Bold" panose="020B0600000101010101" pitchFamily="50" charset="-127"/>
+                <a:ea typeface="나눔스퀘어 Bold" panose="020B0600000101010101" pitchFamily="50" charset="-127"/>
+              </a:rPr>
+              <a:t>:/</a:t>
+            </a:r>
+            <a:r>
+              <a:rPr lang="en-US" altLang="ko-KR" sz="1200" spc="-103" smtClean="0">
+                <a:ln>
+                  <a:solidFill>
+                    <a:schemeClr val="bg1">
+                      <a:lumMod val="85000"/>
+                      <a:alpha val="0"/>
+                    </a:schemeClr>
+                  </a:solidFill>
+                </a:ln>
+                <a:latin typeface="나눔스퀘어 Bold" panose="020B0600000101010101" pitchFamily="50" charset="-127"/>
+                <a:ea typeface="나눔스퀘어 Bold" panose="020B0600000101010101" pitchFamily="50" charset="-127"/>
+              </a:rPr>
+              <a:t>9359c3a76776440184347b2d51b8ca9f/titanic_model</a:t>
+            </a:r>
+          </a:p>
+          <a:p>
+            <a:pPr marL="171450" indent="-171450">
+              <a:lnSpc>
+                <a:spcPct val="200000"/>
+              </a:lnSpc>
+              <a:buFont typeface="Arial" panose="020B0604020202020204" pitchFamily="34" charset="0"/>
+              <a:buChar char="•"/>
+            </a:pPr>
+            <a:r>
+              <a:rPr lang="en-US" altLang="ko-KR" sz="1200" spc="-103">
+                <a:ln>
+                  <a:solidFill>
+                    <a:schemeClr val="bg1">
+                      <a:lumMod val="85000"/>
+                      <a:alpha val="0"/>
+                    </a:schemeClr>
+                  </a:solidFill>
+                </a:ln>
+                <a:latin typeface="나눔스퀘어 Bold" panose="020B0600000101010101" pitchFamily="50" charset="-127"/>
+                <a:ea typeface="나눔스퀘어 Bold" panose="020B0600000101010101" pitchFamily="50" charset="-127"/>
+              </a:rPr>
+              <a:t>curl http://10.20.81.77:1012/invocations -H 'Content-Type: application/json' -d '{"columns": ["Pclass", "Sex", "Fare", "SibSp", "Parch"], "data": [[1, 2, 3, 2 ,2], [1, 2, 4, 5, 6]]}'</a:t>
+            </a:r>
+          </a:p>
+        </p:txBody>
+      </p:sp>
+    </p:spTree>
+    <p:extLst>
+      <p:ext uri="{BB962C8B-B14F-4D97-AF65-F5344CB8AC3E}">
+        <p14:creationId xmlns:p14="http://schemas.microsoft.com/office/powerpoint/2010/main" val="2837007872"/>
+      </p:ext>
+    </p:extLst>
+  </p:cSld>
+  <p:clrMapOvr>
+    <a:masterClrMapping/>
+  </p:clrMapOvr>
+</p:sld>
+</file>
+
+<file path=ppt/slides/slide21.xml><?xml version="1.0" encoding="utf-8"?>
+<p:sld xmlns:a="http://schemas.openxmlformats.org/drawingml/2006/main" xmlns:r="http://schemas.openxmlformats.org/officeDocument/2006/relationships" xmlns:p="http://schemas.openxmlformats.org/presentationml/2006/main">
+  <p:cSld>
+    <p:spTree>
+      <p:nvGrpSpPr>
+        <p:cNvPr id="1" name=""/>
+        <p:cNvGrpSpPr/>
+        <p:nvPr/>
+      </p:nvGrpSpPr>
+      <p:grpSpPr>
+        <a:xfrm>
+          <a:off x="0" y="0"/>
+          <a:ext cx="0" cy="0"/>
+          <a:chOff x="0" y="0"/>
+          <a:chExt cx="0" cy="0"/>
+        </a:xfrm>
+      </p:grpSpPr>
+      <p:sp>
+        <p:nvSpPr>
+          <p:cNvPr id="12" name="TextBox 11"/>
+          <p:cNvSpPr txBox="1"/>
+          <p:nvPr/>
+        </p:nvSpPr>
+        <p:spPr>
+          <a:xfrm>
+            <a:off x="455532" y="498947"/>
+            <a:ext cx="614271" cy="461665"/>
+          </a:xfrm>
+          <a:prstGeom prst="rect">
+            <a:avLst/>
+          </a:prstGeom>
+          <a:noFill/>
+        </p:spPr>
+        <p:txBody>
+          <a:bodyPr wrap="square" rtlCol="0">
+            <a:spAutoFit/>
+          </a:bodyPr>
+          <a:lstStyle/>
+          <a:p>
+            <a:pPr algn="ctr"/>
+            <a:r>
+              <a:rPr lang="en-US" altLang="ko-KR" sz="2400" spc="-150" smtClean="0">
+                <a:solidFill>
+                  <a:srgbClr val="00002F"/>
+                </a:solidFill>
+                <a:latin typeface="나눔스퀘어 ExtraBold" panose="020B0600000101010101" pitchFamily="50" charset="-127"/>
+                <a:ea typeface="나눔스퀘어 ExtraBold" panose="020B0600000101010101" pitchFamily="50" charset="-127"/>
+              </a:rPr>
+              <a:t>05.</a:t>
+            </a:r>
+            <a:endParaRPr lang="ko-KR" altLang="en-US" sz="2400" spc="-150" dirty="0">
+              <a:solidFill>
+                <a:srgbClr val="00002F"/>
+              </a:solidFill>
+              <a:latin typeface="나눔스퀘어 ExtraBold" panose="020B0600000101010101" pitchFamily="50" charset="-127"/>
+              <a:ea typeface="나눔스퀘어 ExtraBold" panose="020B0600000101010101" pitchFamily="50" charset="-127"/>
+            </a:endParaRPr>
+          </a:p>
+        </p:txBody>
+      </p:sp>
+      <p:sp>
+        <p:nvSpPr>
+          <p:cNvPr id="36" name="TextBox 35">
+            <a:extLst>
+              <a:ext uri="{FF2B5EF4-FFF2-40B4-BE49-F238E27FC236}">
+                <a16:creationId xmlns:a16="http://schemas.microsoft.com/office/drawing/2014/main" id="{76BF0B6A-32FF-436D-83C4-AB1F31C134F8}"/>
+              </a:ext>
+            </a:extLst>
+          </p:cNvPr>
+          <p:cNvSpPr txBox="1"/>
+          <p:nvPr/>
+        </p:nvSpPr>
+        <p:spPr>
+          <a:xfrm>
+            <a:off x="1119982" y="1075034"/>
+            <a:ext cx="2596341" cy="307777"/>
+          </a:xfrm>
+          <a:prstGeom prst="rect">
+            <a:avLst/>
+          </a:prstGeom>
+          <a:noFill/>
+        </p:spPr>
+        <p:txBody>
+          <a:bodyPr wrap="square" rtlCol="0">
+            <a:spAutoFit/>
+          </a:bodyPr>
+          <a:lstStyle/>
+          <a:p>
+            <a:r>
+              <a:rPr lang="en-US" altLang="ko-KR" sz="1400" spc="-100" smtClean="0">
+                <a:ln>
+                  <a:solidFill>
+                    <a:schemeClr val="bg1">
+                      <a:lumMod val="65000"/>
+                      <a:alpha val="0"/>
+                    </a:schemeClr>
+                  </a:solidFill>
+                </a:ln>
+                <a:latin typeface="나눔스퀘어 ExtraBold" panose="020B0600000101010101" pitchFamily="50" charset="-127"/>
+                <a:ea typeface="나눔스퀘어 ExtraBold" panose="020B0600000101010101" pitchFamily="50" charset="-127"/>
+              </a:rPr>
+              <a:t>Exercise</a:t>
+            </a:r>
+            <a:endParaRPr lang="ko-KR" altLang="en-US" sz="1400" spc="-100" dirty="0">
+              <a:ln>
+                <a:solidFill>
+                  <a:schemeClr val="bg1">
+                    <a:lumMod val="65000"/>
+                    <a:alpha val="0"/>
+                  </a:schemeClr>
+                </a:solidFill>
+              </a:ln>
+              <a:latin typeface="나눔스퀘어 ExtraBold" panose="020B0600000101010101" pitchFamily="50" charset="-127"/>
+              <a:ea typeface="나눔스퀘어 ExtraBold" panose="020B0600000101010101" pitchFamily="50" charset="-127"/>
+            </a:endParaRPr>
+          </a:p>
+        </p:txBody>
+      </p:sp>
+      <p:sp>
+        <p:nvSpPr>
+          <p:cNvPr id="9" name="TextBox 8"/>
+          <p:cNvSpPr txBox="1"/>
+          <p:nvPr/>
+        </p:nvSpPr>
+        <p:spPr>
+          <a:xfrm>
+            <a:off x="1088238" y="437393"/>
+            <a:ext cx="5396382" cy="584775"/>
+          </a:xfrm>
+          <a:prstGeom prst="rect">
+            <a:avLst/>
+          </a:prstGeom>
+          <a:noFill/>
+        </p:spPr>
+        <p:txBody>
+          <a:bodyPr wrap="square" rtlCol="0">
+            <a:spAutoFit/>
+          </a:bodyPr>
+          <a:lstStyle/>
+          <a:p>
+            <a:r>
+              <a:rPr lang="en-US" altLang="ko-KR" sz="3200" spc="-150" smtClean="0">
+                <a:solidFill>
+                  <a:srgbClr val="00002F"/>
+                </a:solidFill>
+                <a:latin typeface="나눔스퀘어 ExtraBold" panose="020B0600000101010101" pitchFamily="50" charset="-127"/>
+                <a:ea typeface="나눔스퀘어 ExtraBold" panose="020B0600000101010101" pitchFamily="50" charset="-127"/>
+              </a:rPr>
+              <a:t>Personal Pipeline</a:t>
+            </a:r>
+            <a:endParaRPr lang="en-US" altLang="ko-KR" sz="3200" spc="-150">
+              <a:solidFill>
+                <a:srgbClr val="00002F"/>
+              </a:solidFill>
+              <a:latin typeface="나눔스퀘어 ExtraBold" panose="020B0600000101010101" pitchFamily="50" charset="-127"/>
+              <a:ea typeface="나눔스퀘어 ExtraBold" panose="020B0600000101010101" pitchFamily="50" charset="-127"/>
+            </a:endParaRPr>
+          </a:p>
+        </p:txBody>
+      </p:sp>
+      <p:sp>
+        <p:nvSpPr>
+          <p:cNvPr id="10" name="TextBox 7"/>
+          <p:cNvSpPr txBox="1"/>
+          <p:nvPr/>
+        </p:nvSpPr>
+        <p:spPr>
+          <a:xfrm>
+            <a:off x="834797" y="3170549"/>
+            <a:ext cx="1368000" cy="276999"/>
+          </a:xfrm>
+          <a:prstGeom prst="rect">
+            <a:avLst/>
+          </a:prstGeom>
+          <a:solidFill>
+            <a:schemeClr val="accent6">
+              <a:lumMod val="20000"/>
+              <a:lumOff val="80000"/>
+            </a:schemeClr>
+          </a:solidFill>
+          <a:ln>
+            <a:noFill/>
+          </a:ln>
+        </p:spPr>
+        <p:txBody>
+          <a:bodyPr wrap="square" rtlCol="0">
+            <a:spAutoFit/>
+          </a:bodyPr>
+          <a:lstStyle>
+            <a:defPPr>
+              <a:defRPr lang="ko-KR"/>
+            </a:defPPr>
+            <a:lvl1pPr marL="0" algn="l" defTabSz="914400" rtl="0" eaLnBrk="1" latinLnBrk="1" hangingPunct="1">
+              <a:defRPr sz="1800" kern="1200">
+                <a:solidFill>
+                  <a:schemeClr val="tx1"/>
+                </a:solidFill>
+                <a:latin typeface="+mn-lt"/>
+                <a:ea typeface="+mn-ea"/>
+                <a:cs typeface="+mn-cs"/>
+              </a:defRPr>
+            </a:lvl1pPr>
+            <a:lvl2pPr marL="457200" algn="l" defTabSz="914400" rtl="0" eaLnBrk="1" latinLnBrk="1" hangingPunct="1">
+              <a:defRPr sz="1800" kern="1200">
+                <a:solidFill>
+                  <a:schemeClr val="tx1"/>
+                </a:solidFill>
+                <a:latin typeface="+mn-lt"/>
+                <a:ea typeface="+mn-ea"/>
+                <a:cs typeface="+mn-cs"/>
+              </a:defRPr>
+            </a:lvl2pPr>
+            <a:lvl3pPr marL="914400" algn="l" defTabSz="914400" rtl="0" eaLnBrk="1" latinLnBrk="1" hangingPunct="1">
+              <a:defRPr sz="1800" kern="1200">
+                <a:solidFill>
+                  <a:schemeClr val="tx1"/>
+                </a:solidFill>
+                <a:latin typeface="+mn-lt"/>
+                <a:ea typeface="+mn-ea"/>
+                <a:cs typeface="+mn-cs"/>
+              </a:defRPr>
+            </a:lvl3pPr>
+            <a:lvl4pPr marL="1371600" algn="l" defTabSz="914400" rtl="0" eaLnBrk="1" latinLnBrk="1" hangingPunct="1">
+              <a:defRPr sz="1800" kern="1200">
+                <a:solidFill>
+                  <a:schemeClr val="tx1"/>
+                </a:solidFill>
+                <a:latin typeface="+mn-lt"/>
+                <a:ea typeface="+mn-ea"/>
+                <a:cs typeface="+mn-cs"/>
+              </a:defRPr>
+            </a:lvl4pPr>
+            <a:lvl5pPr marL="1828800" algn="l" defTabSz="914400" rtl="0" eaLnBrk="1" latinLnBrk="1" hangingPunct="1">
+              <a:defRPr sz="1800" kern="1200">
+                <a:solidFill>
+                  <a:schemeClr val="tx1"/>
+                </a:solidFill>
+                <a:latin typeface="+mn-lt"/>
+                <a:ea typeface="+mn-ea"/>
+                <a:cs typeface="+mn-cs"/>
+              </a:defRPr>
+            </a:lvl5pPr>
+            <a:lvl6pPr marL="2286000" algn="l" defTabSz="914400" rtl="0" eaLnBrk="1" latinLnBrk="1" hangingPunct="1">
+              <a:defRPr sz="1800" kern="1200">
+                <a:solidFill>
+                  <a:schemeClr val="tx1"/>
+                </a:solidFill>
+                <a:latin typeface="+mn-lt"/>
+                <a:ea typeface="+mn-ea"/>
+                <a:cs typeface="+mn-cs"/>
+              </a:defRPr>
+            </a:lvl6pPr>
+            <a:lvl7pPr marL="2743200" algn="l" defTabSz="914400" rtl="0" eaLnBrk="1" latinLnBrk="1" hangingPunct="1">
+              <a:defRPr sz="1800" kern="1200">
+                <a:solidFill>
+                  <a:schemeClr val="tx1"/>
+                </a:solidFill>
+                <a:latin typeface="+mn-lt"/>
+                <a:ea typeface="+mn-ea"/>
+                <a:cs typeface="+mn-cs"/>
+              </a:defRPr>
+            </a:lvl7pPr>
+            <a:lvl8pPr marL="3200400" algn="l" defTabSz="914400" rtl="0" eaLnBrk="1" latinLnBrk="1" hangingPunct="1">
+              <a:defRPr sz="1800" kern="1200">
+                <a:solidFill>
+                  <a:schemeClr val="tx1"/>
+                </a:solidFill>
+                <a:latin typeface="+mn-lt"/>
+                <a:ea typeface="+mn-ea"/>
+                <a:cs typeface="+mn-cs"/>
+              </a:defRPr>
+            </a:lvl8pPr>
+            <a:lvl9pPr marL="3657600" algn="l" defTabSz="914400" rtl="0" eaLnBrk="1" latinLnBrk="1" hangingPunct="1">
+              <a:defRPr sz="1800" kern="1200">
+                <a:solidFill>
+                  <a:schemeClr val="tx1"/>
+                </a:solidFill>
+                <a:latin typeface="+mn-lt"/>
+                <a:ea typeface="+mn-ea"/>
+                <a:cs typeface="+mn-cs"/>
+              </a:defRPr>
+            </a:lvl9pPr>
+          </a:lstStyle>
+          <a:p>
+            <a:pPr algn="ctr">
+              <a:spcBef>
+                <a:spcPts val="600"/>
+              </a:spcBef>
+            </a:pPr>
+            <a:r>
+              <a:rPr lang="en-US" altLang="ko-KR" sz="1200" smtClean="0">
+                <a:solidFill>
+                  <a:prstClr val="black"/>
+                </a:solidFill>
+                <a:latin typeface="나눔스퀘어 Bold" panose="020B0600000101010101" pitchFamily="50" charset="-127"/>
+                <a:ea typeface="나눔스퀘어 Bold" panose="020B0600000101010101" pitchFamily="50" charset="-127"/>
+              </a:rPr>
+              <a:t>Load Data</a:t>
+            </a:r>
+          </a:p>
+        </p:txBody>
+      </p:sp>
+      <p:sp>
+        <p:nvSpPr>
+          <p:cNvPr id="11" name="TextBox 9"/>
+          <p:cNvSpPr txBox="1"/>
+          <p:nvPr/>
+        </p:nvSpPr>
+        <p:spPr>
+          <a:xfrm>
+            <a:off x="2547836" y="3165048"/>
+            <a:ext cx="1368000" cy="288000"/>
+          </a:xfrm>
+          <a:prstGeom prst="rect">
+            <a:avLst/>
+          </a:prstGeom>
+          <a:solidFill>
+            <a:schemeClr val="accent6">
+              <a:lumMod val="20000"/>
+              <a:lumOff val="80000"/>
+            </a:schemeClr>
+          </a:solidFill>
+          <a:ln>
+            <a:noFill/>
+          </a:ln>
+        </p:spPr>
+        <p:txBody>
+          <a:bodyPr wrap="square" rtlCol="0">
+            <a:spAutoFit/>
+          </a:bodyPr>
+          <a:lstStyle>
+            <a:defPPr>
+              <a:defRPr lang="ko-KR"/>
+            </a:defPPr>
+            <a:lvl1pPr marL="0" algn="l" defTabSz="914400" rtl="0" eaLnBrk="1" latinLnBrk="1" hangingPunct="1">
+              <a:defRPr sz="1800" kern="1200">
+                <a:solidFill>
+                  <a:schemeClr val="tx1"/>
+                </a:solidFill>
+                <a:latin typeface="+mn-lt"/>
+                <a:ea typeface="+mn-ea"/>
+                <a:cs typeface="+mn-cs"/>
+              </a:defRPr>
+            </a:lvl1pPr>
+            <a:lvl2pPr marL="457200" algn="l" defTabSz="914400" rtl="0" eaLnBrk="1" latinLnBrk="1" hangingPunct="1">
+              <a:defRPr sz="1800" kern="1200">
+                <a:solidFill>
+                  <a:schemeClr val="tx1"/>
+                </a:solidFill>
+                <a:latin typeface="+mn-lt"/>
+                <a:ea typeface="+mn-ea"/>
+                <a:cs typeface="+mn-cs"/>
+              </a:defRPr>
+            </a:lvl2pPr>
+            <a:lvl3pPr marL="914400" algn="l" defTabSz="914400" rtl="0" eaLnBrk="1" latinLnBrk="1" hangingPunct="1">
+              <a:defRPr sz="1800" kern="1200">
+                <a:solidFill>
+                  <a:schemeClr val="tx1"/>
+                </a:solidFill>
+                <a:latin typeface="+mn-lt"/>
+                <a:ea typeface="+mn-ea"/>
+                <a:cs typeface="+mn-cs"/>
+              </a:defRPr>
+            </a:lvl3pPr>
+            <a:lvl4pPr marL="1371600" algn="l" defTabSz="914400" rtl="0" eaLnBrk="1" latinLnBrk="1" hangingPunct="1">
+              <a:defRPr sz="1800" kern="1200">
+                <a:solidFill>
+                  <a:schemeClr val="tx1"/>
+                </a:solidFill>
+                <a:latin typeface="+mn-lt"/>
+                <a:ea typeface="+mn-ea"/>
+                <a:cs typeface="+mn-cs"/>
+              </a:defRPr>
+            </a:lvl4pPr>
+            <a:lvl5pPr marL="1828800" algn="l" defTabSz="914400" rtl="0" eaLnBrk="1" latinLnBrk="1" hangingPunct="1">
+              <a:defRPr sz="1800" kern="1200">
+                <a:solidFill>
+                  <a:schemeClr val="tx1"/>
+                </a:solidFill>
+                <a:latin typeface="+mn-lt"/>
+                <a:ea typeface="+mn-ea"/>
+                <a:cs typeface="+mn-cs"/>
+              </a:defRPr>
+            </a:lvl5pPr>
+            <a:lvl6pPr marL="2286000" algn="l" defTabSz="914400" rtl="0" eaLnBrk="1" latinLnBrk="1" hangingPunct="1">
+              <a:defRPr sz="1800" kern="1200">
+                <a:solidFill>
+                  <a:schemeClr val="tx1"/>
+                </a:solidFill>
+                <a:latin typeface="+mn-lt"/>
+                <a:ea typeface="+mn-ea"/>
+                <a:cs typeface="+mn-cs"/>
+              </a:defRPr>
+            </a:lvl6pPr>
+            <a:lvl7pPr marL="2743200" algn="l" defTabSz="914400" rtl="0" eaLnBrk="1" latinLnBrk="1" hangingPunct="1">
+              <a:defRPr sz="1800" kern="1200">
+                <a:solidFill>
+                  <a:schemeClr val="tx1"/>
+                </a:solidFill>
+                <a:latin typeface="+mn-lt"/>
+                <a:ea typeface="+mn-ea"/>
+                <a:cs typeface="+mn-cs"/>
+              </a:defRPr>
+            </a:lvl7pPr>
+            <a:lvl8pPr marL="3200400" algn="l" defTabSz="914400" rtl="0" eaLnBrk="1" latinLnBrk="1" hangingPunct="1">
+              <a:defRPr sz="1800" kern="1200">
+                <a:solidFill>
+                  <a:schemeClr val="tx1"/>
+                </a:solidFill>
+                <a:latin typeface="+mn-lt"/>
+                <a:ea typeface="+mn-ea"/>
+                <a:cs typeface="+mn-cs"/>
+              </a:defRPr>
+            </a:lvl8pPr>
+            <a:lvl9pPr marL="3657600" algn="l" defTabSz="914400" rtl="0" eaLnBrk="1" latinLnBrk="1" hangingPunct="1">
+              <a:defRPr sz="1800" kern="1200">
+                <a:solidFill>
+                  <a:schemeClr val="tx1"/>
+                </a:solidFill>
+                <a:latin typeface="+mn-lt"/>
+                <a:ea typeface="+mn-ea"/>
+                <a:cs typeface="+mn-cs"/>
+              </a:defRPr>
+            </a:lvl9pPr>
+          </a:lstStyle>
+          <a:p>
+            <a:pPr algn="ctr">
+              <a:spcBef>
+                <a:spcPts val="600"/>
+              </a:spcBef>
+            </a:pPr>
+            <a:r>
+              <a:rPr lang="en-US" altLang="ko-KR" sz="1200" smtClean="0">
+                <a:solidFill>
+                  <a:prstClr val="black"/>
+                </a:solidFill>
+                <a:latin typeface="나눔스퀘어 Bold" panose="020B0600000101010101" pitchFamily="50" charset="-127"/>
+                <a:ea typeface="나눔스퀘어 Bold" panose="020B0600000101010101" pitchFamily="50" charset="-127"/>
+              </a:rPr>
+              <a:t>Pre Processing</a:t>
+            </a:r>
+          </a:p>
+        </p:txBody>
+      </p:sp>
+      <p:sp>
+        <p:nvSpPr>
+          <p:cNvPr id="13" name="TextBox 13"/>
+          <p:cNvSpPr txBox="1"/>
+          <p:nvPr/>
+        </p:nvSpPr>
+        <p:spPr>
+          <a:xfrm>
+            <a:off x="4462428" y="3182441"/>
+            <a:ext cx="1368000" cy="276999"/>
+          </a:xfrm>
+          <a:prstGeom prst="rect">
+            <a:avLst/>
+          </a:prstGeom>
+          <a:solidFill>
+            <a:schemeClr val="accent1">
+              <a:lumMod val="20000"/>
+              <a:lumOff val="80000"/>
+            </a:schemeClr>
+          </a:solidFill>
+          <a:ln>
+            <a:noFill/>
+          </a:ln>
+        </p:spPr>
+        <p:txBody>
+          <a:bodyPr wrap="square" rtlCol="0">
+            <a:spAutoFit/>
+          </a:bodyPr>
+          <a:lstStyle>
+            <a:defPPr>
+              <a:defRPr lang="ko-KR"/>
+            </a:defPPr>
+            <a:lvl1pPr marL="0" algn="l" defTabSz="914400" rtl="0" eaLnBrk="1" latinLnBrk="1" hangingPunct="1">
+              <a:defRPr sz="1800" kern="1200">
+                <a:solidFill>
+                  <a:schemeClr val="tx1"/>
+                </a:solidFill>
+                <a:latin typeface="+mn-lt"/>
+                <a:ea typeface="+mn-ea"/>
+                <a:cs typeface="+mn-cs"/>
+              </a:defRPr>
+            </a:lvl1pPr>
+            <a:lvl2pPr marL="457200" algn="l" defTabSz="914400" rtl="0" eaLnBrk="1" latinLnBrk="1" hangingPunct="1">
+              <a:defRPr sz="1800" kern="1200">
+                <a:solidFill>
+                  <a:schemeClr val="tx1"/>
+                </a:solidFill>
+                <a:latin typeface="+mn-lt"/>
+                <a:ea typeface="+mn-ea"/>
+                <a:cs typeface="+mn-cs"/>
+              </a:defRPr>
+            </a:lvl2pPr>
+            <a:lvl3pPr marL="914400" algn="l" defTabSz="914400" rtl="0" eaLnBrk="1" latinLnBrk="1" hangingPunct="1">
+              <a:defRPr sz="1800" kern="1200">
+                <a:solidFill>
+                  <a:schemeClr val="tx1"/>
+                </a:solidFill>
+                <a:latin typeface="+mn-lt"/>
+                <a:ea typeface="+mn-ea"/>
+                <a:cs typeface="+mn-cs"/>
+              </a:defRPr>
+            </a:lvl3pPr>
+            <a:lvl4pPr marL="1371600" algn="l" defTabSz="914400" rtl="0" eaLnBrk="1" latinLnBrk="1" hangingPunct="1">
+              <a:defRPr sz="1800" kern="1200">
+                <a:solidFill>
+                  <a:schemeClr val="tx1"/>
+                </a:solidFill>
+                <a:latin typeface="+mn-lt"/>
+                <a:ea typeface="+mn-ea"/>
+                <a:cs typeface="+mn-cs"/>
+              </a:defRPr>
+            </a:lvl4pPr>
+            <a:lvl5pPr marL="1828800" algn="l" defTabSz="914400" rtl="0" eaLnBrk="1" latinLnBrk="1" hangingPunct="1">
+              <a:defRPr sz="1800" kern="1200">
+                <a:solidFill>
+                  <a:schemeClr val="tx1"/>
+                </a:solidFill>
+                <a:latin typeface="+mn-lt"/>
+                <a:ea typeface="+mn-ea"/>
+                <a:cs typeface="+mn-cs"/>
+              </a:defRPr>
+            </a:lvl5pPr>
+            <a:lvl6pPr marL="2286000" algn="l" defTabSz="914400" rtl="0" eaLnBrk="1" latinLnBrk="1" hangingPunct="1">
+              <a:defRPr sz="1800" kern="1200">
+                <a:solidFill>
+                  <a:schemeClr val="tx1"/>
+                </a:solidFill>
+                <a:latin typeface="+mn-lt"/>
+                <a:ea typeface="+mn-ea"/>
+                <a:cs typeface="+mn-cs"/>
+              </a:defRPr>
+            </a:lvl6pPr>
+            <a:lvl7pPr marL="2743200" algn="l" defTabSz="914400" rtl="0" eaLnBrk="1" latinLnBrk="1" hangingPunct="1">
+              <a:defRPr sz="1800" kern="1200">
+                <a:solidFill>
+                  <a:schemeClr val="tx1"/>
+                </a:solidFill>
+                <a:latin typeface="+mn-lt"/>
+                <a:ea typeface="+mn-ea"/>
+                <a:cs typeface="+mn-cs"/>
+              </a:defRPr>
+            </a:lvl7pPr>
+            <a:lvl8pPr marL="3200400" algn="l" defTabSz="914400" rtl="0" eaLnBrk="1" latinLnBrk="1" hangingPunct="1">
+              <a:defRPr sz="1800" kern="1200">
+                <a:solidFill>
+                  <a:schemeClr val="tx1"/>
+                </a:solidFill>
+                <a:latin typeface="+mn-lt"/>
+                <a:ea typeface="+mn-ea"/>
+                <a:cs typeface="+mn-cs"/>
+              </a:defRPr>
+            </a:lvl8pPr>
+            <a:lvl9pPr marL="3657600" algn="l" defTabSz="914400" rtl="0" eaLnBrk="1" latinLnBrk="1" hangingPunct="1">
+              <a:defRPr sz="1800" kern="1200">
+                <a:solidFill>
+                  <a:schemeClr val="tx1"/>
+                </a:solidFill>
+                <a:latin typeface="+mn-lt"/>
+                <a:ea typeface="+mn-ea"/>
+                <a:cs typeface="+mn-cs"/>
+              </a:defRPr>
+            </a:lvl9pPr>
+          </a:lstStyle>
+          <a:p>
+            <a:pPr algn="ctr">
+              <a:spcBef>
+                <a:spcPts val="600"/>
+              </a:spcBef>
+            </a:pPr>
+            <a:r>
+              <a:rPr lang="en-US" altLang="ko-KR" sz="1200">
+                <a:solidFill>
+                  <a:prstClr val="black"/>
+                </a:solidFill>
+                <a:latin typeface="나눔스퀘어 Bold" panose="020B0600000101010101" pitchFamily="50" charset="-127"/>
+                <a:ea typeface="나눔스퀘어 Bold" panose="020B0600000101010101" pitchFamily="50" charset="-127"/>
+              </a:rPr>
+              <a:t>Text to </a:t>
+            </a:r>
+            <a:r>
+              <a:rPr lang="en-US" altLang="ko-KR" sz="1200" smtClean="0">
+                <a:solidFill>
+                  <a:prstClr val="black"/>
+                </a:solidFill>
+                <a:latin typeface="나눔스퀘어 Bold" panose="020B0600000101010101" pitchFamily="50" charset="-127"/>
+                <a:ea typeface="나눔스퀘어 Bold" panose="020B0600000101010101" pitchFamily="50" charset="-127"/>
+              </a:rPr>
+              <a:t>Vector</a:t>
+            </a:r>
+          </a:p>
+        </p:txBody>
+      </p:sp>
+      <p:sp>
+        <p:nvSpPr>
+          <p:cNvPr id="14" name="TextBox 14"/>
+          <p:cNvSpPr txBox="1"/>
+          <p:nvPr/>
+        </p:nvSpPr>
+        <p:spPr>
+          <a:xfrm>
+            <a:off x="9917421" y="3182441"/>
+            <a:ext cx="1368000" cy="276999"/>
+          </a:xfrm>
+          <a:prstGeom prst="rect">
+            <a:avLst/>
+          </a:prstGeom>
+          <a:solidFill>
+            <a:schemeClr val="accent4">
+              <a:lumMod val="20000"/>
+              <a:lumOff val="80000"/>
+            </a:schemeClr>
+          </a:solidFill>
+          <a:ln>
+            <a:noFill/>
+          </a:ln>
+        </p:spPr>
+        <p:txBody>
+          <a:bodyPr wrap="square" rtlCol="0">
+            <a:spAutoFit/>
+          </a:bodyPr>
+          <a:lstStyle>
+            <a:defPPr>
+              <a:defRPr lang="ko-KR"/>
+            </a:defPPr>
+            <a:lvl1pPr marL="0" algn="l" defTabSz="914400" rtl="0" eaLnBrk="1" latinLnBrk="1" hangingPunct="1">
+              <a:defRPr sz="1800" kern="1200">
+                <a:solidFill>
+                  <a:schemeClr val="tx1"/>
+                </a:solidFill>
+                <a:latin typeface="+mn-lt"/>
+                <a:ea typeface="+mn-ea"/>
+                <a:cs typeface="+mn-cs"/>
+              </a:defRPr>
+            </a:lvl1pPr>
+            <a:lvl2pPr marL="457200" algn="l" defTabSz="914400" rtl="0" eaLnBrk="1" latinLnBrk="1" hangingPunct="1">
+              <a:defRPr sz="1800" kern="1200">
+                <a:solidFill>
+                  <a:schemeClr val="tx1"/>
+                </a:solidFill>
+                <a:latin typeface="+mn-lt"/>
+                <a:ea typeface="+mn-ea"/>
+                <a:cs typeface="+mn-cs"/>
+              </a:defRPr>
+            </a:lvl2pPr>
+            <a:lvl3pPr marL="914400" algn="l" defTabSz="914400" rtl="0" eaLnBrk="1" latinLnBrk="1" hangingPunct="1">
+              <a:defRPr sz="1800" kern="1200">
+                <a:solidFill>
+                  <a:schemeClr val="tx1"/>
+                </a:solidFill>
+                <a:latin typeface="+mn-lt"/>
+                <a:ea typeface="+mn-ea"/>
+                <a:cs typeface="+mn-cs"/>
+              </a:defRPr>
+            </a:lvl3pPr>
+            <a:lvl4pPr marL="1371600" algn="l" defTabSz="914400" rtl="0" eaLnBrk="1" latinLnBrk="1" hangingPunct="1">
+              <a:defRPr sz="1800" kern="1200">
+                <a:solidFill>
+                  <a:schemeClr val="tx1"/>
+                </a:solidFill>
+                <a:latin typeface="+mn-lt"/>
+                <a:ea typeface="+mn-ea"/>
+                <a:cs typeface="+mn-cs"/>
+              </a:defRPr>
+            </a:lvl4pPr>
+            <a:lvl5pPr marL="1828800" algn="l" defTabSz="914400" rtl="0" eaLnBrk="1" latinLnBrk="1" hangingPunct="1">
+              <a:defRPr sz="1800" kern="1200">
+                <a:solidFill>
+                  <a:schemeClr val="tx1"/>
+                </a:solidFill>
+                <a:latin typeface="+mn-lt"/>
+                <a:ea typeface="+mn-ea"/>
+                <a:cs typeface="+mn-cs"/>
+              </a:defRPr>
+            </a:lvl5pPr>
+            <a:lvl6pPr marL="2286000" algn="l" defTabSz="914400" rtl="0" eaLnBrk="1" latinLnBrk="1" hangingPunct="1">
+              <a:defRPr sz="1800" kern="1200">
+                <a:solidFill>
+                  <a:schemeClr val="tx1"/>
+                </a:solidFill>
+                <a:latin typeface="+mn-lt"/>
+                <a:ea typeface="+mn-ea"/>
+                <a:cs typeface="+mn-cs"/>
+              </a:defRPr>
+            </a:lvl6pPr>
+            <a:lvl7pPr marL="2743200" algn="l" defTabSz="914400" rtl="0" eaLnBrk="1" latinLnBrk="1" hangingPunct="1">
+              <a:defRPr sz="1800" kern="1200">
+                <a:solidFill>
+                  <a:schemeClr val="tx1"/>
+                </a:solidFill>
+                <a:latin typeface="+mn-lt"/>
+                <a:ea typeface="+mn-ea"/>
+                <a:cs typeface="+mn-cs"/>
+              </a:defRPr>
+            </a:lvl7pPr>
+            <a:lvl8pPr marL="3200400" algn="l" defTabSz="914400" rtl="0" eaLnBrk="1" latinLnBrk="1" hangingPunct="1">
+              <a:defRPr sz="1800" kern="1200">
+                <a:solidFill>
+                  <a:schemeClr val="tx1"/>
+                </a:solidFill>
+                <a:latin typeface="+mn-lt"/>
+                <a:ea typeface="+mn-ea"/>
+                <a:cs typeface="+mn-cs"/>
+              </a:defRPr>
+            </a:lvl8pPr>
+            <a:lvl9pPr marL="3657600" algn="l" defTabSz="914400" rtl="0" eaLnBrk="1" latinLnBrk="1" hangingPunct="1">
+              <a:defRPr sz="1800" kern="1200">
+                <a:solidFill>
+                  <a:schemeClr val="tx1"/>
+                </a:solidFill>
+                <a:latin typeface="+mn-lt"/>
+                <a:ea typeface="+mn-ea"/>
+                <a:cs typeface="+mn-cs"/>
+              </a:defRPr>
+            </a:lvl9pPr>
+          </a:lstStyle>
+          <a:p>
+            <a:pPr algn="ctr">
+              <a:spcBef>
+                <a:spcPts val="600"/>
+              </a:spcBef>
+            </a:pPr>
+            <a:r>
+              <a:rPr lang="en-US" altLang="ko-KR" sz="1200" smtClean="0">
+                <a:solidFill>
+                  <a:prstClr val="black"/>
+                </a:solidFill>
+                <a:latin typeface="나눔스퀘어 Bold" panose="020B0600000101010101" pitchFamily="50" charset="-127"/>
+                <a:ea typeface="나눔스퀘어 Bold" panose="020B0600000101010101" pitchFamily="50" charset="-127"/>
+              </a:rPr>
+              <a:t>Deployment</a:t>
+            </a:r>
+          </a:p>
+        </p:txBody>
+      </p:sp>
+      <p:sp>
+        <p:nvSpPr>
+          <p:cNvPr id="15" name="TextBox 15"/>
+          <p:cNvSpPr txBox="1"/>
+          <p:nvPr/>
+        </p:nvSpPr>
+        <p:spPr>
+          <a:xfrm>
+            <a:off x="6266907" y="3182441"/>
+            <a:ext cx="1368000" cy="288000"/>
+          </a:xfrm>
+          <a:prstGeom prst="rect">
+            <a:avLst/>
+          </a:prstGeom>
+          <a:solidFill>
+            <a:schemeClr val="accent1">
+              <a:lumMod val="20000"/>
+              <a:lumOff val="80000"/>
+            </a:schemeClr>
+          </a:solidFill>
+          <a:ln>
+            <a:noFill/>
+          </a:ln>
+        </p:spPr>
+        <p:txBody>
+          <a:bodyPr wrap="square" rtlCol="0">
+            <a:spAutoFit/>
+          </a:bodyPr>
+          <a:lstStyle>
+            <a:defPPr>
+              <a:defRPr lang="ko-KR"/>
+            </a:defPPr>
+            <a:lvl1pPr marL="0" algn="l" defTabSz="914400" rtl="0" eaLnBrk="1" latinLnBrk="1" hangingPunct="1">
+              <a:defRPr sz="1800" kern="1200">
+                <a:solidFill>
+                  <a:schemeClr val="tx1"/>
+                </a:solidFill>
+                <a:latin typeface="+mn-lt"/>
+                <a:ea typeface="+mn-ea"/>
+                <a:cs typeface="+mn-cs"/>
+              </a:defRPr>
+            </a:lvl1pPr>
+            <a:lvl2pPr marL="457200" algn="l" defTabSz="914400" rtl="0" eaLnBrk="1" latinLnBrk="1" hangingPunct="1">
+              <a:defRPr sz="1800" kern="1200">
+                <a:solidFill>
+                  <a:schemeClr val="tx1"/>
+                </a:solidFill>
+                <a:latin typeface="+mn-lt"/>
+                <a:ea typeface="+mn-ea"/>
+                <a:cs typeface="+mn-cs"/>
+              </a:defRPr>
+            </a:lvl2pPr>
+            <a:lvl3pPr marL="914400" algn="l" defTabSz="914400" rtl="0" eaLnBrk="1" latinLnBrk="1" hangingPunct="1">
+              <a:defRPr sz="1800" kern="1200">
+                <a:solidFill>
+                  <a:schemeClr val="tx1"/>
+                </a:solidFill>
+                <a:latin typeface="+mn-lt"/>
+                <a:ea typeface="+mn-ea"/>
+                <a:cs typeface="+mn-cs"/>
+              </a:defRPr>
+            </a:lvl3pPr>
+            <a:lvl4pPr marL="1371600" algn="l" defTabSz="914400" rtl="0" eaLnBrk="1" latinLnBrk="1" hangingPunct="1">
+              <a:defRPr sz="1800" kern="1200">
+                <a:solidFill>
+                  <a:schemeClr val="tx1"/>
+                </a:solidFill>
+                <a:latin typeface="+mn-lt"/>
+                <a:ea typeface="+mn-ea"/>
+                <a:cs typeface="+mn-cs"/>
+              </a:defRPr>
+            </a:lvl4pPr>
+            <a:lvl5pPr marL="1828800" algn="l" defTabSz="914400" rtl="0" eaLnBrk="1" latinLnBrk="1" hangingPunct="1">
+              <a:defRPr sz="1800" kern="1200">
+                <a:solidFill>
+                  <a:schemeClr val="tx1"/>
+                </a:solidFill>
+                <a:latin typeface="+mn-lt"/>
+                <a:ea typeface="+mn-ea"/>
+                <a:cs typeface="+mn-cs"/>
+              </a:defRPr>
+            </a:lvl5pPr>
+            <a:lvl6pPr marL="2286000" algn="l" defTabSz="914400" rtl="0" eaLnBrk="1" latinLnBrk="1" hangingPunct="1">
+              <a:defRPr sz="1800" kern="1200">
+                <a:solidFill>
+                  <a:schemeClr val="tx1"/>
+                </a:solidFill>
+                <a:latin typeface="+mn-lt"/>
+                <a:ea typeface="+mn-ea"/>
+                <a:cs typeface="+mn-cs"/>
+              </a:defRPr>
+            </a:lvl6pPr>
+            <a:lvl7pPr marL="2743200" algn="l" defTabSz="914400" rtl="0" eaLnBrk="1" latinLnBrk="1" hangingPunct="1">
+              <a:defRPr sz="1800" kern="1200">
+                <a:solidFill>
+                  <a:schemeClr val="tx1"/>
+                </a:solidFill>
+                <a:latin typeface="+mn-lt"/>
+                <a:ea typeface="+mn-ea"/>
+                <a:cs typeface="+mn-cs"/>
+              </a:defRPr>
+            </a:lvl7pPr>
+            <a:lvl8pPr marL="3200400" algn="l" defTabSz="914400" rtl="0" eaLnBrk="1" latinLnBrk="1" hangingPunct="1">
+              <a:defRPr sz="1800" kern="1200">
+                <a:solidFill>
+                  <a:schemeClr val="tx1"/>
+                </a:solidFill>
+                <a:latin typeface="+mn-lt"/>
+                <a:ea typeface="+mn-ea"/>
+                <a:cs typeface="+mn-cs"/>
+              </a:defRPr>
+            </a:lvl8pPr>
+            <a:lvl9pPr marL="3657600" algn="l" defTabSz="914400" rtl="0" eaLnBrk="1" latinLnBrk="1" hangingPunct="1">
+              <a:defRPr sz="1800" kern="1200">
+                <a:solidFill>
+                  <a:schemeClr val="tx1"/>
+                </a:solidFill>
+                <a:latin typeface="+mn-lt"/>
+                <a:ea typeface="+mn-ea"/>
+                <a:cs typeface="+mn-cs"/>
+              </a:defRPr>
+            </a:lvl9pPr>
+          </a:lstStyle>
+          <a:p>
+            <a:pPr algn="ctr">
+              <a:spcBef>
+                <a:spcPts val="600"/>
+              </a:spcBef>
+            </a:pPr>
+            <a:r>
+              <a:rPr lang="en-US" altLang="ko-KR" sz="1200">
+                <a:solidFill>
+                  <a:prstClr val="black"/>
+                </a:solidFill>
+                <a:latin typeface="나눔스퀘어 Bold" panose="020B0600000101010101" pitchFamily="50" charset="-127"/>
+                <a:ea typeface="나눔스퀘어 Bold" panose="020B0600000101010101" pitchFamily="50" charset="-127"/>
+              </a:rPr>
+              <a:t>Build Model</a:t>
+            </a:r>
+          </a:p>
+        </p:txBody>
+      </p:sp>
+      <p:sp>
+        <p:nvSpPr>
+          <p:cNvPr id="16" name="TextBox 16"/>
+          <p:cNvSpPr txBox="1"/>
+          <p:nvPr/>
+        </p:nvSpPr>
+        <p:spPr>
+          <a:xfrm>
+            <a:off x="8054756" y="3182441"/>
+            <a:ext cx="1368000" cy="288000"/>
+          </a:xfrm>
+          <a:prstGeom prst="rect">
+            <a:avLst/>
+          </a:prstGeom>
+          <a:solidFill>
+            <a:schemeClr val="accent2">
+              <a:lumMod val="20000"/>
+              <a:lumOff val="80000"/>
+            </a:schemeClr>
+          </a:solidFill>
+          <a:ln>
+            <a:noFill/>
+          </a:ln>
+        </p:spPr>
+        <p:txBody>
+          <a:bodyPr wrap="square" rtlCol="0">
+            <a:spAutoFit/>
+          </a:bodyPr>
+          <a:lstStyle>
+            <a:defPPr>
+              <a:defRPr lang="ko-KR"/>
+            </a:defPPr>
+            <a:lvl1pPr marL="0" algn="l" defTabSz="914400" rtl="0" eaLnBrk="1" latinLnBrk="1" hangingPunct="1">
+              <a:defRPr sz="1800" kern="1200">
+                <a:solidFill>
+                  <a:schemeClr val="tx1"/>
+                </a:solidFill>
+                <a:latin typeface="+mn-lt"/>
+                <a:ea typeface="+mn-ea"/>
+                <a:cs typeface="+mn-cs"/>
+              </a:defRPr>
+            </a:lvl1pPr>
+            <a:lvl2pPr marL="457200" algn="l" defTabSz="914400" rtl="0" eaLnBrk="1" latinLnBrk="1" hangingPunct="1">
+              <a:defRPr sz="1800" kern="1200">
+                <a:solidFill>
+                  <a:schemeClr val="tx1"/>
+                </a:solidFill>
+                <a:latin typeface="+mn-lt"/>
+                <a:ea typeface="+mn-ea"/>
+                <a:cs typeface="+mn-cs"/>
+              </a:defRPr>
+            </a:lvl2pPr>
+            <a:lvl3pPr marL="914400" algn="l" defTabSz="914400" rtl="0" eaLnBrk="1" latinLnBrk="1" hangingPunct="1">
+              <a:defRPr sz="1800" kern="1200">
+                <a:solidFill>
+                  <a:schemeClr val="tx1"/>
+                </a:solidFill>
+                <a:latin typeface="+mn-lt"/>
+                <a:ea typeface="+mn-ea"/>
+                <a:cs typeface="+mn-cs"/>
+              </a:defRPr>
+            </a:lvl3pPr>
+            <a:lvl4pPr marL="1371600" algn="l" defTabSz="914400" rtl="0" eaLnBrk="1" latinLnBrk="1" hangingPunct="1">
+              <a:defRPr sz="1800" kern="1200">
+                <a:solidFill>
+                  <a:schemeClr val="tx1"/>
+                </a:solidFill>
+                <a:latin typeface="+mn-lt"/>
+                <a:ea typeface="+mn-ea"/>
+                <a:cs typeface="+mn-cs"/>
+              </a:defRPr>
+            </a:lvl4pPr>
+            <a:lvl5pPr marL="1828800" algn="l" defTabSz="914400" rtl="0" eaLnBrk="1" latinLnBrk="1" hangingPunct="1">
+              <a:defRPr sz="1800" kern="1200">
+                <a:solidFill>
+                  <a:schemeClr val="tx1"/>
+                </a:solidFill>
+                <a:latin typeface="+mn-lt"/>
+                <a:ea typeface="+mn-ea"/>
+                <a:cs typeface="+mn-cs"/>
+              </a:defRPr>
+            </a:lvl5pPr>
+            <a:lvl6pPr marL="2286000" algn="l" defTabSz="914400" rtl="0" eaLnBrk="1" latinLnBrk="1" hangingPunct="1">
+              <a:defRPr sz="1800" kern="1200">
+                <a:solidFill>
+                  <a:schemeClr val="tx1"/>
+                </a:solidFill>
+                <a:latin typeface="+mn-lt"/>
+                <a:ea typeface="+mn-ea"/>
+                <a:cs typeface="+mn-cs"/>
+              </a:defRPr>
+            </a:lvl6pPr>
+            <a:lvl7pPr marL="2743200" algn="l" defTabSz="914400" rtl="0" eaLnBrk="1" latinLnBrk="1" hangingPunct="1">
+              <a:defRPr sz="1800" kern="1200">
+                <a:solidFill>
+                  <a:schemeClr val="tx1"/>
+                </a:solidFill>
+                <a:latin typeface="+mn-lt"/>
+                <a:ea typeface="+mn-ea"/>
+                <a:cs typeface="+mn-cs"/>
+              </a:defRPr>
+            </a:lvl7pPr>
+            <a:lvl8pPr marL="3200400" algn="l" defTabSz="914400" rtl="0" eaLnBrk="1" latinLnBrk="1" hangingPunct="1">
+              <a:defRPr sz="1800" kern="1200">
+                <a:solidFill>
+                  <a:schemeClr val="tx1"/>
+                </a:solidFill>
+                <a:latin typeface="+mn-lt"/>
+                <a:ea typeface="+mn-ea"/>
+                <a:cs typeface="+mn-cs"/>
+              </a:defRPr>
+            </a:lvl8pPr>
+            <a:lvl9pPr marL="3657600" algn="l" defTabSz="914400" rtl="0" eaLnBrk="1" latinLnBrk="1" hangingPunct="1">
+              <a:defRPr sz="1800" kern="1200">
+                <a:solidFill>
+                  <a:schemeClr val="tx1"/>
+                </a:solidFill>
+                <a:latin typeface="+mn-lt"/>
+                <a:ea typeface="+mn-ea"/>
+                <a:cs typeface="+mn-cs"/>
+              </a:defRPr>
+            </a:lvl9pPr>
+          </a:lstStyle>
+          <a:p>
+            <a:pPr algn="ctr">
+              <a:spcBef>
+                <a:spcPts val="600"/>
+              </a:spcBef>
+            </a:pPr>
+            <a:r>
+              <a:rPr lang="en-US" altLang="ko-KR" sz="1200">
+                <a:solidFill>
+                  <a:prstClr val="black"/>
+                </a:solidFill>
+                <a:latin typeface="나눔스퀘어 Bold" panose="020B0600000101010101" pitchFamily="50" charset="-127"/>
+                <a:ea typeface="나눔스퀘어 Bold" panose="020B0600000101010101" pitchFamily="50" charset="-127"/>
+              </a:rPr>
+              <a:t>Evaluation</a:t>
+            </a:r>
+            <a:endParaRPr lang="en-US" altLang="ko-KR" sz="1200" smtClean="0">
+              <a:solidFill>
+                <a:prstClr val="black"/>
+              </a:solidFill>
+              <a:latin typeface="나눔스퀘어 Bold" panose="020B0600000101010101" pitchFamily="50" charset="-127"/>
+              <a:ea typeface="나눔스퀘어 Bold" panose="020B0600000101010101" pitchFamily="50" charset="-127"/>
+            </a:endParaRPr>
+          </a:p>
+        </p:txBody>
+      </p:sp>
+      <p:cxnSp>
+        <p:nvCxnSpPr>
+          <p:cNvPr id="18" name="직선 화살표 연결선 17"/>
+          <p:cNvCxnSpPr>
+            <a:stCxn id="2" idx="0"/>
+          </p:cNvCxnSpPr>
+          <p:nvPr/>
+        </p:nvCxnSpPr>
+        <p:spPr>
+          <a:xfrm flipV="1">
+            <a:off x="7068866" y="3511714"/>
+            <a:ext cx="0" cy="284335"/>
+          </a:xfrm>
+          <a:prstGeom prst="straightConnector1">
+            <a:avLst/>
+          </a:prstGeom>
+          <a:ln w="9525">
+            <a:solidFill>
+              <a:schemeClr val="tx1"/>
+            </a:solidFill>
+            <a:tailEnd type="triangle"/>
+          </a:ln>
+        </p:spPr>
+        <p:style>
+          <a:lnRef idx="1">
+            <a:schemeClr val="accent1"/>
+          </a:lnRef>
+          <a:fillRef idx="0">
+            <a:schemeClr val="accent1"/>
+          </a:fillRef>
+          <a:effectRef idx="0">
+            <a:schemeClr val="accent1"/>
+          </a:effectRef>
+          <a:fontRef idx="minor">
+            <a:schemeClr val="tx1"/>
+          </a:fontRef>
+        </p:style>
+      </p:cxnSp>
+      <p:pic>
+        <p:nvPicPr>
+          <p:cNvPr id="19" name="Picture 8" descr="Serve Scikit-Learn Models for Deployment with BentoML"/>
+          <p:cNvPicPr>
+            <a:picLocks noChangeAspect="1" noChangeArrowheads="1"/>
+          </p:cNvPicPr>
+          <p:nvPr/>
+        </p:nvPicPr>
+        <p:blipFill>
+          <a:blip r:embed="rId2">
+            <a:extLst>
+              <a:ext uri="{28A0092B-C50C-407E-A947-70E740481C1C}">
+                <a14:useLocalDpi xmlns:a14="http://schemas.microsoft.com/office/drawing/2010/main" val="0"/>
+              </a:ext>
+            </a:extLst>
+          </a:blip>
+          <a:srcRect/>
+          <a:stretch>
+            <a:fillRect/>
+          </a:stretch>
+        </p:blipFill>
+        <p:spPr bwMode="auto">
+          <a:xfrm>
+            <a:off x="9117475" y="618133"/>
+            <a:ext cx="2967891" cy="2225918"/>
+          </a:xfrm>
+          <a:prstGeom prst="rect">
+            <a:avLst/>
+          </a:prstGeom>
+          <a:noFill/>
+          <a:extLst>
+            <a:ext uri="{909E8E84-426E-40DD-AFC4-6F175D3DCCD1}">
+              <a14:hiddenFill xmlns:a14="http://schemas.microsoft.com/office/drawing/2010/main">
+                <a:solidFill>
+                  <a:srgbClr val="FFFFFF"/>
+                </a:solidFill>
+              </a14:hiddenFill>
+            </a:ext>
+          </a:extLst>
+        </p:spPr>
+      </p:pic>
+      <p:cxnSp>
+        <p:nvCxnSpPr>
+          <p:cNvPr id="20" name="직선 화살표 연결선 19"/>
+          <p:cNvCxnSpPr>
+            <a:stCxn id="19" idx="2"/>
+            <a:endCxn id="14" idx="0"/>
+          </p:cNvCxnSpPr>
+          <p:nvPr/>
+        </p:nvCxnSpPr>
+        <p:spPr>
+          <a:xfrm>
+            <a:off x="10601421" y="2844051"/>
+            <a:ext cx="0" cy="338390"/>
+          </a:xfrm>
+          <a:prstGeom prst="straightConnector1">
+            <a:avLst/>
+          </a:prstGeom>
+          <a:ln w="9525">
+            <a:solidFill>
+              <a:schemeClr val="tx1"/>
+            </a:solidFill>
+            <a:tailEnd type="triangle"/>
+          </a:ln>
+        </p:spPr>
+        <p:style>
+          <a:lnRef idx="1">
+            <a:schemeClr val="accent1"/>
+          </a:lnRef>
+          <a:fillRef idx="0">
+            <a:schemeClr val="accent1"/>
+          </a:fillRef>
+          <a:effectRef idx="0">
+            <a:schemeClr val="accent1"/>
+          </a:effectRef>
+          <a:fontRef idx="minor">
+            <a:schemeClr val="tx1"/>
+          </a:fontRef>
+        </p:style>
+      </p:cxnSp>
+      <p:cxnSp>
+        <p:nvCxnSpPr>
+          <p:cNvPr id="22" name="직선 화살표 연결선 21"/>
+          <p:cNvCxnSpPr>
+            <a:endCxn id="24" idx="2"/>
+          </p:cNvCxnSpPr>
+          <p:nvPr/>
+        </p:nvCxnSpPr>
+        <p:spPr>
+          <a:xfrm flipV="1">
+            <a:off x="2383631" y="3511714"/>
+            <a:ext cx="2703" cy="284335"/>
+          </a:xfrm>
+          <a:prstGeom prst="straightConnector1">
+            <a:avLst/>
+          </a:prstGeom>
+          <a:ln w="9525">
+            <a:solidFill>
+              <a:schemeClr val="tx1"/>
+            </a:solidFill>
+            <a:tailEnd type="triangle"/>
+          </a:ln>
+        </p:spPr>
+        <p:style>
+          <a:lnRef idx="1">
+            <a:schemeClr val="accent1"/>
+          </a:lnRef>
+          <a:fillRef idx="0">
+            <a:schemeClr val="accent1"/>
+          </a:fillRef>
+          <a:effectRef idx="0">
+            <a:schemeClr val="accent1"/>
+          </a:effectRef>
+          <a:fontRef idx="minor">
+            <a:schemeClr val="tx1"/>
+          </a:fontRef>
+        </p:style>
+      </p:cxnSp>
+      <p:sp>
+        <p:nvSpPr>
+          <p:cNvPr id="24" name="직사각형 23"/>
+          <p:cNvSpPr/>
+          <p:nvPr/>
+        </p:nvSpPr>
+        <p:spPr>
+          <a:xfrm>
+            <a:off x="746719" y="3106382"/>
+            <a:ext cx="3279230" cy="405332"/>
+          </a:xfrm>
+          <a:prstGeom prst="rect">
+            <a:avLst/>
+          </a:prstGeom>
+          <a:noFill/>
+          <a:ln w="9525">
+            <a:solidFill>
+              <a:schemeClr val="bg1">
+                <a:lumMod val="65000"/>
+              </a:schemeClr>
+            </a:solidFill>
+            <a:prstDash val="dash"/>
+          </a:ln>
+        </p:spPr>
+        <p:style>
+          <a:lnRef idx="2">
+            <a:schemeClr val="accent1">
+              <a:shade val="50000"/>
+            </a:schemeClr>
+          </a:lnRef>
+          <a:fillRef idx="1">
+            <a:schemeClr val="accent1"/>
+          </a:fillRef>
+          <a:effectRef idx="0">
+            <a:schemeClr val="accent1"/>
+          </a:effectRef>
+          <a:fontRef idx="minor">
+            <a:schemeClr val="lt1"/>
+          </a:fontRef>
+        </p:style>
+        <p:txBody>
+          <a:bodyPr rtlCol="0" anchor="ctr"/>
+          <a:lstStyle>
+            <a:defPPr>
+              <a:defRPr lang="ko-KR"/>
+            </a:defPPr>
+            <a:lvl1pPr marL="0" algn="l" defTabSz="914400" rtl="0" eaLnBrk="1" latinLnBrk="1" hangingPunct="1">
+              <a:defRPr sz="1800" kern="1200">
+                <a:solidFill>
+                  <a:schemeClr val="lt1"/>
+                </a:solidFill>
+                <a:latin typeface="+mn-lt"/>
+                <a:ea typeface="+mn-ea"/>
+                <a:cs typeface="+mn-cs"/>
+              </a:defRPr>
+            </a:lvl1pPr>
+            <a:lvl2pPr marL="457200" algn="l" defTabSz="914400" rtl="0" eaLnBrk="1" latinLnBrk="1" hangingPunct="1">
+              <a:defRPr sz="1800" kern="1200">
+                <a:solidFill>
+                  <a:schemeClr val="lt1"/>
+                </a:solidFill>
+                <a:latin typeface="+mn-lt"/>
+                <a:ea typeface="+mn-ea"/>
+                <a:cs typeface="+mn-cs"/>
+              </a:defRPr>
+            </a:lvl2pPr>
+            <a:lvl3pPr marL="914400" algn="l" defTabSz="914400" rtl="0" eaLnBrk="1" latinLnBrk="1" hangingPunct="1">
+              <a:defRPr sz="1800" kern="1200">
+                <a:solidFill>
+                  <a:schemeClr val="lt1"/>
+                </a:solidFill>
+                <a:latin typeface="+mn-lt"/>
+                <a:ea typeface="+mn-ea"/>
+                <a:cs typeface="+mn-cs"/>
+              </a:defRPr>
+            </a:lvl3pPr>
+            <a:lvl4pPr marL="1371600" algn="l" defTabSz="914400" rtl="0" eaLnBrk="1" latinLnBrk="1" hangingPunct="1">
+              <a:defRPr sz="1800" kern="1200">
+                <a:solidFill>
+                  <a:schemeClr val="lt1"/>
+                </a:solidFill>
+                <a:latin typeface="+mn-lt"/>
+                <a:ea typeface="+mn-ea"/>
+                <a:cs typeface="+mn-cs"/>
+              </a:defRPr>
+            </a:lvl4pPr>
+            <a:lvl5pPr marL="1828800" algn="l" defTabSz="914400" rtl="0" eaLnBrk="1" latinLnBrk="1" hangingPunct="1">
+              <a:defRPr sz="1800" kern="1200">
+                <a:solidFill>
+                  <a:schemeClr val="lt1"/>
+                </a:solidFill>
+                <a:latin typeface="+mn-lt"/>
+                <a:ea typeface="+mn-ea"/>
+                <a:cs typeface="+mn-cs"/>
+              </a:defRPr>
+            </a:lvl5pPr>
+            <a:lvl6pPr marL="2286000" algn="l" defTabSz="914400" rtl="0" eaLnBrk="1" latinLnBrk="1" hangingPunct="1">
+              <a:defRPr sz="1800" kern="1200">
+                <a:solidFill>
+                  <a:schemeClr val="lt1"/>
+                </a:solidFill>
+                <a:latin typeface="+mn-lt"/>
+                <a:ea typeface="+mn-ea"/>
+                <a:cs typeface="+mn-cs"/>
+              </a:defRPr>
+            </a:lvl6pPr>
+            <a:lvl7pPr marL="2743200" algn="l" defTabSz="914400" rtl="0" eaLnBrk="1" latinLnBrk="1" hangingPunct="1">
+              <a:defRPr sz="1800" kern="1200">
+                <a:solidFill>
+                  <a:schemeClr val="lt1"/>
+                </a:solidFill>
+                <a:latin typeface="+mn-lt"/>
+                <a:ea typeface="+mn-ea"/>
+                <a:cs typeface="+mn-cs"/>
+              </a:defRPr>
+            </a:lvl7pPr>
+            <a:lvl8pPr marL="3200400" algn="l" defTabSz="914400" rtl="0" eaLnBrk="1" latinLnBrk="1" hangingPunct="1">
+              <a:defRPr sz="1800" kern="1200">
+                <a:solidFill>
+                  <a:schemeClr val="lt1"/>
+                </a:solidFill>
+                <a:latin typeface="+mn-lt"/>
+                <a:ea typeface="+mn-ea"/>
+                <a:cs typeface="+mn-cs"/>
+              </a:defRPr>
+            </a:lvl8pPr>
+            <a:lvl9pPr marL="3657600" algn="l" defTabSz="914400" rtl="0" eaLnBrk="1" latinLnBrk="1" hangingPunct="1">
+              <a:defRPr sz="1800" kern="1200">
+                <a:solidFill>
+                  <a:schemeClr val="lt1"/>
+                </a:solidFill>
+                <a:latin typeface="+mn-lt"/>
+                <a:ea typeface="+mn-ea"/>
+                <a:cs typeface="+mn-cs"/>
+              </a:defRPr>
+            </a:lvl9pPr>
+          </a:lstStyle>
+          <a:p>
+            <a:pPr algn="ctr"/>
+            <a:endParaRPr lang="ko-KR" altLang="en-US"/>
+          </a:p>
+        </p:txBody>
+      </p:sp>
+      <p:sp>
+        <p:nvSpPr>
+          <p:cNvPr id="25" name="직사각형 24"/>
+          <p:cNvSpPr/>
+          <p:nvPr/>
+        </p:nvSpPr>
+        <p:spPr>
+          <a:xfrm>
+            <a:off x="4366787" y="3106382"/>
+            <a:ext cx="3350934" cy="405332"/>
+          </a:xfrm>
+          <a:prstGeom prst="rect">
+            <a:avLst/>
+          </a:prstGeom>
+          <a:noFill/>
+          <a:ln w="9525">
+            <a:solidFill>
+              <a:schemeClr val="bg1">
+                <a:lumMod val="65000"/>
+              </a:schemeClr>
+            </a:solidFill>
+            <a:prstDash val="dash"/>
+          </a:ln>
+        </p:spPr>
+        <p:style>
+          <a:lnRef idx="2">
+            <a:schemeClr val="accent1">
+              <a:shade val="50000"/>
+            </a:schemeClr>
+          </a:lnRef>
+          <a:fillRef idx="1">
+            <a:schemeClr val="accent1"/>
+          </a:fillRef>
+          <a:effectRef idx="0">
+            <a:schemeClr val="accent1"/>
+          </a:effectRef>
+          <a:fontRef idx="minor">
+            <a:schemeClr val="lt1"/>
+          </a:fontRef>
+        </p:style>
+        <p:txBody>
+          <a:bodyPr rtlCol="0" anchor="ctr"/>
+          <a:lstStyle>
+            <a:defPPr>
+              <a:defRPr lang="ko-KR"/>
+            </a:defPPr>
+            <a:lvl1pPr marL="0" algn="l" defTabSz="914400" rtl="0" eaLnBrk="1" latinLnBrk="1" hangingPunct="1">
+              <a:defRPr sz="1800" kern="1200">
+                <a:solidFill>
+                  <a:schemeClr val="lt1"/>
+                </a:solidFill>
+                <a:latin typeface="+mn-lt"/>
+                <a:ea typeface="+mn-ea"/>
+                <a:cs typeface="+mn-cs"/>
+              </a:defRPr>
+            </a:lvl1pPr>
+            <a:lvl2pPr marL="457200" algn="l" defTabSz="914400" rtl="0" eaLnBrk="1" latinLnBrk="1" hangingPunct="1">
+              <a:defRPr sz="1800" kern="1200">
+                <a:solidFill>
+                  <a:schemeClr val="lt1"/>
+                </a:solidFill>
+                <a:latin typeface="+mn-lt"/>
+                <a:ea typeface="+mn-ea"/>
+                <a:cs typeface="+mn-cs"/>
+              </a:defRPr>
+            </a:lvl2pPr>
+            <a:lvl3pPr marL="914400" algn="l" defTabSz="914400" rtl="0" eaLnBrk="1" latinLnBrk="1" hangingPunct="1">
+              <a:defRPr sz="1800" kern="1200">
+                <a:solidFill>
+                  <a:schemeClr val="lt1"/>
+                </a:solidFill>
+                <a:latin typeface="+mn-lt"/>
+                <a:ea typeface="+mn-ea"/>
+                <a:cs typeface="+mn-cs"/>
+              </a:defRPr>
+            </a:lvl3pPr>
+            <a:lvl4pPr marL="1371600" algn="l" defTabSz="914400" rtl="0" eaLnBrk="1" latinLnBrk="1" hangingPunct="1">
+              <a:defRPr sz="1800" kern="1200">
+                <a:solidFill>
+                  <a:schemeClr val="lt1"/>
+                </a:solidFill>
+                <a:latin typeface="+mn-lt"/>
+                <a:ea typeface="+mn-ea"/>
+                <a:cs typeface="+mn-cs"/>
+              </a:defRPr>
+            </a:lvl4pPr>
+            <a:lvl5pPr marL="1828800" algn="l" defTabSz="914400" rtl="0" eaLnBrk="1" latinLnBrk="1" hangingPunct="1">
+              <a:defRPr sz="1800" kern="1200">
+                <a:solidFill>
+                  <a:schemeClr val="lt1"/>
+                </a:solidFill>
+                <a:latin typeface="+mn-lt"/>
+                <a:ea typeface="+mn-ea"/>
+                <a:cs typeface="+mn-cs"/>
+              </a:defRPr>
+            </a:lvl5pPr>
+            <a:lvl6pPr marL="2286000" algn="l" defTabSz="914400" rtl="0" eaLnBrk="1" latinLnBrk="1" hangingPunct="1">
+              <a:defRPr sz="1800" kern="1200">
+                <a:solidFill>
+                  <a:schemeClr val="lt1"/>
+                </a:solidFill>
+                <a:latin typeface="+mn-lt"/>
+                <a:ea typeface="+mn-ea"/>
+                <a:cs typeface="+mn-cs"/>
+              </a:defRPr>
+            </a:lvl6pPr>
+            <a:lvl7pPr marL="2743200" algn="l" defTabSz="914400" rtl="0" eaLnBrk="1" latinLnBrk="1" hangingPunct="1">
+              <a:defRPr sz="1800" kern="1200">
+                <a:solidFill>
+                  <a:schemeClr val="lt1"/>
+                </a:solidFill>
+                <a:latin typeface="+mn-lt"/>
+                <a:ea typeface="+mn-ea"/>
+                <a:cs typeface="+mn-cs"/>
+              </a:defRPr>
+            </a:lvl7pPr>
+            <a:lvl8pPr marL="3200400" algn="l" defTabSz="914400" rtl="0" eaLnBrk="1" latinLnBrk="1" hangingPunct="1">
+              <a:defRPr sz="1800" kern="1200">
+                <a:solidFill>
+                  <a:schemeClr val="lt1"/>
+                </a:solidFill>
+                <a:latin typeface="+mn-lt"/>
+                <a:ea typeface="+mn-ea"/>
+                <a:cs typeface="+mn-cs"/>
+              </a:defRPr>
+            </a:lvl8pPr>
+            <a:lvl9pPr marL="3657600" algn="l" defTabSz="914400" rtl="0" eaLnBrk="1" latinLnBrk="1" hangingPunct="1">
+              <a:defRPr sz="1800" kern="1200">
+                <a:solidFill>
+                  <a:schemeClr val="lt1"/>
+                </a:solidFill>
+                <a:latin typeface="+mn-lt"/>
+                <a:ea typeface="+mn-ea"/>
+                <a:cs typeface="+mn-cs"/>
+              </a:defRPr>
+            </a:lvl9pPr>
+          </a:lstStyle>
+          <a:p>
+            <a:pPr algn="ctr"/>
+            <a:endParaRPr lang="ko-KR" altLang="en-US"/>
+          </a:p>
+        </p:txBody>
+      </p:sp>
+      <p:pic>
+        <p:nvPicPr>
+          <p:cNvPr id="2" name="그림 1"/>
+          <p:cNvPicPr>
+            <a:picLocks noChangeAspect="1"/>
+          </p:cNvPicPr>
+          <p:nvPr/>
+        </p:nvPicPr>
+        <p:blipFill>
+          <a:blip r:embed="rId3"/>
+          <a:stretch>
+            <a:fillRect/>
+          </a:stretch>
+        </p:blipFill>
+        <p:spPr>
+          <a:xfrm>
+            <a:off x="4145715" y="3796049"/>
+            <a:ext cx="5846301" cy="2284171"/>
+          </a:xfrm>
+          <a:prstGeom prst="rect">
+            <a:avLst/>
+          </a:prstGeom>
+        </p:spPr>
+      </p:pic>
+      <p:pic>
+        <p:nvPicPr>
+          <p:cNvPr id="48" name="Picture 10" descr="Alphaa Home"/>
+          <p:cNvPicPr>
+            <a:picLocks noChangeAspect="1" noChangeArrowheads="1"/>
+          </p:cNvPicPr>
+          <p:nvPr/>
+        </p:nvPicPr>
+        <p:blipFill>
+          <a:blip r:embed="rId4" cstate="print">
+            <a:extLst>
+              <a:ext uri="{28A0092B-C50C-407E-A947-70E740481C1C}">
+                <a14:useLocalDpi xmlns:a14="http://schemas.microsoft.com/office/drawing/2010/main" val="0"/>
+              </a:ext>
+            </a:extLst>
+          </a:blip>
+          <a:srcRect/>
+          <a:stretch>
+            <a:fillRect/>
+          </a:stretch>
+        </p:blipFill>
+        <p:spPr bwMode="auto">
+          <a:xfrm>
+            <a:off x="672889" y="3796049"/>
+            <a:ext cx="3421483" cy="2068240"/>
+          </a:xfrm>
+          <a:prstGeom prst="rect">
+            <a:avLst/>
+          </a:prstGeom>
+          <a:noFill/>
+          <a:extLst>
+            <a:ext uri="{909E8E84-426E-40DD-AFC4-6F175D3DCCD1}">
+              <a14:hiddenFill xmlns:a14="http://schemas.microsoft.com/office/drawing/2010/main">
+                <a:solidFill>
+                  <a:srgbClr val="FFFFFF"/>
+                </a:solidFill>
+              </a14:hiddenFill>
+            </a:ext>
+          </a:extLst>
+        </p:spPr>
+      </p:pic>
+    </p:spTree>
+    <p:extLst>
+      <p:ext uri="{BB962C8B-B14F-4D97-AF65-F5344CB8AC3E}">
+        <p14:creationId xmlns:p14="http://schemas.microsoft.com/office/powerpoint/2010/main" val="16373951"/>
       </p:ext>
     </p:extLst>
   </p:cSld>
@@ -1885,8 +7313,8 @@
         </p:nvSpPr>
         <p:spPr>
           <a:xfrm>
-            <a:off x="3036128" y="5161750"/>
-            <a:ext cx="6119744" cy="830997"/>
+            <a:off x="4320145" y="5004836"/>
+            <a:ext cx="3551709" cy="830997"/>
           </a:xfrm>
           <a:prstGeom prst="rect">
             <a:avLst/>
@@ -1907,6 +7335,21 @@
               <a:buChar char="•"/>
             </a:pPr>
             <a:r>
+              <a:rPr lang="ko-KR" altLang="en-US" sz="1200" spc="-103" smtClean="0">
+                <a:ln>
+                  <a:solidFill>
+                    <a:schemeClr val="bg1">
+                      <a:lumMod val="85000"/>
+                      <a:alpha val="0"/>
+                    </a:schemeClr>
+                  </a:solidFill>
+                </a:ln>
+                <a:latin typeface="나눔스퀘어 Bold" panose="020B0600000101010101" pitchFamily="50" charset="-127"/>
+                <a:ea typeface="나눔스퀘어 Bold" panose="020B0600000101010101" pitchFamily="50" charset="-127"/>
+              </a:rPr>
+              <a:t>캐글 </a:t>
+            </a:r>
+            <a:r>
               <a:rPr lang="en-US" altLang="ko-KR" sz="1200" spc="-103" smtClean="0">
                 <a:ln>
                   <a:solidFill>
@@ -1919,7 +7362,7 @@
                 <a:latin typeface="나눔스퀘어 Bold" panose="020B0600000101010101" pitchFamily="50" charset="-127"/>
                 <a:ea typeface="나눔스퀘어 Bold" panose="020B0600000101010101" pitchFamily="50" charset="-127"/>
               </a:rPr>
-              <a:t>Kaggle</a:t>
+              <a:t>competition</a:t>
             </a:r>
             <a:r>
               <a:rPr lang="ko-KR" altLang="en-US" sz="1200" spc="-103" smtClean="0">
@@ -1934,7 +7377,82 @@
                 <a:latin typeface="나눔스퀘어 Bold" panose="020B0600000101010101" pitchFamily="50" charset="-127"/>
                 <a:ea typeface="나눔스퀘어 Bold" panose="020B0600000101010101" pitchFamily="50" charset="-127"/>
               </a:rPr>
-              <a:t>에서 순위안에 들고 관심있는 분야의 주제를 가지고 논문을 쓰다보면 뭐든 할 수 있을 것 같지만</a:t>
+              <a:t>에 </a:t>
+            </a:r>
+            <a:r>
+              <a:rPr lang="ko-KR" altLang="en-US" sz="1200" spc="-103" smtClean="0">
+                <a:ln>
+                  <a:solidFill>
+                    <a:schemeClr val="bg1">
+                      <a:lumMod val="85000"/>
+                      <a:alpha val="0"/>
+                    </a:schemeClr>
+                  </a:solidFill>
+                </a:ln>
+                <a:latin typeface="나눔스퀘어 Bold" panose="020B0600000101010101" pitchFamily="50" charset="-127"/>
+                <a:ea typeface="나눔스퀘어 Bold" panose="020B0600000101010101" pitchFamily="50" charset="-127"/>
+              </a:rPr>
+              <a:t>참여해 </a:t>
+            </a:r>
+            <a:r>
+              <a:rPr lang="ko-KR" altLang="en-US" sz="1200" spc="-103" smtClean="0">
+                <a:ln>
+                  <a:solidFill>
+                    <a:schemeClr val="bg1">
+                      <a:lumMod val="85000"/>
+                      <a:alpha val="0"/>
+                    </a:schemeClr>
+                  </a:solidFill>
+                </a:ln>
+                <a:latin typeface="나눔스퀘어 Bold" panose="020B0600000101010101" pitchFamily="50" charset="-127"/>
+                <a:ea typeface="나눔스퀘어 Bold" panose="020B0600000101010101" pitchFamily="50" charset="-127"/>
+              </a:rPr>
+              <a:t>모델을 </a:t>
+            </a:r>
+            <a:r>
+              <a:rPr lang="ko-KR" altLang="en-US" sz="1200" spc="-103" smtClean="0">
+                <a:ln>
+                  <a:solidFill>
+                    <a:schemeClr val="bg1">
+                      <a:lumMod val="85000"/>
+                      <a:alpha val="0"/>
+                    </a:schemeClr>
+                  </a:solidFill>
+                </a:ln>
+                <a:latin typeface="나눔스퀘어 Bold" panose="020B0600000101010101" pitchFamily="50" charset="-127"/>
+                <a:ea typeface="나눔스퀘어 Bold" panose="020B0600000101010101" pitchFamily="50" charset="-127"/>
+              </a:rPr>
+              <a:t>학습한 후 </a:t>
+            </a:r>
+            <a:r>
+              <a:rPr lang="ko-KR" altLang="en-US" sz="1200" spc="-103" smtClean="0">
+                <a:ln>
+                  <a:solidFill>
+                    <a:schemeClr val="bg1">
+                      <a:lumMod val="85000"/>
+                      <a:alpha val="0"/>
+                    </a:schemeClr>
+                  </a:solidFill>
+                </a:ln>
+                <a:latin typeface="나눔스퀘어 Bold" panose="020B0600000101010101" pitchFamily="50" charset="-127"/>
+                <a:ea typeface="나눔스퀘어 Bold" panose="020B0600000101010101" pitchFamily="50" charset="-127"/>
+              </a:rPr>
+              <a:t>성능을 </a:t>
+            </a:r>
+            <a:r>
+              <a:rPr lang="ko-KR" altLang="en-US" sz="1200" spc="-103" smtClean="0">
+                <a:ln>
+                  <a:solidFill>
+                    <a:schemeClr val="bg1">
+                      <a:lumMod val="85000"/>
+                      <a:alpha val="0"/>
+                    </a:schemeClr>
+                  </a:solidFill>
+                </a:ln>
+                <a:latin typeface="나눔스퀘어 Bold" panose="020B0600000101010101" pitchFamily="50" charset="-127"/>
+                <a:ea typeface="나눔스퀘어 Bold" panose="020B0600000101010101" pitchFamily="50" charset="-127"/>
+              </a:rPr>
+              <a:t>체크</a:t>
             </a:r>
             <a:r>
               <a:rPr lang="en-US" altLang="ko-KR" sz="1200" spc="-103" smtClean="0">
@@ -1949,7 +7467,7 @@
                 <a:latin typeface="나눔스퀘어 Bold" panose="020B0600000101010101" pitchFamily="50" charset="-127"/>
                 <a:ea typeface="나눔스퀘어 Bold" panose="020B0600000101010101" pitchFamily="50" charset="-127"/>
               </a:rPr>
-              <a:t>…</a:t>
+              <a:t>. </a:t>
             </a:r>
           </a:p>
           <a:p>
@@ -1973,7 +7491,22 @@
                 <a:latin typeface="나눔스퀘어 Bold" panose="020B0600000101010101" pitchFamily="50" charset="-127"/>
                 <a:ea typeface="나눔스퀘어 Bold" panose="020B0600000101010101" pitchFamily="50" charset="-127"/>
               </a:rPr>
-              <a:t>하지만 실제 인공지능 서비스를 만들다 보면 마주치는 문제들은 알고리즘과 관련이  너무 많다</a:t>
+              <a:t>올라가는 </a:t>
+            </a:r>
+            <a:r>
+              <a:rPr lang="ko-KR" altLang="en-US" sz="1200" spc="-103" smtClean="0">
+                <a:ln>
+                  <a:solidFill>
+                    <a:schemeClr val="bg1">
+                      <a:lumMod val="85000"/>
+                      <a:alpha val="0"/>
+                    </a:schemeClr>
+                  </a:solidFill>
+                </a:ln>
+                <a:latin typeface="나눔스퀘어 Bold" panose="020B0600000101010101" pitchFamily="50" charset="-127"/>
+                <a:ea typeface="나눔스퀘어 Bold" panose="020B0600000101010101" pitchFamily="50" charset="-127"/>
+              </a:rPr>
+              <a:t>리더보드 순위를 보며 뿌듯</a:t>
             </a:r>
             <a:r>
               <a:rPr lang="en-US" altLang="ko-KR" sz="1200" spc="-103" smtClean="0">
@@ -1988,7 +7521,7 @@
                 <a:latin typeface="나눔스퀘어 Bold" panose="020B0600000101010101" pitchFamily="50" charset="-127"/>
                 <a:ea typeface="나눔스퀘어 Bold" panose="020B0600000101010101" pitchFamily="50" charset="-127"/>
               </a:rPr>
-              <a:t>.</a:t>
+              <a:t>!</a:t>
             </a:r>
           </a:p>
         </p:txBody>
@@ -2047,7 +7580,7 @@
       </p:sp>
       <p:pic>
         <p:nvPicPr>
-          <p:cNvPr id="3078" name="Picture 6" descr="웃긴짤모음(3) - 월요일, 출근짤, 사회생활짤"/>
+          <p:cNvPr id="7" name="Picture 4" descr="Kaggle] 캐글 시작하기 (타이타닉 문제) :: Juun42"/>
           <p:cNvPicPr>
             <a:picLocks noChangeAspect="1" noChangeArrowheads="1"/>
           </p:cNvPicPr>
@@ -2068,8 +7601,8 @@
         </p:blipFill>
         <p:spPr bwMode="auto">
           <a:xfrm>
-            <a:off x="3734429" y="1872760"/>
-            <a:ext cx="4723141" cy="2928347"/>
+            <a:off x="2673785" y="2332171"/>
+            <a:ext cx="6844430" cy="2193659"/>
           </a:xfrm>
           <a:prstGeom prst="rect">
             <a:avLst/>
@@ -2089,7 +7622,7 @@
     </p:spTree>
     <p:extLst>
       <p:ext uri="{BB962C8B-B14F-4D97-AF65-F5344CB8AC3E}">
-        <p14:creationId xmlns:p14="http://schemas.microsoft.com/office/powerpoint/2010/main" val="1707874169"/>
+        <p14:creationId xmlns:p14="http://schemas.microsoft.com/office/powerpoint/2010/main" val="3307504117"/>
       </p:ext>
     </p:extLst>
   </p:cSld>
@@ -2219,83 +7752,7 @@
       </p:sp>
       <p:sp>
         <p:nvSpPr>
-          <p:cNvPr id="9" name="TextBox 8"/>
-          <p:cNvSpPr txBox="1"/>
-          <p:nvPr/>
-        </p:nvSpPr>
-        <p:spPr>
-          <a:xfrm>
-            <a:off x="1088238" y="437393"/>
-            <a:ext cx="5396382" cy="584775"/>
-          </a:xfrm>
-          <a:prstGeom prst="rect">
-            <a:avLst/>
-          </a:prstGeom>
-          <a:noFill/>
-        </p:spPr>
-        <p:txBody>
-          <a:bodyPr wrap="square" rtlCol="0">
-            <a:spAutoFit/>
-          </a:bodyPr>
-          <a:lstStyle/>
-          <a:p>
-            <a:r>
-              <a:rPr lang="en-US" altLang="ko-KR" sz="3200" spc="-150">
-                <a:solidFill>
-                  <a:srgbClr val="00002F"/>
-                </a:solidFill>
-                <a:latin typeface="나눔스퀘어 ExtraBold" panose="020B0600000101010101" pitchFamily="50" charset="-127"/>
-                <a:ea typeface="나눔스퀘어 ExtraBold" panose="020B0600000101010101" pitchFamily="50" charset="-127"/>
-              </a:rPr>
-              <a:t>MLflow </a:t>
-            </a:r>
-            <a:r>
-              <a:rPr lang="ko-KR" altLang="en-US" sz="3200" spc="-150" smtClean="0">
-                <a:solidFill>
-                  <a:srgbClr val="00002F"/>
-                </a:solidFill>
-                <a:latin typeface="나눔스퀘어 ExtraBold" panose="020B0600000101010101" pitchFamily="50" charset="-127"/>
-                <a:ea typeface="나눔스퀘어 ExtraBold" panose="020B0600000101010101" pitchFamily="50" charset="-127"/>
-              </a:rPr>
-              <a:t>소개</a:t>
-            </a:r>
-            <a:endParaRPr lang="en-US" altLang="ko-KR" sz="3200" spc="-150">
-              <a:solidFill>
-                <a:srgbClr val="00002F"/>
-              </a:solidFill>
-              <a:latin typeface="나눔스퀘어 ExtraBold" panose="020B0600000101010101" pitchFamily="50" charset="-127"/>
-              <a:ea typeface="나눔스퀘어 ExtraBold" panose="020B0600000101010101" pitchFamily="50" charset="-127"/>
-            </a:endParaRPr>
-          </a:p>
-        </p:txBody>
-      </p:sp>
-      <p:pic>
-        <p:nvPicPr>
-          <p:cNvPr id="2" name="그림 1"/>
-          <p:cNvPicPr>
-            <a:picLocks noChangeAspect="1"/>
-          </p:cNvPicPr>
-          <p:nvPr/>
-        </p:nvPicPr>
-        <p:blipFill>
-          <a:blip r:embed="rId2"/>
-          <a:stretch>
-            <a:fillRect/>
-          </a:stretch>
-        </p:blipFill>
-        <p:spPr>
-          <a:xfrm>
-            <a:off x="1640504" y="1942156"/>
-            <a:ext cx="8910992" cy="3306198"/>
-          </a:xfrm>
-          <a:prstGeom prst="rect">
-            <a:avLst/>
-          </a:prstGeom>
-        </p:spPr>
-      </p:pic>
-      <p:sp>
-        <p:nvSpPr>
-          <p:cNvPr id="8" name="TextBox 7">
+          <p:cNvPr id="6" name="TextBox 5">
             <a:extLst>
               <a:ext uri="{FF2B5EF4-FFF2-40B4-BE49-F238E27FC236}">
                 <a16:creationId xmlns:a16="http://schemas.microsoft.com/office/drawing/2014/main" id="{C40C17C7-6436-43BB-AB8B-1F1856BAF096}"/>
@@ -2307,8 +7764,8 @@
         </p:nvSpPr>
         <p:spPr>
           <a:xfrm>
-            <a:off x="3623967" y="5465756"/>
-            <a:ext cx="4944067" cy="830997"/>
+            <a:off x="3036127" y="5261047"/>
+            <a:ext cx="6119744" cy="781304"/>
           </a:xfrm>
           <a:prstGeom prst="rect">
             <a:avLst/>
@@ -2321,110 +7778,84 @@
           </a:bodyPr>
           <a:lstStyle/>
           <a:p>
-            <a:pPr>
+            <a:pPr marL="171450" indent="-171450">
               <a:lnSpc>
                 <a:spcPct val="200000"/>
               </a:lnSpc>
+              <a:buFont typeface="Arial" panose="020B0604020202020204" pitchFamily="34" charset="0"/>
+              <a:buChar char="•"/>
             </a:pPr>
             <a:r>
-              <a:rPr lang="ko-KR" altLang="en-US" sz="1200" spc="-103" smtClean="0">
-                <a:ln>
-                  <a:solidFill>
-                    <a:schemeClr val="bg1">
-                      <a:lumMod val="85000"/>
-                      <a:alpha val="0"/>
-                    </a:schemeClr>
-                  </a:solidFill>
-                </a:ln>
-                <a:latin typeface="나눔스퀘어 Bold" panose="020B0600000101010101" pitchFamily="50" charset="-127"/>
-                <a:ea typeface="나눔스퀘어 Bold" panose="020B0600000101010101" pitchFamily="50" charset="-127"/>
-              </a:rPr>
-              <a:t>머신러닝 프로젝트에서 </a:t>
-            </a:r>
-            <a:r>
-              <a:rPr lang="en-US" altLang="ko-KR" sz="1200" spc="-103" smtClean="0">
-                <a:ln>
-                  <a:solidFill>
-                    <a:schemeClr val="bg1">
-                      <a:lumMod val="85000"/>
-                      <a:alpha val="0"/>
-                    </a:schemeClr>
-                  </a:solidFill>
-                </a:ln>
-                <a:latin typeface="나눔스퀘어 Bold" panose="020B0600000101010101" pitchFamily="50" charset="-127"/>
-                <a:ea typeface="나눔스퀘어 Bold" panose="020B0600000101010101" pitchFamily="50" charset="-127"/>
-              </a:rPr>
-              <a:t>ML Code</a:t>
-            </a:r>
-            <a:r>
-              <a:rPr lang="ko-KR" altLang="en-US" sz="1200" spc="-103" smtClean="0">
-                <a:ln>
-                  <a:solidFill>
-                    <a:schemeClr val="bg1">
-                      <a:lumMod val="85000"/>
-                      <a:alpha val="0"/>
-                    </a:schemeClr>
-                  </a:solidFill>
-                </a:ln>
-                <a:latin typeface="나눔스퀘어 Bold" panose="020B0600000101010101" pitchFamily="50" charset="-127"/>
-                <a:ea typeface="나눔스퀘어 Bold" panose="020B0600000101010101" pitchFamily="50" charset="-127"/>
-              </a:rPr>
-              <a:t>가 차지하는 비중은 크지 않다</a:t>
-            </a:r>
-            <a:r>
-              <a:rPr lang="en-US" altLang="ko-KR" sz="1200" spc="-103" smtClean="0">
-                <a:ln>
-                  <a:solidFill>
-                    <a:schemeClr val="bg1">
-                      <a:lumMod val="85000"/>
-                      <a:alpha val="0"/>
-                    </a:schemeClr>
-                  </a:solidFill>
-                </a:ln>
-                <a:latin typeface="나눔스퀘어 Bold" panose="020B0600000101010101" pitchFamily="50" charset="-127"/>
-                <a:ea typeface="나눔스퀘어 Bold" panose="020B0600000101010101" pitchFamily="50" charset="-127"/>
-              </a:rPr>
-              <a:t>.</a:t>
-            </a:r>
-          </a:p>
-          <a:p>
-            <a:pPr>
+              <a:rPr lang="en-US" altLang="ko-KR" sz="1200" spc="-103">
+                <a:ln>
+                  <a:solidFill>
+                    <a:schemeClr val="bg1">
+                      <a:lumMod val="85000"/>
+                      <a:alpha val="0"/>
+                    </a:schemeClr>
+                  </a:solidFill>
+                </a:ln>
+                <a:latin typeface="나눔스퀘어 Bold" panose="020B0600000101010101" pitchFamily="50" charset="-127"/>
+                <a:ea typeface="나눔스퀘어 Bold" panose="020B0600000101010101" pitchFamily="50" charset="-127"/>
+              </a:rPr>
+              <a:t>Kaggle</a:t>
+            </a:r>
+            <a:r>
+              <a:rPr lang="ko-KR" altLang="en-US" sz="1200" spc="-103">
+                <a:ln>
+                  <a:solidFill>
+                    <a:schemeClr val="bg1">
+                      <a:lumMod val="85000"/>
+                      <a:alpha val="0"/>
+                    </a:schemeClr>
+                  </a:solidFill>
+                </a:ln>
+                <a:latin typeface="나눔스퀘어 Bold" panose="020B0600000101010101" pitchFamily="50" charset="-127"/>
+                <a:ea typeface="나눔스퀘어 Bold" panose="020B0600000101010101" pitchFamily="50" charset="-127"/>
+              </a:rPr>
+              <a:t>에서 순위안에 들고 관심있는 분야의 주제를 가지고 논문을 쓰다보면 뭐든 할 수 있을 것 같지만</a:t>
+            </a:r>
+            <a:r>
+              <a:rPr lang="en-US" altLang="ko-KR" sz="1200" spc="-103">
+                <a:ln>
+                  <a:solidFill>
+                    <a:schemeClr val="bg1">
+                      <a:lumMod val="85000"/>
+                      <a:alpha val="0"/>
+                    </a:schemeClr>
+                  </a:solidFill>
+                </a:ln>
+                <a:latin typeface="나눔스퀘어 Bold" panose="020B0600000101010101" pitchFamily="50" charset="-127"/>
+                <a:ea typeface="나눔스퀘어 Bold" panose="020B0600000101010101" pitchFamily="50" charset="-127"/>
+              </a:rPr>
+              <a:t>…</a:t>
+            </a:r>
+          </a:p>
+          <a:p>
+            <a:pPr marL="171450" indent="-171450">
               <a:lnSpc>
                 <a:spcPct val="200000"/>
               </a:lnSpc>
+              <a:buFont typeface="Arial" panose="020B0604020202020204" pitchFamily="34" charset="0"/>
+              <a:buChar char="•"/>
             </a:pPr>
             <a:r>
-              <a:rPr lang="en-US" altLang="ko-KR" sz="1200" spc="-103" smtClean="0">
-                <a:ln>
-                  <a:solidFill>
-                    <a:schemeClr val="bg1">
-                      <a:lumMod val="85000"/>
-                      <a:alpha val="0"/>
-                    </a:schemeClr>
-                  </a:solidFill>
-                </a:ln>
-                <a:latin typeface="나눔스퀘어 Bold" panose="020B0600000101010101" pitchFamily="50" charset="-127"/>
-                <a:ea typeface="나눔스퀘어 Bold" panose="020B0600000101010101" pitchFamily="50" charset="-127"/>
-              </a:rPr>
-              <a:t>ML Code</a:t>
-            </a:r>
-            <a:r>
-              <a:rPr lang="ko-KR" altLang="en-US" sz="1200" spc="-103" smtClean="0">
-                <a:ln>
-                  <a:solidFill>
-                    <a:schemeClr val="bg1">
-                      <a:lumMod val="85000"/>
-                      <a:alpha val="0"/>
-                    </a:schemeClr>
-                  </a:solidFill>
-                </a:ln>
-                <a:latin typeface="나눔스퀘어 Bold" panose="020B0600000101010101" pitchFamily="50" charset="-127"/>
-                <a:ea typeface="나눔스퀘어 Bold" panose="020B0600000101010101" pitchFamily="50" charset="-127"/>
-              </a:rPr>
-              <a:t>를 작동시키기 위한 모듈들을 개발하는데 시간이 더 오래 걸리는 경우가 많다</a:t>
-            </a:r>
-            <a:r>
-              <a:rPr lang="en-US" altLang="ko-KR" sz="1200" spc="-103" smtClean="0">
+              <a:rPr lang="ko-KR" altLang="en-US" sz="1200" spc="-103">
+                <a:ln>
+                  <a:solidFill>
+                    <a:schemeClr val="bg1">
+                      <a:lumMod val="85000"/>
+                      <a:alpha val="0"/>
+                    </a:schemeClr>
+                  </a:solidFill>
+                </a:ln>
+                <a:latin typeface="나눔스퀘어 Bold" panose="020B0600000101010101" pitchFamily="50" charset="-127"/>
+                <a:ea typeface="나눔스퀘어 Bold" panose="020B0600000101010101" pitchFamily="50" charset="-127"/>
+              </a:rPr>
+              <a:t>하지만 인공지능 관련 서비스를 만들다 마주치는 문제들의 대부분은 수식과 관련이 없다</a:t>
+            </a:r>
+            <a:r>
+              <a:rPr lang="en-US" altLang="ko-KR" sz="1200" spc="-103">
                 <a:ln>
                   <a:solidFill>
                     <a:schemeClr val="bg1">
@@ -2441,10 +7872,103 @@
           </a:p>
         </p:txBody>
       </p:sp>
+      <p:sp>
+        <p:nvSpPr>
+          <p:cNvPr id="9" name="TextBox 8"/>
+          <p:cNvSpPr txBox="1"/>
+          <p:nvPr/>
+        </p:nvSpPr>
+        <p:spPr>
+          <a:xfrm>
+            <a:off x="1088238" y="437393"/>
+            <a:ext cx="5396382" cy="584775"/>
+          </a:xfrm>
+          <a:prstGeom prst="rect">
+            <a:avLst/>
+          </a:prstGeom>
+          <a:noFill/>
+        </p:spPr>
+        <p:txBody>
+          <a:bodyPr wrap="square" rtlCol="0">
+            <a:spAutoFit/>
+          </a:bodyPr>
+          <a:lstStyle/>
+          <a:p>
+            <a:r>
+              <a:rPr lang="en-US" altLang="ko-KR" sz="3200" spc="-150">
+                <a:solidFill>
+                  <a:srgbClr val="00002F"/>
+                </a:solidFill>
+                <a:latin typeface="나눔스퀘어 ExtraBold" panose="020B0600000101010101" pitchFamily="50" charset="-127"/>
+                <a:ea typeface="나눔스퀘어 ExtraBold" panose="020B0600000101010101" pitchFamily="50" charset="-127"/>
+              </a:rPr>
+              <a:t>MLflow </a:t>
+            </a:r>
+            <a:r>
+              <a:rPr lang="ko-KR" altLang="en-US" sz="3200" spc="-150" smtClean="0">
+                <a:solidFill>
+                  <a:srgbClr val="00002F"/>
+                </a:solidFill>
+                <a:latin typeface="나눔스퀘어 ExtraBold" panose="020B0600000101010101" pitchFamily="50" charset="-127"/>
+                <a:ea typeface="나눔스퀘어 ExtraBold" panose="020B0600000101010101" pitchFamily="50" charset="-127"/>
+              </a:rPr>
+              <a:t>소개</a:t>
+            </a:r>
+            <a:endParaRPr lang="en-US" altLang="ko-KR" sz="3200" spc="-150">
+              <a:solidFill>
+                <a:srgbClr val="00002F"/>
+              </a:solidFill>
+              <a:latin typeface="나눔스퀘어 ExtraBold" panose="020B0600000101010101" pitchFamily="50" charset="-127"/>
+              <a:ea typeface="나눔스퀘어 ExtraBold" panose="020B0600000101010101" pitchFamily="50" charset="-127"/>
+            </a:endParaRPr>
+          </a:p>
+        </p:txBody>
+      </p:sp>
+      <p:pic>
+        <p:nvPicPr>
+          <p:cNvPr id="3078" name="Picture 6" descr="웃긴짤모음(3) - 월요일, 출근짤, 사회생활짤"/>
+          <p:cNvPicPr>
+            <a:picLocks noChangeAspect="1" noChangeArrowheads="1"/>
+          </p:cNvPicPr>
+          <p:nvPr/>
+        </p:nvPicPr>
+        <p:blipFill>
+          <a:blip r:embed="rId2">
+            <a:extLst>
+              <a:ext uri="{28A0092B-C50C-407E-A947-70E740481C1C}">
+                <a14:useLocalDpi xmlns:a14="http://schemas.microsoft.com/office/drawing/2010/main" val="0"/>
+              </a:ext>
+            </a:extLst>
+          </a:blip>
+          <a:srcRect/>
+          <a:stretch>
+            <a:fillRect/>
+          </a:stretch>
+        </p:blipFill>
+        <p:spPr bwMode="auto">
+          <a:xfrm>
+            <a:off x="3734429" y="1872760"/>
+            <a:ext cx="4723141" cy="2928347"/>
+          </a:xfrm>
+          <a:prstGeom prst="rect">
+            <a:avLst/>
+          </a:prstGeom>
+          <a:noFill/>
+          <a:extLst>
+            <a:ext uri="{909E8E84-426E-40DD-AFC4-6F175D3DCCD1}">
+              <a14:hiddenFill xmlns:a14="http://schemas.microsoft.com/office/drawing/2010/main">
+                <a:solidFill>
+                  <a:srgbClr val="FFFFFF"/>
+                </a:solidFill>
+              </a14:hiddenFill>
+            </a:ext>
+          </a:extLst>
+        </p:spPr>
+      </p:pic>
     </p:spTree>
     <p:extLst>
       <p:ext uri="{BB962C8B-B14F-4D97-AF65-F5344CB8AC3E}">
-        <p14:creationId xmlns:p14="http://schemas.microsoft.com/office/powerpoint/2010/main" val="2277343195"/>
+        <p14:creationId xmlns:p14="http://schemas.microsoft.com/office/powerpoint/2010/main" val="1459897816"/>
       </p:ext>
     </p:extLst>
   </p:cSld>
@@ -2555,7 +8079,7 @@
                 <a:latin typeface="나눔스퀘어 ExtraBold" panose="020B0600000101010101" pitchFamily="50" charset="-127"/>
                 <a:ea typeface="나눔스퀘어 ExtraBold" panose="020B0600000101010101" pitchFamily="50" charset="-127"/>
               </a:rPr>
-              <a:t>What is MLflow</a:t>
+              <a:t>Why MLOps</a:t>
             </a:r>
             <a:endParaRPr lang="ko-KR" altLang="en-US" sz="1400" spc="-100" dirty="0">
               <a:ln>
@@ -2568,711 +8092,6 @@
               </a:ln>
               <a:latin typeface="나눔스퀘어 ExtraBold" panose="020B0600000101010101" pitchFamily="50" charset="-127"/>
               <a:ea typeface="나눔스퀘어 ExtraBold" panose="020B0600000101010101" pitchFamily="50" charset="-127"/>
-            </a:endParaRPr>
-          </a:p>
-        </p:txBody>
-      </p:sp>
-      <p:sp>
-        <p:nvSpPr>
-          <p:cNvPr id="6" name="TextBox 5">
-            <a:extLst>
-              <a:ext uri="{FF2B5EF4-FFF2-40B4-BE49-F238E27FC236}">
-                <a16:creationId xmlns:a16="http://schemas.microsoft.com/office/drawing/2014/main" id="{C40C17C7-6436-43BB-AB8B-1F1856BAF096}"/>
-              </a:ext>
-            </a:extLst>
-          </p:cNvPr>
-          <p:cNvSpPr txBox="1"/>
-          <p:nvPr/>
-        </p:nvSpPr>
-        <p:spPr>
-          <a:xfrm>
-            <a:off x="1755513" y="2680375"/>
-            <a:ext cx="8680974" cy="2677656"/>
-          </a:xfrm>
-          <a:prstGeom prst="rect">
-            <a:avLst/>
-          </a:prstGeom>
-          <a:noFill/>
-        </p:spPr>
-        <p:txBody>
-          <a:bodyPr wrap="square" rtlCol="0" anchor="ctr">
-            <a:spAutoFit/>
-          </a:bodyPr>
-          <a:lstStyle/>
-          <a:p>
-            <a:pPr>
-              <a:lnSpc>
-                <a:spcPct val="200000"/>
-              </a:lnSpc>
-            </a:pPr>
-            <a:r>
-              <a:rPr lang="en-US" altLang="ko-KR" sz="1200" spc="-103" smtClean="0">
-                <a:ln>
-                  <a:solidFill>
-                    <a:schemeClr val="bg1">
-                      <a:lumMod val="85000"/>
-                      <a:alpha val="0"/>
-                    </a:schemeClr>
-                  </a:solidFill>
-                </a:ln>
-                <a:latin typeface="나눔스퀘어 Bold" panose="020B0600000101010101" pitchFamily="50" charset="-127"/>
-                <a:ea typeface="나눔스퀘어 Bold" panose="020B0600000101010101" pitchFamily="50" charset="-127"/>
-              </a:rPr>
-              <a:t>MLflow</a:t>
-            </a:r>
-            <a:r>
-              <a:rPr lang="ko-KR" altLang="en-US" sz="1200" spc="-103" smtClean="0">
-                <a:ln>
-                  <a:solidFill>
-                    <a:schemeClr val="bg1">
-                      <a:lumMod val="85000"/>
-                      <a:alpha val="0"/>
-                    </a:schemeClr>
-                  </a:solidFill>
-                </a:ln>
-                <a:latin typeface="나눔스퀘어 Bold" panose="020B0600000101010101" pitchFamily="50" charset="-127"/>
-                <a:ea typeface="나눔스퀘어 Bold" panose="020B0600000101010101" pitchFamily="50" charset="-127"/>
-              </a:rPr>
-              <a:t>는 </a:t>
-            </a:r>
-            <a:r>
-              <a:rPr lang="en-US" altLang="ko-KR" sz="1200" spc="-103" smtClean="0">
-                <a:ln>
-                  <a:solidFill>
-                    <a:schemeClr val="bg1">
-                      <a:lumMod val="85000"/>
-                      <a:alpha val="0"/>
-                    </a:schemeClr>
-                  </a:solidFill>
-                </a:ln>
-                <a:latin typeface="나눔스퀘어 Bold" panose="020B0600000101010101" pitchFamily="50" charset="-127"/>
-                <a:ea typeface="나눔스퀘어 Bold" panose="020B0600000101010101" pitchFamily="50" charset="-127"/>
-              </a:rPr>
-              <a:t>End-to-End </a:t>
-            </a:r>
-            <a:r>
-              <a:rPr lang="en-US" altLang="ko-KR" sz="1200" spc="-103">
-                <a:ln>
-                  <a:solidFill>
-                    <a:schemeClr val="bg1">
-                      <a:lumMod val="85000"/>
-                      <a:alpha val="0"/>
-                    </a:schemeClr>
-                  </a:solidFill>
-                </a:ln>
-                <a:latin typeface="나눔스퀘어 Bold" panose="020B0600000101010101" pitchFamily="50" charset="-127"/>
-                <a:ea typeface="나눔스퀘어 Bold" panose="020B0600000101010101" pitchFamily="50" charset="-127"/>
-              </a:rPr>
-              <a:t>machine learning </a:t>
-            </a:r>
-            <a:r>
-              <a:rPr lang="en-US" altLang="ko-KR" sz="1200" spc="-103" smtClean="0">
-                <a:ln>
-                  <a:solidFill>
-                    <a:schemeClr val="bg1">
-                      <a:lumMod val="85000"/>
-                      <a:alpha val="0"/>
-                    </a:schemeClr>
-                  </a:solidFill>
-                </a:ln>
-                <a:latin typeface="나눔스퀘어 Bold" panose="020B0600000101010101" pitchFamily="50" charset="-127"/>
-                <a:ea typeface="나눔스퀘어 Bold" panose="020B0600000101010101" pitchFamily="50" charset="-127"/>
-              </a:rPr>
-              <a:t>lifecycle</a:t>
-            </a:r>
-            <a:r>
-              <a:rPr lang="ko-KR" altLang="en-US" sz="1200" spc="-103" smtClean="0">
-                <a:ln>
-                  <a:solidFill>
-                    <a:schemeClr val="bg1">
-                      <a:lumMod val="85000"/>
-                      <a:alpha val="0"/>
-                    </a:schemeClr>
-                  </a:solidFill>
-                </a:ln>
-                <a:latin typeface="나눔스퀘어 Bold" panose="020B0600000101010101" pitchFamily="50" charset="-127"/>
-                <a:ea typeface="나눔스퀘어 Bold" panose="020B0600000101010101" pitchFamily="50" charset="-127"/>
-              </a:rPr>
-              <a:t>을 관리하는 오픈소스 플랫폼이며 모든 </a:t>
-            </a:r>
-            <a:r>
-              <a:rPr lang="ko-KR" altLang="en-US" sz="1200" spc="-103">
-                <a:ln>
-                  <a:solidFill>
-                    <a:schemeClr val="bg1">
-                      <a:lumMod val="85000"/>
-                      <a:alpha val="0"/>
-                    </a:schemeClr>
-                  </a:solidFill>
-                </a:ln>
-                <a:latin typeface="나눔스퀘어 Bold" panose="020B0600000101010101" pitchFamily="50" charset="-127"/>
-                <a:ea typeface="나눔스퀘어 Bold" panose="020B0600000101010101" pitchFamily="50" charset="-127"/>
-              </a:rPr>
-              <a:t>기계 학습 라이브러리 및 프로그래밍 언어와 함께 사용할 수 있다</a:t>
-            </a:r>
-            <a:r>
-              <a:rPr lang="en-US" altLang="ko-KR" sz="1200" spc="-103">
-                <a:ln>
-                  <a:solidFill>
-                    <a:schemeClr val="bg1">
-                      <a:lumMod val="85000"/>
-                      <a:alpha val="0"/>
-                    </a:schemeClr>
-                  </a:solidFill>
-                </a:ln>
-                <a:latin typeface="나눔스퀘어 Bold" panose="020B0600000101010101" pitchFamily="50" charset="-127"/>
-                <a:ea typeface="나눔스퀘어 Bold" panose="020B0600000101010101" pitchFamily="50" charset="-127"/>
-              </a:rPr>
-              <a:t>.</a:t>
-            </a:r>
-            <a:endParaRPr lang="en-US" altLang="ko-KR" sz="1200" spc="-103" smtClean="0">
-              <a:ln>
-                <a:solidFill>
-                  <a:schemeClr val="bg1">
-                    <a:lumMod val="85000"/>
-                    <a:alpha val="0"/>
-                  </a:schemeClr>
-                </a:solidFill>
-              </a:ln>
-              <a:latin typeface="나눔스퀘어 Bold" panose="020B0600000101010101" pitchFamily="50" charset="-127"/>
-              <a:ea typeface="나눔스퀘어 Bold" panose="020B0600000101010101" pitchFamily="50" charset="-127"/>
-            </a:endParaRPr>
-          </a:p>
-          <a:p>
-            <a:pPr>
-              <a:lnSpc>
-                <a:spcPct val="200000"/>
-              </a:lnSpc>
-            </a:pPr>
-            <a:r>
-              <a:rPr lang="en-US" altLang="ko-KR" sz="1200" spc="-103" smtClean="0">
-                <a:ln>
-                  <a:solidFill>
-                    <a:schemeClr val="bg1">
-                      <a:lumMod val="85000"/>
-                      <a:alpha val="0"/>
-                    </a:schemeClr>
-                  </a:solidFill>
-                </a:ln>
-                <a:latin typeface="나눔스퀘어 Bold" panose="020B0600000101010101" pitchFamily="50" charset="-127"/>
-                <a:ea typeface="나눔스퀘어 Bold" panose="020B0600000101010101" pitchFamily="50" charset="-127"/>
-              </a:rPr>
-              <a:t>4</a:t>
-            </a:r>
-            <a:r>
-              <a:rPr lang="ko-KR" altLang="en-US" sz="1200" spc="-103" smtClean="0">
-                <a:ln>
-                  <a:solidFill>
-                    <a:schemeClr val="bg1">
-                      <a:lumMod val="85000"/>
-                      <a:alpha val="0"/>
-                    </a:schemeClr>
-                  </a:solidFill>
-                </a:ln>
-                <a:latin typeface="나눔스퀘어 Bold" panose="020B0600000101010101" pitchFamily="50" charset="-127"/>
-                <a:ea typeface="나눔스퀘어 Bold" panose="020B0600000101010101" pitchFamily="50" charset="-127"/>
-              </a:rPr>
-              <a:t>가지 </a:t>
-            </a:r>
-            <a:r>
-              <a:rPr lang="en-US" altLang="ko-KR" sz="1200" spc="-103">
-                <a:ln>
-                  <a:solidFill>
-                    <a:schemeClr val="bg1">
-                      <a:lumMod val="85000"/>
-                      <a:alpha val="0"/>
-                    </a:schemeClr>
-                  </a:solidFill>
-                </a:ln>
-                <a:latin typeface="나눔스퀘어 Bold" panose="020B0600000101010101" pitchFamily="50" charset="-127"/>
-                <a:ea typeface="나눔스퀘어 Bold" panose="020B0600000101010101" pitchFamily="50" charset="-127"/>
-              </a:rPr>
-              <a:t>Mlflow </a:t>
-            </a:r>
-            <a:r>
-              <a:rPr lang="ko-KR" altLang="en-US" sz="1200" spc="-103" smtClean="0">
-                <a:ln>
-                  <a:solidFill>
-                    <a:schemeClr val="bg1">
-                      <a:lumMod val="85000"/>
-                      <a:alpha val="0"/>
-                    </a:schemeClr>
-                  </a:solidFill>
-                </a:ln>
-                <a:latin typeface="나눔스퀘어 Bold" panose="020B0600000101010101" pitchFamily="50" charset="-127"/>
-                <a:ea typeface="나눔스퀘어 Bold" panose="020B0600000101010101" pitchFamily="50" charset="-127"/>
-              </a:rPr>
-              <a:t>주요 기능</a:t>
-            </a:r>
-            <a:r>
-              <a:rPr lang="en-US" altLang="ko-KR" sz="1200" spc="-103" smtClean="0">
-                <a:ln>
-                  <a:solidFill>
-                    <a:schemeClr val="bg1">
-                      <a:lumMod val="85000"/>
-                      <a:alpha val="0"/>
-                    </a:schemeClr>
-                  </a:solidFill>
-                </a:ln>
-                <a:latin typeface="나눔스퀘어 Bold" panose="020B0600000101010101" pitchFamily="50" charset="-127"/>
-                <a:ea typeface="나눔스퀘어 Bold" panose="020B0600000101010101" pitchFamily="50" charset="-127"/>
-              </a:rPr>
-              <a:t>:</a:t>
-            </a:r>
-            <a:endParaRPr lang="en-US" altLang="ko-KR" sz="1200" spc="-103">
-              <a:ln>
-                <a:solidFill>
-                  <a:schemeClr val="bg1">
-                    <a:lumMod val="85000"/>
-                    <a:alpha val="0"/>
-                  </a:schemeClr>
-                </a:solidFill>
-              </a:ln>
-              <a:latin typeface="나눔스퀘어 Bold" panose="020B0600000101010101" pitchFamily="50" charset="-127"/>
-              <a:ea typeface="나눔스퀘어 Bold" panose="020B0600000101010101" pitchFamily="50" charset="-127"/>
-            </a:endParaRPr>
-          </a:p>
-          <a:p>
-            <a:pPr>
-              <a:lnSpc>
-                <a:spcPct val="200000"/>
-              </a:lnSpc>
-            </a:pPr>
-            <a:r>
-              <a:rPr lang="en-US" altLang="ko-KR" sz="1200" spc="-103" smtClean="0">
-                <a:ln>
-                  <a:solidFill>
-                    <a:schemeClr val="bg1">
-                      <a:lumMod val="85000"/>
-                      <a:alpha val="0"/>
-                    </a:schemeClr>
-                  </a:solidFill>
-                </a:ln>
-                <a:latin typeface="나눔스퀘어 Bold" panose="020B0600000101010101" pitchFamily="50" charset="-127"/>
-                <a:ea typeface="나눔스퀘어 Bold" panose="020B0600000101010101" pitchFamily="50" charset="-127"/>
-              </a:rPr>
-              <a:t>1. </a:t>
-            </a:r>
-            <a:r>
-              <a:rPr lang="en-US" altLang="ko-KR" sz="1200" spc="-103">
-                <a:ln>
-                  <a:solidFill>
-                    <a:schemeClr val="bg1">
-                      <a:lumMod val="85000"/>
-                      <a:alpha val="0"/>
-                    </a:schemeClr>
-                  </a:solidFill>
-                </a:ln>
-                <a:latin typeface="나눔스퀘어 Bold" panose="020B0600000101010101" pitchFamily="50" charset="-127"/>
-                <a:ea typeface="나눔스퀘어 Bold" panose="020B0600000101010101" pitchFamily="50" charset="-127"/>
-              </a:rPr>
-              <a:t>MLflow </a:t>
-            </a:r>
-            <a:r>
-              <a:rPr lang="en-US" altLang="ko-KR" sz="1200" spc="-103" smtClean="0">
-                <a:ln>
-                  <a:solidFill>
-                    <a:schemeClr val="bg1">
-                      <a:lumMod val="85000"/>
-                      <a:alpha val="0"/>
-                    </a:schemeClr>
-                  </a:solidFill>
-                </a:ln>
-                <a:latin typeface="나눔스퀘어 Bold" panose="020B0600000101010101" pitchFamily="50" charset="-127"/>
-                <a:ea typeface="나눔스퀘어 Bold" panose="020B0600000101010101" pitchFamily="50" charset="-127"/>
-              </a:rPr>
-              <a:t>Tracking : </a:t>
-            </a:r>
-            <a:r>
-              <a:rPr lang="ko-KR" altLang="en-US" sz="1200" spc="-103" smtClean="0">
-                <a:ln>
-                  <a:solidFill>
-                    <a:schemeClr val="bg1">
-                      <a:lumMod val="85000"/>
-                      <a:alpha val="0"/>
-                    </a:schemeClr>
-                  </a:solidFill>
-                </a:ln>
-                <a:latin typeface="나눔스퀘어 Bold" panose="020B0600000101010101" pitchFamily="50" charset="-127"/>
-                <a:ea typeface="나눔스퀘어 Bold" panose="020B0600000101010101" pitchFamily="50" charset="-127"/>
-              </a:rPr>
-              <a:t>실험의 파라미터와 결과를 기록한다</a:t>
-            </a:r>
-            <a:r>
-              <a:rPr lang="en-US" altLang="ko-KR" sz="1200" spc="-103" smtClean="0">
-                <a:ln>
-                  <a:solidFill>
-                    <a:schemeClr val="bg1">
-                      <a:lumMod val="85000"/>
-                      <a:alpha val="0"/>
-                    </a:schemeClr>
-                  </a:solidFill>
-                </a:ln>
-                <a:latin typeface="나눔스퀘어 Bold" panose="020B0600000101010101" pitchFamily="50" charset="-127"/>
-                <a:ea typeface="나눔스퀘어 Bold" panose="020B0600000101010101" pitchFamily="50" charset="-127"/>
-              </a:rPr>
-              <a:t>.</a:t>
-            </a:r>
-            <a:endParaRPr lang="en-US" altLang="ko-KR" sz="1200" spc="-103">
-              <a:ln>
-                <a:solidFill>
-                  <a:schemeClr val="bg1">
-                    <a:lumMod val="85000"/>
-                    <a:alpha val="0"/>
-                  </a:schemeClr>
-                </a:solidFill>
-              </a:ln>
-              <a:latin typeface="나눔스퀘어 Bold" panose="020B0600000101010101" pitchFamily="50" charset="-127"/>
-              <a:ea typeface="나눔스퀘어 Bold" panose="020B0600000101010101" pitchFamily="50" charset="-127"/>
-            </a:endParaRPr>
-          </a:p>
-          <a:p>
-            <a:pPr>
-              <a:lnSpc>
-                <a:spcPct val="200000"/>
-              </a:lnSpc>
-            </a:pPr>
-            <a:r>
-              <a:rPr lang="en-US" altLang="ko-KR" sz="1200" spc="-103" smtClean="0">
-                <a:ln>
-                  <a:solidFill>
-                    <a:schemeClr val="bg1">
-                      <a:lumMod val="85000"/>
-                      <a:alpha val="0"/>
-                    </a:schemeClr>
-                  </a:solidFill>
-                </a:ln>
-                <a:latin typeface="나눔스퀘어 Bold" panose="020B0600000101010101" pitchFamily="50" charset="-127"/>
-                <a:ea typeface="나눔스퀘어 Bold" panose="020B0600000101010101" pitchFamily="50" charset="-127"/>
-              </a:rPr>
-              <a:t>2. </a:t>
-            </a:r>
-            <a:r>
-              <a:rPr lang="en-US" altLang="ko-KR" sz="1200" spc="-103">
-                <a:ln>
-                  <a:solidFill>
-                    <a:schemeClr val="bg1">
-                      <a:lumMod val="85000"/>
-                      <a:alpha val="0"/>
-                    </a:schemeClr>
-                  </a:solidFill>
-                </a:ln>
-                <a:latin typeface="나눔스퀘어 Bold" panose="020B0600000101010101" pitchFamily="50" charset="-127"/>
-                <a:ea typeface="나눔스퀘어 Bold" panose="020B0600000101010101" pitchFamily="50" charset="-127"/>
-              </a:rPr>
-              <a:t>MLflow Projects </a:t>
-            </a:r>
-            <a:r>
-              <a:rPr lang="en-US" altLang="ko-KR" sz="1200" spc="-103" smtClean="0">
-                <a:ln>
-                  <a:solidFill>
-                    <a:schemeClr val="bg1">
-                      <a:lumMod val="85000"/>
-                      <a:alpha val="0"/>
-                    </a:schemeClr>
-                  </a:solidFill>
-                </a:ln>
-                <a:latin typeface="나눔스퀘어 Bold" panose="020B0600000101010101" pitchFamily="50" charset="-127"/>
-                <a:ea typeface="나눔스퀘어 Bold" panose="020B0600000101010101" pitchFamily="50" charset="-127"/>
-              </a:rPr>
-              <a:t> : ML code</a:t>
-            </a:r>
-            <a:r>
-              <a:rPr lang="ko-KR" altLang="en-US" sz="1200" spc="-103" smtClean="0">
-                <a:ln>
-                  <a:solidFill>
-                    <a:schemeClr val="bg1">
-                      <a:lumMod val="85000"/>
-                      <a:alpha val="0"/>
-                    </a:schemeClr>
-                  </a:solidFill>
-                </a:ln>
-                <a:latin typeface="나눔스퀘어 Bold" panose="020B0600000101010101" pitchFamily="50" charset="-127"/>
-                <a:ea typeface="나눔스퀘어 Bold" panose="020B0600000101010101" pitchFamily="50" charset="-127"/>
-              </a:rPr>
-              <a:t>를 재사용할 수 있게 패키징할 수 있다</a:t>
-            </a:r>
-            <a:r>
-              <a:rPr lang="en-US" altLang="ko-KR" sz="1200" spc="-103" smtClean="0">
-                <a:ln>
-                  <a:solidFill>
-                    <a:schemeClr val="bg1">
-                      <a:lumMod val="85000"/>
-                      <a:alpha val="0"/>
-                    </a:schemeClr>
-                  </a:solidFill>
-                </a:ln>
-                <a:latin typeface="나눔스퀘어 Bold" panose="020B0600000101010101" pitchFamily="50" charset="-127"/>
-                <a:ea typeface="나눔스퀘어 Bold" panose="020B0600000101010101" pitchFamily="50" charset="-127"/>
-              </a:rPr>
-              <a:t>. (Like docker image </a:t>
-            </a:r>
-            <a:r>
-              <a:rPr lang="ko-KR" altLang="en-US" sz="1200" spc="-103" smtClean="0">
-                <a:ln>
-                  <a:solidFill>
-                    <a:schemeClr val="bg1">
-                      <a:lumMod val="85000"/>
-                      <a:alpha val="0"/>
-                    </a:schemeClr>
-                  </a:solidFill>
-                </a:ln>
-                <a:latin typeface="나눔스퀘어 Bold" panose="020B0600000101010101" pitchFamily="50" charset="-127"/>
-                <a:ea typeface="나눔스퀘어 Bold" panose="020B0600000101010101" pitchFamily="50" charset="-127"/>
-              </a:rPr>
-              <a:t>파일처럼 간단하게 재사용가능</a:t>
-            </a:r>
-            <a:r>
-              <a:rPr lang="en-US" altLang="ko-KR" sz="1200" spc="-103" smtClean="0">
-                <a:ln>
-                  <a:solidFill>
-                    <a:schemeClr val="bg1">
-                      <a:lumMod val="85000"/>
-                      <a:alpha val="0"/>
-                    </a:schemeClr>
-                  </a:solidFill>
-                </a:ln>
-                <a:latin typeface="나눔스퀘어 Bold" panose="020B0600000101010101" pitchFamily="50" charset="-127"/>
-                <a:ea typeface="나눔스퀘어 Bold" panose="020B0600000101010101" pitchFamily="50" charset="-127"/>
-              </a:rPr>
-              <a:t>)</a:t>
-            </a:r>
-            <a:endParaRPr lang="en-US" altLang="ko-KR" sz="1200" spc="-103">
-              <a:ln>
-                <a:solidFill>
-                  <a:schemeClr val="bg1">
-                    <a:lumMod val="85000"/>
-                    <a:alpha val="0"/>
-                  </a:schemeClr>
-                </a:solidFill>
-              </a:ln>
-              <a:latin typeface="나눔스퀘어 Bold" panose="020B0600000101010101" pitchFamily="50" charset="-127"/>
-              <a:ea typeface="나눔스퀘어 Bold" panose="020B0600000101010101" pitchFamily="50" charset="-127"/>
-            </a:endParaRPr>
-          </a:p>
-          <a:p>
-            <a:pPr>
-              <a:lnSpc>
-                <a:spcPct val="200000"/>
-              </a:lnSpc>
-            </a:pPr>
-            <a:r>
-              <a:rPr lang="en-US" altLang="ko-KR" sz="1200" spc="-103" smtClean="0">
-                <a:ln>
-                  <a:solidFill>
-                    <a:schemeClr val="bg1">
-                      <a:lumMod val="85000"/>
-                      <a:alpha val="0"/>
-                    </a:schemeClr>
-                  </a:solidFill>
-                </a:ln>
-                <a:latin typeface="나눔스퀘어 Bold" panose="020B0600000101010101" pitchFamily="50" charset="-127"/>
-                <a:ea typeface="나눔스퀘어 Bold" panose="020B0600000101010101" pitchFamily="50" charset="-127"/>
-              </a:rPr>
-              <a:t>3. Mlflow </a:t>
-            </a:r>
-            <a:r>
-              <a:rPr lang="en-US" altLang="ko-KR" sz="1200" spc="-103">
-                <a:ln>
-                  <a:solidFill>
-                    <a:schemeClr val="bg1">
-                      <a:lumMod val="85000"/>
-                      <a:alpha val="0"/>
-                    </a:schemeClr>
-                  </a:solidFill>
-                </a:ln>
-                <a:latin typeface="나눔스퀘어 Bold" panose="020B0600000101010101" pitchFamily="50" charset="-127"/>
-                <a:ea typeface="나눔스퀘어 Bold" panose="020B0600000101010101" pitchFamily="50" charset="-127"/>
-              </a:rPr>
-              <a:t>Models </a:t>
-            </a:r>
-            <a:r>
-              <a:rPr lang="en-US" altLang="ko-KR" sz="1200" spc="-103" smtClean="0">
-                <a:ln>
-                  <a:solidFill>
-                    <a:schemeClr val="bg1">
-                      <a:lumMod val="85000"/>
-                      <a:alpha val="0"/>
-                    </a:schemeClr>
-                  </a:solidFill>
-                </a:ln>
-                <a:latin typeface="나눔스퀘어 Bold" panose="020B0600000101010101" pitchFamily="50" charset="-127"/>
-                <a:ea typeface="나눔스퀘어 Bold" panose="020B0600000101010101" pitchFamily="50" charset="-127"/>
-              </a:rPr>
-              <a:t> : ML </a:t>
-            </a:r>
-            <a:r>
-              <a:rPr lang="ko-KR" altLang="en-US" sz="1200" spc="-103" smtClean="0">
-                <a:ln>
-                  <a:solidFill>
-                    <a:schemeClr val="bg1">
-                      <a:lumMod val="85000"/>
-                      <a:alpha val="0"/>
-                    </a:schemeClr>
-                  </a:solidFill>
-                </a:ln>
-                <a:latin typeface="나눔스퀘어 Bold" panose="020B0600000101010101" pitchFamily="50" charset="-127"/>
-                <a:ea typeface="나눔스퀘어 Bold" panose="020B0600000101010101" pitchFamily="50" charset="-127"/>
-              </a:rPr>
-              <a:t>모델 </a:t>
-            </a:r>
-            <a:r>
-              <a:rPr lang="en-US" altLang="ko-KR" sz="1200" spc="-103" smtClean="0">
-                <a:ln>
-                  <a:solidFill>
-                    <a:schemeClr val="bg1">
-                      <a:lumMod val="85000"/>
-                      <a:alpha val="0"/>
-                    </a:schemeClr>
-                  </a:solidFill>
-                </a:ln>
-                <a:latin typeface="나눔스퀘어 Bold" panose="020B0600000101010101" pitchFamily="50" charset="-127"/>
-                <a:ea typeface="나눔스퀘어 Bold" panose="020B0600000101010101" pitchFamily="50" charset="-127"/>
-              </a:rPr>
-              <a:t>Inferece API</a:t>
-            </a:r>
-            <a:r>
-              <a:rPr lang="ko-KR" altLang="en-US" sz="1200" spc="-103" smtClean="0">
-                <a:ln>
-                  <a:solidFill>
-                    <a:schemeClr val="bg1">
-                      <a:lumMod val="85000"/>
-                      <a:alpha val="0"/>
-                    </a:schemeClr>
-                  </a:solidFill>
-                </a:ln>
-                <a:latin typeface="나눔스퀘어 Bold" panose="020B0600000101010101" pitchFamily="50" charset="-127"/>
-                <a:ea typeface="나눔스퀘어 Bold" panose="020B0600000101010101" pitchFamily="50" charset="-127"/>
-              </a:rPr>
-              <a:t>를 제공한다</a:t>
-            </a:r>
-            <a:r>
-              <a:rPr lang="en-US" altLang="ko-KR" sz="1200" spc="-103" smtClean="0">
-                <a:ln>
-                  <a:solidFill>
-                    <a:schemeClr val="bg1">
-                      <a:lumMod val="85000"/>
-                      <a:alpha val="0"/>
-                    </a:schemeClr>
-                  </a:solidFill>
-                </a:ln>
-                <a:latin typeface="나눔스퀘어 Bold" panose="020B0600000101010101" pitchFamily="50" charset="-127"/>
-                <a:ea typeface="나눔스퀘어 Bold" panose="020B0600000101010101" pitchFamily="50" charset="-127"/>
-              </a:rPr>
-              <a:t>.</a:t>
-            </a:r>
-            <a:endParaRPr lang="en-US" altLang="ko-KR" sz="1200" spc="-103">
-              <a:ln>
-                <a:solidFill>
-                  <a:schemeClr val="bg1">
-                    <a:lumMod val="85000"/>
-                    <a:alpha val="0"/>
-                  </a:schemeClr>
-                </a:solidFill>
-              </a:ln>
-              <a:latin typeface="나눔스퀘어 Bold" panose="020B0600000101010101" pitchFamily="50" charset="-127"/>
-              <a:ea typeface="나눔스퀘어 Bold" panose="020B0600000101010101" pitchFamily="50" charset="-127"/>
-            </a:endParaRPr>
-          </a:p>
-          <a:p>
-            <a:pPr>
-              <a:lnSpc>
-                <a:spcPct val="200000"/>
-              </a:lnSpc>
-            </a:pPr>
-            <a:r>
-              <a:rPr lang="en-US" altLang="ko-KR" sz="1200" spc="-103" smtClean="0">
-                <a:ln>
-                  <a:solidFill>
-                    <a:schemeClr val="bg1">
-                      <a:lumMod val="85000"/>
-                      <a:alpha val="0"/>
-                    </a:schemeClr>
-                  </a:solidFill>
-                </a:ln>
-                <a:latin typeface="나눔스퀘어 Bold" panose="020B0600000101010101" pitchFamily="50" charset="-127"/>
-                <a:ea typeface="나눔스퀘어 Bold" panose="020B0600000101010101" pitchFamily="50" charset="-127"/>
-              </a:rPr>
-              <a:t>4. </a:t>
-            </a:r>
-            <a:r>
-              <a:rPr lang="en-US" altLang="ko-KR" sz="1200" spc="-103">
-                <a:ln>
-                  <a:solidFill>
-                    <a:schemeClr val="bg1">
-                      <a:lumMod val="85000"/>
-                      <a:alpha val="0"/>
-                    </a:schemeClr>
-                  </a:solidFill>
-                </a:ln>
-                <a:latin typeface="나눔스퀘어 Bold" panose="020B0600000101010101" pitchFamily="50" charset="-127"/>
-                <a:ea typeface="나눔스퀘어 Bold" panose="020B0600000101010101" pitchFamily="50" charset="-127"/>
-              </a:rPr>
-              <a:t>MLflow Model Registry </a:t>
-            </a:r>
-            <a:r>
-              <a:rPr lang="en-US" altLang="ko-KR" sz="1200" spc="-103" smtClean="0">
-                <a:ln>
-                  <a:solidFill>
-                    <a:schemeClr val="bg1">
-                      <a:lumMod val="85000"/>
-                      <a:alpha val="0"/>
-                    </a:schemeClr>
-                  </a:solidFill>
-                </a:ln>
-                <a:latin typeface="나눔스퀘어 Bold" panose="020B0600000101010101" pitchFamily="50" charset="-127"/>
-                <a:ea typeface="나눔스퀘어 Bold" panose="020B0600000101010101" pitchFamily="50" charset="-127"/>
-              </a:rPr>
-              <a:t>: ML </a:t>
-            </a:r>
-            <a:r>
-              <a:rPr lang="ko-KR" altLang="en-US" sz="1200" spc="-103" smtClean="0">
-                <a:ln>
-                  <a:solidFill>
-                    <a:schemeClr val="bg1">
-                      <a:lumMod val="85000"/>
-                      <a:alpha val="0"/>
-                    </a:schemeClr>
-                  </a:solidFill>
-                </a:ln>
-                <a:latin typeface="나눔스퀘어 Bold" panose="020B0600000101010101" pitchFamily="50" charset="-127"/>
-                <a:ea typeface="나눔스퀘어 Bold" panose="020B0600000101010101" pitchFamily="50" charset="-127"/>
-              </a:rPr>
-              <a:t>실험 과정에 자연스럽게 사용할 수 있다</a:t>
-            </a:r>
-            <a:r>
-              <a:rPr lang="en-US" altLang="ko-KR" sz="1200" spc="-103" smtClean="0">
-                <a:ln>
-                  <a:solidFill>
-                    <a:schemeClr val="bg1">
-                      <a:lumMod val="85000"/>
-                      <a:alpha val="0"/>
-                    </a:schemeClr>
-                  </a:solidFill>
-                </a:ln>
-                <a:latin typeface="나눔스퀘어 Bold" panose="020B0600000101010101" pitchFamily="50" charset="-127"/>
-                <a:ea typeface="나눔스퀘어 Bold" panose="020B0600000101010101" pitchFamily="50" charset="-127"/>
-              </a:rPr>
-              <a:t>.</a:t>
-            </a:r>
-          </a:p>
-          <a:p>
-            <a:pPr>
-              <a:lnSpc>
-                <a:spcPct val="200000"/>
-              </a:lnSpc>
-            </a:pPr>
-            <a:endParaRPr lang="en-US" altLang="ko-KR" sz="1200" spc="-103">
-              <a:ln>
-                <a:solidFill>
-                  <a:schemeClr val="bg1">
-                    <a:lumMod val="85000"/>
-                    <a:alpha val="0"/>
-                  </a:schemeClr>
-                </a:solidFill>
-              </a:ln>
-              <a:latin typeface="나눔스퀘어 Bold" panose="020B0600000101010101" pitchFamily="50" charset="-127"/>
-              <a:ea typeface="나눔스퀘어 Bold" panose="020B0600000101010101" pitchFamily="50" charset="-127"/>
             </a:endParaRPr>
           </a:p>
         </p:txBody>
@@ -3300,7 +8119,7 @@
           <a:lstStyle/>
           <a:p>
             <a:r>
-              <a:rPr lang="en-US" altLang="ko-KR" sz="3200" spc="-150" smtClean="0">
+              <a:rPr lang="en-US" altLang="ko-KR" sz="3200" spc="-150">
                 <a:solidFill>
                   <a:srgbClr val="00002F"/>
                 </a:solidFill>
@@ -3329,10 +8148,357 @@
           </a:p>
         </p:txBody>
       </p:sp>
+      <p:pic>
+        <p:nvPicPr>
+          <p:cNvPr id="2" name="그림 1"/>
+          <p:cNvPicPr>
+            <a:picLocks noChangeAspect="1"/>
+          </p:cNvPicPr>
+          <p:nvPr/>
+        </p:nvPicPr>
+        <p:blipFill>
+          <a:blip r:embed="rId2"/>
+          <a:stretch>
+            <a:fillRect/>
+          </a:stretch>
+        </p:blipFill>
+        <p:spPr>
+          <a:xfrm>
+            <a:off x="2413772" y="1713667"/>
+            <a:ext cx="7364456" cy="2732395"/>
+          </a:xfrm>
+          <a:prstGeom prst="rect">
+            <a:avLst/>
+          </a:prstGeom>
+        </p:spPr>
+      </p:pic>
+      <p:sp>
+        <p:nvSpPr>
+          <p:cNvPr id="8" name="TextBox 7">
+            <a:extLst>
+              <a:ext uri="{FF2B5EF4-FFF2-40B4-BE49-F238E27FC236}">
+                <a16:creationId xmlns:a16="http://schemas.microsoft.com/office/drawing/2014/main" id="{C40C17C7-6436-43BB-AB8B-1F1856BAF096}"/>
+              </a:ext>
+            </a:extLst>
+          </p:cNvPr>
+          <p:cNvSpPr txBox="1"/>
+          <p:nvPr/>
+        </p:nvSpPr>
+        <p:spPr>
+          <a:xfrm>
+            <a:off x="4127914" y="4570939"/>
+            <a:ext cx="3936172" cy="1938992"/>
+          </a:xfrm>
+          <a:prstGeom prst="rect">
+            <a:avLst/>
+          </a:prstGeom>
+          <a:noFill/>
+        </p:spPr>
+        <p:txBody>
+          <a:bodyPr wrap="square" rtlCol="0" anchor="ctr">
+            <a:spAutoFit/>
+          </a:bodyPr>
+          <a:lstStyle/>
+          <a:p>
+            <a:pPr marL="171450" indent="-171450">
+              <a:lnSpc>
+                <a:spcPct val="200000"/>
+              </a:lnSpc>
+              <a:buFont typeface="Arial" panose="020B0604020202020204" pitchFamily="34" charset="0"/>
+              <a:buChar char="•"/>
+            </a:pPr>
+            <a:r>
+              <a:rPr lang="ko-KR" altLang="en-US" sz="1200" spc="-103" smtClean="0">
+                <a:ln>
+                  <a:solidFill>
+                    <a:schemeClr val="bg1">
+                      <a:lumMod val="85000"/>
+                      <a:alpha val="0"/>
+                    </a:schemeClr>
+                  </a:solidFill>
+                </a:ln>
+                <a:latin typeface="나눔스퀘어 Bold" panose="020B0600000101010101" pitchFamily="50" charset="-127"/>
+                <a:ea typeface="나눔스퀘어 Bold" panose="020B0600000101010101" pitchFamily="50" charset="-127"/>
+              </a:rPr>
+              <a:t>전체 머신러닝 </a:t>
+            </a:r>
+            <a:r>
+              <a:rPr lang="ko-KR" altLang="en-US" sz="1200" spc="-103" smtClean="0">
+                <a:ln>
+                  <a:solidFill>
+                    <a:schemeClr val="bg1">
+                      <a:lumMod val="85000"/>
+                      <a:alpha val="0"/>
+                    </a:schemeClr>
+                  </a:solidFill>
+                </a:ln>
+                <a:latin typeface="나눔스퀘어 Bold" panose="020B0600000101010101" pitchFamily="50" charset="-127"/>
+                <a:ea typeface="나눔스퀘어 Bold" panose="020B0600000101010101" pitchFamily="50" charset="-127"/>
+              </a:rPr>
+              <a:t>프로젝트에서 </a:t>
+            </a:r>
+            <a:r>
+              <a:rPr lang="ko-KR" altLang="en-US" sz="1200" spc="-103" smtClean="0">
+                <a:ln>
+                  <a:solidFill>
+                    <a:schemeClr val="bg1">
+                      <a:lumMod val="85000"/>
+                      <a:alpha val="0"/>
+                    </a:schemeClr>
+                  </a:solidFill>
+                </a:ln>
+                <a:latin typeface="나눔스퀘어 Bold" panose="020B0600000101010101" pitchFamily="50" charset="-127"/>
+                <a:ea typeface="나눔스퀘어 Bold" panose="020B0600000101010101" pitchFamily="50" charset="-127"/>
+              </a:rPr>
+              <a:t>수식은 일부분일 뿐이다</a:t>
+            </a:r>
+            <a:r>
+              <a:rPr lang="en-US" altLang="ko-KR" sz="1200" spc="-103" smtClean="0">
+                <a:ln>
+                  <a:solidFill>
+                    <a:schemeClr val="bg1">
+                      <a:lumMod val="85000"/>
+                      <a:alpha val="0"/>
+                    </a:schemeClr>
+                  </a:solidFill>
+                </a:ln>
+                <a:latin typeface="나눔스퀘어 Bold" panose="020B0600000101010101" pitchFamily="50" charset="-127"/>
+                <a:ea typeface="나눔스퀘어 Bold" panose="020B0600000101010101" pitchFamily="50" charset="-127"/>
+              </a:rPr>
+              <a:t>.</a:t>
+            </a:r>
+            <a:endParaRPr lang="en-US" altLang="ko-KR" sz="1200" spc="-103" smtClean="0">
+              <a:ln>
+                <a:solidFill>
+                  <a:schemeClr val="bg1">
+                    <a:lumMod val="85000"/>
+                    <a:alpha val="0"/>
+                  </a:schemeClr>
+                </a:solidFill>
+              </a:ln>
+              <a:latin typeface="나눔스퀘어 Bold" panose="020B0600000101010101" pitchFamily="50" charset="-127"/>
+              <a:ea typeface="나눔스퀘어 Bold" panose="020B0600000101010101" pitchFamily="50" charset="-127"/>
+            </a:endParaRPr>
+          </a:p>
+          <a:p>
+            <a:pPr marL="628650" lvl="1" indent="-171450">
+              <a:lnSpc>
+                <a:spcPct val="200000"/>
+              </a:lnSpc>
+              <a:buFont typeface="Arial" panose="020B0604020202020204" pitchFamily="34" charset="0"/>
+              <a:buChar char="•"/>
+            </a:pPr>
+            <a:r>
+              <a:rPr lang="ko-KR" altLang="en-US" sz="1200" spc="-103" smtClean="0">
+                <a:ln>
+                  <a:solidFill>
+                    <a:schemeClr val="bg1">
+                      <a:lumMod val="85000"/>
+                      <a:alpha val="0"/>
+                    </a:schemeClr>
+                  </a:solidFill>
+                </a:ln>
+                <a:latin typeface="나눔스퀘어 Bold" panose="020B0600000101010101" pitchFamily="50" charset="-127"/>
+                <a:ea typeface="나눔스퀘어 Bold" panose="020B0600000101010101" pitchFamily="50" charset="-127"/>
+              </a:rPr>
+              <a:t>데이터 버전 관리 어떻게 하지</a:t>
+            </a:r>
+            <a:r>
+              <a:rPr lang="en-US" altLang="ko-KR" sz="1200" spc="-103" smtClean="0">
+                <a:ln>
+                  <a:solidFill>
+                    <a:schemeClr val="bg1">
+                      <a:lumMod val="85000"/>
+                      <a:alpha val="0"/>
+                    </a:schemeClr>
+                  </a:solidFill>
+                </a:ln>
+                <a:latin typeface="나눔스퀘어 Bold" panose="020B0600000101010101" pitchFamily="50" charset="-127"/>
+                <a:ea typeface="나눔스퀘어 Bold" panose="020B0600000101010101" pitchFamily="50" charset="-127"/>
+              </a:rPr>
+              <a:t>?</a:t>
+            </a:r>
+          </a:p>
+          <a:p>
+            <a:pPr marL="628650" lvl="1" indent="-171450">
+              <a:lnSpc>
+                <a:spcPct val="200000"/>
+              </a:lnSpc>
+              <a:buFont typeface="Arial" panose="020B0604020202020204" pitchFamily="34" charset="0"/>
+              <a:buChar char="•"/>
+            </a:pPr>
+            <a:r>
+              <a:rPr lang="ko-KR" altLang="en-US" sz="1200" spc="-103" smtClean="0">
+                <a:ln>
+                  <a:solidFill>
+                    <a:schemeClr val="bg1">
+                      <a:lumMod val="85000"/>
+                      <a:alpha val="0"/>
+                    </a:schemeClr>
+                  </a:solidFill>
+                </a:ln>
+                <a:latin typeface="나눔스퀘어 Bold" panose="020B0600000101010101" pitchFamily="50" charset="-127"/>
+                <a:ea typeface="나눔스퀘어 Bold" panose="020B0600000101010101" pitchFamily="50" charset="-127"/>
+              </a:rPr>
+              <a:t>실험이 너무 많은데 어떻게 기록하지</a:t>
+            </a:r>
+            <a:r>
+              <a:rPr lang="en-US" altLang="ko-KR" sz="1200" spc="-103" smtClean="0">
+                <a:ln>
+                  <a:solidFill>
+                    <a:schemeClr val="bg1">
+                      <a:lumMod val="85000"/>
+                      <a:alpha val="0"/>
+                    </a:schemeClr>
+                  </a:solidFill>
+                </a:ln>
+                <a:latin typeface="나눔스퀘어 Bold" panose="020B0600000101010101" pitchFamily="50" charset="-127"/>
+                <a:ea typeface="나눔스퀘어 Bold" panose="020B0600000101010101" pitchFamily="50" charset="-127"/>
+              </a:rPr>
+              <a:t>?</a:t>
+            </a:r>
+          </a:p>
+          <a:p>
+            <a:pPr marL="628650" lvl="1" indent="-171450">
+              <a:lnSpc>
+                <a:spcPct val="200000"/>
+              </a:lnSpc>
+              <a:buFont typeface="Arial" panose="020B0604020202020204" pitchFamily="34" charset="0"/>
+              <a:buChar char="•"/>
+            </a:pPr>
+            <a:r>
+              <a:rPr lang="ko-KR" altLang="en-US" sz="1200" spc="-103" smtClean="0">
+                <a:ln>
+                  <a:solidFill>
+                    <a:schemeClr val="bg1">
+                      <a:lumMod val="85000"/>
+                      <a:alpha val="0"/>
+                    </a:schemeClr>
+                  </a:solidFill>
+                </a:ln>
+                <a:latin typeface="나눔스퀘어 Bold" panose="020B0600000101010101" pitchFamily="50" charset="-127"/>
+                <a:ea typeface="나눔스퀘어 Bold" panose="020B0600000101010101" pitchFamily="50" charset="-127"/>
+              </a:rPr>
+              <a:t>학습이 끝난 모델 파일들을 어떻게  관리하지</a:t>
+            </a:r>
+            <a:r>
+              <a:rPr lang="en-US" altLang="ko-KR" sz="1200" spc="-103" smtClean="0">
+                <a:ln>
+                  <a:solidFill>
+                    <a:schemeClr val="bg1">
+                      <a:lumMod val="85000"/>
+                      <a:alpha val="0"/>
+                    </a:schemeClr>
+                  </a:solidFill>
+                </a:ln>
+                <a:latin typeface="나눔스퀘어 Bold" panose="020B0600000101010101" pitchFamily="50" charset="-127"/>
+                <a:ea typeface="나눔스퀘어 Bold" panose="020B0600000101010101" pitchFamily="50" charset="-127"/>
+              </a:rPr>
+              <a:t>?</a:t>
+            </a:r>
+          </a:p>
+          <a:p>
+            <a:pPr marL="628650" lvl="1" indent="-171450">
+              <a:lnSpc>
+                <a:spcPct val="200000"/>
+              </a:lnSpc>
+              <a:buFont typeface="Arial" panose="020B0604020202020204" pitchFamily="34" charset="0"/>
+              <a:buChar char="•"/>
+            </a:pPr>
+            <a:r>
+              <a:rPr lang="ko-KR" altLang="en-US" sz="1200" spc="-103" smtClean="0">
+                <a:ln>
+                  <a:solidFill>
+                    <a:schemeClr val="bg1">
+                      <a:lumMod val="85000"/>
+                      <a:alpha val="0"/>
+                    </a:schemeClr>
+                  </a:solidFill>
+                </a:ln>
+                <a:latin typeface="나눔스퀘어 Bold" panose="020B0600000101010101" pitchFamily="50" charset="-127"/>
+                <a:ea typeface="나눔스퀘어 Bold" panose="020B0600000101010101" pitchFamily="50" charset="-127"/>
+              </a:rPr>
+              <a:t>여러 개의 서버에 </a:t>
+            </a:r>
+            <a:r>
+              <a:rPr lang="en-US" altLang="ko-KR" sz="1200" spc="-103" smtClean="0">
+                <a:ln>
+                  <a:solidFill>
+                    <a:schemeClr val="bg1">
+                      <a:lumMod val="85000"/>
+                      <a:alpha val="0"/>
+                    </a:schemeClr>
+                  </a:solidFill>
+                </a:ln>
+                <a:latin typeface="나눔스퀘어 Bold" panose="020B0600000101010101" pitchFamily="50" charset="-127"/>
+                <a:ea typeface="나눔스퀘어 Bold" panose="020B0600000101010101" pitchFamily="50" charset="-127"/>
+              </a:rPr>
+              <a:t>ML</a:t>
+            </a:r>
+            <a:r>
+              <a:rPr lang="ko-KR" altLang="en-US" sz="1200" spc="-103" smtClean="0">
+                <a:ln>
+                  <a:solidFill>
+                    <a:schemeClr val="bg1">
+                      <a:lumMod val="85000"/>
+                      <a:alpha val="0"/>
+                    </a:schemeClr>
+                  </a:solidFill>
+                </a:ln>
+                <a:latin typeface="나눔스퀘어 Bold" panose="020B0600000101010101" pitchFamily="50" charset="-127"/>
+                <a:ea typeface="나눔스퀘어 Bold" panose="020B0600000101010101" pitchFamily="50" charset="-127"/>
+              </a:rPr>
+              <a:t>모델</a:t>
+            </a:r>
+            <a:r>
+              <a:rPr lang="ko-KR" altLang="en-US" sz="1200" spc="-103" smtClean="0">
+                <a:ln>
+                  <a:solidFill>
+                    <a:schemeClr val="bg1">
+                      <a:lumMod val="85000"/>
+                      <a:alpha val="0"/>
+                    </a:schemeClr>
+                  </a:solidFill>
+                </a:ln>
+                <a:latin typeface="나눔스퀘어 Bold" panose="020B0600000101010101" pitchFamily="50" charset="-127"/>
+                <a:ea typeface="나눔스퀘어 Bold" panose="020B0600000101010101" pitchFamily="50" charset="-127"/>
+              </a:rPr>
+              <a:t>을 어떻게 간편하게 배포하지</a:t>
+            </a:r>
+            <a:r>
+              <a:rPr lang="en-US" altLang="ko-KR" sz="1200" spc="-103" smtClean="0">
+                <a:ln>
+                  <a:solidFill>
+                    <a:schemeClr val="bg1">
+                      <a:lumMod val="85000"/>
+                      <a:alpha val="0"/>
+                    </a:schemeClr>
+                  </a:solidFill>
+                </a:ln>
+                <a:latin typeface="나눔스퀘어 Bold" panose="020B0600000101010101" pitchFamily="50" charset="-127"/>
+                <a:ea typeface="나눔스퀘어 Bold" panose="020B0600000101010101" pitchFamily="50" charset="-127"/>
+              </a:rPr>
+              <a:t>?</a:t>
+            </a:r>
+            <a:endParaRPr lang="en-US" altLang="ko-KR" sz="1200" spc="-103" smtClean="0">
+              <a:ln>
+                <a:solidFill>
+                  <a:schemeClr val="bg1">
+                    <a:lumMod val="85000"/>
+                    <a:alpha val="0"/>
+                  </a:schemeClr>
+                </a:solidFill>
+              </a:ln>
+              <a:latin typeface="나눔스퀘어 Bold" panose="020B0600000101010101" pitchFamily="50" charset="-127"/>
+              <a:ea typeface="나눔스퀘어 Bold" panose="020B0600000101010101" pitchFamily="50" charset="-127"/>
+            </a:endParaRPr>
+          </a:p>
+        </p:txBody>
+      </p:sp>
     </p:spTree>
     <p:extLst>
       <p:ext uri="{BB962C8B-B14F-4D97-AF65-F5344CB8AC3E}">
-        <p14:creationId xmlns:p14="http://schemas.microsoft.com/office/powerpoint/2010/main" val="1157021246"/>
+        <p14:creationId xmlns:p14="http://schemas.microsoft.com/office/powerpoint/2010/main" val="2277343195"/>
       </p:ext>
     </p:extLst>
   </p:cSld>
@@ -3383,14 +8549,14 @@
           <a:p>
             <a:pPr algn="ctr"/>
             <a:r>
-              <a:rPr lang="en-US" altLang="ko-KR" sz="2400" spc="-150" smtClean="0">
+              <a:rPr lang="en-US" altLang="ko-KR" sz="2400" spc="-150">
                 <a:solidFill>
                   <a:srgbClr val="00002F"/>
                 </a:solidFill>
                 <a:latin typeface="나눔스퀘어 ExtraBold" panose="020B0600000101010101" pitchFamily="50" charset="-127"/>
                 <a:ea typeface="나눔스퀘어 ExtraBold" panose="020B0600000101010101" pitchFamily="50" charset="-127"/>
               </a:rPr>
-              <a:t>02.</a:t>
+              <a:t>01.</a:t>
             </a:r>
             <a:endParaRPr lang="ko-KR" altLang="en-US" sz="2400" spc="-150" dirty="0">
               <a:solidFill>
@@ -3443,7 +8609,7 @@
                 <a:latin typeface="나눔스퀘어 ExtraBold" panose="020B0600000101010101" pitchFamily="50" charset="-127"/>
                 <a:ea typeface="나눔스퀘어 ExtraBold" panose="020B0600000101010101" pitchFamily="50" charset="-127"/>
               </a:rPr>
-              <a:t>Needs</a:t>
+              <a:t>MLflow</a:t>
             </a:r>
             <a:endParaRPr lang="ko-KR" altLang="en-US" sz="1400" spc="-100" dirty="0">
               <a:ln>
@@ -3474,8 +8640,8 @@
         </p:nvSpPr>
         <p:spPr>
           <a:xfrm>
-            <a:off x="3951742" y="5545345"/>
-            <a:ext cx="4085310" cy="830997"/>
+            <a:off x="1587109" y="2865041"/>
+            <a:ext cx="9017782" cy="2308324"/>
           </a:xfrm>
           <a:prstGeom prst="rect">
             <a:avLst/>
@@ -3488,27 +8654,237 @@
           </a:bodyPr>
           <a:lstStyle/>
           <a:p>
-            <a:pPr>
+            <a:pPr marL="171450" indent="-171450">
+              <a:lnSpc>
+                <a:spcPct val="200000"/>
+              </a:lnSpc>
+              <a:buFont typeface="Arial" panose="020B0604020202020204" pitchFamily="34" charset="0"/>
+              <a:buChar char="•"/>
+            </a:pPr>
+            <a:r>
+              <a:rPr lang="en-US" altLang="ko-KR" sz="1200" spc="-103" smtClean="0">
+                <a:ln>
+                  <a:solidFill>
+                    <a:schemeClr val="bg1">
+                      <a:lumMod val="85000"/>
+                      <a:alpha val="0"/>
+                    </a:schemeClr>
+                  </a:solidFill>
+                </a:ln>
+                <a:latin typeface="나눔스퀘어 Bold" panose="020B0600000101010101" pitchFamily="50" charset="-127"/>
+                <a:ea typeface="나눔스퀘어 Bold" panose="020B0600000101010101" pitchFamily="50" charset="-127"/>
+              </a:rPr>
+              <a:t>MLflow</a:t>
+            </a:r>
+            <a:r>
+              <a:rPr lang="ko-KR" altLang="en-US" sz="1200" spc="-103" smtClean="0">
+                <a:ln>
+                  <a:solidFill>
+                    <a:schemeClr val="bg1">
+                      <a:lumMod val="85000"/>
+                      <a:alpha val="0"/>
+                    </a:schemeClr>
+                  </a:solidFill>
+                </a:ln>
+                <a:latin typeface="나눔스퀘어 Bold" panose="020B0600000101010101" pitchFamily="50" charset="-127"/>
+                <a:ea typeface="나눔스퀘어 Bold" panose="020B0600000101010101" pitchFamily="50" charset="-127"/>
+              </a:rPr>
+              <a:t>는 </a:t>
+            </a:r>
+            <a:r>
+              <a:rPr lang="en-US" altLang="ko-KR" sz="1200" spc="-103" smtClean="0">
+                <a:ln>
+                  <a:solidFill>
+                    <a:schemeClr val="bg1">
+                      <a:lumMod val="85000"/>
+                      <a:alpha val="0"/>
+                    </a:schemeClr>
+                  </a:solidFill>
+                </a:ln>
+                <a:latin typeface="나눔스퀘어 Bold" panose="020B0600000101010101" pitchFamily="50" charset="-127"/>
+                <a:ea typeface="나눔스퀘어 Bold" panose="020B0600000101010101" pitchFamily="50" charset="-127"/>
+              </a:rPr>
+              <a:t>End-to-End </a:t>
+            </a:r>
+            <a:r>
+              <a:rPr lang="en-US" altLang="ko-KR" sz="1200" spc="-103">
+                <a:ln>
+                  <a:solidFill>
+                    <a:schemeClr val="bg1">
+                      <a:lumMod val="85000"/>
+                      <a:alpha val="0"/>
+                    </a:schemeClr>
+                  </a:solidFill>
+                </a:ln>
+                <a:latin typeface="나눔스퀘어 Bold" panose="020B0600000101010101" pitchFamily="50" charset="-127"/>
+                <a:ea typeface="나눔스퀘어 Bold" panose="020B0600000101010101" pitchFamily="50" charset="-127"/>
+              </a:rPr>
+              <a:t>machine learning </a:t>
+            </a:r>
+            <a:r>
+              <a:rPr lang="en-US" altLang="ko-KR" sz="1200" spc="-103" smtClean="0">
+                <a:ln>
+                  <a:solidFill>
+                    <a:schemeClr val="bg1">
+                      <a:lumMod val="85000"/>
+                      <a:alpha val="0"/>
+                    </a:schemeClr>
+                  </a:solidFill>
+                </a:ln>
+                <a:latin typeface="나눔스퀘어 Bold" panose="020B0600000101010101" pitchFamily="50" charset="-127"/>
+                <a:ea typeface="나눔스퀘어 Bold" panose="020B0600000101010101" pitchFamily="50" charset="-127"/>
+              </a:rPr>
+              <a:t>lifecycle</a:t>
+            </a:r>
+            <a:r>
+              <a:rPr lang="ko-KR" altLang="en-US" sz="1200" spc="-103" smtClean="0">
+                <a:ln>
+                  <a:solidFill>
+                    <a:schemeClr val="bg1">
+                      <a:lumMod val="85000"/>
+                      <a:alpha val="0"/>
+                    </a:schemeClr>
+                  </a:solidFill>
+                </a:ln>
+                <a:latin typeface="나눔스퀘어 Bold" panose="020B0600000101010101" pitchFamily="50" charset="-127"/>
+                <a:ea typeface="나눔스퀘어 Bold" panose="020B0600000101010101" pitchFamily="50" charset="-127"/>
+              </a:rPr>
+              <a:t>을 관리하는 오픈소스 플랫폼이며 모든 </a:t>
+            </a:r>
+            <a:r>
+              <a:rPr lang="ko-KR" altLang="en-US" sz="1200" spc="-103">
+                <a:ln>
+                  <a:solidFill>
+                    <a:schemeClr val="bg1">
+                      <a:lumMod val="85000"/>
+                      <a:alpha val="0"/>
+                    </a:schemeClr>
+                  </a:solidFill>
+                </a:ln>
+                <a:latin typeface="나눔스퀘어 Bold" panose="020B0600000101010101" pitchFamily="50" charset="-127"/>
+                <a:ea typeface="나눔스퀘어 Bold" panose="020B0600000101010101" pitchFamily="50" charset="-127"/>
+              </a:rPr>
+              <a:t>기계 학습 라이브러리 및 프로그래밍 언어와 함께 사용할 수 있다</a:t>
+            </a:r>
+            <a:r>
+              <a:rPr lang="en-US" altLang="ko-KR" sz="1200" spc="-103" smtClean="0">
+                <a:ln>
+                  <a:solidFill>
+                    <a:schemeClr val="bg1">
+                      <a:lumMod val="85000"/>
+                      <a:alpha val="0"/>
+                    </a:schemeClr>
+                  </a:solidFill>
+                </a:ln>
+                <a:latin typeface="나눔스퀘어 Bold" panose="020B0600000101010101" pitchFamily="50" charset="-127"/>
+                <a:ea typeface="나눔스퀘어 Bold" panose="020B0600000101010101" pitchFamily="50" charset="-127"/>
+              </a:rPr>
+              <a:t>.</a:t>
+            </a:r>
+          </a:p>
+          <a:p>
+            <a:pPr marL="171450" indent="-171450">
+              <a:lnSpc>
+                <a:spcPct val="200000"/>
+              </a:lnSpc>
+              <a:buFont typeface="Arial" panose="020B0604020202020204" pitchFamily="34" charset="0"/>
+              <a:buChar char="•"/>
+            </a:pPr>
+            <a:r>
+              <a:rPr lang="en-US" altLang="ko-KR" sz="1200" spc="-103" smtClean="0">
+                <a:ln>
+                  <a:solidFill>
+                    <a:schemeClr val="bg1">
+                      <a:lumMod val="85000"/>
+                      <a:alpha val="0"/>
+                    </a:schemeClr>
+                  </a:solidFill>
+                </a:ln>
+                <a:latin typeface="나눔스퀘어 Bold" panose="020B0600000101010101" pitchFamily="50" charset="-127"/>
+                <a:ea typeface="나눔스퀘어 Bold" panose="020B0600000101010101" pitchFamily="50" charset="-127"/>
+              </a:rPr>
+              <a:t>Mlflow</a:t>
+            </a:r>
+            <a:r>
+              <a:rPr lang="ko-KR" altLang="en-US" sz="1200" spc="-103" smtClean="0">
+                <a:ln>
+                  <a:solidFill>
+                    <a:schemeClr val="bg1">
+                      <a:lumMod val="85000"/>
+                      <a:alpha val="0"/>
+                    </a:schemeClr>
+                  </a:solidFill>
+                </a:ln>
+                <a:latin typeface="나눔스퀘어 Bold" panose="020B0600000101010101" pitchFamily="50" charset="-127"/>
+                <a:ea typeface="나눔스퀘어 Bold" panose="020B0600000101010101" pitchFamily="50" charset="-127"/>
+              </a:rPr>
+              <a:t>의 </a:t>
+            </a:r>
+            <a:r>
+              <a:rPr lang="en-US" altLang="ko-KR" sz="1200" spc="-103" smtClean="0">
+                <a:ln>
+                  <a:solidFill>
+                    <a:schemeClr val="bg1">
+                      <a:lumMod val="85000"/>
+                      <a:alpha val="0"/>
+                    </a:schemeClr>
+                  </a:solidFill>
+                </a:ln>
+                <a:latin typeface="나눔스퀘어 Bold" panose="020B0600000101010101" pitchFamily="50" charset="-127"/>
+                <a:ea typeface="나눔스퀘어 Bold" panose="020B0600000101010101" pitchFamily="50" charset="-127"/>
+              </a:rPr>
+              <a:t>4</a:t>
+            </a:r>
+            <a:r>
+              <a:rPr lang="ko-KR" altLang="en-US" sz="1200" spc="-103" smtClean="0">
+                <a:ln>
+                  <a:solidFill>
+                    <a:schemeClr val="bg1">
+                      <a:lumMod val="85000"/>
+                      <a:alpha val="0"/>
+                    </a:schemeClr>
+                  </a:solidFill>
+                </a:ln>
+                <a:latin typeface="나눔스퀘어 Bold" panose="020B0600000101010101" pitchFamily="50" charset="-127"/>
+                <a:ea typeface="나눔스퀘어 Bold" panose="020B0600000101010101" pitchFamily="50" charset="-127"/>
+              </a:rPr>
+              <a:t>가지 주요 기능</a:t>
+            </a:r>
+            <a:r>
+              <a:rPr lang="en-US" altLang="ko-KR" sz="1200" spc="-103" smtClean="0">
+                <a:ln>
+                  <a:solidFill>
+                    <a:schemeClr val="bg1">
+                      <a:lumMod val="85000"/>
+                      <a:alpha val="0"/>
+                    </a:schemeClr>
+                  </a:solidFill>
+                </a:ln>
+                <a:latin typeface="나눔스퀘어 Bold" panose="020B0600000101010101" pitchFamily="50" charset="-127"/>
+                <a:ea typeface="나눔스퀘어 Bold" panose="020B0600000101010101" pitchFamily="50" charset="-127"/>
+              </a:rPr>
+              <a:t>.</a:t>
+            </a:r>
+            <a:endParaRPr lang="en-US" altLang="ko-KR" sz="1200" spc="-103">
+              <a:ln>
+                <a:solidFill>
+                  <a:schemeClr val="bg1">
+                    <a:lumMod val="85000"/>
+                    <a:alpha val="0"/>
+                  </a:schemeClr>
+                </a:solidFill>
+              </a:ln>
+              <a:latin typeface="나눔스퀘어 Bold" panose="020B0600000101010101" pitchFamily="50" charset="-127"/>
+              <a:ea typeface="나눔스퀘어 Bold" panose="020B0600000101010101" pitchFamily="50" charset="-127"/>
+            </a:endParaRPr>
+          </a:p>
+          <a:p>
+            <a:pPr lvl="1">
               <a:lnSpc>
                 <a:spcPct val="200000"/>
               </a:lnSpc>
             </a:pPr>
             <a:r>
-              <a:rPr lang="ko-KR" altLang="en-US" sz="1200" spc="-103" smtClean="0">
-                <a:ln>
-                  <a:solidFill>
-                    <a:schemeClr val="bg1">
-                      <a:lumMod val="85000"/>
-                      <a:alpha val="0"/>
-                    </a:schemeClr>
-                  </a:solidFill>
-                </a:ln>
-                <a:latin typeface="나눔스퀘어 Bold" panose="020B0600000101010101" pitchFamily="50" charset="-127"/>
-                <a:ea typeface="나눔스퀘어 Bold" panose="020B0600000101010101" pitchFamily="50" charset="-127"/>
-              </a:rPr>
-              <a:t>영화 리뷰의 긍정 부정을 분류하는 </a:t>
-            </a:r>
-            <a:r>
               <a:rPr lang="en-US" altLang="ko-KR" sz="1200" spc="-103" smtClean="0">
                 <a:ln>
                   <a:solidFill>
@@ -3521,24 +8897,54 @@
                 <a:latin typeface="나눔스퀘어 Bold" panose="020B0600000101010101" pitchFamily="50" charset="-127"/>
                 <a:ea typeface="나눔스퀘어 Bold" panose="020B0600000101010101" pitchFamily="50" charset="-127"/>
               </a:rPr>
-              <a:t>ML </a:t>
-            </a:r>
-            <a:r>
-              <a:rPr lang="ko-KR" altLang="en-US" sz="1200" spc="-103" smtClean="0">
-                <a:ln>
-                  <a:solidFill>
-                    <a:schemeClr val="bg1">
-                      <a:lumMod val="85000"/>
-                      <a:alpha val="0"/>
-                    </a:schemeClr>
-                  </a:solidFill>
-                </a:ln>
-                <a:latin typeface="나눔스퀘어 Bold" panose="020B0600000101010101" pitchFamily="50" charset="-127"/>
-                <a:ea typeface="나눔스퀘어 Bold" panose="020B0600000101010101" pitchFamily="50" charset="-127"/>
-              </a:rPr>
-              <a:t>모델을 만들어야 하는 과업 발생</a:t>
-            </a:r>
-            <a:endParaRPr lang="en-US" altLang="ko-KR" sz="1200" spc="-103" smtClean="0">
+              <a:t>1. </a:t>
+            </a:r>
+            <a:r>
+              <a:rPr lang="en-US" altLang="ko-KR" sz="1200" spc="-103">
+                <a:ln>
+                  <a:solidFill>
+                    <a:schemeClr val="bg1">
+                      <a:lumMod val="85000"/>
+                      <a:alpha val="0"/>
+                    </a:schemeClr>
+                  </a:solidFill>
+                </a:ln>
+                <a:latin typeface="나눔스퀘어 Bold" panose="020B0600000101010101" pitchFamily="50" charset="-127"/>
+                <a:ea typeface="나눔스퀘어 Bold" panose="020B0600000101010101" pitchFamily="50" charset="-127"/>
+              </a:rPr>
+              <a:t>MLflow </a:t>
+            </a:r>
+            <a:r>
+              <a:rPr lang="en-US" altLang="ko-KR" sz="1200" spc="-103" smtClean="0">
+                <a:ln>
+                  <a:solidFill>
+                    <a:schemeClr val="bg1">
+                      <a:lumMod val="85000"/>
+                      <a:alpha val="0"/>
+                    </a:schemeClr>
+                  </a:solidFill>
+                </a:ln>
+                <a:latin typeface="나눔스퀘어 Bold" panose="020B0600000101010101" pitchFamily="50" charset="-127"/>
+                <a:ea typeface="나눔스퀘어 Bold" panose="020B0600000101010101" pitchFamily="50" charset="-127"/>
+              </a:rPr>
+              <a:t>Tracking : </a:t>
+            </a:r>
+            <a:r>
+              <a:rPr lang="en-US" altLang="ko-KR" sz="1200" spc="-103">
+                <a:ln>
+                  <a:solidFill>
+                    <a:schemeClr val="bg1">
+                      <a:lumMod val="85000"/>
+                      <a:alpha val="0"/>
+                    </a:schemeClr>
+                  </a:solidFill>
+                </a:ln>
+                <a:latin typeface="나눔스퀘어 Bold" panose="020B0600000101010101" pitchFamily="50" charset="-127"/>
+                <a:ea typeface="나눔스퀘어 Bold" panose="020B0600000101010101" pitchFamily="50" charset="-127"/>
+              </a:rPr>
+              <a:t>Record and query experiments: code, data, config, and results</a:t>
+            </a:r>
+            <a:endParaRPr lang="en-US" altLang="ko-KR" sz="1200" spc="-103">
               <a:ln>
                 <a:solidFill>
                   <a:schemeClr val="bg1">
@@ -3552,25 +8958,243 @@
             </a:endParaRPr>
           </a:p>
           <a:p>
-            <a:pPr>
+            <a:pPr lvl="1">
               <a:lnSpc>
                 <a:spcPct val="200000"/>
               </a:lnSpc>
             </a:pPr>
             <a:r>
-              <a:rPr lang="ko-KR" altLang="en-US" sz="1200" spc="-103" smtClean="0">
-                <a:ln>
-                  <a:solidFill>
-                    <a:schemeClr val="bg1">
-                      <a:lumMod val="85000"/>
-                      <a:alpha val="0"/>
-                    </a:schemeClr>
-                  </a:solidFill>
-                </a:ln>
-                <a:latin typeface="나눔스퀘어 Bold" panose="020B0600000101010101" pitchFamily="50" charset="-127"/>
-                <a:ea typeface="나눔스퀘어 Bold" panose="020B0600000101010101" pitchFamily="50" charset="-127"/>
-              </a:rPr>
-              <a:t>수많은 실험 반복</a:t>
+              <a:rPr lang="en-US" altLang="ko-KR" sz="1200" spc="-103" smtClean="0">
+                <a:ln>
+                  <a:solidFill>
+                    <a:schemeClr val="bg1">
+                      <a:lumMod val="85000"/>
+                      <a:alpha val="0"/>
+                    </a:schemeClr>
+                  </a:solidFill>
+                </a:ln>
+                <a:latin typeface="나눔스퀘어 Bold" panose="020B0600000101010101" pitchFamily="50" charset="-127"/>
+                <a:ea typeface="나눔스퀘어 Bold" panose="020B0600000101010101" pitchFamily="50" charset="-127"/>
+              </a:rPr>
+              <a:t>2. </a:t>
+            </a:r>
+            <a:r>
+              <a:rPr lang="en-US" altLang="ko-KR" sz="1200" spc="-103">
+                <a:ln>
+                  <a:solidFill>
+                    <a:schemeClr val="bg1">
+                      <a:lumMod val="85000"/>
+                      <a:alpha val="0"/>
+                    </a:schemeClr>
+                  </a:solidFill>
+                </a:ln>
+                <a:latin typeface="나눔스퀘어 Bold" panose="020B0600000101010101" pitchFamily="50" charset="-127"/>
+                <a:ea typeface="나눔스퀘어 Bold" panose="020B0600000101010101" pitchFamily="50" charset="-127"/>
+              </a:rPr>
+              <a:t>MLflow Projects </a:t>
+            </a:r>
+            <a:r>
+              <a:rPr lang="en-US" altLang="ko-KR" sz="1200" spc="-103" smtClean="0">
+                <a:ln>
+                  <a:solidFill>
+                    <a:schemeClr val="bg1">
+                      <a:lumMod val="85000"/>
+                      <a:alpha val="0"/>
+                    </a:schemeClr>
+                  </a:solidFill>
+                </a:ln>
+                <a:latin typeface="나눔스퀘어 Bold" panose="020B0600000101010101" pitchFamily="50" charset="-127"/>
+                <a:ea typeface="나눔스퀘어 Bold" panose="020B0600000101010101" pitchFamily="50" charset="-127"/>
+              </a:rPr>
+              <a:t> : </a:t>
+            </a:r>
+            <a:r>
+              <a:rPr lang="en-US" altLang="ko-KR" sz="1200" spc="-103">
+                <a:ln>
+                  <a:solidFill>
+                    <a:schemeClr val="bg1">
+                      <a:lumMod val="85000"/>
+                      <a:alpha val="0"/>
+                    </a:schemeClr>
+                  </a:solidFill>
+                </a:ln>
+                <a:latin typeface="나눔스퀘어 Bold" panose="020B0600000101010101" pitchFamily="50" charset="-127"/>
+                <a:ea typeface="나눔스퀘어 Bold" panose="020B0600000101010101" pitchFamily="50" charset="-127"/>
+              </a:rPr>
+              <a:t>Package data science code in a format to reproduce runs on any platform</a:t>
+            </a:r>
+            <a:endParaRPr lang="en-US" altLang="ko-KR" sz="1200" spc="-103">
+              <a:ln>
+                <a:solidFill>
+                  <a:schemeClr val="bg1">
+                    <a:lumMod val="85000"/>
+                    <a:alpha val="0"/>
+                  </a:schemeClr>
+                </a:solidFill>
+              </a:ln>
+              <a:latin typeface="나눔스퀘어 Bold" panose="020B0600000101010101" pitchFamily="50" charset="-127"/>
+              <a:ea typeface="나눔스퀘어 Bold" panose="020B0600000101010101" pitchFamily="50" charset="-127"/>
+            </a:endParaRPr>
+          </a:p>
+          <a:p>
+            <a:pPr lvl="1">
+              <a:lnSpc>
+                <a:spcPct val="200000"/>
+              </a:lnSpc>
+            </a:pPr>
+            <a:r>
+              <a:rPr lang="en-US" altLang="ko-KR" sz="1200" spc="-103" smtClean="0">
+                <a:ln>
+                  <a:solidFill>
+                    <a:schemeClr val="bg1">
+                      <a:lumMod val="85000"/>
+                      <a:alpha val="0"/>
+                    </a:schemeClr>
+                  </a:solidFill>
+                </a:ln>
+                <a:latin typeface="나눔스퀘어 Bold" panose="020B0600000101010101" pitchFamily="50" charset="-127"/>
+                <a:ea typeface="나눔스퀘어 Bold" panose="020B0600000101010101" pitchFamily="50" charset="-127"/>
+              </a:rPr>
+              <a:t>3. Mlflow </a:t>
+            </a:r>
+            <a:r>
+              <a:rPr lang="en-US" altLang="ko-KR" sz="1200" spc="-103">
+                <a:ln>
+                  <a:solidFill>
+                    <a:schemeClr val="bg1">
+                      <a:lumMod val="85000"/>
+                      <a:alpha val="0"/>
+                    </a:schemeClr>
+                  </a:solidFill>
+                </a:ln>
+                <a:latin typeface="나눔스퀘어 Bold" panose="020B0600000101010101" pitchFamily="50" charset="-127"/>
+                <a:ea typeface="나눔스퀘어 Bold" panose="020B0600000101010101" pitchFamily="50" charset="-127"/>
+              </a:rPr>
+              <a:t>Models </a:t>
+            </a:r>
+            <a:r>
+              <a:rPr lang="en-US" altLang="ko-KR" sz="1200" spc="-103" smtClean="0">
+                <a:ln>
+                  <a:solidFill>
+                    <a:schemeClr val="bg1">
+                      <a:lumMod val="85000"/>
+                      <a:alpha val="0"/>
+                    </a:schemeClr>
+                  </a:solidFill>
+                </a:ln>
+                <a:latin typeface="나눔스퀘어 Bold" panose="020B0600000101010101" pitchFamily="50" charset="-127"/>
+                <a:ea typeface="나눔스퀘어 Bold" panose="020B0600000101010101" pitchFamily="50" charset="-127"/>
+              </a:rPr>
+              <a:t> : </a:t>
+            </a:r>
+            <a:r>
+              <a:rPr lang="en-US" altLang="ko-KR" sz="1200" spc="-103">
+                <a:ln>
+                  <a:solidFill>
+                    <a:schemeClr val="bg1">
+                      <a:lumMod val="85000"/>
+                      <a:alpha val="0"/>
+                    </a:schemeClr>
+                  </a:solidFill>
+                </a:ln>
+                <a:latin typeface="나눔스퀘어 Bold" panose="020B0600000101010101" pitchFamily="50" charset="-127"/>
+                <a:ea typeface="나눔스퀘어 Bold" panose="020B0600000101010101" pitchFamily="50" charset="-127"/>
+              </a:rPr>
+              <a:t>Deploy machine learning models in diverse serving environments</a:t>
+            </a:r>
+            <a:endParaRPr lang="en-US" altLang="ko-KR" sz="1200" spc="-103">
+              <a:ln>
+                <a:solidFill>
+                  <a:schemeClr val="bg1">
+                    <a:lumMod val="85000"/>
+                    <a:alpha val="0"/>
+                  </a:schemeClr>
+                </a:solidFill>
+              </a:ln>
+              <a:latin typeface="나눔스퀘어 Bold" panose="020B0600000101010101" pitchFamily="50" charset="-127"/>
+              <a:ea typeface="나눔스퀘어 Bold" panose="020B0600000101010101" pitchFamily="50" charset="-127"/>
+            </a:endParaRPr>
+          </a:p>
+          <a:p>
+            <a:pPr lvl="1">
+              <a:lnSpc>
+                <a:spcPct val="200000"/>
+              </a:lnSpc>
+            </a:pPr>
+            <a:r>
+              <a:rPr lang="en-US" altLang="ko-KR" sz="1200" spc="-103" smtClean="0">
+                <a:ln>
+                  <a:solidFill>
+                    <a:schemeClr val="bg1">
+                      <a:lumMod val="85000"/>
+                      <a:alpha val="0"/>
+                    </a:schemeClr>
+                  </a:solidFill>
+                </a:ln>
+                <a:latin typeface="나눔스퀘어 Bold" panose="020B0600000101010101" pitchFamily="50" charset="-127"/>
+                <a:ea typeface="나눔스퀘어 Bold" panose="020B0600000101010101" pitchFamily="50" charset="-127"/>
+              </a:rPr>
+              <a:t>4. </a:t>
+            </a:r>
+            <a:r>
+              <a:rPr lang="en-US" altLang="ko-KR" sz="1200" spc="-103" smtClean="0">
+                <a:ln>
+                  <a:solidFill>
+                    <a:schemeClr val="bg1">
+                      <a:lumMod val="85000"/>
+                      <a:alpha val="0"/>
+                    </a:schemeClr>
+                  </a:solidFill>
+                </a:ln>
+                <a:latin typeface="나눔스퀘어 Bold" panose="020B0600000101010101" pitchFamily="50" charset="-127"/>
+                <a:ea typeface="나눔스퀘어 Bold" panose="020B0600000101010101" pitchFamily="50" charset="-127"/>
+              </a:rPr>
+              <a:t>Model </a:t>
+            </a:r>
+            <a:r>
+              <a:rPr lang="en-US" altLang="ko-KR" sz="1200" spc="-103">
+                <a:ln>
+                  <a:solidFill>
+                    <a:schemeClr val="bg1">
+                      <a:lumMod val="85000"/>
+                      <a:alpha val="0"/>
+                    </a:schemeClr>
+                  </a:solidFill>
+                </a:ln>
+                <a:latin typeface="나눔스퀘어 Bold" panose="020B0600000101010101" pitchFamily="50" charset="-127"/>
+                <a:ea typeface="나눔스퀘어 Bold" panose="020B0600000101010101" pitchFamily="50" charset="-127"/>
+              </a:rPr>
+              <a:t>Registry </a:t>
+            </a:r>
+            <a:r>
+              <a:rPr lang="en-US" altLang="ko-KR" sz="1200" spc="-103" smtClean="0">
+                <a:ln>
+                  <a:solidFill>
+                    <a:schemeClr val="bg1">
+                      <a:lumMod val="85000"/>
+                      <a:alpha val="0"/>
+                    </a:schemeClr>
+                  </a:solidFill>
+                </a:ln>
+                <a:latin typeface="나눔스퀘어 Bold" panose="020B0600000101010101" pitchFamily="50" charset="-127"/>
+                <a:ea typeface="나눔스퀘어 Bold" panose="020B0600000101010101" pitchFamily="50" charset="-127"/>
+              </a:rPr>
+              <a:t>: </a:t>
+            </a:r>
+            <a:r>
+              <a:rPr lang="en-US" altLang="ko-KR" sz="1200" spc="-103">
+                <a:ln>
+                  <a:solidFill>
+                    <a:schemeClr val="bg1">
+                      <a:lumMod val="85000"/>
+                      <a:alpha val="0"/>
+                    </a:schemeClr>
+                  </a:solidFill>
+                </a:ln>
+                <a:latin typeface="나눔스퀘어 Bold" panose="020B0600000101010101" pitchFamily="50" charset="-127"/>
+                <a:ea typeface="나눔스퀘어 Bold" panose="020B0600000101010101" pitchFamily="50" charset="-127"/>
+              </a:rPr>
+              <a:t>Store, annotate, discover, and manage models in a central repository</a:t>
             </a:r>
             <a:endParaRPr lang="en-US" altLang="ko-KR" sz="1200" spc="-103" smtClean="0">
               <a:ln>
@@ -3617,6 +9241,380 @@
                 <a:latin typeface="나눔스퀘어 ExtraBold" panose="020B0600000101010101" pitchFamily="50" charset="-127"/>
                 <a:ea typeface="나눔스퀘어 ExtraBold" panose="020B0600000101010101" pitchFamily="50" charset="-127"/>
               </a:rPr>
+              <a:t>MLflow </a:t>
+            </a:r>
+            <a:r>
+              <a:rPr lang="ko-KR" altLang="en-US" sz="3200" spc="-150" smtClean="0">
+                <a:solidFill>
+                  <a:srgbClr val="00002F"/>
+                </a:solidFill>
+                <a:latin typeface="나눔스퀘어 ExtraBold" panose="020B0600000101010101" pitchFamily="50" charset="-127"/>
+                <a:ea typeface="나눔스퀘어 ExtraBold" panose="020B0600000101010101" pitchFamily="50" charset="-127"/>
+              </a:rPr>
+              <a:t>소개</a:t>
+            </a:r>
+            <a:endParaRPr lang="en-US" altLang="ko-KR" sz="3200" spc="-150">
+              <a:solidFill>
+                <a:srgbClr val="00002F"/>
+              </a:solidFill>
+              <a:latin typeface="나눔스퀘어 ExtraBold" panose="020B0600000101010101" pitchFamily="50" charset="-127"/>
+              <a:ea typeface="나눔스퀘어 ExtraBold" panose="020B0600000101010101" pitchFamily="50" charset="-127"/>
+            </a:endParaRPr>
+          </a:p>
+        </p:txBody>
+      </p:sp>
+    </p:spTree>
+    <p:extLst>
+      <p:ext uri="{BB962C8B-B14F-4D97-AF65-F5344CB8AC3E}">
+        <p14:creationId xmlns:p14="http://schemas.microsoft.com/office/powerpoint/2010/main" val="1157021246"/>
+      </p:ext>
+    </p:extLst>
+  </p:cSld>
+  <p:clrMapOvr>
+    <a:masterClrMapping/>
+  </p:clrMapOvr>
+</p:sld>
+</file>
+
+<file path=ppt/slides/slide7.xml><?xml version="1.0" encoding="utf-8"?>
+<p:sld xmlns:a="http://schemas.openxmlformats.org/drawingml/2006/main" xmlns:r="http://schemas.openxmlformats.org/officeDocument/2006/relationships" xmlns:p="http://schemas.openxmlformats.org/presentationml/2006/main">
+  <p:cSld>
+    <p:spTree>
+      <p:nvGrpSpPr>
+        <p:cNvPr id="1" name=""/>
+        <p:cNvGrpSpPr/>
+        <p:nvPr/>
+      </p:nvGrpSpPr>
+      <p:grpSpPr>
+        <a:xfrm>
+          <a:off x="0" y="0"/>
+          <a:ext cx="0" cy="0"/>
+          <a:chOff x="0" y="0"/>
+          <a:chExt cx="0" cy="0"/>
+        </a:xfrm>
+      </p:grpSpPr>
+      <p:sp>
+        <p:nvSpPr>
+          <p:cNvPr id="12" name="TextBox 11"/>
+          <p:cNvSpPr txBox="1"/>
+          <p:nvPr/>
+        </p:nvSpPr>
+        <p:spPr>
+          <a:xfrm>
+            <a:off x="455532" y="498947"/>
+            <a:ext cx="614271" cy="461665"/>
+          </a:xfrm>
+          <a:prstGeom prst="rect">
+            <a:avLst/>
+          </a:prstGeom>
+          <a:noFill/>
+        </p:spPr>
+        <p:txBody>
+          <a:bodyPr wrap="square" rtlCol="0">
+            <a:spAutoFit/>
+          </a:bodyPr>
+          <a:lstStyle/>
+          <a:p>
+            <a:pPr algn="ctr"/>
+            <a:r>
+              <a:rPr lang="en-US" altLang="ko-KR" sz="2400" spc="-150" smtClean="0">
+                <a:solidFill>
+                  <a:srgbClr val="00002F"/>
+                </a:solidFill>
+                <a:latin typeface="나눔스퀘어 ExtraBold" panose="020B0600000101010101" pitchFamily="50" charset="-127"/>
+                <a:ea typeface="나눔스퀘어 ExtraBold" panose="020B0600000101010101" pitchFamily="50" charset="-127"/>
+              </a:rPr>
+              <a:t>02.</a:t>
+            </a:r>
+            <a:endParaRPr lang="ko-KR" altLang="en-US" sz="2400" spc="-150" dirty="0">
+              <a:solidFill>
+                <a:srgbClr val="00002F"/>
+              </a:solidFill>
+              <a:latin typeface="나눔스퀘어 ExtraBold" panose="020B0600000101010101" pitchFamily="50" charset="-127"/>
+              <a:ea typeface="나눔스퀘어 ExtraBold" panose="020B0600000101010101" pitchFamily="50" charset="-127"/>
+            </a:endParaRPr>
+          </a:p>
+        </p:txBody>
+      </p:sp>
+      <p:sp>
+        <p:nvSpPr>
+          <p:cNvPr id="36" name="TextBox 35">
+            <a:extLst>
+              <a:ext uri="{FF2B5EF4-FFF2-40B4-BE49-F238E27FC236}">
+                <a16:creationId xmlns:a16="http://schemas.microsoft.com/office/drawing/2014/main" id="{76BF0B6A-32FF-436D-83C4-AB1F31C134F8}"/>
+              </a:ext>
+            </a:extLst>
+          </p:cNvPr>
+          <p:cNvSpPr txBox="1"/>
+          <p:nvPr/>
+        </p:nvSpPr>
+        <p:spPr>
+          <a:xfrm>
+            <a:off x="1119982" y="1075034"/>
+            <a:ext cx="2596341" cy="307777"/>
+          </a:xfrm>
+          <a:prstGeom prst="rect">
+            <a:avLst/>
+          </a:prstGeom>
+          <a:noFill/>
+        </p:spPr>
+        <p:txBody>
+          <a:bodyPr wrap="square" rtlCol="0">
+            <a:spAutoFit/>
+          </a:bodyPr>
+          <a:lstStyle/>
+          <a:p>
+            <a:r>
+              <a:rPr lang="en-US" altLang="ko-KR" sz="1400" spc="-100" smtClean="0">
+                <a:ln>
+                  <a:solidFill>
+                    <a:schemeClr val="bg1">
+                      <a:lumMod val="65000"/>
+                      <a:alpha val="0"/>
+                    </a:schemeClr>
+                  </a:solidFill>
+                </a:ln>
+                <a:latin typeface="나눔스퀘어 ExtraBold" panose="020B0600000101010101" pitchFamily="50" charset="-127"/>
+                <a:ea typeface="나눔스퀘어 ExtraBold" panose="020B0600000101010101" pitchFamily="50" charset="-127"/>
+              </a:rPr>
+              <a:t>Needs</a:t>
+            </a:r>
+            <a:endParaRPr lang="ko-KR" altLang="en-US" sz="1400" spc="-100" dirty="0">
+              <a:ln>
+                <a:solidFill>
+                  <a:schemeClr val="bg1">
+                    <a:lumMod val="65000"/>
+                    <a:alpha val="0"/>
+                  </a:schemeClr>
+                </a:solidFill>
+              </a:ln>
+              <a:latin typeface="나눔스퀘어 ExtraBold" panose="020B0600000101010101" pitchFamily="50" charset="-127"/>
+              <a:ea typeface="나눔스퀘어 ExtraBold" panose="020B0600000101010101" pitchFamily="50" charset="-127"/>
+            </a:endParaRPr>
+          </a:p>
+        </p:txBody>
+      </p:sp>
+      <p:sp>
+        <p:nvSpPr>
+          <p:cNvPr id="6" name="TextBox 5">
+            <a:extLst>
+              <a:ext uri="{FF2B5EF4-FFF2-40B4-BE49-F238E27FC236}">
+                <a16:creationId xmlns:a16="http://schemas.microsoft.com/office/drawing/2014/main" id="{C40C17C7-6436-43BB-AB8B-1F1856BAF096}"/>
+              </a:ext>
+            </a:extLst>
+          </p:cNvPr>
+          <p:cNvSpPr txBox="1"/>
+          <p:nvPr/>
+        </p:nvSpPr>
+        <p:spPr>
+          <a:xfrm>
+            <a:off x="2518969" y="5545345"/>
+            <a:ext cx="7154062" cy="830997"/>
+          </a:xfrm>
+          <a:prstGeom prst="rect">
+            <a:avLst/>
+          </a:prstGeom>
+          <a:noFill/>
+        </p:spPr>
+        <p:txBody>
+          <a:bodyPr wrap="square" rtlCol="0" anchor="ctr">
+            <a:spAutoFit/>
+          </a:bodyPr>
+          <a:lstStyle/>
+          <a:p>
+            <a:pPr marL="171450" indent="-171450">
+              <a:lnSpc>
+                <a:spcPct val="200000"/>
+              </a:lnSpc>
+              <a:buFont typeface="Arial" panose="020B0604020202020204" pitchFamily="34" charset="0"/>
+              <a:buChar char="•"/>
+            </a:pPr>
+            <a:r>
+              <a:rPr lang="ko-KR" altLang="en-US" sz="1200" spc="-103" smtClean="0">
+                <a:ln>
+                  <a:solidFill>
+                    <a:schemeClr val="bg1">
+                      <a:lumMod val="85000"/>
+                      <a:alpha val="0"/>
+                    </a:schemeClr>
+                  </a:solidFill>
+                </a:ln>
+                <a:latin typeface="나눔스퀘어 Bold" panose="020B0600000101010101" pitchFamily="50" charset="-127"/>
+                <a:ea typeface="나눔스퀘어 Bold" panose="020B0600000101010101" pitchFamily="50" charset="-127"/>
+              </a:rPr>
+              <a:t>영화 리뷰의 긍정 부정을 분류하는 </a:t>
+            </a:r>
+            <a:r>
+              <a:rPr lang="en-US" altLang="ko-KR" sz="1200" spc="-103" smtClean="0">
+                <a:ln>
+                  <a:solidFill>
+                    <a:schemeClr val="bg1">
+                      <a:lumMod val="85000"/>
+                      <a:alpha val="0"/>
+                    </a:schemeClr>
+                  </a:solidFill>
+                </a:ln>
+                <a:latin typeface="나눔스퀘어 Bold" panose="020B0600000101010101" pitchFamily="50" charset="-127"/>
+                <a:ea typeface="나눔스퀘어 Bold" panose="020B0600000101010101" pitchFamily="50" charset="-127"/>
+              </a:rPr>
+              <a:t>ML </a:t>
+            </a:r>
+            <a:r>
+              <a:rPr lang="ko-KR" altLang="en-US" sz="1200" spc="-103" smtClean="0">
+                <a:ln>
+                  <a:solidFill>
+                    <a:schemeClr val="bg1">
+                      <a:lumMod val="85000"/>
+                      <a:alpha val="0"/>
+                    </a:schemeClr>
+                  </a:solidFill>
+                </a:ln>
+                <a:latin typeface="나눔스퀘어 Bold" panose="020B0600000101010101" pitchFamily="50" charset="-127"/>
+                <a:ea typeface="나눔스퀘어 Bold" panose="020B0600000101010101" pitchFamily="50" charset="-127"/>
+              </a:rPr>
+              <a:t>모델을 만들어야 하는 과업 발생</a:t>
+            </a:r>
+            <a:endParaRPr lang="en-US" altLang="ko-KR" sz="1200" spc="-103" smtClean="0">
+              <a:ln>
+                <a:solidFill>
+                  <a:schemeClr val="bg1">
+                    <a:lumMod val="85000"/>
+                    <a:alpha val="0"/>
+                  </a:schemeClr>
+                </a:solidFill>
+              </a:ln>
+              <a:latin typeface="나눔스퀘어 Bold" panose="020B0600000101010101" pitchFamily="50" charset="-127"/>
+              <a:ea typeface="나눔스퀘어 Bold" panose="020B0600000101010101" pitchFamily="50" charset="-127"/>
+            </a:endParaRPr>
+          </a:p>
+          <a:p>
+            <a:pPr marL="171450" indent="-171450">
+              <a:lnSpc>
+                <a:spcPct val="200000"/>
+              </a:lnSpc>
+              <a:buFont typeface="Arial" panose="020B0604020202020204" pitchFamily="34" charset="0"/>
+              <a:buChar char="•"/>
+            </a:pPr>
+            <a:r>
+              <a:rPr lang="ko-KR" altLang="en-US" sz="1200" spc="-103" smtClean="0">
+                <a:ln>
+                  <a:solidFill>
+                    <a:schemeClr val="bg1">
+                      <a:lumMod val="85000"/>
+                      <a:alpha val="0"/>
+                    </a:schemeClr>
+                  </a:solidFill>
+                </a:ln>
+                <a:latin typeface="나눔스퀘어 Bold" panose="020B0600000101010101" pitchFamily="50" charset="-127"/>
+                <a:ea typeface="나눔스퀘어 Bold" panose="020B0600000101010101" pitchFamily="50" charset="-127"/>
+              </a:rPr>
+              <a:t>수많은 </a:t>
+            </a:r>
+            <a:r>
+              <a:rPr lang="ko-KR" altLang="en-US" sz="1200" spc="-103" smtClean="0">
+                <a:ln>
+                  <a:solidFill>
+                    <a:schemeClr val="bg1">
+                      <a:lumMod val="85000"/>
+                      <a:alpha val="0"/>
+                    </a:schemeClr>
+                  </a:solidFill>
+                </a:ln>
+                <a:latin typeface="나눔스퀘어 Bold" panose="020B0600000101010101" pitchFamily="50" charset="-127"/>
+                <a:ea typeface="나눔스퀘어 Bold" panose="020B0600000101010101" pitchFamily="50" charset="-127"/>
+              </a:rPr>
+              <a:t>조건들로 실험을 반복하며 발생하는 </a:t>
+            </a:r>
+            <a:r>
+              <a:rPr lang="en-US" altLang="ko-KR" sz="1200" spc="-103" smtClean="0">
+                <a:ln>
+                  <a:solidFill>
+                    <a:schemeClr val="bg1">
+                      <a:lumMod val="85000"/>
+                      <a:alpha val="0"/>
+                    </a:schemeClr>
+                  </a:solidFill>
+                </a:ln>
+                <a:latin typeface="나눔스퀘어 Bold" panose="020B0600000101010101" pitchFamily="50" charset="-127"/>
+                <a:ea typeface="나눔스퀘어 Bold" panose="020B0600000101010101" pitchFamily="50" charset="-127"/>
+              </a:rPr>
+              <a:t>accuracy, f1_score, train_loss, test_loss, parameter</a:t>
+            </a:r>
+            <a:r>
+              <a:rPr lang="ko-KR" altLang="en-US" sz="1200" spc="-103" smtClean="0">
+                <a:ln>
+                  <a:solidFill>
+                    <a:schemeClr val="bg1">
+                      <a:lumMod val="85000"/>
+                      <a:alpha val="0"/>
+                    </a:schemeClr>
+                  </a:solidFill>
+                </a:ln>
+                <a:latin typeface="나눔스퀘어 Bold" panose="020B0600000101010101" pitchFamily="50" charset="-127"/>
+                <a:ea typeface="나눔스퀘어 Bold" panose="020B0600000101010101" pitchFamily="50" charset="-127"/>
+              </a:rPr>
+              <a:t>들을 기록해야 한다</a:t>
+            </a:r>
+            <a:r>
+              <a:rPr lang="en-US" altLang="ko-KR" sz="1200" spc="-103" smtClean="0">
+                <a:ln>
+                  <a:solidFill>
+                    <a:schemeClr val="bg1">
+                      <a:lumMod val="85000"/>
+                      <a:alpha val="0"/>
+                    </a:schemeClr>
+                  </a:solidFill>
+                </a:ln>
+                <a:latin typeface="나눔스퀘어 Bold" panose="020B0600000101010101" pitchFamily="50" charset="-127"/>
+                <a:ea typeface="나눔스퀘어 Bold" panose="020B0600000101010101" pitchFamily="50" charset="-127"/>
+              </a:rPr>
+              <a:t>. </a:t>
+            </a:r>
+            <a:endParaRPr lang="en-US" altLang="ko-KR" sz="1200" spc="-103" smtClean="0">
+              <a:ln>
+                <a:solidFill>
+                  <a:schemeClr val="bg1">
+                    <a:lumMod val="85000"/>
+                    <a:alpha val="0"/>
+                  </a:schemeClr>
+                </a:solidFill>
+              </a:ln>
+              <a:latin typeface="나눔스퀘어 Bold" panose="020B0600000101010101" pitchFamily="50" charset="-127"/>
+              <a:ea typeface="나눔스퀘어 Bold" panose="020B0600000101010101" pitchFamily="50" charset="-127"/>
+            </a:endParaRPr>
+          </a:p>
+        </p:txBody>
+      </p:sp>
+      <p:sp>
+        <p:nvSpPr>
+          <p:cNvPr id="9" name="TextBox 8"/>
+          <p:cNvSpPr txBox="1"/>
+          <p:nvPr/>
+        </p:nvSpPr>
+        <p:spPr>
+          <a:xfrm>
+            <a:off x="1088238" y="437393"/>
+            <a:ext cx="5396382" cy="584775"/>
+          </a:xfrm>
+          <a:prstGeom prst="rect">
+            <a:avLst/>
+          </a:prstGeom>
+          <a:noFill/>
+        </p:spPr>
+        <p:txBody>
+          <a:bodyPr wrap="square" rtlCol="0">
+            <a:spAutoFit/>
+          </a:bodyPr>
+          <a:lstStyle/>
+          <a:p>
+            <a:r>
+              <a:rPr lang="en-US" altLang="ko-KR" sz="3200" spc="-150" smtClean="0">
+                <a:solidFill>
+                  <a:srgbClr val="00002F"/>
+                </a:solidFill>
+                <a:latin typeface="나눔스퀘어 ExtraBold" panose="020B0600000101010101" pitchFamily="50" charset="-127"/>
+                <a:ea typeface="나눔스퀘어 ExtraBold" panose="020B0600000101010101" pitchFamily="50" charset="-127"/>
+              </a:rPr>
               <a:t>Mlflow Tracking</a:t>
             </a:r>
             <a:endParaRPr lang="en-US" altLang="ko-KR" sz="3200" spc="-150">
@@ -3637,7 +9635,7 @@
         </p:nvGrpSpPr>
         <p:grpSpPr>
           <a:xfrm>
-            <a:off x="1627176" y="2200656"/>
+            <a:off x="1627176" y="2067653"/>
             <a:ext cx="1826620" cy="2224221"/>
             <a:chOff x="1627176" y="2317033"/>
             <a:chExt cx="1826620" cy="2224221"/>
@@ -3951,7 +9949,7 @@
         </p:nvGrpSpPr>
         <p:grpSpPr>
           <a:xfrm>
-            <a:off x="5127712" y="1663874"/>
+            <a:off x="5127712" y="1530871"/>
             <a:ext cx="1733371" cy="3473990"/>
             <a:chOff x="4617523" y="1780251"/>
             <a:chExt cx="1733371" cy="3473990"/>
@@ -4391,7 +10389,7 @@
         </p:nvGrpSpPr>
         <p:grpSpPr>
           <a:xfrm>
-            <a:off x="8534998" y="2196706"/>
+            <a:off x="8534998" y="2063703"/>
             <a:ext cx="2021011" cy="2398473"/>
             <a:chOff x="7421092" y="2158104"/>
             <a:chExt cx="2021011" cy="2398473"/>
@@ -4708,7 +10706,7 @@
         </p:nvCxnSpPr>
         <p:spPr>
           <a:xfrm flipV="1">
-            <a:off x="3453796" y="1850911"/>
+            <a:off x="3453796" y="1717908"/>
             <a:ext cx="1673916" cy="536782"/>
           </a:xfrm>
           <a:prstGeom prst="straightConnector1">
@@ -4747,7 +10745,7 @@
         </p:nvCxnSpPr>
         <p:spPr>
           <a:xfrm flipV="1">
-            <a:off x="3453796" y="2383743"/>
+            <a:off x="3453796" y="2250740"/>
             <a:ext cx="1673916" cy="3950"/>
           </a:xfrm>
           <a:prstGeom prst="straightConnector1">
@@ -4786,7 +10784,7 @@
         </p:nvCxnSpPr>
         <p:spPr>
           <a:xfrm>
-            <a:off x="3453796" y="2387693"/>
+            <a:off x="3453796" y="2254690"/>
             <a:ext cx="1673916" cy="528882"/>
           </a:xfrm>
           <a:prstGeom prst="straightConnector1">
@@ -4825,7 +10823,7 @@
         </p:nvCxnSpPr>
         <p:spPr>
           <a:xfrm>
-            <a:off x="3453796" y="2387693"/>
+            <a:off x="3453796" y="2254690"/>
             <a:ext cx="1673916" cy="1497472"/>
           </a:xfrm>
           <a:prstGeom prst="straightConnector1">
@@ -4864,7 +10862,7 @@
         </p:nvCxnSpPr>
         <p:spPr>
           <a:xfrm>
-            <a:off x="3453796" y="2387693"/>
+            <a:off x="3453796" y="2254690"/>
             <a:ext cx="1673916" cy="2030304"/>
           </a:xfrm>
           <a:prstGeom prst="straightConnector1">
@@ -4903,7 +10901,7 @@
         </p:nvCxnSpPr>
         <p:spPr>
           <a:xfrm>
-            <a:off x="3453796" y="3751036"/>
+            <a:off x="3453796" y="3618033"/>
             <a:ext cx="1673916" cy="1199792"/>
           </a:xfrm>
           <a:prstGeom prst="straightConnector1">
@@ -4942,7 +10940,7 @@
         </p:nvCxnSpPr>
         <p:spPr>
           <a:xfrm>
-            <a:off x="6861083" y="2383743"/>
+            <a:off x="6861083" y="2250740"/>
             <a:ext cx="1673915" cy="0"/>
           </a:xfrm>
           <a:prstGeom prst="straightConnector1">
@@ -4981,7 +10979,7 @@
         </p:nvCxnSpPr>
         <p:spPr>
           <a:xfrm>
-            <a:off x="3453796" y="4237841"/>
+            <a:off x="3453796" y="4104838"/>
             <a:ext cx="1673916" cy="180156"/>
           </a:xfrm>
           <a:prstGeom prst="straightConnector1">
@@ -5020,7 +11018,7 @@
         </p:nvCxnSpPr>
         <p:spPr>
           <a:xfrm>
-            <a:off x="6861083" y="3885165"/>
+            <a:off x="6861083" y="3752162"/>
             <a:ext cx="1673915" cy="522978"/>
           </a:xfrm>
           <a:prstGeom prst="straightConnector1">
@@ -5059,7 +11057,7 @@
         </p:nvCxnSpPr>
         <p:spPr>
           <a:xfrm flipV="1">
-            <a:off x="6861083" y="4408143"/>
+            <a:off x="6861083" y="4275140"/>
             <a:ext cx="1673915" cy="542685"/>
           </a:xfrm>
           <a:prstGeom prst="straightConnector1">
@@ -5098,7 +11096,7 @@
         </p:nvCxnSpPr>
         <p:spPr>
           <a:xfrm flipV="1">
-            <a:off x="6861083" y="3877774"/>
+            <a:off x="6861083" y="3744771"/>
             <a:ext cx="1673915" cy="540223"/>
           </a:xfrm>
           <a:prstGeom prst="straightConnector1">
@@ -5137,7 +11135,7 @@
         </p:nvCxnSpPr>
         <p:spPr>
           <a:xfrm flipV="1">
-            <a:off x="6861083" y="2914111"/>
+            <a:off x="6861083" y="2781108"/>
             <a:ext cx="1673915" cy="971054"/>
           </a:xfrm>
           <a:prstGeom prst="straightConnector1">
@@ -5176,7 +11174,7 @@
         </p:nvCxnSpPr>
         <p:spPr>
           <a:xfrm>
-            <a:off x="6861083" y="1850911"/>
+            <a:off x="6861083" y="1717908"/>
             <a:ext cx="1673915" cy="2026863"/>
           </a:xfrm>
           <a:prstGeom prst="straightConnector1">
@@ -5214,7 +11212,7 @@
         </p:nvCxnSpPr>
         <p:spPr>
           <a:xfrm flipV="1">
-            <a:off x="6825885" y="2383743"/>
+            <a:off x="6825885" y="2250740"/>
             <a:ext cx="1709113" cy="530051"/>
           </a:xfrm>
           <a:prstGeom prst="straightConnector1">
@@ -5253,7 +11251,7 @@
         </p:nvCxnSpPr>
         <p:spPr>
           <a:xfrm>
-            <a:off x="3453796" y="2874498"/>
+            <a:off x="3453796" y="2741495"/>
             <a:ext cx="1673916" cy="2076330"/>
           </a:xfrm>
           <a:prstGeom prst="straightConnector1">
@@ -5292,7 +11290,7 @@
         </p:nvCxnSpPr>
         <p:spPr>
           <a:xfrm flipV="1">
-            <a:off x="6861083" y="2914111"/>
+            <a:off x="6861083" y="2781108"/>
             <a:ext cx="1673915" cy="1503886"/>
           </a:xfrm>
           <a:prstGeom prst="straightConnector1">
@@ -5324,203 +11322,6 @@
     <p:extLst>
       <p:ext uri="{BB962C8B-B14F-4D97-AF65-F5344CB8AC3E}">
         <p14:creationId xmlns:p14="http://schemas.microsoft.com/office/powerpoint/2010/main" val="294693411"/>
-      </p:ext>
-    </p:extLst>
-  </p:cSld>
-  <p:clrMapOvr>
-    <a:masterClrMapping/>
-  </p:clrMapOvr>
-</p:sld>
-</file>
-
-<file path=ppt/slides/slide7.xml><?xml version="1.0" encoding="utf-8"?>
-<p:sld xmlns:a="http://schemas.openxmlformats.org/drawingml/2006/main" xmlns:r="http://schemas.openxmlformats.org/officeDocument/2006/relationships" xmlns:p="http://schemas.openxmlformats.org/presentationml/2006/main">
-  <p:cSld>
-    <p:spTree>
-      <p:nvGrpSpPr>
-        <p:cNvPr id="1" name=""/>
-        <p:cNvGrpSpPr/>
-        <p:nvPr/>
-      </p:nvGrpSpPr>
-      <p:grpSpPr>
-        <a:xfrm>
-          <a:off x="0" y="0"/>
-          <a:ext cx="0" cy="0"/>
-          <a:chOff x="0" y="0"/>
-          <a:chExt cx="0" cy="0"/>
-        </a:xfrm>
-      </p:grpSpPr>
-      <p:sp>
-        <p:nvSpPr>
-          <p:cNvPr id="12" name="TextBox 11"/>
-          <p:cNvSpPr txBox="1"/>
-          <p:nvPr/>
-        </p:nvSpPr>
-        <p:spPr>
-          <a:xfrm>
-            <a:off x="455532" y="498947"/>
-            <a:ext cx="614271" cy="461665"/>
-          </a:xfrm>
-          <a:prstGeom prst="rect">
-            <a:avLst/>
-          </a:prstGeom>
-          <a:noFill/>
-        </p:spPr>
-        <p:txBody>
-          <a:bodyPr wrap="square" rtlCol="0">
-            <a:spAutoFit/>
-          </a:bodyPr>
-          <a:lstStyle/>
-          <a:p>
-            <a:pPr algn="ctr"/>
-            <a:r>
-              <a:rPr lang="en-US" altLang="ko-KR" sz="2400" spc="-150" smtClean="0">
-                <a:solidFill>
-                  <a:srgbClr val="00002F"/>
-                </a:solidFill>
-                <a:latin typeface="나눔스퀘어 ExtraBold" panose="020B0600000101010101" pitchFamily="50" charset="-127"/>
-                <a:ea typeface="나눔스퀘어 ExtraBold" panose="020B0600000101010101" pitchFamily="50" charset="-127"/>
-              </a:rPr>
-              <a:t>02.</a:t>
-            </a:r>
-            <a:endParaRPr lang="ko-KR" altLang="en-US" sz="2400" spc="-150" dirty="0">
-              <a:solidFill>
-                <a:srgbClr val="00002F"/>
-              </a:solidFill>
-              <a:latin typeface="나눔스퀘어 ExtraBold" panose="020B0600000101010101" pitchFamily="50" charset="-127"/>
-              <a:ea typeface="나눔스퀘어 ExtraBold" panose="020B0600000101010101" pitchFamily="50" charset="-127"/>
-            </a:endParaRPr>
-          </a:p>
-        </p:txBody>
-      </p:sp>
-      <p:sp>
-        <p:nvSpPr>
-          <p:cNvPr id="36" name="TextBox 35">
-            <a:extLst>
-              <a:ext uri="{FF2B5EF4-FFF2-40B4-BE49-F238E27FC236}">
-                <a16:creationId xmlns:a16="http://schemas.microsoft.com/office/drawing/2014/main" id="{76BF0B6A-32FF-436D-83C4-AB1F31C134F8}"/>
-              </a:ext>
-            </a:extLst>
-          </p:cNvPr>
-          <p:cNvSpPr txBox="1"/>
-          <p:nvPr/>
-        </p:nvSpPr>
-        <p:spPr>
-          <a:xfrm>
-            <a:off x="1119982" y="1075034"/>
-            <a:ext cx="2596341" cy="307777"/>
-          </a:xfrm>
-          <a:prstGeom prst="rect">
-            <a:avLst/>
-          </a:prstGeom>
-          <a:noFill/>
-        </p:spPr>
-        <p:txBody>
-          <a:bodyPr wrap="square" rtlCol="0">
-            <a:spAutoFit/>
-          </a:bodyPr>
-          <a:lstStyle/>
-          <a:p>
-            <a:r>
-              <a:rPr lang="en-US" altLang="ko-KR" sz="1400" spc="-100" smtClean="0">
-                <a:ln>
-                  <a:solidFill>
-                    <a:schemeClr val="bg1">
-                      <a:lumMod val="65000"/>
-                      <a:alpha val="0"/>
-                    </a:schemeClr>
-                  </a:solidFill>
-                </a:ln>
-                <a:latin typeface="나눔스퀘어 ExtraBold" panose="020B0600000101010101" pitchFamily="50" charset="-127"/>
-                <a:ea typeface="나눔스퀘어 ExtraBold" panose="020B0600000101010101" pitchFamily="50" charset="-127"/>
-              </a:rPr>
-              <a:t>Needs</a:t>
-            </a:r>
-            <a:endParaRPr lang="ko-KR" altLang="en-US" sz="1400" spc="-100" dirty="0">
-              <a:ln>
-                <a:solidFill>
-                  <a:schemeClr val="bg1">
-                    <a:lumMod val="65000"/>
-                    <a:alpha val="0"/>
-                  </a:schemeClr>
-                </a:solidFill>
-              </a:ln>
-              <a:latin typeface="나눔스퀘어 ExtraBold" panose="020B0600000101010101" pitchFamily="50" charset="-127"/>
-              <a:ea typeface="나눔스퀘어 ExtraBold" panose="020B0600000101010101" pitchFamily="50" charset="-127"/>
-            </a:endParaRPr>
-          </a:p>
-        </p:txBody>
-      </p:sp>
-      <p:sp>
-        <p:nvSpPr>
-          <p:cNvPr id="9" name="TextBox 8"/>
-          <p:cNvSpPr txBox="1"/>
-          <p:nvPr/>
-        </p:nvSpPr>
-        <p:spPr>
-          <a:xfrm>
-            <a:off x="1088238" y="437393"/>
-            <a:ext cx="5396382" cy="584775"/>
-          </a:xfrm>
-          <a:prstGeom prst="rect">
-            <a:avLst/>
-          </a:prstGeom>
-          <a:noFill/>
-        </p:spPr>
-        <p:txBody>
-          <a:bodyPr wrap="square" rtlCol="0">
-            <a:spAutoFit/>
-          </a:bodyPr>
-          <a:lstStyle/>
-          <a:p>
-            <a:r>
-              <a:rPr lang="en-US" altLang="ko-KR" sz="3200" spc="-150" smtClean="0">
-                <a:solidFill>
-                  <a:srgbClr val="00002F"/>
-                </a:solidFill>
-                <a:latin typeface="나눔스퀘어 ExtraBold" panose="020B0600000101010101" pitchFamily="50" charset="-127"/>
-                <a:ea typeface="나눔스퀘어 ExtraBold" panose="020B0600000101010101" pitchFamily="50" charset="-127"/>
-              </a:rPr>
-              <a:t>Mlflow Tracking</a:t>
-            </a:r>
-            <a:endParaRPr lang="en-US" altLang="ko-KR" sz="3200" spc="-150">
-              <a:solidFill>
-                <a:srgbClr val="00002F"/>
-              </a:solidFill>
-              <a:latin typeface="나눔스퀘어 ExtraBold" panose="020B0600000101010101" pitchFamily="50" charset="-127"/>
-              <a:ea typeface="나눔스퀘어 ExtraBold" panose="020B0600000101010101" pitchFamily="50" charset="-127"/>
-            </a:endParaRPr>
-          </a:p>
-        </p:txBody>
-      </p:sp>
-      <p:pic>
-        <p:nvPicPr>
-          <p:cNvPr id="5" name="그림 4"/>
-          <p:cNvPicPr>
-            <a:picLocks noChangeAspect="1"/>
-          </p:cNvPicPr>
-          <p:nvPr/>
-        </p:nvPicPr>
-        <p:blipFill>
-          <a:blip r:embed="rId2"/>
-          <a:stretch>
-            <a:fillRect/>
-          </a:stretch>
-        </p:blipFill>
-        <p:spPr>
-          <a:xfrm>
-            <a:off x="3100742" y="1830406"/>
-            <a:ext cx="5990516" cy="4510599"/>
-          </a:xfrm>
-          <a:prstGeom prst="rect">
-            <a:avLst/>
-          </a:prstGeom>
-        </p:spPr>
-      </p:pic>
-    </p:spTree>
-    <p:extLst>
-      <p:ext uri="{BB962C8B-B14F-4D97-AF65-F5344CB8AC3E}">
-        <p14:creationId xmlns:p14="http://schemas.microsoft.com/office/powerpoint/2010/main" val="3243341211"/>
       </p:ext>
     </p:extLst>
   </p:cSld>
@@ -5650,6 +11451,86 @@
       </p:sp>
       <p:sp>
         <p:nvSpPr>
+          <p:cNvPr id="6" name="TextBox 5">
+            <a:extLst>
+              <a:ext uri="{FF2B5EF4-FFF2-40B4-BE49-F238E27FC236}">
+                <a16:creationId xmlns:a16="http://schemas.microsoft.com/office/drawing/2014/main" id="{C40C17C7-6436-43BB-AB8B-1F1856BAF096}"/>
+              </a:ext>
+            </a:extLst>
+          </p:cNvPr>
+          <p:cNvSpPr txBox="1"/>
+          <p:nvPr/>
+        </p:nvSpPr>
+        <p:spPr>
+          <a:xfrm>
+            <a:off x="2518969" y="5754857"/>
+            <a:ext cx="7154062" cy="411972"/>
+          </a:xfrm>
+          <a:prstGeom prst="rect">
+            <a:avLst/>
+          </a:prstGeom>
+          <a:noFill/>
+        </p:spPr>
+        <p:txBody>
+          <a:bodyPr wrap="square" rtlCol="0" anchor="ctr">
+            <a:spAutoFit/>
+          </a:bodyPr>
+          <a:lstStyle/>
+          <a:p>
+            <a:pPr marL="171450" indent="-171450" algn="ctr">
+              <a:lnSpc>
+                <a:spcPct val="200000"/>
+              </a:lnSpc>
+              <a:buFont typeface="Arial" panose="020B0604020202020204" pitchFamily="34" charset="0"/>
+              <a:buChar char="•"/>
+            </a:pPr>
+            <a:r>
+              <a:rPr lang="ko-KR" altLang="en-US" sz="1200" spc="-103" smtClean="0">
+                <a:ln>
+                  <a:solidFill>
+                    <a:schemeClr val="bg1">
+                      <a:lumMod val="85000"/>
+                      <a:alpha val="0"/>
+                    </a:schemeClr>
+                  </a:solidFill>
+                </a:ln>
+                <a:latin typeface="나눔스퀘어 Bold" panose="020B0600000101010101" pitchFamily="50" charset="-127"/>
+                <a:ea typeface="나눔스퀘어 Bold" panose="020B0600000101010101" pitchFamily="50" charset="-127"/>
+              </a:rPr>
+              <a:t>갓셀에 순서대로 기록하자</a:t>
+            </a:r>
+            <a:r>
+              <a:rPr lang="en-US" altLang="ko-KR" sz="1200" spc="-103" smtClean="0">
+                <a:ln>
+                  <a:solidFill>
+                    <a:schemeClr val="bg1">
+                      <a:lumMod val="85000"/>
+                      <a:alpha val="0"/>
+                    </a:schemeClr>
+                  </a:solidFill>
+                </a:ln>
+                <a:latin typeface="나눔스퀘어 Bold" panose="020B0600000101010101" pitchFamily="50" charset="-127"/>
+                <a:ea typeface="나눔스퀘어 Bold" panose="020B0600000101010101" pitchFamily="50" charset="-127"/>
+              </a:rPr>
+              <a:t>.</a:t>
+            </a:r>
+            <a:endParaRPr lang="en-US" altLang="ko-KR" sz="1200" spc="-103" smtClean="0">
+              <a:ln>
+                <a:solidFill>
+                  <a:schemeClr val="bg1">
+                    <a:lumMod val="85000"/>
+                    <a:alpha val="0"/>
+                  </a:schemeClr>
+                </a:solidFill>
+              </a:ln>
+              <a:latin typeface="나눔스퀘어 Bold" panose="020B0600000101010101" pitchFamily="50" charset="-127"/>
+              <a:ea typeface="나눔스퀘어 Bold" panose="020B0600000101010101" pitchFamily="50" charset="-127"/>
+            </a:endParaRPr>
+          </a:p>
+        </p:txBody>
+      </p:sp>
+      <p:sp>
+        <p:nvSpPr>
           <p:cNvPr id="9" name="TextBox 8"/>
           <p:cNvSpPr txBox="1"/>
           <p:nvPr/>
@@ -5692,32 +11573,541 @@
       </p:sp>
       <p:pic>
         <p:nvPicPr>
-          <p:cNvPr id="2" name="그림 1"/>
+          <p:cNvPr id="2052" name="Picture 4" descr="엑셀 AZURE 머신러닝 데이터 분석 방법 :: 미세먼지 예측 예제 - 오빠두엑셀"/>
           <p:cNvPicPr>
-            <a:picLocks noChangeAspect="1"/>
+            <a:picLocks noChangeAspect="1" noChangeArrowheads="1"/>
           </p:cNvPicPr>
           <p:nvPr/>
         </p:nvPicPr>
         <p:blipFill>
-          <a:blip r:embed="rId2"/>
+          <a:blip r:embed="rId2">
+            <a:extLst>
+              <a:ext uri="{28A0092B-C50C-407E-A947-70E740481C1C}">
+                <a14:useLocalDpi xmlns:a14="http://schemas.microsoft.com/office/drawing/2010/main" val="0"/>
+              </a:ext>
+            </a:extLst>
+          </a:blip>
+          <a:srcRect/>
           <a:stretch>
             <a:fillRect/>
           </a:stretch>
         </p:blipFill>
-        <p:spPr>
+        <p:spPr bwMode="auto">
           <a:xfrm>
-            <a:off x="1385280" y="1799510"/>
-            <a:ext cx="9421441" cy="4406135"/>
+            <a:off x="3328119" y="1892876"/>
+            <a:ext cx="5535762" cy="3353395"/>
           </a:xfrm>
           <a:prstGeom prst="rect">
             <a:avLst/>
           </a:prstGeom>
+          <a:noFill/>
+          <a:extLst>
+            <a:ext uri="{909E8E84-426E-40DD-AFC4-6F175D3DCCD1}">
+              <a14:hiddenFill xmlns:a14="http://schemas.microsoft.com/office/drawing/2010/main">
+                <a:solidFill>
+                  <a:srgbClr val="FFFFFF"/>
+                </a:solidFill>
+              </a14:hiddenFill>
+            </a:ext>
+          </a:extLst>
         </p:spPr>
       </p:pic>
     </p:spTree>
     <p:extLst>
       <p:ext uri="{BB962C8B-B14F-4D97-AF65-F5344CB8AC3E}">
-        <p14:creationId xmlns:p14="http://schemas.microsoft.com/office/powerpoint/2010/main" val="1717091195"/>
+        <p14:creationId xmlns:p14="http://schemas.microsoft.com/office/powerpoint/2010/main" val="601578115"/>
+      </p:ext>
+    </p:extLst>
+  </p:cSld>
+  <p:clrMapOvr>
+    <a:masterClrMapping/>
+  </p:clrMapOvr>
+</p:sld>
+</file>
+
+<file path=ppt/slides/slide9.xml><?xml version="1.0" encoding="utf-8"?>
+<p:sld xmlns:a="http://schemas.openxmlformats.org/drawingml/2006/main" xmlns:r="http://schemas.openxmlformats.org/officeDocument/2006/relationships" xmlns:p="http://schemas.openxmlformats.org/presentationml/2006/main">
+  <p:cSld>
+    <p:spTree>
+      <p:nvGrpSpPr>
+        <p:cNvPr id="1" name=""/>
+        <p:cNvGrpSpPr/>
+        <p:nvPr/>
+      </p:nvGrpSpPr>
+      <p:grpSpPr>
+        <a:xfrm>
+          <a:off x="0" y="0"/>
+          <a:ext cx="0" cy="0"/>
+          <a:chOff x="0" y="0"/>
+          <a:chExt cx="0" cy="0"/>
+        </a:xfrm>
+      </p:grpSpPr>
+      <p:sp>
+        <p:nvSpPr>
+          <p:cNvPr id="12" name="TextBox 11"/>
+          <p:cNvSpPr txBox="1"/>
+          <p:nvPr/>
+        </p:nvSpPr>
+        <p:spPr>
+          <a:xfrm>
+            <a:off x="455532" y="498947"/>
+            <a:ext cx="614271" cy="461665"/>
+          </a:xfrm>
+          <a:prstGeom prst="rect">
+            <a:avLst/>
+          </a:prstGeom>
+          <a:noFill/>
+        </p:spPr>
+        <p:txBody>
+          <a:bodyPr wrap="square" rtlCol="0">
+            <a:spAutoFit/>
+          </a:bodyPr>
+          <a:lstStyle/>
+          <a:p>
+            <a:pPr algn="ctr"/>
+            <a:r>
+              <a:rPr lang="en-US" altLang="ko-KR" sz="2400" spc="-150" smtClean="0">
+                <a:solidFill>
+                  <a:srgbClr val="00002F"/>
+                </a:solidFill>
+                <a:latin typeface="나눔스퀘어 ExtraBold" panose="020B0600000101010101" pitchFamily="50" charset="-127"/>
+                <a:ea typeface="나눔스퀘어 ExtraBold" panose="020B0600000101010101" pitchFamily="50" charset="-127"/>
+              </a:rPr>
+              <a:t>02.</a:t>
+            </a:r>
+            <a:endParaRPr lang="ko-KR" altLang="en-US" sz="2400" spc="-150" dirty="0">
+              <a:solidFill>
+                <a:srgbClr val="00002F"/>
+              </a:solidFill>
+              <a:latin typeface="나눔스퀘어 ExtraBold" panose="020B0600000101010101" pitchFamily="50" charset="-127"/>
+              <a:ea typeface="나눔스퀘어 ExtraBold" panose="020B0600000101010101" pitchFamily="50" charset="-127"/>
+            </a:endParaRPr>
+          </a:p>
+        </p:txBody>
+      </p:sp>
+      <p:sp>
+        <p:nvSpPr>
+          <p:cNvPr id="36" name="TextBox 35">
+            <a:extLst>
+              <a:ext uri="{FF2B5EF4-FFF2-40B4-BE49-F238E27FC236}">
+                <a16:creationId xmlns:a16="http://schemas.microsoft.com/office/drawing/2014/main" id="{76BF0B6A-32FF-436D-83C4-AB1F31C134F8}"/>
+              </a:ext>
+            </a:extLst>
+          </p:cNvPr>
+          <p:cNvSpPr txBox="1"/>
+          <p:nvPr/>
+        </p:nvSpPr>
+        <p:spPr>
+          <a:xfrm>
+            <a:off x="1119982" y="1075034"/>
+            <a:ext cx="2596341" cy="307777"/>
+          </a:xfrm>
+          <a:prstGeom prst="rect">
+            <a:avLst/>
+          </a:prstGeom>
+          <a:noFill/>
+        </p:spPr>
+        <p:txBody>
+          <a:bodyPr wrap="square" rtlCol="0">
+            <a:spAutoFit/>
+          </a:bodyPr>
+          <a:lstStyle/>
+          <a:p>
+            <a:r>
+              <a:rPr lang="en-US" altLang="ko-KR" sz="1400" spc="-100" smtClean="0">
+                <a:ln>
+                  <a:solidFill>
+                    <a:schemeClr val="bg1">
+                      <a:lumMod val="65000"/>
+                      <a:alpha val="0"/>
+                    </a:schemeClr>
+                  </a:solidFill>
+                </a:ln>
+                <a:latin typeface="나눔스퀘어 ExtraBold" panose="020B0600000101010101" pitchFamily="50" charset="-127"/>
+                <a:ea typeface="나눔스퀘어 ExtraBold" panose="020B0600000101010101" pitchFamily="50" charset="-127"/>
+              </a:rPr>
+              <a:t>Needs</a:t>
+            </a:r>
+            <a:endParaRPr lang="ko-KR" altLang="en-US" sz="1400" spc="-100" dirty="0">
+              <a:ln>
+                <a:solidFill>
+                  <a:schemeClr val="bg1">
+                    <a:lumMod val="65000"/>
+                    <a:alpha val="0"/>
+                  </a:schemeClr>
+                </a:solidFill>
+              </a:ln>
+              <a:latin typeface="나눔스퀘어 ExtraBold" panose="020B0600000101010101" pitchFamily="50" charset="-127"/>
+              <a:ea typeface="나눔스퀘어 ExtraBold" panose="020B0600000101010101" pitchFamily="50" charset="-127"/>
+            </a:endParaRPr>
+          </a:p>
+        </p:txBody>
+      </p:sp>
+      <p:sp>
+        <p:nvSpPr>
+          <p:cNvPr id="6" name="TextBox 5">
+            <a:extLst>
+              <a:ext uri="{FF2B5EF4-FFF2-40B4-BE49-F238E27FC236}">
+                <a16:creationId xmlns:a16="http://schemas.microsoft.com/office/drawing/2014/main" id="{C40C17C7-6436-43BB-AB8B-1F1856BAF096}"/>
+              </a:ext>
+            </a:extLst>
+          </p:cNvPr>
+          <p:cNvSpPr txBox="1"/>
+          <p:nvPr/>
+        </p:nvSpPr>
+        <p:spPr>
+          <a:xfrm>
+            <a:off x="3867114" y="5076473"/>
+            <a:ext cx="4457773" cy="1200329"/>
+          </a:xfrm>
+          <a:prstGeom prst="rect">
+            <a:avLst/>
+          </a:prstGeom>
+          <a:noFill/>
+        </p:spPr>
+        <p:txBody>
+          <a:bodyPr wrap="square" rtlCol="0" anchor="ctr">
+            <a:spAutoFit/>
+          </a:bodyPr>
+          <a:lstStyle/>
+          <a:p>
+            <a:pPr marL="171450" indent="-171450">
+              <a:lnSpc>
+                <a:spcPct val="200000"/>
+              </a:lnSpc>
+              <a:buFont typeface="Arial" panose="020B0604020202020204" pitchFamily="34" charset="0"/>
+              <a:buChar char="•"/>
+            </a:pPr>
+            <a:r>
+              <a:rPr lang="ko-KR" altLang="en-US" sz="1200" spc="-103" smtClean="0">
+                <a:ln>
+                  <a:solidFill>
+                    <a:schemeClr val="bg1">
+                      <a:lumMod val="85000"/>
+                      <a:alpha val="0"/>
+                    </a:schemeClr>
+                  </a:solidFill>
+                </a:ln>
+                <a:latin typeface="나눔스퀘어 Bold" panose="020B0600000101010101" pitchFamily="50" charset="-127"/>
+                <a:ea typeface="나눔스퀘어 Bold" panose="020B0600000101010101" pitchFamily="50" charset="-127"/>
+              </a:rPr>
+              <a:t>실험이 </a:t>
+            </a:r>
+            <a:r>
+              <a:rPr lang="en-US" altLang="ko-KR" sz="1200" spc="-103" smtClean="0">
+                <a:ln>
+                  <a:solidFill>
+                    <a:schemeClr val="bg1">
+                      <a:lumMod val="85000"/>
+                      <a:alpha val="0"/>
+                    </a:schemeClr>
+                  </a:solidFill>
+                </a:ln>
+                <a:latin typeface="나눔스퀘어 Bold" panose="020B0600000101010101" pitchFamily="50" charset="-127"/>
+                <a:ea typeface="나눔스퀘어 Bold" panose="020B0600000101010101" pitchFamily="50" charset="-127"/>
+              </a:rPr>
+              <a:t>100</a:t>
+            </a:r>
+            <a:r>
+              <a:rPr lang="ko-KR" altLang="en-US" sz="1200" spc="-103" smtClean="0">
+                <a:ln>
+                  <a:solidFill>
+                    <a:schemeClr val="bg1">
+                      <a:lumMod val="85000"/>
+                      <a:alpha val="0"/>
+                    </a:schemeClr>
+                  </a:solidFill>
+                </a:ln>
+                <a:latin typeface="나눔스퀘어 Bold" panose="020B0600000101010101" pitchFamily="50" charset="-127"/>
+                <a:ea typeface="나눔스퀘어 Bold" panose="020B0600000101010101" pitchFamily="50" charset="-127"/>
+              </a:rPr>
+              <a:t>번 넘게 이루어진다면</a:t>
+            </a:r>
+            <a:r>
+              <a:rPr lang="en-US" altLang="ko-KR" sz="1200" spc="-103" smtClean="0">
+                <a:ln>
+                  <a:solidFill>
+                    <a:schemeClr val="bg1">
+                      <a:lumMod val="85000"/>
+                      <a:alpha val="0"/>
+                    </a:schemeClr>
+                  </a:solidFill>
+                </a:ln>
+                <a:latin typeface="나눔스퀘어 Bold" panose="020B0600000101010101" pitchFamily="50" charset="-127"/>
+                <a:ea typeface="나눔스퀘어 Bold" panose="020B0600000101010101" pitchFamily="50" charset="-127"/>
+              </a:rPr>
+              <a:t>…</a:t>
+            </a:r>
+          </a:p>
+          <a:p>
+            <a:pPr marL="171450" indent="-171450">
+              <a:lnSpc>
+                <a:spcPct val="200000"/>
+              </a:lnSpc>
+              <a:buFont typeface="Arial" panose="020B0604020202020204" pitchFamily="34" charset="0"/>
+              <a:buChar char="•"/>
+            </a:pPr>
+            <a:r>
+              <a:rPr lang="ko-KR" altLang="en-US" sz="1200" spc="-103" smtClean="0">
+                <a:ln>
+                  <a:solidFill>
+                    <a:schemeClr val="bg1">
+                      <a:lumMod val="85000"/>
+                      <a:alpha val="0"/>
+                    </a:schemeClr>
+                  </a:solidFill>
+                </a:ln>
+                <a:latin typeface="나눔스퀘어 Bold" panose="020B0600000101010101" pitchFamily="50" charset="-127"/>
+                <a:ea typeface="나눔스퀘어 Bold" panose="020B0600000101010101" pitchFamily="50" charset="-127"/>
+              </a:rPr>
+              <a:t>아</a:t>
+            </a:r>
+            <a:r>
+              <a:rPr lang="en-US" altLang="ko-KR" sz="1200" spc="-103" smtClean="0">
+                <a:ln>
+                  <a:solidFill>
+                    <a:schemeClr val="bg1">
+                      <a:lumMod val="85000"/>
+                      <a:alpha val="0"/>
+                    </a:schemeClr>
+                  </a:solidFill>
+                </a:ln>
+                <a:latin typeface="나눔스퀘어 Bold" panose="020B0600000101010101" pitchFamily="50" charset="-127"/>
+                <a:ea typeface="나눔스퀘어 Bold" panose="020B0600000101010101" pitchFamily="50" charset="-127"/>
+              </a:rPr>
+              <a:t>… </a:t>
+            </a:r>
+            <a:r>
+              <a:rPr lang="ko-KR" altLang="en-US" sz="1200" spc="-103" smtClean="0">
+                <a:ln>
+                  <a:solidFill>
+                    <a:schemeClr val="bg1">
+                      <a:lumMod val="85000"/>
+                      <a:alpha val="0"/>
+                    </a:schemeClr>
+                  </a:solidFill>
+                </a:ln>
+                <a:latin typeface="나눔스퀘어 Bold" panose="020B0600000101010101" pitchFamily="50" charset="-127"/>
+                <a:ea typeface="나눔스퀘어 Bold" panose="020B0600000101010101" pitchFamily="50" charset="-127"/>
+              </a:rPr>
+              <a:t>잘 못 적었네</a:t>
+            </a:r>
+            <a:endParaRPr lang="en-US" altLang="ko-KR" sz="1200" spc="-103" smtClean="0">
+              <a:ln>
+                <a:solidFill>
+                  <a:schemeClr val="bg1">
+                    <a:lumMod val="85000"/>
+                    <a:alpha val="0"/>
+                  </a:schemeClr>
+                </a:solidFill>
+              </a:ln>
+              <a:latin typeface="나눔스퀘어 Bold" panose="020B0600000101010101" pitchFamily="50" charset="-127"/>
+              <a:ea typeface="나눔스퀘어 Bold" panose="020B0600000101010101" pitchFamily="50" charset="-127"/>
+            </a:endParaRPr>
+          </a:p>
+          <a:p>
+            <a:pPr marL="171450" indent="-171450">
+              <a:lnSpc>
+                <a:spcPct val="200000"/>
+              </a:lnSpc>
+              <a:buFont typeface="Arial" panose="020B0604020202020204" pitchFamily="34" charset="0"/>
+              <a:buChar char="•"/>
+            </a:pPr>
+            <a:r>
+              <a:rPr lang="ko-KR" altLang="en-US" sz="1200" spc="-103" smtClean="0">
+                <a:ln>
+                  <a:solidFill>
+                    <a:schemeClr val="bg1">
+                      <a:lumMod val="85000"/>
+                      <a:alpha val="0"/>
+                    </a:schemeClr>
+                  </a:solidFill>
+                </a:ln>
+                <a:latin typeface="나눔스퀘어 Bold" panose="020B0600000101010101" pitchFamily="50" charset="-127"/>
+                <a:ea typeface="나눔스퀘어 Bold" panose="020B0600000101010101" pitchFamily="50" charset="-127"/>
+              </a:rPr>
+              <a:t>자동화하는 방법 없을까</a:t>
+            </a:r>
+            <a:r>
+              <a:rPr lang="en-US" altLang="ko-KR" sz="1200" spc="-103" smtClean="0">
+                <a:ln>
+                  <a:solidFill>
+                    <a:schemeClr val="bg1">
+                      <a:lumMod val="85000"/>
+                      <a:alpha val="0"/>
+                    </a:schemeClr>
+                  </a:solidFill>
+                </a:ln>
+                <a:latin typeface="나눔스퀘어 Bold" panose="020B0600000101010101" pitchFamily="50" charset="-127"/>
+                <a:ea typeface="나눔스퀘어 Bold" panose="020B0600000101010101" pitchFamily="50" charset="-127"/>
+              </a:rPr>
+              <a:t>? </a:t>
+            </a:r>
+            <a:r>
+              <a:rPr lang="ko-KR" altLang="en-US" sz="1200" spc="-103" smtClean="0">
+                <a:ln>
+                  <a:solidFill>
+                    <a:schemeClr val="bg1">
+                      <a:lumMod val="85000"/>
+                      <a:alpha val="0"/>
+                    </a:schemeClr>
+                  </a:solidFill>
+                </a:ln>
+                <a:latin typeface="나눔스퀘어 Bold" panose="020B0600000101010101" pitchFamily="50" charset="-127"/>
+                <a:ea typeface="나눔스퀘어 Bold" panose="020B0600000101010101" pitchFamily="50" charset="-127"/>
+              </a:rPr>
+              <a:t>그리고 예쁜</a:t>
+            </a:r>
+            <a:r>
+              <a:rPr lang="en-US" altLang="ko-KR" sz="1200" spc="-103">
+                <a:ln>
+                  <a:solidFill>
+                    <a:schemeClr val="bg1">
+                      <a:lumMod val="85000"/>
+                      <a:alpha val="0"/>
+                    </a:schemeClr>
+                  </a:solidFill>
+                </a:ln>
+                <a:latin typeface="나눔스퀘어 Bold" panose="020B0600000101010101" pitchFamily="50" charset="-127"/>
+                <a:ea typeface="나눔스퀘어 Bold" panose="020B0600000101010101" pitchFamily="50" charset="-127"/>
+              </a:rPr>
+              <a:t> </a:t>
+            </a:r>
+            <a:r>
+              <a:rPr lang="en-US" altLang="ko-KR" sz="1200" spc="-103" smtClean="0">
+                <a:ln>
+                  <a:solidFill>
+                    <a:schemeClr val="bg1">
+                      <a:lumMod val="85000"/>
+                      <a:alpha val="0"/>
+                    </a:schemeClr>
+                  </a:solidFill>
+                </a:ln>
+                <a:latin typeface="나눔스퀘어 Bold" panose="020B0600000101010101" pitchFamily="50" charset="-127"/>
+                <a:ea typeface="나눔스퀘어 Bold" panose="020B0600000101010101" pitchFamily="50" charset="-127"/>
+              </a:rPr>
+              <a:t>UI</a:t>
+            </a:r>
+            <a:r>
+              <a:rPr lang="ko-KR" altLang="en-US" sz="1200" spc="-103" smtClean="0">
+                <a:ln>
+                  <a:solidFill>
+                    <a:schemeClr val="bg1">
+                      <a:lumMod val="85000"/>
+                      <a:alpha val="0"/>
+                    </a:schemeClr>
+                  </a:solidFill>
+                </a:ln>
+                <a:latin typeface="나눔스퀘어 Bold" panose="020B0600000101010101" pitchFamily="50" charset="-127"/>
+                <a:ea typeface="나눔스퀘어 Bold" panose="020B0600000101010101" pitchFamily="50" charset="-127"/>
+              </a:rPr>
+              <a:t>로 기록들을 모아서 볼 수 없을까</a:t>
+            </a:r>
+            <a:r>
+              <a:rPr lang="en-US" altLang="ko-KR" sz="1200" spc="-103" smtClean="0">
+                <a:ln>
+                  <a:solidFill>
+                    <a:schemeClr val="bg1">
+                      <a:lumMod val="85000"/>
+                      <a:alpha val="0"/>
+                    </a:schemeClr>
+                  </a:solidFill>
+                </a:ln>
+                <a:latin typeface="나눔스퀘어 Bold" panose="020B0600000101010101" pitchFamily="50" charset="-127"/>
+                <a:ea typeface="나눔스퀘어 Bold" panose="020B0600000101010101" pitchFamily="50" charset="-127"/>
+              </a:rPr>
+              <a:t>?</a:t>
+            </a:r>
+          </a:p>
+        </p:txBody>
+      </p:sp>
+      <p:sp>
+        <p:nvSpPr>
+          <p:cNvPr id="9" name="TextBox 8"/>
+          <p:cNvSpPr txBox="1"/>
+          <p:nvPr/>
+        </p:nvSpPr>
+        <p:spPr>
+          <a:xfrm>
+            <a:off x="1088238" y="437393"/>
+            <a:ext cx="5396382" cy="584775"/>
+          </a:xfrm>
+          <a:prstGeom prst="rect">
+            <a:avLst/>
+          </a:prstGeom>
+          <a:noFill/>
+        </p:spPr>
+        <p:txBody>
+          <a:bodyPr wrap="square" rtlCol="0">
+            <a:spAutoFit/>
+          </a:bodyPr>
+          <a:lstStyle/>
+          <a:p>
+            <a:r>
+              <a:rPr lang="en-US" altLang="ko-KR" sz="3200" spc="-150" smtClean="0">
+                <a:solidFill>
+                  <a:srgbClr val="00002F"/>
+                </a:solidFill>
+                <a:latin typeface="나눔스퀘어 ExtraBold" panose="020B0600000101010101" pitchFamily="50" charset="-127"/>
+                <a:ea typeface="나눔스퀘어 ExtraBold" panose="020B0600000101010101" pitchFamily="50" charset="-127"/>
+              </a:rPr>
+              <a:t>Mlflow Tracking</a:t>
+            </a:r>
+            <a:endParaRPr lang="en-US" altLang="ko-KR" sz="3200" spc="-150">
+              <a:solidFill>
+                <a:srgbClr val="00002F"/>
+              </a:solidFill>
+              <a:latin typeface="나눔스퀘어 ExtraBold" panose="020B0600000101010101" pitchFamily="50" charset="-127"/>
+              <a:ea typeface="나눔스퀘어 ExtraBold" panose="020B0600000101010101" pitchFamily="50" charset="-127"/>
+            </a:endParaRPr>
+          </a:p>
+        </p:txBody>
+      </p:sp>
+      <p:pic>
+        <p:nvPicPr>
+          <p:cNvPr id="7" name="Picture 6" descr="웃긴짤모음(3) - 월요일, 출근짤, 사회생활짤"/>
+          <p:cNvPicPr>
+            <a:picLocks noChangeAspect="1" noChangeArrowheads="1"/>
+          </p:cNvPicPr>
+          <p:nvPr/>
+        </p:nvPicPr>
+        <p:blipFill>
+          <a:blip r:embed="rId2">
+            <a:extLst>
+              <a:ext uri="{28A0092B-C50C-407E-A947-70E740481C1C}">
+                <a14:useLocalDpi xmlns:a14="http://schemas.microsoft.com/office/drawing/2010/main" val="0"/>
+              </a:ext>
+            </a:extLst>
+          </a:blip>
+          <a:srcRect/>
+          <a:stretch>
+            <a:fillRect/>
+          </a:stretch>
+        </p:blipFill>
+        <p:spPr bwMode="auto">
+          <a:xfrm>
+            <a:off x="3734429" y="1872760"/>
+            <a:ext cx="4723141" cy="2928347"/>
+          </a:xfrm>
+          <a:prstGeom prst="rect">
+            <a:avLst/>
+          </a:prstGeom>
+          <a:noFill/>
+          <a:extLst>
+            <a:ext uri="{909E8E84-426E-40DD-AFC4-6F175D3DCCD1}">
+              <a14:hiddenFill xmlns:a14="http://schemas.microsoft.com/office/drawing/2010/main">
+                <a:solidFill>
+                  <a:srgbClr val="FFFFFF"/>
+                </a:solidFill>
+              </a14:hiddenFill>
+            </a:ext>
+          </a:extLst>
+        </p:spPr>
+      </p:pic>
+    </p:spTree>
+    <p:extLst>
+      <p:ext uri="{BB962C8B-B14F-4D97-AF65-F5344CB8AC3E}">
+        <p14:creationId xmlns:p14="http://schemas.microsoft.com/office/powerpoint/2010/main" val="2043085459"/>
       </p:ext>
     </p:extLst>
   </p:cSld>

--- a/MLflow.pptx
+++ b/MLflow.pptx
@@ -5,7 +5,7 @@
     <p:sldMasterId id="2147483656" r:id="rId1"/>
   </p:sldMasterIdLst>
   <p:notesMasterIdLst>
-    <p:notesMasterId r:id="rId23"/>
+    <p:notesMasterId r:id="rId22"/>
   </p:notesMasterIdLst>
   <p:sldIdLst>
     <p:sldId id="257" r:id="rId2"/>
@@ -22,29 +22,28 @@
     <p:sldId id="410" r:id="rId13"/>
     <p:sldId id="417" r:id="rId14"/>
     <p:sldId id="418" r:id="rId15"/>
-    <p:sldId id="419" r:id="rId16"/>
-    <p:sldId id="420" r:id="rId17"/>
-    <p:sldId id="422" r:id="rId18"/>
-    <p:sldId id="421" r:id="rId19"/>
-    <p:sldId id="423" r:id="rId20"/>
-    <p:sldId id="424" r:id="rId21"/>
-    <p:sldId id="425" r:id="rId22"/>
+    <p:sldId id="420" r:id="rId16"/>
+    <p:sldId id="422" r:id="rId17"/>
+    <p:sldId id="421" r:id="rId18"/>
+    <p:sldId id="423" r:id="rId19"/>
+    <p:sldId id="424" r:id="rId20"/>
+    <p:sldId id="425" r:id="rId21"/>
   </p:sldIdLst>
   <p:sldSz cx="12192000" cy="6858000"/>
   <p:notesSz cx="6858000" cy="9144000"/>
   <p:embeddedFontLst>
     <p:embeddedFont>
       <p:font typeface="나눔스퀘어 Bold" panose="020B0600000101010101" pitchFamily="50" charset="-127"/>
+      <p:bold r:id="rId23"/>
+    </p:embeddedFont>
+    <p:embeddedFont>
+      <p:font typeface="나눔스퀘어 ExtraBold" panose="020B0600000101010101" pitchFamily="50" charset="-127"/>
       <p:bold r:id="rId24"/>
     </p:embeddedFont>
     <p:embeddedFont>
       <p:font typeface="맑은 고딕" panose="020B0503020000020004" pitchFamily="50" charset="-127"/>
       <p:regular r:id="rId25"/>
       <p:bold r:id="rId26"/>
-    </p:embeddedFont>
-    <p:embeddedFont>
-      <p:font typeface="나눔스퀘어 ExtraBold" panose="020B0600000101010101" pitchFamily="50" charset="-127"/>
-      <p:bold r:id="rId27"/>
     </p:embeddedFont>
   </p:embeddedFontLst>
   <p:defaultTextStyle>
@@ -232,7 +231,7 @@
           <a:p>
             <a:fld id="{17FB36FB-C10C-479A-9DFD-15DEB134881C}" type="datetimeFigureOut">
               <a:rPr lang="ko-KR" altLang="en-US" smtClean="0"/>
-              <a:t>2022-01-12</a:t>
+              <a:t>2022-01-15</a:t>
             </a:fld>
             <a:endParaRPr lang="ko-KR" altLang="en-US"/>
           </a:p>
@@ -1017,7 +1016,7 @@
           <a:p>
             <a:pPr algn="ctr"/>
             <a:r>
-              <a:rPr lang="en-US" altLang="ko-KR" sz="5400" spc="-300" smtClean="0">
+              <a:rPr lang="en-US" altLang="ko-KR" sz="5400" spc="-300">
                 <a:solidFill>
                   <a:srgbClr val="00002F"/>
                 </a:solidFill>
@@ -1026,13 +1025,6 @@
               </a:rPr>
               <a:t>MLflow</a:t>
             </a:r>
-            <a:endParaRPr lang="en-US" altLang="ko-KR" sz="5400" spc="-300">
-              <a:solidFill>
-                <a:srgbClr val="00002F"/>
-              </a:solidFill>
-              <a:latin typeface="나눔스퀘어 ExtraBold" panose="020B0600000101010101" pitchFamily="50" charset="-127"/>
-              <a:ea typeface="나눔스퀘어 ExtraBold" panose="020B0600000101010101" pitchFamily="50" charset="-127"/>
-            </a:endParaRPr>
           </a:p>
         </p:txBody>
       </p:sp>
@@ -1066,7 +1058,7 @@
           <a:p>
             <a:pPr algn="ctr"/>
             <a:r>
-              <a:rPr lang="ko-KR" altLang="en-US" sz="1400" spc="-100" smtClean="0">
+              <a:rPr lang="ko-KR" altLang="en-US" sz="1400" spc="-100">
                 <a:ln>
                   <a:solidFill>
                     <a:schemeClr val="bg1">
@@ -1149,7 +1141,7 @@
           <a:p>
             <a:pPr algn="ctr"/>
             <a:r>
-              <a:rPr lang="en-US" altLang="ko-KR" sz="2400" spc="-150" smtClean="0">
+              <a:rPr lang="en-US" altLang="ko-KR" sz="2400" spc="-150">
                 <a:solidFill>
                   <a:srgbClr val="00002F"/>
                 </a:solidFill>
@@ -1197,7 +1189,7 @@
           <a:lstStyle/>
           <a:p>
             <a:r>
-              <a:rPr lang="en-US" altLang="ko-KR" sz="1400" spc="-100" smtClean="0">
+              <a:rPr lang="en-US" altLang="ko-KR" sz="1400" spc="-100">
                 <a:ln>
                   <a:solidFill>
                     <a:schemeClr val="bg1">
@@ -1249,7 +1241,7 @@
           <a:lstStyle/>
           <a:p>
             <a:r>
-              <a:rPr lang="en-US" altLang="ko-KR" sz="3200" spc="-150" smtClean="0">
+              <a:rPr lang="en-US" altLang="ko-KR" sz="3200" spc="-150">
                 <a:solidFill>
                   <a:srgbClr val="00002F"/>
                 </a:solidFill>
@@ -1258,13 +1250,6 @@
               </a:rPr>
               <a:t>Mlflow Tracking</a:t>
             </a:r>
-            <a:endParaRPr lang="en-US" altLang="ko-KR" sz="3200" spc="-150">
-              <a:solidFill>
-                <a:srgbClr val="00002F"/>
-              </a:solidFill>
-              <a:latin typeface="나눔스퀘어 ExtraBold" panose="020B0600000101010101" pitchFamily="50" charset="-127"/>
-              <a:ea typeface="나눔스퀘어 ExtraBold" panose="020B0600000101010101" pitchFamily="50" charset="-127"/>
-            </a:endParaRPr>
           </a:p>
         </p:txBody>
       </p:sp>
@@ -1346,7 +1331,7 @@
           <a:p>
             <a:pPr algn="ctr"/>
             <a:r>
-              <a:rPr lang="en-US" altLang="ko-KR" sz="2400" spc="-150" smtClean="0">
+              <a:rPr lang="en-US" altLang="ko-KR" sz="2400" spc="-150">
                 <a:solidFill>
                   <a:srgbClr val="00002F"/>
                 </a:solidFill>
@@ -1394,7 +1379,7 @@
           <a:lstStyle/>
           <a:p>
             <a:r>
-              <a:rPr lang="en-US" altLang="ko-KR" sz="1400" spc="-100" smtClean="0">
+              <a:rPr lang="en-US" altLang="ko-KR" sz="1400" spc="-100">
                 <a:ln>
                   <a:solidFill>
                     <a:schemeClr val="bg1">
@@ -1446,7 +1431,7 @@
           <a:lstStyle/>
           <a:p>
             <a:r>
-              <a:rPr lang="en-US" altLang="ko-KR" sz="3200" spc="-150" smtClean="0">
+              <a:rPr lang="en-US" altLang="ko-KR" sz="3200" spc="-150">
                 <a:solidFill>
                   <a:srgbClr val="00002F"/>
                 </a:solidFill>
@@ -1455,13 +1440,6 @@
               </a:rPr>
               <a:t>Mlflow Tracking</a:t>
             </a:r>
-            <a:endParaRPr lang="en-US" altLang="ko-KR" sz="3200" spc="-150">
-              <a:solidFill>
-                <a:srgbClr val="00002F"/>
-              </a:solidFill>
-              <a:latin typeface="나눔스퀘어 ExtraBold" panose="020B0600000101010101" pitchFamily="50" charset="-127"/>
-              <a:ea typeface="나눔스퀘어 ExtraBold" panose="020B0600000101010101" pitchFamily="50" charset="-127"/>
-            </a:endParaRPr>
           </a:p>
         </p:txBody>
       </p:sp>
@@ -1501,7 +1479,7 @@
               <a:buChar char="•"/>
             </a:pPr>
             <a:r>
-              <a:rPr lang="en-US" altLang="ko-KR" sz="1200" spc="-103" smtClean="0">
+              <a:rPr lang="en-US" altLang="ko-KR" sz="1200" spc="-103">
                 <a:ln>
                   <a:solidFill>
                     <a:schemeClr val="bg1">
@@ -1516,7 +1494,7 @@
               <a:t>log_param : </a:t>
             </a:r>
             <a:r>
-              <a:rPr lang="ko-KR" altLang="en-US" sz="1200" spc="-103" smtClean="0">
+              <a:rPr lang="ko-KR" altLang="en-US" sz="1200" spc="-103">
                 <a:ln>
                   <a:solidFill>
                     <a:schemeClr val="bg1">
@@ -1530,7 +1508,7 @@
               </a:rPr>
               <a:t>파라미터 저장</a:t>
             </a:r>
-            <a:endParaRPr lang="en-US" altLang="ko-KR" sz="1200" spc="-103" smtClean="0">
+            <a:endParaRPr lang="en-US" altLang="ko-KR" sz="1200" spc="-103">
               <a:ln>
                 <a:solidFill>
                   <a:schemeClr val="bg1">
@@ -1564,25 +1542,10 @@
                 <a:latin typeface="나눔스퀘어 Bold" panose="020B0600000101010101" pitchFamily="50" charset="-127"/>
                 <a:ea typeface="나눔스퀘어 Bold" panose="020B0600000101010101" pitchFamily="50" charset="-127"/>
               </a:rPr>
-              <a:t>l</a:t>
-            </a:r>
-            <a:r>
-              <a:rPr lang="en-US" altLang="ko-KR" sz="1200" spc="-103" smtClean="0">
-                <a:ln>
-                  <a:solidFill>
-                    <a:schemeClr val="bg1">
-                      <a:lumMod val="85000"/>
-                      <a:alpha val="0"/>
-                    </a:schemeClr>
-                  </a:solidFill>
-                </a:ln>
-                <a:latin typeface="나눔스퀘어 Bold" panose="020B0600000101010101" pitchFamily="50" charset="-127"/>
-                <a:ea typeface="나눔스퀘어 Bold" panose="020B0600000101010101" pitchFamily="50" charset="-127"/>
-              </a:rPr>
-              <a:t>og_metric : </a:t>
-            </a:r>
-            <a:r>
-              <a:rPr lang="ko-KR" altLang="en-US" sz="1200" spc="-103" smtClean="0">
+              <a:t>log_metric : </a:t>
+            </a:r>
+            <a:r>
+              <a:rPr lang="ko-KR" altLang="en-US" sz="1200" spc="-103">
                 <a:ln>
                   <a:solidFill>
                     <a:schemeClr val="bg1">
@@ -1609,25 +1572,10 @@
                 <a:latin typeface="나눔스퀘어 Bold" panose="020B0600000101010101" pitchFamily="50" charset="-127"/>
                 <a:ea typeface="나눔스퀘어 Bold" panose="020B0600000101010101" pitchFamily="50" charset="-127"/>
               </a:rPr>
-              <a:t> </a:t>
-            </a:r>
-            <a:r>
-              <a:rPr lang="en-US" altLang="ko-KR" sz="1200" spc="-103" smtClean="0">
-                <a:ln>
-                  <a:solidFill>
-                    <a:schemeClr val="bg1">
-                      <a:lumMod val="85000"/>
-                      <a:alpha val="0"/>
-                    </a:schemeClr>
-                  </a:solidFill>
-                </a:ln>
-                <a:latin typeface="나눔스퀘어 Bold" panose="020B0600000101010101" pitchFamily="50" charset="-127"/>
-                <a:ea typeface="나눔스퀘어 Bold" panose="020B0600000101010101" pitchFamily="50" charset="-127"/>
-              </a:rPr>
-              <a:t>(</a:t>
-            </a:r>
-            <a:r>
-              <a:rPr lang="ko-KR" altLang="en-US" sz="1200" spc="-103" smtClean="0">
+              <a:t> (</a:t>
+            </a:r>
+            <a:r>
+              <a:rPr lang="ko-KR" altLang="en-US" sz="1200" spc="-103">
                 <a:ln>
                   <a:solidFill>
                     <a:schemeClr val="bg1">
@@ -1642,7 +1590,7 @@
               <a:t>파라미터와 다르게 시계열하게 기록 저장 가능</a:t>
             </a:r>
             <a:r>
-              <a:rPr lang="en-US" altLang="ko-KR" sz="1200" spc="-103" smtClean="0">
+              <a:rPr lang="en-US" altLang="ko-KR" sz="1200" spc="-103">
                 <a:ln>
                   <a:solidFill>
                     <a:schemeClr val="bg1">
@@ -1666,7 +1614,7 @@
               <a:buChar char="•"/>
             </a:pPr>
             <a:r>
-              <a:rPr lang="en-US" altLang="ko-KR" sz="1200" spc="-103" smtClean="0">
+              <a:rPr lang="en-US" altLang="ko-KR" sz="1200" spc="-103">
                 <a:ln>
                   <a:solidFill>
                     <a:schemeClr val="bg1">
@@ -1681,7 +1629,7 @@
               <a:t>log_artifact : </a:t>
             </a:r>
             <a:r>
-              <a:rPr lang="ko-KR" altLang="en-US" sz="1200" spc="-103" smtClean="0">
+              <a:rPr lang="ko-KR" altLang="en-US" sz="1200" spc="-103">
                 <a:ln>
                   <a:solidFill>
                     <a:schemeClr val="bg1">
@@ -1696,7 +1644,7 @@
               <a:t>이미지</a:t>
             </a:r>
             <a:r>
-              <a:rPr lang="en-US" altLang="ko-KR" sz="1200" spc="-103" smtClean="0">
+              <a:rPr lang="en-US" altLang="ko-KR" sz="1200" spc="-103">
                 <a:ln>
                   <a:solidFill>
                     <a:schemeClr val="bg1">
@@ -1711,7 +1659,7 @@
               <a:t>, csv, </a:t>
             </a:r>
             <a:r>
-              <a:rPr lang="ko-KR" altLang="en-US" sz="1200" spc="-103" smtClean="0">
+              <a:rPr lang="ko-KR" altLang="en-US" sz="1200" spc="-103">
                 <a:ln>
                   <a:solidFill>
                     <a:schemeClr val="bg1">
@@ -1747,7 +1695,7 @@
               <a:buChar char="•"/>
             </a:pPr>
             <a:r>
-              <a:rPr lang="en-US" altLang="ko-KR" sz="1200" spc="-103" smtClean="0">
+              <a:rPr lang="en-US" altLang="ko-KR" sz="1200" spc="-103">
                 <a:ln>
                   <a:solidFill>
                     <a:schemeClr val="bg1">
@@ -1762,7 +1710,7 @@
               <a:t>log_model : </a:t>
             </a:r>
             <a:r>
-              <a:rPr lang="ko-KR" altLang="en-US" sz="1200" spc="-103" smtClean="0">
+              <a:rPr lang="ko-KR" altLang="en-US" sz="1200" spc="-103">
                 <a:ln>
                   <a:solidFill>
                     <a:schemeClr val="bg1">
@@ -1776,7 +1724,7 @@
               </a:rPr>
               <a:t>학습 모델 저장 가능</a:t>
             </a:r>
-            <a:endParaRPr lang="en-US" altLang="ko-KR" sz="1200" spc="-103" smtClean="0">
+            <a:endParaRPr lang="en-US" altLang="ko-KR" sz="1200" spc="-103">
               <a:ln>
                 <a:solidFill>
                   <a:schemeClr val="bg1">
@@ -1845,7 +1793,7 @@
           <a:p>
             <a:pPr algn="ctr"/>
             <a:r>
-              <a:rPr lang="en-US" altLang="ko-KR" sz="2400" spc="-150" smtClean="0">
+              <a:rPr lang="en-US" altLang="ko-KR" sz="2400" spc="-150">
                 <a:solidFill>
                   <a:srgbClr val="00002F"/>
                 </a:solidFill>
@@ -1893,7 +1841,7 @@
           <a:lstStyle/>
           <a:p>
             <a:r>
-              <a:rPr lang="en-US" altLang="ko-KR" sz="1400" spc="-100" smtClean="0">
+              <a:rPr lang="en-US" altLang="ko-KR" sz="1400" spc="-100">
                 <a:ln>
                   <a:solidFill>
                     <a:schemeClr val="bg1">
@@ -1945,7 +1893,7 @@
           <a:lstStyle/>
           <a:p>
             <a:r>
-              <a:rPr lang="en-US" altLang="ko-KR" sz="3200" spc="-150" smtClean="0">
+              <a:rPr lang="en-US" altLang="ko-KR" sz="3200" spc="-150">
                 <a:solidFill>
                   <a:srgbClr val="00002F"/>
                 </a:solidFill>
@@ -1954,13 +1902,6 @@
               </a:rPr>
               <a:t>Mlflow Tracking</a:t>
             </a:r>
-            <a:endParaRPr lang="en-US" altLang="ko-KR" sz="3200" spc="-150">
-              <a:solidFill>
-                <a:srgbClr val="00002F"/>
-              </a:solidFill>
-              <a:latin typeface="나눔스퀘어 ExtraBold" panose="020B0600000101010101" pitchFamily="50" charset="-127"/>
-              <a:ea typeface="나눔스퀘어 ExtraBold" panose="020B0600000101010101" pitchFamily="50" charset="-127"/>
-            </a:endParaRPr>
           </a:p>
         </p:txBody>
       </p:sp>
@@ -2024,7 +1965,7 @@
               <a:buChar char="•"/>
             </a:pPr>
             <a:r>
-              <a:rPr lang="ko-KR" altLang="en-US" sz="1200" spc="-103" smtClean="0">
+              <a:rPr lang="ko-KR" altLang="en-US" sz="1200" spc="-103">
                 <a:ln>
                   <a:solidFill>
                     <a:schemeClr val="bg1">
@@ -2039,7 +1980,7 @@
               <a:t>타이타닉 데이터를 사용한 </a:t>
             </a:r>
             <a:r>
-              <a:rPr lang="en-US" altLang="ko-KR" sz="1200" spc="-103" smtClean="0">
+              <a:rPr lang="en-US" altLang="ko-KR" sz="1200" spc="-103">
                 <a:ln>
                   <a:solidFill>
                     <a:schemeClr val="bg1">
@@ -2054,7 +1995,7 @@
               <a:t>ML </a:t>
             </a:r>
             <a:r>
-              <a:rPr lang="ko-KR" altLang="en-US" sz="1200" spc="-103" smtClean="0">
+              <a:rPr lang="ko-KR" altLang="en-US" sz="1200" spc="-103">
                 <a:ln>
                   <a:solidFill>
                     <a:schemeClr val="bg1">
@@ -2069,7 +2010,7 @@
               <a:t>모델 실험에 </a:t>
             </a:r>
             <a:r>
-              <a:rPr lang="en-US" altLang="ko-KR" sz="1200" spc="-103" smtClean="0">
+              <a:rPr lang="en-US" altLang="ko-KR" sz="1200" spc="-103">
                 <a:ln>
                   <a:solidFill>
                     <a:schemeClr val="bg1">
@@ -2084,7 +2025,7 @@
               <a:t>logging</a:t>
             </a:r>
             <a:r>
-              <a:rPr lang="ko-KR" altLang="en-US" sz="1200" spc="-103" smtClean="0">
+              <a:rPr lang="ko-KR" altLang="en-US" sz="1200" spc="-103">
                 <a:ln>
                   <a:solidFill>
                     <a:schemeClr val="bg1">
@@ -2099,7 +2040,7 @@
               <a:t>을 해보자</a:t>
             </a:r>
             <a:r>
-              <a:rPr lang="en-US" altLang="ko-KR" sz="1200" spc="-103" smtClean="0">
+              <a:rPr lang="en-US" altLang="ko-KR" sz="1200" spc="-103">
                 <a:ln>
                   <a:solidFill>
                     <a:schemeClr val="bg1">
@@ -2113,18 +2054,6 @@
               </a:rPr>
               <a:t>.</a:t>
             </a:r>
-            <a:endParaRPr lang="en-US" altLang="ko-KR" sz="1200" spc="-103" smtClean="0">
-              <a:ln>
-                <a:solidFill>
-                  <a:schemeClr val="bg1">
-                    <a:lumMod val="85000"/>
-                    <a:alpha val="0"/>
-                  </a:schemeClr>
-                </a:solidFill>
-              </a:ln>
-              <a:latin typeface="나눔스퀘어 Bold" panose="020B0600000101010101" pitchFamily="50" charset="-127"/>
-              <a:ea typeface="나눔스퀘어 Bold" panose="020B0600000101010101" pitchFamily="50" charset="-127"/>
-            </a:endParaRPr>
           </a:p>
         </p:txBody>
       </p:sp>
@@ -2182,7 +2111,7 @@
           <a:p>
             <a:pPr algn="ctr"/>
             <a:r>
-              <a:rPr lang="en-US" altLang="ko-KR" sz="2400" spc="-150" smtClean="0">
+              <a:rPr lang="en-US" altLang="ko-KR" sz="2400" spc="-150">
                 <a:solidFill>
                   <a:srgbClr val="00002F"/>
                 </a:solidFill>
@@ -2296,7 +2225,7 @@
           <a:lstStyle/>
           <a:p>
             <a:r>
-              <a:rPr lang="en-US" altLang="ko-KR" sz="3200" spc="-150" smtClean="0">
+              <a:rPr lang="en-US" altLang="ko-KR" sz="3200" spc="-150">
                 <a:solidFill>
                   <a:srgbClr val="00002F"/>
                 </a:solidFill>
@@ -2305,13 +2234,6 @@
               </a:rPr>
               <a:t>Mlflow Tracking</a:t>
             </a:r>
-            <a:endParaRPr lang="en-US" altLang="ko-KR" sz="3200" spc="-150">
-              <a:solidFill>
-                <a:srgbClr val="00002F"/>
-              </a:solidFill>
-              <a:latin typeface="나눔스퀘어 ExtraBold" panose="020B0600000101010101" pitchFamily="50" charset="-127"/>
-              <a:ea typeface="나눔스퀘어 ExtraBold" panose="020B0600000101010101" pitchFamily="50" charset="-127"/>
-            </a:endParaRPr>
           </a:p>
         </p:txBody>
       </p:sp>
@@ -2351,7 +2273,7 @@
               <a:buChar char="•"/>
             </a:pPr>
             <a:r>
-              <a:rPr lang="ko-KR" altLang="en-US" sz="1200" spc="-103" smtClean="0">
+              <a:rPr lang="ko-KR" altLang="en-US" sz="1200" spc="-103">
                 <a:ln>
                   <a:solidFill>
                     <a:schemeClr val="bg1">
@@ -2366,7 +2288,7 @@
               <a:t>영화 리뷰 긍부정 분류하는 </a:t>
             </a:r>
             <a:r>
-              <a:rPr lang="en-US" altLang="ko-KR" sz="1200" spc="-103" smtClean="0">
+              <a:rPr lang="en-US" altLang="ko-KR" sz="1200" spc="-103">
                 <a:ln>
                   <a:solidFill>
                     <a:schemeClr val="bg1">
@@ -2381,7 +2303,7 @@
               <a:t>DL </a:t>
             </a:r>
             <a:r>
-              <a:rPr lang="ko-KR" altLang="en-US" sz="1200" spc="-103" smtClean="0">
+              <a:rPr lang="ko-KR" altLang="en-US" sz="1200" spc="-103">
                 <a:ln>
                   <a:solidFill>
                     <a:schemeClr val="bg1">
@@ -2396,7 +2318,7 @@
               <a:t>모델에 로깅을 해보자</a:t>
             </a:r>
             <a:r>
-              <a:rPr lang="en-US" altLang="ko-KR" sz="1200" spc="-103" smtClean="0">
+              <a:rPr lang="en-US" altLang="ko-KR" sz="1200" spc="-103">
                 <a:ln>
                   <a:solidFill>
                     <a:schemeClr val="bg1">
@@ -2410,18 +2332,6 @@
               </a:rPr>
               <a:t>.</a:t>
             </a:r>
-            <a:endParaRPr lang="en-US" altLang="ko-KR" sz="1200" spc="-103" smtClean="0">
-              <a:ln>
-                <a:solidFill>
-                  <a:schemeClr val="bg1">
-                    <a:lumMod val="85000"/>
-                    <a:alpha val="0"/>
-                  </a:schemeClr>
-                </a:solidFill>
-              </a:ln>
-              <a:latin typeface="나눔스퀘어 Bold" panose="020B0600000101010101" pitchFamily="50" charset="-127"/>
-              <a:ea typeface="나눔스퀘어 Bold" panose="020B0600000101010101" pitchFamily="50" charset="-127"/>
-            </a:endParaRPr>
           </a:p>
         </p:txBody>
       </p:sp>
@@ -2503,7 +2413,7 @@
           <a:p>
             <a:pPr algn="ctr"/>
             <a:r>
-              <a:rPr lang="en-US" altLang="ko-KR" sz="2400" spc="-150" smtClean="0">
+              <a:rPr lang="en-US" altLang="ko-KR" sz="2400" spc="-150">
                 <a:solidFill>
                   <a:srgbClr val="00002F"/>
                 </a:solidFill>
@@ -2551,7 +2461,7 @@
           <a:lstStyle/>
           <a:p>
             <a:r>
-              <a:rPr lang="en-US" altLang="ko-KR" sz="1400" spc="-100" smtClean="0">
+              <a:rPr lang="en-US" altLang="ko-KR" sz="1400" spc="-100">
                 <a:ln>
                   <a:solidFill>
                     <a:schemeClr val="bg1">
@@ -2603,32 +2513,15 @@
           <a:lstStyle/>
           <a:p>
             <a:r>
-              <a:rPr lang="en-US" altLang="ko-KR" sz="3200" spc="-150" smtClean="0">
+              <a:rPr lang="en-US" altLang="ko-KR" sz="3200" spc="-150">
                 <a:solidFill>
                   <a:srgbClr val="00002F"/>
                 </a:solidFill>
                 <a:latin typeface="나눔스퀘어 ExtraBold" panose="020B0600000101010101" pitchFamily="50" charset="-127"/>
                 <a:ea typeface="나눔스퀘어 ExtraBold" panose="020B0600000101010101" pitchFamily="50" charset="-127"/>
               </a:rPr>
-              <a:t>Mlflow </a:t>
-            </a:r>
-            <a:r>
-              <a:rPr lang="en-US" altLang="ko-KR" sz="3200" spc="-150" smtClean="0">
-                <a:solidFill>
-                  <a:srgbClr val="00002F"/>
-                </a:solidFill>
-                <a:latin typeface="나눔스퀘어 ExtraBold" panose="020B0600000101010101" pitchFamily="50" charset="-127"/>
-                <a:ea typeface="나눔스퀘어 ExtraBold" panose="020B0600000101010101" pitchFamily="50" charset="-127"/>
-              </a:rPr>
-              <a:t>Registry</a:t>
-            </a:r>
-            <a:endParaRPr lang="en-US" altLang="ko-KR" sz="3200" spc="-150">
-              <a:solidFill>
-                <a:srgbClr val="00002F"/>
-              </a:solidFill>
-              <a:latin typeface="나눔스퀘어 ExtraBold" panose="020B0600000101010101" pitchFamily="50" charset="-127"/>
-              <a:ea typeface="나눔스퀘어 ExtraBold" panose="020B0600000101010101" pitchFamily="50" charset="-127"/>
-            </a:endParaRPr>
+              <a:t>Mlflow Registry</a:t>
+            </a:r>
           </a:p>
         </p:txBody>
       </p:sp>
@@ -2668,7 +2561,7 @@
               <a:buChar char="•"/>
             </a:pPr>
             <a:r>
-              <a:rPr lang="ko-KR" altLang="en-US" sz="1200" spc="-103" smtClean="0">
+              <a:rPr lang="ko-KR" altLang="en-US" sz="1200" spc="-103">
                 <a:ln>
                   <a:solidFill>
                     <a:schemeClr val="bg1">
@@ -2683,7 +2576,7 @@
               <a:t>회사에 다른 </a:t>
             </a:r>
             <a:r>
-              <a:rPr lang="en-US" altLang="ko-KR" sz="1200" spc="-103" smtClean="0">
+              <a:rPr lang="en-US" altLang="ko-KR" sz="1200" spc="-103">
                 <a:ln>
                   <a:solidFill>
                     <a:schemeClr val="bg1">
@@ -2698,7 +2591,7 @@
               <a:t>3</a:t>
             </a:r>
             <a:r>
-              <a:rPr lang="ko-KR" altLang="en-US" sz="1200" spc="-103" smtClean="0">
+              <a:rPr lang="ko-KR" altLang="en-US" sz="1200" spc="-103">
                 <a:ln>
                   <a:solidFill>
                     <a:schemeClr val="bg1">
@@ -2713,7 +2606,7 @@
               <a:t>명의 모델러와 같은 프로젝트에 대한 실험 결과를 공유하고 싶은데</a:t>
             </a:r>
             <a:r>
-              <a:rPr lang="en-US" altLang="ko-KR" sz="1200" spc="-103" smtClean="0">
+              <a:rPr lang="en-US" altLang="ko-KR" sz="1200" spc="-103">
                 <a:ln>
                   <a:solidFill>
                     <a:schemeClr val="bg1">
@@ -2737,7 +2630,7 @@
               <a:buChar char="•"/>
             </a:pPr>
             <a:r>
-              <a:rPr lang="en-US" altLang="ko-KR" sz="1200" spc="-103" smtClean="0">
+              <a:rPr lang="en-US" altLang="ko-KR" sz="1200" spc="-103">
                 <a:ln>
                   <a:solidFill>
                     <a:schemeClr val="bg1">
@@ -2752,7 +2645,7 @@
               <a:t>PC</a:t>
             </a:r>
             <a:r>
-              <a:rPr lang="ko-KR" altLang="en-US" sz="1200" spc="-103" smtClean="0">
+              <a:rPr lang="ko-KR" altLang="en-US" sz="1200" spc="-103">
                 <a:ln>
                   <a:solidFill>
                     <a:schemeClr val="bg1">
@@ -2767,7 +2660,7 @@
               <a:t>가 서로 다르네</a:t>
             </a:r>
             <a:r>
-              <a:rPr lang="en-US" altLang="ko-KR" sz="1200" spc="-103" smtClean="0">
+              <a:rPr lang="en-US" altLang="ko-KR" sz="1200" spc="-103">
                 <a:ln>
                   <a:solidFill>
                     <a:schemeClr val="bg1">
@@ -2791,7 +2684,7 @@
               <a:buChar char="•"/>
             </a:pPr>
             <a:r>
-              <a:rPr lang="ko-KR" altLang="en-US" sz="1200" spc="-103" smtClean="0">
+              <a:rPr lang="ko-KR" altLang="en-US" sz="1200" spc="-103">
                 <a:ln>
                   <a:solidFill>
                     <a:schemeClr val="bg1">
@@ -2806,7 +2699,7 @@
               <a:t>모델 기록들을 중앙에서 관리하고 싶다</a:t>
             </a:r>
             <a:r>
-              <a:rPr lang="en-US" altLang="ko-KR" sz="1200" spc="-103" smtClean="0">
+              <a:rPr lang="en-US" altLang="ko-KR" sz="1200" spc="-103">
                 <a:ln>
                   <a:solidFill>
                     <a:schemeClr val="bg1">
@@ -2830,7 +2723,7 @@
               <a:buChar char="•"/>
             </a:pPr>
             <a:r>
-              <a:rPr lang="ko-KR" altLang="en-US" sz="1200" spc="-103" smtClean="0">
+              <a:rPr lang="ko-KR" altLang="en-US" sz="1200" spc="-103">
                 <a:ln>
                   <a:solidFill>
                     <a:schemeClr val="bg1">
@@ -2845,7 +2738,7 @@
               <a:t>여러 실험 모델 중 </a:t>
             </a:r>
             <a:r>
-              <a:rPr lang="en-US" altLang="ko-KR" sz="1200" spc="-103" smtClean="0">
+              <a:rPr lang="en-US" altLang="ko-KR" sz="1200" spc="-103">
                 <a:ln>
                   <a:solidFill>
                     <a:schemeClr val="bg1">
@@ -2860,7 +2753,7 @@
               <a:t>Staging </a:t>
             </a:r>
             <a:r>
-              <a:rPr lang="ko-KR" altLang="en-US" sz="1200" spc="-103" smtClean="0">
+              <a:rPr lang="ko-KR" altLang="en-US" sz="1200" spc="-103">
                 <a:ln>
                   <a:solidFill>
                     <a:schemeClr val="bg1">
@@ -2875,7 +2768,7 @@
               <a:t>중인 것과 </a:t>
             </a:r>
             <a:r>
-              <a:rPr lang="en-US" altLang="ko-KR" sz="1200" spc="-103" smtClean="0">
+              <a:rPr lang="en-US" altLang="ko-KR" sz="1200" spc="-103">
                 <a:ln>
                   <a:solidFill>
                     <a:schemeClr val="bg1">
@@ -2890,7 +2783,7 @@
               <a:t>Production</a:t>
             </a:r>
             <a:r>
-              <a:rPr lang="ko-KR" altLang="en-US" sz="1200" spc="-103" smtClean="0">
+              <a:rPr lang="ko-KR" altLang="en-US" sz="1200" spc="-103">
                 <a:ln>
                   <a:solidFill>
                     <a:schemeClr val="bg1">
@@ -2905,7 +2798,7 @@
               <a:t>것을 구분하고 관리하고 싶다</a:t>
             </a:r>
             <a:r>
-              <a:rPr lang="en-US" altLang="ko-KR" sz="1200" spc="-103" smtClean="0">
+              <a:rPr lang="en-US" altLang="ko-KR" sz="1200" spc="-103">
                 <a:ln>
                   <a:solidFill>
                     <a:schemeClr val="bg1">
@@ -2919,18 +2812,6 @@
               </a:rPr>
               <a:t>.</a:t>
             </a:r>
-            <a:endParaRPr lang="en-US" altLang="ko-KR" sz="1200" spc="-103" smtClean="0">
-              <a:ln>
-                <a:solidFill>
-                  <a:schemeClr val="bg1">
-                    <a:lumMod val="85000"/>
-                    <a:alpha val="0"/>
-                  </a:schemeClr>
-                </a:solidFill>
-              </a:ln>
-              <a:latin typeface="나눔스퀘어 Bold" panose="020B0600000101010101" pitchFamily="50" charset="-127"/>
-              <a:ea typeface="나눔스퀘어 Bold" panose="020B0600000101010101" pitchFamily="50" charset="-127"/>
-            </a:endParaRPr>
           </a:p>
         </p:txBody>
       </p:sp>
@@ -2988,7 +2869,7 @@
           <a:p>
             <a:pPr algn="ctr"/>
             <a:r>
-              <a:rPr lang="en-US" altLang="ko-KR" sz="2400" spc="-150" smtClean="0">
+              <a:rPr lang="en-US" altLang="ko-KR" sz="2400" spc="-150">
                 <a:solidFill>
                   <a:srgbClr val="00002F"/>
                 </a:solidFill>
@@ -3036,7 +2917,7 @@
           <a:lstStyle/>
           <a:p>
             <a:r>
-              <a:rPr lang="en-US" altLang="ko-KR" sz="1400" spc="-100" smtClean="0">
+              <a:rPr lang="en-US" altLang="ko-KR" sz="1400" spc="-100">
                 <a:ln>
                   <a:solidFill>
                     <a:schemeClr val="bg1">
@@ -3088,32 +2969,15 @@
           <a:lstStyle/>
           <a:p>
             <a:r>
-              <a:rPr lang="en-US" altLang="ko-KR" sz="3200" spc="-150" smtClean="0">
+              <a:rPr lang="en-US" altLang="ko-KR" sz="3200" spc="-150">
                 <a:solidFill>
                   <a:srgbClr val="00002F"/>
                 </a:solidFill>
                 <a:latin typeface="나눔스퀘어 ExtraBold" panose="020B0600000101010101" pitchFamily="50" charset="-127"/>
                 <a:ea typeface="나눔스퀘어 ExtraBold" panose="020B0600000101010101" pitchFamily="50" charset="-127"/>
               </a:rPr>
-              <a:t>Mlflow </a:t>
-            </a:r>
-            <a:r>
-              <a:rPr lang="en-US" altLang="ko-KR" sz="3200" spc="-150" smtClean="0">
-                <a:solidFill>
-                  <a:srgbClr val="00002F"/>
-                </a:solidFill>
-                <a:latin typeface="나눔스퀘어 ExtraBold" panose="020B0600000101010101" pitchFamily="50" charset="-127"/>
-                <a:ea typeface="나눔스퀘어 ExtraBold" panose="020B0600000101010101" pitchFamily="50" charset="-127"/>
-              </a:rPr>
-              <a:t>Registry</a:t>
-            </a:r>
-            <a:endParaRPr lang="en-US" altLang="ko-KR" sz="3200" spc="-150">
-              <a:solidFill>
-                <a:srgbClr val="00002F"/>
-              </a:solidFill>
-              <a:latin typeface="나눔스퀘어 ExtraBold" panose="020B0600000101010101" pitchFamily="50" charset="-127"/>
-              <a:ea typeface="나눔스퀘어 ExtraBold" panose="020B0600000101010101" pitchFamily="50" charset="-127"/>
-            </a:endParaRPr>
+              <a:t>Mlflow Registry</a:t>
+            </a:r>
           </a:p>
         </p:txBody>
       </p:sp>
@@ -3131,7 +2995,7 @@
         </p:nvSpPr>
         <p:spPr>
           <a:xfrm>
-            <a:off x="4353844" y="3641730"/>
+            <a:off x="4353844" y="4930204"/>
             <a:ext cx="3484312" cy="830997"/>
           </a:xfrm>
           <a:prstGeom prst="rect">
@@ -3165,50 +3029,8 @@
                 <a:latin typeface="나눔스퀘어 Bold" panose="020B0600000101010101" pitchFamily="50" charset="-127"/>
                 <a:ea typeface="나눔스퀘어 Bold" panose="020B0600000101010101" pitchFamily="50" charset="-127"/>
               </a:rPr>
-              <a:t>mlflow server --backend-store-uri sqlite</a:t>
-            </a:r>
-            <a:r>
-              <a:rPr lang="en-US" altLang="ko-KR" sz="1200" spc="-103">
-                <a:ln>
-                  <a:solidFill>
-                    <a:schemeClr val="bg1">
-                      <a:lumMod val="85000"/>
-                      <a:alpha val="0"/>
-                    </a:schemeClr>
-                  </a:solidFill>
-                </a:ln>
-                <a:latin typeface="나눔스퀘어 Bold" panose="020B0600000101010101" pitchFamily="50" charset="-127"/>
-                <a:ea typeface="나눔스퀘어 Bold" panose="020B0600000101010101" pitchFamily="50" charset="-127"/>
-              </a:rPr>
-              <a:t>:///</a:t>
-            </a:r>
-            <a:r>
-              <a:rPr lang="en-US" altLang="ko-KR" sz="1200" spc="-103" smtClean="0">
-                <a:ln>
-                  <a:solidFill>
-                    <a:schemeClr val="bg1">
-                      <a:lumMod val="85000"/>
-                      <a:alpha val="0"/>
-                    </a:schemeClr>
-                  </a:solidFill>
-                </a:ln>
-                <a:latin typeface="나눔스퀘어 Bold" panose="020B0600000101010101" pitchFamily="50" charset="-127"/>
-                <a:ea typeface="나눔스퀘어 Bold" panose="020B0600000101010101" pitchFamily="50" charset="-127"/>
-              </a:rPr>
-              <a:t>mlflow.db</a:t>
-            </a:r>
-            <a:endParaRPr lang="en-US" altLang="ko-KR" sz="1200" spc="-103">
-              <a:ln>
-                <a:solidFill>
-                  <a:schemeClr val="bg1">
-                    <a:lumMod val="85000"/>
-                    <a:alpha val="0"/>
-                  </a:schemeClr>
-                </a:solidFill>
-              </a:ln>
-              <a:latin typeface="나눔스퀘어 Bold" panose="020B0600000101010101" pitchFamily="50" charset="-127"/>
-              <a:ea typeface="나눔스퀘어 Bold" panose="020B0600000101010101" pitchFamily="50" charset="-127"/>
-            </a:endParaRPr>
+              <a:t>mlflow server --backend-store-uri sqlite:///mlflow.db</a:t>
+            </a:r>
           </a:p>
           <a:p>
             <a:pPr marL="171450" indent="-171450">
@@ -3219,21 +3041,6 @@
               <a:buChar char="•"/>
             </a:pPr>
             <a:r>
-              <a:rPr lang="en-US" altLang="ko-KR" sz="1200" spc="-103" smtClean="0">
-                <a:ln>
-                  <a:solidFill>
-                    <a:schemeClr val="bg1">
-                      <a:lumMod val="85000"/>
-                      <a:alpha val="0"/>
-                    </a:schemeClr>
-                  </a:solidFill>
-                </a:ln>
-                <a:latin typeface="나눔스퀘어 Bold" panose="020B0600000101010101" pitchFamily="50" charset="-127"/>
-                <a:ea typeface="나눔스퀘어 Bold" panose="020B0600000101010101" pitchFamily="50" charset="-127"/>
-              </a:rPr>
-              <a:t>mlflow.set_tracking_uri</a:t>
-            </a:r>
-            <a:r>
               <a:rPr lang="en-US" altLang="ko-KR" sz="1200" spc="-103">
                 <a:ln>
                   <a:solidFill>
@@ -3246,45 +3053,39 @@
                 <a:latin typeface="나눔스퀘어 Bold" panose="020B0600000101010101" pitchFamily="50" charset="-127"/>
                 <a:ea typeface="나눔스퀘어 Bold" panose="020B0600000101010101" pitchFamily="50" charset="-127"/>
               </a:rPr>
-              <a:t>("</a:t>
-            </a:r>
-            <a:r>
-              <a:rPr lang="en-US" altLang="ko-KR" sz="1200" spc="-103">
-                <a:ln>
-                  <a:solidFill>
-                    <a:schemeClr val="bg1">
-                      <a:lumMod val="85000"/>
-                      <a:alpha val="0"/>
-                    </a:schemeClr>
-                  </a:solidFill>
-                </a:ln>
-                <a:latin typeface="나눔스퀘어 Bold" panose="020B0600000101010101" pitchFamily="50" charset="-127"/>
-                <a:ea typeface="나눔스퀘어 Bold" panose="020B0600000101010101" pitchFamily="50" charset="-127"/>
-              </a:rPr>
-              <a:t>http</a:t>
-            </a:r>
-            <a:r>
-              <a:rPr lang="en-US" altLang="ko-KR" sz="1200" spc="-103" smtClean="0">
-                <a:ln>
-                  <a:solidFill>
-                    <a:schemeClr val="bg1">
-                      <a:lumMod val="85000"/>
-                      <a:alpha val="0"/>
-                    </a:schemeClr>
-                  </a:solidFill>
-                </a:ln>
-                <a:latin typeface="나눔스퀘어 Bold" panose="020B0600000101010101" pitchFamily="50" charset="-127"/>
-                <a:ea typeface="나눔스퀘어 Bold" panose="020B0600000101010101" pitchFamily="50" charset="-127"/>
-              </a:rPr>
-              <a:t>://127.0.0.1:5000")</a:t>
+              <a:t>mlflow.set_tracking_uri("http://127.0.0.1:5000")</a:t>
             </a:r>
           </a:p>
         </p:txBody>
       </p:sp>
+      <p:pic>
+        <p:nvPicPr>
+          <p:cNvPr id="2" name="그림 1"/>
+          <p:cNvPicPr>
+            <a:picLocks noChangeAspect="1"/>
+          </p:cNvPicPr>
+          <p:nvPr/>
+        </p:nvPicPr>
+        <p:blipFill>
+          <a:blip r:embed="rId2"/>
+          <a:stretch>
+            <a:fillRect/>
+          </a:stretch>
+        </p:blipFill>
+        <p:spPr>
+          <a:xfrm>
+            <a:off x="1119944" y="2080385"/>
+            <a:ext cx="9952113" cy="2473243"/>
+          </a:xfrm>
+          <a:prstGeom prst="rect">
+            <a:avLst/>
+          </a:prstGeom>
+        </p:spPr>
+      </p:pic>
     </p:spTree>
     <p:extLst>
       <p:ext uri="{BB962C8B-B14F-4D97-AF65-F5344CB8AC3E}">
-        <p14:creationId xmlns:p14="http://schemas.microsoft.com/office/powerpoint/2010/main" val="3476186399"/>
+        <p14:creationId xmlns:p14="http://schemas.microsoft.com/office/powerpoint/2010/main" val="3376578036"/>
       </p:ext>
     </p:extLst>
   </p:cSld>
@@ -3313,49 +3114,6 @@
       </p:grpSpPr>
       <p:sp>
         <p:nvSpPr>
-          <p:cNvPr id="12" name="TextBox 11"/>
-          <p:cNvSpPr txBox="1"/>
-          <p:nvPr/>
-        </p:nvSpPr>
-        <p:spPr>
-          <a:xfrm>
-            <a:off x="455532" y="498947"/>
-            <a:ext cx="614271" cy="461665"/>
-          </a:xfrm>
-          <a:prstGeom prst="rect">
-            <a:avLst/>
-          </a:prstGeom>
-          <a:noFill/>
-        </p:spPr>
-        <p:txBody>
-          <a:bodyPr wrap="square" rtlCol="0">
-            <a:spAutoFit/>
-          </a:bodyPr>
-          <a:lstStyle/>
-          <a:p>
-            <a:pPr algn="ctr"/>
-            <a:r>
-              <a:rPr lang="en-US" altLang="ko-KR" sz="2400" spc="-150" smtClean="0">
-                <a:solidFill>
-                  <a:srgbClr val="00002F"/>
-                </a:solidFill>
-                <a:latin typeface="나눔스퀘어 ExtraBold" panose="020B0600000101010101" pitchFamily="50" charset="-127"/>
-                <a:ea typeface="나눔스퀘어 ExtraBold" panose="020B0600000101010101" pitchFamily="50" charset="-127"/>
-              </a:rPr>
-              <a:t>03.</a:t>
-            </a:r>
-            <a:endParaRPr lang="ko-KR" altLang="en-US" sz="2400" spc="-150" dirty="0">
-              <a:solidFill>
-                <a:srgbClr val="00002F"/>
-              </a:solidFill>
-              <a:latin typeface="나눔스퀘어 ExtraBold" panose="020B0600000101010101" pitchFamily="50" charset="-127"/>
-              <a:ea typeface="나눔스퀘어 ExtraBold" panose="020B0600000101010101" pitchFamily="50" charset="-127"/>
-            </a:endParaRPr>
-          </a:p>
-        </p:txBody>
-      </p:sp>
-      <p:sp>
-        <p:nvSpPr>
           <p:cNvPr id="36" name="TextBox 35">
             <a:extLst>
               <a:ext uri="{FF2B5EF4-FFF2-40B4-BE49-F238E27FC236}">
@@ -3383,7 +3141,7 @@
           <a:lstStyle/>
           <a:p>
             <a:r>
-              <a:rPr lang="en-US" altLang="ko-KR" sz="1400" spc="-100" smtClean="0">
+              <a:rPr lang="en-US" altLang="ko-KR" sz="1400" spc="-100">
                 <a:ln>
                   <a:solidFill>
                     <a:schemeClr val="bg1">
@@ -3395,7 +3153,7 @@
                 <a:latin typeface="나눔스퀘어 ExtraBold" panose="020B0600000101010101" pitchFamily="50" charset="-127"/>
                 <a:ea typeface="나눔스퀘어 ExtraBold" panose="020B0600000101010101" pitchFamily="50" charset="-127"/>
               </a:rPr>
-              <a:t>Exercise</a:t>
+              <a:t>Needs</a:t>
             </a:r>
             <a:endParaRPr lang="ko-KR" altLang="en-US" sz="1400" spc="-100" dirty="0">
               <a:ln>
@@ -3414,59 +3172,7 @@
       </p:sp>
       <p:sp>
         <p:nvSpPr>
-          <p:cNvPr id="9" name="TextBox 8"/>
-          <p:cNvSpPr txBox="1"/>
-          <p:nvPr/>
-        </p:nvSpPr>
-        <p:spPr>
-          <a:xfrm>
-            <a:off x="1088238" y="437393"/>
-            <a:ext cx="5396382" cy="584775"/>
-          </a:xfrm>
-          <a:prstGeom prst="rect">
-            <a:avLst/>
-          </a:prstGeom>
-          <a:noFill/>
-        </p:spPr>
-        <p:txBody>
-          <a:bodyPr wrap="square" rtlCol="0">
-            <a:spAutoFit/>
-          </a:bodyPr>
-          <a:lstStyle/>
-          <a:p>
-            <a:r>
-              <a:rPr lang="en-US" altLang="ko-KR" sz="3200" spc="-150" smtClean="0">
-                <a:solidFill>
-                  <a:srgbClr val="00002F"/>
-                </a:solidFill>
-                <a:latin typeface="나눔스퀘어 ExtraBold" panose="020B0600000101010101" pitchFamily="50" charset="-127"/>
-                <a:ea typeface="나눔스퀘어 ExtraBold" panose="020B0600000101010101" pitchFamily="50" charset="-127"/>
-              </a:rPr>
-              <a:t>Mlflow </a:t>
-            </a:r>
-            <a:r>
-              <a:rPr lang="en-US" altLang="ko-KR" sz="3200" spc="-150" smtClean="0">
-                <a:solidFill>
-                  <a:srgbClr val="00002F"/>
-                </a:solidFill>
-                <a:latin typeface="나눔스퀘어 ExtraBold" panose="020B0600000101010101" pitchFamily="50" charset="-127"/>
-                <a:ea typeface="나눔스퀘어 ExtraBold" panose="020B0600000101010101" pitchFamily="50" charset="-127"/>
-              </a:rPr>
-              <a:t>Registry</a:t>
-            </a:r>
-            <a:endParaRPr lang="en-US" altLang="ko-KR" sz="3200" spc="-150">
-              <a:solidFill>
-                <a:srgbClr val="00002F"/>
-              </a:solidFill>
-              <a:latin typeface="나눔스퀘어 ExtraBold" panose="020B0600000101010101" pitchFamily="50" charset="-127"/>
-              <a:ea typeface="나눔스퀘어 ExtraBold" panose="020B0600000101010101" pitchFamily="50" charset="-127"/>
-            </a:endParaRPr>
-          </a:p>
-        </p:txBody>
-      </p:sp>
-      <p:sp>
-        <p:nvSpPr>
-          <p:cNvPr id="7" name="TextBox 6">
+          <p:cNvPr id="8" name="TextBox 7">
             <a:extLst>
               <a:ext uri="{FF2B5EF4-FFF2-40B4-BE49-F238E27FC236}">
                 <a16:creationId xmlns:a16="http://schemas.microsoft.com/office/drawing/2014/main" id="{C40C17C7-6436-43BB-AB8B-1F1856BAF096}"/>
@@ -3478,8 +3184,8 @@
         </p:nvSpPr>
         <p:spPr>
           <a:xfrm>
-            <a:off x="4353844" y="4930204"/>
-            <a:ext cx="3484312" cy="830997"/>
+            <a:off x="3445305" y="5236200"/>
+            <a:ext cx="5301388" cy="830997"/>
           </a:xfrm>
           <a:prstGeom prst="rect">
             <a:avLst/>
@@ -3512,7 +3218,22 @@
                 <a:latin typeface="나눔스퀘어 Bold" panose="020B0600000101010101" pitchFamily="50" charset="-127"/>
                 <a:ea typeface="나눔스퀘어 Bold" panose="020B0600000101010101" pitchFamily="50" charset="-127"/>
               </a:rPr>
-              <a:t>mlflow server --backend-store-uri sqlite</a:t>
+              <a:t>Artifacts</a:t>
+            </a:r>
+            <a:r>
+              <a:rPr lang="ko-KR" altLang="en-US" sz="1200" spc="-103">
+                <a:ln>
+                  <a:solidFill>
+                    <a:schemeClr val="bg1">
+                      <a:lumMod val="85000"/>
+                      <a:alpha val="0"/>
+                    </a:schemeClr>
+                  </a:solidFill>
+                </a:ln>
+                <a:latin typeface="나눔스퀘어 Bold" panose="020B0600000101010101" pitchFamily="50" charset="-127"/>
+                <a:ea typeface="나눔스퀘어 Bold" panose="020B0600000101010101" pitchFamily="50" charset="-127"/>
+              </a:rPr>
+              <a:t>에 저장한 모델을 재사용하고 싶은데 어떻게하지</a:t>
             </a:r>
             <a:r>
               <a:rPr lang="en-US" altLang="ko-KR" sz="1200" spc="-103">
@@ -3527,35 +3248,8 @@
                 <a:latin typeface="나눔스퀘어 Bold" panose="020B0600000101010101" pitchFamily="50" charset="-127"/>
                 <a:ea typeface="나눔스퀘어 Bold" panose="020B0600000101010101" pitchFamily="50" charset="-127"/>
               </a:rPr>
-              <a:t>:///</a:t>
-            </a:r>
-            <a:r>
-              <a:rPr lang="en-US" altLang="ko-KR" sz="1200" spc="-103" smtClean="0">
-                <a:ln>
-                  <a:solidFill>
-                    <a:schemeClr val="bg1">
-                      <a:lumMod val="85000"/>
-                      <a:alpha val="0"/>
-                    </a:schemeClr>
-                  </a:solidFill>
-                </a:ln>
-                <a:latin typeface="나눔스퀘어 Bold" panose="020B0600000101010101" pitchFamily="50" charset="-127"/>
-                <a:ea typeface="나눔스퀘어 Bold" panose="020B0600000101010101" pitchFamily="50" charset="-127"/>
-              </a:rPr>
-              <a:t>mlflow.db</a:t>
-            </a:r>
-            <a:endParaRPr lang="en-US" altLang="ko-KR" sz="1200" spc="-103">
-              <a:ln>
-                <a:solidFill>
-                  <a:schemeClr val="bg1">
-                    <a:lumMod val="85000"/>
-                    <a:alpha val="0"/>
-                  </a:schemeClr>
-                </a:solidFill>
-              </a:ln>
-              <a:latin typeface="나눔스퀘어 Bold" panose="020B0600000101010101" pitchFamily="50" charset="-127"/>
-              <a:ea typeface="나눔스퀘어 Bold" panose="020B0600000101010101" pitchFamily="50" charset="-127"/>
-            </a:endParaRPr>
+              <a:t>?</a:t>
+            </a:r>
           </a:p>
           <a:p>
             <a:pPr marL="171450" indent="-171450">
@@ -3566,21 +3260,6 @@
               <a:buChar char="•"/>
             </a:pPr>
             <a:r>
-              <a:rPr lang="en-US" altLang="ko-KR" sz="1200" spc="-103" smtClean="0">
-                <a:ln>
-                  <a:solidFill>
-                    <a:schemeClr val="bg1">
-                      <a:lumMod val="85000"/>
-                      <a:alpha val="0"/>
-                    </a:schemeClr>
-                  </a:solidFill>
-                </a:ln>
-                <a:latin typeface="나눔스퀘어 Bold" panose="020B0600000101010101" pitchFamily="50" charset="-127"/>
-                <a:ea typeface="나눔스퀘어 Bold" panose="020B0600000101010101" pitchFamily="50" charset="-127"/>
-              </a:rPr>
-              <a:t>mlflow.set_tracking_uri</a:t>
-            </a:r>
-            <a:r>
               <a:rPr lang="en-US" altLang="ko-KR" sz="1200" spc="-103">
                 <a:ln>
                   <a:solidFill>
@@ -3593,7 +3272,22 @@
                 <a:latin typeface="나눔스퀘어 Bold" panose="020B0600000101010101" pitchFamily="50" charset="-127"/>
                 <a:ea typeface="나눔스퀘어 Bold" panose="020B0600000101010101" pitchFamily="50" charset="-127"/>
               </a:rPr>
-              <a:t>("</a:t>
+              <a:t>Flask</a:t>
+            </a:r>
+            <a:r>
+              <a:rPr lang="ko-KR" altLang="en-US" sz="1200" spc="-103">
+                <a:ln>
+                  <a:solidFill>
+                    <a:schemeClr val="bg1">
+                      <a:lumMod val="85000"/>
+                      <a:alpha val="0"/>
+                    </a:schemeClr>
+                  </a:solidFill>
+                </a:ln>
+                <a:latin typeface="나눔스퀘어 Bold" panose="020B0600000101010101" pitchFamily="50" charset="-127"/>
+                <a:ea typeface="나눔스퀘어 Bold" panose="020B0600000101010101" pitchFamily="50" charset="-127"/>
+              </a:rPr>
+              <a:t>이용해서 서버 띄우기 너무 귀찮은데 명령어 하나로 서빙하는 서버 만들 수 없을까</a:t>
             </a:r>
             <a:r>
               <a:rPr lang="en-US" altLang="ko-KR" sz="1200" spc="-103">
@@ -3608,54 +3302,134 @@
                 <a:latin typeface="나눔스퀘어 Bold" panose="020B0600000101010101" pitchFamily="50" charset="-127"/>
                 <a:ea typeface="나눔스퀘어 Bold" panose="020B0600000101010101" pitchFamily="50" charset="-127"/>
               </a:rPr>
-              <a:t>http</a:t>
-            </a:r>
-            <a:r>
-              <a:rPr lang="en-US" altLang="ko-KR" sz="1200" spc="-103" smtClean="0">
-                <a:ln>
-                  <a:solidFill>
-                    <a:schemeClr val="bg1">
-                      <a:lumMod val="85000"/>
-                      <a:alpha val="0"/>
-                    </a:schemeClr>
-                  </a:solidFill>
-                </a:ln>
-                <a:latin typeface="나눔스퀘어 Bold" panose="020B0600000101010101" pitchFamily="50" charset="-127"/>
-                <a:ea typeface="나눔스퀘어 Bold" panose="020B0600000101010101" pitchFamily="50" charset="-127"/>
-              </a:rPr>
-              <a:t>://127.0.0.1:5000")</a:t>
+              <a:t>?</a:t>
+            </a:r>
+          </a:p>
+        </p:txBody>
+      </p:sp>
+      <p:sp>
+        <p:nvSpPr>
+          <p:cNvPr id="10" name="TextBox 9"/>
+          <p:cNvSpPr txBox="1"/>
+          <p:nvPr/>
+        </p:nvSpPr>
+        <p:spPr>
+          <a:xfrm>
+            <a:off x="455532" y="498947"/>
+            <a:ext cx="614271" cy="461665"/>
+          </a:xfrm>
+          <a:prstGeom prst="rect">
+            <a:avLst/>
+          </a:prstGeom>
+          <a:noFill/>
+        </p:spPr>
+        <p:txBody>
+          <a:bodyPr wrap="square" rtlCol="0">
+            <a:spAutoFit/>
+          </a:bodyPr>
+          <a:lstStyle/>
+          <a:p>
+            <a:pPr algn="ctr"/>
+            <a:r>
+              <a:rPr lang="en-US" altLang="ko-KR" sz="2400" spc="-150">
+                <a:solidFill>
+                  <a:srgbClr val="00002F"/>
+                </a:solidFill>
+                <a:latin typeface="나눔스퀘어 ExtraBold" panose="020B0600000101010101" pitchFamily="50" charset="-127"/>
+                <a:ea typeface="나눔스퀘어 ExtraBold" panose="020B0600000101010101" pitchFamily="50" charset="-127"/>
+              </a:rPr>
+              <a:t>04.</a:t>
+            </a:r>
+            <a:endParaRPr lang="ko-KR" altLang="en-US" sz="2400" spc="-150" dirty="0">
+              <a:solidFill>
+                <a:srgbClr val="00002F"/>
+              </a:solidFill>
+              <a:latin typeface="나눔스퀘어 ExtraBold" panose="020B0600000101010101" pitchFamily="50" charset="-127"/>
+              <a:ea typeface="나눔스퀘어 ExtraBold" panose="020B0600000101010101" pitchFamily="50" charset="-127"/>
+            </a:endParaRPr>
+          </a:p>
+        </p:txBody>
+      </p:sp>
+      <p:sp>
+        <p:nvSpPr>
+          <p:cNvPr id="11" name="TextBox 10"/>
+          <p:cNvSpPr txBox="1"/>
+          <p:nvPr/>
+        </p:nvSpPr>
+        <p:spPr>
+          <a:xfrm>
+            <a:off x="1088238" y="437393"/>
+            <a:ext cx="5396382" cy="584775"/>
+          </a:xfrm>
+          <a:prstGeom prst="rect">
+            <a:avLst/>
+          </a:prstGeom>
+          <a:noFill/>
+        </p:spPr>
+        <p:txBody>
+          <a:bodyPr wrap="square" rtlCol="0">
+            <a:spAutoFit/>
+          </a:bodyPr>
+          <a:lstStyle/>
+          <a:p>
+            <a:r>
+              <a:rPr lang="en-US" altLang="ko-KR" sz="3200" spc="-150">
+                <a:solidFill>
+                  <a:srgbClr val="00002F"/>
+                </a:solidFill>
+                <a:latin typeface="나눔스퀘어 ExtraBold" panose="020B0600000101010101" pitchFamily="50" charset="-127"/>
+                <a:ea typeface="나눔스퀘어 ExtraBold" panose="020B0600000101010101" pitchFamily="50" charset="-127"/>
+              </a:rPr>
+              <a:t>Mlflow Models</a:t>
             </a:r>
           </a:p>
         </p:txBody>
       </p:sp>
       <p:pic>
         <p:nvPicPr>
-          <p:cNvPr id="2" name="그림 1"/>
+          <p:cNvPr id="13" name="Picture 6" descr="웃긴짤모음(3) - 월요일, 출근짤, 사회생활짤"/>
           <p:cNvPicPr>
-            <a:picLocks noChangeAspect="1"/>
+            <a:picLocks noChangeAspect="1" noChangeArrowheads="1"/>
           </p:cNvPicPr>
           <p:nvPr/>
         </p:nvPicPr>
         <p:blipFill>
-          <a:blip r:embed="rId2"/>
+          <a:blip r:embed="rId2">
+            <a:extLst>
+              <a:ext uri="{28A0092B-C50C-407E-A947-70E740481C1C}">
+                <a14:useLocalDpi xmlns:a14="http://schemas.microsoft.com/office/drawing/2010/main" val="0"/>
+              </a:ext>
+            </a:extLst>
+          </a:blip>
+          <a:srcRect/>
           <a:stretch>
             <a:fillRect/>
           </a:stretch>
         </p:blipFill>
-        <p:spPr>
-          <a:xfrm>
-            <a:off x="1119944" y="2080385"/>
-            <a:ext cx="9952113" cy="2473243"/>
+        <p:spPr bwMode="auto">
+          <a:xfrm>
+            <a:off x="3734429" y="1872760"/>
+            <a:ext cx="4723141" cy="2928347"/>
           </a:xfrm>
           <a:prstGeom prst="rect">
             <a:avLst/>
           </a:prstGeom>
+          <a:noFill/>
+          <a:extLst>
+            <a:ext uri="{909E8E84-426E-40DD-AFC4-6F175D3DCCD1}">
+              <a14:hiddenFill xmlns:a14="http://schemas.microsoft.com/office/drawing/2010/main">
+                <a:solidFill>
+                  <a:srgbClr val="FFFFFF"/>
+                </a:solidFill>
+              </a14:hiddenFill>
+            </a:ext>
+          </a:extLst>
         </p:spPr>
       </p:pic>
     </p:spTree>
     <p:extLst>
       <p:ext uri="{BB962C8B-B14F-4D97-AF65-F5344CB8AC3E}">
-        <p14:creationId xmlns:p14="http://schemas.microsoft.com/office/powerpoint/2010/main" val="3376578036"/>
+        <p14:creationId xmlns:p14="http://schemas.microsoft.com/office/powerpoint/2010/main" val="3853548113"/>
       </p:ext>
     </p:extLst>
   </p:cSld>
@@ -3684,6 +3458,49 @@
       </p:grpSpPr>
       <p:sp>
         <p:nvSpPr>
+          <p:cNvPr id="12" name="TextBox 11"/>
+          <p:cNvSpPr txBox="1"/>
+          <p:nvPr/>
+        </p:nvSpPr>
+        <p:spPr>
+          <a:xfrm>
+            <a:off x="455532" y="498947"/>
+            <a:ext cx="614271" cy="461665"/>
+          </a:xfrm>
+          <a:prstGeom prst="rect">
+            <a:avLst/>
+          </a:prstGeom>
+          <a:noFill/>
+        </p:spPr>
+        <p:txBody>
+          <a:bodyPr wrap="square" rtlCol="0">
+            <a:spAutoFit/>
+          </a:bodyPr>
+          <a:lstStyle/>
+          <a:p>
+            <a:pPr algn="ctr"/>
+            <a:r>
+              <a:rPr lang="en-US" altLang="ko-KR" sz="2400" spc="-150">
+                <a:solidFill>
+                  <a:srgbClr val="00002F"/>
+                </a:solidFill>
+                <a:latin typeface="나눔스퀘어 ExtraBold" panose="020B0600000101010101" pitchFamily="50" charset="-127"/>
+                <a:ea typeface="나눔스퀘어 ExtraBold" panose="020B0600000101010101" pitchFamily="50" charset="-127"/>
+              </a:rPr>
+              <a:t>04.</a:t>
+            </a:r>
+            <a:endParaRPr lang="ko-KR" altLang="en-US" sz="2400" spc="-150" dirty="0">
+              <a:solidFill>
+                <a:srgbClr val="00002F"/>
+              </a:solidFill>
+              <a:latin typeface="나눔스퀘어 ExtraBold" panose="020B0600000101010101" pitchFamily="50" charset="-127"/>
+              <a:ea typeface="나눔스퀘어 ExtraBold" panose="020B0600000101010101" pitchFamily="50" charset="-127"/>
+            </a:endParaRPr>
+          </a:p>
+        </p:txBody>
+      </p:sp>
+      <p:sp>
+        <p:nvSpPr>
           <p:cNvPr id="36" name="TextBox 35">
             <a:extLst>
               <a:ext uri="{FF2B5EF4-FFF2-40B4-BE49-F238E27FC236}">
@@ -3711,7 +3528,7 @@
           <a:lstStyle/>
           <a:p>
             <a:r>
-              <a:rPr lang="en-US" altLang="ko-KR" sz="1400" spc="-100" smtClean="0">
+              <a:rPr lang="en-US" altLang="ko-KR" sz="1400" spc="-100">
                 <a:ln>
                   <a:solidFill>
                     <a:schemeClr val="bg1">
@@ -3723,7 +3540,7 @@
                 <a:latin typeface="나눔스퀘어 ExtraBold" panose="020B0600000101010101" pitchFamily="50" charset="-127"/>
                 <a:ea typeface="나눔스퀘어 ExtraBold" panose="020B0600000101010101" pitchFamily="50" charset="-127"/>
               </a:rPr>
-              <a:t>Needs</a:t>
+              <a:t>Exercise</a:t>
             </a:r>
             <a:endParaRPr lang="ko-KR" altLang="en-US" sz="1400" spc="-100" dirty="0">
               <a:ln>
@@ -3742,7 +3559,42 @@
       </p:sp>
       <p:sp>
         <p:nvSpPr>
-          <p:cNvPr id="8" name="TextBox 7">
+          <p:cNvPr id="9" name="TextBox 8"/>
+          <p:cNvSpPr txBox="1"/>
+          <p:nvPr/>
+        </p:nvSpPr>
+        <p:spPr>
+          <a:xfrm>
+            <a:off x="1088238" y="437393"/>
+            <a:ext cx="5396382" cy="584775"/>
+          </a:xfrm>
+          <a:prstGeom prst="rect">
+            <a:avLst/>
+          </a:prstGeom>
+          <a:noFill/>
+        </p:spPr>
+        <p:txBody>
+          <a:bodyPr wrap="square" rtlCol="0">
+            <a:spAutoFit/>
+          </a:bodyPr>
+          <a:lstStyle/>
+          <a:p>
+            <a:r>
+              <a:rPr lang="en-US" altLang="ko-KR" sz="3200" spc="-150">
+                <a:solidFill>
+                  <a:srgbClr val="00002F"/>
+                </a:solidFill>
+                <a:latin typeface="나눔스퀘어 ExtraBold" panose="020B0600000101010101" pitchFamily="50" charset="-127"/>
+                <a:ea typeface="나눔스퀘어 ExtraBold" panose="020B0600000101010101" pitchFamily="50" charset="-127"/>
+              </a:rPr>
+              <a:t>Mlflow Models</a:t>
+            </a:r>
+          </a:p>
+        </p:txBody>
+      </p:sp>
+      <p:sp>
+        <p:nvSpPr>
+          <p:cNvPr id="7" name="TextBox 6">
             <a:extLst>
               <a:ext uri="{FF2B5EF4-FFF2-40B4-BE49-F238E27FC236}">
                 <a16:creationId xmlns:a16="http://schemas.microsoft.com/office/drawing/2014/main" id="{C40C17C7-6436-43BB-AB8B-1F1856BAF096}"/>
@@ -3754,8 +3606,8 @@
         </p:nvSpPr>
         <p:spPr>
           <a:xfrm>
-            <a:off x="3445305" y="5236200"/>
-            <a:ext cx="5301388" cy="830997"/>
+            <a:off x="4353844" y="5114870"/>
+            <a:ext cx="3484312" cy="461665"/>
           </a:xfrm>
           <a:prstGeom prst="rect">
             <a:avLst/>
@@ -3768,7 +3620,7 @@
           </a:bodyPr>
           <a:lstStyle/>
           <a:p>
-            <a:pPr marL="171450" indent="-171450">
+            <a:pPr marL="171450" indent="-171450" algn="ctr">
               <a:lnSpc>
                 <a:spcPct val="200000"/>
               </a:lnSpc>
@@ -3776,135 +3628,51 @@
               <a:buChar char="•"/>
             </a:pPr>
             <a:r>
-              <a:rPr lang="en-US" altLang="ko-KR" sz="1200" spc="-103" smtClean="0">
-                <a:ln>
-                  <a:solidFill>
-                    <a:schemeClr val="bg1">
-                      <a:lumMod val="85000"/>
-                      <a:alpha val="0"/>
-                    </a:schemeClr>
-                  </a:solidFill>
-                </a:ln>
-                <a:latin typeface="나눔스퀘어 Bold" panose="020B0600000101010101" pitchFamily="50" charset="-127"/>
-                <a:ea typeface="나눔스퀘어 Bold" panose="020B0600000101010101" pitchFamily="50" charset="-127"/>
-              </a:rPr>
-              <a:t>Artifacts</a:t>
-            </a:r>
-            <a:r>
-              <a:rPr lang="ko-KR" altLang="en-US" sz="1200" spc="-103" smtClean="0">
-                <a:ln>
-                  <a:solidFill>
-                    <a:schemeClr val="bg1">
-                      <a:lumMod val="85000"/>
-                      <a:alpha val="0"/>
-                    </a:schemeClr>
-                  </a:solidFill>
-                </a:ln>
-                <a:latin typeface="나눔스퀘어 Bold" panose="020B0600000101010101" pitchFamily="50" charset="-127"/>
-                <a:ea typeface="나눔스퀘어 Bold" panose="020B0600000101010101" pitchFamily="50" charset="-127"/>
-              </a:rPr>
-              <a:t>에 저장한 모델을 재사용하고 싶은데 어떻게하지</a:t>
-            </a:r>
-            <a:r>
-              <a:rPr lang="en-US" altLang="ko-KR" sz="1200" spc="-103" smtClean="0">
-                <a:ln>
-                  <a:solidFill>
-                    <a:schemeClr val="bg1">
-                      <a:lumMod val="85000"/>
-                      <a:alpha val="0"/>
-                    </a:schemeClr>
-                  </a:solidFill>
-                </a:ln>
-                <a:latin typeface="나눔스퀘어 Bold" panose="020B0600000101010101" pitchFamily="50" charset="-127"/>
-                <a:ea typeface="나눔스퀘어 Bold" panose="020B0600000101010101" pitchFamily="50" charset="-127"/>
-              </a:rPr>
-              <a:t>?</a:t>
-            </a:r>
-          </a:p>
-          <a:p>
-            <a:pPr marL="171450" indent="-171450">
-              <a:lnSpc>
-                <a:spcPct val="200000"/>
-              </a:lnSpc>
-              <a:buFont typeface="Arial" panose="020B0604020202020204" pitchFamily="34" charset="0"/>
-              <a:buChar char="•"/>
-            </a:pPr>
-            <a:r>
-              <a:rPr lang="en-US" altLang="ko-KR" sz="1200" spc="-103" smtClean="0">
-                <a:ln>
-                  <a:solidFill>
-                    <a:schemeClr val="bg1">
-                      <a:lumMod val="85000"/>
-                      <a:alpha val="0"/>
-                    </a:schemeClr>
-                  </a:solidFill>
-                </a:ln>
-                <a:latin typeface="나눔스퀘어 Bold" panose="020B0600000101010101" pitchFamily="50" charset="-127"/>
-                <a:ea typeface="나눔스퀘어 Bold" panose="020B0600000101010101" pitchFamily="50" charset="-127"/>
-              </a:rPr>
-              <a:t>Flask</a:t>
-            </a:r>
-            <a:r>
-              <a:rPr lang="ko-KR" altLang="en-US" sz="1200" spc="-103" smtClean="0">
-                <a:ln>
-                  <a:solidFill>
-                    <a:schemeClr val="bg1">
-                      <a:lumMod val="85000"/>
-                      <a:alpha val="0"/>
-                    </a:schemeClr>
-                  </a:solidFill>
-                </a:ln>
-                <a:latin typeface="나눔스퀘어 Bold" panose="020B0600000101010101" pitchFamily="50" charset="-127"/>
-                <a:ea typeface="나눔스퀘어 Bold" panose="020B0600000101010101" pitchFamily="50" charset="-127"/>
-              </a:rPr>
-              <a:t>이용해서 서버 띄우기 너무 귀찮은데 </a:t>
-            </a:r>
-            <a:r>
-              <a:rPr lang="ko-KR" altLang="en-US" sz="1200" spc="-103" smtClean="0">
-                <a:ln>
-                  <a:solidFill>
-                    <a:schemeClr val="bg1">
-                      <a:lumMod val="85000"/>
-                      <a:alpha val="0"/>
-                    </a:schemeClr>
-                  </a:solidFill>
-                </a:ln>
-                <a:latin typeface="나눔스퀘어 Bold" panose="020B0600000101010101" pitchFamily="50" charset="-127"/>
-                <a:ea typeface="나눔스퀘어 Bold" panose="020B0600000101010101" pitchFamily="50" charset="-127"/>
-              </a:rPr>
-              <a:t>명령어 하나로 </a:t>
-            </a:r>
-            <a:r>
-              <a:rPr lang="ko-KR" altLang="en-US" sz="1200" spc="-103" smtClean="0">
-                <a:ln>
-                  <a:solidFill>
-                    <a:schemeClr val="bg1">
-                      <a:lumMod val="85000"/>
-                      <a:alpha val="0"/>
-                    </a:schemeClr>
-                  </a:solidFill>
-                </a:ln>
-                <a:latin typeface="나눔스퀘어 Bold" panose="020B0600000101010101" pitchFamily="50" charset="-127"/>
-                <a:ea typeface="나눔스퀘어 Bold" panose="020B0600000101010101" pitchFamily="50" charset="-127"/>
-              </a:rPr>
-              <a:t>서빙하는 서버 만들 수 없을까</a:t>
-            </a:r>
-            <a:r>
-              <a:rPr lang="en-US" altLang="ko-KR" sz="1200" spc="-103" smtClean="0">
-                <a:ln>
-                  <a:solidFill>
-                    <a:schemeClr val="bg1">
-                      <a:lumMod val="85000"/>
-                      <a:alpha val="0"/>
-                    </a:schemeClr>
-                  </a:solidFill>
-                </a:ln>
-                <a:latin typeface="나눔스퀘어 Bold" panose="020B0600000101010101" pitchFamily="50" charset="-127"/>
-                <a:ea typeface="나눔스퀘어 Bold" panose="020B0600000101010101" pitchFamily="50" charset="-127"/>
-              </a:rPr>
-              <a:t>?</a:t>
-            </a:r>
-            <a:endParaRPr lang="en-US" altLang="ko-KR" sz="1200" spc="-103" smtClean="0">
+              <a:rPr lang="ko-KR" altLang="en-US" sz="1200" spc="-103">
+                <a:ln>
+                  <a:solidFill>
+                    <a:schemeClr val="bg1">
+                      <a:lumMod val="85000"/>
+                      <a:alpha val="0"/>
+                    </a:schemeClr>
+                  </a:solidFill>
+                </a:ln>
+                <a:latin typeface="나눔스퀘어 Bold" panose="020B0600000101010101" pitchFamily="50" charset="-127"/>
+                <a:ea typeface="나눔스퀘어 Bold" panose="020B0600000101010101" pitchFamily="50" charset="-127"/>
+              </a:rPr>
+              <a:t>타이타닉 모델 </a:t>
+            </a:r>
+            <a:r>
+              <a:rPr lang="en-US" altLang="ko-KR" sz="1200" spc="-103">
+                <a:ln>
+                  <a:solidFill>
+                    <a:schemeClr val="bg1">
+                      <a:lumMod val="85000"/>
+                      <a:alpha val="0"/>
+                    </a:schemeClr>
+                  </a:solidFill>
+                </a:ln>
+                <a:latin typeface="나눔스퀘어 Bold" panose="020B0600000101010101" pitchFamily="50" charset="-127"/>
+                <a:ea typeface="나눔스퀘어 Bold" panose="020B0600000101010101" pitchFamily="50" charset="-127"/>
+              </a:rPr>
+              <a:t>ML </a:t>
+            </a:r>
+            <a:r>
+              <a:rPr lang="ko-KR" altLang="en-US" sz="1200" spc="-103">
+                <a:ln>
+                  <a:solidFill>
+                    <a:schemeClr val="bg1">
+                      <a:lumMod val="85000"/>
+                      <a:alpha val="0"/>
+                    </a:schemeClr>
+                  </a:solidFill>
+                </a:ln>
+                <a:latin typeface="나눔스퀘어 Bold" panose="020B0600000101010101" pitchFamily="50" charset="-127"/>
+                <a:ea typeface="나눔스퀘어 Bold" panose="020B0600000101010101" pitchFamily="50" charset="-127"/>
+              </a:rPr>
+              <a:t>가져와서 추론하기</a:t>
+            </a:r>
+            <a:endParaRPr lang="en-US" altLang="ko-KR" sz="1200" spc="-103">
               <a:ln>
                 <a:solidFill>
                   <a:schemeClr val="bg1">
@@ -3919,146 +3687,34 @@
           </a:p>
         </p:txBody>
       </p:sp>
-      <p:sp>
-        <p:nvSpPr>
-          <p:cNvPr id="10" name="TextBox 9"/>
-          <p:cNvSpPr txBox="1"/>
-          <p:nvPr/>
-        </p:nvSpPr>
-        <p:spPr>
-          <a:xfrm>
-            <a:off x="455532" y="498947"/>
-            <a:ext cx="614271" cy="461665"/>
-          </a:xfrm>
-          <a:prstGeom prst="rect">
-            <a:avLst/>
-          </a:prstGeom>
-          <a:noFill/>
-        </p:spPr>
-        <p:txBody>
-          <a:bodyPr wrap="square" rtlCol="0">
-            <a:spAutoFit/>
-          </a:bodyPr>
-          <a:lstStyle/>
-          <a:p>
-            <a:pPr algn="ctr"/>
-            <a:r>
-              <a:rPr lang="en-US" altLang="ko-KR" sz="2400" spc="-150" smtClean="0">
-                <a:solidFill>
-                  <a:srgbClr val="00002F"/>
-                </a:solidFill>
-                <a:latin typeface="나눔스퀘어 ExtraBold" panose="020B0600000101010101" pitchFamily="50" charset="-127"/>
-                <a:ea typeface="나눔스퀘어 ExtraBold" panose="020B0600000101010101" pitchFamily="50" charset="-127"/>
-              </a:rPr>
-              <a:t>04.</a:t>
-            </a:r>
-            <a:endParaRPr lang="ko-KR" altLang="en-US" sz="2400" spc="-150" dirty="0">
-              <a:solidFill>
-                <a:srgbClr val="00002F"/>
-              </a:solidFill>
-              <a:latin typeface="나눔스퀘어 ExtraBold" panose="020B0600000101010101" pitchFamily="50" charset="-127"/>
-              <a:ea typeface="나눔스퀘어 ExtraBold" panose="020B0600000101010101" pitchFamily="50" charset="-127"/>
-            </a:endParaRPr>
-          </a:p>
-        </p:txBody>
-      </p:sp>
-      <p:sp>
-        <p:nvSpPr>
-          <p:cNvPr id="11" name="TextBox 10"/>
-          <p:cNvSpPr txBox="1"/>
-          <p:nvPr/>
-        </p:nvSpPr>
-        <p:spPr>
-          <a:xfrm>
-            <a:off x="1088238" y="437393"/>
-            <a:ext cx="5396382" cy="584775"/>
-          </a:xfrm>
-          <a:prstGeom prst="rect">
-            <a:avLst/>
-          </a:prstGeom>
-          <a:noFill/>
-        </p:spPr>
-        <p:txBody>
-          <a:bodyPr wrap="square" rtlCol="0">
-            <a:spAutoFit/>
-          </a:bodyPr>
-          <a:lstStyle/>
-          <a:p>
-            <a:r>
-              <a:rPr lang="en-US" altLang="ko-KR" sz="3200" spc="-150" smtClean="0">
-                <a:solidFill>
-                  <a:srgbClr val="00002F"/>
-                </a:solidFill>
-                <a:latin typeface="나눔스퀘어 ExtraBold" panose="020B0600000101010101" pitchFamily="50" charset="-127"/>
-                <a:ea typeface="나눔스퀘어 ExtraBold" panose="020B0600000101010101" pitchFamily="50" charset="-127"/>
-              </a:rPr>
-              <a:t>Mlflow </a:t>
-            </a:r>
-            <a:r>
-              <a:rPr lang="en-US" altLang="ko-KR" sz="3200" spc="-150" smtClean="0">
-                <a:solidFill>
-                  <a:srgbClr val="00002F"/>
-                </a:solidFill>
-                <a:latin typeface="나눔스퀘어 ExtraBold" panose="020B0600000101010101" pitchFamily="50" charset="-127"/>
-                <a:ea typeface="나눔스퀘어 ExtraBold" panose="020B0600000101010101" pitchFamily="50" charset="-127"/>
-              </a:rPr>
-              <a:t>Models</a:t>
-            </a:r>
-            <a:endParaRPr lang="en-US" altLang="ko-KR" sz="3200" spc="-150">
-              <a:solidFill>
-                <a:srgbClr val="00002F"/>
-              </a:solidFill>
-              <a:latin typeface="나눔스퀘어 ExtraBold" panose="020B0600000101010101" pitchFamily="50" charset="-127"/>
-              <a:ea typeface="나눔스퀘어 ExtraBold" panose="020B0600000101010101" pitchFamily="50" charset="-127"/>
-            </a:endParaRPr>
-          </a:p>
-        </p:txBody>
-      </p:sp>
       <p:pic>
         <p:nvPicPr>
-          <p:cNvPr id="13" name="Picture 6" descr="웃긴짤모음(3) - 월요일, 출근짤, 사회생활짤"/>
+          <p:cNvPr id="3" name="그림 2"/>
           <p:cNvPicPr>
-            <a:picLocks noChangeAspect="1" noChangeArrowheads="1"/>
+            <a:picLocks noChangeAspect="1"/>
           </p:cNvPicPr>
           <p:nvPr/>
         </p:nvPicPr>
         <p:blipFill>
-          <a:blip r:embed="rId2">
-            <a:extLst>
-              <a:ext uri="{28A0092B-C50C-407E-A947-70E740481C1C}">
-                <a14:useLocalDpi xmlns:a14="http://schemas.microsoft.com/office/drawing/2010/main" val="0"/>
-              </a:ext>
-            </a:extLst>
-          </a:blip>
-          <a:srcRect/>
+          <a:blip r:embed="rId2"/>
           <a:stretch>
             <a:fillRect/>
           </a:stretch>
         </p:blipFill>
-        <p:spPr bwMode="auto">
-          <a:xfrm>
-            <a:off x="3734429" y="1872760"/>
-            <a:ext cx="4723141" cy="2928347"/>
+        <p:spPr>
+          <a:xfrm>
+            <a:off x="2424546" y="2500923"/>
+            <a:ext cx="7342909" cy="2138795"/>
           </a:xfrm>
           <a:prstGeom prst="rect">
             <a:avLst/>
           </a:prstGeom>
-          <a:noFill/>
-          <a:extLst>
-            <a:ext uri="{909E8E84-426E-40DD-AFC4-6F175D3DCCD1}">
-              <a14:hiddenFill xmlns:a14="http://schemas.microsoft.com/office/drawing/2010/main">
-                <a:solidFill>
-                  <a:srgbClr val="FFFFFF"/>
-                </a:solidFill>
-              </a14:hiddenFill>
-            </a:ext>
-          </a:extLst>
         </p:spPr>
       </p:pic>
     </p:spTree>
     <p:extLst>
       <p:ext uri="{BB962C8B-B14F-4D97-AF65-F5344CB8AC3E}">
-        <p14:creationId xmlns:p14="http://schemas.microsoft.com/office/powerpoint/2010/main" val="3853548113"/>
+        <p14:creationId xmlns:p14="http://schemas.microsoft.com/office/powerpoint/2010/main" val="2853359701"/>
       </p:ext>
     </p:extLst>
   </p:cSld>
@@ -4109,7 +3765,7 @@
           <a:p>
             <a:pPr algn="ctr"/>
             <a:r>
-              <a:rPr lang="en-US" altLang="ko-KR" sz="2400" spc="-150" smtClean="0">
+              <a:rPr lang="en-US" altLang="ko-KR" sz="2400" spc="-150">
                 <a:solidFill>
                   <a:srgbClr val="00002F"/>
                 </a:solidFill>
@@ -4157,7 +3813,7 @@
           <a:lstStyle/>
           <a:p>
             <a:r>
-              <a:rPr lang="en-US" altLang="ko-KR" sz="1400" spc="-100" smtClean="0">
+              <a:rPr lang="en-US" altLang="ko-KR" sz="1400" spc="-100">
                 <a:ln>
                   <a:solidFill>
                     <a:schemeClr val="bg1">
@@ -4209,32 +3865,15 @@
           <a:lstStyle/>
           <a:p>
             <a:r>
-              <a:rPr lang="en-US" altLang="ko-KR" sz="3200" spc="-150" smtClean="0">
+              <a:rPr lang="en-US" altLang="ko-KR" sz="3200" spc="-150">
                 <a:solidFill>
                   <a:srgbClr val="00002F"/>
                 </a:solidFill>
                 <a:latin typeface="나눔스퀘어 ExtraBold" panose="020B0600000101010101" pitchFamily="50" charset="-127"/>
                 <a:ea typeface="나눔스퀘어 ExtraBold" panose="020B0600000101010101" pitchFamily="50" charset="-127"/>
               </a:rPr>
-              <a:t>Mlflow </a:t>
-            </a:r>
-            <a:r>
-              <a:rPr lang="en-US" altLang="ko-KR" sz="3200" spc="-150" smtClean="0">
-                <a:solidFill>
-                  <a:srgbClr val="00002F"/>
-                </a:solidFill>
-                <a:latin typeface="나눔스퀘어 ExtraBold" panose="020B0600000101010101" pitchFamily="50" charset="-127"/>
-                <a:ea typeface="나눔스퀘어 ExtraBold" panose="020B0600000101010101" pitchFamily="50" charset="-127"/>
-              </a:rPr>
-              <a:t>Models</a:t>
-            </a:r>
-            <a:endParaRPr lang="en-US" altLang="ko-KR" sz="3200" spc="-150">
-              <a:solidFill>
-                <a:srgbClr val="00002F"/>
-              </a:solidFill>
-              <a:latin typeface="나눔스퀘어 ExtraBold" panose="020B0600000101010101" pitchFamily="50" charset="-127"/>
-              <a:ea typeface="나눔스퀘어 ExtraBold" panose="020B0600000101010101" pitchFamily="50" charset="-127"/>
-            </a:endParaRPr>
+              <a:t>Mlflow Models</a:t>
+            </a:r>
           </a:p>
         </p:txBody>
       </p:sp>
@@ -4252,7 +3891,7 @@
         </p:nvSpPr>
         <p:spPr>
           <a:xfrm>
-            <a:off x="4353844" y="5114870"/>
+            <a:off x="4353843" y="5960614"/>
             <a:ext cx="3484312" cy="461665"/>
           </a:xfrm>
           <a:prstGeom prst="rect">
@@ -4274,51 +3913,51 @@
               <a:buChar char="•"/>
             </a:pPr>
             <a:r>
-              <a:rPr lang="ko-KR" altLang="en-US" sz="1200" spc="-103" smtClean="0">
-                <a:ln>
-                  <a:solidFill>
-                    <a:schemeClr val="bg1">
-                      <a:lumMod val="85000"/>
-                      <a:alpha val="0"/>
-                    </a:schemeClr>
-                  </a:solidFill>
-                </a:ln>
-                <a:latin typeface="나눔스퀘어 Bold" panose="020B0600000101010101" pitchFamily="50" charset="-127"/>
-                <a:ea typeface="나눔스퀘어 Bold" panose="020B0600000101010101" pitchFamily="50" charset="-127"/>
-              </a:rPr>
-              <a:t>타이타닉 모델 </a:t>
-            </a:r>
-            <a:r>
-              <a:rPr lang="en-US" altLang="ko-KR" sz="1200" spc="-103" smtClean="0">
-                <a:ln>
-                  <a:solidFill>
-                    <a:schemeClr val="bg1">
-                      <a:lumMod val="85000"/>
-                      <a:alpha val="0"/>
-                    </a:schemeClr>
-                  </a:solidFill>
-                </a:ln>
-                <a:latin typeface="나눔스퀘어 Bold" panose="020B0600000101010101" pitchFamily="50" charset="-127"/>
-                <a:ea typeface="나눔스퀘어 Bold" panose="020B0600000101010101" pitchFamily="50" charset="-127"/>
-              </a:rPr>
-              <a:t>ML </a:t>
-            </a:r>
-            <a:r>
-              <a:rPr lang="ko-KR" altLang="en-US" sz="1200" spc="-103" smtClean="0">
-                <a:ln>
-                  <a:solidFill>
-                    <a:schemeClr val="bg1">
-                      <a:lumMod val="85000"/>
-                      <a:alpha val="0"/>
-                    </a:schemeClr>
-                  </a:solidFill>
-                </a:ln>
-                <a:latin typeface="나눔스퀘어 Bold" panose="020B0600000101010101" pitchFamily="50" charset="-127"/>
-                <a:ea typeface="나눔스퀘어 Bold" panose="020B0600000101010101" pitchFamily="50" charset="-127"/>
-              </a:rPr>
-              <a:t>가져와서 추론하기</a:t>
-            </a:r>
-            <a:endParaRPr lang="en-US" altLang="ko-KR" sz="1200" spc="-103" smtClean="0">
+              <a:rPr lang="ko-KR" altLang="en-US" sz="1200" spc="-103">
+                <a:ln>
+                  <a:solidFill>
+                    <a:schemeClr val="bg1">
+                      <a:lumMod val="85000"/>
+                      <a:alpha val="0"/>
+                    </a:schemeClr>
+                  </a:solidFill>
+                </a:ln>
+                <a:latin typeface="나눔스퀘어 Bold" panose="020B0600000101010101" pitchFamily="50" charset="-127"/>
+                <a:ea typeface="나눔스퀘어 Bold" panose="020B0600000101010101" pitchFamily="50" charset="-127"/>
+              </a:rPr>
+              <a:t>리뷰 감정 분류 </a:t>
+            </a:r>
+            <a:r>
+              <a:rPr lang="en-US" altLang="ko-KR" sz="1200" spc="-103">
+                <a:ln>
+                  <a:solidFill>
+                    <a:schemeClr val="bg1">
+                      <a:lumMod val="85000"/>
+                      <a:alpha val="0"/>
+                    </a:schemeClr>
+                  </a:solidFill>
+                </a:ln>
+                <a:latin typeface="나눔스퀘어 Bold" panose="020B0600000101010101" pitchFamily="50" charset="-127"/>
+                <a:ea typeface="나눔스퀘어 Bold" panose="020B0600000101010101" pitchFamily="50" charset="-127"/>
+              </a:rPr>
+              <a:t>DL</a:t>
+            </a:r>
+            <a:r>
+              <a:rPr lang="ko-KR" altLang="en-US" sz="1200" spc="-103">
+                <a:ln>
+                  <a:solidFill>
+                    <a:schemeClr val="bg1">
+                      <a:lumMod val="85000"/>
+                      <a:alpha val="0"/>
+                    </a:schemeClr>
+                  </a:solidFill>
+                </a:ln>
+                <a:latin typeface="나눔스퀘어 Bold" panose="020B0600000101010101" pitchFamily="50" charset="-127"/>
+                <a:ea typeface="나눔스퀘어 Bold" panose="020B0600000101010101" pitchFamily="50" charset="-127"/>
+              </a:rPr>
+              <a:t> 모델 가져와서 추론하기</a:t>
+            </a:r>
+            <a:endParaRPr lang="en-US" altLang="ko-KR" sz="1200" spc="-103">
               <a:ln>
                 <a:solidFill>
                   <a:schemeClr val="bg1">
@@ -4335,7 +3974,7 @@
       </p:sp>
       <p:pic>
         <p:nvPicPr>
-          <p:cNvPr id="3" name="그림 2"/>
+          <p:cNvPr id="2" name="그림 1"/>
           <p:cNvPicPr>
             <a:picLocks noChangeAspect="1"/>
           </p:cNvPicPr>
@@ -4349,8 +3988,8 @@
         </p:blipFill>
         <p:spPr>
           <a:xfrm>
-            <a:off x="2424546" y="2500923"/>
-            <a:ext cx="7342909" cy="2138795"/>
+            <a:off x="3394507" y="2043569"/>
+            <a:ext cx="5402986" cy="3635386"/>
           </a:xfrm>
           <a:prstGeom prst="rect">
             <a:avLst/>
@@ -4360,7 +3999,7 @@
     </p:spTree>
     <p:extLst>
       <p:ext uri="{BB962C8B-B14F-4D97-AF65-F5344CB8AC3E}">
-        <p14:creationId xmlns:p14="http://schemas.microsoft.com/office/powerpoint/2010/main" val="2853359701"/>
+        <p14:creationId xmlns:p14="http://schemas.microsoft.com/office/powerpoint/2010/main" val="2632634638"/>
       </p:ext>
     </p:extLst>
   </p:cSld>
@@ -4411,7 +4050,7 @@
           <a:p>
             <a:pPr algn="ctr"/>
             <a:r>
-              <a:rPr lang="en-US" altLang="ko-KR" sz="2400" spc="-150" smtClean="0">
+              <a:rPr lang="en-US" altLang="ko-KR" sz="2400" spc="-150">
                 <a:solidFill>
                   <a:srgbClr val="00002F"/>
                 </a:solidFill>
@@ -4459,7 +4098,7 @@
           <a:lstStyle/>
           <a:p>
             <a:r>
-              <a:rPr lang="en-US" altLang="ko-KR" sz="1400" spc="-100" smtClean="0">
+              <a:rPr lang="en-US" altLang="ko-KR" sz="1400" spc="-100">
                 <a:ln>
                   <a:solidFill>
                     <a:schemeClr val="bg1">
@@ -4511,32 +4150,15 @@
           <a:lstStyle/>
           <a:p>
             <a:r>
-              <a:rPr lang="en-US" altLang="ko-KR" sz="3200" spc="-150" smtClean="0">
+              <a:rPr lang="en-US" altLang="ko-KR" sz="3200" spc="-150">
                 <a:solidFill>
                   <a:srgbClr val="00002F"/>
                 </a:solidFill>
                 <a:latin typeface="나눔스퀘어 ExtraBold" panose="020B0600000101010101" pitchFamily="50" charset="-127"/>
                 <a:ea typeface="나눔스퀘어 ExtraBold" panose="020B0600000101010101" pitchFamily="50" charset="-127"/>
               </a:rPr>
-              <a:t>Mlflow </a:t>
-            </a:r>
-            <a:r>
-              <a:rPr lang="en-US" altLang="ko-KR" sz="3200" spc="-150" smtClean="0">
-                <a:solidFill>
-                  <a:srgbClr val="00002F"/>
-                </a:solidFill>
-                <a:latin typeface="나눔스퀘어 ExtraBold" panose="020B0600000101010101" pitchFamily="50" charset="-127"/>
-                <a:ea typeface="나눔스퀘어 ExtraBold" panose="020B0600000101010101" pitchFamily="50" charset="-127"/>
-              </a:rPr>
-              <a:t>Models</a:t>
-            </a:r>
-            <a:endParaRPr lang="en-US" altLang="ko-KR" sz="3200" spc="-150">
-              <a:solidFill>
-                <a:srgbClr val="00002F"/>
-              </a:solidFill>
-              <a:latin typeface="나눔스퀘어 ExtraBold" panose="020B0600000101010101" pitchFamily="50" charset="-127"/>
-              <a:ea typeface="나눔스퀘어 ExtraBold" panose="020B0600000101010101" pitchFamily="50" charset="-127"/>
-            </a:endParaRPr>
+              <a:t>Mlflow Models</a:t>
+            </a:r>
           </a:p>
         </p:txBody>
       </p:sp>
@@ -4554,8 +4176,8 @@
         </p:nvSpPr>
         <p:spPr>
           <a:xfrm>
-            <a:off x="4353843" y="5960614"/>
-            <a:ext cx="3484312" cy="461665"/>
+            <a:off x="2624423" y="2551687"/>
+            <a:ext cx="6943154" cy="2258632"/>
           </a:xfrm>
           <a:prstGeom prst="rect">
             <a:avLst/>
@@ -4568,7 +4190,7 @@
           </a:bodyPr>
           <a:lstStyle/>
           <a:p>
-            <a:pPr marL="171450" indent="-171450" algn="ctr">
+            <a:pPr marL="171450" indent="-171450">
               <a:lnSpc>
                 <a:spcPct val="200000"/>
               </a:lnSpc>
@@ -4576,93 +4198,99 @@
               <a:buChar char="•"/>
             </a:pPr>
             <a:r>
-              <a:rPr lang="ko-KR" altLang="en-US" sz="1200" spc="-103" smtClean="0">
-                <a:ln>
-                  <a:solidFill>
-                    <a:schemeClr val="bg1">
-                      <a:lumMod val="85000"/>
-                      <a:alpha val="0"/>
-                    </a:schemeClr>
-                  </a:solidFill>
-                </a:ln>
-                <a:latin typeface="나눔스퀘어 Bold" panose="020B0600000101010101" pitchFamily="50" charset="-127"/>
-                <a:ea typeface="나눔스퀘어 Bold" panose="020B0600000101010101" pitchFamily="50" charset="-127"/>
-              </a:rPr>
-              <a:t>리뷰 감정 분류 </a:t>
-            </a:r>
-            <a:r>
-              <a:rPr lang="en-US" altLang="ko-KR" sz="1200" spc="-103" smtClean="0">
-                <a:ln>
-                  <a:solidFill>
-                    <a:schemeClr val="bg1">
-                      <a:lumMod val="85000"/>
-                      <a:alpha val="0"/>
-                    </a:schemeClr>
-                  </a:solidFill>
-                </a:ln>
-                <a:latin typeface="나눔스퀘어 Bold" panose="020B0600000101010101" pitchFamily="50" charset="-127"/>
-                <a:ea typeface="나눔스퀘어 Bold" panose="020B0600000101010101" pitchFamily="50" charset="-127"/>
-              </a:rPr>
-              <a:t>DL</a:t>
-            </a:r>
-            <a:r>
-              <a:rPr lang="ko-KR" altLang="en-US" sz="1200" spc="-103" smtClean="0">
-                <a:ln>
-                  <a:solidFill>
-                    <a:schemeClr val="bg1">
-                      <a:lumMod val="85000"/>
-                      <a:alpha val="0"/>
-                    </a:schemeClr>
-                  </a:solidFill>
-                </a:ln>
-                <a:latin typeface="나눔스퀘어 Bold" panose="020B0600000101010101" pitchFamily="50" charset="-127"/>
-                <a:ea typeface="나눔스퀘어 Bold" panose="020B0600000101010101" pitchFamily="50" charset="-127"/>
-              </a:rPr>
-              <a:t> 모델 가져와서 추론하기</a:t>
-            </a:r>
-            <a:endParaRPr lang="en-US" altLang="ko-KR" sz="1200" spc="-103" smtClean="0">
-              <a:ln>
-                <a:solidFill>
-                  <a:schemeClr val="bg1">
-                    <a:lumMod val="85000"/>
-                    <a:alpha val="0"/>
-                  </a:schemeClr>
-                </a:solidFill>
-              </a:ln>
-              <a:latin typeface="나눔스퀘어 Bold" panose="020B0600000101010101" pitchFamily="50" charset="-127"/>
-              <a:ea typeface="나눔스퀘어 Bold" panose="020B0600000101010101" pitchFamily="50" charset="-127"/>
-            </a:endParaRPr>
+              <a:rPr lang="en-US" altLang="ko-KR" sz="1200" spc="-103">
+                <a:ln>
+                  <a:solidFill>
+                    <a:schemeClr val="bg1">
+                      <a:lumMod val="85000"/>
+                      <a:alpha val="0"/>
+                    </a:schemeClr>
+                  </a:solidFill>
+                </a:ln>
+                <a:latin typeface="나눔스퀘어 Bold" panose="020B0600000101010101" pitchFamily="50" charset="-127"/>
+                <a:ea typeface="나눔스퀘어 Bold" panose="020B0600000101010101" pitchFamily="50" charset="-127"/>
+              </a:rPr>
+              <a:t>mlflow models serve -m runs:/2e42495638d24ee5a1fc1f25354cde96/titanic_model --no-conda</a:t>
+            </a:r>
+          </a:p>
+          <a:p>
+            <a:pPr marL="171450" indent="-171450">
+              <a:lnSpc>
+                <a:spcPct val="200000"/>
+              </a:lnSpc>
+              <a:buFont typeface="Arial" panose="020B0604020202020204" pitchFamily="34" charset="0"/>
+              <a:buChar char="•"/>
+            </a:pPr>
+            <a:r>
+              <a:rPr lang="en-US" altLang="ko-KR" sz="1200" spc="-103">
+                <a:ln>
+                  <a:solidFill>
+                    <a:schemeClr val="bg1">
+                      <a:lumMod val="85000"/>
+                      <a:alpha val="0"/>
+                    </a:schemeClr>
+                  </a:solidFill>
+                </a:ln>
+                <a:latin typeface="나눔스퀘어 Bold" panose="020B0600000101010101" pitchFamily="50" charset="-127"/>
+                <a:ea typeface="나눔스퀘어 Bold" panose="020B0600000101010101" pitchFamily="50" charset="-127"/>
+              </a:rPr>
+              <a:t>mlflow models serve -m runs:/9359c3a76776440184347b2d51b8ca9f/titanic_model</a:t>
+            </a:r>
+          </a:p>
+          <a:p>
+            <a:pPr marL="171450" indent="-171450">
+              <a:lnSpc>
+                <a:spcPct val="200000"/>
+              </a:lnSpc>
+              <a:buFont typeface="Arial" panose="020B0604020202020204" pitchFamily="34" charset="0"/>
+              <a:buChar char="•"/>
+            </a:pPr>
+            <a:r>
+              <a:rPr lang="en-US" altLang="ko-KR" sz="1200" spc="-103">
+                <a:ln>
+                  <a:solidFill>
+                    <a:schemeClr val="bg1">
+                      <a:lumMod val="85000"/>
+                      <a:alpha val="0"/>
+                    </a:schemeClr>
+                  </a:solidFill>
+                </a:ln>
+                <a:latin typeface="나눔스퀘어 Bold" panose="020B0600000101010101" pitchFamily="50" charset="-127"/>
+                <a:ea typeface="나눔스퀘어 Bold" panose="020B0600000101010101" pitchFamily="50" charset="-127"/>
+              </a:rPr>
+              <a:t>curl http://10.20.81.77:1012/invocations -H 'Content-Type: application/json' -d '{"columns": ["Pclass", "Sex", "Fare", "SibSp", "Parch"], "data": [[1, 2, 3, 2 ,2], [1, 2, 4, 5, 6]]}’</a:t>
+            </a:r>
+          </a:p>
+          <a:p>
+            <a:pPr marL="171450" indent="-171450">
+              <a:lnSpc>
+                <a:spcPct val="200000"/>
+              </a:lnSpc>
+              <a:buFont typeface="Arial" panose="020B0604020202020204" pitchFamily="34" charset="0"/>
+              <a:buChar char="•"/>
+            </a:pPr>
+            <a:r>
+              <a:rPr lang="en-US" altLang="ko-KR" sz="1200" spc="-103">
+                <a:ln>
+                  <a:solidFill>
+                    <a:schemeClr val="bg1">
+                      <a:lumMod val="85000"/>
+                      <a:alpha val="0"/>
+                    </a:schemeClr>
+                  </a:solidFill>
+                </a:ln>
+                <a:latin typeface="나눔스퀘어 Bold" panose="020B0600000101010101" pitchFamily="50" charset="-127"/>
+                <a:ea typeface="나눔스퀘어 Bold" panose="020B0600000101010101" pitchFamily="50" charset="-127"/>
+              </a:rPr>
+              <a:t>curl -d "{\"columns\":[\"Pclass\", \"Sex\", \"Fare\", \"SibSp\", \"Parch\"],\"data\":[[1, 2, 3, 2 ,2], [1, 2, 4, 5, 6]]}" -H "Content-Type: application/json"  localhost:5000/invocations</a:t>
+            </a:r>
           </a:p>
         </p:txBody>
       </p:sp>
-      <p:pic>
-        <p:nvPicPr>
-          <p:cNvPr id="2" name="그림 1"/>
-          <p:cNvPicPr>
-            <a:picLocks noChangeAspect="1"/>
-          </p:cNvPicPr>
-          <p:nvPr/>
-        </p:nvPicPr>
-        <p:blipFill>
-          <a:blip r:embed="rId2"/>
-          <a:stretch>
-            <a:fillRect/>
-          </a:stretch>
-        </p:blipFill>
-        <p:spPr>
-          <a:xfrm>
-            <a:off x="3394507" y="2043569"/>
-            <a:ext cx="5402986" cy="3635386"/>
-          </a:xfrm>
-          <a:prstGeom prst="rect">
-            <a:avLst/>
-          </a:prstGeom>
-        </p:spPr>
-      </p:pic>
     </p:spTree>
     <p:extLst>
       <p:ext uri="{BB962C8B-B14F-4D97-AF65-F5344CB8AC3E}">
-        <p14:creationId xmlns:p14="http://schemas.microsoft.com/office/powerpoint/2010/main" val="2632634638"/>
+        <p14:creationId xmlns:p14="http://schemas.microsoft.com/office/powerpoint/2010/main" val="2837007872"/>
       </p:ext>
     </p:extLst>
   </p:cSld>
@@ -4761,7 +4389,7 @@
           <a:lstStyle/>
           <a:p>
             <a:r>
-              <a:rPr lang="en-US" altLang="ko-KR" sz="1400" spc="-100" smtClean="0">
+              <a:rPr lang="en-US" altLang="ko-KR" sz="1400" spc="-100">
                 <a:ln>
                   <a:solidFill>
                     <a:schemeClr val="bg1">
@@ -4826,7 +4454,7 @@
               <a:buChar char="•"/>
             </a:pPr>
             <a:r>
-              <a:rPr lang="en-US" altLang="ko-KR" sz="1200" spc="-103" smtClean="0">
+              <a:rPr lang="en-US" altLang="ko-KR" sz="1200" spc="-103">
                 <a:ln>
                   <a:solidFill>
                     <a:schemeClr val="bg1">
@@ -4841,7 +4469,7 @@
               <a:t>2018</a:t>
             </a:r>
             <a:r>
-              <a:rPr lang="ko-KR" altLang="en-US" sz="1200" spc="-103" smtClean="0">
+              <a:rPr lang="ko-KR" altLang="en-US" sz="1200" spc="-103">
                 <a:ln>
                   <a:solidFill>
                     <a:schemeClr val="bg1">
@@ -4855,7 +4483,7 @@
               </a:rPr>
               <a:t>년 인공지능을 처음 공부했을 때 생각한 내 모습</a:t>
             </a:r>
-            <a:endParaRPr lang="en-US" altLang="ko-KR" sz="1200" spc="-103" smtClean="0">
+            <a:endParaRPr lang="en-US" altLang="ko-KR" sz="1200" spc="-103">
               <a:ln>
                 <a:solidFill>
                   <a:schemeClr val="bg1">
@@ -4877,7 +4505,7 @@
               <a:buChar char="•"/>
             </a:pPr>
             <a:r>
-              <a:rPr lang="en-US" altLang="ko-KR" sz="1200" spc="-103" smtClean="0">
+              <a:rPr lang="en-US" altLang="ko-KR" sz="1200" spc="-103">
                 <a:ln>
                   <a:solidFill>
                     <a:schemeClr val="bg1">
@@ -4892,7 +4520,7 @@
               <a:t>Feature Selection</a:t>
             </a:r>
             <a:r>
-              <a:rPr lang="ko-KR" altLang="en-US" sz="1200" spc="-103" smtClean="0">
+              <a:rPr lang="ko-KR" altLang="en-US" sz="1200" spc="-103">
                 <a:ln>
                   <a:solidFill>
                     <a:schemeClr val="bg1">
@@ -4907,7 +4535,7 @@
               <a:t>으로 어떤 방법을 적용해야할까</a:t>
             </a:r>
             <a:r>
-              <a:rPr lang="en-US" altLang="ko-KR" sz="1200" spc="-103" smtClean="0">
+              <a:rPr lang="en-US" altLang="ko-KR" sz="1200" spc="-103">
                 <a:ln>
                   <a:solidFill>
                     <a:schemeClr val="bg1">
@@ -4931,7 +4559,7 @@
               <a:buChar char="•"/>
             </a:pPr>
             <a:r>
-              <a:rPr lang="en-US" altLang="ko-KR" sz="1200" spc="-103" smtClean="0">
+              <a:rPr lang="en-US" altLang="ko-KR" sz="1200" spc="-103">
                 <a:ln>
                   <a:solidFill>
                     <a:schemeClr val="bg1">
@@ -4946,7 +4574,7 @@
               <a:t>EDA </a:t>
             </a:r>
             <a:r>
-              <a:rPr lang="ko-KR" altLang="en-US" sz="1200" spc="-103" smtClean="0">
+              <a:rPr lang="ko-KR" altLang="en-US" sz="1200" spc="-103">
                 <a:ln>
                   <a:solidFill>
                     <a:schemeClr val="bg1">
@@ -4961,7 +4589,7 @@
               <a:t>어떻게 하지</a:t>
             </a:r>
             <a:r>
-              <a:rPr lang="en-US" altLang="ko-KR" sz="1200" spc="-103" smtClean="0">
+              <a:rPr lang="en-US" altLang="ko-KR" sz="1200" spc="-103">
                 <a:ln>
                   <a:solidFill>
                     <a:schemeClr val="bg1">
@@ -4975,18 +4603,6 @@
               </a:rPr>
               <a:t>?</a:t>
             </a:r>
-            <a:endParaRPr lang="en-US" altLang="ko-KR" sz="1200" spc="-103" smtClean="0">
-              <a:ln>
-                <a:solidFill>
-                  <a:schemeClr val="bg1">
-                    <a:lumMod val="85000"/>
-                    <a:alpha val="0"/>
-                  </a:schemeClr>
-                </a:solidFill>
-              </a:ln>
-              <a:latin typeface="나눔스퀘어 Bold" panose="020B0600000101010101" pitchFamily="50" charset="-127"/>
-              <a:ea typeface="나눔스퀘어 Bold" panose="020B0600000101010101" pitchFamily="50" charset="-127"/>
-            </a:endParaRPr>
           </a:p>
           <a:p>
             <a:pPr marL="628650" lvl="1" indent="-171450">
@@ -4997,7 +4613,7 @@
               <a:buChar char="•"/>
             </a:pPr>
             <a:r>
-              <a:rPr lang="en-US" altLang="ko-KR" sz="1200" spc="-103" smtClean="0">
+              <a:rPr lang="en-US" altLang="ko-KR" sz="1200" spc="-103">
                 <a:ln>
                   <a:solidFill>
                     <a:schemeClr val="bg1">
@@ -5012,34 +4628,19 @@
               <a:t>NB, SVM, Random Forest, XGBoost </a:t>
             </a:r>
             <a:r>
-              <a:rPr lang="ko-KR" altLang="en-US" sz="1200" spc="-103" smtClean="0">
-                <a:ln>
-                  <a:solidFill>
-                    <a:schemeClr val="bg1">
-                      <a:lumMod val="85000"/>
-                      <a:alpha val="0"/>
-                    </a:schemeClr>
-                  </a:solidFill>
-                </a:ln>
-                <a:latin typeface="나눔스퀘어 Bold" panose="020B0600000101010101" pitchFamily="50" charset="-127"/>
-                <a:ea typeface="나눔스퀘어 Bold" panose="020B0600000101010101" pitchFamily="50" charset="-127"/>
-              </a:rPr>
-              <a:t>같은 통계기반 알고리즘은 </a:t>
-            </a:r>
-            <a:r>
-              <a:rPr lang="ko-KR" altLang="en-US" sz="1200" spc="-103" smtClean="0">
-                <a:ln>
-                  <a:solidFill>
-                    <a:schemeClr val="bg1">
-                      <a:lumMod val="85000"/>
-                      <a:alpha val="0"/>
-                    </a:schemeClr>
-                  </a:solidFill>
-                </a:ln>
-                <a:latin typeface="나눔스퀘어 Bold" panose="020B0600000101010101" pitchFamily="50" charset="-127"/>
-                <a:ea typeface="나눔스퀘어 Bold" panose="020B0600000101010101" pitchFamily="50" charset="-127"/>
-              </a:rPr>
-              <a:t>어떤</a:t>
+              <a:rPr lang="ko-KR" altLang="en-US" sz="1200" spc="-103">
+                <a:ln>
+                  <a:solidFill>
+                    <a:schemeClr val="bg1">
+                      <a:lumMod val="85000"/>
+                      <a:alpha val="0"/>
+                    </a:schemeClr>
+                  </a:solidFill>
+                </a:ln>
+                <a:latin typeface="나눔스퀘어 Bold" panose="020B0600000101010101" pitchFamily="50" charset="-127"/>
+                <a:ea typeface="나눔스퀘어 Bold" panose="020B0600000101010101" pitchFamily="50" charset="-127"/>
+              </a:rPr>
+              <a:t>같은 통계기반 알고리즘은 어떤</a:t>
             </a:r>
             <a:r>
               <a:rPr lang="en-US" altLang="ko-KR" sz="1200" spc="-103">
@@ -5054,25 +4655,10 @@
                 <a:latin typeface="나눔스퀘어 Bold" panose="020B0600000101010101" pitchFamily="50" charset="-127"/>
                 <a:ea typeface="나눔스퀘어 Bold" panose="020B0600000101010101" pitchFamily="50" charset="-127"/>
               </a:rPr>
-              <a:t> </a:t>
-            </a:r>
-            <a:r>
-              <a:rPr lang="en-US" altLang="ko-KR" sz="1200" spc="-103" smtClean="0">
-                <a:ln>
-                  <a:solidFill>
-                    <a:schemeClr val="bg1">
-                      <a:lumMod val="85000"/>
-                      <a:alpha val="0"/>
-                    </a:schemeClr>
-                  </a:solidFill>
-                </a:ln>
-                <a:latin typeface="나눔스퀘어 Bold" panose="020B0600000101010101" pitchFamily="50" charset="-127"/>
-                <a:ea typeface="나눔스퀘어 Bold" panose="020B0600000101010101" pitchFamily="50" charset="-127"/>
-              </a:rPr>
-              <a:t>Feature</a:t>
-            </a:r>
-            <a:r>
-              <a:rPr lang="ko-KR" altLang="en-US" sz="1200" spc="-103" smtClean="0">
+              <a:t> Feature</a:t>
+            </a:r>
+            <a:r>
+              <a:rPr lang="ko-KR" altLang="en-US" sz="1200" spc="-103">
                 <a:ln>
                   <a:solidFill>
                     <a:schemeClr val="bg1">
@@ -5087,7 +4673,7 @@
               <a:t>를 뽑아야 더 좋은 성능을 보일까</a:t>
             </a:r>
             <a:r>
-              <a:rPr lang="en-US" altLang="ko-KR" sz="1200" spc="-103" smtClean="0">
+              <a:rPr lang="en-US" altLang="ko-KR" sz="1200" spc="-103">
                 <a:ln>
                   <a:solidFill>
                     <a:schemeClr val="bg1">
@@ -5101,18 +4687,6 @@
               </a:rPr>
               <a:t>?</a:t>
             </a:r>
-            <a:endParaRPr lang="en-US" altLang="ko-KR" sz="1200" spc="-103" smtClean="0">
-              <a:ln>
-                <a:solidFill>
-                  <a:schemeClr val="bg1">
-                    <a:lumMod val="85000"/>
-                    <a:alpha val="0"/>
-                  </a:schemeClr>
-                </a:solidFill>
-              </a:ln>
-              <a:latin typeface="나눔스퀘어 Bold" panose="020B0600000101010101" pitchFamily="50" charset="-127"/>
-              <a:ea typeface="나눔스퀘어 Bold" panose="020B0600000101010101" pitchFamily="50" charset="-127"/>
-            </a:endParaRPr>
           </a:p>
           <a:p>
             <a:pPr marL="628650" lvl="1" indent="-171450">
@@ -5123,7 +4697,7 @@
               <a:buChar char="•"/>
             </a:pPr>
             <a:r>
-              <a:rPr lang="en-US" altLang="ko-KR" sz="1200" spc="-103" smtClean="0">
+              <a:rPr lang="en-US" altLang="ko-KR" sz="1200" spc="-103">
                 <a:ln>
                   <a:solidFill>
                     <a:schemeClr val="bg1">
@@ -5138,7 +4712,7 @@
               <a:t>Loss</a:t>
             </a:r>
             <a:r>
-              <a:rPr lang="ko-KR" altLang="en-US" sz="1200" spc="-103" smtClean="0">
+              <a:rPr lang="ko-KR" altLang="en-US" sz="1200" spc="-103">
                 <a:ln>
                   <a:solidFill>
                     <a:schemeClr val="bg1">
@@ -5153,7 +4727,7 @@
               <a:t>를 빠르게 수렴시키기 위한 방법들이 무엇이 있을까</a:t>
             </a:r>
             <a:r>
-              <a:rPr lang="en-US" altLang="ko-KR" sz="1200" spc="-103" smtClean="0">
+              <a:rPr lang="en-US" altLang="ko-KR" sz="1200" spc="-103">
                 <a:ln>
                   <a:solidFill>
                     <a:schemeClr val="bg1">
@@ -5203,7 +4777,7 @@
               <a:t>MLflow </a:t>
             </a:r>
             <a:r>
-              <a:rPr lang="ko-KR" altLang="en-US" sz="3200" spc="-150" smtClean="0">
+              <a:rPr lang="ko-KR" altLang="en-US" sz="3200" spc="-150">
                 <a:solidFill>
                   <a:srgbClr val="00002F"/>
                 </a:solidFill>
@@ -5317,14 +4891,14 @@
           <a:p>
             <a:pPr algn="ctr"/>
             <a:r>
-              <a:rPr lang="en-US" altLang="ko-KR" sz="2400" spc="-150" smtClean="0">
+              <a:rPr lang="en-US" altLang="ko-KR" sz="2400" spc="-150">
                 <a:solidFill>
                   <a:srgbClr val="00002F"/>
                 </a:solidFill>
                 <a:latin typeface="나눔스퀘어 ExtraBold" panose="020B0600000101010101" pitchFamily="50" charset="-127"/>
                 <a:ea typeface="나눔스퀘어 ExtraBold" panose="020B0600000101010101" pitchFamily="50" charset="-127"/>
               </a:rPr>
-              <a:t>04.</a:t>
+              <a:t>05.</a:t>
             </a:r>
             <a:endParaRPr lang="ko-KR" altLang="en-US" sz="2400" spc="-150" dirty="0">
               <a:solidFill>
@@ -5365,7 +4939,7 @@
           <a:lstStyle/>
           <a:p>
             <a:r>
-              <a:rPr lang="en-US" altLang="ko-KR" sz="1400" spc="-100" smtClean="0">
+              <a:rPr lang="en-US" altLang="ko-KR" sz="1400" spc="-100">
                 <a:ln>
                   <a:solidFill>
                     <a:schemeClr val="bg1">
@@ -5417,378 +4991,15 @@
           <a:lstStyle/>
           <a:p>
             <a:r>
-              <a:rPr lang="en-US" altLang="ko-KR" sz="3200" spc="-150" smtClean="0">
+              <a:rPr lang="en-US" altLang="ko-KR" sz="3200" spc="-150">
                 <a:solidFill>
                   <a:srgbClr val="00002F"/>
                 </a:solidFill>
                 <a:latin typeface="나눔스퀘어 ExtraBold" panose="020B0600000101010101" pitchFamily="50" charset="-127"/>
                 <a:ea typeface="나눔스퀘어 ExtraBold" panose="020B0600000101010101" pitchFamily="50" charset="-127"/>
               </a:rPr>
-              <a:t>Mlflow </a:t>
-            </a:r>
-            <a:r>
-              <a:rPr lang="en-US" altLang="ko-KR" sz="3200" spc="-150" smtClean="0">
-                <a:solidFill>
-                  <a:srgbClr val="00002F"/>
-                </a:solidFill>
-                <a:latin typeface="나눔스퀘어 ExtraBold" panose="020B0600000101010101" pitchFamily="50" charset="-127"/>
-                <a:ea typeface="나눔스퀘어 ExtraBold" panose="020B0600000101010101" pitchFamily="50" charset="-127"/>
-              </a:rPr>
-              <a:t>Models</a:t>
-            </a:r>
-            <a:endParaRPr lang="en-US" altLang="ko-KR" sz="3200" spc="-150">
-              <a:solidFill>
-                <a:srgbClr val="00002F"/>
-              </a:solidFill>
-              <a:latin typeface="나눔스퀘어 ExtraBold" panose="020B0600000101010101" pitchFamily="50" charset="-127"/>
-              <a:ea typeface="나눔스퀘어 ExtraBold" panose="020B0600000101010101" pitchFamily="50" charset="-127"/>
-            </a:endParaRPr>
-          </a:p>
-        </p:txBody>
-      </p:sp>
-      <p:sp>
-        <p:nvSpPr>
-          <p:cNvPr id="7" name="TextBox 6">
-            <a:extLst>
-              <a:ext uri="{FF2B5EF4-FFF2-40B4-BE49-F238E27FC236}">
-                <a16:creationId xmlns:a16="http://schemas.microsoft.com/office/drawing/2014/main" id="{C40C17C7-6436-43BB-AB8B-1F1856BAF096}"/>
-              </a:ext>
-            </a:extLst>
-          </p:cNvPr>
-          <p:cNvSpPr txBox="1"/>
-          <p:nvPr/>
-        </p:nvSpPr>
-        <p:spPr>
-          <a:xfrm>
-            <a:off x="2624423" y="2896173"/>
-            <a:ext cx="6943154" cy="1569660"/>
-          </a:xfrm>
-          <a:prstGeom prst="rect">
-            <a:avLst/>
-          </a:prstGeom>
-          <a:noFill/>
-        </p:spPr>
-        <p:txBody>
-          <a:bodyPr wrap="square" rtlCol="0" anchor="ctr">
-            <a:spAutoFit/>
-          </a:bodyPr>
-          <a:lstStyle/>
-          <a:p>
-            <a:pPr marL="171450" indent="-171450">
-              <a:lnSpc>
-                <a:spcPct val="200000"/>
-              </a:lnSpc>
-              <a:buFont typeface="Arial" panose="020B0604020202020204" pitchFamily="34" charset="0"/>
-              <a:buChar char="•"/>
-            </a:pPr>
-            <a:r>
-              <a:rPr lang="en-US" altLang="ko-KR" sz="1200" spc="-103">
-                <a:ln>
-                  <a:solidFill>
-                    <a:schemeClr val="bg1">
-                      <a:lumMod val="85000"/>
-                      <a:alpha val="0"/>
-                    </a:schemeClr>
-                  </a:solidFill>
-                </a:ln>
-                <a:latin typeface="나눔스퀘어 Bold" panose="020B0600000101010101" pitchFamily="50" charset="-127"/>
-                <a:ea typeface="나눔스퀘어 Bold" panose="020B0600000101010101" pitchFamily="50" charset="-127"/>
-              </a:rPr>
-              <a:t>mlflow models serve -m runs:/2e42495638d24ee5a1fc1f25354cde96/titanic_model </a:t>
-            </a:r>
-            <a:r>
-              <a:rPr lang="en-US" altLang="ko-KR" sz="1200" spc="-103">
-                <a:ln>
-                  <a:solidFill>
-                    <a:schemeClr val="bg1">
-                      <a:lumMod val="85000"/>
-                      <a:alpha val="0"/>
-                    </a:schemeClr>
-                  </a:solidFill>
-                </a:ln>
-                <a:latin typeface="나눔스퀘어 Bold" panose="020B0600000101010101" pitchFamily="50" charset="-127"/>
-                <a:ea typeface="나눔스퀘어 Bold" panose="020B0600000101010101" pitchFamily="50" charset="-127"/>
-              </a:rPr>
-              <a:t>--</a:t>
-            </a:r>
-            <a:r>
-              <a:rPr lang="en-US" altLang="ko-KR" sz="1200" spc="-103" smtClean="0">
-                <a:ln>
-                  <a:solidFill>
-                    <a:schemeClr val="bg1">
-                      <a:lumMod val="85000"/>
-                      <a:alpha val="0"/>
-                    </a:schemeClr>
-                  </a:solidFill>
-                </a:ln>
-                <a:latin typeface="나눔스퀘어 Bold" panose="020B0600000101010101" pitchFamily="50" charset="-127"/>
-                <a:ea typeface="나눔스퀘어 Bold" panose="020B0600000101010101" pitchFamily="50" charset="-127"/>
-              </a:rPr>
-              <a:t>no-conda</a:t>
-            </a:r>
-            <a:endParaRPr lang="en-US" altLang="ko-KR" sz="1200" spc="-103">
-              <a:ln>
-                <a:solidFill>
-                  <a:schemeClr val="bg1">
-                    <a:lumMod val="85000"/>
-                    <a:alpha val="0"/>
-                  </a:schemeClr>
-                </a:solidFill>
-              </a:ln>
-              <a:latin typeface="나눔스퀘어 Bold" panose="020B0600000101010101" pitchFamily="50" charset="-127"/>
-              <a:ea typeface="나눔스퀘어 Bold" panose="020B0600000101010101" pitchFamily="50" charset="-127"/>
-            </a:endParaRPr>
-          </a:p>
-          <a:p>
-            <a:pPr marL="171450" indent="-171450">
-              <a:lnSpc>
-                <a:spcPct val="200000"/>
-              </a:lnSpc>
-              <a:buFont typeface="Arial" panose="020B0604020202020204" pitchFamily="34" charset="0"/>
-              <a:buChar char="•"/>
-            </a:pPr>
-            <a:r>
-              <a:rPr lang="en-US" altLang="ko-KR" sz="1200" spc="-103">
-                <a:ln>
-                  <a:solidFill>
-                    <a:schemeClr val="bg1">
-                      <a:lumMod val="85000"/>
-                      <a:alpha val="0"/>
-                    </a:schemeClr>
-                  </a:solidFill>
-                </a:ln>
-                <a:latin typeface="나눔스퀘어 Bold" panose="020B0600000101010101" pitchFamily="50" charset="-127"/>
-                <a:ea typeface="나눔스퀘어 Bold" panose="020B0600000101010101" pitchFamily="50" charset="-127"/>
-              </a:rPr>
-              <a:t>mlflow models serve -m runs</a:t>
-            </a:r>
-            <a:r>
-              <a:rPr lang="en-US" altLang="ko-KR" sz="1200" spc="-103">
-                <a:ln>
-                  <a:solidFill>
-                    <a:schemeClr val="bg1">
-                      <a:lumMod val="85000"/>
-                      <a:alpha val="0"/>
-                    </a:schemeClr>
-                  </a:solidFill>
-                </a:ln>
-                <a:latin typeface="나눔스퀘어 Bold" panose="020B0600000101010101" pitchFamily="50" charset="-127"/>
-                <a:ea typeface="나눔스퀘어 Bold" panose="020B0600000101010101" pitchFamily="50" charset="-127"/>
-              </a:rPr>
-              <a:t>:/</a:t>
-            </a:r>
-            <a:r>
-              <a:rPr lang="en-US" altLang="ko-KR" sz="1200" spc="-103" smtClean="0">
-                <a:ln>
-                  <a:solidFill>
-                    <a:schemeClr val="bg1">
-                      <a:lumMod val="85000"/>
-                      <a:alpha val="0"/>
-                    </a:schemeClr>
-                  </a:solidFill>
-                </a:ln>
-                <a:latin typeface="나눔스퀘어 Bold" panose="020B0600000101010101" pitchFamily="50" charset="-127"/>
-                <a:ea typeface="나눔스퀘어 Bold" panose="020B0600000101010101" pitchFamily="50" charset="-127"/>
-              </a:rPr>
-              <a:t>9359c3a76776440184347b2d51b8ca9f/titanic_model</a:t>
-            </a:r>
-          </a:p>
-          <a:p>
-            <a:pPr marL="171450" indent="-171450">
-              <a:lnSpc>
-                <a:spcPct val="200000"/>
-              </a:lnSpc>
-              <a:buFont typeface="Arial" panose="020B0604020202020204" pitchFamily="34" charset="0"/>
-              <a:buChar char="•"/>
-            </a:pPr>
-            <a:r>
-              <a:rPr lang="en-US" altLang="ko-KR" sz="1200" spc="-103">
-                <a:ln>
-                  <a:solidFill>
-                    <a:schemeClr val="bg1">
-                      <a:lumMod val="85000"/>
-                      <a:alpha val="0"/>
-                    </a:schemeClr>
-                  </a:solidFill>
-                </a:ln>
-                <a:latin typeface="나눔스퀘어 Bold" panose="020B0600000101010101" pitchFamily="50" charset="-127"/>
-                <a:ea typeface="나눔스퀘어 Bold" panose="020B0600000101010101" pitchFamily="50" charset="-127"/>
-              </a:rPr>
-              <a:t>curl http://10.20.81.77:1012/invocations -H 'Content-Type: application/json' -d '{"columns": ["Pclass", "Sex", "Fare", "SibSp", "Parch"], "data": [[1, 2, 3, 2 ,2], [1, 2, 4, 5, 6]]}'</a:t>
-            </a:r>
-          </a:p>
-        </p:txBody>
-      </p:sp>
-    </p:spTree>
-    <p:extLst>
-      <p:ext uri="{BB962C8B-B14F-4D97-AF65-F5344CB8AC3E}">
-        <p14:creationId xmlns:p14="http://schemas.microsoft.com/office/powerpoint/2010/main" val="2837007872"/>
-      </p:ext>
-    </p:extLst>
-  </p:cSld>
-  <p:clrMapOvr>
-    <a:masterClrMapping/>
-  </p:clrMapOvr>
-</p:sld>
-</file>
-
-<file path=ppt/slides/slide21.xml><?xml version="1.0" encoding="utf-8"?>
-<p:sld xmlns:a="http://schemas.openxmlformats.org/drawingml/2006/main" xmlns:r="http://schemas.openxmlformats.org/officeDocument/2006/relationships" xmlns:p="http://schemas.openxmlformats.org/presentationml/2006/main">
-  <p:cSld>
-    <p:spTree>
-      <p:nvGrpSpPr>
-        <p:cNvPr id="1" name=""/>
-        <p:cNvGrpSpPr/>
-        <p:nvPr/>
-      </p:nvGrpSpPr>
-      <p:grpSpPr>
-        <a:xfrm>
-          <a:off x="0" y="0"/>
-          <a:ext cx="0" cy="0"/>
-          <a:chOff x="0" y="0"/>
-          <a:chExt cx="0" cy="0"/>
-        </a:xfrm>
-      </p:grpSpPr>
-      <p:sp>
-        <p:nvSpPr>
-          <p:cNvPr id="12" name="TextBox 11"/>
-          <p:cNvSpPr txBox="1"/>
-          <p:nvPr/>
-        </p:nvSpPr>
-        <p:spPr>
-          <a:xfrm>
-            <a:off x="455532" y="498947"/>
-            <a:ext cx="614271" cy="461665"/>
-          </a:xfrm>
-          <a:prstGeom prst="rect">
-            <a:avLst/>
-          </a:prstGeom>
-          <a:noFill/>
-        </p:spPr>
-        <p:txBody>
-          <a:bodyPr wrap="square" rtlCol="0">
-            <a:spAutoFit/>
-          </a:bodyPr>
-          <a:lstStyle/>
-          <a:p>
-            <a:pPr algn="ctr"/>
-            <a:r>
-              <a:rPr lang="en-US" altLang="ko-KR" sz="2400" spc="-150" smtClean="0">
-                <a:solidFill>
-                  <a:srgbClr val="00002F"/>
-                </a:solidFill>
-                <a:latin typeface="나눔스퀘어 ExtraBold" panose="020B0600000101010101" pitchFamily="50" charset="-127"/>
-                <a:ea typeface="나눔스퀘어 ExtraBold" panose="020B0600000101010101" pitchFamily="50" charset="-127"/>
-              </a:rPr>
-              <a:t>05.</a:t>
-            </a:r>
-            <a:endParaRPr lang="ko-KR" altLang="en-US" sz="2400" spc="-150" dirty="0">
-              <a:solidFill>
-                <a:srgbClr val="00002F"/>
-              </a:solidFill>
-              <a:latin typeface="나눔스퀘어 ExtraBold" panose="020B0600000101010101" pitchFamily="50" charset="-127"/>
-              <a:ea typeface="나눔스퀘어 ExtraBold" panose="020B0600000101010101" pitchFamily="50" charset="-127"/>
-            </a:endParaRPr>
-          </a:p>
-        </p:txBody>
-      </p:sp>
-      <p:sp>
-        <p:nvSpPr>
-          <p:cNvPr id="36" name="TextBox 35">
-            <a:extLst>
-              <a:ext uri="{FF2B5EF4-FFF2-40B4-BE49-F238E27FC236}">
-                <a16:creationId xmlns:a16="http://schemas.microsoft.com/office/drawing/2014/main" id="{76BF0B6A-32FF-436D-83C4-AB1F31C134F8}"/>
-              </a:ext>
-            </a:extLst>
-          </p:cNvPr>
-          <p:cNvSpPr txBox="1"/>
-          <p:nvPr/>
-        </p:nvSpPr>
-        <p:spPr>
-          <a:xfrm>
-            <a:off x="1119982" y="1075034"/>
-            <a:ext cx="2596341" cy="307777"/>
-          </a:xfrm>
-          <a:prstGeom prst="rect">
-            <a:avLst/>
-          </a:prstGeom>
-          <a:noFill/>
-        </p:spPr>
-        <p:txBody>
-          <a:bodyPr wrap="square" rtlCol="0">
-            <a:spAutoFit/>
-          </a:bodyPr>
-          <a:lstStyle/>
-          <a:p>
-            <a:r>
-              <a:rPr lang="en-US" altLang="ko-KR" sz="1400" spc="-100" smtClean="0">
-                <a:ln>
-                  <a:solidFill>
-                    <a:schemeClr val="bg1">
-                      <a:lumMod val="65000"/>
-                      <a:alpha val="0"/>
-                    </a:schemeClr>
-                  </a:solidFill>
-                </a:ln>
-                <a:latin typeface="나눔스퀘어 ExtraBold" panose="020B0600000101010101" pitchFamily="50" charset="-127"/>
-                <a:ea typeface="나눔스퀘어 ExtraBold" panose="020B0600000101010101" pitchFamily="50" charset="-127"/>
-              </a:rPr>
-              <a:t>Exercise</a:t>
-            </a:r>
-            <a:endParaRPr lang="ko-KR" altLang="en-US" sz="1400" spc="-100" dirty="0">
-              <a:ln>
-                <a:solidFill>
-                  <a:schemeClr val="bg1">
-                    <a:lumMod val="65000"/>
-                    <a:alpha val="0"/>
-                  </a:schemeClr>
-                </a:solidFill>
-              </a:ln>
-              <a:latin typeface="나눔스퀘어 ExtraBold" panose="020B0600000101010101" pitchFamily="50" charset="-127"/>
-              <a:ea typeface="나눔스퀘어 ExtraBold" panose="020B0600000101010101" pitchFamily="50" charset="-127"/>
-            </a:endParaRPr>
-          </a:p>
-        </p:txBody>
-      </p:sp>
-      <p:sp>
-        <p:nvSpPr>
-          <p:cNvPr id="9" name="TextBox 8"/>
-          <p:cNvSpPr txBox="1"/>
-          <p:nvPr/>
-        </p:nvSpPr>
-        <p:spPr>
-          <a:xfrm>
-            <a:off x="1088238" y="437393"/>
-            <a:ext cx="5396382" cy="584775"/>
-          </a:xfrm>
-          <a:prstGeom prst="rect">
-            <a:avLst/>
-          </a:prstGeom>
-          <a:noFill/>
-        </p:spPr>
-        <p:txBody>
-          <a:bodyPr wrap="square" rtlCol="0">
-            <a:spAutoFit/>
-          </a:bodyPr>
-          <a:lstStyle/>
-          <a:p>
-            <a:r>
-              <a:rPr lang="en-US" altLang="ko-KR" sz="3200" spc="-150" smtClean="0">
-                <a:solidFill>
-                  <a:srgbClr val="00002F"/>
-                </a:solidFill>
-                <a:latin typeface="나눔스퀘어 ExtraBold" panose="020B0600000101010101" pitchFamily="50" charset="-127"/>
-                <a:ea typeface="나눔스퀘어 ExtraBold" panose="020B0600000101010101" pitchFamily="50" charset="-127"/>
-              </a:rPr>
               <a:t>Personal Pipeline</a:t>
             </a:r>
-            <a:endParaRPr lang="en-US" altLang="ko-KR" sz="3200" spc="-150">
-              <a:solidFill>
-                <a:srgbClr val="00002F"/>
-              </a:solidFill>
-              <a:latin typeface="나눔스퀘어 ExtraBold" panose="020B0600000101010101" pitchFamily="50" charset="-127"/>
-              <a:ea typeface="나눔스퀘어 ExtraBold" panose="020B0600000101010101" pitchFamily="50" charset="-127"/>
-            </a:endParaRPr>
           </a:p>
         </p:txBody>
       </p:sp>
@@ -5922,7 +5133,7 @@
               </a:spcBef>
             </a:pPr>
             <a:r>
-              <a:rPr lang="en-US" altLang="ko-KR" sz="1200" smtClean="0">
+              <a:rPr lang="en-US" altLang="ko-KR" sz="1200">
                 <a:solidFill>
                   <a:prstClr val="black"/>
                 </a:solidFill>
@@ -6064,7 +5275,7 @@
               </a:spcBef>
             </a:pPr>
             <a:r>
-              <a:rPr lang="en-US" altLang="ko-KR" sz="1200" smtClean="0">
+              <a:rPr lang="en-US" altLang="ko-KR" sz="1200">
                 <a:solidFill>
                   <a:prstClr val="black"/>
                 </a:solidFill>
@@ -6213,17 +5424,7 @@
                 <a:latin typeface="나눔스퀘어 Bold" panose="020B0600000101010101" pitchFamily="50" charset="-127"/>
                 <a:ea typeface="나눔스퀘어 Bold" panose="020B0600000101010101" pitchFamily="50" charset="-127"/>
               </a:rPr>
-              <a:t>Text to </a:t>
-            </a:r>
-            <a:r>
-              <a:rPr lang="en-US" altLang="ko-KR" sz="1200" smtClean="0">
-                <a:solidFill>
-                  <a:prstClr val="black"/>
-                </a:solidFill>
-                <a:latin typeface="나눔스퀘어 Bold" panose="020B0600000101010101" pitchFamily="50" charset="-127"/>
-                <a:ea typeface="나눔스퀘어 Bold" panose="020B0600000101010101" pitchFamily="50" charset="-127"/>
-              </a:rPr>
-              <a:t>Vector</a:t>
+              <a:t>Text to Vector</a:t>
             </a:r>
           </a:p>
         </p:txBody>
@@ -6358,7 +5559,7 @@
               </a:spcBef>
             </a:pPr>
             <a:r>
-              <a:rPr lang="en-US" altLang="ko-KR" sz="1200" smtClean="0">
+              <a:rPr lang="en-US" altLang="ko-KR" sz="1200">
                 <a:solidFill>
                   <a:prstClr val="black"/>
                 </a:solidFill>
@@ -6651,13 +5852,6 @@
               </a:rPr>
               <a:t>Evaluation</a:t>
             </a:r>
-            <a:endParaRPr lang="en-US" altLang="ko-KR" sz="1200" smtClean="0">
-              <a:solidFill>
-                <a:prstClr val="black"/>
-              </a:solidFill>
-              <a:latin typeface="나눔스퀘어 Bold" panose="020B0600000101010101" pitchFamily="50" charset="-127"/>
-              <a:ea typeface="나눔스퀘어 Bold" panose="020B0600000101010101" pitchFamily="50" charset="-127"/>
-            </a:endParaRPr>
           </a:p>
         </p:txBody>
       </p:sp>
@@ -7270,7 +6464,7 @@
           <a:lstStyle/>
           <a:p>
             <a:r>
-              <a:rPr lang="en-US" altLang="ko-KR" sz="1400" spc="-100" smtClean="0">
+              <a:rPr lang="en-US" altLang="ko-KR" sz="1400" spc="-100">
                 <a:ln>
                   <a:solidFill>
                     <a:schemeClr val="bg1">
@@ -7335,7 +6529,7 @@
               <a:buChar char="•"/>
             </a:pPr>
             <a:r>
-              <a:rPr lang="ko-KR" altLang="en-US" sz="1200" spc="-103" smtClean="0">
+              <a:rPr lang="ko-KR" altLang="en-US" sz="1200" spc="-103">
                 <a:ln>
                   <a:solidFill>
                     <a:schemeClr val="bg1">
@@ -7350,7 +6544,7 @@
               <a:t>캐글 </a:t>
             </a:r>
             <a:r>
-              <a:rPr lang="en-US" altLang="ko-KR" sz="1200" spc="-103" smtClean="0">
+              <a:rPr lang="en-US" altLang="ko-KR" sz="1200" spc="-103">
                 <a:ln>
                   <a:solidFill>
                     <a:schemeClr val="bg1">
@@ -7365,97 +6559,22 @@
               <a:t>competition</a:t>
             </a:r>
             <a:r>
-              <a:rPr lang="ko-KR" altLang="en-US" sz="1200" spc="-103" smtClean="0">
-                <a:ln>
-                  <a:solidFill>
-                    <a:schemeClr val="bg1">
-                      <a:lumMod val="85000"/>
-                      <a:alpha val="0"/>
-                    </a:schemeClr>
-                  </a:solidFill>
-                </a:ln>
-                <a:latin typeface="나눔스퀘어 Bold" panose="020B0600000101010101" pitchFamily="50" charset="-127"/>
-                <a:ea typeface="나눔스퀘어 Bold" panose="020B0600000101010101" pitchFamily="50" charset="-127"/>
-              </a:rPr>
-              <a:t>에 </a:t>
-            </a:r>
-            <a:r>
-              <a:rPr lang="ko-KR" altLang="en-US" sz="1200" spc="-103" smtClean="0">
-                <a:ln>
-                  <a:solidFill>
-                    <a:schemeClr val="bg1">
-                      <a:lumMod val="85000"/>
-                      <a:alpha val="0"/>
-                    </a:schemeClr>
-                  </a:solidFill>
-                </a:ln>
-                <a:latin typeface="나눔스퀘어 Bold" panose="020B0600000101010101" pitchFamily="50" charset="-127"/>
-                <a:ea typeface="나눔스퀘어 Bold" panose="020B0600000101010101" pitchFamily="50" charset="-127"/>
-              </a:rPr>
-              <a:t>참여해 </a:t>
-            </a:r>
-            <a:r>
-              <a:rPr lang="ko-KR" altLang="en-US" sz="1200" spc="-103" smtClean="0">
-                <a:ln>
-                  <a:solidFill>
-                    <a:schemeClr val="bg1">
-                      <a:lumMod val="85000"/>
-                      <a:alpha val="0"/>
-                    </a:schemeClr>
-                  </a:solidFill>
-                </a:ln>
-                <a:latin typeface="나눔스퀘어 Bold" panose="020B0600000101010101" pitchFamily="50" charset="-127"/>
-                <a:ea typeface="나눔스퀘어 Bold" panose="020B0600000101010101" pitchFamily="50" charset="-127"/>
-              </a:rPr>
-              <a:t>모델을 </a:t>
-            </a:r>
-            <a:r>
-              <a:rPr lang="ko-KR" altLang="en-US" sz="1200" spc="-103" smtClean="0">
-                <a:ln>
-                  <a:solidFill>
-                    <a:schemeClr val="bg1">
-                      <a:lumMod val="85000"/>
-                      <a:alpha val="0"/>
-                    </a:schemeClr>
-                  </a:solidFill>
-                </a:ln>
-                <a:latin typeface="나눔스퀘어 Bold" panose="020B0600000101010101" pitchFamily="50" charset="-127"/>
-                <a:ea typeface="나눔스퀘어 Bold" panose="020B0600000101010101" pitchFamily="50" charset="-127"/>
-              </a:rPr>
-              <a:t>학습한 후 </a:t>
-            </a:r>
-            <a:r>
-              <a:rPr lang="ko-KR" altLang="en-US" sz="1200" spc="-103" smtClean="0">
-                <a:ln>
-                  <a:solidFill>
-                    <a:schemeClr val="bg1">
-                      <a:lumMod val="85000"/>
-                      <a:alpha val="0"/>
-                    </a:schemeClr>
-                  </a:solidFill>
-                </a:ln>
-                <a:latin typeface="나눔스퀘어 Bold" panose="020B0600000101010101" pitchFamily="50" charset="-127"/>
-                <a:ea typeface="나눔스퀘어 Bold" panose="020B0600000101010101" pitchFamily="50" charset="-127"/>
-              </a:rPr>
-              <a:t>성능을 </a:t>
-            </a:r>
-            <a:r>
-              <a:rPr lang="ko-KR" altLang="en-US" sz="1200" spc="-103" smtClean="0">
-                <a:ln>
-                  <a:solidFill>
-                    <a:schemeClr val="bg1">
-                      <a:lumMod val="85000"/>
-                      <a:alpha val="0"/>
-                    </a:schemeClr>
-                  </a:solidFill>
-                </a:ln>
-                <a:latin typeface="나눔스퀘어 Bold" panose="020B0600000101010101" pitchFamily="50" charset="-127"/>
-                <a:ea typeface="나눔스퀘어 Bold" panose="020B0600000101010101" pitchFamily="50" charset="-127"/>
-              </a:rPr>
-              <a:t>체크</a:t>
-            </a:r>
-            <a:r>
-              <a:rPr lang="en-US" altLang="ko-KR" sz="1200" spc="-103" smtClean="0">
+              <a:rPr lang="ko-KR" altLang="en-US" sz="1200" spc="-103">
+                <a:ln>
+                  <a:solidFill>
+                    <a:schemeClr val="bg1">
+                      <a:lumMod val="85000"/>
+                      <a:alpha val="0"/>
+                    </a:schemeClr>
+                  </a:solidFill>
+                </a:ln>
+                <a:latin typeface="나눔스퀘어 Bold" panose="020B0600000101010101" pitchFamily="50" charset="-127"/>
+                <a:ea typeface="나눔스퀘어 Bold" panose="020B0600000101010101" pitchFamily="50" charset="-127"/>
+              </a:rPr>
+              <a:t>에 참여해 모델을 학습한 후 성능을 체크</a:t>
+            </a:r>
+            <a:r>
+              <a:rPr lang="en-US" altLang="ko-KR" sz="1200" spc="-103">
                 <a:ln>
                   <a:solidFill>
                     <a:schemeClr val="bg1">
@@ -7479,37 +6598,22 @@
               <a:buChar char="•"/>
             </a:pPr>
             <a:r>
-              <a:rPr lang="ko-KR" altLang="en-US" sz="1200" spc="-103" smtClean="0">
-                <a:ln>
-                  <a:solidFill>
-                    <a:schemeClr val="bg1">
-                      <a:lumMod val="85000"/>
-                      <a:alpha val="0"/>
-                    </a:schemeClr>
-                  </a:solidFill>
-                </a:ln>
-                <a:latin typeface="나눔스퀘어 Bold" panose="020B0600000101010101" pitchFamily="50" charset="-127"/>
-                <a:ea typeface="나눔스퀘어 Bold" panose="020B0600000101010101" pitchFamily="50" charset="-127"/>
-              </a:rPr>
-              <a:t>올라가는 </a:t>
-            </a:r>
-            <a:r>
-              <a:rPr lang="ko-KR" altLang="en-US" sz="1200" spc="-103" smtClean="0">
-                <a:ln>
-                  <a:solidFill>
-                    <a:schemeClr val="bg1">
-                      <a:lumMod val="85000"/>
-                      <a:alpha val="0"/>
-                    </a:schemeClr>
-                  </a:solidFill>
-                </a:ln>
-                <a:latin typeface="나눔스퀘어 Bold" panose="020B0600000101010101" pitchFamily="50" charset="-127"/>
-                <a:ea typeface="나눔스퀘어 Bold" panose="020B0600000101010101" pitchFamily="50" charset="-127"/>
-              </a:rPr>
-              <a:t>리더보드 순위를 보며 뿌듯</a:t>
-            </a:r>
-            <a:r>
-              <a:rPr lang="en-US" altLang="ko-KR" sz="1200" spc="-103" smtClean="0">
+              <a:rPr lang="ko-KR" altLang="en-US" sz="1200" spc="-103">
+                <a:ln>
+                  <a:solidFill>
+                    <a:schemeClr val="bg1">
+                      <a:lumMod val="85000"/>
+                      <a:alpha val="0"/>
+                    </a:schemeClr>
+                  </a:solidFill>
+                </a:ln>
+                <a:latin typeface="나눔스퀘어 Bold" panose="020B0600000101010101" pitchFamily="50" charset="-127"/>
+                <a:ea typeface="나눔스퀘어 Bold" panose="020B0600000101010101" pitchFamily="50" charset="-127"/>
+              </a:rPr>
+              <a:t>올라가는 리더보드 순위를 보며 뿌듯</a:t>
+            </a:r>
+            <a:r>
+              <a:rPr lang="en-US" altLang="ko-KR" sz="1200" spc="-103">
                 <a:ln>
                   <a:solidFill>
                     <a:schemeClr val="bg1">
@@ -7559,7 +6663,7 @@
               <a:t>MLflow </a:t>
             </a:r>
             <a:r>
-              <a:rPr lang="ko-KR" altLang="en-US" sz="3200" spc="-150" smtClean="0">
+              <a:rPr lang="ko-KR" altLang="en-US" sz="3200" spc="-150">
                 <a:solidFill>
                   <a:srgbClr val="00002F"/>
                 </a:solidFill>
@@ -7721,7 +6825,7 @@
           <a:lstStyle/>
           <a:p>
             <a:r>
-              <a:rPr lang="en-US" altLang="ko-KR" sz="1400" spc="-100" smtClean="0">
+              <a:rPr lang="en-US" altLang="ko-KR" sz="1400" spc="-100">
                 <a:ln>
                   <a:solidFill>
                     <a:schemeClr val="bg1">
@@ -7905,7 +7009,7 @@
               <a:t>MLflow </a:t>
             </a:r>
             <a:r>
-              <a:rPr lang="ko-KR" altLang="en-US" sz="3200" spc="-150" smtClean="0">
+              <a:rPr lang="ko-KR" altLang="en-US" sz="3200" spc="-150">
                 <a:solidFill>
                   <a:srgbClr val="00002F"/>
                 </a:solidFill>
@@ -8067,7 +7171,7 @@
           <a:lstStyle/>
           <a:p>
             <a:r>
-              <a:rPr lang="en-US" altLang="ko-KR" sz="1400" spc="-100" smtClean="0">
+              <a:rPr lang="en-US" altLang="ko-KR" sz="1400" spc="-100">
                 <a:ln>
                   <a:solidFill>
                     <a:schemeClr val="bg1">
@@ -8129,7 +7233,7 @@
               <a:t>MLflow </a:t>
             </a:r>
             <a:r>
-              <a:rPr lang="ko-KR" altLang="en-US" sz="3200" spc="-150" smtClean="0">
+              <a:rPr lang="ko-KR" altLang="en-US" sz="3200" spc="-150">
                 <a:solidFill>
                   <a:srgbClr val="00002F"/>
                 </a:solidFill>
@@ -8208,52 +7312,22 @@
               <a:buChar char="•"/>
             </a:pPr>
             <a:r>
-              <a:rPr lang="ko-KR" altLang="en-US" sz="1200" spc="-103" smtClean="0">
-                <a:ln>
-                  <a:solidFill>
-                    <a:schemeClr val="bg1">
-                      <a:lumMod val="85000"/>
-                      <a:alpha val="0"/>
-                    </a:schemeClr>
-                  </a:solidFill>
-                </a:ln>
-                <a:latin typeface="나눔스퀘어 Bold" panose="020B0600000101010101" pitchFamily="50" charset="-127"/>
-                <a:ea typeface="나눔스퀘어 Bold" panose="020B0600000101010101" pitchFamily="50" charset="-127"/>
-              </a:rPr>
-              <a:t>전체 머신러닝 </a:t>
-            </a:r>
-            <a:r>
-              <a:rPr lang="ko-KR" altLang="en-US" sz="1200" spc="-103" smtClean="0">
-                <a:ln>
-                  <a:solidFill>
-                    <a:schemeClr val="bg1">
-                      <a:lumMod val="85000"/>
-                      <a:alpha val="0"/>
-                    </a:schemeClr>
-                  </a:solidFill>
-                </a:ln>
-                <a:latin typeface="나눔스퀘어 Bold" panose="020B0600000101010101" pitchFamily="50" charset="-127"/>
-                <a:ea typeface="나눔스퀘어 Bold" panose="020B0600000101010101" pitchFamily="50" charset="-127"/>
-              </a:rPr>
-              <a:t>프로젝트에서 </a:t>
-            </a:r>
-            <a:r>
-              <a:rPr lang="ko-KR" altLang="en-US" sz="1200" spc="-103" smtClean="0">
-                <a:ln>
-                  <a:solidFill>
-                    <a:schemeClr val="bg1">
-                      <a:lumMod val="85000"/>
-                      <a:alpha val="0"/>
-                    </a:schemeClr>
-                  </a:solidFill>
-                </a:ln>
-                <a:latin typeface="나눔스퀘어 Bold" panose="020B0600000101010101" pitchFamily="50" charset="-127"/>
-                <a:ea typeface="나눔스퀘어 Bold" panose="020B0600000101010101" pitchFamily="50" charset="-127"/>
-              </a:rPr>
-              <a:t>수식은 일부분일 뿐이다</a:t>
-            </a:r>
-            <a:r>
-              <a:rPr lang="en-US" altLang="ko-KR" sz="1200" spc="-103" smtClean="0">
+              <a:rPr lang="ko-KR" altLang="en-US" sz="1200" spc="-103">
+                <a:ln>
+                  <a:solidFill>
+                    <a:schemeClr val="bg1">
+                      <a:lumMod val="85000"/>
+                      <a:alpha val="0"/>
+                    </a:schemeClr>
+                  </a:solidFill>
+                </a:ln>
+                <a:latin typeface="나눔스퀘어 Bold" panose="020B0600000101010101" pitchFamily="50" charset="-127"/>
+                <a:ea typeface="나눔스퀘어 Bold" panose="020B0600000101010101" pitchFamily="50" charset="-127"/>
+              </a:rPr>
+              <a:t>전체 머신러닝 프로젝트에서 수식은 일부분일 뿐이다</a:t>
+            </a:r>
+            <a:r>
+              <a:rPr lang="en-US" altLang="ko-KR" sz="1200" spc="-103">
                 <a:ln>
                   <a:solidFill>
                     <a:schemeClr val="bg1">
@@ -8267,18 +7341,6 @@
               </a:rPr>
               <a:t>.</a:t>
             </a:r>
-            <a:endParaRPr lang="en-US" altLang="ko-KR" sz="1200" spc="-103" smtClean="0">
-              <a:ln>
-                <a:solidFill>
-                  <a:schemeClr val="bg1">
-                    <a:lumMod val="85000"/>
-                    <a:alpha val="0"/>
-                  </a:schemeClr>
-                </a:solidFill>
-              </a:ln>
-              <a:latin typeface="나눔스퀘어 Bold" panose="020B0600000101010101" pitchFamily="50" charset="-127"/>
-              <a:ea typeface="나눔스퀘어 Bold" panose="020B0600000101010101" pitchFamily="50" charset="-127"/>
-            </a:endParaRPr>
           </a:p>
           <a:p>
             <a:pPr marL="628650" lvl="1" indent="-171450">
@@ -8289,7 +7351,7 @@
               <a:buChar char="•"/>
             </a:pPr>
             <a:r>
-              <a:rPr lang="ko-KR" altLang="en-US" sz="1200" spc="-103" smtClean="0">
+              <a:rPr lang="ko-KR" altLang="en-US" sz="1200" spc="-103">
                 <a:ln>
                   <a:solidFill>
                     <a:schemeClr val="bg1">
@@ -8304,7 +7366,7 @@
               <a:t>데이터 버전 관리 어떻게 하지</a:t>
             </a:r>
             <a:r>
-              <a:rPr lang="en-US" altLang="ko-KR" sz="1200" spc="-103" smtClean="0">
+              <a:rPr lang="en-US" altLang="ko-KR" sz="1200" spc="-103">
                 <a:ln>
                   <a:solidFill>
                     <a:schemeClr val="bg1">
@@ -8328,7 +7390,7 @@
               <a:buChar char="•"/>
             </a:pPr>
             <a:r>
-              <a:rPr lang="ko-KR" altLang="en-US" sz="1200" spc="-103" smtClean="0">
+              <a:rPr lang="ko-KR" altLang="en-US" sz="1200" spc="-103">
                 <a:ln>
                   <a:solidFill>
                     <a:schemeClr val="bg1">
@@ -8343,7 +7405,7 @@
               <a:t>실험이 너무 많은데 어떻게 기록하지</a:t>
             </a:r>
             <a:r>
-              <a:rPr lang="en-US" altLang="ko-KR" sz="1200" spc="-103" smtClean="0">
+              <a:rPr lang="en-US" altLang="ko-KR" sz="1200" spc="-103">
                 <a:ln>
                   <a:solidFill>
                     <a:schemeClr val="bg1">
@@ -8367,7 +7429,7 @@
               <a:buChar char="•"/>
             </a:pPr>
             <a:r>
-              <a:rPr lang="ko-KR" altLang="en-US" sz="1200" spc="-103" smtClean="0">
+              <a:rPr lang="ko-KR" altLang="en-US" sz="1200" spc="-103">
                 <a:ln>
                   <a:solidFill>
                     <a:schemeClr val="bg1">
@@ -8382,7 +7444,7 @@
               <a:t>학습이 끝난 모델 파일들을 어떻게  관리하지</a:t>
             </a:r>
             <a:r>
-              <a:rPr lang="en-US" altLang="ko-KR" sz="1200" spc="-103" smtClean="0">
+              <a:rPr lang="en-US" altLang="ko-KR" sz="1200" spc="-103">
                 <a:ln>
                   <a:solidFill>
                     <a:schemeClr val="bg1">
@@ -8406,7 +7468,7 @@
               <a:buChar char="•"/>
             </a:pPr>
             <a:r>
-              <a:rPr lang="ko-KR" altLang="en-US" sz="1200" spc="-103" smtClean="0">
+              <a:rPr lang="ko-KR" altLang="en-US" sz="1200" spc="-103">
                 <a:ln>
                   <a:solidFill>
                     <a:schemeClr val="bg1">
@@ -8421,7 +7483,7 @@
               <a:t>여러 개의 서버에 </a:t>
             </a:r>
             <a:r>
-              <a:rPr lang="en-US" altLang="ko-KR" sz="1200" spc="-103" smtClean="0">
+              <a:rPr lang="en-US" altLang="ko-KR" sz="1200" spc="-103">
                 <a:ln>
                   <a:solidFill>
                     <a:schemeClr val="bg1">
@@ -8436,37 +7498,22 @@
               <a:t>ML</a:t>
             </a:r>
             <a:r>
-              <a:rPr lang="ko-KR" altLang="en-US" sz="1200" spc="-103" smtClean="0">
-                <a:ln>
-                  <a:solidFill>
-                    <a:schemeClr val="bg1">
-                      <a:lumMod val="85000"/>
-                      <a:alpha val="0"/>
-                    </a:schemeClr>
-                  </a:solidFill>
-                </a:ln>
-                <a:latin typeface="나눔스퀘어 Bold" panose="020B0600000101010101" pitchFamily="50" charset="-127"/>
-                <a:ea typeface="나눔스퀘어 Bold" panose="020B0600000101010101" pitchFamily="50" charset="-127"/>
-              </a:rPr>
-              <a:t>모델</a:t>
-            </a:r>
-            <a:r>
-              <a:rPr lang="ko-KR" altLang="en-US" sz="1200" spc="-103" smtClean="0">
-                <a:ln>
-                  <a:solidFill>
-                    <a:schemeClr val="bg1">
-                      <a:lumMod val="85000"/>
-                      <a:alpha val="0"/>
-                    </a:schemeClr>
-                  </a:solidFill>
-                </a:ln>
-                <a:latin typeface="나눔스퀘어 Bold" panose="020B0600000101010101" pitchFamily="50" charset="-127"/>
-                <a:ea typeface="나눔스퀘어 Bold" panose="020B0600000101010101" pitchFamily="50" charset="-127"/>
-              </a:rPr>
-              <a:t>을 어떻게 간편하게 배포하지</a:t>
-            </a:r>
-            <a:r>
-              <a:rPr lang="en-US" altLang="ko-KR" sz="1200" spc="-103" smtClean="0">
+              <a:rPr lang="ko-KR" altLang="en-US" sz="1200" spc="-103">
+                <a:ln>
+                  <a:solidFill>
+                    <a:schemeClr val="bg1">
+                      <a:lumMod val="85000"/>
+                      <a:alpha val="0"/>
+                    </a:schemeClr>
+                  </a:solidFill>
+                </a:ln>
+                <a:latin typeface="나눔스퀘어 Bold" panose="020B0600000101010101" pitchFamily="50" charset="-127"/>
+                <a:ea typeface="나눔스퀘어 Bold" panose="020B0600000101010101" pitchFamily="50" charset="-127"/>
+              </a:rPr>
+              <a:t>모델을 어떻게 간편하게 배포하지</a:t>
+            </a:r>
+            <a:r>
+              <a:rPr lang="en-US" altLang="ko-KR" sz="1200" spc="-103">
                 <a:ln>
                   <a:solidFill>
                     <a:schemeClr val="bg1">
@@ -8480,18 +7527,6 @@
               </a:rPr>
               <a:t>?</a:t>
             </a:r>
-            <a:endParaRPr lang="en-US" altLang="ko-KR" sz="1200" spc="-103" smtClean="0">
-              <a:ln>
-                <a:solidFill>
-                  <a:schemeClr val="bg1">
-                    <a:lumMod val="85000"/>
-                    <a:alpha val="0"/>
-                  </a:schemeClr>
-                </a:solidFill>
-              </a:ln>
-              <a:latin typeface="나눔스퀘어 Bold" panose="020B0600000101010101" pitchFamily="50" charset="-127"/>
-              <a:ea typeface="나눔스퀘어 Bold" panose="020B0600000101010101" pitchFamily="50" charset="-127"/>
-            </a:endParaRPr>
           </a:p>
         </p:txBody>
       </p:sp>
@@ -8597,7 +7632,7 @@
           <a:lstStyle/>
           <a:p>
             <a:r>
-              <a:rPr lang="en-US" altLang="ko-KR" sz="1400" spc="-100" smtClean="0">
+              <a:rPr lang="en-US" altLang="ko-KR" sz="1400" spc="-100">
                 <a:ln>
                   <a:solidFill>
                     <a:schemeClr val="bg1">
@@ -8662,7 +7697,7 @@
               <a:buChar char="•"/>
             </a:pPr>
             <a:r>
-              <a:rPr lang="en-US" altLang="ko-KR" sz="1200" spc="-103" smtClean="0">
+              <a:rPr lang="en-US" altLang="ko-KR" sz="1200" spc="-103">
                 <a:ln>
                   <a:solidFill>
                     <a:schemeClr val="bg1">
@@ -8677,7 +7712,7 @@
               <a:t>MLflow</a:t>
             </a:r>
             <a:r>
-              <a:rPr lang="ko-KR" altLang="en-US" sz="1200" spc="-103" smtClean="0">
+              <a:rPr lang="ko-KR" altLang="en-US" sz="1200" spc="-103">
                 <a:ln>
                   <a:solidFill>
                     <a:schemeClr val="bg1">
@@ -8692,21 +7727,6 @@
               <a:t>는 </a:t>
             </a:r>
             <a:r>
-              <a:rPr lang="en-US" altLang="ko-KR" sz="1200" spc="-103" smtClean="0">
-                <a:ln>
-                  <a:solidFill>
-                    <a:schemeClr val="bg1">
-                      <a:lumMod val="85000"/>
-                      <a:alpha val="0"/>
-                    </a:schemeClr>
-                  </a:solidFill>
-                </a:ln>
-                <a:latin typeface="나눔스퀘어 Bold" panose="020B0600000101010101" pitchFamily="50" charset="-127"/>
-                <a:ea typeface="나눔스퀘어 Bold" panose="020B0600000101010101" pitchFamily="50" charset="-127"/>
-              </a:rPr>
-              <a:t>End-to-End </a:t>
-            </a:r>
-            <a:r>
               <a:rPr lang="en-US" altLang="ko-KR" sz="1200" spc="-103">
                 <a:ln>
                   <a:solidFill>
@@ -8719,37 +7739,7 @@
                 <a:latin typeface="나눔스퀘어 Bold" panose="020B0600000101010101" pitchFamily="50" charset="-127"/>
                 <a:ea typeface="나눔스퀘어 Bold" panose="020B0600000101010101" pitchFamily="50" charset="-127"/>
               </a:rPr>
-              <a:t>machine learning </a:t>
-            </a:r>
-            <a:r>
-              <a:rPr lang="en-US" altLang="ko-KR" sz="1200" spc="-103" smtClean="0">
-                <a:ln>
-                  <a:solidFill>
-                    <a:schemeClr val="bg1">
-                      <a:lumMod val="85000"/>
-                      <a:alpha val="0"/>
-                    </a:schemeClr>
-                  </a:solidFill>
-                </a:ln>
-                <a:latin typeface="나눔스퀘어 Bold" panose="020B0600000101010101" pitchFamily="50" charset="-127"/>
-                <a:ea typeface="나눔스퀘어 Bold" panose="020B0600000101010101" pitchFamily="50" charset="-127"/>
-              </a:rPr>
-              <a:t>lifecycle</a:t>
-            </a:r>
-            <a:r>
-              <a:rPr lang="ko-KR" altLang="en-US" sz="1200" spc="-103" smtClean="0">
-                <a:ln>
-                  <a:solidFill>
-                    <a:schemeClr val="bg1">
-                      <a:lumMod val="85000"/>
-                      <a:alpha val="0"/>
-                    </a:schemeClr>
-                  </a:solidFill>
-                </a:ln>
-                <a:latin typeface="나눔스퀘어 Bold" panose="020B0600000101010101" pitchFamily="50" charset="-127"/>
-                <a:ea typeface="나눔스퀘어 Bold" panose="020B0600000101010101" pitchFamily="50" charset="-127"/>
-              </a:rPr>
-              <a:t>을 관리하는 오픈소스 플랫폼이며 모든 </a:t>
+              <a:t>End-to-End machine learning lifecycle</a:t>
             </a:r>
             <a:r>
               <a:rPr lang="ko-KR" altLang="en-US" sz="1200" spc="-103">
@@ -8764,10 +7754,10 @@
                 <a:latin typeface="나눔스퀘어 Bold" panose="020B0600000101010101" pitchFamily="50" charset="-127"/>
                 <a:ea typeface="나눔스퀘어 Bold" panose="020B0600000101010101" pitchFamily="50" charset="-127"/>
               </a:rPr>
-              <a:t>기계 학습 라이브러리 및 프로그래밍 언어와 함께 사용할 수 있다</a:t>
-            </a:r>
-            <a:r>
-              <a:rPr lang="en-US" altLang="ko-KR" sz="1200" spc="-103" smtClean="0">
+              <a:t>을 관리하는 오픈소스 플랫폼이며 모든 기계 학습 라이브러리 및 프로그래밍 언어와 함께 사용할 수 있다</a:t>
+            </a:r>
+            <a:r>
+              <a:rPr lang="en-US" altLang="ko-KR" sz="1200" spc="-103">
                 <a:ln>
                   <a:solidFill>
                     <a:schemeClr val="bg1">
@@ -8791,7 +7781,7 @@
               <a:buChar char="•"/>
             </a:pPr>
             <a:r>
-              <a:rPr lang="en-US" altLang="ko-KR" sz="1200" spc="-103" smtClean="0">
+              <a:rPr lang="en-US" altLang="ko-KR" sz="1200" spc="-103">
                 <a:ln>
                   <a:solidFill>
                     <a:schemeClr val="bg1">
@@ -8806,7 +7796,7 @@
               <a:t>Mlflow</a:t>
             </a:r>
             <a:r>
-              <a:rPr lang="ko-KR" altLang="en-US" sz="1200" spc="-103" smtClean="0">
+              <a:rPr lang="ko-KR" altLang="en-US" sz="1200" spc="-103">
                 <a:ln>
                   <a:solidFill>
                     <a:schemeClr val="bg1">
@@ -8821,7 +7811,7 @@
               <a:t>의 </a:t>
             </a:r>
             <a:r>
-              <a:rPr lang="en-US" altLang="ko-KR" sz="1200" spc="-103" smtClean="0">
+              <a:rPr lang="en-US" altLang="ko-KR" sz="1200" spc="-103">
                 <a:ln>
                   <a:solidFill>
                     <a:schemeClr val="bg1">
@@ -8836,7 +7826,7 @@
               <a:t>4</a:t>
             </a:r>
             <a:r>
-              <a:rPr lang="ko-KR" altLang="en-US" sz="1200" spc="-103" smtClean="0">
+              <a:rPr lang="ko-KR" altLang="en-US" sz="1200" spc="-103">
                 <a:ln>
                   <a:solidFill>
                     <a:schemeClr val="bg1">
@@ -8851,7 +7841,7 @@
               <a:t>가지 주요 기능</a:t>
             </a:r>
             <a:r>
-              <a:rPr lang="en-US" altLang="ko-KR" sz="1200" spc="-103" smtClean="0">
+              <a:rPr lang="en-US" altLang="ko-KR" sz="1200" spc="-103">
                 <a:ln>
                   <a:solidFill>
                     <a:schemeClr val="bg1">
@@ -8865,18 +7855,6 @@
               </a:rPr>
               <a:t>.</a:t>
             </a:r>
-            <a:endParaRPr lang="en-US" altLang="ko-KR" sz="1200" spc="-103">
-              <a:ln>
-                <a:solidFill>
-                  <a:schemeClr val="bg1">
-                    <a:lumMod val="85000"/>
-                    <a:alpha val="0"/>
-                  </a:schemeClr>
-                </a:solidFill>
-              </a:ln>
-              <a:latin typeface="나눔스퀘어 Bold" panose="020B0600000101010101" pitchFamily="50" charset="-127"/>
-              <a:ea typeface="나눔스퀘어 Bold" panose="020B0600000101010101" pitchFamily="50" charset="-127"/>
-            </a:endParaRPr>
           </a:p>
           <a:p>
             <a:pPr lvl="1">
@@ -8885,21 +7863,6 @@
               </a:lnSpc>
             </a:pPr>
             <a:r>
-              <a:rPr lang="en-US" altLang="ko-KR" sz="1200" spc="-103" smtClean="0">
-                <a:ln>
-                  <a:solidFill>
-                    <a:schemeClr val="bg1">
-                      <a:lumMod val="85000"/>
-                      <a:alpha val="0"/>
-                    </a:schemeClr>
-                  </a:solidFill>
-                </a:ln>
-                <a:latin typeface="나눔스퀘어 Bold" panose="020B0600000101010101" pitchFamily="50" charset="-127"/>
-                <a:ea typeface="나눔스퀘어 Bold" panose="020B0600000101010101" pitchFamily="50" charset="-127"/>
-              </a:rPr>
-              <a:t>1. </a:t>
-            </a:r>
-            <a:r>
               <a:rPr lang="en-US" altLang="ko-KR" sz="1200" spc="-103">
                 <a:ln>
                   <a:solidFill>
@@ -8912,50 +7875,8 @@
                 <a:latin typeface="나눔스퀘어 Bold" panose="020B0600000101010101" pitchFamily="50" charset="-127"/>
                 <a:ea typeface="나눔스퀘어 Bold" panose="020B0600000101010101" pitchFamily="50" charset="-127"/>
               </a:rPr>
-              <a:t>MLflow </a:t>
-            </a:r>
-            <a:r>
-              <a:rPr lang="en-US" altLang="ko-KR" sz="1200" spc="-103" smtClean="0">
-                <a:ln>
-                  <a:solidFill>
-                    <a:schemeClr val="bg1">
-                      <a:lumMod val="85000"/>
-                      <a:alpha val="0"/>
-                    </a:schemeClr>
-                  </a:solidFill>
-                </a:ln>
-                <a:latin typeface="나눔스퀘어 Bold" panose="020B0600000101010101" pitchFamily="50" charset="-127"/>
-                <a:ea typeface="나눔스퀘어 Bold" panose="020B0600000101010101" pitchFamily="50" charset="-127"/>
-              </a:rPr>
-              <a:t>Tracking : </a:t>
-            </a:r>
-            <a:r>
-              <a:rPr lang="en-US" altLang="ko-KR" sz="1200" spc="-103">
-                <a:ln>
-                  <a:solidFill>
-                    <a:schemeClr val="bg1">
-                      <a:lumMod val="85000"/>
-                      <a:alpha val="0"/>
-                    </a:schemeClr>
-                  </a:solidFill>
-                </a:ln>
-                <a:latin typeface="나눔스퀘어 Bold" panose="020B0600000101010101" pitchFamily="50" charset="-127"/>
-                <a:ea typeface="나눔스퀘어 Bold" panose="020B0600000101010101" pitchFamily="50" charset="-127"/>
-              </a:rPr>
-              <a:t>Record and query experiments: code, data, config, and results</a:t>
-            </a:r>
-            <a:endParaRPr lang="en-US" altLang="ko-KR" sz="1200" spc="-103">
-              <a:ln>
-                <a:solidFill>
-                  <a:schemeClr val="bg1">
-                    <a:lumMod val="85000"/>
-                    <a:alpha val="0"/>
-                  </a:schemeClr>
-                </a:solidFill>
-              </a:ln>
-              <a:latin typeface="나눔스퀘어 Bold" panose="020B0600000101010101" pitchFamily="50" charset="-127"/>
-              <a:ea typeface="나눔스퀘어 Bold" panose="020B0600000101010101" pitchFamily="50" charset="-127"/>
-            </a:endParaRPr>
+              <a:t>1. MLflow Tracking : Record and query experiments: code, data, config, and results</a:t>
+            </a:r>
           </a:p>
           <a:p>
             <a:pPr lvl="1">
@@ -8964,21 +7885,6 @@
               </a:lnSpc>
             </a:pPr>
             <a:r>
-              <a:rPr lang="en-US" altLang="ko-KR" sz="1200" spc="-103" smtClean="0">
-                <a:ln>
-                  <a:solidFill>
-                    <a:schemeClr val="bg1">
-                      <a:lumMod val="85000"/>
-                      <a:alpha val="0"/>
-                    </a:schemeClr>
-                  </a:solidFill>
-                </a:ln>
-                <a:latin typeface="나눔스퀘어 Bold" panose="020B0600000101010101" pitchFamily="50" charset="-127"/>
-                <a:ea typeface="나눔스퀘어 Bold" panose="020B0600000101010101" pitchFamily="50" charset="-127"/>
-              </a:rPr>
-              <a:t>2. </a:t>
-            </a:r>
-            <a:r>
               <a:rPr lang="en-US" altLang="ko-KR" sz="1200" spc="-103">
                 <a:ln>
                   <a:solidFill>
@@ -8991,50 +7897,8 @@
                 <a:latin typeface="나눔스퀘어 Bold" panose="020B0600000101010101" pitchFamily="50" charset="-127"/>
                 <a:ea typeface="나눔스퀘어 Bold" panose="020B0600000101010101" pitchFamily="50" charset="-127"/>
               </a:rPr>
-              <a:t>MLflow Projects </a:t>
-            </a:r>
-            <a:r>
-              <a:rPr lang="en-US" altLang="ko-KR" sz="1200" spc="-103" smtClean="0">
-                <a:ln>
-                  <a:solidFill>
-                    <a:schemeClr val="bg1">
-                      <a:lumMod val="85000"/>
-                      <a:alpha val="0"/>
-                    </a:schemeClr>
-                  </a:solidFill>
-                </a:ln>
-                <a:latin typeface="나눔스퀘어 Bold" panose="020B0600000101010101" pitchFamily="50" charset="-127"/>
-                <a:ea typeface="나눔스퀘어 Bold" panose="020B0600000101010101" pitchFamily="50" charset="-127"/>
-              </a:rPr>
-              <a:t> : </a:t>
-            </a:r>
-            <a:r>
-              <a:rPr lang="en-US" altLang="ko-KR" sz="1200" spc="-103">
-                <a:ln>
-                  <a:solidFill>
-                    <a:schemeClr val="bg1">
-                      <a:lumMod val="85000"/>
-                      <a:alpha val="0"/>
-                    </a:schemeClr>
-                  </a:solidFill>
-                </a:ln>
-                <a:latin typeface="나눔스퀘어 Bold" panose="020B0600000101010101" pitchFamily="50" charset="-127"/>
-                <a:ea typeface="나눔스퀘어 Bold" panose="020B0600000101010101" pitchFamily="50" charset="-127"/>
-              </a:rPr>
-              <a:t>Package data science code in a format to reproduce runs on any platform</a:t>
-            </a:r>
-            <a:endParaRPr lang="en-US" altLang="ko-KR" sz="1200" spc="-103">
-              <a:ln>
-                <a:solidFill>
-                  <a:schemeClr val="bg1">
-                    <a:lumMod val="85000"/>
-                    <a:alpha val="0"/>
-                  </a:schemeClr>
-                </a:solidFill>
-              </a:ln>
-              <a:latin typeface="나눔스퀘어 Bold" panose="020B0600000101010101" pitchFamily="50" charset="-127"/>
-              <a:ea typeface="나눔스퀘어 Bold" panose="020B0600000101010101" pitchFamily="50" charset="-127"/>
-            </a:endParaRPr>
+              <a:t>2. MLflow Projects  : Package data science code in a format to reproduce runs on any platform</a:t>
+            </a:r>
           </a:p>
           <a:p>
             <a:pPr lvl="1">
@@ -9043,21 +7907,6 @@
               </a:lnSpc>
             </a:pPr>
             <a:r>
-              <a:rPr lang="en-US" altLang="ko-KR" sz="1200" spc="-103" smtClean="0">
-                <a:ln>
-                  <a:solidFill>
-                    <a:schemeClr val="bg1">
-                      <a:lumMod val="85000"/>
-                      <a:alpha val="0"/>
-                    </a:schemeClr>
-                  </a:solidFill>
-                </a:ln>
-                <a:latin typeface="나눔스퀘어 Bold" panose="020B0600000101010101" pitchFamily="50" charset="-127"/>
-                <a:ea typeface="나눔스퀘어 Bold" panose="020B0600000101010101" pitchFamily="50" charset="-127"/>
-              </a:rPr>
-              <a:t>3. Mlflow </a:t>
-            </a:r>
-            <a:r>
               <a:rPr lang="en-US" altLang="ko-KR" sz="1200" spc="-103">
                 <a:ln>
                   <a:solidFill>
@@ -9070,50 +7919,8 @@
                 <a:latin typeface="나눔스퀘어 Bold" panose="020B0600000101010101" pitchFamily="50" charset="-127"/>
                 <a:ea typeface="나눔스퀘어 Bold" panose="020B0600000101010101" pitchFamily="50" charset="-127"/>
               </a:rPr>
-              <a:t>Models </a:t>
-            </a:r>
-            <a:r>
-              <a:rPr lang="en-US" altLang="ko-KR" sz="1200" spc="-103" smtClean="0">
-                <a:ln>
-                  <a:solidFill>
-                    <a:schemeClr val="bg1">
-                      <a:lumMod val="85000"/>
-                      <a:alpha val="0"/>
-                    </a:schemeClr>
-                  </a:solidFill>
-                </a:ln>
-                <a:latin typeface="나눔스퀘어 Bold" panose="020B0600000101010101" pitchFamily="50" charset="-127"/>
-                <a:ea typeface="나눔스퀘어 Bold" panose="020B0600000101010101" pitchFamily="50" charset="-127"/>
-              </a:rPr>
-              <a:t> : </a:t>
-            </a:r>
-            <a:r>
-              <a:rPr lang="en-US" altLang="ko-KR" sz="1200" spc="-103">
-                <a:ln>
-                  <a:solidFill>
-                    <a:schemeClr val="bg1">
-                      <a:lumMod val="85000"/>
-                      <a:alpha val="0"/>
-                    </a:schemeClr>
-                  </a:solidFill>
-                </a:ln>
-                <a:latin typeface="나눔스퀘어 Bold" panose="020B0600000101010101" pitchFamily="50" charset="-127"/>
-                <a:ea typeface="나눔스퀘어 Bold" panose="020B0600000101010101" pitchFamily="50" charset="-127"/>
-              </a:rPr>
-              <a:t>Deploy machine learning models in diverse serving environments</a:t>
-            </a:r>
-            <a:endParaRPr lang="en-US" altLang="ko-KR" sz="1200" spc="-103">
-              <a:ln>
-                <a:solidFill>
-                  <a:schemeClr val="bg1">
-                    <a:lumMod val="85000"/>
-                    <a:alpha val="0"/>
-                  </a:schemeClr>
-                </a:solidFill>
-              </a:ln>
-              <a:latin typeface="나눔스퀘어 Bold" panose="020B0600000101010101" pitchFamily="50" charset="-127"/>
-              <a:ea typeface="나눔스퀘어 Bold" panose="020B0600000101010101" pitchFamily="50" charset="-127"/>
-            </a:endParaRPr>
+              <a:t>3. Mlflow Models  : Deploy machine learning models in diverse serving environments</a:t>
+            </a:r>
           </a:p>
           <a:p>
             <a:pPr lvl="1">
@@ -9122,36 +7929,6 @@
               </a:lnSpc>
             </a:pPr>
             <a:r>
-              <a:rPr lang="en-US" altLang="ko-KR" sz="1200" spc="-103" smtClean="0">
-                <a:ln>
-                  <a:solidFill>
-                    <a:schemeClr val="bg1">
-                      <a:lumMod val="85000"/>
-                      <a:alpha val="0"/>
-                    </a:schemeClr>
-                  </a:solidFill>
-                </a:ln>
-                <a:latin typeface="나눔스퀘어 Bold" panose="020B0600000101010101" pitchFamily="50" charset="-127"/>
-                <a:ea typeface="나눔스퀘어 Bold" panose="020B0600000101010101" pitchFamily="50" charset="-127"/>
-              </a:rPr>
-              <a:t>4. </a:t>
-            </a:r>
-            <a:r>
-              <a:rPr lang="en-US" altLang="ko-KR" sz="1200" spc="-103" smtClean="0">
-                <a:ln>
-                  <a:solidFill>
-                    <a:schemeClr val="bg1">
-                      <a:lumMod val="85000"/>
-                      <a:alpha val="0"/>
-                    </a:schemeClr>
-                  </a:solidFill>
-                </a:ln>
-                <a:latin typeface="나눔스퀘어 Bold" panose="020B0600000101010101" pitchFamily="50" charset="-127"/>
-                <a:ea typeface="나눔스퀘어 Bold" panose="020B0600000101010101" pitchFamily="50" charset="-127"/>
-              </a:rPr>
-              <a:t>Model </a:t>
-            </a:r>
-            <a:r>
               <a:rPr lang="en-US" altLang="ko-KR" sz="1200" spc="-103">
                 <a:ln>
                   <a:solidFill>
@@ -9164,50 +7941,8 @@
                 <a:latin typeface="나눔스퀘어 Bold" panose="020B0600000101010101" pitchFamily="50" charset="-127"/>
                 <a:ea typeface="나눔스퀘어 Bold" panose="020B0600000101010101" pitchFamily="50" charset="-127"/>
               </a:rPr>
-              <a:t>Registry </a:t>
-            </a:r>
-            <a:r>
-              <a:rPr lang="en-US" altLang="ko-KR" sz="1200" spc="-103" smtClean="0">
-                <a:ln>
-                  <a:solidFill>
-                    <a:schemeClr val="bg1">
-                      <a:lumMod val="85000"/>
-                      <a:alpha val="0"/>
-                    </a:schemeClr>
-                  </a:solidFill>
-                </a:ln>
-                <a:latin typeface="나눔스퀘어 Bold" panose="020B0600000101010101" pitchFamily="50" charset="-127"/>
-                <a:ea typeface="나눔스퀘어 Bold" panose="020B0600000101010101" pitchFamily="50" charset="-127"/>
-              </a:rPr>
-              <a:t>: </a:t>
-            </a:r>
-            <a:r>
-              <a:rPr lang="en-US" altLang="ko-KR" sz="1200" spc="-103">
-                <a:ln>
-                  <a:solidFill>
-                    <a:schemeClr val="bg1">
-                      <a:lumMod val="85000"/>
-                      <a:alpha val="0"/>
-                    </a:schemeClr>
-                  </a:solidFill>
-                </a:ln>
-                <a:latin typeface="나눔스퀘어 Bold" panose="020B0600000101010101" pitchFamily="50" charset="-127"/>
-                <a:ea typeface="나눔스퀘어 Bold" panose="020B0600000101010101" pitchFamily="50" charset="-127"/>
-              </a:rPr>
-              <a:t>Store, annotate, discover, and manage models in a central repository</a:t>
-            </a:r>
-            <a:endParaRPr lang="en-US" altLang="ko-KR" sz="1200" spc="-103" smtClean="0">
-              <a:ln>
-                <a:solidFill>
-                  <a:schemeClr val="bg1">
-                    <a:lumMod val="85000"/>
-                    <a:alpha val="0"/>
-                  </a:schemeClr>
-                </a:solidFill>
-              </a:ln>
-              <a:latin typeface="나눔스퀘어 Bold" panose="020B0600000101010101" pitchFamily="50" charset="-127"/>
-              <a:ea typeface="나눔스퀘어 Bold" panose="020B0600000101010101" pitchFamily="50" charset="-127"/>
-            </a:endParaRPr>
+              <a:t>4. Model Registry : Store, annotate, discover, and manage models in a central repository</a:t>
+            </a:r>
           </a:p>
         </p:txBody>
       </p:sp>
@@ -9234,7 +7969,7 @@
           <a:lstStyle/>
           <a:p>
             <a:r>
-              <a:rPr lang="en-US" altLang="ko-KR" sz="3200" spc="-150" smtClean="0">
+              <a:rPr lang="en-US" altLang="ko-KR" sz="3200" spc="-150">
                 <a:solidFill>
                   <a:srgbClr val="00002F"/>
                 </a:solidFill>
@@ -9244,7 +7979,7 @@
               <a:t>MLflow </a:t>
             </a:r>
             <a:r>
-              <a:rPr lang="ko-KR" altLang="en-US" sz="3200" spc="-150" smtClean="0">
+              <a:rPr lang="ko-KR" altLang="en-US" sz="3200" spc="-150">
                 <a:solidFill>
                   <a:srgbClr val="00002F"/>
                 </a:solidFill>
@@ -9317,7 +8052,7 @@
           <a:p>
             <a:pPr algn="ctr"/>
             <a:r>
-              <a:rPr lang="en-US" altLang="ko-KR" sz="2400" spc="-150" smtClean="0">
+              <a:rPr lang="en-US" altLang="ko-KR" sz="2400" spc="-150">
                 <a:solidFill>
                   <a:srgbClr val="00002F"/>
                 </a:solidFill>
@@ -9365,7 +8100,7 @@
           <a:lstStyle/>
           <a:p>
             <a:r>
-              <a:rPr lang="en-US" altLang="ko-KR" sz="1400" spc="-100" smtClean="0">
+              <a:rPr lang="en-US" altLang="ko-KR" sz="1400" spc="-100">
                 <a:ln>
                   <a:solidFill>
                     <a:schemeClr val="bg1">
@@ -9430,7 +8165,7 @@
               <a:buChar char="•"/>
             </a:pPr>
             <a:r>
-              <a:rPr lang="ko-KR" altLang="en-US" sz="1200" spc="-103" smtClean="0">
+              <a:rPr lang="ko-KR" altLang="en-US" sz="1200" spc="-103">
                 <a:ln>
                   <a:solidFill>
                     <a:schemeClr val="bg1">
@@ -9445,7 +8180,7 @@
               <a:t>영화 리뷰의 긍정 부정을 분류하는 </a:t>
             </a:r>
             <a:r>
-              <a:rPr lang="en-US" altLang="ko-KR" sz="1200" spc="-103" smtClean="0">
+              <a:rPr lang="en-US" altLang="ko-KR" sz="1200" spc="-103">
                 <a:ln>
                   <a:solidFill>
                     <a:schemeClr val="bg1">
@@ -9460,7 +8195,7 @@
               <a:t>ML </a:t>
             </a:r>
             <a:r>
-              <a:rPr lang="ko-KR" altLang="en-US" sz="1200" spc="-103" smtClean="0">
+              <a:rPr lang="ko-KR" altLang="en-US" sz="1200" spc="-103">
                 <a:ln>
                   <a:solidFill>
                     <a:schemeClr val="bg1">
@@ -9474,7 +8209,7 @@
               </a:rPr>
               <a:t>모델을 만들어야 하는 과업 발생</a:t>
             </a:r>
-            <a:endParaRPr lang="en-US" altLang="ko-KR" sz="1200" spc="-103" smtClean="0">
+            <a:endParaRPr lang="en-US" altLang="ko-KR" sz="1200" spc="-103">
               <a:ln>
                 <a:solidFill>
                   <a:schemeClr val="bg1">
@@ -9496,37 +8231,22 @@
               <a:buChar char="•"/>
             </a:pPr>
             <a:r>
-              <a:rPr lang="ko-KR" altLang="en-US" sz="1200" spc="-103" smtClean="0">
-                <a:ln>
-                  <a:solidFill>
-                    <a:schemeClr val="bg1">
-                      <a:lumMod val="85000"/>
-                      <a:alpha val="0"/>
-                    </a:schemeClr>
-                  </a:solidFill>
-                </a:ln>
-                <a:latin typeface="나눔스퀘어 Bold" panose="020B0600000101010101" pitchFamily="50" charset="-127"/>
-                <a:ea typeface="나눔스퀘어 Bold" panose="020B0600000101010101" pitchFamily="50" charset="-127"/>
-              </a:rPr>
-              <a:t>수많은 </a:t>
-            </a:r>
-            <a:r>
-              <a:rPr lang="ko-KR" altLang="en-US" sz="1200" spc="-103" smtClean="0">
-                <a:ln>
-                  <a:solidFill>
-                    <a:schemeClr val="bg1">
-                      <a:lumMod val="85000"/>
-                      <a:alpha val="0"/>
-                    </a:schemeClr>
-                  </a:solidFill>
-                </a:ln>
-                <a:latin typeface="나눔스퀘어 Bold" panose="020B0600000101010101" pitchFamily="50" charset="-127"/>
-                <a:ea typeface="나눔스퀘어 Bold" panose="020B0600000101010101" pitchFamily="50" charset="-127"/>
-              </a:rPr>
-              <a:t>조건들로 실험을 반복하며 발생하는 </a:t>
-            </a:r>
-            <a:r>
-              <a:rPr lang="en-US" altLang="ko-KR" sz="1200" spc="-103" smtClean="0">
+              <a:rPr lang="ko-KR" altLang="en-US" sz="1200" spc="-103">
+                <a:ln>
+                  <a:solidFill>
+                    <a:schemeClr val="bg1">
+                      <a:lumMod val="85000"/>
+                      <a:alpha val="0"/>
+                    </a:schemeClr>
+                  </a:solidFill>
+                </a:ln>
+                <a:latin typeface="나눔스퀘어 Bold" panose="020B0600000101010101" pitchFamily="50" charset="-127"/>
+                <a:ea typeface="나눔스퀘어 Bold" panose="020B0600000101010101" pitchFamily="50" charset="-127"/>
+              </a:rPr>
+              <a:t>수많은 조건들로 실험을 반복하며 발생하는 </a:t>
+            </a:r>
+            <a:r>
+              <a:rPr lang="en-US" altLang="ko-KR" sz="1200" spc="-103">
                 <a:ln>
                   <a:solidFill>
                     <a:schemeClr val="bg1">
@@ -9541,7 +8261,7 @@
               <a:t>accuracy, f1_score, train_loss, test_loss, parameter</a:t>
             </a:r>
             <a:r>
-              <a:rPr lang="ko-KR" altLang="en-US" sz="1200" spc="-103" smtClean="0">
+              <a:rPr lang="ko-KR" altLang="en-US" sz="1200" spc="-103">
                 <a:ln>
                   <a:solidFill>
                     <a:schemeClr val="bg1">
@@ -9556,7 +8276,7 @@
               <a:t>들을 기록해야 한다</a:t>
             </a:r>
             <a:r>
-              <a:rPr lang="en-US" altLang="ko-KR" sz="1200" spc="-103" smtClean="0">
+              <a:rPr lang="en-US" altLang="ko-KR" sz="1200" spc="-103">
                 <a:ln>
                   <a:solidFill>
                     <a:schemeClr val="bg1">
@@ -9570,18 +8290,6 @@
               </a:rPr>
               <a:t>. </a:t>
             </a:r>
-            <a:endParaRPr lang="en-US" altLang="ko-KR" sz="1200" spc="-103" smtClean="0">
-              <a:ln>
-                <a:solidFill>
-                  <a:schemeClr val="bg1">
-                    <a:lumMod val="85000"/>
-                    <a:alpha val="0"/>
-                  </a:schemeClr>
-                </a:solidFill>
-              </a:ln>
-              <a:latin typeface="나눔스퀘어 Bold" panose="020B0600000101010101" pitchFamily="50" charset="-127"/>
-              <a:ea typeface="나눔스퀘어 Bold" panose="020B0600000101010101" pitchFamily="50" charset="-127"/>
-            </a:endParaRPr>
           </a:p>
         </p:txBody>
       </p:sp>
@@ -9608,7 +8316,7 @@
           <a:lstStyle/>
           <a:p>
             <a:r>
-              <a:rPr lang="en-US" altLang="ko-KR" sz="3200" spc="-150" smtClean="0">
+              <a:rPr lang="en-US" altLang="ko-KR" sz="3200" spc="-150">
                 <a:solidFill>
                   <a:srgbClr val="00002F"/>
                 </a:solidFill>
@@ -9617,13 +8325,6 @@
               </a:rPr>
               <a:t>Mlflow Tracking</a:t>
             </a:r>
-            <a:endParaRPr lang="en-US" altLang="ko-KR" sz="3200" spc="-150">
-              <a:solidFill>
-                <a:srgbClr val="00002F"/>
-              </a:solidFill>
-              <a:latin typeface="나눔스퀘어 ExtraBold" panose="020B0600000101010101" pitchFamily="50" charset="-127"/>
-              <a:ea typeface="나눔스퀘어 ExtraBold" panose="020B0600000101010101" pitchFamily="50" charset="-127"/>
-            </a:endParaRPr>
           </a:p>
         </p:txBody>
       </p:sp>
@@ -9687,7 +8388,7 @@
             <a:p>
               <a:pPr algn="ctr"/>
               <a:r>
-                <a:rPr lang="ko-KR" altLang="en-US" sz="1200" smtClean="0">
+                <a:rPr lang="ko-KR" altLang="en-US" sz="1200">
                   <a:solidFill>
                     <a:schemeClr val="tx1"/>
                   </a:solidFill>
@@ -9750,7 +8451,7 @@
             <a:p>
               <a:pPr algn="ctr"/>
               <a:r>
-                <a:rPr lang="ko-KR" altLang="en-US" sz="1200" smtClean="0">
+                <a:rPr lang="ko-KR" altLang="en-US" sz="1200">
                   <a:solidFill>
                     <a:schemeClr val="tx1"/>
                   </a:solidFill>
@@ -9813,7 +8514,7 @@
             <a:p>
               <a:pPr algn="ctr"/>
               <a:r>
-                <a:rPr lang="ko-KR" altLang="en-US" sz="1200" smtClean="0">
+                <a:rPr lang="ko-KR" altLang="en-US" sz="1200">
                   <a:solidFill>
                     <a:schemeClr val="tx1"/>
                   </a:solidFill>
@@ -9876,7 +8577,7 @@
             <a:p>
               <a:pPr algn="ctr"/>
               <a:r>
-                <a:rPr lang="ko-KR" altLang="en-US" sz="1200" smtClean="0">
+                <a:rPr lang="ko-KR" altLang="en-US" sz="1200">
                   <a:solidFill>
                     <a:schemeClr val="tx1"/>
                   </a:solidFill>
@@ -9923,7 +8624,7 @@
             <a:p>
               <a:pPr algn="ctr"/>
               <a:r>
-                <a:rPr lang="en-US" altLang="ko-KR" sz="1200" spc="-103" smtClean="0">
+                <a:rPr lang="en-US" altLang="ko-KR" sz="1200" spc="-103">
                   <a:ln>
                     <a:solidFill>
                       <a:schemeClr val="bg1">
@@ -10001,7 +8702,7 @@
             <a:p>
               <a:pPr algn="ctr"/>
               <a:r>
-                <a:rPr lang="en-US" altLang="ko-KR" sz="1200" smtClean="0">
+                <a:rPr lang="en-US" altLang="ko-KR" sz="1200">
                   <a:solidFill>
                     <a:schemeClr val="tx1"/>
                   </a:solidFill>
@@ -10064,7 +8765,7 @@
             <a:p>
               <a:pPr algn="ctr"/>
               <a:r>
-                <a:rPr lang="en-US" altLang="ko-KR" sz="1200" smtClean="0">
+                <a:rPr lang="en-US" altLang="ko-KR" sz="1200">
                   <a:solidFill>
                     <a:schemeClr val="tx1"/>
                   </a:solidFill>
@@ -10127,7 +8828,7 @@
             <a:p>
               <a:pPr algn="ctr"/>
               <a:r>
-                <a:rPr lang="en-US" altLang="ko-KR" sz="1200" smtClean="0">
+                <a:rPr lang="en-US" altLang="ko-KR" sz="1200">
                   <a:solidFill>
                     <a:schemeClr val="tx1"/>
                   </a:solidFill>
@@ -10190,7 +8891,7 @@
             <a:p>
               <a:pPr algn="ctr"/>
               <a:r>
-                <a:rPr lang="en-US" altLang="ko-KR" sz="1200" smtClean="0">
+                <a:rPr lang="en-US" altLang="ko-KR" sz="1200">
                   <a:solidFill>
                     <a:schemeClr val="tx1"/>
                   </a:solidFill>
@@ -10253,7 +8954,7 @@
             <a:p>
               <a:pPr algn="ctr"/>
               <a:r>
-                <a:rPr lang="en-US" altLang="ko-KR" sz="1200" smtClean="0">
+                <a:rPr lang="en-US" altLang="ko-KR" sz="1200">
                   <a:solidFill>
                     <a:schemeClr val="tx1"/>
                   </a:solidFill>
@@ -10316,7 +9017,7 @@
             <a:p>
               <a:pPr algn="ctr"/>
               <a:r>
-                <a:rPr lang="en-US" altLang="ko-KR" sz="1200" smtClean="0">
+                <a:rPr lang="en-US" altLang="ko-KR" sz="1200">
                   <a:solidFill>
                     <a:schemeClr val="tx1"/>
                   </a:solidFill>
@@ -10363,7 +9064,7 @@
             <a:p>
               <a:pPr algn="ctr"/>
               <a:r>
-                <a:rPr lang="en-US" altLang="ko-KR" sz="1200" spc="-103" smtClean="0">
+                <a:rPr lang="en-US" altLang="ko-KR" sz="1200" spc="-103">
                   <a:ln>
                     <a:solidFill>
                       <a:schemeClr val="bg1">
@@ -10441,7 +9142,7 @@
             <a:p>
               <a:pPr algn="ctr"/>
               <a:r>
-                <a:rPr lang="en-US" altLang="ko-KR" sz="1200" smtClean="0">
+                <a:rPr lang="en-US" altLang="ko-KR" sz="1200">
                   <a:solidFill>
                     <a:schemeClr val="tx1"/>
                   </a:solidFill>
@@ -10504,7 +9205,7 @@
             <a:p>
               <a:pPr algn="ctr"/>
               <a:r>
-                <a:rPr lang="en-US" altLang="ko-KR" sz="1200" b="1" smtClean="0">
+                <a:rPr lang="en-US" altLang="ko-KR" sz="1200" b="1">
                   <a:solidFill>
                     <a:schemeClr val="tx1"/>
                   </a:solidFill>
@@ -10567,7 +9268,7 @@
             <a:p>
               <a:pPr algn="ctr"/>
               <a:r>
-                <a:rPr lang="en-US" altLang="ko-KR" sz="1200" smtClean="0">
+                <a:rPr lang="en-US" altLang="ko-KR" sz="1200">
                   <a:solidFill>
                     <a:schemeClr val="tx1"/>
                   </a:solidFill>
@@ -10630,7 +9331,7 @@
             <a:p>
               <a:pPr algn="ctr"/>
               <a:r>
-                <a:rPr lang="en-US" altLang="ko-KR" sz="1200" b="1" smtClean="0">
+                <a:rPr lang="en-US" altLang="ko-KR" sz="1200" b="1">
                   <a:solidFill>
                     <a:schemeClr val="tx1"/>
                   </a:solidFill>
@@ -10677,7 +9378,7 @@
             <a:p>
               <a:pPr algn="ctr"/>
               <a:r>
-                <a:rPr lang="en-US" altLang="ko-KR" sz="1200" spc="-103" smtClean="0">
+                <a:rPr lang="en-US" altLang="ko-KR" sz="1200" spc="-103">
                   <a:ln>
                     <a:solidFill>
                       <a:schemeClr val="bg1">
@@ -11372,7 +10073,7 @@
           <a:p>
             <a:pPr algn="ctr"/>
             <a:r>
-              <a:rPr lang="en-US" altLang="ko-KR" sz="2400" spc="-150" smtClean="0">
+              <a:rPr lang="en-US" altLang="ko-KR" sz="2400" spc="-150">
                 <a:solidFill>
                   <a:srgbClr val="00002F"/>
                 </a:solidFill>
@@ -11420,7 +10121,7 @@
           <a:lstStyle/>
           <a:p>
             <a:r>
-              <a:rPr lang="en-US" altLang="ko-KR" sz="1400" spc="-100" smtClean="0">
+              <a:rPr lang="en-US" altLang="ko-KR" sz="1400" spc="-100">
                 <a:ln>
                   <a:solidFill>
                     <a:schemeClr val="bg1">
@@ -11485,7 +10186,7 @@
               <a:buChar char="•"/>
             </a:pPr>
             <a:r>
-              <a:rPr lang="ko-KR" altLang="en-US" sz="1200" spc="-103" smtClean="0">
+              <a:rPr lang="ko-KR" altLang="en-US" sz="1200" spc="-103">
                 <a:ln>
                   <a:solidFill>
                     <a:schemeClr val="bg1">
@@ -11500,7 +10201,7 @@
               <a:t>갓셀에 순서대로 기록하자</a:t>
             </a:r>
             <a:r>
-              <a:rPr lang="en-US" altLang="ko-KR" sz="1200" spc="-103" smtClean="0">
+              <a:rPr lang="en-US" altLang="ko-KR" sz="1200" spc="-103">
                 <a:ln>
                   <a:solidFill>
                     <a:schemeClr val="bg1">
@@ -11514,18 +10215,6 @@
               </a:rPr>
               <a:t>.</a:t>
             </a:r>
-            <a:endParaRPr lang="en-US" altLang="ko-KR" sz="1200" spc="-103" smtClean="0">
-              <a:ln>
-                <a:solidFill>
-                  <a:schemeClr val="bg1">
-                    <a:lumMod val="85000"/>
-                    <a:alpha val="0"/>
-                  </a:schemeClr>
-                </a:solidFill>
-              </a:ln>
-              <a:latin typeface="나눔스퀘어 Bold" panose="020B0600000101010101" pitchFamily="50" charset="-127"/>
-              <a:ea typeface="나눔스퀘어 Bold" panose="020B0600000101010101" pitchFamily="50" charset="-127"/>
-            </a:endParaRPr>
           </a:p>
         </p:txBody>
       </p:sp>
@@ -11552,7 +10241,7 @@
           <a:lstStyle/>
           <a:p>
             <a:r>
-              <a:rPr lang="en-US" altLang="ko-KR" sz="3200" spc="-150" smtClean="0">
+              <a:rPr lang="en-US" altLang="ko-KR" sz="3200" spc="-150">
                 <a:solidFill>
                   <a:srgbClr val="00002F"/>
                 </a:solidFill>
@@ -11561,13 +10250,6 @@
               </a:rPr>
               <a:t>Mlflow Tracking</a:t>
             </a:r>
-            <a:endParaRPr lang="en-US" altLang="ko-KR" sz="3200" spc="-150">
-              <a:solidFill>
-                <a:srgbClr val="00002F"/>
-              </a:solidFill>
-              <a:latin typeface="나눔스퀘어 ExtraBold" panose="020B0600000101010101" pitchFamily="50" charset="-127"/>
-              <a:ea typeface="나눔스퀘어 ExtraBold" panose="020B0600000101010101" pitchFamily="50" charset="-127"/>
-            </a:endParaRPr>
           </a:p>
         </p:txBody>
       </p:sp>
@@ -11666,7 +10348,7 @@
           <a:p>
             <a:pPr algn="ctr"/>
             <a:r>
-              <a:rPr lang="en-US" altLang="ko-KR" sz="2400" spc="-150" smtClean="0">
+              <a:rPr lang="en-US" altLang="ko-KR" sz="2400" spc="-150">
                 <a:solidFill>
                   <a:srgbClr val="00002F"/>
                 </a:solidFill>
@@ -11714,7 +10396,7 @@
           <a:lstStyle/>
           <a:p>
             <a:r>
-              <a:rPr lang="en-US" altLang="ko-KR" sz="1400" spc="-100" smtClean="0">
+              <a:rPr lang="en-US" altLang="ko-KR" sz="1400" spc="-100">
                 <a:ln>
                   <a:solidFill>
                     <a:schemeClr val="bg1">
@@ -11779,7 +10461,7 @@
               <a:buChar char="•"/>
             </a:pPr>
             <a:r>
-              <a:rPr lang="ko-KR" altLang="en-US" sz="1200" spc="-103" smtClean="0">
+              <a:rPr lang="ko-KR" altLang="en-US" sz="1200" spc="-103">
                 <a:ln>
                   <a:solidFill>
                     <a:schemeClr val="bg1">
@@ -11794,7 +10476,7 @@
               <a:t>실험이 </a:t>
             </a:r>
             <a:r>
-              <a:rPr lang="en-US" altLang="ko-KR" sz="1200" spc="-103" smtClean="0">
+              <a:rPr lang="en-US" altLang="ko-KR" sz="1200" spc="-103">
                 <a:ln>
                   <a:solidFill>
                     <a:schemeClr val="bg1">
@@ -11809,7 +10491,7 @@
               <a:t>100</a:t>
             </a:r>
             <a:r>
-              <a:rPr lang="ko-KR" altLang="en-US" sz="1200" spc="-103" smtClean="0">
+              <a:rPr lang="ko-KR" altLang="en-US" sz="1200" spc="-103">
                 <a:ln>
                   <a:solidFill>
                     <a:schemeClr val="bg1">
@@ -11824,7 +10506,7 @@
               <a:t>번 넘게 이루어진다면</a:t>
             </a:r>
             <a:r>
-              <a:rPr lang="en-US" altLang="ko-KR" sz="1200" spc="-103" smtClean="0">
+              <a:rPr lang="en-US" altLang="ko-KR" sz="1200" spc="-103">
                 <a:ln>
                   <a:solidFill>
                     <a:schemeClr val="bg1">
@@ -11848,7 +10530,7 @@
               <a:buChar char="•"/>
             </a:pPr>
             <a:r>
-              <a:rPr lang="ko-KR" altLang="en-US" sz="1200" spc="-103" smtClean="0">
+              <a:rPr lang="ko-KR" altLang="en-US" sz="1200" spc="-103">
                 <a:ln>
                   <a:solidFill>
                     <a:schemeClr val="bg1">
@@ -11863,7 +10545,7 @@
               <a:t>아</a:t>
             </a:r>
             <a:r>
-              <a:rPr lang="en-US" altLang="ko-KR" sz="1200" spc="-103" smtClean="0">
+              <a:rPr lang="en-US" altLang="ko-KR" sz="1200" spc="-103">
                 <a:ln>
                   <a:solidFill>
                     <a:schemeClr val="bg1">
@@ -11878,7 +10560,7 @@
               <a:t>… </a:t>
             </a:r>
             <a:r>
-              <a:rPr lang="ko-KR" altLang="en-US" sz="1200" spc="-103" smtClean="0">
+              <a:rPr lang="ko-KR" altLang="en-US" sz="1200" spc="-103">
                 <a:ln>
                   <a:solidFill>
                     <a:schemeClr val="bg1">
@@ -11892,7 +10574,7 @@
               </a:rPr>
               <a:t>잘 못 적었네</a:t>
             </a:r>
-            <a:endParaRPr lang="en-US" altLang="ko-KR" sz="1200" spc="-103" smtClean="0">
+            <a:endParaRPr lang="en-US" altLang="ko-KR" sz="1200" spc="-103">
               <a:ln>
                 <a:solidFill>
                   <a:schemeClr val="bg1">
@@ -11914,7 +10596,7 @@
               <a:buChar char="•"/>
             </a:pPr>
             <a:r>
-              <a:rPr lang="ko-KR" altLang="en-US" sz="1200" spc="-103" smtClean="0">
+              <a:rPr lang="ko-KR" altLang="en-US" sz="1200" spc="-103">
                 <a:ln>
                   <a:solidFill>
                     <a:schemeClr val="bg1">
@@ -11929,7 +10611,7 @@
               <a:t>자동화하는 방법 없을까</a:t>
             </a:r>
             <a:r>
-              <a:rPr lang="en-US" altLang="ko-KR" sz="1200" spc="-103" smtClean="0">
+              <a:rPr lang="en-US" altLang="ko-KR" sz="1200" spc="-103">
                 <a:ln>
                   <a:solidFill>
                     <a:schemeClr val="bg1">
@@ -11944,7 +10626,7 @@
               <a:t>? </a:t>
             </a:r>
             <a:r>
-              <a:rPr lang="ko-KR" altLang="en-US" sz="1200" spc="-103" smtClean="0">
+              <a:rPr lang="ko-KR" altLang="en-US" sz="1200" spc="-103">
                 <a:ln>
                   <a:solidFill>
                     <a:schemeClr val="bg1">
@@ -11971,25 +10653,10 @@
                 <a:latin typeface="나눔스퀘어 Bold" panose="020B0600000101010101" pitchFamily="50" charset="-127"/>
                 <a:ea typeface="나눔스퀘어 Bold" panose="020B0600000101010101" pitchFamily="50" charset="-127"/>
               </a:rPr>
-              <a:t> </a:t>
-            </a:r>
-            <a:r>
-              <a:rPr lang="en-US" altLang="ko-KR" sz="1200" spc="-103" smtClean="0">
-                <a:ln>
-                  <a:solidFill>
-                    <a:schemeClr val="bg1">
-                      <a:lumMod val="85000"/>
-                      <a:alpha val="0"/>
-                    </a:schemeClr>
-                  </a:solidFill>
-                </a:ln>
-                <a:latin typeface="나눔스퀘어 Bold" panose="020B0600000101010101" pitchFamily="50" charset="-127"/>
-                <a:ea typeface="나눔스퀘어 Bold" panose="020B0600000101010101" pitchFamily="50" charset="-127"/>
-              </a:rPr>
-              <a:t>UI</a:t>
-            </a:r>
-            <a:r>
-              <a:rPr lang="ko-KR" altLang="en-US" sz="1200" spc="-103" smtClean="0">
+              <a:t> UI</a:t>
+            </a:r>
+            <a:r>
+              <a:rPr lang="ko-KR" altLang="en-US" sz="1200" spc="-103">
                 <a:ln>
                   <a:solidFill>
                     <a:schemeClr val="bg1">
@@ -12004,7 +10671,7 @@
               <a:t>로 기록들을 모아서 볼 수 없을까</a:t>
             </a:r>
             <a:r>
-              <a:rPr lang="en-US" altLang="ko-KR" sz="1200" spc="-103" smtClean="0">
+              <a:rPr lang="en-US" altLang="ko-KR" sz="1200" spc="-103">
                 <a:ln>
                   <a:solidFill>
                     <a:schemeClr val="bg1">
@@ -12044,7 +10711,7 @@
           <a:lstStyle/>
           <a:p>
             <a:r>
-              <a:rPr lang="en-US" altLang="ko-KR" sz="3200" spc="-150" smtClean="0">
+              <a:rPr lang="en-US" altLang="ko-KR" sz="3200" spc="-150">
                 <a:solidFill>
                   <a:srgbClr val="00002F"/>
                 </a:solidFill>
@@ -12053,13 +10720,6 @@
               </a:rPr>
               <a:t>Mlflow Tracking</a:t>
             </a:r>
-            <a:endParaRPr lang="en-US" altLang="ko-KR" sz="3200" spc="-150">
-              <a:solidFill>
-                <a:srgbClr val="00002F"/>
-              </a:solidFill>
-              <a:latin typeface="나눔스퀘어 ExtraBold" panose="020B0600000101010101" pitchFamily="50" charset="-127"/>
-              <a:ea typeface="나눔스퀘어 ExtraBold" panose="020B0600000101010101" pitchFamily="50" charset="-127"/>
-            </a:endParaRPr>
           </a:p>
         </p:txBody>
       </p:sp>

--- a/MLflow.pptx
+++ b/MLflow.pptx
@@ -5,33 +5,45 @@
     <p:sldMasterId id="2147483656" r:id="rId1"/>
   </p:sldMasterIdLst>
   <p:notesMasterIdLst>
-    <p:notesMasterId r:id="rId10"/>
+    <p:notesMasterId r:id="rId22"/>
   </p:notesMasterIdLst>
   <p:sldIdLst>
     <p:sldId id="257" r:id="rId2"/>
-    <p:sldId id="408" r:id="rId3"/>
-    <p:sldId id="409" r:id="rId4"/>
-    <p:sldId id="407" r:id="rId5"/>
-    <p:sldId id="405" r:id="rId6"/>
-    <p:sldId id="401" r:id="rId7"/>
-    <p:sldId id="410" r:id="rId8"/>
-    <p:sldId id="411" r:id="rId9"/>
+    <p:sldId id="412" r:id="rId3"/>
+    <p:sldId id="408" r:id="rId4"/>
+    <p:sldId id="413" r:id="rId5"/>
+    <p:sldId id="407" r:id="rId6"/>
+    <p:sldId id="405" r:id="rId7"/>
+    <p:sldId id="401" r:id="rId8"/>
+    <p:sldId id="414" r:id="rId9"/>
+    <p:sldId id="415" r:id="rId10"/>
+    <p:sldId id="411" r:id="rId11"/>
+    <p:sldId id="416" r:id="rId12"/>
+    <p:sldId id="410" r:id="rId13"/>
+    <p:sldId id="417" r:id="rId14"/>
+    <p:sldId id="418" r:id="rId15"/>
+    <p:sldId id="420" r:id="rId16"/>
+    <p:sldId id="422" r:id="rId17"/>
+    <p:sldId id="421" r:id="rId18"/>
+    <p:sldId id="423" r:id="rId19"/>
+    <p:sldId id="424" r:id="rId20"/>
+    <p:sldId id="425" r:id="rId21"/>
   </p:sldIdLst>
   <p:sldSz cx="12192000" cy="6858000"/>
   <p:notesSz cx="6858000" cy="9144000"/>
   <p:embeddedFontLst>
     <p:embeddedFont>
+      <p:font typeface="맑은 고딕" panose="020B0503020000020004" pitchFamily="50" charset="-127"/>
+      <p:regular r:id="rId23"/>
+      <p:bold r:id="rId24"/>
+    </p:embeddedFont>
+    <p:embeddedFont>
       <p:font typeface="나눔스퀘어 ExtraBold" panose="020B0600000101010101" pitchFamily="50" charset="-127"/>
-      <p:bold r:id="rId11"/>
+      <p:bold r:id="rId25"/>
     </p:embeddedFont>
     <p:embeddedFont>
       <p:font typeface="나눔스퀘어 Bold" panose="020B0600000101010101" pitchFamily="50" charset="-127"/>
-      <p:bold r:id="rId12"/>
-    </p:embeddedFont>
-    <p:embeddedFont>
-      <p:font typeface="맑은 고딕" panose="020B0503020000020004" pitchFamily="50" charset="-127"/>
-      <p:regular r:id="rId13"/>
-      <p:bold r:id="rId14"/>
+      <p:bold r:id="rId26"/>
     </p:embeddedFont>
   </p:embeddedFontLst>
   <p:defaultTextStyle>
@@ -219,7 +231,7 @@
           <a:p>
             <a:fld id="{17FB36FB-C10C-479A-9DFD-15DEB134881C}" type="datetimeFigureOut">
               <a:rPr lang="ko-KR" altLang="en-US" smtClean="0"/>
-              <a:t>2021-12-31</a:t>
+              <a:t>2022-02-04</a:t>
             </a:fld>
             <a:endParaRPr lang="ko-KR" altLang="en-US"/>
           </a:p>
@@ -1095,6 +1107,3366 @@
 </p:sld>
 </file>
 
+<file path=ppt/slides/slide10.xml><?xml version="1.0" encoding="utf-8"?>
+<p:sld xmlns:a="http://schemas.openxmlformats.org/drawingml/2006/main" xmlns:r="http://schemas.openxmlformats.org/officeDocument/2006/relationships" xmlns:p="http://schemas.openxmlformats.org/presentationml/2006/main">
+  <p:cSld>
+    <p:spTree>
+      <p:nvGrpSpPr>
+        <p:cNvPr id="1" name=""/>
+        <p:cNvGrpSpPr/>
+        <p:nvPr/>
+      </p:nvGrpSpPr>
+      <p:grpSpPr>
+        <a:xfrm>
+          <a:off x="0" y="0"/>
+          <a:ext cx="0" cy="0"/>
+          <a:chOff x="0" y="0"/>
+          <a:chExt cx="0" cy="0"/>
+        </a:xfrm>
+      </p:grpSpPr>
+      <p:sp>
+        <p:nvSpPr>
+          <p:cNvPr id="12" name="TextBox 11"/>
+          <p:cNvSpPr txBox="1"/>
+          <p:nvPr/>
+        </p:nvSpPr>
+        <p:spPr>
+          <a:xfrm>
+            <a:off x="455532" y="498947"/>
+            <a:ext cx="614271" cy="461665"/>
+          </a:xfrm>
+          <a:prstGeom prst="rect">
+            <a:avLst/>
+          </a:prstGeom>
+          <a:noFill/>
+        </p:spPr>
+        <p:txBody>
+          <a:bodyPr wrap="square" rtlCol="0">
+            <a:spAutoFit/>
+          </a:bodyPr>
+          <a:lstStyle/>
+          <a:p>
+            <a:pPr algn="ctr"/>
+            <a:r>
+              <a:rPr lang="en-US" altLang="ko-KR" sz="2400" spc="-150" smtClean="0">
+                <a:solidFill>
+                  <a:srgbClr val="00002F"/>
+                </a:solidFill>
+                <a:latin typeface="나눔스퀘어 ExtraBold" panose="020B0600000101010101" pitchFamily="50" charset="-127"/>
+                <a:ea typeface="나눔스퀘어 ExtraBold" panose="020B0600000101010101" pitchFamily="50" charset="-127"/>
+              </a:rPr>
+              <a:t>02.</a:t>
+            </a:r>
+            <a:endParaRPr lang="ko-KR" altLang="en-US" sz="2400" spc="-150" dirty="0">
+              <a:solidFill>
+                <a:srgbClr val="00002F"/>
+              </a:solidFill>
+              <a:latin typeface="나눔스퀘어 ExtraBold" panose="020B0600000101010101" pitchFamily="50" charset="-127"/>
+              <a:ea typeface="나눔스퀘어 ExtraBold" panose="020B0600000101010101" pitchFamily="50" charset="-127"/>
+            </a:endParaRPr>
+          </a:p>
+        </p:txBody>
+      </p:sp>
+      <p:sp>
+        <p:nvSpPr>
+          <p:cNvPr id="36" name="TextBox 35">
+            <a:extLst>
+              <a:ext uri="{FF2B5EF4-FFF2-40B4-BE49-F238E27FC236}">
+                <a16:creationId xmlns:a16="http://schemas.microsoft.com/office/drawing/2014/main" id="{76BF0B6A-32FF-436D-83C4-AB1F31C134F8}"/>
+              </a:ext>
+            </a:extLst>
+          </p:cNvPr>
+          <p:cNvSpPr txBox="1"/>
+          <p:nvPr/>
+        </p:nvSpPr>
+        <p:spPr>
+          <a:xfrm>
+            <a:off x="1119982" y="1075034"/>
+            <a:ext cx="2596341" cy="307777"/>
+          </a:xfrm>
+          <a:prstGeom prst="rect">
+            <a:avLst/>
+          </a:prstGeom>
+          <a:noFill/>
+        </p:spPr>
+        <p:txBody>
+          <a:bodyPr wrap="square" rtlCol="0">
+            <a:spAutoFit/>
+          </a:bodyPr>
+          <a:lstStyle/>
+          <a:p>
+            <a:r>
+              <a:rPr lang="en-US" altLang="ko-KR" sz="1400" spc="-100" smtClean="0">
+                <a:ln>
+                  <a:solidFill>
+                    <a:schemeClr val="bg1">
+                      <a:lumMod val="65000"/>
+                      <a:alpha val="0"/>
+                    </a:schemeClr>
+                  </a:solidFill>
+                </a:ln>
+                <a:latin typeface="나눔스퀘어 ExtraBold" panose="020B0600000101010101" pitchFamily="50" charset="-127"/>
+                <a:ea typeface="나눔스퀘어 ExtraBold" panose="020B0600000101010101" pitchFamily="50" charset="-127"/>
+              </a:rPr>
+              <a:t>Needs</a:t>
+            </a:r>
+            <a:endParaRPr lang="ko-KR" altLang="en-US" sz="1400" spc="-100" dirty="0">
+              <a:ln>
+                <a:solidFill>
+                  <a:schemeClr val="bg1">
+                    <a:lumMod val="65000"/>
+                    <a:alpha val="0"/>
+                  </a:schemeClr>
+                </a:solidFill>
+              </a:ln>
+              <a:latin typeface="나눔스퀘어 ExtraBold" panose="020B0600000101010101" pitchFamily="50" charset="-127"/>
+              <a:ea typeface="나눔스퀘어 ExtraBold" panose="020B0600000101010101" pitchFamily="50" charset="-127"/>
+            </a:endParaRPr>
+          </a:p>
+        </p:txBody>
+      </p:sp>
+      <p:sp>
+        <p:nvSpPr>
+          <p:cNvPr id="9" name="TextBox 8"/>
+          <p:cNvSpPr txBox="1"/>
+          <p:nvPr/>
+        </p:nvSpPr>
+        <p:spPr>
+          <a:xfrm>
+            <a:off x="1088238" y="437393"/>
+            <a:ext cx="5396382" cy="584775"/>
+          </a:xfrm>
+          <a:prstGeom prst="rect">
+            <a:avLst/>
+          </a:prstGeom>
+          <a:noFill/>
+        </p:spPr>
+        <p:txBody>
+          <a:bodyPr wrap="square" rtlCol="0">
+            <a:spAutoFit/>
+          </a:bodyPr>
+          <a:lstStyle/>
+          <a:p>
+            <a:r>
+              <a:rPr lang="en-US" altLang="ko-KR" sz="3200" spc="-150" smtClean="0">
+                <a:solidFill>
+                  <a:srgbClr val="00002F"/>
+                </a:solidFill>
+                <a:latin typeface="나눔스퀘어 ExtraBold" panose="020B0600000101010101" pitchFamily="50" charset="-127"/>
+                <a:ea typeface="나눔스퀘어 ExtraBold" panose="020B0600000101010101" pitchFamily="50" charset="-127"/>
+              </a:rPr>
+              <a:t>Mlflow Tracking</a:t>
+            </a:r>
+            <a:endParaRPr lang="en-US" altLang="ko-KR" sz="3200" spc="-150">
+              <a:solidFill>
+                <a:srgbClr val="00002F"/>
+              </a:solidFill>
+              <a:latin typeface="나눔스퀘어 ExtraBold" panose="020B0600000101010101" pitchFamily="50" charset="-127"/>
+              <a:ea typeface="나눔스퀘어 ExtraBold" panose="020B0600000101010101" pitchFamily="50" charset="-127"/>
+            </a:endParaRPr>
+          </a:p>
+        </p:txBody>
+      </p:sp>
+      <p:pic>
+        <p:nvPicPr>
+          <p:cNvPr id="2" name="그림 1"/>
+          <p:cNvPicPr>
+            <a:picLocks noChangeAspect="1"/>
+          </p:cNvPicPr>
+          <p:nvPr/>
+        </p:nvPicPr>
+        <p:blipFill>
+          <a:blip r:embed="rId2"/>
+          <a:stretch>
+            <a:fillRect/>
+          </a:stretch>
+        </p:blipFill>
+        <p:spPr>
+          <a:xfrm>
+            <a:off x="1385280" y="1799510"/>
+            <a:ext cx="9421441" cy="4406135"/>
+          </a:xfrm>
+          <a:prstGeom prst="rect">
+            <a:avLst/>
+          </a:prstGeom>
+        </p:spPr>
+      </p:pic>
+    </p:spTree>
+    <p:extLst>
+      <p:ext uri="{BB962C8B-B14F-4D97-AF65-F5344CB8AC3E}">
+        <p14:creationId xmlns:p14="http://schemas.microsoft.com/office/powerpoint/2010/main" val="1717091195"/>
+      </p:ext>
+    </p:extLst>
+  </p:cSld>
+  <p:clrMapOvr>
+    <a:masterClrMapping/>
+  </p:clrMapOvr>
+</p:sld>
+</file>
+
+<file path=ppt/slides/slide11.xml><?xml version="1.0" encoding="utf-8"?>
+<p:sld xmlns:a="http://schemas.openxmlformats.org/drawingml/2006/main" xmlns:r="http://schemas.openxmlformats.org/officeDocument/2006/relationships" xmlns:p="http://schemas.openxmlformats.org/presentationml/2006/main">
+  <p:cSld>
+    <p:spTree>
+      <p:nvGrpSpPr>
+        <p:cNvPr id="1" name=""/>
+        <p:cNvGrpSpPr/>
+        <p:nvPr/>
+      </p:nvGrpSpPr>
+      <p:grpSpPr>
+        <a:xfrm>
+          <a:off x="0" y="0"/>
+          <a:ext cx="0" cy="0"/>
+          <a:chOff x="0" y="0"/>
+          <a:chExt cx="0" cy="0"/>
+        </a:xfrm>
+      </p:grpSpPr>
+      <p:sp>
+        <p:nvSpPr>
+          <p:cNvPr id="12" name="TextBox 11"/>
+          <p:cNvSpPr txBox="1"/>
+          <p:nvPr/>
+        </p:nvSpPr>
+        <p:spPr>
+          <a:xfrm>
+            <a:off x="455532" y="498947"/>
+            <a:ext cx="614271" cy="461665"/>
+          </a:xfrm>
+          <a:prstGeom prst="rect">
+            <a:avLst/>
+          </a:prstGeom>
+          <a:noFill/>
+        </p:spPr>
+        <p:txBody>
+          <a:bodyPr wrap="square" rtlCol="0">
+            <a:spAutoFit/>
+          </a:bodyPr>
+          <a:lstStyle/>
+          <a:p>
+            <a:pPr algn="ctr"/>
+            <a:r>
+              <a:rPr lang="en-US" altLang="ko-KR" sz="2400" spc="-150" smtClean="0">
+                <a:solidFill>
+                  <a:srgbClr val="00002F"/>
+                </a:solidFill>
+                <a:latin typeface="나눔스퀘어 ExtraBold" panose="020B0600000101010101" pitchFamily="50" charset="-127"/>
+                <a:ea typeface="나눔스퀘어 ExtraBold" panose="020B0600000101010101" pitchFamily="50" charset="-127"/>
+              </a:rPr>
+              <a:t>02.</a:t>
+            </a:r>
+            <a:endParaRPr lang="ko-KR" altLang="en-US" sz="2400" spc="-150" dirty="0">
+              <a:solidFill>
+                <a:srgbClr val="00002F"/>
+              </a:solidFill>
+              <a:latin typeface="나눔스퀘어 ExtraBold" panose="020B0600000101010101" pitchFamily="50" charset="-127"/>
+              <a:ea typeface="나눔스퀘어 ExtraBold" panose="020B0600000101010101" pitchFamily="50" charset="-127"/>
+            </a:endParaRPr>
+          </a:p>
+        </p:txBody>
+      </p:sp>
+      <p:sp>
+        <p:nvSpPr>
+          <p:cNvPr id="36" name="TextBox 35">
+            <a:extLst>
+              <a:ext uri="{FF2B5EF4-FFF2-40B4-BE49-F238E27FC236}">
+                <a16:creationId xmlns:a16="http://schemas.microsoft.com/office/drawing/2014/main" id="{76BF0B6A-32FF-436D-83C4-AB1F31C134F8}"/>
+              </a:ext>
+            </a:extLst>
+          </p:cNvPr>
+          <p:cNvSpPr txBox="1"/>
+          <p:nvPr/>
+        </p:nvSpPr>
+        <p:spPr>
+          <a:xfrm>
+            <a:off x="1119982" y="1075034"/>
+            <a:ext cx="2596341" cy="307777"/>
+          </a:xfrm>
+          <a:prstGeom prst="rect">
+            <a:avLst/>
+          </a:prstGeom>
+          <a:noFill/>
+        </p:spPr>
+        <p:txBody>
+          <a:bodyPr wrap="square" rtlCol="0">
+            <a:spAutoFit/>
+          </a:bodyPr>
+          <a:lstStyle/>
+          <a:p>
+            <a:r>
+              <a:rPr lang="en-US" altLang="ko-KR" sz="1400" spc="-100" smtClean="0">
+                <a:ln>
+                  <a:solidFill>
+                    <a:schemeClr val="bg1">
+                      <a:lumMod val="65000"/>
+                      <a:alpha val="0"/>
+                    </a:schemeClr>
+                  </a:solidFill>
+                </a:ln>
+                <a:latin typeface="나눔스퀘어 ExtraBold" panose="020B0600000101010101" pitchFamily="50" charset="-127"/>
+                <a:ea typeface="나눔스퀘어 ExtraBold" panose="020B0600000101010101" pitchFamily="50" charset="-127"/>
+              </a:rPr>
+              <a:t>Log</a:t>
+            </a:r>
+            <a:endParaRPr lang="ko-KR" altLang="en-US" sz="1400" spc="-100" dirty="0">
+              <a:ln>
+                <a:solidFill>
+                  <a:schemeClr val="bg1">
+                    <a:lumMod val="65000"/>
+                    <a:alpha val="0"/>
+                  </a:schemeClr>
+                </a:solidFill>
+              </a:ln>
+              <a:latin typeface="나눔스퀘어 ExtraBold" panose="020B0600000101010101" pitchFamily="50" charset="-127"/>
+              <a:ea typeface="나눔스퀘어 ExtraBold" panose="020B0600000101010101" pitchFamily="50" charset="-127"/>
+            </a:endParaRPr>
+          </a:p>
+        </p:txBody>
+      </p:sp>
+      <p:sp>
+        <p:nvSpPr>
+          <p:cNvPr id="9" name="TextBox 8"/>
+          <p:cNvSpPr txBox="1"/>
+          <p:nvPr/>
+        </p:nvSpPr>
+        <p:spPr>
+          <a:xfrm>
+            <a:off x="1088238" y="437393"/>
+            <a:ext cx="5396382" cy="584775"/>
+          </a:xfrm>
+          <a:prstGeom prst="rect">
+            <a:avLst/>
+          </a:prstGeom>
+          <a:noFill/>
+        </p:spPr>
+        <p:txBody>
+          <a:bodyPr wrap="square" rtlCol="0">
+            <a:spAutoFit/>
+          </a:bodyPr>
+          <a:lstStyle/>
+          <a:p>
+            <a:r>
+              <a:rPr lang="en-US" altLang="ko-KR" sz="3200" spc="-150" smtClean="0">
+                <a:solidFill>
+                  <a:srgbClr val="00002F"/>
+                </a:solidFill>
+                <a:latin typeface="나눔스퀘어 ExtraBold" panose="020B0600000101010101" pitchFamily="50" charset="-127"/>
+                <a:ea typeface="나눔스퀘어 ExtraBold" panose="020B0600000101010101" pitchFamily="50" charset="-127"/>
+              </a:rPr>
+              <a:t>Mlflow Tracking</a:t>
+            </a:r>
+            <a:endParaRPr lang="en-US" altLang="ko-KR" sz="3200" spc="-150">
+              <a:solidFill>
+                <a:srgbClr val="00002F"/>
+              </a:solidFill>
+              <a:latin typeface="나눔스퀘어 ExtraBold" panose="020B0600000101010101" pitchFamily="50" charset="-127"/>
+              <a:ea typeface="나눔스퀘어 ExtraBold" panose="020B0600000101010101" pitchFamily="50" charset="-127"/>
+            </a:endParaRPr>
+          </a:p>
+        </p:txBody>
+      </p:sp>
+      <p:sp>
+        <p:nvSpPr>
+          <p:cNvPr id="6" name="TextBox 5">
+            <a:extLst>
+              <a:ext uri="{FF2B5EF4-FFF2-40B4-BE49-F238E27FC236}">
+                <a16:creationId xmlns:a16="http://schemas.microsoft.com/office/drawing/2014/main" id="{C40C17C7-6436-43BB-AB8B-1F1856BAF096}"/>
+              </a:ext>
+            </a:extLst>
+          </p:cNvPr>
+          <p:cNvSpPr txBox="1"/>
+          <p:nvPr/>
+        </p:nvSpPr>
+        <p:spPr>
+          <a:xfrm>
+            <a:off x="3901129" y="3176183"/>
+            <a:ext cx="4389742" cy="1569660"/>
+          </a:xfrm>
+          <a:prstGeom prst="rect">
+            <a:avLst/>
+          </a:prstGeom>
+          <a:noFill/>
+        </p:spPr>
+        <p:txBody>
+          <a:bodyPr wrap="square" rtlCol="0" anchor="ctr">
+            <a:spAutoFit/>
+          </a:bodyPr>
+          <a:lstStyle/>
+          <a:p>
+            <a:pPr marL="171450" indent="-171450">
+              <a:lnSpc>
+                <a:spcPct val="200000"/>
+              </a:lnSpc>
+              <a:buFont typeface="Arial" panose="020B0604020202020204" pitchFamily="34" charset="0"/>
+              <a:buChar char="•"/>
+            </a:pPr>
+            <a:r>
+              <a:rPr lang="en-US" altLang="ko-KR" sz="1200" spc="-103" smtClean="0">
+                <a:ln>
+                  <a:solidFill>
+                    <a:schemeClr val="bg1">
+                      <a:lumMod val="85000"/>
+                      <a:alpha val="0"/>
+                    </a:schemeClr>
+                  </a:solidFill>
+                </a:ln>
+                <a:latin typeface="나눔스퀘어 Bold" panose="020B0600000101010101" pitchFamily="50" charset="-127"/>
+                <a:ea typeface="나눔스퀘어 Bold" panose="020B0600000101010101" pitchFamily="50" charset="-127"/>
+              </a:rPr>
+              <a:t>log_param : </a:t>
+            </a:r>
+            <a:r>
+              <a:rPr lang="ko-KR" altLang="en-US" sz="1200" spc="-103" smtClean="0">
+                <a:ln>
+                  <a:solidFill>
+                    <a:schemeClr val="bg1">
+                      <a:lumMod val="85000"/>
+                      <a:alpha val="0"/>
+                    </a:schemeClr>
+                  </a:solidFill>
+                </a:ln>
+                <a:latin typeface="나눔스퀘어 Bold" panose="020B0600000101010101" pitchFamily="50" charset="-127"/>
+                <a:ea typeface="나눔스퀘어 Bold" panose="020B0600000101010101" pitchFamily="50" charset="-127"/>
+              </a:rPr>
+              <a:t>파라미터 저장</a:t>
+            </a:r>
+            <a:endParaRPr lang="en-US" altLang="ko-KR" sz="1200" spc="-103" smtClean="0">
+              <a:ln>
+                <a:solidFill>
+                  <a:schemeClr val="bg1">
+                    <a:lumMod val="85000"/>
+                    <a:alpha val="0"/>
+                  </a:schemeClr>
+                </a:solidFill>
+              </a:ln>
+              <a:latin typeface="나눔스퀘어 Bold" panose="020B0600000101010101" pitchFamily="50" charset="-127"/>
+              <a:ea typeface="나눔스퀘어 Bold" panose="020B0600000101010101" pitchFamily="50" charset="-127"/>
+            </a:endParaRPr>
+          </a:p>
+          <a:p>
+            <a:pPr marL="171450" indent="-171450">
+              <a:lnSpc>
+                <a:spcPct val="200000"/>
+              </a:lnSpc>
+              <a:buFont typeface="Arial" panose="020B0604020202020204" pitchFamily="34" charset="0"/>
+              <a:buChar char="•"/>
+            </a:pPr>
+            <a:r>
+              <a:rPr lang="en-US" altLang="ko-KR" sz="1200" spc="-103">
+                <a:ln>
+                  <a:solidFill>
+                    <a:schemeClr val="bg1">
+                      <a:lumMod val="85000"/>
+                      <a:alpha val="0"/>
+                    </a:schemeClr>
+                  </a:solidFill>
+                </a:ln>
+                <a:latin typeface="나눔스퀘어 Bold" panose="020B0600000101010101" pitchFamily="50" charset="-127"/>
+                <a:ea typeface="나눔스퀘어 Bold" panose="020B0600000101010101" pitchFamily="50" charset="-127"/>
+              </a:rPr>
+              <a:t>l</a:t>
+            </a:r>
+            <a:r>
+              <a:rPr lang="en-US" altLang="ko-KR" sz="1200" spc="-103" smtClean="0">
+                <a:ln>
+                  <a:solidFill>
+                    <a:schemeClr val="bg1">
+                      <a:lumMod val="85000"/>
+                      <a:alpha val="0"/>
+                    </a:schemeClr>
+                  </a:solidFill>
+                </a:ln>
+                <a:latin typeface="나눔스퀘어 Bold" panose="020B0600000101010101" pitchFamily="50" charset="-127"/>
+                <a:ea typeface="나눔스퀘어 Bold" panose="020B0600000101010101" pitchFamily="50" charset="-127"/>
+              </a:rPr>
+              <a:t>og_metric : </a:t>
+            </a:r>
+            <a:r>
+              <a:rPr lang="ko-KR" altLang="en-US" sz="1200" spc="-103" smtClean="0">
+                <a:ln>
+                  <a:solidFill>
+                    <a:schemeClr val="bg1">
+                      <a:lumMod val="85000"/>
+                      <a:alpha val="0"/>
+                    </a:schemeClr>
+                  </a:solidFill>
+                </a:ln>
+                <a:latin typeface="나눔스퀘어 Bold" panose="020B0600000101010101" pitchFamily="50" charset="-127"/>
+                <a:ea typeface="나눔스퀘어 Bold" panose="020B0600000101010101" pitchFamily="50" charset="-127"/>
+              </a:rPr>
+              <a:t>평가 저장</a:t>
+            </a:r>
+            <a:r>
+              <a:rPr lang="en-US" altLang="ko-KR" sz="1200" spc="-103">
+                <a:ln>
+                  <a:solidFill>
+                    <a:schemeClr val="bg1">
+                      <a:lumMod val="85000"/>
+                      <a:alpha val="0"/>
+                    </a:schemeClr>
+                  </a:solidFill>
+                </a:ln>
+                <a:latin typeface="나눔스퀘어 Bold" panose="020B0600000101010101" pitchFamily="50" charset="-127"/>
+                <a:ea typeface="나눔스퀘어 Bold" panose="020B0600000101010101" pitchFamily="50" charset="-127"/>
+              </a:rPr>
+              <a:t> </a:t>
+            </a:r>
+            <a:r>
+              <a:rPr lang="en-US" altLang="ko-KR" sz="1200" spc="-103" smtClean="0">
+                <a:ln>
+                  <a:solidFill>
+                    <a:schemeClr val="bg1">
+                      <a:lumMod val="85000"/>
+                      <a:alpha val="0"/>
+                    </a:schemeClr>
+                  </a:solidFill>
+                </a:ln>
+                <a:latin typeface="나눔스퀘어 Bold" panose="020B0600000101010101" pitchFamily="50" charset="-127"/>
+                <a:ea typeface="나눔스퀘어 Bold" panose="020B0600000101010101" pitchFamily="50" charset="-127"/>
+              </a:rPr>
+              <a:t>(</a:t>
+            </a:r>
+            <a:r>
+              <a:rPr lang="ko-KR" altLang="en-US" sz="1200" spc="-103" smtClean="0">
+                <a:ln>
+                  <a:solidFill>
+                    <a:schemeClr val="bg1">
+                      <a:lumMod val="85000"/>
+                      <a:alpha val="0"/>
+                    </a:schemeClr>
+                  </a:solidFill>
+                </a:ln>
+                <a:latin typeface="나눔스퀘어 Bold" panose="020B0600000101010101" pitchFamily="50" charset="-127"/>
+                <a:ea typeface="나눔스퀘어 Bold" panose="020B0600000101010101" pitchFamily="50" charset="-127"/>
+              </a:rPr>
+              <a:t>파라미터와 다르게 시계열하게 기록 저장 가능</a:t>
+            </a:r>
+            <a:r>
+              <a:rPr lang="en-US" altLang="ko-KR" sz="1200" spc="-103" smtClean="0">
+                <a:ln>
+                  <a:solidFill>
+                    <a:schemeClr val="bg1">
+                      <a:lumMod val="85000"/>
+                      <a:alpha val="0"/>
+                    </a:schemeClr>
+                  </a:solidFill>
+                </a:ln>
+                <a:latin typeface="나눔스퀘어 Bold" panose="020B0600000101010101" pitchFamily="50" charset="-127"/>
+                <a:ea typeface="나눔스퀘어 Bold" panose="020B0600000101010101" pitchFamily="50" charset="-127"/>
+              </a:rPr>
+              <a:t>)</a:t>
+            </a:r>
+          </a:p>
+          <a:p>
+            <a:pPr marL="171450" indent="-171450">
+              <a:lnSpc>
+                <a:spcPct val="200000"/>
+              </a:lnSpc>
+              <a:buFont typeface="Arial" panose="020B0604020202020204" pitchFamily="34" charset="0"/>
+              <a:buChar char="•"/>
+            </a:pPr>
+            <a:r>
+              <a:rPr lang="en-US" altLang="ko-KR" sz="1200" spc="-103" smtClean="0">
+                <a:ln>
+                  <a:solidFill>
+                    <a:schemeClr val="bg1">
+                      <a:lumMod val="85000"/>
+                      <a:alpha val="0"/>
+                    </a:schemeClr>
+                  </a:solidFill>
+                </a:ln>
+                <a:latin typeface="나눔스퀘어 Bold" panose="020B0600000101010101" pitchFamily="50" charset="-127"/>
+                <a:ea typeface="나눔스퀘어 Bold" panose="020B0600000101010101" pitchFamily="50" charset="-127"/>
+              </a:rPr>
+              <a:t>log_artifact : </a:t>
+            </a:r>
+            <a:r>
+              <a:rPr lang="ko-KR" altLang="en-US" sz="1200" spc="-103" smtClean="0">
+                <a:ln>
+                  <a:solidFill>
+                    <a:schemeClr val="bg1">
+                      <a:lumMod val="85000"/>
+                      <a:alpha val="0"/>
+                    </a:schemeClr>
+                  </a:solidFill>
+                </a:ln>
+                <a:latin typeface="나눔스퀘어 Bold" panose="020B0600000101010101" pitchFamily="50" charset="-127"/>
+                <a:ea typeface="나눔스퀘어 Bold" panose="020B0600000101010101" pitchFamily="50" charset="-127"/>
+              </a:rPr>
+              <a:t>이미지</a:t>
+            </a:r>
+            <a:r>
+              <a:rPr lang="en-US" altLang="ko-KR" sz="1200" spc="-103" smtClean="0">
+                <a:ln>
+                  <a:solidFill>
+                    <a:schemeClr val="bg1">
+                      <a:lumMod val="85000"/>
+                      <a:alpha val="0"/>
+                    </a:schemeClr>
+                  </a:solidFill>
+                </a:ln>
+                <a:latin typeface="나눔스퀘어 Bold" panose="020B0600000101010101" pitchFamily="50" charset="-127"/>
+                <a:ea typeface="나눔스퀘어 Bold" panose="020B0600000101010101" pitchFamily="50" charset="-127"/>
+              </a:rPr>
+              <a:t>, csv, </a:t>
+            </a:r>
+            <a:r>
+              <a:rPr lang="ko-KR" altLang="en-US" sz="1200" spc="-103" smtClean="0">
+                <a:ln>
+                  <a:solidFill>
+                    <a:schemeClr val="bg1">
+                      <a:lumMod val="85000"/>
+                      <a:alpha val="0"/>
+                    </a:schemeClr>
+                  </a:solidFill>
+                </a:ln>
+                <a:latin typeface="나눔스퀘어 Bold" panose="020B0600000101010101" pitchFamily="50" charset="-127"/>
+                <a:ea typeface="나눔스퀘어 Bold" panose="020B0600000101010101" pitchFamily="50" charset="-127"/>
+              </a:rPr>
+              <a:t>문서 등 모델과 관련된 파일 저장 가능 </a:t>
+            </a:r>
+            <a:endParaRPr lang="en-US" altLang="ko-KR" sz="1200" spc="-103">
+              <a:ln>
+                <a:solidFill>
+                  <a:schemeClr val="bg1">
+                    <a:lumMod val="85000"/>
+                    <a:alpha val="0"/>
+                  </a:schemeClr>
+                </a:solidFill>
+              </a:ln>
+              <a:latin typeface="나눔스퀘어 Bold" panose="020B0600000101010101" pitchFamily="50" charset="-127"/>
+              <a:ea typeface="나눔스퀘어 Bold" panose="020B0600000101010101" pitchFamily="50" charset="-127"/>
+            </a:endParaRPr>
+          </a:p>
+          <a:p>
+            <a:pPr marL="171450" indent="-171450">
+              <a:lnSpc>
+                <a:spcPct val="200000"/>
+              </a:lnSpc>
+              <a:buFont typeface="Arial" panose="020B0604020202020204" pitchFamily="34" charset="0"/>
+              <a:buChar char="•"/>
+            </a:pPr>
+            <a:r>
+              <a:rPr lang="en-US" altLang="ko-KR" sz="1200" spc="-103" smtClean="0">
+                <a:ln>
+                  <a:solidFill>
+                    <a:schemeClr val="bg1">
+                      <a:lumMod val="85000"/>
+                      <a:alpha val="0"/>
+                    </a:schemeClr>
+                  </a:solidFill>
+                </a:ln>
+                <a:latin typeface="나눔스퀘어 Bold" panose="020B0600000101010101" pitchFamily="50" charset="-127"/>
+                <a:ea typeface="나눔스퀘어 Bold" panose="020B0600000101010101" pitchFamily="50" charset="-127"/>
+              </a:rPr>
+              <a:t>log_model : </a:t>
+            </a:r>
+            <a:r>
+              <a:rPr lang="ko-KR" altLang="en-US" sz="1200" spc="-103" smtClean="0">
+                <a:ln>
+                  <a:solidFill>
+                    <a:schemeClr val="bg1">
+                      <a:lumMod val="85000"/>
+                      <a:alpha val="0"/>
+                    </a:schemeClr>
+                  </a:solidFill>
+                </a:ln>
+                <a:latin typeface="나눔스퀘어 Bold" panose="020B0600000101010101" pitchFamily="50" charset="-127"/>
+                <a:ea typeface="나눔스퀘어 Bold" panose="020B0600000101010101" pitchFamily="50" charset="-127"/>
+              </a:rPr>
+              <a:t>학습 모델 저장 가능</a:t>
+            </a:r>
+            <a:endParaRPr lang="en-US" altLang="ko-KR" sz="1200" spc="-103" smtClean="0">
+              <a:ln>
+                <a:solidFill>
+                  <a:schemeClr val="bg1">
+                    <a:lumMod val="85000"/>
+                    <a:alpha val="0"/>
+                  </a:schemeClr>
+                </a:solidFill>
+              </a:ln>
+              <a:latin typeface="나눔스퀘어 Bold" panose="020B0600000101010101" pitchFamily="50" charset="-127"/>
+              <a:ea typeface="나눔스퀘어 Bold" panose="020B0600000101010101" pitchFamily="50" charset="-127"/>
+            </a:endParaRPr>
+          </a:p>
+        </p:txBody>
+      </p:sp>
+    </p:spTree>
+    <p:extLst>
+      <p:ext uri="{BB962C8B-B14F-4D97-AF65-F5344CB8AC3E}">
+        <p14:creationId xmlns:p14="http://schemas.microsoft.com/office/powerpoint/2010/main" val="2060644441"/>
+      </p:ext>
+    </p:extLst>
+  </p:cSld>
+  <p:clrMapOvr>
+    <a:masterClrMapping/>
+  </p:clrMapOvr>
+</p:sld>
+</file>
+
+<file path=ppt/slides/slide12.xml><?xml version="1.0" encoding="utf-8"?>
+<p:sld xmlns:a="http://schemas.openxmlformats.org/drawingml/2006/main" xmlns:r="http://schemas.openxmlformats.org/officeDocument/2006/relationships" xmlns:p="http://schemas.openxmlformats.org/presentationml/2006/main">
+  <p:cSld>
+    <p:spTree>
+      <p:nvGrpSpPr>
+        <p:cNvPr id="1" name=""/>
+        <p:cNvGrpSpPr/>
+        <p:nvPr/>
+      </p:nvGrpSpPr>
+      <p:grpSpPr>
+        <a:xfrm>
+          <a:off x="0" y="0"/>
+          <a:ext cx="0" cy="0"/>
+          <a:chOff x="0" y="0"/>
+          <a:chExt cx="0" cy="0"/>
+        </a:xfrm>
+      </p:grpSpPr>
+      <p:sp>
+        <p:nvSpPr>
+          <p:cNvPr id="12" name="TextBox 11"/>
+          <p:cNvSpPr txBox="1"/>
+          <p:nvPr/>
+        </p:nvSpPr>
+        <p:spPr>
+          <a:xfrm>
+            <a:off x="455532" y="498947"/>
+            <a:ext cx="614271" cy="461665"/>
+          </a:xfrm>
+          <a:prstGeom prst="rect">
+            <a:avLst/>
+          </a:prstGeom>
+          <a:noFill/>
+        </p:spPr>
+        <p:txBody>
+          <a:bodyPr wrap="square" rtlCol="0">
+            <a:spAutoFit/>
+          </a:bodyPr>
+          <a:lstStyle/>
+          <a:p>
+            <a:pPr algn="ctr"/>
+            <a:r>
+              <a:rPr lang="en-US" altLang="ko-KR" sz="2400" spc="-150" smtClean="0">
+                <a:solidFill>
+                  <a:srgbClr val="00002F"/>
+                </a:solidFill>
+                <a:latin typeface="나눔스퀘어 ExtraBold" panose="020B0600000101010101" pitchFamily="50" charset="-127"/>
+                <a:ea typeface="나눔스퀘어 ExtraBold" panose="020B0600000101010101" pitchFamily="50" charset="-127"/>
+              </a:rPr>
+              <a:t>02.</a:t>
+            </a:r>
+            <a:endParaRPr lang="ko-KR" altLang="en-US" sz="2400" spc="-150" dirty="0">
+              <a:solidFill>
+                <a:srgbClr val="00002F"/>
+              </a:solidFill>
+              <a:latin typeface="나눔스퀘어 ExtraBold" panose="020B0600000101010101" pitchFamily="50" charset="-127"/>
+              <a:ea typeface="나눔스퀘어 ExtraBold" panose="020B0600000101010101" pitchFamily="50" charset="-127"/>
+            </a:endParaRPr>
+          </a:p>
+        </p:txBody>
+      </p:sp>
+      <p:sp>
+        <p:nvSpPr>
+          <p:cNvPr id="36" name="TextBox 35">
+            <a:extLst>
+              <a:ext uri="{FF2B5EF4-FFF2-40B4-BE49-F238E27FC236}">
+                <a16:creationId xmlns:a16="http://schemas.microsoft.com/office/drawing/2014/main" id="{76BF0B6A-32FF-436D-83C4-AB1F31C134F8}"/>
+              </a:ext>
+            </a:extLst>
+          </p:cNvPr>
+          <p:cNvSpPr txBox="1"/>
+          <p:nvPr/>
+        </p:nvSpPr>
+        <p:spPr>
+          <a:xfrm>
+            <a:off x="1119982" y="1075034"/>
+            <a:ext cx="2596341" cy="307777"/>
+          </a:xfrm>
+          <a:prstGeom prst="rect">
+            <a:avLst/>
+          </a:prstGeom>
+          <a:noFill/>
+        </p:spPr>
+        <p:txBody>
+          <a:bodyPr wrap="square" rtlCol="0">
+            <a:spAutoFit/>
+          </a:bodyPr>
+          <a:lstStyle/>
+          <a:p>
+            <a:r>
+              <a:rPr lang="en-US" altLang="ko-KR" sz="1400" spc="-100" smtClean="0">
+                <a:ln>
+                  <a:solidFill>
+                    <a:schemeClr val="bg1">
+                      <a:lumMod val="65000"/>
+                      <a:alpha val="0"/>
+                    </a:schemeClr>
+                  </a:solidFill>
+                </a:ln>
+                <a:latin typeface="나눔스퀘어 ExtraBold" panose="020B0600000101010101" pitchFamily="50" charset="-127"/>
+                <a:ea typeface="나눔스퀘어 ExtraBold" panose="020B0600000101010101" pitchFamily="50" charset="-127"/>
+              </a:rPr>
+              <a:t>Exercise</a:t>
+            </a:r>
+            <a:endParaRPr lang="ko-KR" altLang="en-US" sz="1400" spc="-100" dirty="0">
+              <a:ln>
+                <a:solidFill>
+                  <a:schemeClr val="bg1">
+                    <a:lumMod val="65000"/>
+                    <a:alpha val="0"/>
+                  </a:schemeClr>
+                </a:solidFill>
+              </a:ln>
+              <a:latin typeface="나눔스퀘어 ExtraBold" panose="020B0600000101010101" pitchFamily="50" charset="-127"/>
+              <a:ea typeface="나눔스퀘어 ExtraBold" panose="020B0600000101010101" pitchFamily="50" charset="-127"/>
+            </a:endParaRPr>
+          </a:p>
+        </p:txBody>
+      </p:sp>
+      <p:sp>
+        <p:nvSpPr>
+          <p:cNvPr id="9" name="TextBox 8"/>
+          <p:cNvSpPr txBox="1"/>
+          <p:nvPr/>
+        </p:nvSpPr>
+        <p:spPr>
+          <a:xfrm>
+            <a:off x="1088238" y="437393"/>
+            <a:ext cx="5396382" cy="584775"/>
+          </a:xfrm>
+          <a:prstGeom prst="rect">
+            <a:avLst/>
+          </a:prstGeom>
+          <a:noFill/>
+        </p:spPr>
+        <p:txBody>
+          <a:bodyPr wrap="square" rtlCol="0">
+            <a:spAutoFit/>
+          </a:bodyPr>
+          <a:lstStyle/>
+          <a:p>
+            <a:r>
+              <a:rPr lang="en-US" altLang="ko-KR" sz="3200" spc="-150" smtClean="0">
+                <a:solidFill>
+                  <a:srgbClr val="00002F"/>
+                </a:solidFill>
+                <a:latin typeface="나눔스퀘어 ExtraBold" panose="020B0600000101010101" pitchFamily="50" charset="-127"/>
+                <a:ea typeface="나눔스퀘어 ExtraBold" panose="020B0600000101010101" pitchFamily="50" charset="-127"/>
+              </a:rPr>
+              <a:t>Mlflow Tracking</a:t>
+            </a:r>
+            <a:endParaRPr lang="en-US" altLang="ko-KR" sz="3200" spc="-150">
+              <a:solidFill>
+                <a:srgbClr val="00002F"/>
+              </a:solidFill>
+              <a:latin typeface="나눔스퀘어 ExtraBold" panose="020B0600000101010101" pitchFamily="50" charset="-127"/>
+              <a:ea typeface="나눔스퀘어 ExtraBold" panose="020B0600000101010101" pitchFamily="50" charset="-127"/>
+            </a:endParaRPr>
+          </a:p>
+        </p:txBody>
+      </p:sp>
+      <p:pic>
+        <p:nvPicPr>
+          <p:cNvPr id="5" name="그림 4"/>
+          <p:cNvPicPr>
+            <a:picLocks noChangeAspect="1"/>
+          </p:cNvPicPr>
+          <p:nvPr/>
+        </p:nvPicPr>
+        <p:blipFill>
+          <a:blip r:embed="rId2"/>
+          <a:stretch>
+            <a:fillRect/>
+          </a:stretch>
+        </p:blipFill>
+        <p:spPr>
+          <a:xfrm>
+            <a:off x="3373038" y="1643257"/>
+            <a:ext cx="5445924" cy="4100545"/>
+          </a:xfrm>
+          <a:prstGeom prst="rect">
+            <a:avLst/>
+          </a:prstGeom>
+        </p:spPr>
+      </p:pic>
+      <p:sp>
+        <p:nvSpPr>
+          <p:cNvPr id="6" name="TextBox 5">
+            <a:extLst>
+              <a:ext uri="{FF2B5EF4-FFF2-40B4-BE49-F238E27FC236}">
+                <a16:creationId xmlns:a16="http://schemas.microsoft.com/office/drawing/2014/main" id="{C40C17C7-6436-43BB-AB8B-1F1856BAF096}"/>
+              </a:ext>
+            </a:extLst>
+          </p:cNvPr>
+          <p:cNvSpPr txBox="1"/>
+          <p:nvPr/>
+        </p:nvSpPr>
+        <p:spPr>
+          <a:xfrm>
+            <a:off x="2518969" y="5946049"/>
+            <a:ext cx="7154062" cy="411972"/>
+          </a:xfrm>
+          <a:prstGeom prst="rect">
+            <a:avLst/>
+          </a:prstGeom>
+          <a:noFill/>
+        </p:spPr>
+        <p:txBody>
+          <a:bodyPr wrap="square" rtlCol="0" anchor="ctr">
+            <a:spAutoFit/>
+          </a:bodyPr>
+          <a:lstStyle/>
+          <a:p>
+            <a:pPr marL="171450" indent="-171450" algn="ctr">
+              <a:lnSpc>
+                <a:spcPct val="200000"/>
+              </a:lnSpc>
+              <a:buFont typeface="Arial" panose="020B0604020202020204" pitchFamily="34" charset="0"/>
+              <a:buChar char="•"/>
+            </a:pPr>
+            <a:r>
+              <a:rPr lang="ko-KR" altLang="en-US" sz="1200" spc="-103" smtClean="0">
+                <a:ln>
+                  <a:solidFill>
+                    <a:schemeClr val="bg1">
+                      <a:lumMod val="85000"/>
+                      <a:alpha val="0"/>
+                    </a:schemeClr>
+                  </a:solidFill>
+                </a:ln>
+                <a:latin typeface="나눔스퀘어 Bold" panose="020B0600000101010101" pitchFamily="50" charset="-127"/>
+                <a:ea typeface="나눔스퀘어 Bold" panose="020B0600000101010101" pitchFamily="50" charset="-127"/>
+              </a:rPr>
+              <a:t>타이타닉 데이터를 사용한 </a:t>
+            </a:r>
+            <a:r>
+              <a:rPr lang="en-US" altLang="ko-KR" sz="1200" spc="-103" smtClean="0">
+                <a:ln>
+                  <a:solidFill>
+                    <a:schemeClr val="bg1">
+                      <a:lumMod val="85000"/>
+                      <a:alpha val="0"/>
+                    </a:schemeClr>
+                  </a:solidFill>
+                </a:ln>
+                <a:latin typeface="나눔스퀘어 Bold" panose="020B0600000101010101" pitchFamily="50" charset="-127"/>
+                <a:ea typeface="나눔스퀘어 Bold" panose="020B0600000101010101" pitchFamily="50" charset="-127"/>
+              </a:rPr>
+              <a:t>ML </a:t>
+            </a:r>
+            <a:r>
+              <a:rPr lang="ko-KR" altLang="en-US" sz="1200" spc="-103" smtClean="0">
+                <a:ln>
+                  <a:solidFill>
+                    <a:schemeClr val="bg1">
+                      <a:lumMod val="85000"/>
+                      <a:alpha val="0"/>
+                    </a:schemeClr>
+                  </a:solidFill>
+                </a:ln>
+                <a:latin typeface="나눔스퀘어 Bold" panose="020B0600000101010101" pitchFamily="50" charset="-127"/>
+                <a:ea typeface="나눔스퀘어 Bold" panose="020B0600000101010101" pitchFamily="50" charset="-127"/>
+              </a:rPr>
+              <a:t>모델 실험에 </a:t>
+            </a:r>
+            <a:r>
+              <a:rPr lang="en-US" altLang="ko-KR" sz="1200" spc="-103" smtClean="0">
+                <a:ln>
+                  <a:solidFill>
+                    <a:schemeClr val="bg1">
+                      <a:lumMod val="85000"/>
+                      <a:alpha val="0"/>
+                    </a:schemeClr>
+                  </a:solidFill>
+                </a:ln>
+                <a:latin typeface="나눔스퀘어 Bold" panose="020B0600000101010101" pitchFamily="50" charset="-127"/>
+                <a:ea typeface="나눔스퀘어 Bold" panose="020B0600000101010101" pitchFamily="50" charset="-127"/>
+              </a:rPr>
+              <a:t>logging</a:t>
+            </a:r>
+            <a:r>
+              <a:rPr lang="ko-KR" altLang="en-US" sz="1200" spc="-103" smtClean="0">
+                <a:ln>
+                  <a:solidFill>
+                    <a:schemeClr val="bg1">
+                      <a:lumMod val="85000"/>
+                      <a:alpha val="0"/>
+                    </a:schemeClr>
+                  </a:solidFill>
+                </a:ln>
+                <a:latin typeface="나눔스퀘어 Bold" panose="020B0600000101010101" pitchFamily="50" charset="-127"/>
+                <a:ea typeface="나눔스퀘어 Bold" panose="020B0600000101010101" pitchFamily="50" charset="-127"/>
+              </a:rPr>
+              <a:t>을 해보자</a:t>
+            </a:r>
+            <a:r>
+              <a:rPr lang="en-US" altLang="ko-KR" sz="1200" spc="-103" smtClean="0">
+                <a:ln>
+                  <a:solidFill>
+                    <a:schemeClr val="bg1">
+                      <a:lumMod val="85000"/>
+                      <a:alpha val="0"/>
+                    </a:schemeClr>
+                  </a:solidFill>
+                </a:ln>
+                <a:latin typeface="나눔스퀘어 Bold" panose="020B0600000101010101" pitchFamily="50" charset="-127"/>
+                <a:ea typeface="나눔스퀘어 Bold" panose="020B0600000101010101" pitchFamily="50" charset="-127"/>
+              </a:rPr>
+              <a:t>.</a:t>
+            </a:r>
+          </a:p>
+        </p:txBody>
+      </p:sp>
+    </p:spTree>
+    <p:extLst>
+      <p:ext uri="{BB962C8B-B14F-4D97-AF65-F5344CB8AC3E}">
+        <p14:creationId xmlns:p14="http://schemas.microsoft.com/office/powerpoint/2010/main" val="3243341211"/>
+      </p:ext>
+    </p:extLst>
+  </p:cSld>
+  <p:clrMapOvr>
+    <a:masterClrMapping/>
+  </p:clrMapOvr>
+</p:sld>
+</file>
+
+<file path=ppt/slides/slide13.xml><?xml version="1.0" encoding="utf-8"?>
+<p:sld xmlns:a="http://schemas.openxmlformats.org/drawingml/2006/main" xmlns:r="http://schemas.openxmlformats.org/officeDocument/2006/relationships" xmlns:p="http://schemas.openxmlformats.org/presentationml/2006/main">
+  <p:cSld>
+    <p:spTree>
+      <p:nvGrpSpPr>
+        <p:cNvPr id="1" name=""/>
+        <p:cNvGrpSpPr/>
+        <p:nvPr/>
+      </p:nvGrpSpPr>
+      <p:grpSpPr>
+        <a:xfrm>
+          <a:off x="0" y="0"/>
+          <a:ext cx="0" cy="0"/>
+          <a:chOff x="0" y="0"/>
+          <a:chExt cx="0" cy="0"/>
+        </a:xfrm>
+      </p:grpSpPr>
+      <p:sp>
+        <p:nvSpPr>
+          <p:cNvPr id="12" name="TextBox 11"/>
+          <p:cNvSpPr txBox="1"/>
+          <p:nvPr/>
+        </p:nvSpPr>
+        <p:spPr>
+          <a:xfrm>
+            <a:off x="455532" y="498947"/>
+            <a:ext cx="614271" cy="461665"/>
+          </a:xfrm>
+          <a:prstGeom prst="rect">
+            <a:avLst/>
+          </a:prstGeom>
+          <a:noFill/>
+        </p:spPr>
+        <p:txBody>
+          <a:bodyPr wrap="square" rtlCol="0">
+            <a:spAutoFit/>
+          </a:bodyPr>
+          <a:lstStyle/>
+          <a:p>
+            <a:pPr algn="ctr"/>
+            <a:r>
+              <a:rPr lang="en-US" altLang="ko-KR" sz="2400" spc="-150" smtClean="0">
+                <a:solidFill>
+                  <a:srgbClr val="00002F"/>
+                </a:solidFill>
+                <a:latin typeface="나눔스퀘어 ExtraBold" panose="020B0600000101010101" pitchFamily="50" charset="-127"/>
+                <a:ea typeface="나눔스퀘어 ExtraBold" panose="020B0600000101010101" pitchFamily="50" charset="-127"/>
+              </a:rPr>
+              <a:t>03.</a:t>
+            </a:r>
+            <a:endParaRPr lang="ko-KR" altLang="en-US" sz="2400" spc="-150" dirty="0">
+              <a:solidFill>
+                <a:srgbClr val="00002F"/>
+              </a:solidFill>
+              <a:latin typeface="나눔스퀘어 ExtraBold" panose="020B0600000101010101" pitchFamily="50" charset="-127"/>
+              <a:ea typeface="나눔스퀘어 ExtraBold" panose="020B0600000101010101" pitchFamily="50" charset="-127"/>
+            </a:endParaRPr>
+          </a:p>
+        </p:txBody>
+      </p:sp>
+      <p:sp>
+        <p:nvSpPr>
+          <p:cNvPr id="36" name="TextBox 35">
+            <a:extLst>
+              <a:ext uri="{FF2B5EF4-FFF2-40B4-BE49-F238E27FC236}">
+                <a16:creationId xmlns:a16="http://schemas.microsoft.com/office/drawing/2014/main" id="{76BF0B6A-32FF-436D-83C4-AB1F31C134F8}"/>
+              </a:ext>
+            </a:extLst>
+          </p:cNvPr>
+          <p:cNvSpPr txBox="1"/>
+          <p:nvPr/>
+        </p:nvSpPr>
+        <p:spPr>
+          <a:xfrm>
+            <a:off x="1119982" y="1075034"/>
+            <a:ext cx="2596341" cy="523220"/>
+          </a:xfrm>
+          <a:prstGeom prst="rect">
+            <a:avLst/>
+          </a:prstGeom>
+          <a:noFill/>
+        </p:spPr>
+        <p:txBody>
+          <a:bodyPr wrap="square" rtlCol="0">
+            <a:spAutoFit/>
+          </a:bodyPr>
+          <a:lstStyle/>
+          <a:p>
+            <a:r>
+              <a:rPr lang="en-US" altLang="ko-KR" sz="1400" spc="-100">
+                <a:ln>
+                  <a:solidFill>
+                    <a:schemeClr val="bg1">
+                      <a:lumMod val="65000"/>
+                      <a:alpha val="0"/>
+                    </a:schemeClr>
+                  </a:solidFill>
+                </a:ln>
+                <a:latin typeface="나눔스퀘어 ExtraBold" panose="020B0600000101010101" pitchFamily="50" charset="-127"/>
+                <a:ea typeface="나눔스퀘어 ExtraBold" panose="020B0600000101010101" pitchFamily="50" charset="-127"/>
+              </a:rPr>
+              <a:t>Exercise</a:t>
+            </a:r>
+            <a:endParaRPr lang="ko-KR" altLang="en-US" sz="1400" spc="-100">
+              <a:ln>
+                <a:solidFill>
+                  <a:schemeClr val="bg1">
+                    <a:lumMod val="65000"/>
+                    <a:alpha val="0"/>
+                  </a:schemeClr>
+                </a:solidFill>
+              </a:ln>
+              <a:latin typeface="나눔스퀘어 ExtraBold" panose="020B0600000101010101" pitchFamily="50" charset="-127"/>
+              <a:ea typeface="나눔스퀘어 ExtraBold" panose="020B0600000101010101" pitchFamily="50" charset="-127"/>
+            </a:endParaRPr>
+          </a:p>
+          <a:p>
+            <a:endParaRPr lang="ko-KR" altLang="en-US" sz="1400" spc="-100" dirty="0">
+              <a:ln>
+                <a:solidFill>
+                  <a:schemeClr val="bg1">
+                    <a:lumMod val="65000"/>
+                    <a:alpha val="0"/>
+                  </a:schemeClr>
+                </a:solidFill>
+              </a:ln>
+              <a:latin typeface="나눔스퀘어 ExtraBold" panose="020B0600000101010101" pitchFamily="50" charset="-127"/>
+              <a:ea typeface="나눔스퀘어 ExtraBold" panose="020B0600000101010101" pitchFamily="50" charset="-127"/>
+            </a:endParaRPr>
+          </a:p>
+        </p:txBody>
+      </p:sp>
+      <p:sp>
+        <p:nvSpPr>
+          <p:cNvPr id="9" name="TextBox 8"/>
+          <p:cNvSpPr txBox="1"/>
+          <p:nvPr/>
+        </p:nvSpPr>
+        <p:spPr>
+          <a:xfrm>
+            <a:off x="1088238" y="437393"/>
+            <a:ext cx="5396382" cy="584775"/>
+          </a:xfrm>
+          <a:prstGeom prst="rect">
+            <a:avLst/>
+          </a:prstGeom>
+          <a:noFill/>
+        </p:spPr>
+        <p:txBody>
+          <a:bodyPr wrap="square" rtlCol="0">
+            <a:spAutoFit/>
+          </a:bodyPr>
+          <a:lstStyle/>
+          <a:p>
+            <a:r>
+              <a:rPr lang="en-US" altLang="ko-KR" sz="3200" spc="-150" smtClean="0">
+                <a:solidFill>
+                  <a:srgbClr val="00002F"/>
+                </a:solidFill>
+                <a:latin typeface="나눔스퀘어 ExtraBold" panose="020B0600000101010101" pitchFamily="50" charset="-127"/>
+                <a:ea typeface="나눔스퀘어 ExtraBold" panose="020B0600000101010101" pitchFamily="50" charset="-127"/>
+              </a:rPr>
+              <a:t>Mlflow Tracking</a:t>
+            </a:r>
+            <a:endParaRPr lang="en-US" altLang="ko-KR" sz="3200" spc="-150">
+              <a:solidFill>
+                <a:srgbClr val="00002F"/>
+              </a:solidFill>
+              <a:latin typeface="나눔스퀘어 ExtraBold" panose="020B0600000101010101" pitchFamily="50" charset="-127"/>
+              <a:ea typeface="나눔스퀘어 ExtraBold" panose="020B0600000101010101" pitchFamily="50" charset="-127"/>
+            </a:endParaRPr>
+          </a:p>
+        </p:txBody>
+      </p:sp>
+      <p:sp>
+        <p:nvSpPr>
+          <p:cNvPr id="6" name="TextBox 5">
+            <a:extLst>
+              <a:ext uri="{FF2B5EF4-FFF2-40B4-BE49-F238E27FC236}">
+                <a16:creationId xmlns:a16="http://schemas.microsoft.com/office/drawing/2014/main" id="{C40C17C7-6436-43BB-AB8B-1F1856BAF096}"/>
+              </a:ext>
+            </a:extLst>
+          </p:cNvPr>
+          <p:cNvSpPr txBox="1"/>
+          <p:nvPr/>
+        </p:nvSpPr>
+        <p:spPr>
+          <a:xfrm>
+            <a:off x="2518969" y="5987612"/>
+            <a:ext cx="7154062" cy="411972"/>
+          </a:xfrm>
+          <a:prstGeom prst="rect">
+            <a:avLst/>
+          </a:prstGeom>
+          <a:noFill/>
+        </p:spPr>
+        <p:txBody>
+          <a:bodyPr wrap="square" rtlCol="0" anchor="ctr">
+            <a:spAutoFit/>
+          </a:bodyPr>
+          <a:lstStyle/>
+          <a:p>
+            <a:pPr marL="171450" indent="-171450" algn="ctr">
+              <a:lnSpc>
+                <a:spcPct val="200000"/>
+              </a:lnSpc>
+              <a:buFont typeface="Arial" panose="020B0604020202020204" pitchFamily="34" charset="0"/>
+              <a:buChar char="•"/>
+            </a:pPr>
+            <a:r>
+              <a:rPr lang="ko-KR" altLang="en-US" sz="1200" spc="-103" smtClean="0">
+                <a:ln>
+                  <a:solidFill>
+                    <a:schemeClr val="bg1">
+                      <a:lumMod val="85000"/>
+                      <a:alpha val="0"/>
+                    </a:schemeClr>
+                  </a:solidFill>
+                </a:ln>
+                <a:latin typeface="나눔스퀘어 Bold" panose="020B0600000101010101" pitchFamily="50" charset="-127"/>
+                <a:ea typeface="나눔스퀘어 Bold" panose="020B0600000101010101" pitchFamily="50" charset="-127"/>
+              </a:rPr>
+              <a:t>영화 리뷰 긍부정 분류하는 </a:t>
+            </a:r>
+            <a:r>
+              <a:rPr lang="en-US" altLang="ko-KR" sz="1200" spc="-103" smtClean="0">
+                <a:ln>
+                  <a:solidFill>
+                    <a:schemeClr val="bg1">
+                      <a:lumMod val="85000"/>
+                      <a:alpha val="0"/>
+                    </a:schemeClr>
+                  </a:solidFill>
+                </a:ln>
+                <a:latin typeface="나눔스퀘어 Bold" panose="020B0600000101010101" pitchFamily="50" charset="-127"/>
+                <a:ea typeface="나눔스퀘어 Bold" panose="020B0600000101010101" pitchFamily="50" charset="-127"/>
+              </a:rPr>
+              <a:t>DL </a:t>
+            </a:r>
+            <a:r>
+              <a:rPr lang="ko-KR" altLang="en-US" sz="1200" spc="-103" smtClean="0">
+                <a:ln>
+                  <a:solidFill>
+                    <a:schemeClr val="bg1">
+                      <a:lumMod val="85000"/>
+                      <a:alpha val="0"/>
+                    </a:schemeClr>
+                  </a:solidFill>
+                </a:ln>
+                <a:latin typeface="나눔스퀘어 Bold" panose="020B0600000101010101" pitchFamily="50" charset="-127"/>
+                <a:ea typeface="나눔스퀘어 Bold" panose="020B0600000101010101" pitchFamily="50" charset="-127"/>
+              </a:rPr>
+              <a:t>모델에 로깅을 해보자</a:t>
+            </a:r>
+            <a:r>
+              <a:rPr lang="en-US" altLang="ko-KR" sz="1200" spc="-103" smtClean="0">
+                <a:ln>
+                  <a:solidFill>
+                    <a:schemeClr val="bg1">
+                      <a:lumMod val="85000"/>
+                      <a:alpha val="0"/>
+                    </a:schemeClr>
+                  </a:solidFill>
+                </a:ln>
+                <a:latin typeface="나눔스퀘어 Bold" panose="020B0600000101010101" pitchFamily="50" charset="-127"/>
+                <a:ea typeface="나눔스퀘어 Bold" panose="020B0600000101010101" pitchFamily="50" charset="-127"/>
+              </a:rPr>
+              <a:t>.</a:t>
+            </a:r>
+          </a:p>
+        </p:txBody>
+      </p:sp>
+      <p:pic>
+        <p:nvPicPr>
+          <p:cNvPr id="2" name="그림 1"/>
+          <p:cNvPicPr>
+            <a:picLocks noChangeAspect="1"/>
+          </p:cNvPicPr>
+          <p:nvPr/>
+        </p:nvPicPr>
+        <p:blipFill>
+          <a:blip r:embed="rId2"/>
+          <a:stretch>
+            <a:fillRect/>
+          </a:stretch>
+        </p:blipFill>
+        <p:spPr>
+          <a:xfrm>
+            <a:off x="2830138" y="1822811"/>
+            <a:ext cx="6531725" cy="3877399"/>
+          </a:xfrm>
+          <a:prstGeom prst="rect">
+            <a:avLst/>
+          </a:prstGeom>
+        </p:spPr>
+      </p:pic>
+    </p:spTree>
+    <p:extLst>
+      <p:ext uri="{BB962C8B-B14F-4D97-AF65-F5344CB8AC3E}">
+        <p14:creationId xmlns:p14="http://schemas.microsoft.com/office/powerpoint/2010/main" val="3248689033"/>
+      </p:ext>
+    </p:extLst>
+  </p:cSld>
+  <p:clrMapOvr>
+    <a:masterClrMapping/>
+  </p:clrMapOvr>
+</p:sld>
+</file>
+
+<file path=ppt/slides/slide14.xml><?xml version="1.0" encoding="utf-8"?>
+<p:sld xmlns:a="http://schemas.openxmlformats.org/drawingml/2006/main" xmlns:r="http://schemas.openxmlformats.org/officeDocument/2006/relationships" xmlns:p="http://schemas.openxmlformats.org/presentationml/2006/main">
+  <p:cSld>
+    <p:spTree>
+      <p:nvGrpSpPr>
+        <p:cNvPr id="1" name=""/>
+        <p:cNvGrpSpPr/>
+        <p:nvPr/>
+      </p:nvGrpSpPr>
+      <p:grpSpPr>
+        <a:xfrm>
+          <a:off x="0" y="0"/>
+          <a:ext cx="0" cy="0"/>
+          <a:chOff x="0" y="0"/>
+          <a:chExt cx="0" cy="0"/>
+        </a:xfrm>
+      </p:grpSpPr>
+      <p:sp>
+        <p:nvSpPr>
+          <p:cNvPr id="12" name="TextBox 11"/>
+          <p:cNvSpPr txBox="1"/>
+          <p:nvPr/>
+        </p:nvSpPr>
+        <p:spPr>
+          <a:xfrm>
+            <a:off x="455532" y="498947"/>
+            <a:ext cx="614271" cy="461665"/>
+          </a:xfrm>
+          <a:prstGeom prst="rect">
+            <a:avLst/>
+          </a:prstGeom>
+          <a:noFill/>
+        </p:spPr>
+        <p:txBody>
+          <a:bodyPr wrap="square" rtlCol="0">
+            <a:spAutoFit/>
+          </a:bodyPr>
+          <a:lstStyle/>
+          <a:p>
+            <a:pPr algn="ctr"/>
+            <a:r>
+              <a:rPr lang="en-US" altLang="ko-KR" sz="2400" spc="-150" smtClean="0">
+                <a:solidFill>
+                  <a:srgbClr val="00002F"/>
+                </a:solidFill>
+                <a:latin typeface="나눔스퀘어 ExtraBold" panose="020B0600000101010101" pitchFamily="50" charset="-127"/>
+                <a:ea typeface="나눔스퀘어 ExtraBold" panose="020B0600000101010101" pitchFamily="50" charset="-127"/>
+              </a:rPr>
+              <a:t>03.</a:t>
+            </a:r>
+            <a:endParaRPr lang="ko-KR" altLang="en-US" sz="2400" spc="-150" dirty="0">
+              <a:solidFill>
+                <a:srgbClr val="00002F"/>
+              </a:solidFill>
+              <a:latin typeface="나눔스퀘어 ExtraBold" panose="020B0600000101010101" pitchFamily="50" charset="-127"/>
+              <a:ea typeface="나눔스퀘어 ExtraBold" panose="020B0600000101010101" pitchFamily="50" charset="-127"/>
+            </a:endParaRPr>
+          </a:p>
+        </p:txBody>
+      </p:sp>
+      <p:sp>
+        <p:nvSpPr>
+          <p:cNvPr id="36" name="TextBox 35">
+            <a:extLst>
+              <a:ext uri="{FF2B5EF4-FFF2-40B4-BE49-F238E27FC236}">
+                <a16:creationId xmlns:a16="http://schemas.microsoft.com/office/drawing/2014/main" id="{76BF0B6A-32FF-436D-83C4-AB1F31C134F8}"/>
+              </a:ext>
+            </a:extLst>
+          </p:cNvPr>
+          <p:cNvSpPr txBox="1"/>
+          <p:nvPr/>
+        </p:nvSpPr>
+        <p:spPr>
+          <a:xfrm>
+            <a:off x="1119982" y="1075034"/>
+            <a:ext cx="2596341" cy="307777"/>
+          </a:xfrm>
+          <a:prstGeom prst="rect">
+            <a:avLst/>
+          </a:prstGeom>
+          <a:noFill/>
+        </p:spPr>
+        <p:txBody>
+          <a:bodyPr wrap="square" rtlCol="0">
+            <a:spAutoFit/>
+          </a:bodyPr>
+          <a:lstStyle/>
+          <a:p>
+            <a:r>
+              <a:rPr lang="en-US" altLang="ko-KR" sz="1400" spc="-100" smtClean="0">
+                <a:ln>
+                  <a:solidFill>
+                    <a:schemeClr val="bg1">
+                      <a:lumMod val="65000"/>
+                      <a:alpha val="0"/>
+                    </a:schemeClr>
+                  </a:solidFill>
+                </a:ln>
+                <a:latin typeface="나눔스퀘어 ExtraBold" panose="020B0600000101010101" pitchFamily="50" charset="-127"/>
+                <a:ea typeface="나눔스퀘어 ExtraBold" panose="020B0600000101010101" pitchFamily="50" charset="-127"/>
+              </a:rPr>
+              <a:t>Needs</a:t>
+            </a:r>
+            <a:endParaRPr lang="ko-KR" altLang="en-US" sz="1400" spc="-100" dirty="0">
+              <a:ln>
+                <a:solidFill>
+                  <a:schemeClr val="bg1">
+                    <a:lumMod val="65000"/>
+                    <a:alpha val="0"/>
+                  </a:schemeClr>
+                </a:solidFill>
+              </a:ln>
+              <a:latin typeface="나눔스퀘어 ExtraBold" panose="020B0600000101010101" pitchFamily="50" charset="-127"/>
+              <a:ea typeface="나눔스퀘어 ExtraBold" panose="020B0600000101010101" pitchFamily="50" charset="-127"/>
+            </a:endParaRPr>
+          </a:p>
+        </p:txBody>
+      </p:sp>
+      <p:sp>
+        <p:nvSpPr>
+          <p:cNvPr id="9" name="TextBox 8"/>
+          <p:cNvSpPr txBox="1"/>
+          <p:nvPr/>
+        </p:nvSpPr>
+        <p:spPr>
+          <a:xfrm>
+            <a:off x="1088238" y="437393"/>
+            <a:ext cx="5396382" cy="584775"/>
+          </a:xfrm>
+          <a:prstGeom prst="rect">
+            <a:avLst/>
+          </a:prstGeom>
+          <a:noFill/>
+        </p:spPr>
+        <p:txBody>
+          <a:bodyPr wrap="square" rtlCol="0">
+            <a:spAutoFit/>
+          </a:bodyPr>
+          <a:lstStyle/>
+          <a:p>
+            <a:r>
+              <a:rPr lang="en-US" altLang="ko-KR" sz="3200" spc="-150" smtClean="0">
+                <a:solidFill>
+                  <a:srgbClr val="00002F"/>
+                </a:solidFill>
+                <a:latin typeface="나눔스퀘어 ExtraBold" panose="020B0600000101010101" pitchFamily="50" charset="-127"/>
+                <a:ea typeface="나눔스퀘어 ExtraBold" panose="020B0600000101010101" pitchFamily="50" charset="-127"/>
+              </a:rPr>
+              <a:t>Mlflow Registry</a:t>
+            </a:r>
+            <a:endParaRPr lang="en-US" altLang="ko-KR" sz="3200" spc="-150">
+              <a:solidFill>
+                <a:srgbClr val="00002F"/>
+              </a:solidFill>
+              <a:latin typeface="나눔스퀘어 ExtraBold" panose="020B0600000101010101" pitchFamily="50" charset="-127"/>
+              <a:ea typeface="나눔스퀘어 ExtraBold" panose="020B0600000101010101" pitchFamily="50" charset="-127"/>
+            </a:endParaRPr>
+          </a:p>
+        </p:txBody>
+      </p:sp>
+      <p:sp>
+        <p:nvSpPr>
+          <p:cNvPr id="6" name="TextBox 5">
+            <a:extLst>
+              <a:ext uri="{FF2B5EF4-FFF2-40B4-BE49-F238E27FC236}">
+                <a16:creationId xmlns:a16="http://schemas.microsoft.com/office/drawing/2014/main" id="{C40C17C7-6436-43BB-AB8B-1F1856BAF096}"/>
+              </a:ext>
+            </a:extLst>
+          </p:cNvPr>
+          <p:cNvSpPr txBox="1"/>
+          <p:nvPr/>
+        </p:nvSpPr>
+        <p:spPr>
+          <a:xfrm>
+            <a:off x="3689572" y="2876927"/>
+            <a:ext cx="4812856" cy="1569660"/>
+          </a:xfrm>
+          <a:prstGeom prst="rect">
+            <a:avLst/>
+          </a:prstGeom>
+          <a:noFill/>
+        </p:spPr>
+        <p:txBody>
+          <a:bodyPr wrap="square" rtlCol="0" anchor="ctr">
+            <a:spAutoFit/>
+          </a:bodyPr>
+          <a:lstStyle/>
+          <a:p>
+            <a:pPr marL="171450" indent="-171450">
+              <a:lnSpc>
+                <a:spcPct val="200000"/>
+              </a:lnSpc>
+              <a:buFont typeface="Arial" panose="020B0604020202020204" pitchFamily="34" charset="0"/>
+              <a:buChar char="•"/>
+            </a:pPr>
+            <a:r>
+              <a:rPr lang="ko-KR" altLang="en-US" sz="1200" spc="-103" smtClean="0">
+                <a:ln>
+                  <a:solidFill>
+                    <a:schemeClr val="bg1">
+                      <a:lumMod val="85000"/>
+                      <a:alpha val="0"/>
+                    </a:schemeClr>
+                  </a:solidFill>
+                </a:ln>
+                <a:latin typeface="나눔스퀘어 Bold" panose="020B0600000101010101" pitchFamily="50" charset="-127"/>
+                <a:ea typeface="나눔스퀘어 Bold" panose="020B0600000101010101" pitchFamily="50" charset="-127"/>
+              </a:rPr>
+              <a:t>회사에 다른 </a:t>
+            </a:r>
+            <a:r>
+              <a:rPr lang="en-US" altLang="ko-KR" sz="1200" spc="-103" smtClean="0">
+                <a:ln>
+                  <a:solidFill>
+                    <a:schemeClr val="bg1">
+                      <a:lumMod val="85000"/>
+                      <a:alpha val="0"/>
+                    </a:schemeClr>
+                  </a:solidFill>
+                </a:ln>
+                <a:latin typeface="나눔스퀘어 Bold" panose="020B0600000101010101" pitchFamily="50" charset="-127"/>
+                <a:ea typeface="나눔스퀘어 Bold" panose="020B0600000101010101" pitchFamily="50" charset="-127"/>
+              </a:rPr>
+              <a:t>3</a:t>
+            </a:r>
+            <a:r>
+              <a:rPr lang="ko-KR" altLang="en-US" sz="1200" spc="-103" smtClean="0">
+                <a:ln>
+                  <a:solidFill>
+                    <a:schemeClr val="bg1">
+                      <a:lumMod val="85000"/>
+                      <a:alpha val="0"/>
+                    </a:schemeClr>
+                  </a:solidFill>
+                </a:ln>
+                <a:latin typeface="나눔스퀘어 Bold" panose="020B0600000101010101" pitchFamily="50" charset="-127"/>
+                <a:ea typeface="나눔스퀘어 Bold" panose="020B0600000101010101" pitchFamily="50" charset="-127"/>
+              </a:rPr>
+              <a:t>명의 모델러와 같은 프로젝트에 대한 실험 결과를 공유하고 싶은데</a:t>
+            </a:r>
+            <a:r>
+              <a:rPr lang="en-US" altLang="ko-KR" sz="1200" spc="-103" smtClean="0">
+                <a:ln>
+                  <a:solidFill>
+                    <a:schemeClr val="bg1">
+                      <a:lumMod val="85000"/>
+                      <a:alpha val="0"/>
+                    </a:schemeClr>
+                  </a:solidFill>
+                </a:ln>
+                <a:latin typeface="나눔스퀘어 Bold" panose="020B0600000101010101" pitchFamily="50" charset="-127"/>
+                <a:ea typeface="나눔스퀘어 Bold" panose="020B0600000101010101" pitchFamily="50" charset="-127"/>
+              </a:rPr>
+              <a:t>..</a:t>
+            </a:r>
+          </a:p>
+          <a:p>
+            <a:pPr marL="171450" indent="-171450">
+              <a:lnSpc>
+                <a:spcPct val="200000"/>
+              </a:lnSpc>
+              <a:buFont typeface="Arial" panose="020B0604020202020204" pitchFamily="34" charset="0"/>
+              <a:buChar char="•"/>
+            </a:pPr>
+            <a:r>
+              <a:rPr lang="en-US" altLang="ko-KR" sz="1200" spc="-103" smtClean="0">
+                <a:ln>
+                  <a:solidFill>
+                    <a:schemeClr val="bg1">
+                      <a:lumMod val="85000"/>
+                      <a:alpha val="0"/>
+                    </a:schemeClr>
+                  </a:solidFill>
+                </a:ln>
+                <a:latin typeface="나눔스퀘어 Bold" panose="020B0600000101010101" pitchFamily="50" charset="-127"/>
+                <a:ea typeface="나눔스퀘어 Bold" panose="020B0600000101010101" pitchFamily="50" charset="-127"/>
+              </a:rPr>
+              <a:t>PC</a:t>
+            </a:r>
+            <a:r>
+              <a:rPr lang="ko-KR" altLang="en-US" sz="1200" spc="-103" smtClean="0">
+                <a:ln>
+                  <a:solidFill>
+                    <a:schemeClr val="bg1">
+                      <a:lumMod val="85000"/>
+                      <a:alpha val="0"/>
+                    </a:schemeClr>
+                  </a:solidFill>
+                </a:ln>
+                <a:latin typeface="나눔스퀘어 Bold" panose="020B0600000101010101" pitchFamily="50" charset="-127"/>
+                <a:ea typeface="나눔스퀘어 Bold" panose="020B0600000101010101" pitchFamily="50" charset="-127"/>
+              </a:rPr>
+              <a:t>가 서로 다르네</a:t>
+            </a:r>
+            <a:r>
+              <a:rPr lang="en-US" altLang="ko-KR" sz="1200" spc="-103" smtClean="0">
+                <a:ln>
+                  <a:solidFill>
+                    <a:schemeClr val="bg1">
+                      <a:lumMod val="85000"/>
+                      <a:alpha val="0"/>
+                    </a:schemeClr>
+                  </a:solidFill>
+                </a:ln>
+                <a:latin typeface="나눔스퀘어 Bold" panose="020B0600000101010101" pitchFamily="50" charset="-127"/>
+                <a:ea typeface="나눔스퀘어 Bold" panose="020B0600000101010101" pitchFamily="50" charset="-127"/>
+              </a:rPr>
+              <a:t>..</a:t>
+            </a:r>
+          </a:p>
+          <a:p>
+            <a:pPr marL="171450" indent="-171450">
+              <a:lnSpc>
+                <a:spcPct val="200000"/>
+              </a:lnSpc>
+              <a:buFont typeface="Arial" panose="020B0604020202020204" pitchFamily="34" charset="0"/>
+              <a:buChar char="•"/>
+            </a:pPr>
+            <a:r>
+              <a:rPr lang="ko-KR" altLang="en-US" sz="1200" spc="-103" smtClean="0">
+                <a:ln>
+                  <a:solidFill>
+                    <a:schemeClr val="bg1">
+                      <a:lumMod val="85000"/>
+                      <a:alpha val="0"/>
+                    </a:schemeClr>
+                  </a:solidFill>
+                </a:ln>
+                <a:latin typeface="나눔스퀘어 Bold" panose="020B0600000101010101" pitchFamily="50" charset="-127"/>
+                <a:ea typeface="나눔스퀘어 Bold" panose="020B0600000101010101" pitchFamily="50" charset="-127"/>
+              </a:rPr>
+              <a:t>모델 기록들을 중앙에서 관리하고 싶다</a:t>
+            </a:r>
+            <a:r>
+              <a:rPr lang="en-US" altLang="ko-KR" sz="1200" spc="-103" smtClean="0">
+                <a:ln>
+                  <a:solidFill>
+                    <a:schemeClr val="bg1">
+                      <a:lumMod val="85000"/>
+                      <a:alpha val="0"/>
+                    </a:schemeClr>
+                  </a:solidFill>
+                </a:ln>
+                <a:latin typeface="나눔스퀘어 Bold" panose="020B0600000101010101" pitchFamily="50" charset="-127"/>
+                <a:ea typeface="나눔스퀘어 Bold" panose="020B0600000101010101" pitchFamily="50" charset="-127"/>
+              </a:rPr>
+              <a:t>..</a:t>
+            </a:r>
+          </a:p>
+          <a:p>
+            <a:pPr marL="171450" indent="-171450">
+              <a:lnSpc>
+                <a:spcPct val="200000"/>
+              </a:lnSpc>
+              <a:buFont typeface="Arial" panose="020B0604020202020204" pitchFamily="34" charset="0"/>
+              <a:buChar char="•"/>
+            </a:pPr>
+            <a:r>
+              <a:rPr lang="ko-KR" altLang="en-US" sz="1200" spc="-103" smtClean="0">
+                <a:ln>
+                  <a:solidFill>
+                    <a:schemeClr val="bg1">
+                      <a:lumMod val="85000"/>
+                      <a:alpha val="0"/>
+                    </a:schemeClr>
+                  </a:solidFill>
+                </a:ln>
+                <a:latin typeface="나눔스퀘어 Bold" panose="020B0600000101010101" pitchFamily="50" charset="-127"/>
+                <a:ea typeface="나눔스퀘어 Bold" panose="020B0600000101010101" pitchFamily="50" charset="-127"/>
+              </a:rPr>
+              <a:t>여러 실험 모델 중 </a:t>
+            </a:r>
+            <a:r>
+              <a:rPr lang="en-US" altLang="ko-KR" sz="1200" spc="-103" smtClean="0">
+                <a:ln>
+                  <a:solidFill>
+                    <a:schemeClr val="bg1">
+                      <a:lumMod val="85000"/>
+                      <a:alpha val="0"/>
+                    </a:schemeClr>
+                  </a:solidFill>
+                </a:ln>
+                <a:latin typeface="나눔스퀘어 Bold" panose="020B0600000101010101" pitchFamily="50" charset="-127"/>
+                <a:ea typeface="나눔스퀘어 Bold" panose="020B0600000101010101" pitchFamily="50" charset="-127"/>
+              </a:rPr>
+              <a:t>Staging </a:t>
+            </a:r>
+            <a:r>
+              <a:rPr lang="ko-KR" altLang="en-US" sz="1200" spc="-103" smtClean="0">
+                <a:ln>
+                  <a:solidFill>
+                    <a:schemeClr val="bg1">
+                      <a:lumMod val="85000"/>
+                      <a:alpha val="0"/>
+                    </a:schemeClr>
+                  </a:solidFill>
+                </a:ln>
+                <a:latin typeface="나눔스퀘어 Bold" panose="020B0600000101010101" pitchFamily="50" charset="-127"/>
+                <a:ea typeface="나눔스퀘어 Bold" panose="020B0600000101010101" pitchFamily="50" charset="-127"/>
+              </a:rPr>
+              <a:t>중인 것과 </a:t>
+            </a:r>
+            <a:r>
+              <a:rPr lang="en-US" altLang="ko-KR" sz="1200" spc="-103" smtClean="0">
+                <a:ln>
+                  <a:solidFill>
+                    <a:schemeClr val="bg1">
+                      <a:lumMod val="85000"/>
+                      <a:alpha val="0"/>
+                    </a:schemeClr>
+                  </a:solidFill>
+                </a:ln>
+                <a:latin typeface="나눔스퀘어 Bold" panose="020B0600000101010101" pitchFamily="50" charset="-127"/>
+                <a:ea typeface="나눔스퀘어 Bold" panose="020B0600000101010101" pitchFamily="50" charset="-127"/>
+              </a:rPr>
+              <a:t>Production</a:t>
+            </a:r>
+            <a:r>
+              <a:rPr lang="ko-KR" altLang="en-US" sz="1200" spc="-103" smtClean="0">
+                <a:ln>
+                  <a:solidFill>
+                    <a:schemeClr val="bg1">
+                      <a:lumMod val="85000"/>
+                      <a:alpha val="0"/>
+                    </a:schemeClr>
+                  </a:solidFill>
+                </a:ln>
+                <a:latin typeface="나눔스퀘어 Bold" panose="020B0600000101010101" pitchFamily="50" charset="-127"/>
+                <a:ea typeface="나눔스퀘어 Bold" panose="020B0600000101010101" pitchFamily="50" charset="-127"/>
+              </a:rPr>
+              <a:t>것을 구분하고 관리하고 싶다</a:t>
+            </a:r>
+            <a:r>
+              <a:rPr lang="en-US" altLang="ko-KR" sz="1200" spc="-103" smtClean="0">
+                <a:ln>
+                  <a:solidFill>
+                    <a:schemeClr val="bg1">
+                      <a:lumMod val="85000"/>
+                      <a:alpha val="0"/>
+                    </a:schemeClr>
+                  </a:solidFill>
+                </a:ln>
+                <a:latin typeface="나눔스퀘어 Bold" panose="020B0600000101010101" pitchFamily="50" charset="-127"/>
+                <a:ea typeface="나눔스퀘어 Bold" panose="020B0600000101010101" pitchFamily="50" charset="-127"/>
+              </a:rPr>
+              <a:t>.</a:t>
+            </a:r>
+          </a:p>
+        </p:txBody>
+      </p:sp>
+    </p:spTree>
+    <p:extLst>
+      <p:ext uri="{BB962C8B-B14F-4D97-AF65-F5344CB8AC3E}">
+        <p14:creationId xmlns:p14="http://schemas.microsoft.com/office/powerpoint/2010/main" val="1265656884"/>
+      </p:ext>
+    </p:extLst>
+  </p:cSld>
+  <p:clrMapOvr>
+    <a:masterClrMapping/>
+  </p:clrMapOvr>
+</p:sld>
+</file>
+
+<file path=ppt/slides/slide15.xml><?xml version="1.0" encoding="utf-8"?>
+<p:sld xmlns:a="http://schemas.openxmlformats.org/drawingml/2006/main" xmlns:r="http://schemas.openxmlformats.org/officeDocument/2006/relationships" xmlns:p="http://schemas.openxmlformats.org/presentationml/2006/main">
+  <p:cSld>
+    <p:spTree>
+      <p:nvGrpSpPr>
+        <p:cNvPr id="1" name=""/>
+        <p:cNvGrpSpPr/>
+        <p:nvPr/>
+      </p:nvGrpSpPr>
+      <p:grpSpPr>
+        <a:xfrm>
+          <a:off x="0" y="0"/>
+          <a:ext cx="0" cy="0"/>
+          <a:chOff x="0" y="0"/>
+          <a:chExt cx="0" cy="0"/>
+        </a:xfrm>
+      </p:grpSpPr>
+      <p:sp>
+        <p:nvSpPr>
+          <p:cNvPr id="12" name="TextBox 11"/>
+          <p:cNvSpPr txBox="1"/>
+          <p:nvPr/>
+        </p:nvSpPr>
+        <p:spPr>
+          <a:xfrm>
+            <a:off x="455532" y="498947"/>
+            <a:ext cx="614271" cy="461665"/>
+          </a:xfrm>
+          <a:prstGeom prst="rect">
+            <a:avLst/>
+          </a:prstGeom>
+          <a:noFill/>
+        </p:spPr>
+        <p:txBody>
+          <a:bodyPr wrap="square" rtlCol="0">
+            <a:spAutoFit/>
+          </a:bodyPr>
+          <a:lstStyle/>
+          <a:p>
+            <a:pPr algn="ctr"/>
+            <a:r>
+              <a:rPr lang="en-US" altLang="ko-KR" sz="2400" spc="-150" smtClean="0">
+                <a:solidFill>
+                  <a:srgbClr val="00002F"/>
+                </a:solidFill>
+                <a:latin typeface="나눔스퀘어 ExtraBold" panose="020B0600000101010101" pitchFamily="50" charset="-127"/>
+                <a:ea typeface="나눔스퀘어 ExtraBold" panose="020B0600000101010101" pitchFamily="50" charset="-127"/>
+              </a:rPr>
+              <a:t>03.</a:t>
+            </a:r>
+            <a:endParaRPr lang="ko-KR" altLang="en-US" sz="2400" spc="-150" dirty="0">
+              <a:solidFill>
+                <a:srgbClr val="00002F"/>
+              </a:solidFill>
+              <a:latin typeface="나눔스퀘어 ExtraBold" panose="020B0600000101010101" pitchFamily="50" charset="-127"/>
+              <a:ea typeface="나눔스퀘어 ExtraBold" panose="020B0600000101010101" pitchFamily="50" charset="-127"/>
+            </a:endParaRPr>
+          </a:p>
+        </p:txBody>
+      </p:sp>
+      <p:sp>
+        <p:nvSpPr>
+          <p:cNvPr id="36" name="TextBox 35">
+            <a:extLst>
+              <a:ext uri="{FF2B5EF4-FFF2-40B4-BE49-F238E27FC236}">
+                <a16:creationId xmlns:a16="http://schemas.microsoft.com/office/drawing/2014/main" id="{76BF0B6A-32FF-436D-83C4-AB1F31C134F8}"/>
+              </a:ext>
+            </a:extLst>
+          </p:cNvPr>
+          <p:cNvSpPr txBox="1"/>
+          <p:nvPr/>
+        </p:nvSpPr>
+        <p:spPr>
+          <a:xfrm>
+            <a:off x="1119982" y="1075034"/>
+            <a:ext cx="2596341" cy="307777"/>
+          </a:xfrm>
+          <a:prstGeom prst="rect">
+            <a:avLst/>
+          </a:prstGeom>
+          <a:noFill/>
+        </p:spPr>
+        <p:txBody>
+          <a:bodyPr wrap="square" rtlCol="0">
+            <a:spAutoFit/>
+          </a:bodyPr>
+          <a:lstStyle/>
+          <a:p>
+            <a:r>
+              <a:rPr lang="en-US" altLang="ko-KR" sz="1400" spc="-100" smtClean="0">
+                <a:ln>
+                  <a:solidFill>
+                    <a:schemeClr val="bg1">
+                      <a:lumMod val="65000"/>
+                      <a:alpha val="0"/>
+                    </a:schemeClr>
+                  </a:solidFill>
+                </a:ln>
+                <a:latin typeface="나눔스퀘어 ExtraBold" panose="020B0600000101010101" pitchFamily="50" charset="-127"/>
+                <a:ea typeface="나눔스퀘어 ExtraBold" panose="020B0600000101010101" pitchFamily="50" charset="-127"/>
+              </a:rPr>
+              <a:t>Exercise</a:t>
+            </a:r>
+            <a:endParaRPr lang="ko-KR" altLang="en-US" sz="1400" spc="-100" dirty="0">
+              <a:ln>
+                <a:solidFill>
+                  <a:schemeClr val="bg1">
+                    <a:lumMod val="65000"/>
+                    <a:alpha val="0"/>
+                  </a:schemeClr>
+                </a:solidFill>
+              </a:ln>
+              <a:latin typeface="나눔스퀘어 ExtraBold" panose="020B0600000101010101" pitchFamily="50" charset="-127"/>
+              <a:ea typeface="나눔스퀘어 ExtraBold" panose="020B0600000101010101" pitchFamily="50" charset="-127"/>
+            </a:endParaRPr>
+          </a:p>
+        </p:txBody>
+      </p:sp>
+      <p:sp>
+        <p:nvSpPr>
+          <p:cNvPr id="9" name="TextBox 8"/>
+          <p:cNvSpPr txBox="1"/>
+          <p:nvPr/>
+        </p:nvSpPr>
+        <p:spPr>
+          <a:xfrm>
+            <a:off x="1088238" y="437393"/>
+            <a:ext cx="5396382" cy="584775"/>
+          </a:xfrm>
+          <a:prstGeom prst="rect">
+            <a:avLst/>
+          </a:prstGeom>
+          <a:noFill/>
+        </p:spPr>
+        <p:txBody>
+          <a:bodyPr wrap="square" rtlCol="0">
+            <a:spAutoFit/>
+          </a:bodyPr>
+          <a:lstStyle/>
+          <a:p>
+            <a:r>
+              <a:rPr lang="en-US" altLang="ko-KR" sz="3200" spc="-150" smtClean="0">
+                <a:solidFill>
+                  <a:srgbClr val="00002F"/>
+                </a:solidFill>
+                <a:latin typeface="나눔스퀘어 ExtraBold" panose="020B0600000101010101" pitchFamily="50" charset="-127"/>
+                <a:ea typeface="나눔스퀘어 ExtraBold" panose="020B0600000101010101" pitchFamily="50" charset="-127"/>
+              </a:rPr>
+              <a:t>Mlflow Registry</a:t>
+            </a:r>
+            <a:endParaRPr lang="en-US" altLang="ko-KR" sz="3200" spc="-150">
+              <a:solidFill>
+                <a:srgbClr val="00002F"/>
+              </a:solidFill>
+              <a:latin typeface="나눔스퀘어 ExtraBold" panose="020B0600000101010101" pitchFamily="50" charset="-127"/>
+              <a:ea typeface="나눔스퀘어 ExtraBold" panose="020B0600000101010101" pitchFamily="50" charset="-127"/>
+            </a:endParaRPr>
+          </a:p>
+        </p:txBody>
+      </p:sp>
+      <p:sp>
+        <p:nvSpPr>
+          <p:cNvPr id="7" name="TextBox 6">
+            <a:extLst>
+              <a:ext uri="{FF2B5EF4-FFF2-40B4-BE49-F238E27FC236}">
+                <a16:creationId xmlns:a16="http://schemas.microsoft.com/office/drawing/2014/main" id="{C40C17C7-6436-43BB-AB8B-1F1856BAF096}"/>
+              </a:ext>
+            </a:extLst>
+          </p:cNvPr>
+          <p:cNvSpPr txBox="1"/>
+          <p:nvPr/>
+        </p:nvSpPr>
+        <p:spPr>
+          <a:xfrm>
+            <a:off x="3031748" y="5013331"/>
+            <a:ext cx="6128505" cy="830997"/>
+          </a:xfrm>
+          <a:prstGeom prst="rect">
+            <a:avLst/>
+          </a:prstGeom>
+          <a:noFill/>
+        </p:spPr>
+        <p:txBody>
+          <a:bodyPr wrap="square" rtlCol="0" anchor="ctr">
+            <a:spAutoFit/>
+          </a:bodyPr>
+          <a:lstStyle/>
+          <a:p>
+            <a:pPr marL="171450" indent="-171450">
+              <a:lnSpc>
+                <a:spcPct val="200000"/>
+              </a:lnSpc>
+              <a:buFont typeface="Arial" panose="020B0604020202020204" pitchFamily="34" charset="0"/>
+              <a:buChar char="•"/>
+            </a:pPr>
+            <a:r>
+              <a:rPr lang="en-US" altLang="ko-KR" sz="1200" spc="-103">
+                <a:ln>
+                  <a:solidFill>
+                    <a:schemeClr val="bg1">
+                      <a:lumMod val="85000"/>
+                      <a:alpha val="0"/>
+                    </a:schemeClr>
+                  </a:solidFill>
+                </a:ln>
+                <a:latin typeface="나눔스퀘어 Bold" panose="020B0600000101010101" pitchFamily="50" charset="-127"/>
+                <a:ea typeface="나눔스퀘어 Bold" panose="020B0600000101010101" pitchFamily="50" charset="-127"/>
+              </a:rPr>
+              <a:t>mlflow server --backend-store-uri sqlite:///mlflow.db --default-artifact-root artifacts --host 0.0.0.0</a:t>
+            </a:r>
+            <a:endParaRPr lang="en-US" altLang="ko-KR" sz="1200" spc="-103">
+              <a:ln>
+                <a:solidFill>
+                  <a:schemeClr val="bg1">
+                    <a:lumMod val="85000"/>
+                    <a:alpha val="0"/>
+                  </a:schemeClr>
+                </a:solidFill>
+              </a:ln>
+              <a:latin typeface="나눔스퀘어 Bold" panose="020B0600000101010101" pitchFamily="50" charset="-127"/>
+              <a:ea typeface="나눔스퀘어 Bold" panose="020B0600000101010101" pitchFamily="50" charset="-127"/>
+            </a:endParaRPr>
+          </a:p>
+          <a:p>
+            <a:pPr marL="171450" indent="-171450">
+              <a:lnSpc>
+                <a:spcPct val="200000"/>
+              </a:lnSpc>
+              <a:buFont typeface="Arial" panose="020B0604020202020204" pitchFamily="34" charset="0"/>
+              <a:buChar char="•"/>
+            </a:pPr>
+            <a:r>
+              <a:rPr lang="en-US" altLang="ko-KR" sz="1200" spc="-103" smtClean="0">
+                <a:ln>
+                  <a:solidFill>
+                    <a:schemeClr val="bg1">
+                      <a:lumMod val="85000"/>
+                      <a:alpha val="0"/>
+                    </a:schemeClr>
+                  </a:solidFill>
+                </a:ln>
+                <a:latin typeface="나눔스퀘어 Bold" panose="020B0600000101010101" pitchFamily="50" charset="-127"/>
+                <a:ea typeface="나눔스퀘어 Bold" panose="020B0600000101010101" pitchFamily="50" charset="-127"/>
+              </a:rPr>
+              <a:t>mlflow.set_tracking_uri</a:t>
+            </a:r>
+            <a:r>
+              <a:rPr lang="en-US" altLang="ko-KR" sz="1200" spc="-103">
+                <a:ln>
+                  <a:solidFill>
+                    <a:schemeClr val="bg1">
+                      <a:lumMod val="85000"/>
+                      <a:alpha val="0"/>
+                    </a:schemeClr>
+                  </a:solidFill>
+                </a:ln>
+                <a:latin typeface="나눔스퀘어 Bold" panose="020B0600000101010101" pitchFamily="50" charset="-127"/>
+                <a:ea typeface="나눔스퀘어 Bold" panose="020B0600000101010101" pitchFamily="50" charset="-127"/>
+              </a:rPr>
+              <a:t>("http</a:t>
+            </a:r>
+            <a:r>
+              <a:rPr lang="en-US" altLang="ko-KR" sz="1200" spc="-103" smtClean="0">
+                <a:ln>
+                  <a:solidFill>
+                    <a:schemeClr val="bg1">
+                      <a:lumMod val="85000"/>
+                      <a:alpha val="0"/>
+                    </a:schemeClr>
+                  </a:solidFill>
+                </a:ln>
+                <a:latin typeface="나눔스퀘어 Bold" panose="020B0600000101010101" pitchFamily="50" charset="-127"/>
+                <a:ea typeface="나눔스퀘어 Bold" panose="020B0600000101010101" pitchFamily="50" charset="-127"/>
+              </a:rPr>
+              <a:t>://127.0.0.1:5000")</a:t>
+            </a:r>
+          </a:p>
+        </p:txBody>
+      </p:sp>
+      <p:pic>
+        <p:nvPicPr>
+          <p:cNvPr id="2" name="그림 1"/>
+          <p:cNvPicPr>
+            <a:picLocks noChangeAspect="1"/>
+          </p:cNvPicPr>
+          <p:nvPr/>
+        </p:nvPicPr>
+        <p:blipFill>
+          <a:blip r:embed="rId2"/>
+          <a:stretch>
+            <a:fillRect/>
+          </a:stretch>
+        </p:blipFill>
+        <p:spPr>
+          <a:xfrm>
+            <a:off x="1119944" y="2080385"/>
+            <a:ext cx="9952113" cy="2473243"/>
+          </a:xfrm>
+          <a:prstGeom prst="rect">
+            <a:avLst/>
+          </a:prstGeom>
+        </p:spPr>
+      </p:pic>
+    </p:spTree>
+    <p:extLst>
+      <p:ext uri="{BB962C8B-B14F-4D97-AF65-F5344CB8AC3E}">
+        <p14:creationId xmlns:p14="http://schemas.microsoft.com/office/powerpoint/2010/main" val="3376578036"/>
+      </p:ext>
+    </p:extLst>
+  </p:cSld>
+  <p:clrMapOvr>
+    <a:masterClrMapping/>
+  </p:clrMapOvr>
+</p:sld>
+</file>
+
+<file path=ppt/slides/slide16.xml><?xml version="1.0" encoding="utf-8"?>
+<p:sld xmlns:a="http://schemas.openxmlformats.org/drawingml/2006/main" xmlns:r="http://schemas.openxmlformats.org/officeDocument/2006/relationships" xmlns:p="http://schemas.openxmlformats.org/presentationml/2006/main">
+  <p:cSld>
+    <p:spTree>
+      <p:nvGrpSpPr>
+        <p:cNvPr id="1" name=""/>
+        <p:cNvGrpSpPr/>
+        <p:nvPr/>
+      </p:nvGrpSpPr>
+      <p:grpSpPr>
+        <a:xfrm>
+          <a:off x="0" y="0"/>
+          <a:ext cx="0" cy="0"/>
+          <a:chOff x="0" y="0"/>
+          <a:chExt cx="0" cy="0"/>
+        </a:xfrm>
+      </p:grpSpPr>
+      <p:sp>
+        <p:nvSpPr>
+          <p:cNvPr id="36" name="TextBox 35">
+            <a:extLst>
+              <a:ext uri="{FF2B5EF4-FFF2-40B4-BE49-F238E27FC236}">
+                <a16:creationId xmlns:a16="http://schemas.microsoft.com/office/drawing/2014/main" id="{76BF0B6A-32FF-436D-83C4-AB1F31C134F8}"/>
+              </a:ext>
+            </a:extLst>
+          </p:cNvPr>
+          <p:cNvSpPr txBox="1"/>
+          <p:nvPr/>
+        </p:nvSpPr>
+        <p:spPr>
+          <a:xfrm>
+            <a:off x="1119982" y="1075034"/>
+            <a:ext cx="2596341" cy="307777"/>
+          </a:xfrm>
+          <a:prstGeom prst="rect">
+            <a:avLst/>
+          </a:prstGeom>
+          <a:noFill/>
+        </p:spPr>
+        <p:txBody>
+          <a:bodyPr wrap="square" rtlCol="0">
+            <a:spAutoFit/>
+          </a:bodyPr>
+          <a:lstStyle/>
+          <a:p>
+            <a:r>
+              <a:rPr lang="en-US" altLang="ko-KR" sz="1400" spc="-100" smtClean="0">
+                <a:ln>
+                  <a:solidFill>
+                    <a:schemeClr val="bg1">
+                      <a:lumMod val="65000"/>
+                      <a:alpha val="0"/>
+                    </a:schemeClr>
+                  </a:solidFill>
+                </a:ln>
+                <a:latin typeface="나눔스퀘어 ExtraBold" panose="020B0600000101010101" pitchFamily="50" charset="-127"/>
+                <a:ea typeface="나눔스퀘어 ExtraBold" panose="020B0600000101010101" pitchFamily="50" charset="-127"/>
+              </a:rPr>
+              <a:t>Needs</a:t>
+            </a:r>
+            <a:endParaRPr lang="ko-KR" altLang="en-US" sz="1400" spc="-100" dirty="0">
+              <a:ln>
+                <a:solidFill>
+                  <a:schemeClr val="bg1">
+                    <a:lumMod val="65000"/>
+                    <a:alpha val="0"/>
+                  </a:schemeClr>
+                </a:solidFill>
+              </a:ln>
+              <a:latin typeface="나눔스퀘어 ExtraBold" panose="020B0600000101010101" pitchFamily="50" charset="-127"/>
+              <a:ea typeface="나눔스퀘어 ExtraBold" panose="020B0600000101010101" pitchFamily="50" charset="-127"/>
+            </a:endParaRPr>
+          </a:p>
+        </p:txBody>
+      </p:sp>
+      <p:sp>
+        <p:nvSpPr>
+          <p:cNvPr id="8" name="TextBox 7">
+            <a:extLst>
+              <a:ext uri="{FF2B5EF4-FFF2-40B4-BE49-F238E27FC236}">
+                <a16:creationId xmlns:a16="http://schemas.microsoft.com/office/drawing/2014/main" id="{C40C17C7-6436-43BB-AB8B-1F1856BAF096}"/>
+              </a:ext>
+            </a:extLst>
+          </p:cNvPr>
+          <p:cNvSpPr txBox="1"/>
+          <p:nvPr/>
+        </p:nvSpPr>
+        <p:spPr>
+          <a:xfrm>
+            <a:off x="3445305" y="5236200"/>
+            <a:ext cx="5301388" cy="830997"/>
+          </a:xfrm>
+          <a:prstGeom prst="rect">
+            <a:avLst/>
+          </a:prstGeom>
+          <a:noFill/>
+        </p:spPr>
+        <p:txBody>
+          <a:bodyPr wrap="square" rtlCol="0" anchor="ctr">
+            <a:spAutoFit/>
+          </a:bodyPr>
+          <a:lstStyle/>
+          <a:p>
+            <a:pPr marL="171450" indent="-171450">
+              <a:lnSpc>
+                <a:spcPct val="200000"/>
+              </a:lnSpc>
+              <a:buFont typeface="Arial" panose="020B0604020202020204" pitchFamily="34" charset="0"/>
+              <a:buChar char="•"/>
+            </a:pPr>
+            <a:r>
+              <a:rPr lang="en-US" altLang="ko-KR" sz="1200" spc="-103" smtClean="0">
+                <a:ln>
+                  <a:solidFill>
+                    <a:schemeClr val="bg1">
+                      <a:lumMod val="85000"/>
+                      <a:alpha val="0"/>
+                    </a:schemeClr>
+                  </a:solidFill>
+                </a:ln>
+                <a:latin typeface="나눔스퀘어 Bold" panose="020B0600000101010101" pitchFamily="50" charset="-127"/>
+                <a:ea typeface="나눔스퀘어 Bold" panose="020B0600000101010101" pitchFamily="50" charset="-127"/>
+              </a:rPr>
+              <a:t>Artifacts</a:t>
+            </a:r>
+            <a:r>
+              <a:rPr lang="ko-KR" altLang="en-US" sz="1200" spc="-103" smtClean="0">
+                <a:ln>
+                  <a:solidFill>
+                    <a:schemeClr val="bg1">
+                      <a:lumMod val="85000"/>
+                      <a:alpha val="0"/>
+                    </a:schemeClr>
+                  </a:solidFill>
+                </a:ln>
+                <a:latin typeface="나눔스퀘어 Bold" panose="020B0600000101010101" pitchFamily="50" charset="-127"/>
+                <a:ea typeface="나눔스퀘어 Bold" panose="020B0600000101010101" pitchFamily="50" charset="-127"/>
+              </a:rPr>
+              <a:t>에 저장한 모델을 재사용하고 싶은데 어떻게하지</a:t>
+            </a:r>
+            <a:r>
+              <a:rPr lang="en-US" altLang="ko-KR" sz="1200" spc="-103" smtClean="0">
+                <a:ln>
+                  <a:solidFill>
+                    <a:schemeClr val="bg1">
+                      <a:lumMod val="85000"/>
+                      <a:alpha val="0"/>
+                    </a:schemeClr>
+                  </a:solidFill>
+                </a:ln>
+                <a:latin typeface="나눔스퀘어 Bold" panose="020B0600000101010101" pitchFamily="50" charset="-127"/>
+                <a:ea typeface="나눔스퀘어 Bold" panose="020B0600000101010101" pitchFamily="50" charset="-127"/>
+              </a:rPr>
+              <a:t>?</a:t>
+            </a:r>
+          </a:p>
+          <a:p>
+            <a:pPr marL="171450" indent="-171450">
+              <a:lnSpc>
+                <a:spcPct val="200000"/>
+              </a:lnSpc>
+              <a:buFont typeface="Arial" panose="020B0604020202020204" pitchFamily="34" charset="0"/>
+              <a:buChar char="•"/>
+            </a:pPr>
+            <a:r>
+              <a:rPr lang="en-US" altLang="ko-KR" sz="1200" spc="-103" smtClean="0">
+                <a:ln>
+                  <a:solidFill>
+                    <a:schemeClr val="bg1">
+                      <a:lumMod val="85000"/>
+                      <a:alpha val="0"/>
+                    </a:schemeClr>
+                  </a:solidFill>
+                </a:ln>
+                <a:latin typeface="나눔스퀘어 Bold" panose="020B0600000101010101" pitchFamily="50" charset="-127"/>
+                <a:ea typeface="나눔스퀘어 Bold" panose="020B0600000101010101" pitchFamily="50" charset="-127"/>
+              </a:rPr>
+              <a:t>Flask</a:t>
+            </a:r>
+            <a:r>
+              <a:rPr lang="ko-KR" altLang="en-US" sz="1200" spc="-103" smtClean="0">
+                <a:ln>
+                  <a:solidFill>
+                    <a:schemeClr val="bg1">
+                      <a:lumMod val="85000"/>
+                      <a:alpha val="0"/>
+                    </a:schemeClr>
+                  </a:solidFill>
+                </a:ln>
+                <a:latin typeface="나눔스퀘어 Bold" panose="020B0600000101010101" pitchFamily="50" charset="-127"/>
+                <a:ea typeface="나눔스퀘어 Bold" panose="020B0600000101010101" pitchFamily="50" charset="-127"/>
+              </a:rPr>
+              <a:t>이용해서 서버 띄우기 너무 귀찮은데 명령어 하나로 서빙하는 서버 만들 수 없을까</a:t>
+            </a:r>
+            <a:r>
+              <a:rPr lang="en-US" altLang="ko-KR" sz="1200" spc="-103" smtClean="0">
+                <a:ln>
+                  <a:solidFill>
+                    <a:schemeClr val="bg1">
+                      <a:lumMod val="85000"/>
+                      <a:alpha val="0"/>
+                    </a:schemeClr>
+                  </a:solidFill>
+                </a:ln>
+                <a:latin typeface="나눔스퀘어 Bold" panose="020B0600000101010101" pitchFamily="50" charset="-127"/>
+                <a:ea typeface="나눔스퀘어 Bold" panose="020B0600000101010101" pitchFamily="50" charset="-127"/>
+              </a:rPr>
+              <a:t>?</a:t>
+            </a:r>
+          </a:p>
+        </p:txBody>
+      </p:sp>
+      <p:sp>
+        <p:nvSpPr>
+          <p:cNvPr id="10" name="TextBox 9"/>
+          <p:cNvSpPr txBox="1"/>
+          <p:nvPr/>
+        </p:nvSpPr>
+        <p:spPr>
+          <a:xfrm>
+            <a:off x="455532" y="498947"/>
+            <a:ext cx="614271" cy="461665"/>
+          </a:xfrm>
+          <a:prstGeom prst="rect">
+            <a:avLst/>
+          </a:prstGeom>
+          <a:noFill/>
+        </p:spPr>
+        <p:txBody>
+          <a:bodyPr wrap="square" rtlCol="0">
+            <a:spAutoFit/>
+          </a:bodyPr>
+          <a:lstStyle/>
+          <a:p>
+            <a:pPr algn="ctr"/>
+            <a:r>
+              <a:rPr lang="en-US" altLang="ko-KR" sz="2400" spc="-150" smtClean="0">
+                <a:solidFill>
+                  <a:srgbClr val="00002F"/>
+                </a:solidFill>
+                <a:latin typeface="나눔스퀘어 ExtraBold" panose="020B0600000101010101" pitchFamily="50" charset="-127"/>
+                <a:ea typeface="나눔스퀘어 ExtraBold" panose="020B0600000101010101" pitchFamily="50" charset="-127"/>
+              </a:rPr>
+              <a:t>04.</a:t>
+            </a:r>
+            <a:endParaRPr lang="ko-KR" altLang="en-US" sz="2400" spc="-150" dirty="0">
+              <a:solidFill>
+                <a:srgbClr val="00002F"/>
+              </a:solidFill>
+              <a:latin typeface="나눔스퀘어 ExtraBold" panose="020B0600000101010101" pitchFamily="50" charset="-127"/>
+              <a:ea typeface="나눔스퀘어 ExtraBold" panose="020B0600000101010101" pitchFamily="50" charset="-127"/>
+            </a:endParaRPr>
+          </a:p>
+        </p:txBody>
+      </p:sp>
+      <p:sp>
+        <p:nvSpPr>
+          <p:cNvPr id="11" name="TextBox 10"/>
+          <p:cNvSpPr txBox="1"/>
+          <p:nvPr/>
+        </p:nvSpPr>
+        <p:spPr>
+          <a:xfrm>
+            <a:off x="1088238" y="437393"/>
+            <a:ext cx="5396382" cy="584775"/>
+          </a:xfrm>
+          <a:prstGeom prst="rect">
+            <a:avLst/>
+          </a:prstGeom>
+          <a:noFill/>
+        </p:spPr>
+        <p:txBody>
+          <a:bodyPr wrap="square" rtlCol="0">
+            <a:spAutoFit/>
+          </a:bodyPr>
+          <a:lstStyle/>
+          <a:p>
+            <a:r>
+              <a:rPr lang="en-US" altLang="ko-KR" sz="3200" spc="-150" smtClean="0">
+                <a:solidFill>
+                  <a:srgbClr val="00002F"/>
+                </a:solidFill>
+                <a:latin typeface="나눔스퀘어 ExtraBold" panose="020B0600000101010101" pitchFamily="50" charset="-127"/>
+                <a:ea typeface="나눔스퀘어 ExtraBold" panose="020B0600000101010101" pitchFamily="50" charset="-127"/>
+              </a:rPr>
+              <a:t>Mlflow Models</a:t>
+            </a:r>
+            <a:endParaRPr lang="en-US" altLang="ko-KR" sz="3200" spc="-150">
+              <a:solidFill>
+                <a:srgbClr val="00002F"/>
+              </a:solidFill>
+              <a:latin typeface="나눔스퀘어 ExtraBold" panose="020B0600000101010101" pitchFamily="50" charset="-127"/>
+              <a:ea typeface="나눔스퀘어 ExtraBold" panose="020B0600000101010101" pitchFamily="50" charset="-127"/>
+            </a:endParaRPr>
+          </a:p>
+        </p:txBody>
+      </p:sp>
+      <p:pic>
+        <p:nvPicPr>
+          <p:cNvPr id="13" name="Picture 6" descr="웃긴짤모음(3) - 월요일, 출근짤, 사회생활짤"/>
+          <p:cNvPicPr>
+            <a:picLocks noChangeAspect="1" noChangeArrowheads="1"/>
+          </p:cNvPicPr>
+          <p:nvPr/>
+        </p:nvPicPr>
+        <p:blipFill>
+          <a:blip r:embed="rId2">
+            <a:extLst>
+              <a:ext uri="{28A0092B-C50C-407E-A947-70E740481C1C}">
+                <a14:useLocalDpi xmlns:a14="http://schemas.microsoft.com/office/drawing/2010/main" val="0"/>
+              </a:ext>
+            </a:extLst>
+          </a:blip>
+          <a:srcRect/>
+          <a:stretch>
+            <a:fillRect/>
+          </a:stretch>
+        </p:blipFill>
+        <p:spPr bwMode="auto">
+          <a:xfrm>
+            <a:off x="3734429" y="1872760"/>
+            <a:ext cx="4723141" cy="2928347"/>
+          </a:xfrm>
+          <a:prstGeom prst="rect">
+            <a:avLst/>
+          </a:prstGeom>
+          <a:noFill/>
+          <a:extLst>
+            <a:ext uri="{909E8E84-426E-40DD-AFC4-6F175D3DCCD1}">
+              <a14:hiddenFill xmlns:a14="http://schemas.microsoft.com/office/drawing/2010/main">
+                <a:solidFill>
+                  <a:srgbClr val="FFFFFF"/>
+                </a:solidFill>
+              </a14:hiddenFill>
+            </a:ext>
+          </a:extLst>
+        </p:spPr>
+      </p:pic>
+    </p:spTree>
+    <p:extLst>
+      <p:ext uri="{BB962C8B-B14F-4D97-AF65-F5344CB8AC3E}">
+        <p14:creationId xmlns:p14="http://schemas.microsoft.com/office/powerpoint/2010/main" val="3853548113"/>
+      </p:ext>
+    </p:extLst>
+  </p:cSld>
+  <p:clrMapOvr>
+    <a:masterClrMapping/>
+  </p:clrMapOvr>
+</p:sld>
+</file>
+
+<file path=ppt/slides/slide17.xml><?xml version="1.0" encoding="utf-8"?>
+<p:sld xmlns:a="http://schemas.openxmlformats.org/drawingml/2006/main" xmlns:r="http://schemas.openxmlformats.org/officeDocument/2006/relationships" xmlns:p="http://schemas.openxmlformats.org/presentationml/2006/main">
+  <p:cSld>
+    <p:spTree>
+      <p:nvGrpSpPr>
+        <p:cNvPr id="1" name=""/>
+        <p:cNvGrpSpPr/>
+        <p:nvPr/>
+      </p:nvGrpSpPr>
+      <p:grpSpPr>
+        <a:xfrm>
+          <a:off x="0" y="0"/>
+          <a:ext cx="0" cy="0"/>
+          <a:chOff x="0" y="0"/>
+          <a:chExt cx="0" cy="0"/>
+        </a:xfrm>
+      </p:grpSpPr>
+      <p:sp>
+        <p:nvSpPr>
+          <p:cNvPr id="12" name="TextBox 11"/>
+          <p:cNvSpPr txBox="1"/>
+          <p:nvPr/>
+        </p:nvSpPr>
+        <p:spPr>
+          <a:xfrm>
+            <a:off x="455532" y="498947"/>
+            <a:ext cx="614271" cy="461665"/>
+          </a:xfrm>
+          <a:prstGeom prst="rect">
+            <a:avLst/>
+          </a:prstGeom>
+          <a:noFill/>
+        </p:spPr>
+        <p:txBody>
+          <a:bodyPr wrap="square" rtlCol="0">
+            <a:spAutoFit/>
+          </a:bodyPr>
+          <a:lstStyle/>
+          <a:p>
+            <a:pPr algn="ctr"/>
+            <a:r>
+              <a:rPr lang="en-US" altLang="ko-KR" sz="2400" spc="-150" smtClean="0">
+                <a:solidFill>
+                  <a:srgbClr val="00002F"/>
+                </a:solidFill>
+                <a:latin typeface="나눔스퀘어 ExtraBold" panose="020B0600000101010101" pitchFamily="50" charset="-127"/>
+                <a:ea typeface="나눔스퀘어 ExtraBold" panose="020B0600000101010101" pitchFamily="50" charset="-127"/>
+              </a:rPr>
+              <a:t>04.</a:t>
+            </a:r>
+            <a:endParaRPr lang="ko-KR" altLang="en-US" sz="2400" spc="-150" dirty="0">
+              <a:solidFill>
+                <a:srgbClr val="00002F"/>
+              </a:solidFill>
+              <a:latin typeface="나눔스퀘어 ExtraBold" panose="020B0600000101010101" pitchFamily="50" charset="-127"/>
+              <a:ea typeface="나눔스퀘어 ExtraBold" panose="020B0600000101010101" pitchFamily="50" charset="-127"/>
+            </a:endParaRPr>
+          </a:p>
+        </p:txBody>
+      </p:sp>
+      <p:sp>
+        <p:nvSpPr>
+          <p:cNvPr id="36" name="TextBox 35">
+            <a:extLst>
+              <a:ext uri="{FF2B5EF4-FFF2-40B4-BE49-F238E27FC236}">
+                <a16:creationId xmlns:a16="http://schemas.microsoft.com/office/drawing/2014/main" id="{76BF0B6A-32FF-436D-83C4-AB1F31C134F8}"/>
+              </a:ext>
+            </a:extLst>
+          </p:cNvPr>
+          <p:cNvSpPr txBox="1"/>
+          <p:nvPr/>
+        </p:nvSpPr>
+        <p:spPr>
+          <a:xfrm>
+            <a:off x="1119982" y="1075034"/>
+            <a:ext cx="2596341" cy="307777"/>
+          </a:xfrm>
+          <a:prstGeom prst="rect">
+            <a:avLst/>
+          </a:prstGeom>
+          <a:noFill/>
+        </p:spPr>
+        <p:txBody>
+          <a:bodyPr wrap="square" rtlCol="0">
+            <a:spAutoFit/>
+          </a:bodyPr>
+          <a:lstStyle/>
+          <a:p>
+            <a:r>
+              <a:rPr lang="en-US" altLang="ko-KR" sz="1400" spc="-100" smtClean="0">
+                <a:ln>
+                  <a:solidFill>
+                    <a:schemeClr val="bg1">
+                      <a:lumMod val="65000"/>
+                      <a:alpha val="0"/>
+                    </a:schemeClr>
+                  </a:solidFill>
+                </a:ln>
+                <a:latin typeface="나눔스퀘어 ExtraBold" panose="020B0600000101010101" pitchFamily="50" charset="-127"/>
+                <a:ea typeface="나눔스퀘어 ExtraBold" panose="020B0600000101010101" pitchFamily="50" charset="-127"/>
+              </a:rPr>
+              <a:t>Exercise</a:t>
+            </a:r>
+            <a:endParaRPr lang="ko-KR" altLang="en-US" sz="1400" spc="-100" dirty="0">
+              <a:ln>
+                <a:solidFill>
+                  <a:schemeClr val="bg1">
+                    <a:lumMod val="65000"/>
+                    <a:alpha val="0"/>
+                  </a:schemeClr>
+                </a:solidFill>
+              </a:ln>
+              <a:latin typeface="나눔스퀘어 ExtraBold" panose="020B0600000101010101" pitchFamily="50" charset="-127"/>
+              <a:ea typeface="나눔스퀘어 ExtraBold" panose="020B0600000101010101" pitchFamily="50" charset="-127"/>
+            </a:endParaRPr>
+          </a:p>
+        </p:txBody>
+      </p:sp>
+      <p:sp>
+        <p:nvSpPr>
+          <p:cNvPr id="9" name="TextBox 8"/>
+          <p:cNvSpPr txBox="1"/>
+          <p:nvPr/>
+        </p:nvSpPr>
+        <p:spPr>
+          <a:xfrm>
+            <a:off x="1088238" y="437393"/>
+            <a:ext cx="5396382" cy="584775"/>
+          </a:xfrm>
+          <a:prstGeom prst="rect">
+            <a:avLst/>
+          </a:prstGeom>
+          <a:noFill/>
+        </p:spPr>
+        <p:txBody>
+          <a:bodyPr wrap="square" rtlCol="0">
+            <a:spAutoFit/>
+          </a:bodyPr>
+          <a:lstStyle/>
+          <a:p>
+            <a:r>
+              <a:rPr lang="en-US" altLang="ko-KR" sz="3200" spc="-150" smtClean="0">
+                <a:solidFill>
+                  <a:srgbClr val="00002F"/>
+                </a:solidFill>
+                <a:latin typeface="나눔스퀘어 ExtraBold" panose="020B0600000101010101" pitchFamily="50" charset="-127"/>
+                <a:ea typeface="나눔스퀘어 ExtraBold" panose="020B0600000101010101" pitchFamily="50" charset="-127"/>
+              </a:rPr>
+              <a:t>Mlflow Models</a:t>
+            </a:r>
+            <a:endParaRPr lang="en-US" altLang="ko-KR" sz="3200" spc="-150">
+              <a:solidFill>
+                <a:srgbClr val="00002F"/>
+              </a:solidFill>
+              <a:latin typeface="나눔스퀘어 ExtraBold" panose="020B0600000101010101" pitchFamily="50" charset="-127"/>
+              <a:ea typeface="나눔스퀘어 ExtraBold" panose="020B0600000101010101" pitchFamily="50" charset="-127"/>
+            </a:endParaRPr>
+          </a:p>
+        </p:txBody>
+      </p:sp>
+      <p:sp>
+        <p:nvSpPr>
+          <p:cNvPr id="7" name="TextBox 6">
+            <a:extLst>
+              <a:ext uri="{FF2B5EF4-FFF2-40B4-BE49-F238E27FC236}">
+                <a16:creationId xmlns:a16="http://schemas.microsoft.com/office/drawing/2014/main" id="{C40C17C7-6436-43BB-AB8B-1F1856BAF096}"/>
+              </a:ext>
+            </a:extLst>
+          </p:cNvPr>
+          <p:cNvSpPr txBox="1"/>
+          <p:nvPr/>
+        </p:nvSpPr>
+        <p:spPr>
+          <a:xfrm>
+            <a:off x="4353844" y="5114870"/>
+            <a:ext cx="3484312" cy="461665"/>
+          </a:xfrm>
+          <a:prstGeom prst="rect">
+            <a:avLst/>
+          </a:prstGeom>
+          <a:noFill/>
+        </p:spPr>
+        <p:txBody>
+          <a:bodyPr wrap="square" rtlCol="0" anchor="ctr">
+            <a:spAutoFit/>
+          </a:bodyPr>
+          <a:lstStyle/>
+          <a:p>
+            <a:pPr marL="171450" indent="-171450" algn="ctr">
+              <a:lnSpc>
+                <a:spcPct val="200000"/>
+              </a:lnSpc>
+              <a:buFont typeface="Arial" panose="020B0604020202020204" pitchFamily="34" charset="0"/>
+              <a:buChar char="•"/>
+            </a:pPr>
+            <a:r>
+              <a:rPr lang="ko-KR" altLang="en-US" sz="1200" spc="-103" smtClean="0">
+                <a:ln>
+                  <a:solidFill>
+                    <a:schemeClr val="bg1">
+                      <a:lumMod val="85000"/>
+                      <a:alpha val="0"/>
+                    </a:schemeClr>
+                  </a:solidFill>
+                </a:ln>
+                <a:latin typeface="나눔스퀘어 Bold" panose="020B0600000101010101" pitchFamily="50" charset="-127"/>
+                <a:ea typeface="나눔스퀘어 Bold" panose="020B0600000101010101" pitchFamily="50" charset="-127"/>
+              </a:rPr>
+              <a:t>타이타닉 모델 </a:t>
+            </a:r>
+            <a:r>
+              <a:rPr lang="en-US" altLang="ko-KR" sz="1200" spc="-103" smtClean="0">
+                <a:ln>
+                  <a:solidFill>
+                    <a:schemeClr val="bg1">
+                      <a:lumMod val="85000"/>
+                      <a:alpha val="0"/>
+                    </a:schemeClr>
+                  </a:solidFill>
+                </a:ln>
+                <a:latin typeface="나눔스퀘어 Bold" panose="020B0600000101010101" pitchFamily="50" charset="-127"/>
+                <a:ea typeface="나눔스퀘어 Bold" panose="020B0600000101010101" pitchFamily="50" charset="-127"/>
+              </a:rPr>
+              <a:t>ML </a:t>
+            </a:r>
+            <a:r>
+              <a:rPr lang="ko-KR" altLang="en-US" sz="1200" spc="-103" smtClean="0">
+                <a:ln>
+                  <a:solidFill>
+                    <a:schemeClr val="bg1">
+                      <a:lumMod val="85000"/>
+                      <a:alpha val="0"/>
+                    </a:schemeClr>
+                  </a:solidFill>
+                </a:ln>
+                <a:latin typeface="나눔스퀘어 Bold" panose="020B0600000101010101" pitchFamily="50" charset="-127"/>
+                <a:ea typeface="나눔스퀘어 Bold" panose="020B0600000101010101" pitchFamily="50" charset="-127"/>
+              </a:rPr>
+              <a:t>가져와서 추론하기</a:t>
+            </a:r>
+            <a:endParaRPr lang="en-US" altLang="ko-KR" sz="1200" spc="-103" smtClean="0">
+              <a:ln>
+                <a:solidFill>
+                  <a:schemeClr val="bg1">
+                    <a:lumMod val="85000"/>
+                    <a:alpha val="0"/>
+                  </a:schemeClr>
+                </a:solidFill>
+              </a:ln>
+              <a:latin typeface="나눔스퀘어 Bold" panose="020B0600000101010101" pitchFamily="50" charset="-127"/>
+              <a:ea typeface="나눔스퀘어 Bold" panose="020B0600000101010101" pitchFamily="50" charset="-127"/>
+            </a:endParaRPr>
+          </a:p>
+        </p:txBody>
+      </p:sp>
+      <p:pic>
+        <p:nvPicPr>
+          <p:cNvPr id="3" name="그림 2"/>
+          <p:cNvPicPr>
+            <a:picLocks noChangeAspect="1"/>
+          </p:cNvPicPr>
+          <p:nvPr/>
+        </p:nvPicPr>
+        <p:blipFill>
+          <a:blip r:embed="rId2"/>
+          <a:stretch>
+            <a:fillRect/>
+          </a:stretch>
+        </p:blipFill>
+        <p:spPr>
+          <a:xfrm>
+            <a:off x="2424546" y="2500923"/>
+            <a:ext cx="7342909" cy="2138795"/>
+          </a:xfrm>
+          <a:prstGeom prst="rect">
+            <a:avLst/>
+          </a:prstGeom>
+        </p:spPr>
+      </p:pic>
+    </p:spTree>
+    <p:extLst>
+      <p:ext uri="{BB962C8B-B14F-4D97-AF65-F5344CB8AC3E}">
+        <p14:creationId xmlns:p14="http://schemas.microsoft.com/office/powerpoint/2010/main" val="2853359701"/>
+      </p:ext>
+    </p:extLst>
+  </p:cSld>
+  <p:clrMapOvr>
+    <a:masterClrMapping/>
+  </p:clrMapOvr>
+</p:sld>
+</file>
+
+<file path=ppt/slides/slide18.xml><?xml version="1.0" encoding="utf-8"?>
+<p:sld xmlns:a="http://schemas.openxmlformats.org/drawingml/2006/main" xmlns:r="http://schemas.openxmlformats.org/officeDocument/2006/relationships" xmlns:p="http://schemas.openxmlformats.org/presentationml/2006/main">
+  <p:cSld>
+    <p:spTree>
+      <p:nvGrpSpPr>
+        <p:cNvPr id="1" name=""/>
+        <p:cNvGrpSpPr/>
+        <p:nvPr/>
+      </p:nvGrpSpPr>
+      <p:grpSpPr>
+        <a:xfrm>
+          <a:off x="0" y="0"/>
+          <a:ext cx="0" cy="0"/>
+          <a:chOff x="0" y="0"/>
+          <a:chExt cx="0" cy="0"/>
+        </a:xfrm>
+      </p:grpSpPr>
+      <p:sp>
+        <p:nvSpPr>
+          <p:cNvPr id="12" name="TextBox 11"/>
+          <p:cNvSpPr txBox="1"/>
+          <p:nvPr/>
+        </p:nvSpPr>
+        <p:spPr>
+          <a:xfrm>
+            <a:off x="455532" y="498947"/>
+            <a:ext cx="614271" cy="461665"/>
+          </a:xfrm>
+          <a:prstGeom prst="rect">
+            <a:avLst/>
+          </a:prstGeom>
+          <a:noFill/>
+        </p:spPr>
+        <p:txBody>
+          <a:bodyPr wrap="square" rtlCol="0">
+            <a:spAutoFit/>
+          </a:bodyPr>
+          <a:lstStyle/>
+          <a:p>
+            <a:pPr algn="ctr"/>
+            <a:r>
+              <a:rPr lang="en-US" altLang="ko-KR" sz="2400" spc="-150" smtClean="0">
+                <a:solidFill>
+                  <a:srgbClr val="00002F"/>
+                </a:solidFill>
+                <a:latin typeface="나눔스퀘어 ExtraBold" panose="020B0600000101010101" pitchFamily="50" charset="-127"/>
+                <a:ea typeface="나눔스퀘어 ExtraBold" panose="020B0600000101010101" pitchFamily="50" charset="-127"/>
+              </a:rPr>
+              <a:t>04.</a:t>
+            </a:r>
+            <a:endParaRPr lang="ko-KR" altLang="en-US" sz="2400" spc="-150" dirty="0">
+              <a:solidFill>
+                <a:srgbClr val="00002F"/>
+              </a:solidFill>
+              <a:latin typeface="나눔스퀘어 ExtraBold" panose="020B0600000101010101" pitchFamily="50" charset="-127"/>
+              <a:ea typeface="나눔스퀘어 ExtraBold" panose="020B0600000101010101" pitchFamily="50" charset="-127"/>
+            </a:endParaRPr>
+          </a:p>
+        </p:txBody>
+      </p:sp>
+      <p:sp>
+        <p:nvSpPr>
+          <p:cNvPr id="36" name="TextBox 35">
+            <a:extLst>
+              <a:ext uri="{FF2B5EF4-FFF2-40B4-BE49-F238E27FC236}">
+                <a16:creationId xmlns:a16="http://schemas.microsoft.com/office/drawing/2014/main" id="{76BF0B6A-32FF-436D-83C4-AB1F31C134F8}"/>
+              </a:ext>
+            </a:extLst>
+          </p:cNvPr>
+          <p:cNvSpPr txBox="1"/>
+          <p:nvPr/>
+        </p:nvSpPr>
+        <p:spPr>
+          <a:xfrm>
+            <a:off x="1119982" y="1075034"/>
+            <a:ext cx="2596341" cy="307777"/>
+          </a:xfrm>
+          <a:prstGeom prst="rect">
+            <a:avLst/>
+          </a:prstGeom>
+          <a:noFill/>
+        </p:spPr>
+        <p:txBody>
+          <a:bodyPr wrap="square" rtlCol="0">
+            <a:spAutoFit/>
+          </a:bodyPr>
+          <a:lstStyle/>
+          <a:p>
+            <a:r>
+              <a:rPr lang="en-US" altLang="ko-KR" sz="1400" spc="-100" smtClean="0">
+                <a:ln>
+                  <a:solidFill>
+                    <a:schemeClr val="bg1">
+                      <a:lumMod val="65000"/>
+                      <a:alpha val="0"/>
+                    </a:schemeClr>
+                  </a:solidFill>
+                </a:ln>
+                <a:latin typeface="나눔스퀘어 ExtraBold" panose="020B0600000101010101" pitchFamily="50" charset="-127"/>
+                <a:ea typeface="나눔스퀘어 ExtraBold" panose="020B0600000101010101" pitchFamily="50" charset="-127"/>
+              </a:rPr>
+              <a:t>Exercise</a:t>
+            </a:r>
+            <a:endParaRPr lang="ko-KR" altLang="en-US" sz="1400" spc="-100" dirty="0">
+              <a:ln>
+                <a:solidFill>
+                  <a:schemeClr val="bg1">
+                    <a:lumMod val="65000"/>
+                    <a:alpha val="0"/>
+                  </a:schemeClr>
+                </a:solidFill>
+              </a:ln>
+              <a:latin typeface="나눔스퀘어 ExtraBold" panose="020B0600000101010101" pitchFamily="50" charset="-127"/>
+              <a:ea typeface="나눔스퀘어 ExtraBold" panose="020B0600000101010101" pitchFamily="50" charset="-127"/>
+            </a:endParaRPr>
+          </a:p>
+        </p:txBody>
+      </p:sp>
+      <p:sp>
+        <p:nvSpPr>
+          <p:cNvPr id="9" name="TextBox 8"/>
+          <p:cNvSpPr txBox="1"/>
+          <p:nvPr/>
+        </p:nvSpPr>
+        <p:spPr>
+          <a:xfrm>
+            <a:off x="1088238" y="437393"/>
+            <a:ext cx="5396382" cy="584775"/>
+          </a:xfrm>
+          <a:prstGeom prst="rect">
+            <a:avLst/>
+          </a:prstGeom>
+          <a:noFill/>
+        </p:spPr>
+        <p:txBody>
+          <a:bodyPr wrap="square" rtlCol="0">
+            <a:spAutoFit/>
+          </a:bodyPr>
+          <a:lstStyle/>
+          <a:p>
+            <a:r>
+              <a:rPr lang="en-US" altLang="ko-KR" sz="3200" spc="-150" smtClean="0">
+                <a:solidFill>
+                  <a:srgbClr val="00002F"/>
+                </a:solidFill>
+                <a:latin typeface="나눔스퀘어 ExtraBold" panose="020B0600000101010101" pitchFamily="50" charset="-127"/>
+                <a:ea typeface="나눔스퀘어 ExtraBold" panose="020B0600000101010101" pitchFamily="50" charset="-127"/>
+              </a:rPr>
+              <a:t>Mlflow Models</a:t>
+            </a:r>
+            <a:endParaRPr lang="en-US" altLang="ko-KR" sz="3200" spc="-150">
+              <a:solidFill>
+                <a:srgbClr val="00002F"/>
+              </a:solidFill>
+              <a:latin typeface="나눔스퀘어 ExtraBold" panose="020B0600000101010101" pitchFamily="50" charset="-127"/>
+              <a:ea typeface="나눔스퀘어 ExtraBold" panose="020B0600000101010101" pitchFamily="50" charset="-127"/>
+            </a:endParaRPr>
+          </a:p>
+        </p:txBody>
+      </p:sp>
+      <p:sp>
+        <p:nvSpPr>
+          <p:cNvPr id="7" name="TextBox 6">
+            <a:extLst>
+              <a:ext uri="{FF2B5EF4-FFF2-40B4-BE49-F238E27FC236}">
+                <a16:creationId xmlns:a16="http://schemas.microsoft.com/office/drawing/2014/main" id="{C40C17C7-6436-43BB-AB8B-1F1856BAF096}"/>
+              </a:ext>
+            </a:extLst>
+          </p:cNvPr>
+          <p:cNvSpPr txBox="1"/>
+          <p:nvPr/>
+        </p:nvSpPr>
+        <p:spPr>
+          <a:xfrm>
+            <a:off x="4353843" y="5960614"/>
+            <a:ext cx="3484312" cy="461665"/>
+          </a:xfrm>
+          <a:prstGeom prst="rect">
+            <a:avLst/>
+          </a:prstGeom>
+          <a:noFill/>
+        </p:spPr>
+        <p:txBody>
+          <a:bodyPr wrap="square" rtlCol="0" anchor="ctr">
+            <a:spAutoFit/>
+          </a:bodyPr>
+          <a:lstStyle/>
+          <a:p>
+            <a:pPr marL="171450" indent="-171450" algn="ctr">
+              <a:lnSpc>
+                <a:spcPct val="200000"/>
+              </a:lnSpc>
+              <a:buFont typeface="Arial" panose="020B0604020202020204" pitchFamily="34" charset="0"/>
+              <a:buChar char="•"/>
+            </a:pPr>
+            <a:r>
+              <a:rPr lang="ko-KR" altLang="en-US" sz="1200" spc="-103" smtClean="0">
+                <a:ln>
+                  <a:solidFill>
+                    <a:schemeClr val="bg1">
+                      <a:lumMod val="85000"/>
+                      <a:alpha val="0"/>
+                    </a:schemeClr>
+                  </a:solidFill>
+                </a:ln>
+                <a:latin typeface="나눔스퀘어 Bold" panose="020B0600000101010101" pitchFamily="50" charset="-127"/>
+                <a:ea typeface="나눔스퀘어 Bold" panose="020B0600000101010101" pitchFamily="50" charset="-127"/>
+              </a:rPr>
+              <a:t>리뷰 감정 분류 </a:t>
+            </a:r>
+            <a:r>
+              <a:rPr lang="en-US" altLang="ko-KR" sz="1200" spc="-103" smtClean="0">
+                <a:ln>
+                  <a:solidFill>
+                    <a:schemeClr val="bg1">
+                      <a:lumMod val="85000"/>
+                      <a:alpha val="0"/>
+                    </a:schemeClr>
+                  </a:solidFill>
+                </a:ln>
+                <a:latin typeface="나눔스퀘어 Bold" panose="020B0600000101010101" pitchFamily="50" charset="-127"/>
+                <a:ea typeface="나눔스퀘어 Bold" panose="020B0600000101010101" pitchFamily="50" charset="-127"/>
+              </a:rPr>
+              <a:t>DL</a:t>
+            </a:r>
+            <a:r>
+              <a:rPr lang="ko-KR" altLang="en-US" sz="1200" spc="-103" smtClean="0">
+                <a:ln>
+                  <a:solidFill>
+                    <a:schemeClr val="bg1">
+                      <a:lumMod val="85000"/>
+                      <a:alpha val="0"/>
+                    </a:schemeClr>
+                  </a:solidFill>
+                </a:ln>
+                <a:latin typeface="나눔스퀘어 Bold" panose="020B0600000101010101" pitchFamily="50" charset="-127"/>
+                <a:ea typeface="나눔스퀘어 Bold" panose="020B0600000101010101" pitchFamily="50" charset="-127"/>
+              </a:rPr>
+              <a:t> 모델 가져와서 추론하기</a:t>
+            </a:r>
+            <a:endParaRPr lang="en-US" altLang="ko-KR" sz="1200" spc="-103" smtClean="0">
+              <a:ln>
+                <a:solidFill>
+                  <a:schemeClr val="bg1">
+                    <a:lumMod val="85000"/>
+                    <a:alpha val="0"/>
+                  </a:schemeClr>
+                </a:solidFill>
+              </a:ln>
+              <a:latin typeface="나눔스퀘어 Bold" panose="020B0600000101010101" pitchFamily="50" charset="-127"/>
+              <a:ea typeface="나눔스퀘어 Bold" panose="020B0600000101010101" pitchFamily="50" charset="-127"/>
+            </a:endParaRPr>
+          </a:p>
+        </p:txBody>
+      </p:sp>
+      <p:pic>
+        <p:nvPicPr>
+          <p:cNvPr id="2" name="그림 1"/>
+          <p:cNvPicPr>
+            <a:picLocks noChangeAspect="1"/>
+          </p:cNvPicPr>
+          <p:nvPr/>
+        </p:nvPicPr>
+        <p:blipFill>
+          <a:blip r:embed="rId2"/>
+          <a:stretch>
+            <a:fillRect/>
+          </a:stretch>
+        </p:blipFill>
+        <p:spPr>
+          <a:xfrm>
+            <a:off x="3394507" y="2043569"/>
+            <a:ext cx="5402986" cy="3635386"/>
+          </a:xfrm>
+          <a:prstGeom prst="rect">
+            <a:avLst/>
+          </a:prstGeom>
+        </p:spPr>
+      </p:pic>
+    </p:spTree>
+    <p:extLst>
+      <p:ext uri="{BB962C8B-B14F-4D97-AF65-F5344CB8AC3E}">
+        <p14:creationId xmlns:p14="http://schemas.microsoft.com/office/powerpoint/2010/main" val="2632634638"/>
+      </p:ext>
+    </p:extLst>
+  </p:cSld>
+  <p:clrMapOvr>
+    <a:masterClrMapping/>
+  </p:clrMapOvr>
+</p:sld>
+</file>
+
+<file path=ppt/slides/slide19.xml><?xml version="1.0" encoding="utf-8"?>
+<p:sld xmlns:a="http://schemas.openxmlformats.org/drawingml/2006/main" xmlns:r="http://schemas.openxmlformats.org/officeDocument/2006/relationships" xmlns:p="http://schemas.openxmlformats.org/presentationml/2006/main">
+  <p:cSld>
+    <p:spTree>
+      <p:nvGrpSpPr>
+        <p:cNvPr id="1" name=""/>
+        <p:cNvGrpSpPr/>
+        <p:nvPr/>
+      </p:nvGrpSpPr>
+      <p:grpSpPr>
+        <a:xfrm>
+          <a:off x="0" y="0"/>
+          <a:ext cx="0" cy="0"/>
+          <a:chOff x="0" y="0"/>
+          <a:chExt cx="0" cy="0"/>
+        </a:xfrm>
+      </p:grpSpPr>
+      <p:sp>
+        <p:nvSpPr>
+          <p:cNvPr id="12" name="TextBox 11"/>
+          <p:cNvSpPr txBox="1"/>
+          <p:nvPr/>
+        </p:nvSpPr>
+        <p:spPr>
+          <a:xfrm>
+            <a:off x="455532" y="498947"/>
+            <a:ext cx="614271" cy="461665"/>
+          </a:xfrm>
+          <a:prstGeom prst="rect">
+            <a:avLst/>
+          </a:prstGeom>
+          <a:noFill/>
+        </p:spPr>
+        <p:txBody>
+          <a:bodyPr wrap="square" rtlCol="0">
+            <a:spAutoFit/>
+          </a:bodyPr>
+          <a:lstStyle/>
+          <a:p>
+            <a:pPr algn="ctr"/>
+            <a:r>
+              <a:rPr lang="en-US" altLang="ko-KR" sz="2400" spc="-150" smtClean="0">
+                <a:solidFill>
+                  <a:srgbClr val="00002F"/>
+                </a:solidFill>
+                <a:latin typeface="나눔스퀘어 ExtraBold" panose="020B0600000101010101" pitchFamily="50" charset="-127"/>
+                <a:ea typeface="나눔스퀘어 ExtraBold" panose="020B0600000101010101" pitchFamily="50" charset="-127"/>
+              </a:rPr>
+              <a:t>04.</a:t>
+            </a:r>
+            <a:endParaRPr lang="ko-KR" altLang="en-US" sz="2400" spc="-150" dirty="0">
+              <a:solidFill>
+                <a:srgbClr val="00002F"/>
+              </a:solidFill>
+              <a:latin typeface="나눔스퀘어 ExtraBold" panose="020B0600000101010101" pitchFamily="50" charset="-127"/>
+              <a:ea typeface="나눔스퀘어 ExtraBold" panose="020B0600000101010101" pitchFamily="50" charset="-127"/>
+            </a:endParaRPr>
+          </a:p>
+        </p:txBody>
+      </p:sp>
+      <p:sp>
+        <p:nvSpPr>
+          <p:cNvPr id="36" name="TextBox 35">
+            <a:extLst>
+              <a:ext uri="{FF2B5EF4-FFF2-40B4-BE49-F238E27FC236}">
+                <a16:creationId xmlns:a16="http://schemas.microsoft.com/office/drawing/2014/main" id="{76BF0B6A-32FF-436D-83C4-AB1F31C134F8}"/>
+              </a:ext>
+            </a:extLst>
+          </p:cNvPr>
+          <p:cNvSpPr txBox="1"/>
+          <p:nvPr/>
+        </p:nvSpPr>
+        <p:spPr>
+          <a:xfrm>
+            <a:off x="1119982" y="1075034"/>
+            <a:ext cx="2596341" cy="307777"/>
+          </a:xfrm>
+          <a:prstGeom prst="rect">
+            <a:avLst/>
+          </a:prstGeom>
+          <a:noFill/>
+        </p:spPr>
+        <p:txBody>
+          <a:bodyPr wrap="square" rtlCol="0">
+            <a:spAutoFit/>
+          </a:bodyPr>
+          <a:lstStyle/>
+          <a:p>
+            <a:r>
+              <a:rPr lang="en-US" altLang="ko-KR" sz="1400" spc="-100" smtClean="0">
+                <a:ln>
+                  <a:solidFill>
+                    <a:schemeClr val="bg1">
+                      <a:lumMod val="65000"/>
+                      <a:alpha val="0"/>
+                    </a:schemeClr>
+                  </a:solidFill>
+                </a:ln>
+                <a:latin typeface="나눔스퀘어 ExtraBold" panose="020B0600000101010101" pitchFamily="50" charset="-127"/>
+                <a:ea typeface="나눔스퀘어 ExtraBold" panose="020B0600000101010101" pitchFamily="50" charset="-127"/>
+              </a:rPr>
+              <a:t>Exercise</a:t>
+            </a:r>
+            <a:endParaRPr lang="ko-KR" altLang="en-US" sz="1400" spc="-100" dirty="0">
+              <a:ln>
+                <a:solidFill>
+                  <a:schemeClr val="bg1">
+                    <a:lumMod val="65000"/>
+                    <a:alpha val="0"/>
+                  </a:schemeClr>
+                </a:solidFill>
+              </a:ln>
+              <a:latin typeface="나눔스퀘어 ExtraBold" panose="020B0600000101010101" pitchFamily="50" charset="-127"/>
+              <a:ea typeface="나눔스퀘어 ExtraBold" panose="020B0600000101010101" pitchFamily="50" charset="-127"/>
+            </a:endParaRPr>
+          </a:p>
+        </p:txBody>
+      </p:sp>
+      <p:sp>
+        <p:nvSpPr>
+          <p:cNvPr id="9" name="TextBox 8"/>
+          <p:cNvSpPr txBox="1"/>
+          <p:nvPr/>
+        </p:nvSpPr>
+        <p:spPr>
+          <a:xfrm>
+            <a:off x="1088238" y="437393"/>
+            <a:ext cx="5396382" cy="584775"/>
+          </a:xfrm>
+          <a:prstGeom prst="rect">
+            <a:avLst/>
+          </a:prstGeom>
+          <a:noFill/>
+        </p:spPr>
+        <p:txBody>
+          <a:bodyPr wrap="square" rtlCol="0">
+            <a:spAutoFit/>
+          </a:bodyPr>
+          <a:lstStyle/>
+          <a:p>
+            <a:r>
+              <a:rPr lang="en-US" altLang="ko-KR" sz="3200" spc="-150" smtClean="0">
+                <a:solidFill>
+                  <a:srgbClr val="00002F"/>
+                </a:solidFill>
+                <a:latin typeface="나눔스퀘어 ExtraBold" panose="020B0600000101010101" pitchFamily="50" charset="-127"/>
+                <a:ea typeface="나눔스퀘어 ExtraBold" panose="020B0600000101010101" pitchFamily="50" charset="-127"/>
+              </a:rPr>
+              <a:t>Mlflow Models</a:t>
+            </a:r>
+            <a:endParaRPr lang="en-US" altLang="ko-KR" sz="3200" spc="-150">
+              <a:solidFill>
+                <a:srgbClr val="00002F"/>
+              </a:solidFill>
+              <a:latin typeface="나눔스퀘어 ExtraBold" panose="020B0600000101010101" pitchFamily="50" charset="-127"/>
+              <a:ea typeface="나눔스퀘어 ExtraBold" panose="020B0600000101010101" pitchFamily="50" charset="-127"/>
+            </a:endParaRPr>
+          </a:p>
+        </p:txBody>
+      </p:sp>
+      <p:sp>
+        <p:nvSpPr>
+          <p:cNvPr id="7" name="TextBox 6">
+            <a:extLst>
+              <a:ext uri="{FF2B5EF4-FFF2-40B4-BE49-F238E27FC236}">
+                <a16:creationId xmlns:a16="http://schemas.microsoft.com/office/drawing/2014/main" id="{C40C17C7-6436-43BB-AB8B-1F1856BAF096}"/>
+              </a:ext>
+            </a:extLst>
+          </p:cNvPr>
+          <p:cNvSpPr txBox="1"/>
+          <p:nvPr/>
+        </p:nvSpPr>
+        <p:spPr>
+          <a:xfrm>
+            <a:off x="2624423" y="2896173"/>
+            <a:ext cx="6943154" cy="1569660"/>
+          </a:xfrm>
+          <a:prstGeom prst="rect">
+            <a:avLst/>
+          </a:prstGeom>
+          <a:noFill/>
+        </p:spPr>
+        <p:txBody>
+          <a:bodyPr wrap="square" rtlCol="0" anchor="ctr">
+            <a:spAutoFit/>
+          </a:bodyPr>
+          <a:lstStyle/>
+          <a:p>
+            <a:pPr marL="171450" indent="-171450">
+              <a:lnSpc>
+                <a:spcPct val="200000"/>
+              </a:lnSpc>
+              <a:buFont typeface="Arial" panose="020B0604020202020204" pitchFamily="34" charset="0"/>
+              <a:buChar char="•"/>
+            </a:pPr>
+            <a:r>
+              <a:rPr lang="en-US" altLang="ko-KR" sz="1200" spc="-103">
+                <a:ln>
+                  <a:solidFill>
+                    <a:schemeClr val="bg1">
+                      <a:lumMod val="85000"/>
+                      <a:alpha val="0"/>
+                    </a:schemeClr>
+                  </a:solidFill>
+                </a:ln>
+                <a:latin typeface="나눔스퀘어 Bold" panose="020B0600000101010101" pitchFamily="50" charset="-127"/>
+                <a:ea typeface="나눔스퀘어 Bold" panose="020B0600000101010101" pitchFamily="50" charset="-127"/>
+              </a:rPr>
+              <a:t>mlflow models serve -m runs:/2e42495638d24ee5a1fc1f25354cde96/titanic_model --</a:t>
+            </a:r>
+            <a:r>
+              <a:rPr lang="en-US" altLang="ko-KR" sz="1200" spc="-103" smtClean="0">
+                <a:ln>
+                  <a:solidFill>
+                    <a:schemeClr val="bg1">
+                      <a:lumMod val="85000"/>
+                      <a:alpha val="0"/>
+                    </a:schemeClr>
+                  </a:solidFill>
+                </a:ln>
+                <a:latin typeface="나눔스퀘어 Bold" panose="020B0600000101010101" pitchFamily="50" charset="-127"/>
+                <a:ea typeface="나눔스퀘어 Bold" panose="020B0600000101010101" pitchFamily="50" charset="-127"/>
+              </a:rPr>
+              <a:t>no-conda</a:t>
+            </a:r>
+            <a:endParaRPr lang="en-US" altLang="ko-KR" sz="1200" spc="-103">
+              <a:ln>
+                <a:solidFill>
+                  <a:schemeClr val="bg1">
+                    <a:lumMod val="85000"/>
+                    <a:alpha val="0"/>
+                  </a:schemeClr>
+                </a:solidFill>
+              </a:ln>
+              <a:latin typeface="나눔스퀘어 Bold" panose="020B0600000101010101" pitchFamily="50" charset="-127"/>
+              <a:ea typeface="나눔스퀘어 Bold" panose="020B0600000101010101" pitchFamily="50" charset="-127"/>
+            </a:endParaRPr>
+          </a:p>
+          <a:p>
+            <a:pPr marL="171450" indent="-171450">
+              <a:lnSpc>
+                <a:spcPct val="200000"/>
+              </a:lnSpc>
+              <a:buFont typeface="Arial" panose="020B0604020202020204" pitchFamily="34" charset="0"/>
+              <a:buChar char="•"/>
+            </a:pPr>
+            <a:r>
+              <a:rPr lang="en-US" altLang="ko-KR" sz="1200" spc="-103">
+                <a:ln>
+                  <a:solidFill>
+                    <a:schemeClr val="bg1">
+                      <a:lumMod val="85000"/>
+                      <a:alpha val="0"/>
+                    </a:schemeClr>
+                  </a:solidFill>
+                </a:ln>
+                <a:latin typeface="나눔스퀘어 Bold" panose="020B0600000101010101" pitchFamily="50" charset="-127"/>
+                <a:ea typeface="나눔스퀘어 Bold" panose="020B0600000101010101" pitchFamily="50" charset="-127"/>
+              </a:rPr>
+              <a:t>mlflow models serve -m runs:/</a:t>
+            </a:r>
+            <a:r>
+              <a:rPr lang="en-US" altLang="ko-KR" sz="1200" spc="-103" smtClean="0">
+                <a:ln>
+                  <a:solidFill>
+                    <a:schemeClr val="bg1">
+                      <a:lumMod val="85000"/>
+                      <a:alpha val="0"/>
+                    </a:schemeClr>
+                  </a:solidFill>
+                </a:ln>
+                <a:latin typeface="나눔스퀘어 Bold" panose="020B0600000101010101" pitchFamily="50" charset="-127"/>
+                <a:ea typeface="나눔스퀘어 Bold" panose="020B0600000101010101" pitchFamily="50" charset="-127"/>
+              </a:rPr>
+              <a:t>9359c3a76776440184347b2d51b8ca9f/titanic_model</a:t>
+            </a:r>
+          </a:p>
+          <a:p>
+            <a:pPr marL="171450" indent="-171450">
+              <a:lnSpc>
+                <a:spcPct val="200000"/>
+              </a:lnSpc>
+              <a:buFont typeface="Arial" panose="020B0604020202020204" pitchFamily="34" charset="0"/>
+              <a:buChar char="•"/>
+            </a:pPr>
+            <a:r>
+              <a:rPr lang="en-US" altLang="ko-KR" sz="1200" spc="-103">
+                <a:ln>
+                  <a:solidFill>
+                    <a:schemeClr val="bg1">
+                      <a:lumMod val="85000"/>
+                      <a:alpha val="0"/>
+                    </a:schemeClr>
+                  </a:solidFill>
+                </a:ln>
+                <a:latin typeface="나눔스퀘어 Bold" panose="020B0600000101010101" pitchFamily="50" charset="-127"/>
+                <a:ea typeface="나눔스퀘어 Bold" panose="020B0600000101010101" pitchFamily="50" charset="-127"/>
+              </a:rPr>
+              <a:t>curl http://10.20.81.77:1012/invocations -H 'Content-Type: application/json' -d '{"columns": ["Pclass", "Sex", "Fare", "SibSp", "Parch"], "data": [[1, 2, 3, 2 ,2], [1, 2, 4, 5, 6]]}'</a:t>
+            </a:r>
+          </a:p>
+        </p:txBody>
+      </p:sp>
+    </p:spTree>
+    <p:extLst>
+      <p:ext uri="{BB962C8B-B14F-4D97-AF65-F5344CB8AC3E}">
+        <p14:creationId xmlns:p14="http://schemas.microsoft.com/office/powerpoint/2010/main" val="2837007872"/>
+      </p:ext>
+    </p:extLst>
+  </p:cSld>
+  <p:clrMapOvr>
+    <a:masterClrMapping/>
+  </p:clrMapOvr>
+</p:sld>
+</file>
+
 <file path=ppt/slides/slide2.xml><?xml version="1.0" encoding="utf-8"?>
 <p:sld xmlns:a="http://schemas.openxmlformats.org/drawingml/2006/main" xmlns:r="http://schemas.openxmlformats.org/officeDocument/2006/relationships" xmlns:p="http://schemas.openxmlformats.org/presentationml/2006/main">
   <p:cSld>
@@ -1227,8 +4599,8 @@
         </p:nvSpPr>
         <p:spPr>
           <a:xfrm>
-            <a:off x="2641871" y="4458124"/>
-            <a:ext cx="7092333" cy="1938992"/>
+            <a:off x="2629566" y="4720844"/>
+            <a:ext cx="6932869" cy="1938992"/>
           </a:xfrm>
           <a:prstGeom prst="rect">
             <a:avLst/>
@@ -1249,6 +4621,21 @@
               <a:buChar char="•"/>
             </a:pPr>
             <a:r>
+              <a:rPr lang="en-US" altLang="ko-KR" sz="1200" spc="-103" smtClean="0">
+                <a:ln>
+                  <a:solidFill>
+                    <a:schemeClr val="bg1">
+                      <a:lumMod val="85000"/>
+                      <a:alpha val="0"/>
+                    </a:schemeClr>
+                  </a:solidFill>
+                </a:ln>
+                <a:latin typeface="나눔스퀘어 Bold" panose="020B0600000101010101" pitchFamily="50" charset="-127"/>
+                <a:ea typeface="나눔스퀘어 Bold" panose="020B0600000101010101" pitchFamily="50" charset="-127"/>
+              </a:rPr>
+              <a:t>2018</a:t>
+            </a:r>
+            <a:r>
               <a:rPr lang="ko-KR" altLang="en-US" sz="1200" spc="-103" smtClean="0">
                 <a:ln>
                   <a:solidFill>
@@ -1261,23 +4648,20 @@
                 <a:latin typeface="나눔스퀘어 Bold" panose="020B0600000101010101" pitchFamily="50" charset="-127"/>
                 <a:ea typeface="나눔스퀘어 Bold" panose="020B0600000101010101" pitchFamily="50" charset="-127"/>
               </a:rPr>
-              <a:t>인공지능을 처음 입문하면 알고리즘 공부를 열심히 한다</a:t>
-            </a:r>
-            <a:r>
-              <a:rPr lang="en-US" altLang="ko-KR" sz="1200" spc="-103" smtClean="0">
-                <a:ln>
-                  <a:solidFill>
-                    <a:schemeClr val="bg1">
-                      <a:lumMod val="85000"/>
-                      <a:alpha val="0"/>
-                    </a:schemeClr>
-                  </a:solidFill>
-                </a:ln>
-                <a:latin typeface="나눔스퀘어 Bold" panose="020B0600000101010101" pitchFamily="50" charset="-127"/>
-                <a:ea typeface="나눔스퀘어 Bold" panose="020B0600000101010101" pitchFamily="50" charset="-127"/>
-              </a:rPr>
-              <a:t>.</a:t>
-            </a:r>
+              <a:t>년 인공지능을 처음 공부했을 때 생각한 내 모습</a:t>
+            </a:r>
+            <a:endParaRPr lang="en-US" altLang="ko-KR" sz="1200" spc="-103" smtClean="0">
+              <a:ln>
+                <a:solidFill>
+                  <a:schemeClr val="bg1">
+                    <a:lumMod val="85000"/>
+                    <a:alpha val="0"/>
+                  </a:schemeClr>
+                </a:solidFill>
+              </a:ln>
+              <a:latin typeface="나눔스퀘어 Bold" panose="020B0600000101010101" pitchFamily="50" charset="-127"/>
+              <a:ea typeface="나눔스퀘어 Bold" panose="020B0600000101010101" pitchFamily="50" charset="-127"/>
+            </a:endParaRPr>
           </a:p>
           <a:p>
             <a:pPr marL="628650" lvl="1" indent="-171450">
@@ -1354,7 +4738,7 @@
                 <a:latin typeface="나눔스퀘어 Bold" panose="020B0600000101010101" pitchFamily="50" charset="-127"/>
                 <a:ea typeface="나눔스퀘어 Bold" panose="020B0600000101010101" pitchFamily="50" charset="-127"/>
               </a:rPr>
-              <a:t>NB, SVM, Random Forest, XGBoost </a:t>
+              <a:t>EDA </a:t>
             </a:r>
             <a:r>
               <a:rPr lang="ko-KR" altLang="en-US" sz="1200" spc="-103" smtClean="0">
@@ -1369,7 +4753,7 @@
                 <a:latin typeface="나눔스퀘어 Bold" panose="020B0600000101010101" pitchFamily="50" charset="-127"/>
                 <a:ea typeface="나눔스퀘어 Bold" panose="020B0600000101010101" pitchFamily="50" charset="-127"/>
               </a:rPr>
-              <a:t>같은 통계기반 알고리즘은 어떻게 작동하고 어느때 좋을까</a:t>
+              <a:t>어떻게 하지</a:t>
             </a:r>
             <a:r>
               <a:rPr lang="en-US" altLang="ko-KR" sz="1200" spc="-103" smtClean="0">
@@ -1396,6 +4780,21 @@
               <a:buChar char="•"/>
             </a:pPr>
             <a:r>
+              <a:rPr lang="en-US" altLang="ko-KR" sz="1200" spc="-103" smtClean="0">
+                <a:ln>
+                  <a:solidFill>
+                    <a:schemeClr val="bg1">
+                      <a:lumMod val="85000"/>
+                      <a:alpha val="0"/>
+                    </a:schemeClr>
+                  </a:solidFill>
+                </a:ln>
+                <a:latin typeface="나눔스퀘어 Bold" panose="020B0600000101010101" pitchFamily="50" charset="-127"/>
+                <a:ea typeface="나눔스퀘어 Bold" panose="020B0600000101010101" pitchFamily="50" charset="-127"/>
+              </a:rPr>
+              <a:t>NB, SVM, Random Forest, XGBoost </a:t>
+            </a:r>
+            <a:r>
               <a:rPr lang="ko-KR" altLang="en-US" sz="1200" spc="-103" smtClean="0">
                 <a:ln>
                   <a:solidFill>
@@ -1408,7 +4807,22 @@
                 <a:latin typeface="나눔스퀘어 Bold" panose="020B0600000101010101" pitchFamily="50" charset="-127"/>
                 <a:ea typeface="나눔스퀘어 Bold" panose="020B0600000101010101" pitchFamily="50" charset="-127"/>
               </a:rPr>
-              <a:t>역전파가 뭐지</a:t>
+              <a:t>같은 통계기반 알고리즘은 어떤</a:t>
+            </a:r>
+            <a:r>
+              <a:rPr lang="en-US" altLang="ko-KR" sz="1200" spc="-103">
+                <a:ln>
+                  <a:solidFill>
+                    <a:schemeClr val="bg1">
+                      <a:lumMod val="85000"/>
+                      <a:alpha val="0"/>
+                    </a:schemeClr>
+                  </a:solidFill>
+                </a:ln>
+                <a:latin typeface="나눔스퀘어 Bold" panose="020B0600000101010101" pitchFamily="50" charset="-127"/>
+                <a:ea typeface="나눔스퀘어 Bold" panose="020B0600000101010101" pitchFamily="50" charset="-127"/>
+              </a:rPr>
+              <a:t> </a:t>
             </a:r>
             <a:r>
               <a:rPr lang="en-US" altLang="ko-KR" sz="1200" spc="-103" smtClean="0">
@@ -1423,7 +4837,7 @@
                 <a:latin typeface="나눔스퀘어 Bold" panose="020B0600000101010101" pitchFamily="50" charset="-127"/>
                 <a:ea typeface="나눔스퀘어 Bold" panose="020B0600000101010101" pitchFamily="50" charset="-127"/>
               </a:rPr>
-              <a:t>? CNN</a:t>
+              <a:t>Feature</a:t>
             </a:r>
             <a:r>
               <a:rPr lang="ko-KR" altLang="en-US" sz="1200" spc="-103" smtClean="0">
@@ -1438,7 +4852,7 @@
                 <a:latin typeface="나눔스퀘어 Bold" panose="020B0600000101010101" pitchFamily="50" charset="-127"/>
                 <a:ea typeface="나눔스퀘어 Bold" panose="020B0600000101010101" pitchFamily="50" charset="-127"/>
               </a:rPr>
-              <a:t>이 뭐지</a:t>
+              <a:t>를 뽑아야 더 좋은 성능을 보일까</a:t>
             </a:r>
             <a:r>
               <a:rPr lang="en-US" altLang="ko-KR" sz="1200" spc="-103" smtClean="0">
@@ -1453,71 +4867,11 @@
                 <a:latin typeface="나눔스퀘어 Bold" panose="020B0600000101010101" pitchFamily="50" charset="-127"/>
                 <a:ea typeface="나눔스퀘어 Bold" panose="020B0600000101010101" pitchFamily="50" charset="-127"/>
               </a:rPr>
-              <a:t>? RNN</a:t>
-            </a:r>
-            <a:r>
-              <a:rPr lang="ko-KR" altLang="en-US" sz="1200" spc="-103" smtClean="0">
-                <a:ln>
-                  <a:solidFill>
-                    <a:schemeClr val="bg1">
-                      <a:lumMod val="85000"/>
-                      <a:alpha val="0"/>
-                    </a:schemeClr>
-                  </a:solidFill>
-                </a:ln>
-                <a:latin typeface="나눔스퀘어 Bold" panose="020B0600000101010101" pitchFamily="50" charset="-127"/>
-                <a:ea typeface="나눔스퀘어 Bold" panose="020B0600000101010101" pitchFamily="50" charset="-127"/>
-              </a:rPr>
-              <a:t>이  뭐지</a:t>
-            </a:r>
-            <a:r>
-              <a:rPr lang="en-US" altLang="ko-KR" sz="1200" spc="-103" smtClean="0">
-                <a:ln>
-                  <a:solidFill>
-                    <a:schemeClr val="bg1">
-                      <a:lumMod val="85000"/>
-                      <a:alpha val="0"/>
-                    </a:schemeClr>
-                  </a:solidFill>
-                </a:ln>
-                <a:latin typeface="나눔스퀘어 Bold" panose="020B0600000101010101" pitchFamily="50" charset="-127"/>
-                <a:ea typeface="나눔스퀘어 Bold" panose="020B0600000101010101" pitchFamily="50" charset="-127"/>
-              </a:rPr>
-              <a:t>? Attention</a:t>
-            </a:r>
-            <a:r>
-              <a:rPr lang="ko-KR" altLang="en-US" sz="1200" spc="-103" smtClean="0">
-                <a:ln>
-                  <a:solidFill>
-                    <a:schemeClr val="bg1">
-                      <a:lumMod val="85000"/>
-                      <a:alpha val="0"/>
-                    </a:schemeClr>
-                  </a:solidFill>
-                </a:ln>
-                <a:latin typeface="나눔스퀘어 Bold" panose="020B0600000101010101" pitchFamily="50" charset="-127"/>
-                <a:ea typeface="나눔스퀘어 Bold" panose="020B0600000101010101" pitchFamily="50" charset="-127"/>
-              </a:rPr>
-              <a:t>이 뭐지</a:t>
-            </a:r>
-            <a:r>
-              <a:rPr lang="en-US" altLang="ko-KR" sz="1200" spc="-103" smtClean="0">
-                <a:ln>
-                  <a:solidFill>
-                    <a:schemeClr val="bg1">
-                      <a:lumMod val="85000"/>
-                      <a:alpha val="0"/>
-                    </a:schemeClr>
-                  </a:solidFill>
-                </a:ln>
-                <a:latin typeface="나눔스퀘어 Bold" panose="020B0600000101010101" pitchFamily="50" charset="-127"/>
-                <a:ea typeface="나눔스퀘어 Bold" panose="020B0600000101010101" pitchFamily="50" charset="-127"/>
-              </a:rPr>
               <a:t>?</a:t>
             </a:r>
           </a:p>
           <a:p>
-            <a:pPr marL="171450" indent="-171450">
+            <a:pPr marL="628650" lvl="1" indent="-171450">
               <a:lnSpc>
                 <a:spcPct val="200000"/>
               </a:lnSpc>
@@ -1525,6 +4879,21 @@
               <a:buChar char="•"/>
             </a:pPr>
             <a:r>
+              <a:rPr lang="en-US" altLang="ko-KR" sz="1200" spc="-103" smtClean="0">
+                <a:ln>
+                  <a:solidFill>
+                    <a:schemeClr val="bg1">
+                      <a:lumMod val="85000"/>
+                      <a:alpha val="0"/>
+                    </a:schemeClr>
+                  </a:solidFill>
+                </a:ln>
+                <a:latin typeface="나눔스퀘어 Bold" panose="020B0600000101010101" pitchFamily="50" charset="-127"/>
+                <a:ea typeface="나눔스퀘어 Bold" panose="020B0600000101010101" pitchFamily="50" charset="-127"/>
+              </a:rPr>
+              <a:t>Loss</a:t>
+            </a:r>
+            <a:r>
               <a:rPr lang="ko-KR" altLang="en-US" sz="1200" spc="-103" smtClean="0">
                 <a:ln>
                   <a:solidFill>
@@ -1537,7 +4906,7 @@
                 <a:latin typeface="나눔스퀘어 Bold" panose="020B0600000101010101" pitchFamily="50" charset="-127"/>
                 <a:ea typeface="나눔스퀘어 Bold" panose="020B0600000101010101" pitchFamily="50" charset="-127"/>
               </a:rPr>
-              <a:t>배운 알고리즘은 </a:t>
+              <a:t>를 빠르게 수렴시키기 위한 방법들이 무엇이 있을까</a:t>
             </a:r>
             <a:r>
               <a:rPr lang="en-US" altLang="ko-KR" sz="1200" spc="-103" smtClean="0">
@@ -1552,97 +4921,7 @@
                 <a:latin typeface="나눔스퀘어 Bold" panose="020B0600000101010101" pitchFamily="50" charset="-127"/>
                 <a:ea typeface="나눔스퀘어 Bold" panose="020B0600000101010101" pitchFamily="50" charset="-127"/>
               </a:rPr>
-              <a:t>Kaggle</a:t>
-            </a:r>
-            <a:r>
-              <a:rPr lang="ko-KR" altLang="en-US" sz="1200" spc="-103" smtClean="0">
-                <a:ln>
-                  <a:solidFill>
-                    <a:schemeClr val="bg1">
-                      <a:lumMod val="85000"/>
-                      <a:alpha val="0"/>
-                    </a:schemeClr>
-                  </a:solidFill>
-                </a:ln>
-                <a:latin typeface="나눔스퀘어 Bold" panose="020B0600000101010101" pitchFamily="50" charset="-127"/>
-                <a:ea typeface="나눔스퀘어 Bold" panose="020B0600000101010101" pitchFamily="50" charset="-127"/>
-              </a:rPr>
-              <a:t>의 </a:t>
-            </a:r>
-            <a:r>
-              <a:rPr lang="en-US" altLang="ko-KR" sz="1200" spc="-103" smtClean="0">
-                <a:ln>
-                  <a:solidFill>
-                    <a:schemeClr val="bg1">
-                      <a:lumMod val="85000"/>
-                      <a:alpha val="0"/>
-                    </a:schemeClr>
-                  </a:solidFill>
-                </a:ln>
-                <a:latin typeface="나눔스퀘어 Bold" panose="020B0600000101010101" pitchFamily="50" charset="-127"/>
-                <a:ea typeface="나눔스퀘어 Bold" panose="020B0600000101010101" pitchFamily="50" charset="-127"/>
-              </a:rPr>
-              <a:t>competition</a:t>
-            </a:r>
-            <a:r>
-              <a:rPr lang="ko-KR" altLang="en-US" sz="1200" spc="-103" smtClean="0">
-                <a:ln>
-                  <a:solidFill>
-                    <a:schemeClr val="bg1">
-                      <a:lumMod val="85000"/>
-                      <a:alpha val="0"/>
-                    </a:schemeClr>
-                  </a:solidFill>
-                </a:ln>
-                <a:latin typeface="나눔스퀘어 Bold" panose="020B0600000101010101" pitchFamily="50" charset="-127"/>
-                <a:ea typeface="나눔스퀘어 Bold" panose="020B0600000101010101" pitchFamily="50" charset="-127"/>
-              </a:rPr>
-              <a:t>에 참여하며 모델을 학습시키고 성능을 본다</a:t>
-            </a:r>
-            <a:r>
-              <a:rPr lang="en-US" altLang="ko-KR" sz="1200" spc="-103" smtClean="0">
-                <a:ln>
-                  <a:solidFill>
-                    <a:schemeClr val="bg1">
-                      <a:lumMod val="85000"/>
-                      <a:alpha val="0"/>
-                    </a:schemeClr>
-                  </a:solidFill>
-                </a:ln>
-                <a:latin typeface="나눔스퀘어 Bold" panose="020B0600000101010101" pitchFamily="50" charset="-127"/>
-                <a:ea typeface="나눔스퀘어 Bold" panose="020B0600000101010101" pitchFamily="50" charset="-127"/>
-              </a:rPr>
-              <a:t>. </a:t>
-            </a:r>
-            <a:r>
-              <a:rPr lang="ko-KR" altLang="en-US" sz="1200" spc="-103" smtClean="0">
-                <a:ln>
-                  <a:solidFill>
-                    <a:schemeClr val="bg1">
-                      <a:lumMod val="85000"/>
-                      <a:alpha val="0"/>
-                    </a:schemeClr>
-                  </a:solidFill>
-                </a:ln>
-                <a:latin typeface="나눔스퀘어 Bold" panose="020B0600000101010101" pitchFamily="50" charset="-127"/>
-                <a:ea typeface="나눔스퀘어 Bold" panose="020B0600000101010101" pitchFamily="50" charset="-127"/>
-              </a:rPr>
-              <a:t>올라가는 리더보드 순위를 보며 뿌듯</a:t>
-            </a:r>
-            <a:r>
-              <a:rPr lang="en-US" altLang="ko-KR" sz="1200" spc="-103" smtClean="0">
-                <a:ln>
-                  <a:solidFill>
-                    <a:schemeClr val="bg1">
-                      <a:lumMod val="85000"/>
-                      <a:alpha val="0"/>
-                    </a:schemeClr>
-                  </a:solidFill>
-                </a:ln>
-                <a:latin typeface="나눔스퀘어 Bold" panose="020B0600000101010101" pitchFamily="50" charset="-127"/>
-                <a:ea typeface="나눔스퀘어 Bold" panose="020B0600000101010101" pitchFamily="50" charset="-127"/>
-              </a:rPr>
-              <a:t>!</a:t>
+              <a:t>?</a:t>
             </a:r>
           </a:p>
         </p:txBody>
@@ -1701,7 +4980,7 @@
       </p:sp>
       <p:pic>
         <p:nvPicPr>
-          <p:cNvPr id="7" name="Picture 4" descr="Kaggle] 캐글 시작하기 (타이타닉 문제) :: Juun42"/>
+          <p:cNvPr id="1026" name="Picture 2" descr="전쟁 역사 바꾼 천재 실화 &amp;#39;수학자 울람&amp;#39; 영화로 부활 &amp;lt; 영화 &amp;lt; 문화 &amp;lt; 기사본문 - 강원도민일보"/>
           <p:cNvPicPr>
             <a:picLocks noChangeAspect="1" noChangeArrowheads="1"/>
           </p:cNvPicPr>
@@ -1722,8 +5001,8 @@
         </p:blipFill>
         <p:spPr bwMode="auto">
           <a:xfrm>
-            <a:off x="2331564" y="1737295"/>
-            <a:ext cx="7528873" cy="2413025"/>
+            <a:off x="4014175" y="1749422"/>
+            <a:ext cx="4163650" cy="2771430"/>
           </a:xfrm>
           <a:prstGeom prst="rect">
             <a:avLst/>
@@ -1743,7 +5022,1498 @@
     </p:spTree>
     <p:extLst>
       <p:ext uri="{BB962C8B-B14F-4D97-AF65-F5344CB8AC3E}">
-        <p14:creationId xmlns:p14="http://schemas.microsoft.com/office/powerpoint/2010/main" val="3307504117"/>
+        <p14:creationId xmlns:p14="http://schemas.microsoft.com/office/powerpoint/2010/main" val="2069102524"/>
+      </p:ext>
+    </p:extLst>
+  </p:cSld>
+  <p:clrMapOvr>
+    <a:masterClrMapping/>
+  </p:clrMapOvr>
+</p:sld>
+</file>
+
+<file path=ppt/slides/slide20.xml><?xml version="1.0" encoding="utf-8"?>
+<p:sld xmlns:a="http://schemas.openxmlformats.org/drawingml/2006/main" xmlns:r="http://schemas.openxmlformats.org/officeDocument/2006/relationships" xmlns:p="http://schemas.openxmlformats.org/presentationml/2006/main">
+  <p:cSld>
+    <p:spTree>
+      <p:nvGrpSpPr>
+        <p:cNvPr id="1" name=""/>
+        <p:cNvGrpSpPr/>
+        <p:nvPr/>
+      </p:nvGrpSpPr>
+      <p:grpSpPr>
+        <a:xfrm>
+          <a:off x="0" y="0"/>
+          <a:ext cx="0" cy="0"/>
+          <a:chOff x="0" y="0"/>
+          <a:chExt cx="0" cy="0"/>
+        </a:xfrm>
+      </p:grpSpPr>
+      <p:sp>
+        <p:nvSpPr>
+          <p:cNvPr id="12" name="TextBox 11"/>
+          <p:cNvSpPr txBox="1"/>
+          <p:nvPr/>
+        </p:nvSpPr>
+        <p:spPr>
+          <a:xfrm>
+            <a:off x="455532" y="498947"/>
+            <a:ext cx="614271" cy="461665"/>
+          </a:xfrm>
+          <a:prstGeom prst="rect">
+            <a:avLst/>
+          </a:prstGeom>
+          <a:noFill/>
+        </p:spPr>
+        <p:txBody>
+          <a:bodyPr wrap="square" rtlCol="0">
+            <a:spAutoFit/>
+          </a:bodyPr>
+          <a:lstStyle/>
+          <a:p>
+            <a:pPr algn="ctr"/>
+            <a:r>
+              <a:rPr lang="en-US" altLang="ko-KR" sz="2400" spc="-150" smtClean="0">
+                <a:solidFill>
+                  <a:srgbClr val="00002F"/>
+                </a:solidFill>
+                <a:latin typeface="나눔스퀘어 ExtraBold" panose="020B0600000101010101" pitchFamily="50" charset="-127"/>
+                <a:ea typeface="나눔스퀘어 ExtraBold" panose="020B0600000101010101" pitchFamily="50" charset="-127"/>
+              </a:rPr>
+              <a:t>05.</a:t>
+            </a:r>
+            <a:endParaRPr lang="ko-KR" altLang="en-US" sz="2400" spc="-150" dirty="0">
+              <a:solidFill>
+                <a:srgbClr val="00002F"/>
+              </a:solidFill>
+              <a:latin typeface="나눔스퀘어 ExtraBold" panose="020B0600000101010101" pitchFamily="50" charset="-127"/>
+              <a:ea typeface="나눔스퀘어 ExtraBold" panose="020B0600000101010101" pitchFamily="50" charset="-127"/>
+            </a:endParaRPr>
+          </a:p>
+        </p:txBody>
+      </p:sp>
+      <p:sp>
+        <p:nvSpPr>
+          <p:cNvPr id="9" name="TextBox 8"/>
+          <p:cNvSpPr txBox="1"/>
+          <p:nvPr/>
+        </p:nvSpPr>
+        <p:spPr>
+          <a:xfrm>
+            <a:off x="1088238" y="437393"/>
+            <a:ext cx="5396382" cy="584775"/>
+          </a:xfrm>
+          <a:prstGeom prst="rect">
+            <a:avLst/>
+          </a:prstGeom>
+          <a:noFill/>
+        </p:spPr>
+        <p:txBody>
+          <a:bodyPr wrap="square" rtlCol="0">
+            <a:spAutoFit/>
+          </a:bodyPr>
+          <a:lstStyle/>
+          <a:p>
+            <a:r>
+              <a:rPr lang="en-US" altLang="ko-KR" sz="3200" spc="-150" smtClean="0">
+                <a:solidFill>
+                  <a:srgbClr val="00002F"/>
+                </a:solidFill>
+                <a:latin typeface="나눔스퀘어 ExtraBold" panose="020B0600000101010101" pitchFamily="50" charset="-127"/>
+                <a:ea typeface="나눔스퀘어 ExtraBold" panose="020B0600000101010101" pitchFamily="50" charset="-127"/>
+              </a:rPr>
+              <a:t>Pipeline</a:t>
+            </a:r>
+            <a:endParaRPr lang="en-US" altLang="ko-KR" sz="3200" spc="-150">
+              <a:solidFill>
+                <a:srgbClr val="00002F"/>
+              </a:solidFill>
+              <a:latin typeface="나눔스퀘어 ExtraBold" panose="020B0600000101010101" pitchFamily="50" charset="-127"/>
+              <a:ea typeface="나눔스퀘어 ExtraBold" panose="020B0600000101010101" pitchFamily="50" charset="-127"/>
+            </a:endParaRPr>
+          </a:p>
+        </p:txBody>
+      </p:sp>
+      <p:sp>
+        <p:nvSpPr>
+          <p:cNvPr id="10" name="TextBox 7"/>
+          <p:cNvSpPr txBox="1"/>
+          <p:nvPr/>
+        </p:nvSpPr>
+        <p:spPr>
+          <a:xfrm>
+            <a:off x="834797" y="3170549"/>
+            <a:ext cx="1368000" cy="276999"/>
+          </a:xfrm>
+          <a:prstGeom prst="rect">
+            <a:avLst/>
+          </a:prstGeom>
+          <a:solidFill>
+            <a:schemeClr val="accent6">
+              <a:lumMod val="20000"/>
+              <a:lumOff val="80000"/>
+            </a:schemeClr>
+          </a:solidFill>
+          <a:ln>
+            <a:noFill/>
+          </a:ln>
+        </p:spPr>
+        <p:txBody>
+          <a:bodyPr wrap="square" rtlCol="0">
+            <a:spAutoFit/>
+          </a:bodyPr>
+          <a:lstStyle>
+            <a:defPPr>
+              <a:defRPr lang="ko-KR"/>
+            </a:defPPr>
+            <a:lvl1pPr marL="0" algn="l" defTabSz="914400" rtl="0" eaLnBrk="1" latinLnBrk="1" hangingPunct="1">
+              <a:defRPr sz="1800" kern="1200">
+                <a:solidFill>
+                  <a:schemeClr val="tx1"/>
+                </a:solidFill>
+                <a:latin typeface="+mn-lt"/>
+                <a:ea typeface="+mn-ea"/>
+                <a:cs typeface="+mn-cs"/>
+              </a:defRPr>
+            </a:lvl1pPr>
+            <a:lvl2pPr marL="457200" algn="l" defTabSz="914400" rtl="0" eaLnBrk="1" latinLnBrk="1" hangingPunct="1">
+              <a:defRPr sz="1800" kern="1200">
+                <a:solidFill>
+                  <a:schemeClr val="tx1"/>
+                </a:solidFill>
+                <a:latin typeface="+mn-lt"/>
+                <a:ea typeface="+mn-ea"/>
+                <a:cs typeface="+mn-cs"/>
+              </a:defRPr>
+            </a:lvl2pPr>
+            <a:lvl3pPr marL="914400" algn="l" defTabSz="914400" rtl="0" eaLnBrk="1" latinLnBrk="1" hangingPunct="1">
+              <a:defRPr sz="1800" kern="1200">
+                <a:solidFill>
+                  <a:schemeClr val="tx1"/>
+                </a:solidFill>
+                <a:latin typeface="+mn-lt"/>
+                <a:ea typeface="+mn-ea"/>
+                <a:cs typeface="+mn-cs"/>
+              </a:defRPr>
+            </a:lvl3pPr>
+            <a:lvl4pPr marL="1371600" algn="l" defTabSz="914400" rtl="0" eaLnBrk="1" latinLnBrk="1" hangingPunct="1">
+              <a:defRPr sz="1800" kern="1200">
+                <a:solidFill>
+                  <a:schemeClr val="tx1"/>
+                </a:solidFill>
+                <a:latin typeface="+mn-lt"/>
+                <a:ea typeface="+mn-ea"/>
+                <a:cs typeface="+mn-cs"/>
+              </a:defRPr>
+            </a:lvl4pPr>
+            <a:lvl5pPr marL="1828800" algn="l" defTabSz="914400" rtl="0" eaLnBrk="1" latinLnBrk="1" hangingPunct="1">
+              <a:defRPr sz="1800" kern="1200">
+                <a:solidFill>
+                  <a:schemeClr val="tx1"/>
+                </a:solidFill>
+                <a:latin typeface="+mn-lt"/>
+                <a:ea typeface="+mn-ea"/>
+                <a:cs typeface="+mn-cs"/>
+              </a:defRPr>
+            </a:lvl5pPr>
+            <a:lvl6pPr marL="2286000" algn="l" defTabSz="914400" rtl="0" eaLnBrk="1" latinLnBrk="1" hangingPunct="1">
+              <a:defRPr sz="1800" kern="1200">
+                <a:solidFill>
+                  <a:schemeClr val="tx1"/>
+                </a:solidFill>
+                <a:latin typeface="+mn-lt"/>
+                <a:ea typeface="+mn-ea"/>
+                <a:cs typeface="+mn-cs"/>
+              </a:defRPr>
+            </a:lvl6pPr>
+            <a:lvl7pPr marL="2743200" algn="l" defTabSz="914400" rtl="0" eaLnBrk="1" latinLnBrk="1" hangingPunct="1">
+              <a:defRPr sz="1800" kern="1200">
+                <a:solidFill>
+                  <a:schemeClr val="tx1"/>
+                </a:solidFill>
+                <a:latin typeface="+mn-lt"/>
+                <a:ea typeface="+mn-ea"/>
+                <a:cs typeface="+mn-cs"/>
+              </a:defRPr>
+            </a:lvl7pPr>
+            <a:lvl8pPr marL="3200400" algn="l" defTabSz="914400" rtl="0" eaLnBrk="1" latinLnBrk="1" hangingPunct="1">
+              <a:defRPr sz="1800" kern="1200">
+                <a:solidFill>
+                  <a:schemeClr val="tx1"/>
+                </a:solidFill>
+                <a:latin typeface="+mn-lt"/>
+                <a:ea typeface="+mn-ea"/>
+                <a:cs typeface="+mn-cs"/>
+              </a:defRPr>
+            </a:lvl8pPr>
+            <a:lvl9pPr marL="3657600" algn="l" defTabSz="914400" rtl="0" eaLnBrk="1" latinLnBrk="1" hangingPunct="1">
+              <a:defRPr sz="1800" kern="1200">
+                <a:solidFill>
+                  <a:schemeClr val="tx1"/>
+                </a:solidFill>
+                <a:latin typeface="+mn-lt"/>
+                <a:ea typeface="+mn-ea"/>
+                <a:cs typeface="+mn-cs"/>
+              </a:defRPr>
+            </a:lvl9pPr>
+          </a:lstStyle>
+          <a:p>
+            <a:pPr algn="ctr">
+              <a:spcBef>
+                <a:spcPts val="600"/>
+              </a:spcBef>
+            </a:pPr>
+            <a:r>
+              <a:rPr lang="en-US" altLang="ko-KR" sz="1200" smtClean="0">
+                <a:solidFill>
+                  <a:prstClr val="black"/>
+                </a:solidFill>
+                <a:latin typeface="나눔스퀘어 Bold" panose="020B0600000101010101" pitchFamily="50" charset="-127"/>
+                <a:ea typeface="나눔스퀘어 Bold" panose="020B0600000101010101" pitchFamily="50" charset="-127"/>
+              </a:rPr>
+              <a:t>Load Data</a:t>
+            </a:r>
+          </a:p>
+        </p:txBody>
+      </p:sp>
+      <p:sp>
+        <p:nvSpPr>
+          <p:cNvPr id="11" name="TextBox 9"/>
+          <p:cNvSpPr txBox="1"/>
+          <p:nvPr/>
+        </p:nvSpPr>
+        <p:spPr>
+          <a:xfrm>
+            <a:off x="2547836" y="3165048"/>
+            <a:ext cx="1368000" cy="288000"/>
+          </a:xfrm>
+          <a:prstGeom prst="rect">
+            <a:avLst/>
+          </a:prstGeom>
+          <a:solidFill>
+            <a:schemeClr val="accent6">
+              <a:lumMod val="20000"/>
+              <a:lumOff val="80000"/>
+            </a:schemeClr>
+          </a:solidFill>
+          <a:ln>
+            <a:noFill/>
+          </a:ln>
+        </p:spPr>
+        <p:txBody>
+          <a:bodyPr wrap="square" rtlCol="0">
+            <a:spAutoFit/>
+          </a:bodyPr>
+          <a:lstStyle>
+            <a:defPPr>
+              <a:defRPr lang="ko-KR"/>
+            </a:defPPr>
+            <a:lvl1pPr marL="0" algn="l" defTabSz="914400" rtl="0" eaLnBrk="1" latinLnBrk="1" hangingPunct="1">
+              <a:defRPr sz="1800" kern="1200">
+                <a:solidFill>
+                  <a:schemeClr val="tx1"/>
+                </a:solidFill>
+                <a:latin typeface="+mn-lt"/>
+                <a:ea typeface="+mn-ea"/>
+                <a:cs typeface="+mn-cs"/>
+              </a:defRPr>
+            </a:lvl1pPr>
+            <a:lvl2pPr marL="457200" algn="l" defTabSz="914400" rtl="0" eaLnBrk="1" latinLnBrk="1" hangingPunct="1">
+              <a:defRPr sz="1800" kern="1200">
+                <a:solidFill>
+                  <a:schemeClr val="tx1"/>
+                </a:solidFill>
+                <a:latin typeface="+mn-lt"/>
+                <a:ea typeface="+mn-ea"/>
+                <a:cs typeface="+mn-cs"/>
+              </a:defRPr>
+            </a:lvl2pPr>
+            <a:lvl3pPr marL="914400" algn="l" defTabSz="914400" rtl="0" eaLnBrk="1" latinLnBrk="1" hangingPunct="1">
+              <a:defRPr sz="1800" kern="1200">
+                <a:solidFill>
+                  <a:schemeClr val="tx1"/>
+                </a:solidFill>
+                <a:latin typeface="+mn-lt"/>
+                <a:ea typeface="+mn-ea"/>
+                <a:cs typeface="+mn-cs"/>
+              </a:defRPr>
+            </a:lvl3pPr>
+            <a:lvl4pPr marL="1371600" algn="l" defTabSz="914400" rtl="0" eaLnBrk="1" latinLnBrk="1" hangingPunct="1">
+              <a:defRPr sz="1800" kern="1200">
+                <a:solidFill>
+                  <a:schemeClr val="tx1"/>
+                </a:solidFill>
+                <a:latin typeface="+mn-lt"/>
+                <a:ea typeface="+mn-ea"/>
+                <a:cs typeface="+mn-cs"/>
+              </a:defRPr>
+            </a:lvl4pPr>
+            <a:lvl5pPr marL="1828800" algn="l" defTabSz="914400" rtl="0" eaLnBrk="1" latinLnBrk="1" hangingPunct="1">
+              <a:defRPr sz="1800" kern="1200">
+                <a:solidFill>
+                  <a:schemeClr val="tx1"/>
+                </a:solidFill>
+                <a:latin typeface="+mn-lt"/>
+                <a:ea typeface="+mn-ea"/>
+                <a:cs typeface="+mn-cs"/>
+              </a:defRPr>
+            </a:lvl5pPr>
+            <a:lvl6pPr marL="2286000" algn="l" defTabSz="914400" rtl="0" eaLnBrk="1" latinLnBrk="1" hangingPunct="1">
+              <a:defRPr sz="1800" kern="1200">
+                <a:solidFill>
+                  <a:schemeClr val="tx1"/>
+                </a:solidFill>
+                <a:latin typeface="+mn-lt"/>
+                <a:ea typeface="+mn-ea"/>
+                <a:cs typeface="+mn-cs"/>
+              </a:defRPr>
+            </a:lvl6pPr>
+            <a:lvl7pPr marL="2743200" algn="l" defTabSz="914400" rtl="0" eaLnBrk="1" latinLnBrk="1" hangingPunct="1">
+              <a:defRPr sz="1800" kern="1200">
+                <a:solidFill>
+                  <a:schemeClr val="tx1"/>
+                </a:solidFill>
+                <a:latin typeface="+mn-lt"/>
+                <a:ea typeface="+mn-ea"/>
+                <a:cs typeface="+mn-cs"/>
+              </a:defRPr>
+            </a:lvl7pPr>
+            <a:lvl8pPr marL="3200400" algn="l" defTabSz="914400" rtl="0" eaLnBrk="1" latinLnBrk="1" hangingPunct="1">
+              <a:defRPr sz="1800" kern="1200">
+                <a:solidFill>
+                  <a:schemeClr val="tx1"/>
+                </a:solidFill>
+                <a:latin typeface="+mn-lt"/>
+                <a:ea typeface="+mn-ea"/>
+                <a:cs typeface="+mn-cs"/>
+              </a:defRPr>
+            </a:lvl8pPr>
+            <a:lvl9pPr marL="3657600" algn="l" defTabSz="914400" rtl="0" eaLnBrk="1" latinLnBrk="1" hangingPunct="1">
+              <a:defRPr sz="1800" kern="1200">
+                <a:solidFill>
+                  <a:schemeClr val="tx1"/>
+                </a:solidFill>
+                <a:latin typeface="+mn-lt"/>
+                <a:ea typeface="+mn-ea"/>
+                <a:cs typeface="+mn-cs"/>
+              </a:defRPr>
+            </a:lvl9pPr>
+          </a:lstStyle>
+          <a:p>
+            <a:pPr algn="ctr">
+              <a:spcBef>
+                <a:spcPts val="600"/>
+              </a:spcBef>
+            </a:pPr>
+            <a:r>
+              <a:rPr lang="en-US" altLang="ko-KR" sz="1200" smtClean="0">
+                <a:solidFill>
+                  <a:prstClr val="black"/>
+                </a:solidFill>
+                <a:latin typeface="나눔스퀘어 Bold" panose="020B0600000101010101" pitchFamily="50" charset="-127"/>
+                <a:ea typeface="나눔스퀘어 Bold" panose="020B0600000101010101" pitchFamily="50" charset="-127"/>
+              </a:rPr>
+              <a:t>Pre Processing</a:t>
+            </a:r>
+          </a:p>
+        </p:txBody>
+      </p:sp>
+      <p:sp>
+        <p:nvSpPr>
+          <p:cNvPr id="13" name="TextBox 13"/>
+          <p:cNvSpPr txBox="1"/>
+          <p:nvPr/>
+        </p:nvSpPr>
+        <p:spPr>
+          <a:xfrm>
+            <a:off x="4462428" y="3182441"/>
+            <a:ext cx="1368000" cy="276999"/>
+          </a:xfrm>
+          <a:prstGeom prst="rect">
+            <a:avLst/>
+          </a:prstGeom>
+          <a:solidFill>
+            <a:schemeClr val="accent1">
+              <a:lumMod val="20000"/>
+              <a:lumOff val="80000"/>
+            </a:schemeClr>
+          </a:solidFill>
+          <a:ln>
+            <a:noFill/>
+          </a:ln>
+        </p:spPr>
+        <p:txBody>
+          <a:bodyPr wrap="square" rtlCol="0">
+            <a:spAutoFit/>
+          </a:bodyPr>
+          <a:lstStyle>
+            <a:defPPr>
+              <a:defRPr lang="ko-KR"/>
+            </a:defPPr>
+            <a:lvl1pPr marL="0" algn="l" defTabSz="914400" rtl="0" eaLnBrk="1" latinLnBrk="1" hangingPunct="1">
+              <a:defRPr sz="1800" kern="1200">
+                <a:solidFill>
+                  <a:schemeClr val="tx1"/>
+                </a:solidFill>
+                <a:latin typeface="+mn-lt"/>
+                <a:ea typeface="+mn-ea"/>
+                <a:cs typeface="+mn-cs"/>
+              </a:defRPr>
+            </a:lvl1pPr>
+            <a:lvl2pPr marL="457200" algn="l" defTabSz="914400" rtl="0" eaLnBrk="1" latinLnBrk="1" hangingPunct="1">
+              <a:defRPr sz="1800" kern="1200">
+                <a:solidFill>
+                  <a:schemeClr val="tx1"/>
+                </a:solidFill>
+                <a:latin typeface="+mn-lt"/>
+                <a:ea typeface="+mn-ea"/>
+                <a:cs typeface="+mn-cs"/>
+              </a:defRPr>
+            </a:lvl2pPr>
+            <a:lvl3pPr marL="914400" algn="l" defTabSz="914400" rtl="0" eaLnBrk="1" latinLnBrk="1" hangingPunct="1">
+              <a:defRPr sz="1800" kern="1200">
+                <a:solidFill>
+                  <a:schemeClr val="tx1"/>
+                </a:solidFill>
+                <a:latin typeface="+mn-lt"/>
+                <a:ea typeface="+mn-ea"/>
+                <a:cs typeface="+mn-cs"/>
+              </a:defRPr>
+            </a:lvl3pPr>
+            <a:lvl4pPr marL="1371600" algn="l" defTabSz="914400" rtl="0" eaLnBrk="1" latinLnBrk="1" hangingPunct="1">
+              <a:defRPr sz="1800" kern="1200">
+                <a:solidFill>
+                  <a:schemeClr val="tx1"/>
+                </a:solidFill>
+                <a:latin typeface="+mn-lt"/>
+                <a:ea typeface="+mn-ea"/>
+                <a:cs typeface="+mn-cs"/>
+              </a:defRPr>
+            </a:lvl4pPr>
+            <a:lvl5pPr marL="1828800" algn="l" defTabSz="914400" rtl="0" eaLnBrk="1" latinLnBrk="1" hangingPunct="1">
+              <a:defRPr sz="1800" kern="1200">
+                <a:solidFill>
+                  <a:schemeClr val="tx1"/>
+                </a:solidFill>
+                <a:latin typeface="+mn-lt"/>
+                <a:ea typeface="+mn-ea"/>
+                <a:cs typeface="+mn-cs"/>
+              </a:defRPr>
+            </a:lvl5pPr>
+            <a:lvl6pPr marL="2286000" algn="l" defTabSz="914400" rtl="0" eaLnBrk="1" latinLnBrk="1" hangingPunct="1">
+              <a:defRPr sz="1800" kern="1200">
+                <a:solidFill>
+                  <a:schemeClr val="tx1"/>
+                </a:solidFill>
+                <a:latin typeface="+mn-lt"/>
+                <a:ea typeface="+mn-ea"/>
+                <a:cs typeface="+mn-cs"/>
+              </a:defRPr>
+            </a:lvl6pPr>
+            <a:lvl7pPr marL="2743200" algn="l" defTabSz="914400" rtl="0" eaLnBrk="1" latinLnBrk="1" hangingPunct="1">
+              <a:defRPr sz="1800" kern="1200">
+                <a:solidFill>
+                  <a:schemeClr val="tx1"/>
+                </a:solidFill>
+                <a:latin typeface="+mn-lt"/>
+                <a:ea typeface="+mn-ea"/>
+                <a:cs typeface="+mn-cs"/>
+              </a:defRPr>
+            </a:lvl7pPr>
+            <a:lvl8pPr marL="3200400" algn="l" defTabSz="914400" rtl="0" eaLnBrk="1" latinLnBrk="1" hangingPunct="1">
+              <a:defRPr sz="1800" kern="1200">
+                <a:solidFill>
+                  <a:schemeClr val="tx1"/>
+                </a:solidFill>
+                <a:latin typeface="+mn-lt"/>
+                <a:ea typeface="+mn-ea"/>
+                <a:cs typeface="+mn-cs"/>
+              </a:defRPr>
+            </a:lvl8pPr>
+            <a:lvl9pPr marL="3657600" algn="l" defTabSz="914400" rtl="0" eaLnBrk="1" latinLnBrk="1" hangingPunct="1">
+              <a:defRPr sz="1800" kern="1200">
+                <a:solidFill>
+                  <a:schemeClr val="tx1"/>
+                </a:solidFill>
+                <a:latin typeface="+mn-lt"/>
+                <a:ea typeface="+mn-ea"/>
+                <a:cs typeface="+mn-cs"/>
+              </a:defRPr>
+            </a:lvl9pPr>
+          </a:lstStyle>
+          <a:p>
+            <a:pPr algn="ctr">
+              <a:spcBef>
+                <a:spcPts val="600"/>
+              </a:spcBef>
+            </a:pPr>
+            <a:r>
+              <a:rPr lang="en-US" altLang="ko-KR" sz="1200">
+                <a:solidFill>
+                  <a:prstClr val="black"/>
+                </a:solidFill>
+                <a:latin typeface="나눔스퀘어 Bold" panose="020B0600000101010101" pitchFamily="50" charset="-127"/>
+                <a:ea typeface="나눔스퀘어 Bold" panose="020B0600000101010101" pitchFamily="50" charset="-127"/>
+              </a:rPr>
+              <a:t>Text to </a:t>
+            </a:r>
+            <a:r>
+              <a:rPr lang="en-US" altLang="ko-KR" sz="1200" smtClean="0">
+                <a:solidFill>
+                  <a:prstClr val="black"/>
+                </a:solidFill>
+                <a:latin typeface="나눔스퀘어 Bold" panose="020B0600000101010101" pitchFamily="50" charset="-127"/>
+                <a:ea typeface="나눔스퀘어 Bold" panose="020B0600000101010101" pitchFamily="50" charset="-127"/>
+              </a:rPr>
+              <a:t>Vector</a:t>
+            </a:r>
+          </a:p>
+        </p:txBody>
+      </p:sp>
+      <p:sp>
+        <p:nvSpPr>
+          <p:cNvPr id="14" name="TextBox 14"/>
+          <p:cNvSpPr txBox="1"/>
+          <p:nvPr/>
+        </p:nvSpPr>
+        <p:spPr>
+          <a:xfrm>
+            <a:off x="9917421" y="3182441"/>
+            <a:ext cx="1368000" cy="276999"/>
+          </a:xfrm>
+          <a:prstGeom prst="rect">
+            <a:avLst/>
+          </a:prstGeom>
+          <a:solidFill>
+            <a:schemeClr val="accent4">
+              <a:lumMod val="20000"/>
+              <a:lumOff val="80000"/>
+            </a:schemeClr>
+          </a:solidFill>
+          <a:ln>
+            <a:noFill/>
+          </a:ln>
+        </p:spPr>
+        <p:txBody>
+          <a:bodyPr wrap="square" rtlCol="0">
+            <a:spAutoFit/>
+          </a:bodyPr>
+          <a:lstStyle>
+            <a:defPPr>
+              <a:defRPr lang="ko-KR"/>
+            </a:defPPr>
+            <a:lvl1pPr marL="0" algn="l" defTabSz="914400" rtl="0" eaLnBrk="1" latinLnBrk="1" hangingPunct="1">
+              <a:defRPr sz="1800" kern="1200">
+                <a:solidFill>
+                  <a:schemeClr val="tx1"/>
+                </a:solidFill>
+                <a:latin typeface="+mn-lt"/>
+                <a:ea typeface="+mn-ea"/>
+                <a:cs typeface="+mn-cs"/>
+              </a:defRPr>
+            </a:lvl1pPr>
+            <a:lvl2pPr marL="457200" algn="l" defTabSz="914400" rtl="0" eaLnBrk="1" latinLnBrk="1" hangingPunct="1">
+              <a:defRPr sz="1800" kern="1200">
+                <a:solidFill>
+                  <a:schemeClr val="tx1"/>
+                </a:solidFill>
+                <a:latin typeface="+mn-lt"/>
+                <a:ea typeface="+mn-ea"/>
+                <a:cs typeface="+mn-cs"/>
+              </a:defRPr>
+            </a:lvl2pPr>
+            <a:lvl3pPr marL="914400" algn="l" defTabSz="914400" rtl="0" eaLnBrk="1" latinLnBrk="1" hangingPunct="1">
+              <a:defRPr sz="1800" kern="1200">
+                <a:solidFill>
+                  <a:schemeClr val="tx1"/>
+                </a:solidFill>
+                <a:latin typeface="+mn-lt"/>
+                <a:ea typeface="+mn-ea"/>
+                <a:cs typeface="+mn-cs"/>
+              </a:defRPr>
+            </a:lvl3pPr>
+            <a:lvl4pPr marL="1371600" algn="l" defTabSz="914400" rtl="0" eaLnBrk="1" latinLnBrk="1" hangingPunct="1">
+              <a:defRPr sz="1800" kern="1200">
+                <a:solidFill>
+                  <a:schemeClr val="tx1"/>
+                </a:solidFill>
+                <a:latin typeface="+mn-lt"/>
+                <a:ea typeface="+mn-ea"/>
+                <a:cs typeface="+mn-cs"/>
+              </a:defRPr>
+            </a:lvl4pPr>
+            <a:lvl5pPr marL="1828800" algn="l" defTabSz="914400" rtl="0" eaLnBrk="1" latinLnBrk="1" hangingPunct="1">
+              <a:defRPr sz="1800" kern="1200">
+                <a:solidFill>
+                  <a:schemeClr val="tx1"/>
+                </a:solidFill>
+                <a:latin typeface="+mn-lt"/>
+                <a:ea typeface="+mn-ea"/>
+                <a:cs typeface="+mn-cs"/>
+              </a:defRPr>
+            </a:lvl5pPr>
+            <a:lvl6pPr marL="2286000" algn="l" defTabSz="914400" rtl="0" eaLnBrk="1" latinLnBrk="1" hangingPunct="1">
+              <a:defRPr sz="1800" kern="1200">
+                <a:solidFill>
+                  <a:schemeClr val="tx1"/>
+                </a:solidFill>
+                <a:latin typeface="+mn-lt"/>
+                <a:ea typeface="+mn-ea"/>
+                <a:cs typeface="+mn-cs"/>
+              </a:defRPr>
+            </a:lvl6pPr>
+            <a:lvl7pPr marL="2743200" algn="l" defTabSz="914400" rtl="0" eaLnBrk="1" latinLnBrk="1" hangingPunct="1">
+              <a:defRPr sz="1800" kern="1200">
+                <a:solidFill>
+                  <a:schemeClr val="tx1"/>
+                </a:solidFill>
+                <a:latin typeface="+mn-lt"/>
+                <a:ea typeface="+mn-ea"/>
+                <a:cs typeface="+mn-cs"/>
+              </a:defRPr>
+            </a:lvl7pPr>
+            <a:lvl8pPr marL="3200400" algn="l" defTabSz="914400" rtl="0" eaLnBrk="1" latinLnBrk="1" hangingPunct="1">
+              <a:defRPr sz="1800" kern="1200">
+                <a:solidFill>
+                  <a:schemeClr val="tx1"/>
+                </a:solidFill>
+                <a:latin typeface="+mn-lt"/>
+                <a:ea typeface="+mn-ea"/>
+                <a:cs typeface="+mn-cs"/>
+              </a:defRPr>
+            </a:lvl8pPr>
+            <a:lvl9pPr marL="3657600" algn="l" defTabSz="914400" rtl="0" eaLnBrk="1" latinLnBrk="1" hangingPunct="1">
+              <a:defRPr sz="1800" kern="1200">
+                <a:solidFill>
+                  <a:schemeClr val="tx1"/>
+                </a:solidFill>
+                <a:latin typeface="+mn-lt"/>
+                <a:ea typeface="+mn-ea"/>
+                <a:cs typeface="+mn-cs"/>
+              </a:defRPr>
+            </a:lvl9pPr>
+          </a:lstStyle>
+          <a:p>
+            <a:pPr algn="ctr">
+              <a:spcBef>
+                <a:spcPts val="600"/>
+              </a:spcBef>
+            </a:pPr>
+            <a:r>
+              <a:rPr lang="en-US" altLang="ko-KR" sz="1200" smtClean="0">
+                <a:solidFill>
+                  <a:prstClr val="black"/>
+                </a:solidFill>
+                <a:latin typeface="나눔스퀘어 Bold" panose="020B0600000101010101" pitchFamily="50" charset="-127"/>
+                <a:ea typeface="나눔스퀘어 Bold" panose="020B0600000101010101" pitchFamily="50" charset="-127"/>
+              </a:rPr>
+              <a:t>Deployment</a:t>
+            </a:r>
+          </a:p>
+        </p:txBody>
+      </p:sp>
+      <p:sp>
+        <p:nvSpPr>
+          <p:cNvPr id="15" name="TextBox 15"/>
+          <p:cNvSpPr txBox="1"/>
+          <p:nvPr/>
+        </p:nvSpPr>
+        <p:spPr>
+          <a:xfrm>
+            <a:off x="6266907" y="3182441"/>
+            <a:ext cx="1368000" cy="288000"/>
+          </a:xfrm>
+          <a:prstGeom prst="rect">
+            <a:avLst/>
+          </a:prstGeom>
+          <a:solidFill>
+            <a:schemeClr val="accent1">
+              <a:lumMod val="20000"/>
+              <a:lumOff val="80000"/>
+            </a:schemeClr>
+          </a:solidFill>
+          <a:ln>
+            <a:noFill/>
+          </a:ln>
+        </p:spPr>
+        <p:txBody>
+          <a:bodyPr wrap="square" rtlCol="0">
+            <a:spAutoFit/>
+          </a:bodyPr>
+          <a:lstStyle>
+            <a:defPPr>
+              <a:defRPr lang="ko-KR"/>
+            </a:defPPr>
+            <a:lvl1pPr marL="0" algn="l" defTabSz="914400" rtl="0" eaLnBrk="1" latinLnBrk="1" hangingPunct="1">
+              <a:defRPr sz="1800" kern="1200">
+                <a:solidFill>
+                  <a:schemeClr val="tx1"/>
+                </a:solidFill>
+                <a:latin typeface="+mn-lt"/>
+                <a:ea typeface="+mn-ea"/>
+                <a:cs typeface="+mn-cs"/>
+              </a:defRPr>
+            </a:lvl1pPr>
+            <a:lvl2pPr marL="457200" algn="l" defTabSz="914400" rtl="0" eaLnBrk="1" latinLnBrk="1" hangingPunct="1">
+              <a:defRPr sz="1800" kern="1200">
+                <a:solidFill>
+                  <a:schemeClr val="tx1"/>
+                </a:solidFill>
+                <a:latin typeface="+mn-lt"/>
+                <a:ea typeface="+mn-ea"/>
+                <a:cs typeface="+mn-cs"/>
+              </a:defRPr>
+            </a:lvl2pPr>
+            <a:lvl3pPr marL="914400" algn="l" defTabSz="914400" rtl="0" eaLnBrk="1" latinLnBrk="1" hangingPunct="1">
+              <a:defRPr sz="1800" kern="1200">
+                <a:solidFill>
+                  <a:schemeClr val="tx1"/>
+                </a:solidFill>
+                <a:latin typeface="+mn-lt"/>
+                <a:ea typeface="+mn-ea"/>
+                <a:cs typeface="+mn-cs"/>
+              </a:defRPr>
+            </a:lvl3pPr>
+            <a:lvl4pPr marL="1371600" algn="l" defTabSz="914400" rtl="0" eaLnBrk="1" latinLnBrk="1" hangingPunct="1">
+              <a:defRPr sz="1800" kern="1200">
+                <a:solidFill>
+                  <a:schemeClr val="tx1"/>
+                </a:solidFill>
+                <a:latin typeface="+mn-lt"/>
+                <a:ea typeface="+mn-ea"/>
+                <a:cs typeface="+mn-cs"/>
+              </a:defRPr>
+            </a:lvl4pPr>
+            <a:lvl5pPr marL="1828800" algn="l" defTabSz="914400" rtl="0" eaLnBrk="1" latinLnBrk="1" hangingPunct="1">
+              <a:defRPr sz="1800" kern="1200">
+                <a:solidFill>
+                  <a:schemeClr val="tx1"/>
+                </a:solidFill>
+                <a:latin typeface="+mn-lt"/>
+                <a:ea typeface="+mn-ea"/>
+                <a:cs typeface="+mn-cs"/>
+              </a:defRPr>
+            </a:lvl5pPr>
+            <a:lvl6pPr marL="2286000" algn="l" defTabSz="914400" rtl="0" eaLnBrk="1" latinLnBrk="1" hangingPunct="1">
+              <a:defRPr sz="1800" kern="1200">
+                <a:solidFill>
+                  <a:schemeClr val="tx1"/>
+                </a:solidFill>
+                <a:latin typeface="+mn-lt"/>
+                <a:ea typeface="+mn-ea"/>
+                <a:cs typeface="+mn-cs"/>
+              </a:defRPr>
+            </a:lvl6pPr>
+            <a:lvl7pPr marL="2743200" algn="l" defTabSz="914400" rtl="0" eaLnBrk="1" latinLnBrk="1" hangingPunct="1">
+              <a:defRPr sz="1800" kern="1200">
+                <a:solidFill>
+                  <a:schemeClr val="tx1"/>
+                </a:solidFill>
+                <a:latin typeface="+mn-lt"/>
+                <a:ea typeface="+mn-ea"/>
+                <a:cs typeface="+mn-cs"/>
+              </a:defRPr>
+            </a:lvl7pPr>
+            <a:lvl8pPr marL="3200400" algn="l" defTabSz="914400" rtl="0" eaLnBrk="1" latinLnBrk="1" hangingPunct="1">
+              <a:defRPr sz="1800" kern="1200">
+                <a:solidFill>
+                  <a:schemeClr val="tx1"/>
+                </a:solidFill>
+                <a:latin typeface="+mn-lt"/>
+                <a:ea typeface="+mn-ea"/>
+                <a:cs typeface="+mn-cs"/>
+              </a:defRPr>
+            </a:lvl8pPr>
+            <a:lvl9pPr marL="3657600" algn="l" defTabSz="914400" rtl="0" eaLnBrk="1" latinLnBrk="1" hangingPunct="1">
+              <a:defRPr sz="1800" kern="1200">
+                <a:solidFill>
+                  <a:schemeClr val="tx1"/>
+                </a:solidFill>
+                <a:latin typeface="+mn-lt"/>
+                <a:ea typeface="+mn-ea"/>
+                <a:cs typeface="+mn-cs"/>
+              </a:defRPr>
+            </a:lvl9pPr>
+          </a:lstStyle>
+          <a:p>
+            <a:pPr algn="ctr">
+              <a:spcBef>
+                <a:spcPts val="600"/>
+              </a:spcBef>
+            </a:pPr>
+            <a:r>
+              <a:rPr lang="en-US" altLang="ko-KR" sz="1200">
+                <a:solidFill>
+                  <a:prstClr val="black"/>
+                </a:solidFill>
+                <a:latin typeface="나눔스퀘어 Bold" panose="020B0600000101010101" pitchFamily="50" charset="-127"/>
+                <a:ea typeface="나눔스퀘어 Bold" panose="020B0600000101010101" pitchFamily="50" charset="-127"/>
+              </a:rPr>
+              <a:t>Build Model</a:t>
+            </a:r>
+          </a:p>
+        </p:txBody>
+      </p:sp>
+      <p:sp>
+        <p:nvSpPr>
+          <p:cNvPr id="16" name="TextBox 16"/>
+          <p:cNvSpPr txBox="1"/>
+          <p:nvPr/>
+        </p:nvSpPr>
+        <p:spPr>
+          <a:xfrm>
+            <a:off x="8054756" y="3182441"/>
+            <a:ext cx="1368000" cy="288000"/>
+          </a:xfrm>
+          <a:prstGeom prst="rect">
+            <a:avLst/>
+          </a:prstGeom>
+          <a:solidFill>
+            <a:schemeClr val="accent2">
+              <a:lumMod val="20000"/>
+              <a:lumOff val="80000"/>
+            </a:schemeClr>
+          </a:solidFill>
+          <a:ln>
+            <a:noFill/>
+          </a:ln>
+        </p:spPr>
+        <p:txBody>
+          <a:bodyPr wrap="square" rtlCol="0">
+            <a:spAutoFit/>
+          </a:bodyPr>
+          <a:lstStyle>
+            <a:defPPr>
+              <a:defRPr lang="ko-KR"/>
+            </a:defPPr>
+            <a:lvl1pPr marL="0" algn="l" defTabSz="914400" rtl="0" eaLnBrk="1" latinLnBrk="1" hangingPunct="1">
+              <a:defRPr sz="1800" kern="1200">
+                <a:solidFill>
+                  <a:schemeClr val="tx1"/>
+                </a:solidFill>
+                <a:latin typeface="+mn-lt"/>
+                <a:ea typeface="+mn-ea"/>
+                <a:cs typeface="+mn-cs"/>
+              </a:defRPr>
+            </a:lvl1pPr>
+            <a:lvl2pPr marL="457200" algn="l" defTabSz="914400" rtl="0" eaLnBrk="1" latinLnBrk="1" hangingPunct="1">
+              <a:defRPr sz="1800" kern="1200">
+                <a:solidFill>
+                  <a:schemeClr val="tx1"/>
+                </a:solidFill>
+                <a:latin typeface="+mn-lt"/>
+                <a:ea typeface="+mn-ea"/>
+                <a:cs typeface="+mn-cs"/>
+              </a:defRPr>
+            </a:lvl2pPr>
+            <a:lvl3pPr marL="914400" algn="l" defTabSz="914400" rtl="0" eaLnBrk="1" latinLnBrk="1" hangingPunct="1">
+              <a:defRPr sz="1800" kern="1200">
+                <a:solidFill>
+                  <a:schemeClr val="tx1"/>
+                </a:solidFill>
+                <a:latin typeface="+mn-lt"/>
+                <a:ea typeface="+mn-ea"/>
+                <a:cs typeface="+mn-cs"/>
+              </a:defRPr>
+            </a:lvl3pPr>
+            <a:lvl4pPr marL="1371600" algn="l" defTabSz="914400" rtl="0" eaLnBrk="1" latinLnBrk="1" hangingPunct="1">
+              <a:defRPr sz="1800" kern="1200">
+                <a:solidFill>
+                  <a:schemeClr val="tx1"/>
+                </a:solidFill>
+                <a:latin typeface="+mn-lt"/>
+                <a:ea typeface="+mn-ea"/>
+                <a:cs typeface="+mn-cs"/>
+              </a:defRPr>
+            </a:lvl4pPr>
+            <a:lvl5pPr marL="1828800" algn="l" defTabSz="914400" rtl="0" eaLnBrk="1" latinLnBrk="1" hangingPunct="1">
+              <a:defRPr sz="1800" kern="1200">
+                <a:solidFill>
+                  <a:schemeClr val="tx1"/>
+                </a:solidFill>
+                <a:latin typeface="+mn-lt"/>
+                <a:ea typeface="+mn-ea"/>
+                <a:cs typeface="+mn-cs"/>
+              </a:defRPr>
+            </a:lvl5pPr>
+            <a:lvl6pPr marL="2286000" algn="l" defTabSz="914400" rtl="0" eaLnBrk="1" latinLnBrk="1" hangingPunct="1">
+              <a:defRPr sz="1800" kern="1200">
+                <a:solidFill>
+                  <a:schemeClr val="tx1"/>
+                </a:solidFill>
+                <a:latin typeface="+mn-lt"/>
+                <a:ea typeface="+mn-ea"/>
+                <a:cs typeface="+mn-cs"/>
+              </a:defRPr>
+            </a:lvl6pPr>
+            <a:lvl7pPr marL="2743200" algn="l" defTabSz="914400" rtl="0" eaLnBrk="1" latinLnBrk="1" hangingPunct="1">
+              <a:defRPr sz="1800" kern="1200">
+                <a:solidFill>
+                  <a:schemeClr val="tx1"/>
+                </a:solidFill>
+                <a:latin typeface="+mn-lt"/>
+                <a:ea typeface="+mn-ea"/>
+                <a:cs typeface="+mn-cs"/>
+              </a:defRPr>
+            </a:lvl7pPr>
+            <a:lvl8pPr marL="3200400" algn="l" defTabSz="914400" rtl="0" eaLnBrk="1" latinLnBrk="1" hangingPunct="1">
+              <a:defRPr sz="1800" kern="1200">
+                <a:solidFill>
+                  <a:schemeClr val="tx1"/>
+                </a:solidFill>
+                <a:latin typeface="+mn-lt"/>
+                <a:ea typeface="+mn-ea"/>
+                <a:cs typeface="+mn-cs"/>
+              </a:defRPr>
+            </a:lvl8pPr>
+            <a:lvl9pPr marL="3657600" algn="l" defTabSz="914400" rtl="0" eaLnBrk="1" latinLnBrk="1" hangingPunct="1">
+              <a:defRPr sz="1800" kern="1200">
+                <a:solidFill>
+                  <a:schemeClr val="tx1"/>
+                </a:solidFill>
+                <a:latin typeface="+mn-lt"/>
+                <a:ea typeface="+mn-ea"/>
+                <a:cs typeface="+mn-cs"/>
+              </a:defRPr>
+            </a:lvl9pPr>
+          </a:lstStyle>
+          <a:p>
+            <a:pPr algn="ctr">
+              <a:spcBef>
+                <a:spcPts val="600"/>
+              </a:spcBef>
+            </a:pPr>
+            <a:r>
+              <a:rPr lang="en-US" altLang="ko-KR" sz="1200">
+                <a:solidFill>
+                  <a:prstClr val="black"/>
+                </a:solidFill>
+                <a:latin typeface="나눔스퀘어 Bold" panose="020B0600000101010101" pitchFamily="50" charset="-127"/>
+                <a:ea typeface="나눔스퀘어 Bold" panose="020B0600000101010101" pitchFamily="50" charset="-127"/>
+              </a:rPr>
+              <a:t>Evaluation</a:t>
+            </a:r>
+            <a:endParaRPr lang="en-US" altLang="ko-KR" sz="1200" smtClean="0">
+              <a:solidFill>
+                <a:prstClr val="black"/>
+              </a:solidFill>
+              <a:latin typeface="나눔스퀘어 Bold" panose="020B0600000101010101" pitchFamily="50" charset="-127"/>
+              <a:ea typeface="나눔스퀘어 Bold" panose="020B0600000101010101" pitchFamily="50" charset="-127"/>
+            </a:endParaRPr>
+          </a:p>
+        </p:txBody>
+      </p:sp>
+      <p:cxnSp>
+        <p:nvCxnSpPr>
+          <p:cNvPr id="18" name="직선 화살표 연결선 17"/>
+          <p:cNvCxnSpPr>
+            <a:stCxn id="2" idx="0"/>
+          </p:cNvCxnSpPr>
+          <p:nvPr/>
+        </p:nvCxnSpPr>
+        <p:spPr>
+          <a:xfrm flipV="1">
+            <a:off x="7068866" y="3511714"/>
+            <a:ext cx="0" cy="284335"/>
+          </a:xfrm>
+          <a:prstGeom prst="straightConnector1">
+            <a:avLst/>
+          </a:prstGeom>
+          <a:ln w="9525">
+            <a:solidFill>
+              <a:schemeClr val="tx1"/>
+            </a:solidFill>
+            <a:tailEnd type="triangle"/>
+          </a:ln>
+        </p:spPr>
+        <p:style>
+          <a:lnRef idx="1">
+            <a:schemeClr val="accent1"/>
+          </a:lnRef>
+          <a:fillRef idx="0">
+            <a:schemeClr val="accent1"/>
+          </a:fillRef>
+          <a:effectRef idx="0">
+            <a:schemeClr val="accent1"/>
+          </a:effectRef>
+          <a:fontRef idx="minor">
+            <a:schemeClr val="tx1"/>
+          </a:fontRef>
+        </p:style>
+      </p:cxnSp>
+      <p:pic>
+        <p:nvPicPr>
+          <p:cNvPr id="19" name="Picture 8" descr="Serve Scikit-Learn Models for Deployment with BentoML"/>
+          <p:cNvPicPr>
+            <a:picLocks noChangeAspect="1" noChangeArrowheads="1"/>
+          </p:cNvPicPr>
+          <p:nvPr/>
+        </p:nvPicPr>
+        <p:blipFill>
+          <a:blip r:embed="rId2">
+            <a:extLst>
+              <a:ext uri="{28A0092B-C50C-407E-A947-70E740481C1C}">
+                <a14:useLocalDpi xmlns:a14="http://schemas.microsoft.com/office/drawing/2010/main" val="0"/>
+              </a:ext>
+            </a:extLst>
+          </a:blip>
+          <a:srcRect/>
+          <a:stretch>
+            <a:fillRect/>
+          </a:stretch>
+        </p:blipFill>
+        <p:spPr bwMode="auto">
+          <a:xfrm>
+            <a:off x="9117475" y="618133"/>
+            <a:ext cx="2967891" cy="2225918"/>
+          </a:xfrm>
+          <a:prstGeom prst="rect">
+            <a:avLst/>
+          </a:prstGeom>
+          <a:noFill/>
+          <a:extLst>
+            <a:ext uri="{909E8E84-426E-40DD-AFC4-6F175D3DCCD1}">
+              <a14:hiddenFill xmlns:a14="http://schemas.microsoft.com/office/drawing/2010/main">
+                <a:solidFill>
+                  <a:srgbClr val="FFFFFF"/>
+                </a:solidFill>
+              </a14:hiddenFill>
+            </a:ext>
+          </a:extLst>
+        </p:spPr>
+      </p:pic>
+      <p:cxnSp>
+        <p:nvCxnSpPr>
+          <p:cNvPr id="20" name="직선 화살표 연결선 19"/>
+          <p:cNvCxnSpPr>
+            <a:stCxn id="19" idx="2"/>
+            <a:endCxn id="14" idx="0"/>
+          </p:cNvCxnSpPr>
+          <p:nvPr/>
+        </p:nvCxnSpPr>
+        <p:spPr>
+          <a:xfrm>
+            <a:off x="10601421" y="2844051"/>
+            <a:ext cx="0" cy="338390"/>
+          </a:xfrm>
+          <a:prstGeom prst="straightConnector1">
+            <a:avLst/>
+          </a:prstGeom>
+          <a:ln w="9525">
+            <a:solidFill>
+              <a:schemeClr val="tx1"/>
+            </a:solidFill>
+            <a:tailEnd type="triangle"/>
+          </a:ln>
+        </p:spPr>
+        <p:style>
+          <a:lnRef idx="1">
+            <a:schemeClr val="accent1"/>
+          </a:lnRef>
+          <a:fillRef idx="0">
+            <a:schemeClr val="accent1"/>
+          </a:fillRef>
+          <a:effectRef idx="0">
+            <a:schemeClr val="accent1"/>
+          </a:effectRef>
+          <a:fontRef idx="minor">
+            <a:schemeClr val="tx1"/>
+          </a:fontRef>
+        </p:style>
+      </p:cxnSp>
+      <p:cxnSp>
+        <p:nvCxnSpPr>
+          <p:cNvPr id="22" name="직선 화살표 연결선 21"/>
+          <p:cNvCxnSpPr>
+            <a:endCxn id="24" idx="2"/>
+          </p:cNvCxnSpPr>
+          <p:nvPr/>
+        </p:nvCxnSpPr>
+        <p:spPr>
+          <a:xfrm flipV="1">
+            <a:off x="2383631" y="3511714"/>
+            <a:ext cx="2703" cy="284335"/>
+          </a:xfrm>
+          <a:prstGeom prst="straightConnector1">
+            <a:avLst/>
+          </a:prstGeom>
+          <a:ln w="9525">
+            <a:solidFill>
+              <a:schemeClr val="tx1"/>
+            </a:solidFill>
+            <a:tailEnd type="triangle"/>
+          </a:ln>
+        </p:spPr>
+        <p:style>
+          <a:lnRef idx="1">
+            <a:schemeClr val="accent1"/>
+          </a:lnRef>
+          <a:fillRef idx="0">
+            <a:schemeClr val="accent1"/>
+          </a:fillRef>
+          <a:effectRef idx="0">
+            <a:schemeClr val="accent1"/>
+          </a:effectRef>
+          <a:fontRef idx="minor">
+            <a:schemeClr val="tx1"/>
+          </a:fontRef>
+        </p:style>
+      </p:cxnSp>
+      <p:sp>
+        <p:nvSpPr>
+          <p:cNvPr id="24" name="직사각형 23"/>
+          <p:cNvSpPr/>
+          <p:nvPr/>
+        </p:nvSpPr>
+        <p:spPr>
+          <a:xfrm>
+            <a:off x="746719" y="3106382"/>
+            <a:ext cx="3279230" cy="405332"/>
+          </a:xfrm>
+          <a:prstGeom prst="rect">
+            <a:avLst/>
+          </a:prstGeom>
+          <a:noFill/>
+          <a:ln w="9525">
+            <a:solidFill>
+              <a:schemeClr val="bg1">
+                <a:lumMod val="65000"/>
+              </a:schemeClr>
+            </a:solidFill>
+            <a:prstDash val="dash"/>
+          </a:ln>
+        </p:spPr>
+        <p:style>
+          <a:lnRef idx="2">
+            <a:schemeClr val="accent1">
+              <a:shade val="50000"/>
+            </a:schemeClr>
+          </a:lnRef>
+          <a:fillRef idx="1">
+            <a:schemeClr val="accent1"/>
+          </a:fillRef>
+          <a:effectRef idx="0">
+            <a:schemeClr val="accent1"/>
+          </a:effectRef>
+          <a:fontRef idx="minor">
+            <a:schemeClr val="lt1"/>
+          </a:fontRef>
+        </p:style>
+        <p:txBody>
+          <a:bodyPr rtlCol="0" anchor="ctr"/>
+          <a:lstStyle>
+            <a:defPPr>
+              <a:defRPr lang="ko-KR"/>
+            </a:defPPr>
+            <a:lvl1pPr marL="0" algn="l" defTabSz="914400" rtl="0" eaLnBrk="1" latinLnBrk="1" hangingPunct="1">
+              <a:defRPr sz="1800" kern="1200">
+                <a:solidFill>
+                  <a:schemeClr val="lt1"/>
+                </a:solidFill>
+                <a:latin typeface="+mn-lt"/>
+                <a:ea typeface="+mn-ea"/>
+                <a:cs typeface="+mn-cs"/>
+              </a:defRPr>
+            </a:lvl1pPr>
+            <a:lvl2pPr marL="457200" algn="l" defTabSz="914400" rtl="0" eaLnBrk="1" latinLnBrk="1" hangingPunct="1">
+              <a:defRPr sz="1800" kern="1200">
+                <a:solidFill>
+                  <a:schemeClr val="lt1"/>
+                </a:solidFill>
+                <a:latin typeface="+mn-lt"/>
+                <a:ea typeface="+mn-ea"/>
+                <a:cs typeface="+mn-cs"/>
+              </a:defRPr>
+            </a:lvl2pPr>
+            <a:lvl3pPr marL="914400" algn="l" defTabSz="914400" rtl="0" eaLnBrk="1" latinLnBrk="1" hangingPunct="1">
+              <a:defRPr sz="1800" kern="1200">
+                <a:solidFill>
+                  <a:schemeClr val="lt1"/>
+                </a:solidFill>
+                <a:latin typeface="+mn-lt"/>
+                <a:ea typeface="+mn-ea"/>
+                <a:cs typeface="+mn-cs"/>
+              </a:defRPr>
+            </a:lvl3pPr>
+            <a:lvl4pPr marL="1371600" algn="l" defTabSz="914400" rtl="0" eaLnBrk="1" latinLnBrk="1" hangingPunct="1">
+              <a:defRPr sz="1800" kern="1200">
+                <a:solidFill>
+                  <a:schemeClr val="lt1"/>
+                </a:solidFill>
+                <a:latin typeface="+mn-lt"/>
+                <a:ea typeface="+mn-ea"/>
+                <a:cs typeface="+mn-cs"/>
+              </a:defRPr>
+            </a:lvl4pPr>
+            <a:lvl5pPr marL="1828800" algn="l" defTabSz="914400" rtl="0" eaLnBrk="1" latinLnBrk="1" hangingPunct="1">
+              <a:defRPr sz="1800" kern="1200">
+                <a:solidFill>
+                  <a:schemeClr val="lt1"/>
+                </a:solidFill>
+                <a:latin typeface="+mn-lt"/>
+                <a:ea typeface="+mn-ea"/>
+                <a:cs typeface="+mn-cs"/>
+              </a:defRPr>
+            </a:lvl5pPr>
+            <a:lvl6pPr marL="2286000" algn="l" defTabSz="914400" rtl="0" eaLnBrk="1" latinLnBrk="1" hangingPunct="1">
+              <a:defRPr sz="1800" kern="1200">
+                <a:solidFill>
+                  <a:schemeClr val="lt1"/>
+                </a:solidFill>
+                <a:latin typeface="+mn-lt"/>
+                <a:ea typeface="+mn-ea"/>
+                <a:cs typeface="+mn-cs"/>
+              </a:defRPr>
+            </a:lvl6pPr>
+            <a:lvl7pPr marL="2743200" algn="l" defTabSz="914400" rtl="0" eaLnBrk="1" latinLnBrk="1" hangingPunct="1">
+              <a:defRPr sz="1800" kern="1200">
+                <a:solidFill>
+                  <a:schemeClr val="lt1"/>
+                </a:solidFill>
+                <a:latin typeface="+mn-lt"/>
+                <a:ea typeface="+mn-ea"/>
+                <a:cs typeface="+mn-cs"/>
+              </a:defRPr>
+            </a:lvl7pPr>
+            <a:lvl8pPr marL="3200400" algn="l" defTabSz="914400" rtl="0" eaLnBrk="1" latinLnBrk="1" hangingPunct="1">
+              <a:defRPr sz="1800" kern="1200">
+                <a:solidFill>
+                  <a:schemeClr val="lt1"/>
+                </a:solidFill>
+                <a:latin typeface="+mn-lt"/>
+                <a:ea typeface="+mn-ea"/>
+                <a:cs typeface="+mn-cs"/>
+              </a:defRPr>
+            </a:lvl8pPr>
+            <a:lvl9pPr marL="3657600" algn="l" defTabSz="914400" rtl="0" eaLnBrk="1" latinLnBrk="1" hangingPunct="1">
+              <a:defRPr sz="1800" kern="1200">
+                <a:solidFill>
+                  <a:schemeClr val="lt1"/>
+                </a:solidFill>
+                <a:latin typeface="+mn-lt"/>
+                <a:ea typeface="+mn-ea"/>
+                <a:cs typeface="+mn-cs"/>
+              </a:defRPr>
+            </a:lvl9pPr>
+          </a:lstStyle>
+          <a:p>
+            <a:pPr algn="ctr"/>
+            <a:endParaRPr lang="ko-KR" altLang="en-US"/>
+          </a:p>
+        </p:txBody>
+      </p:sp>
+      <p:sp>
+        <p:nvSpPr>
+          <p:cNvPr id="25" name="직사각형 24"/>
+          <p:cNvSpPr/>
+          <p:nvPr/>
+        </p:nvSpPr>
+        <p:spPr>
+          <a:xfrm>
+            <a:off x="4366787" y="3106382"/>
+            <a:ext cx="3350934" cy="405332"/>
+          </a:xfrm>
+          <a:prstGeom prst="rect">
+            <a:avLst/>
+          </a:prstGeom>
+          <a:noFill/>
+          <a:ln w="9525">
+            <a:solidFill>
+              <a:schemeClr val="bg1">
+                <a:lumMod val="65000"/>
+              </a:schemeClr>
+            </a:solidFill>
+            <a:prstDash val="dash"/>
+          </a:ln>
+        </p:spPr>
+        <p:style>
+          <a:lnRef idx="2">
+            <a:schemeClr val="accent1">
+              <a:shade val="50000"/>
+            </a:schemeClr>
+          </a:lnRef>
+          <a:fillRef idx="1">
+            <a:schemeClr val="accent1"/>
+          </a:fillRef>
+          <a:effectRef idx="0">
+            <a:schemeClr val="accent1"/>
+          </a:effectRef>
+          <a:fontRef idx="minor">
+            <a:schemeClr val="lt1"/>
+          </a:fontRef>
+        </p:style>
+        <p:txBody>
+          <a:bodyPr rtlCol="0" anchor="ctr"/>
+          <a:lstStyle>
+            <a:defPPr>
+              <a:defRPr lang="ko-KR"/>
+            </a:defPPr>
+            <a:lvl1pPr marL="0" algn="l" defTabSz="914400" rtl="0" eaLnBrk="1" latinLnBrk="1" hangingPunct="1">
+              <a:defRPr sz="1800" kern="1200">
+                <a:solidFill>
+                  <a:schemeClr val="lt1"/>
+                </a:solidFill>
+                <a:latin typeface="+mn-lt"/>
+                <a:ea typeface="+mn-ea"/>
+                <a:cs typeface="+mn-cs"/>
+              </a:defRPr>
+            </a:lvl1pPr>
+            <a:lvl2pPr marL="457200" algn="l" defTabSz="914400" rtl="0" eaLnBrk="1" latinLnBrk="1" hangingPunct="1">
+              <a:defRPr sz="1800" kern="1200">
+                <a:solidFill>
+                  <a:schemeClr val="lt1"/>
+                </a:solidFill>
+                <a:latin typeface="+mn-lt"/>
+                <a:ea typeface="+mn-ea"/>
+                <a:cs typeface="+mn-cs"/>
+              </a:defRPr>
+            </a:lvl2pPr>
+            <a:lvl3pPr marL="914400" algn="l" defTabSz="914400" rtl="0" eaLnBrk="1" latinLnBrk="1" hangingPunct="1">
+              <a:defRPr sz="1800" kern="1200">
+                <a:solidFill>
+                  <a:schemeClr val="lt1"/>
+                </a:solidFill>
+                <a:latin typeface="+mn-lt"/>
+                <a:ea typeface="+mn-ea"/>
+                <a:cs typeface="+mn-cs"/>
+              </a:defRPr>
+            </a:lvl3pPr>
+            <a:lvl4pPr marL="1371600" algn="l" defTabSz="914400" rtl="0" eaLnBrk="1" latinLnBrk="1" hangingPunct="1">
+              <a:defRPr sz="1800" kern="1200">
+                <a:solidFill>
+                  <a:schemeClr val="lt1"/>
+                </a:solidFill>
+                <a:latin typeface="+mn-lt"/>
+                <a:ea typeface="+mn-ea"/>
+                <a:cs typeface="+mn-cs"/>
+              </a:defRPr>
+            </a:lvl4pPr>
+            <a:lvl5pPr marL="1828800" algn="l" defTabSz="914400" rtl="0" eaLnBrk="1" latinLnBrk="1" hangingPunct="1">
+              <a:defRPr sz="1800" kern="1200">
+                <a:solidFill>
+                  <a:schemeClr val="lt1"/>
+                </a:solidFill>
+                <a:latin typeface="+mn-lt"/>
+                <a:ea typeface="+mn-ea"/>
+                <a:cs typeface="+mn-cs"/>
+              </a:defRPr>
+            </a:lvl5pPr>
+            <a:lvl6pPr marL="2286000" algn="l" defTabSz="914400" rtl="0" eaLnBrk="1" latinLnBrk="1" hangingPunct="1">
+              <a:defRPr sz="1800" kern="1200">
+                <a:solidFill>
+                  <a:schemeClr val="lt1"/>
+                </a:solidFill>
+                <a:latin typeface="+mn-lt"/>
+                <a:ea typeface="+mn-ea"/>
+                <a:cs typeface="+mn-cs"/>
+              </a:defRPr>
+            </a:lvl6pPr>
+            <a:lvl7pPr marL="2743200" algn="l" defTabSz="914400" rtl="0" eaLnBrk="1" latinLnBrk="1" hangingPunct="1">
+              <a:defRPr sz="1800" kern="1200">
+                <a:solidFill>
+                  <a:schemeClr val="lt1"/>
+                </a:solidFill>
+                <a:latin typeface="+mn-lt"/>
+                <a:ea typeface="+mn-ea"/>
+                <a:cs typeface="+mn-cs"/>
+              </a:defRPr>
+            </a:lvl7pPr>
+            <a:lvl8pPr marL="3200400" algn="l" defTabSz="914400" rtl="0" eaLnBrk="1" latinLnBrk="1" hangingPunct="1">
+              <a:defRPr sz="1800" kern="1200">
+                <a:solidFill>
+                  <a:schemeClr val="lt1"/>
+                </a:solidFill>
+                <a:latin typeface="+mn-lt"/>
+                <a:ea typeface="+mn-ea"/>
+                <a:cs typeface="+mn-cs"/>
+              </a:defRPr>
+            </a:lvl8pPr>
+            <a:lvl9pPr marL="3657600" algn="l" defTabSz="914400" rtl="0" eaLnBrk="1" latinLnBrk="1" hangingPunct="1">
+              <a:defRPr sz="1800" kern="1200">
+                <a:solidFill>
+                  <a:schemeClr val="lt1"/>
+                </a:solidFill>
+                <a:latin typeface="+mn-lt"/>
+                <a:ea typeface="+mn-ea"/>
+                <a:cs typeface="+mn-cs"/>
+              </a:defRPr>
+            </a:lvl9pPr>
+          </a:lstStyle>
+          <a:p>
+            <a:pPr algn="ctr"/>
+            <a:endParaRPr lang="ko-KR" altLang="en-US"/>
+          </a:p>
+        </p:txBody>
+      </p:sp>
+      <p:pic>
+        <p:nvPicPr>
+          <p:cNvPr id="2" name="그림 1"/>
+          <p:cNvPicPr>
+            <a:picLocks noChangeAspect="1"/>
+          </p:cNvPicPr>
+          <p:nvPr/>
+        </p:nvPicPr>
+        <p:blipFill>
+          <a:blip r:embed="rId3"/>
+          <a:stretch>
+            <a:fillRect/>
+          </a:stretch>
+        </p:blipFill>
+        <p:spPr>
+          <a:xfrm>
+            <a:off x="4145715" y="3796049"/>
+            <a:ext cx="5846301" cy="2284171"/>
+          </a:xfrm>
+          <a:prstGeom prst="rect">
+            <a:avLst/>
+          </a:prstGeom>
+        </p:spPr>
+      </p:pic>
+      <p:pic>
+        <p:nvPicPr>
+          <p:cNvPr id="48" name="Picture 10" descr="Alphaa Home"/>
+          <p:cNvPicPr>
+            <a:picLocks noChangeAspect="1" noChangeArrowheads="1"/>
+          </p:cNvPicPr>
+          <p:nvPr/>
+        </p:nvPicPr>
+        <p:blipFill>
+          <a:blip r:embed="rId4" cstate="print">
+            <a:extLst>
+              <a:ext uri="{28A0092B-C50C-407E-A947-70E740481C1C}">
+                <a14:useLocalDpi xmlns:a14="http://schemas.microsoft.com/office/drawing/2010/main" val="0"/>
+              </a:ext>
+            </a:extLst>
+          </a:blip>
+          <a:srcRect/>
+          <a:stretch>
+            <a:fillRect/>
+          </a:stretch>
+        </p:blipFill>
+        <p:spPr bwMode="auto">
+          <a:xfrm>
+            <a:off x="672889" y="3796049"/>
+            <a:ext cx="3421483" cy="2068240"/>
+          </a:xfrm>
+          <a:prstGeom prst="rect">
+            <a:avLst/>
+          </a:prstGeom>
+          <a:noFill/>
+          <a:extLst>
+            <a:ext uri="{909E8E84-426E-40DD-AFC4-6F175D3DCCD1}">
+              <a14:hiddenFill xmlns:a14="http://schemas.microsoft.com/office/drawing/2010/main">
+                <a:solidFill>
+                  <a:srgbClr val="FFFFFF"/>
+                </a:solidFill>
+              </a14:hiddenFill>
+            </a:ext>
+          </a:extLst>
+        </p:spPr>
+      </p:pic>
+    </p:spTree>
+    <p:extLst>
+      <p:ext uri="{BB962C8B-B14F-4D97-AF65-F5344CB8AC3E}">
+        <p14:creationId xmlns:p14="http://schemas.microsoft.com/office/powerpoint/2010/main" val="16373951"/>
       </p:ext>
     </p:extLst>
   </p:cSld>
@@ -1885,8 +6655,8 @@
         </p:nvSpPr>
         <p:spPr>
           <a:xfrm>
-            <a:off x="3036128" y="5161750"/>
-            <a:ext cx="6119744" cy="830997"/>
+            <a:off x="4320145" y="5004836"/>
+            <a:ext cx="3551709" cy="830997"/>
           </a:xfrm>
           <a:prstGeom prst="rect">
             <a:avLst/>
@@ -1907,6 +6677,21 @@
               <a:buChar char="•"/>
             </a:pPr>
             <a:r>
+              <a:rPr lang="ko-KR" altLang="en-US" sz="1200" spc="-103" smtClean="0">
+                <a:ln>
+                  <a:solidFill>
+                    <a:schemeClr val="bg1">
+                      <a:lumMod val="85000"/>
+                      <a:alpha val="0"/>
+                    </a:schemeClr>
+                  </a:solidFill>
+                </a:ln>
+                <a:latin typeface="나눔스퀘어 Bold" panose="020B0600000101010101" pitchFamily="50" charset="-127"/>
+                <a:ea typeface="나눔스퀘어 Bold" panose="020B0600000101010101" pitchFamily="50" charset="-127"/>
+              </a:rPr>
+              <a:t>캐글 </a:t>
+            </a:r>
+            <a:r>
               <a:rPr lang="en-US" altLang="ko-KR" sz="1200" spc="-103" smtClean="0">
                 <a:ln>
                   <a:solidFill>
@@ -1919,7 +6704,7 @@
                 <a:latin typeface="나눔스퀘어 Bold" panose="020B0600000101010101" pitchFamily="50" charset="-127"/>
                 <a:ea typeface="나눔스퀘어 Bold" panose="020B0600000101010101" pitchFamily="50" charset="-127"/>
               </a:rPr>
-              <a:t>Kaggle</a:t>
+              <a:t>competition</a:t>
             </a:r>
             <a:r>
               <a:rPr lang="ko-KR" altLang="en-US" sz="1200" spc="-103" smtClean="0">
@@ -1934,7 +6719,7 @@
                 <a:latin typeface="나눔스퀘어 Bold" panose="020B0600000101010101" pitchFamily="50" charset="-127"/>
                 <a:ea typeface="나눔스퀘어 Bold" panose="020B0600000101010101" pitchFamily="50" charset="-127"/>
               </a:rPr>
-              <a:t>에서 순위안에 들고 관심있는 분야의 주제를 가지고 논문을 쓰다보면 뭐든 할 수 있을 것 같지만</a:t>
+              <a:t>에 참여해 모델을 학습한 후 성능을 체크</a:t>
             </a:r>
             <a:r>
               <a:rPr lang="en-US" altLang="ko-KR" sz="1200" spc="-103" smtClean="0">
@@ -1949,7 +6734,7 @@
                 <a:latin typeface="나눔스퀘어 Bold" panose="020B0600000101010101" pitchFamily="50" charset="-127"/>
                 <a:ea typeface="나눔스퀘어 Bold" panose="020B0600000101010101" pitchFamily="50" charset="-127"/>
               </a:rPr>
-              <a:t>…</a:t>
+              <a:t>. </a:t>
             </a:r>
           </a:p>
           <a:p>
@@ -1973,7 +6758,7 @@
                 <a:latin typeface="나눔스퀘어 Bold" panose="020B0600000101010101" pitchFamily="50" charset="-127"/>
                 <a:ea typeface="나눔스퀘어 Bold" panose="020B0600000101010101" pitchFamily="50" charset="-127"/>
               </a:rPr>
-              <a:t>하지만 실제 인공지능 서비스를 만들다 보면 마주치는 문제들은 알고리즘과 관련이  너무 많다</a:t>
+              <a:t>올라가는 리더보드 순위를 보며 뿌듯</a:t>
             </a:r>
             <a:r>
               <a:rPr lang="en-US" altLang="ko-KR" sz="1200" spc="-103" smtClean="0">
@@ -1988,7 +6773,7 @@
                 <a:latin typeface="나눔스퀘어 Bold" panose="020B0600000101010101" pitchFamily="50" charset="-127"/>
                 <a:ea typeface="나눔스퀘어 Bold" panose="020B0600000101010101" pitchFamily="50" charset="-127"/>
               </a:rPr>
-              <a:t>.</a:t>
+              <a:t>!</a:t>
             </a:r>
           </a:p>
         </p:txBody>
@@ -2047,7 +6832,7 @@
       </p:sp>
       <p:pic>
         <p:nvPicPr>
-          <p:cNvPr id="3078" name="Picture 6" descr="웃긴짤모음(3) - 월요일, 출근짤, 사회생활짤"/>
+          <p:cNvPr id="7" name="Picture 4" descr="Kaggle] 캐글 시작하기 (타이타닉 문제) :: Juun42"/>
           <p:cNvPicPr>
             <a:picLocks noChangeAspect="1" noChangeArrowheads="1"/>
           </p:cNvPicPr>
@@ -2068,8 +6853,8 @@
         </p:blipFill>
         <p:spPr bwMode="auto">
           <a:xfrm>
-            <a:off x="3734429" y="1872760"/>
-            <a:ext cx="4723141" cy="2928347"/>
+            <a:off x="2673785" y="2332171"/>
+            <a:ext cx="6844430" cy="2193659"/>
           </a:xfrm>
           <a:prstGeom prst="rect">
             <a:avLst/>
@@ -2089,7 +6874,7 @@
     </p:spTree>
     <p:extLst>
       <p:ext uri="{BB962C8B-B14F-4D97-AF65-F5344CB8AC3E}">
-        <p14:creationId xmlns:p14="http://schemas.microsoft.com/office/powerpoint/2010/main" val="1707874169"/>
+        <p14:creationId xmlns:p14="http://schemas.microsoft.com/office/powerpoint/2010/main" val="3307504117"/>
       </p:ext>
     </p:extLst>
   </p:cSld>
@@ -2219,6 +7004,128 @@
       </p:sp>
       <p:sp>
         <p:nvSpPr>
+          <p:cNvPr id="6" name="TextBox 5">
+            <a:extLst>
+              <a:ext uri="{FF2B5EF4-FFF2-40B4-BE49-F238E27FC236}">
+                <a16:creationId xmlns:a16="http://schemas.microsoft.com/office/drawing/2014/main" id="{C40C17C7-6436-43BB-AB8B-1F1856BAF096}"/>
+              </a:ext>
+            </a:extLst>
+          </p:cNvPr>
+          <p:cNvSpPr txBox="1"/>
+          <p:nvPr/>
+        </p:nvSpPr>
+        <p:spPr>
+          <a:xfrm>
+            <a:off x="3036127" y="5261047"/>
+            <a:ext cx="6119744" cy="781304"/>
+          </a:xfrm>
+          <a:prstGeom prst="rect">
+            <a:avLst/>
+          </a:prstGeom>
+          <a:noFill/>
+        </p:spPr>
+        <p:txBody>
+          <a:bodyPr wrap="square" rtlCol="0" anchor="ctr">
+            <a:spAutoFit/>
+          </a:bodyPr>
+          <a:lstStyle/>
+          <a:p>
+            <a:pPr marL="171450" indent="-171450">
+              <a:lnSpc>
+                <a:spcPct val="200000"/>
+              </a:lnSpc>
+              <a:buFont typeface="Arial" panose="020B0604020202020204" pitchFamily="34" charset="0"/>
+              <a:buChar char="•"/>
+            </a:pPr>
+            <a:r>
+              <a:rPr lang="en-US" altLang="ko-KR" sz="1200" spc="-103">
+                <a:ln>
+                  <a:solidFill>
+                    <a:schemeClr val="bg1">
+                      <a:lumMod val="85000"/>
+                      <a:alpha val="0"/>
+                    </a:schemeClr>
+                  </a:solidFill>
+                </a:ln>
+                <a:latin typeface="나눔스퀘어 Bold" panose="020B0600000101010101" pitchFamily="50" charset="-127"/>
+                <a:ea typeface="나눔스퀘어 Bold" panose="020B0600000101010101" pitchFamily="50" charset="-127"/>
+              </a:rPr>
+              <a:t>Kaggle</a:t>
+            </a:r>
+            <a:r>
+              <a:rPr lang="ko-KR" altLang="en-US" sz="1200" spc="-103">
+                <a:ln>
+                  <a:solidFill>
+                    <a:schemeClr val="bg1">
+                      <a:lumMod val="85000"/>
+                      <a:alpha val="0"/>
+                    </a:schemeClr>
+                  </a:solidFill>
+                </a:ln>
+                <a:latin typeface="나눔스퀘어 Bold" panose="020B0600000101010101" pitchFamily="50" charset="-127"/>
+                <a:ea typeface="나눔스퀘어 Bold" panose="020B0600000101010101" pitchFamily="50" charset="-127"/>
+              </a:rPr>
+              <a:t>에서 순위안에 들고 관심있는 분야의 주제를 가지고 논문을 쓰다보면 뭐든 할 수 있을 것 같지만</a:t>
+            </a:r>
+            <a:r>
+              <a:rPr lang="en-US" altLang="ko-KR" sz="1200" spc="-103">
+                <a:ln>
+                  <a:solidFill>
+                    <a:schemeClr val="bg1">
+                      <a:lumMod val="85000"/>
+                      <a:alpha val="0"/>
+                    </a:schemeClr>
+                  </a:solidFill>
+                </a:ln>
+                <a:latin typeface="나눔스퀘어 Bold" panose="020B0600000101010101" pitchFamily="50" charset="-127"/>
+                <a:ea typeface="나눔스퀘어 Bold" panose="020B0600000101010101" pitchFamily="50" charset="-127"/>
+              </a:rPr>
+              <a:t>…</a:t>
+            </a:r>
+          </a:p>
+          <a:p>
+            <a:pPr marL="171450" indent="-171450">
+              <a:lnSpc>
+                <a:spcPct val="200000"/>
+              </a:lnSpc>
+              <a:buFont typeface="Arial" panose="020B0604020202020204" pitchFamily="34" charset="0"/>
+              <a:buChar char="•"/>
+            </a:pPr>
+            <a:r>
+              <a:rPr lang="ko-KR" altLang="en-US" sz="1200" spc="-103">
+                <a:ln>
+                  <a:solidFill>
+                    <a:schemeClr val="bg1">
+                      <a:lumMod val="85000"/>
+                      <a:alpha val="0"/>
+                    </a:schemeClr>
+                  </a:solidFill>
+                </a:ln>
+                <a:latin typeface="나눔스퀘어 Bold" panose="020B0600000101010101" pitchFamily="50" charset="-127"/>
+                <a:ea typeface="나눔스퀘어 Bold" panose="020B0600000101010101" pitchFamily="50" charset="-127"/>
+              </a:rPr>
+              <a:t>하지만 인공지능 관련 서비스를 만들다 마주치는 문제들의 대부분은 수식과 관련이 없다</a:t>
+            </a:r>
+            <a:r>
+              <a:rPr lang="en-US" altLang="ko-KR" sz="1200" spc="-103">
+                <a:ln>
+                  <a:solidFill>
+                    <a:schemeClr val="bg1">
+                      <a:lumMod val="85000"/>
+                      <a:alpha val="0"/>
+                    </a:schemeClr>
+                  </a:solidFill>
+                </a:ln>
+                <a:latin typeface="나눔스퀘어 Bold" panose="020B0600000101010101" pitchFamily="50" charset="-127"/>
+                <a:ea typeface="나눔스퀘어 Bold" panose="020B0600000101010101" pitchFamily="50" charset="-127"/>
+              </a:rPr>
+              <a:t>.</a:t>
+            </a:r>
+          </a:p>
+        </p:txBody>
+      </p:sp>
+      <p:sp>
+        <p:nvSpPr>
           <p:cNvPr id="9" name="TextBox 8"/>
           <p:cNvSpPr txBox="1"/>
           <p:nvPr/>
@@ -2271,180 +7178,49 @@
       </p:sp>
       <p:pic>
         <p:nvPicPr>
-          <p:cNvPr id="2" name="그림 1"/>
+          <p:cNvPr id="3078" name="Picture 6" descr="웃긴짤모음(3) - 월요일, 출근짤, 사회생활짤"/>
           <p:cNvPicPr>
-            <a:picLocks noChangeAspect="1"/>
+            <a:picLocks noChangeAspect="1" noChangeArrowheads="1"/>
           </p:cNvPicPr>
           <p:nvPr/>
         </p:nvPicPr>
         <p:blipFill>
-          <a:blip r:embed="rId2"/>
+          <a:blip r:embed="rId2">
+            <a:extLst>
+              <a:ext uri="{28A0092B-C50C-407E-A947-70E740481C1C}">
+                <a14:useLocalDpi xmlns:a14="http://schemas.microsoft.com/office/drawing/2010/main" val="0"/>
+              </a:ext>
+            </a:extLst>
+          </a:blip>
+          <a:srcRect/>
           <a:stretch>
             <a:fillRect/>
           </a:stretch>
         </p:blipFill>
-        <p:spPr>
+        <p:spPr bwMode="auto">
           <a:xfrm>
-            <a:off x="1640504" y="1942156"/>
-            <a:ext cx="8910992" cy="3306198"/>
+            <a:off x="3734429" y="1872760"/>
+            <a:ext cx="4723141" cy="2928347"/>
           </a:xfrm>
           <a:prstGeom prst="rect">
             <a:avLst/>
           </a:prstGeom>
+          <a:noFill/>
+          <a:extLst>
+            <a:ext uri="{909E8E84-426E-40DD-AFC4-6F175D3DCCD1}">
+              <a14:hiddenFill xmlns:a14="http://schemas.microsoft.com/office/drawing/2010/main">
+                <a:solidFill>
+                  <a:srgbClr val="FFFFFF"/>
+                </a:solidFill>
+              </a14:hiddenFill>
+            </a:ext>
+          </a:extLst>
         </p:spPr>
       </p:pic>
-      <p:sp>
-        <p:nvSpPr>
-          <p:cNvPr id="8" name="TextBox 7">
-            <a:extLst>
-              <a:ext uri="{FF2B5EF4-FFF2-40B4-BE49-F238E27FC236}">
-                <a16:creationId xmlns:a16="http://schemas.microsoft.com/office/drawing/2014/main" id="{C40C17C7-6436-43BB-AB8B-1F1856BAF096}"/>
-              </a:ext>
-            </a:extLst>
-          </p:cNvPr>
-          <p:cNvSpPr txBox="1"/>
-          <p:nvPr/>
-        </p:nvSpPr>
-        <p:spPr>
-          <a:xfrm>
-            <a:off x="3623967" y="5465756"/>
-            <a:ext cx="4944067" cy="830997"/>
-          </a:xfrm>
-          <a:prstGeom prst="rect">
-            <a:avLst/>
-          </a:prstGeom>
-          <a:noFill/>
-        </p:spPr>
-        <p:txBody>
-          <a:bodyPr wrap="square" rtlCol="0" anchor="ctr">
-            <a:spAutoFit/>
-          </a:bodyPr>
-          <a:lstStyle/>
-          <a:p>
-            <a:pPr>
-              <a:lnSpc>
-                <a:spcPct val="200000"/>
-              </a:lnSpc>
-            </a:pPr>
-            <a:r>
-              <a:rPr lang="ko-KR" altLang="en-US" sz="1200" spc="-103" smtClean="0">
-                <a:ln>
-                  <a:solidFill>
-                    <a:schemeClr val="bg1">
-                      <a:lumMod val="85000"/>
-                      <a:alpha val="0"/>
-                    </a:schemeClr>
-                  </a:solidFill>
-                </a:ln>
-                <a:latin typeface="나눔스퀘어 Bold" panose="020B0600000101010101" pitchFamily="50" charset="-127"/>
-                <a:ea typeface="나눔스퀘어 Bold" panose="020B0600000101010101" pitchFamily="50" charset="-127"/>
-              </a:rPr>
-              <a:t>머신러닝 프로젝트에서 </a:t>
-            </a:r>
-            <a:r>
-              <a:rPr lang="en-US" altLang="ko-KR" sz="1200" spc="-103" smtClean="0">
-                <a:ln>
-                  <a:solidFill>
-                    <a:schemeClr val="bg1">
-                      <a:lumMod val="85000"/>
-                      <a:alpha val="0"/>
-                    </a:schemeClr>
-                  </a:solidFill>
-                </a:ln>
-                <a:latin typeface="나눔스퀘어 Bold" panose="020B0600000101010101" pitchFamily="50" charset="-127"/>
-                <a:ea typeface="나눔스퀘어 Bold" panose="020B0600000101010101" pitchFamily="50" charset="-127"/>
-              </a:rPr>
-              <a:t>ML Code</a:t>
-            </a:r>
-            <a:r>
-              <a:rPr lang="ko-KR" altLang="en-US" sz="1200" spc="-103" smtClean="0">
-                <a:ln>
-                  <a:solidFill>
-                    <a:schemeClr val="bg1">
-                      <a:lumMod val="85000"/>
-                      <a:alpha val="0"/>
-                    </a:schemeClr>
-                  </a:solidFill>
-                </a:ln>
-                <a:latin typeface="나눔스퀘어 Bold" panose="020B0600000101010101" pitchFamily="50" charset="-127"/>
-                <a:ea typeface="나눔스퀘어 Bold" panose="020B0600000101010101" pitchFamily="50" charset="-127"/>
-              </a:rPr>
-              <a:t>가 차지하는 비중은 크지 않다</a:t>
-            </a:r>
-            <a:r>
-              <a:rPr lang="en-US" altLang="ko-KR" sz="1200" spc="-103" smtClean="0">
-                <a:ln>
-                  <a:solidFill>
-                    <a:schemeClr val="bg1">
-                      <a:lumMod val="85000"/>
-                      <a:alpha val="0"/>
-                    </a:schemeClr>
-                  </a:solidFill>
-                </a:ln>
-                <a:latin typeface="나눔스퀘어 Bold" panose="020B0600000101010101" pitchFamily="50" charset="-127"/>
-                <a:ea typeface="나눔스퀘어 Bold" panose="020B0600000101010101" pitchFamily="50" charset="-127"/>
-              </a:rPr>
-              <a:t>.</a:t>
-            </a:r>
-          </a:p>
-          <a:p>
-            <a:pPr>
-              <a:lnSpc>
-                <a:spcPct val="200000"/>
-              </a:lnSpc>
-            </a:pPr>
-            <a:r>
-              <a:rPr lang="en-US" altLang="ko-KR" sz="1200" spc="-103" smtClean="0">
-                <a:ln>
-                  <a:solidFill>
-                    <a:schemeClr val="bg1">
-                      <a:lumMod val="85000"/>
-                      <a:alpha val="0"/>
-                    </a:schemeClr>
-                  </a:solidFill>
-                </a:ln>
-                <a:latin typeface="나눔스퀘어 Bold" panose="020B0600000101010101" pitchFamily="50" charset="-127"/>
-                <a:ea typeface="나눔스퀘어 Bold" panose="020B0600000101010101" pitchFamily="50" charset="-127"/>
-              </a:rPr>
-              <a:t>ML Code</a:t>
-            </a:r>
-            <a:r>
-              <a:rPr lang="ko-KR" altLang="en-US" sz="1200" spc="-103" smtClean="0">
-                <a:ln>
-                  <a:solidFill>
-                    <a:schemeClr val="bg1">
-                      <a:lumMod val="85000"/>
-                      <a:alpha val="0"/>
-                    </a:schemeClr>
-                  </a:solidFill>
-                </a:ln>
-                <a:latin typeface="나눔스퀘어 Bold" panose="020B0600000101010101" pitchFamily="50" charset="-127"/>
-                <a:ea typeface="나눔스퀘어 Bold" panose="020B0600000101010101" pitchFamily="50" charset="-127"/>
-              </a:rPr>
-              <a:t>를 작동시키기 위한 모듈들을 개발하는데 시간이 더 오래 걸리는 경우가 많다</a:t>
-            </a:r>
-            <a:r>
-              <a:rPr lang="en-US" altLang="ko-KR" sz="1200" spc="-103" smtClean="0">
-                <a:ln>
-                  <a:solidFill>
-                    <a:schemeClr val="bg1">
-                      <a:lumMod val="85000"/>
-                      <a:alpha val="0"/>
-                    </a:schemeClr>
-                  </a:solidFill>
-                </a:ln>
-                <a:latin typeface="나눔스퀘어 Bold" panose="020B0600000101010101" pitchFamily="50" charset="-127"/>
-                <a:ea typeface="나눔스퀘어 Bold" panose="020B0600000101010101" pitchFamily="50" charset="-127"/>
-              </a:rPr>
-              <a:t>.</a:t>
-            </a:r>
-          </a:p>
-        </p:txBody>
-      </p:sp>
     </p:spTree>
     <p:extLst>
       <p:ext uri="{BB962C8B-B14F-4D97-AF65-F5344CB8AC3E}">
-        <p14:creationId xmlns:p14="http://schemas.microsoft.com/office/powerpoint/2010/main" val="2277343195"/>
+        <p14:creationId xmlns:p14="http://schemas.microsoft.com/office/powerpoint/2010/main" val="1459897816"/>
       </p:ext>
     </p:extLst>
   </p:cSld>
@@ -2555,7 +7331,7 @@
                 <a:latin typeface="나눔스퀘어 ExtraBold" panose="020B0600000101010101" pitchFamily="50" charset="-127"/>
                 <a:ea typeface="나눔스퀘어 ExtraBold" panose="020B0600000101010101" pitchFamily="50" charset="-127"/>
               </a:rPr>
-              <a:t>What is MLflow</a:t>
+              <a:t>Why MLOps</a:t>
             </a:r>
             <a:endParaRPr lang="ko-KR" altLang="en-US" sz="1400" spc="-100" dirty="0">
               <a:ln>
@@ -2574,7 +7350,83 @@
       </p:sp>
       <p:sp>
         <p:nvSpPr>
-          <p:cNvPr id="6" name="TextBox 5">
+          <p:cNvPr id="9" name="TextBox 8"/>
+          <p:cNvSpPr txBox="1"/>
+          <p:nvPr/>
+        </p:nvSpPr>
+        <p:spPr>
+          <a:xfrm>
+            <a:off x="1088238" y="437393"/>
+            <a:ext cx="5396382" cy="584775"/>
+          </a:xfrm>
+          <a:prstGeom prst="rect">
+            <a:avLst/>
+          </a:prstGeom>
+          <a:noFill/>
+        </p:spPr>
+        <p:txBody>
+          <a:bodyPr wrap="square" rtlCol="0">
+            <a:spAutoFit/>
+          </a:bodyPr>
+          <a:lstStyle/>
+          <a:p>
+            <a:r>
+              <a:rPr lang="en-US" altLang="ko-KR" sz="3200" spc="-150">
+                <a:solidFill>
+                  <a:srgbClr val="00002F"/>
+                </a:solidFill>
+                <a:latin typeface="나눔스퀘어 ExtraBold" panose="020B0600000101010101" pitchFamily="50" charset="-127"/>
+                <a:ea typeface="나눔스퀘어 ExtraBold" panose="020B0600000101010101" pitchFamily="50" charset="-127"/>
+              </a:rPr>
+              <a:t>MLflow </a:t>
+            </a:r>
+            <a:r>
+              <a:rPr lang="ko-KR" altLang="en-US" sz="3200" spc="-150" smtClean="0">
+                <a:solidFill>
+                  <a:srgbClr val="00002F"/>
+                </a:solidFill>
+                <a:latin typeface="나눔스퀘어 ExtraBold" panose="020B0600000101010101" pitchFamily="50" charset="-127"/>
+                <a:ea typeface="나눔스퀘어 ExtraBold" panose="020B0600000101010101" pitchFamily="50" charset="-127"/>
+              </a:rPr>
+              <a:t>소개</a:t>
+            </a:r>
+            <a:endParaRPr lang="en-US" altLang="ko-KR" sz="3200" spc="-150">
+              <a:solidFill>
+                <a:srgbClr val="00002F"/>
+              </a:solidFill>
+              <a:latin typeface="나눔스퀘어 ExtraBold" panose="020B0600000101010101" pitchFamily="50" charset="-127"/>
+              <a:ea typeface="나눔스퀘어 ExtraBold" panose="020B0600000101010101" pitchFamily="50" charset="-127"/>
+            </a:endParaRPr>
+          </a:p>
+        </p:txBody>
+      </p:sp>
+      <p:pic>
+        <p:nvPicPr>
+          <p:cNvPr id="2" name="그림 1"/>
+          <p:cNvPicPr>
+            <a:picLocks noChangeAspect="1"/>
+          </p:cNvPicPr>
+          <p:nvPr/>
+        </p:nvPicPr>
+        <p:blipFill>
+          <a:blip r:embed="rId2"/>
+          <a:stretch>
+            <a:fillRect/>
+          </a:stretch>
+        </p:blipFill>
+        <p:spPr>
+          <a:xfrm>
+            <a:off x="2413772" y="1713667"/>
+            <a:ext cx="7364456" cy="2732395"/>
+          </a:xfrm>
+          <a:prstGeom prst="rect">
+            <a:avLst/>
+          </a:prstGeom>
+        </p:spPr>
+      </p:pic>
+      <p:sp>
+        <p:nvSpPr>
+          <p:cNvPr id="8" name="TextBox 7">
             <a:extLst>
               <a:ext uri="{FF2B5EF4-FFF2-40B4-BE49-F238E27FC236}">
                 <a16:creationId xmlns:a16="http://schemas.microsoft.com/office/drawing/2014/main" id="{C40C17C7-6436-43BB-AB8B-1F1856BAF096}"/>
@@ -2586,8 +7438,8 @@
         </p:nvSpPr>
         <p:spPr>
           <a:xfrm>
-            <a:off x="1755513" y="2680375"/>
-            <a:ext cx="8680974" cy="2677656"/>
+            <a:off x="4127914" y="4570939"/>
+            <a:ext cx="3936172" cy="1938992"/>
           </a:xfrm>
           <a:prstGeom prst="rect">
             <a:avLst/>
@@ -2600,12 +7452,29 @@
           </a:bodyPr>
           <a:lstStyle/>
           <a:p>
-            <a:pPr>
+            <a:pPr marL="171450" indent="-171450">
               <a:lnSpc>
                 <a:spcPct val="200000"/>
               </a:lnSpc>
+              <a:buFont typeface="Arial" panose="020B0604020202020204" pitchFamily="34" charset="0"/>
+              <a:buChar char="•"/>
             </a:pPr>
             <a:r>
+              <a:rPr lang="ko-KR" altLang="en-US" sz="1200" spc="-103" smtClean="0">
+                <a:ln>
+                  <a:solidFill>
+                    <a:schemeClr val="bg1">
+                      <a:lumMod val="85000"/>
+                      <a:alpha val="0"/>
+                    </a:schemeClr>
+                  </a:solidFill>
+                </a:ln>
+                <a:latin typeface="나눔스퀘어 Bold" panose="020B0600000101010101" pitchFamily="50" charset="-127"/>
+                <a:ea typeface="나눔스퀘어 Bold" panose="020B0600000101010101" pitchFamily="50" charset="-127"/>
+              </a:rPr>
+              <a:t>전체 머신러닝 프로젝트에서 수식은 일부분일 뿐이다</a:t>
+            </a:r>
+            <a:r>
               <a:rPr lang="en-US" altLang="ko-KR" sz="1200" spc="-103" smtClean="0">
                 <a:ln>
                   <a:solidFill>
@@ -2618,133 +7487,33 @@
                 <a:latin typeface="나눔스퀘어 Bold" panose="020B0600000101010101" pitchFamily="50" charset="-127"/>
                 <a:ea typeface="나눔스퀘어 Bold" panose="020B0600000101010101" pitchFamily="50" charset="-127"/>
               </a:rPr>
-              <a:t>MLflow</a:t>
-            </a:r>
-            <a:r>
-              <a:rPr lang="ko-KR" altLang="en-US" sz="1200" spc="-103" smtClean="0">
-                <a:ln>
-                  <a:solidFill>
-                    <a:schemeClr val="bg1">
-                      <a:lumMod val="85000"/>
-                      <a:alpha val="0"/>
-                    </a:schemeClr>
-                  </a:solidFill>
-                </a:ln>
-                <a:latin typeface="나눔스퀘어 Bold" panose="020B0600000101010101" pitchFamily="50" charset="-127"/>
-                <a:ea typeface="나눔스퀘어 Bold" panose="020B0600000101010101" pitchFamily="50" charset="-127"/>
-              </a:rPr>
-              <a:t>는 </a:t>
-            </a:r>
-            <a:r>
-              <a:rPr lang="en-US" altLang="ko-KR" sz="1200" spc="-103" smtClean="0">
-                <a:ln>
-                  <a:solidFill>
-                    <a:schemeClr val="bg1">
-                      <a:lumMod val="85000"/>
-                      <a:alpha val="0"/>
-                    </a:schemeClr>
-                  </a:solidFill>
-                </a:ln>
-                <a:latin typeface="나눔스퀘어 Bold" panose="020B0600000101010101" pitchFamily="50" charset="-127"/>
-                <a:ea typeface="나눔스퀘어 Bold" panose="020B0600000101010101" pitchFamily="50" charset="-127"/>
-              </a:rPr>
-              <a:t>End-to-End </a:t>
-            </a:r>
-            <a:r>
-              <a:rPr lang="en-US" altLang="ko-KR" sz="1200" spc="-103">
-                <a:ln>
-                  <a:solidFill>
-                    <a:schemeClr val="bg1">
-                      <a:lumMod val="85000"/>
-                      <a:alpha val="0"/>
-                    </a:schemeClr>
-                  </a:solidFill>
-                </a:ln>
-                <a:latin typeface="나눔스퀘어 Bold" panose="020B0600000101010101" pitchFamily="50" charset="-127"/>
-                <a:ea typeface="나눔스퀘어 Bold" panose="020B0600000101010101" pitchFamily="50" charset="-127"/>
-              </a:rPr>
-              <a:t>machine learning </a:t>
-            </a:r>
-            <a:r>
-              <a:rPr lang="en-US" altLang="ko-KR" sz="1200" spc="-103" smtClean="0">
-                <a:ln>
-                  <a:solidFill>
-                    <a:schemeClr val="bg1">
-                      <a:lumMod val="85000"/>
-                      <a:alpha val="0"/>
-                    </a:schemeClr>
-                  </a:solidFill>
-                </a:ln>
-                <a:latin typeface="나눔스퀘어 Bold" panose="020B0600000101010101" pitchFamily="50" charset="-127"/>
-                <a:ea typeface="나눔스퀘어 Bold" panose="020B0600000101010101" pitchFamily="50" charset="-127"/>
-              </a:rPr>
-              <a:t>lifecycle</a:t>
-            </a:r>
-            <a:r>
-              <a:rPr lang="ko-KR" altLang="en-US" sz="1200" spc="-103" smtClean="0">
-                <a:ln>
-                  <a:solidFill>
-                    <a:schemeClr val="bg1">
-                      <a:lumMod val="85000"/>
-                      <a:alpha val="0"/>
-                    </a:schemeClr>
-                  </a:solidFill>
-                </a:ln>
-                <a:latin typeface="나눔스퀘어 Bold" panose="020B0600000101010101" pitchFamily="50" charset="-127"/>
-                <a:ea typeface="나눔스퀘어 Bold" panose="020B0600000101010101" pitchFamily="50" charset="-127"/>
-              </a:rPr>
-              <a:t>을 관리하는 오픈소스 플랫폼이며 모든 </a:t>
-            </a:r>
-            <a:r>
-              <a:rPr lang="ko-KR" altLang="en-US" sz="1200" spc="-103">
-                <a:ln>
-                  <a:solidFill>
-                    <a:schemeClr val="bg1">
-                      <a:lumMod val="85000"/>
-                      <a:alpha val="0"/>
-                    </a:schemeClr>
-                  </a:solidFill>
-                </a:ln>
-                <a:latin typeface="나눔스퀘어 Bold" panose="020B0600000101010101" pitchFamily="50" charset="-127"/>
-                <a:ea typeface="나눔스퀘어 Bold" panose="020B0600000101010101" pitchFamily="50" charset="-127"/>
-              </a:rPr>
-              <a:t>기계 학습 라이브러리 및 프로그래밍 언어와 함께 사용할 수 있다</a:t>
-            </a:r>
-            <a:r>
-              <a:rPr lang="en-US" altLang="ko-KR" sz="1200" spc="-103">
-                <a:ln>
-                  <a:solidFill>
-                    <a:schemeClr val="bg1">
-                      <a:lumMod val="85000"/>
-                      <a:alpha val="0"/>
-                    </a:schemeClr>
-                  </a:solidFill>
-                </a:ln>
-                <a:latin typeface="나눔스퀘어 Bold" panose="020B0600000101010101" pitchFamily="50" charset="-127"/>
-                <a:ea typeface="나눔스퀘어 Bold" panose="020B0600000101010101" pitchFamily="50" charset="-127"/>
-              </a:rPr>
               <a:t>.</a:t>
             </a:r>
-            <a:endParaRPr lang="en-US" altLang="ko-KR" sz="1200" spc="-103" smtClean="0">
-              <a:ln>
-                <a:solidFill>
-                  <a:schemeClr val="bg1">
-                    <a:lumMod val="85000"/>
-                    <a:alpha val="0"/>
-                  </a:schemeClr>
-                </a:solidFill>
-              </a:ln>
-              <a:latin typeface="나눔스퀘어 Bold" panose="020B0600000101010101" pitchFamily="50" charset="-127"/>
-              <a:ea typeface="나눔스퀘어 Bold" panose="020B0600000101010101" pitchFamily="50" charset="-127"/>
-            </a:endParaRPr>
-          </a:p>
-          <a:p>
-            <a:pPr>
+          </a:p>
+          <a:p>
+            <a:pPr marL="628650" lvl="1" indent="-171450">
               <a:lnSpc>
                 <a:spcPct val="200000"/>
               </a:lnSpc>
+              <a:buFont typeface="Arial" panose="020B0604020202020204" pitchFamily="34" charset="0"/>
+              <a:buChar char="•"/>
             </a:pPr>
             <a:r>
+              <a:rPr lang="ko-KR" altLang="en-US" sz="1200" spc="-103" smtClean="0">
+                <a:ln>
+                  <a:solidFill>
+                    <a:schemeClr val="bg1">
+                      <a:lumMod val="85000"/>
+                      <a:alpha val="0"/>
+                    </a:schemeClr>
+                  </a:solidFill>
+                </a:ln>
+                <a:latin typeface="나눔스퀘어 Bold" panose="020B0600000101010101" pitchFamily="50" charset="-127"/>
+                <a:ea typeface="나눔스퀘어 Bold" panose="020B0600000101010101" pitchFamily="50" charset="-127"/>
+              </a:rPr>
+              <a:t>데이터 버전 관리 어떻게 하지</a:t>
+            </a:r>
+            <a:r>
               <a:rPr lang="en-US" altLang="ko-KR" sz="1200" spc="-103" smtClean="0">
                 <a:ln>
                   <a:solidFill>
@@ -2757,88 +7526,33 @@
                 <a:latin typeface="나눔스퀘어 Bold" panose="020B0600000101010101" pitchFamily="50" charset="-127"/>
                 <a:ea typeface="나눔스퀘어 Bold" panose="020B0600000101010101" pitchFamily="50" charset="-127"/>
               </a:rPr>
-              <a:t>4</a:t>
-            </a:r>
-            <a:r>
-              <a:rPr lang="ko-KR" altLang="en-US" sz="1200" spc="-103" smtClean="0">
-                <a:ln>
-                  <a:solidFill>
-                    <a:schemeClr val="bg1">
-                      <a:lumMod val="85000"/>
-                      <a:alpha val="0"/>
-                    </a:schemeClr>
-                  </a:solidFill>
-                </a:ln>
-                <a:latin typeface="나눔스퀘어 Bold" panose="020B0600000101010101" pitchFamily="50" charset="-127"/>
-                <a:ea typeface="나눔스퀘어 Bold" panose="020B0600000101010101" pitchFamily="50" charset="-127"/>
-              </a:rPr>
-              <a:t>가지 </a:t>
-            </a:r>
-            <a:r>
-              <a:rPr lang="en-US" altLang="ko-KR" sz="1200" spc="-103">
-                <a:ln>
-                  <a:solidFill>
-                    <a:schemeClr val="bg1">
-                      <a:lumMod val="85000"/>
-                      <a:alpha val="0"/>
-                    </a:schemeClr>
-                  </a:solidFill>
-                </a:ln>
-                <a:latin typeface="나눔스퀘어 Bold" panose="020B0600000101010101" pitchFamily="50" charset="-127"/>
-                <a:ea typeface="나눔스퀘어 Bold" panose="020B0600000101010101" pitchFamily="50" charset="-127"/>
-              </a:rPr>
-              <a:t>Mlflow </a:t>
-            </a:r>
-            <a:r>
-              <a:rPr lang="ko-KR" altLang="en-US" sz="1200" spc="-103" smtClean="0">
-                <a:ln>
-                  <a:solidFill>
-                    <a:schemeClr val="bg1">
-                      <a:lumMod val="85000"/>
-                      <a:alpha val="0"/>
-                    </a:schemeClr>
-                  </a:solidFill>
-                </a:ln>
-                <a:latin typeface="나눔스퀘어 Bold" panose="020B0600000101010101" pitchFamily="50" charset="-127"/>
-                <a:ea typeface="나눔스퀘어 Bold" panose="020B0600000101010101" pitchFamily="50" charset="-127"/>
-              </a:rPr>
-              <a:t>주요 기능</a:t>
-            </a:r>
-            <a:r>
-              <a:rPr lang="en-US" altLang="ko-KR" sz="1200" spc="-103" smtClean="0">
-                <a:ln>
-                  <a:solidFill>
-                    <a:schemeClr val="bg1">
-                      <a:lumMod val="85000"/>
-                      <a:alpha val="0"/>
-                    </a:schemeClr>
-                  </a:solidFill>
-                </a:ln>
-                <a:latin typeface="나눔스퀘어 Bold" panose="020B0600000101010101" pitchFamily="50" charset="-127"/>
-                <a:ea typeface="나눔스퀘어 Bold" panose="020B0600000101010101" pitchFamily="50" charset="-127"/>
-              </a:rPr>
-              <a:t>:</a:t>
-            </a:r>
-            <a:endParaRPr lang="en-US" altLang="ko-KR" sz="1200" spc="-103">
-              <a:ln>
-                <a:solidFill>
-                  <a:schemeClr val="bg1">
-                    <a:lumMod val="85000"/>
-                    <a:alpha val="0"/>
-                  </a:schemeClr>
-                </a:solidFill>
-              </a:ln>
-              <a:latin typeface="나눔스퀘어 Bold" panose="020B0600000101010101" pitchFamily="50" charset="-127"/>
-              <a:ea typeface="나눔스퀘어 Bold" panose="020B0600000101010101" pitchFamily="50" charset="-127"/>
-            </a:endParaRPr>
-          </a:p>
-          <a:p>
-            <a:pPr>
+              <a:t>?</a:t>
+            </a:r>
+          </a:p>
+          <a:p>
+            <a:pPr marL="628650" lvl="1" indent="-171450">
               <a:lnSpc>
                 <a:spcPct val="200000"/>
               </a:lnSpc>
+              <a:buFont typeface="Arial" panose="020B0604020202020204" pitchFamily="34" charset="0"/>
+              <a:buChar char="•"/>
             </a:pPr>
             <a:r>
+              <a:rPr lang="ko-KR" altLang="en-US" sz="1200" spc="-103" smtClean="0">
+                <a:ln>
+                  <a:solidFill>
+                    <a:schemeClr val="bg1">
+                      <a:lumMod val="85000"/>
+                      <a:alpha val="0"/>
+                    </a:schemeClr>
+                  </a:solidFill>
+                </a:ln>
+                <a:latin typeface="나눔스퀘어 Bold" panose="020B0600000101010101" pitchFamily="50" charset="-127"/>
+                <a:ea typeface="나눔스퀘어 Bold" panose="020B0600000101010101" pitchFamily="50" charset="-127"/>
+              </a:rPr>
+              <a:t>실험이 너무 많은데 어떻게 기록하지</a:t>
+            </a:r>
+            <a:r>
               <a:rPr lang="en-US" altLang="ko-KR" sz="1200" spc="-103" smtClean="0">
                 <a:ln>
                   <a:solidFill>
@@ -2851,88 +7565,33 @@
                 <a:latin typeface="나눔스퀘어 Bold" panose="020B0600000101010101" pitchFamily="50" charset="-127"/>
                 <a:ea typeface="나눔스퀘어 Bold" panose="020B0600000101010101" pitchFamily="50" charset="-127"/>
               </a:rPr>
-              <a:t>1. </a:t>
-            </a:r>
-            <a:r>
-              <a:rPr lang="en-US" altLang="ko-KR" sz="1200" spc="-103">
-                <a:ln>
-                  <a:solidFill>
-                    <a:schemeClr val="bg1">
-                      <a:lumMod val="85000"/>
-                      <a:alpha val="0"/>
-                    </a:schemeClr>
-                  </a:solidFill>
-                </a:ln>
-                <a:latin typeface="나눔스퀘어 Bold" panose="020B0600000101010101" pitchFamily="50" charset="-127"/>
-                <a:ea typeface="나눔스퀘어 Bold" panose="020B0600000101010101" pitchFamily="50" charset="-127"/>
-              </a:rPr>
-              <a:t>MLflow </a:t>
-            </a:r>
-            <a:r>
-              <a:rPr lang="en-US" altLang="ko-KR" sz="1200" spc="-103" smtClean="0">
-                <a:ln>
-                  <a:solidFill>
-                    <a:schemeClr val="bg1">
-                      <a:lumMod val="85000"/>
-                      <a:alpha val="0"/>
-                    </a:schemeClr>
-                  </a:solidFill>
-                </a:ln>
-                <a:latin typeface="나눔스퀘어 Bold" panose="020B0600000101010101" pitchFamily="50" charset="-127"/>
-                <a:ea typeface="나눔스퀘어 Bold" panose="020B0600000101010101" pitchFamily="50" charset="-127"/>
-              </a:rPr>
-              <a:t>Tracking : </a:t>
-            </a:r>
-            <a:r>
-              <a:rPr lang="ko-KR" altLang="en-US" sz="1200" spc="-103" smtClean="0">
-                <a:ln>
-                  <a:solidFill>
-                    <a:schemeClr val="bg1">
-                      <a:lumMod val="85000"/>
-                      <a:alpha val="0"/>
-                    </a:schemeClr>
-                  </a:solidFill>
-                </a:ln>
-                <a:latin typeface="나눔스퀘어 Bold" panose="020B0600000101010101" pitchFamily="50" charset="-127"/>
-                <a:ea typeface="나눔스퀘어 Bold" panose="020B0600000101010101" pitchFamily="50" charset="-127"/>
-              </a:rPr>
-              <a:t>실험의 파라미터와 결과를 기록한다</a:t>
-            </a:r>
-            <a:r>
-              <a:rPr lang="en-US" altLang="ko-KR" sz="1200" spc="-103" smtClean="0">
-                <a:ln>
-                  <a:solidFill>
-                    <a:schemeClr val="bg1">
-                      <a:lumMod val="85000"/>
-                      <a:alpha val="0"/>
-                    </a:schemeClr>
-                  </a:solidFill>
-                </a:ln>
-                <a:latin typeface="나눔스퀘어 Bold" panose="020B0600000101010101" pitchFamily="50" charset="-127"/>
-                <a:ea typeface="나눔스퀘어 Bold" panose="020B0600000101010101" pitchFamily="50" charset="-127"/>
-              </a:rPr>
-              <a:t>.</a:t>
-            </a:r>
-            <a:endParaRPr lang="en-US" altLang="ko-KR" sz="1200" spc="-103">
-              <a:ln>
-                <a:solidFill>
-                  <a:schemeClr val="bg1">
-                    <a:lumMod val="85000"/>
-                    <a:alpha val="0"/>
-                  </a:schemeClr>
-                </a:solidFill>
-              </a:ln>
-              <a:latin typeface="나눔스퀘어 Bold" panose="020B0600000101010101" pitchFamily="50" charset="-127"/>
-              <a:ea typeface="나눔스퀘어 Bold" panose="020B0600000101010101" pitchFamily="50" charset="-127"/>
-            </a:endParaRPr>
-          </a:p>
-          <a:p>
-            <a:pPr>
+              <a:t>?</a:t>
+            </a:r>
+          </a:p>
+          <a:p>
+            <a:pPr marL="628650" lvl="1" indent="-171450">
               <a:lnSpc>
                 <a:spcPct val="200000"/>
               </a:lnSpc>
+              <a:buFont typeface="Arial" panose="020B0604020202020204" pitchFamily="34" charset="0"/>
+              <a:buChar char="•"/>
             </a:pPr>
             <a:r>
+              <a:rPr lang="ko-KR" altLang="en-US" sz="1200" spc="-103" smtClean="0">
+                <a:ln>
+                  <a:solidFill>
+                    <a:schemeClr val="bg1">
+                      <a:lumMod val="85000"/>
+                      <a:alpha val="0"/>
+                    </a:schemeClr>
+                  </a:solidFill>
+                </a:ln>
+                <a:latin typeface="나눔스퀘어 Bold" panose="020B0600000101010101" pitchFamily="50" charset="-127"/>
+                <a:ea typeface="나눔스퀘어 Bold" panose="020B0600000101010101" pitchFamily="50" charset="-127"/>
+              </a:rPr>
+              <a:t>학습이 끝난 모델 파일들을 어떻게  관리하지</a:t>
+            </a:r>
+            <a:r>
               <a:rPr lang="en-US" altLang="ko-KR" sz="1200" spc="-103" smtClean="0">
                 <a:ln>
                   <a:solidFill>
@@ -2945,118 +7604,33 @@
                 <a:latin typeface="나눔스퀘어 Bold" panose="020B0600000101010101" pitchFamily="50" charset="-127"/>
                 <a:ea typeface="나눔스퀘어 Bold" panose="020B0600000101010101" pitchFamily="50" charset="-127"/>
               </a:rPr>
-              <a:t>2. </a:t>
-            </a:r>
-            <a:r>
-              <a:rPr lang="en-US" altLang="ko-KR" sz="1200" spc="-103">
-                <a:ln>
-                  <a:solidFill>
-                    <a:schemeClr val="bg1">
-                      <a:lumMod val="85000"/>
-                      <a:alpha val="0"/>
-                    </a:schemeClr>
-                  </a:solidFill>
-                </a:ln>
-                <a:latin typeface="나눔스퀘어 Bold" panose="020B0600000101010101" pitchFamily="50" charset="-127"/>
-                <a:ea typeface="나눔스퀘어 Bold" panose="020B0600000101010101" pitchFamily="50" charset="-127"/>
-              </a:rPr>
-              <a:t>MLflow Projects </a:t>
-            </a:r>
-            <a:r>
-              <a:rPr lang="en-US" altLang="ko-KR" sz="1200" spc="-103" smtClean="0">
-                <a:ln>
-                  <a:solidFill>
-                    <a:schemeClr val="bg1">
-                      <a:lumMod val="85000"/>
-                      <a:alpha val="0"/>
-                    </a:schemeClr>
-                  </a:solidFill>
-                </a:ln>
-                <a:latin typeface="나눔스퀘어 Bold" panose="020B0600000101010101" pitchFamily="50" charset="-127"/>
-                <a:ea typeface="나눔스퀘어 Bold" panose="020B0600000101010101" pitchFamily="50" charset="-127"/>
-              </a:rPr>
-              <a:t> : ML code</a:t>
-            </a:r>
-            <a:r>
-              <a:rPr lang="ko-KR" altLang="en-US" sz="1200" spc="-103" smtClean="0">
-                <a:ln>
-                  <a:solidFill>
-                    <a:schemeClr val="bg1">
-                      <a:lumMod val="85000"/>
-                      <a:alpha val="0"/>
-                    </a:schemeClr>
-                  </a:solidFill>
-                </a:ln>
-                <a:latin typeface="나눔스퀘어 Bold" panose="020B0600000101010101" pitchFamily="50" charset="-127"/>
-                <a:ea typeface="나눔스퀘어 Bold" panose="020B0600000101010101" pitchFamily="50" charset="-127"/>
-              </a:rPr>
-              <a:t>를 재사용할 수 있게 패키징할 수 있다</a:t>
-            </a:r>
-            <a:r>
-              <a:rPr lang="en-US" altLang="ko-KR" sz="1200" spc="-103" smtClean="0">
-                <a:ln>
-                  <a:solidFill>
-                    <a:schemeClr val="bg1">
-                      <a:lumMod val="85000"/>
-                      <a:alpha val="0"/>
-                    </a:schemeClr>
-                  </a:solidFill>
-                </a:ln>
-                <a:latin typeface="나눔스퀘어 Bold" panose="020B0600000101010101" pitchFamily="50" charset="-127"/>
-                <a:ea typeface="나눔스퀘어 Bold" panose="020B0600000101010101" pitchFamily="50" charset="-127"/>
-              </a:rPr>
-              <a:t>. (Like docker image </a:t>
-            </a:r>
-            <a:r>
-              <a:rPr lang="ko-KR" altLang="en-US" sz="1200" spc="-103" smtClean="0">
-                <a:ln>
-                  <a:solidFill>
-                    <a:schemeClr val="bg1">
-                      <a:lumMod val="85000"/>
-                      <a:alpha val="0"/>
-                    </a:schemeClr>
-                  </a:solidFill>
-                </a:ln>
-                <a:latin typeface="나눔스퀘어 Bold" panose="020B0600000101010101" pitchFamily="50" charset="-127"/>
-                <a:ea typeface="나눔스퀘어 Bold" panose="020B0600000101010101" pitchFamily="50" charset="-127"/>
-              </a:rPr>
-              <a:t>파일처럼 간단하게 재사용가능</a:t>
-            </a:r>
-            <a:r>
-              <a:rPr lang="en-US" altLang="ko-KR" sz="1200" spc="-103" smtClean="0">
-                <a:ln>
-                  <a:solidFill>
-                    <a:schemeClr val="bg1">
-                      <a:lumMod val="85000"/>
-                      <a:alpha val="0"/>
-                    </a:schemeClr>
-                  </a:solidFill>
-                </a:ln>
-                <a:latin typeface="나눔스퀘어 Bold" panose="020B0600000101010101" pitchFamily="50" charset="-127"/>
-                <a:ea typeface="나눔스퀘어 Bold" panose="020B0600000101010101" pitchFamily="50" charset="-127"/>
-              </a:rPr>
-              <a:t>)</a:t>
-            </a:r>
-            <a:endParaRPr lang="en-US" altLang="ko-KR" sz="1200" spc="-103">
-              <a:ln>
-                <a:solidFill>
-                  <a:schemeClr val="bg1">
-                    <a:lumMod val="85000"/>
-                    <a:alpha val="0"/>
-                  </a:schemeClr>
-                </a:solidFill>
-              </a:ln>
-              <a:latin typeface="나눔스퀘어 Bold" panose="020B0600000101010101" pitchFamily="50" charset="-127"/>
-              <a:ea typeface="나눔스퀘어 Bold" panose="020B0600000101010101" pitchFamily="50" charset="-127"/>
-            </a:endParaRPr>
-          </a:p>
-          <a:p>
-            <a:pPr>
+              <a:t>?</a:t>
+            </a:r>
+          </a:p>
+          <a:p>
+            <a:pPr marL="628650" lvl="1" indent="-171450">
               <a:lnSpc>
                 <a:spcPct val="200000"/>
               </a:lnSpc>
+              <a:buFont typeface="Arial" panose="020B0604020202020204" pitchFamily="34" charset="0"/>
+              <a:buChar char="•"/>
             </a:pPr>
             <a:r>
+              <a:rPr lang="ko-KR" altLang="en-US" sz="1200" spc="-103" smtClean="0">
+                <a:ln>
+                  <a:solidFill>
+                    <a:schemeClr val="bg1">
+                      <a:lumMod val="85000"/>
+                      <a:alpha val="0"/>
+                    </a:schemeClr>
+                  </a:solidFill>
+                </a:ln>
+                <a:latin typeface="나눔스퀘어 Bold" panose="020B0600000101010101" pitchFamily="50" charset="-127"/>
+                <a:ea typeface="나눔스퀘어 Bold" panose="020B0600000101010101" pitchFamily="50" charset="-127"/>
+              </a:rPr>
+              <a:t>여러 개의 서버에 </a:t>
+            </a:r>
+            <a:r>
               <a:rPr lang="en-US" altLang="ko-KR" sz="1200" spc="-103" smtClean="0">
                 <a:ln>
                   <a:solidFill>
@@ -3069,22 +7643,22 @@
                 <a:latin typeface="나눔스퀘어 Bold" panose="020B0600000101010101" pitchFamily="50" charset="-127"/>
                 <a:ea typeface="나눔스퀘어 Bold" panose="020B0600000101010101" pitchFamily="50" charset="-127"/>
               </a:rPr>
-              <a:t>3. Mlflow </a:t>
-            </a:r>
-            <a:r>
-              <a:rPr lang="en-US" altLang="ko-KR" sz="1200" spc="-103">
-                <a:ln>
-                  <a:solidFill>
-                    <a:schemeClr val="bg1">
-                      <a:lumMod val="85000"/>
-                      <a:alpha val="0"/>
-                    </a:schemeClr>
-                  </a:solidFill>
-                </a:ln>
-                <a:latin typeface="나눔스퀘어 Bold" panose="020B0600000101010101" pitchFamily="50" charset="-127"/>
-                <a:ea typeface="나눔스퀘어 Bold" panose="020B0600000101010101" pitchFamily="50" charset="-127"/>
-              </a:rPr>
-              <a:t>Models </a:t>
+              <a:t>ML</a:t>
+            </a:r>
+            <a:r>
+              <a:rPr lang="ko-KR" altLang="en-US" sz="1200" spc="-103" smtClean="0">
+                <a:ln>
+                  <a:solidFill>
+                    <a:schemeClr val="bg1">
+                      <a:lumMod val="85000"/>
+                      <a:alpha val="0"/>
+                    </a:schemeClr>
+                  </a:solidFill>
+                </a:ln>
+                <a:latin typeface="나눔스퀘어 Bold" panose="020B0600000101010101" pitchFamily="50" charset="-127"/>
+                <a:ea typeface="나눔스퀘어 Bold" panose="020B0600000101010101" pitchFamily="50" charset="-127"/>
+              </a:rPr>
+              <a:t>모델을 어떻게 간편하게 배포하지</a:t>
             </a:r>
             <a:r>
               <a:rPr lang="en-US" altLang="ko-KR" sz="1200" spc="-103" smtClean="0">
@@ -3099,240 +7673,15 @@
                 <a:latin typeface="나눔스퀘어 Bold" panose="020B0600000101010101" pitchFamily="50" charset="-127"/>
                 <a:ea typeface="나눔스퀘어 Bold" panose="020B0600000101010101" pitchFamily="50" charset="-127"/>
               </a:rPr>
-              <a:t> : ML </a:t>
-            </a:r>
-            <a:r>
-              <a:rPr lang="ko-KR" altLang="en-US" sz="1200" spc="-103" smtClean="0">
-                <a:ln>
-                  <a:solidFill>
-                    <a:schemeClr val="bg1">
-                      <a:lumMod val="85000"/>
-                      <a:alpha val="0"/>
-                    </a:schemeClr>
-                  </a:solidFill>
-                </a:ln>
-                <a:latin typeface="나눔스퀘어 Bold" panose="020B0600000101010101" pitchFamily="50" charset="-127"/>
-                <a:ea typeface="나눔스퀘어 Bold" panose="020B0600000101010101" pitchFamily="50" charset="-127"/>
-              </a:rPr>
-              <a:t>모델 </a:t>
-            </a:r>
-            <a:r>
-              <a:rPr lang="en-US" altLang="ko-KR" sz="1200" spc="-103" smtClean="0">
-                <a:ln>
-                  <a:solidFill>
-                    <a:schemeClr val="bg1">
-                      <a:lumMod val="85000"/>
-                      <a:alpha val="0"/>
-                    </a:schemeClr>
-                  </a:solidFill>
-                </a:ln>
-                <a:latin typeface="나눔스퀘어 Bold" panose="020B0600000101010101" pitchFamily="50" charset="-127"/>
-                <a:ea typeface="나눔스퀘어 Bold" panose="020B0600000101010101" pitchFamily="50" charset="-127"/>
-              </a:rPr>
-              <a:t>Inferece API</a:t>
-            </a:r>
-            <a:r>
-              <a:rPr lang="ko-KR" altLang="en-US" sz="1200" spc="-103" smtClean="0">
-                <a:ln>
-                  <a:solidFill>
-                    <a:schemeClr val="bg1">
-                      <a:lumMod val="85000"/>
-                      <a:alpha val="0"/>
-                    </a:schemeClr>
-                  </a:solidFill>
-                </a:ln>
-                <a:latin typeface="나눔스퀘어 Bold" panose="020B0600000101010101" pitchFamily="50" charset="-127"/>
-                <a:ea typeface="나눔스퀘어 Bold" panose="020B0600000101010101" pitchFamily="50" charset="-127"/>
-              </a:rPr>
-              <a:t>를 제공한다</a:t>
-            </a:r>
-            <a:r>
-              <a:rPr lang="en-US" altLang="ko-KR" sz="1200" spc="-103" smtClean="0">
-                <a:ln>
-                  <a:solidFill>
-                    <a:schemeClr val="bg1">
-                      <a:lumMod val="85000"/>
-                      <a:alpha val="0"/>
-                    </a:schemeClr>
-                  </a:solidFill>
-                </a:ln>
-                <a:latin typeface="나눔스퀘어 Bold" panose="020B0600000101010101" pitchFamily="50" charset="-127"/>
-                <a:ea typeface="나눔스퀘어 Bold" panose="020B0600000101010101" pitchFamily="50" charset="-127"/>
-              </a:rPr>
-              <a:t>.</a:t>
-            </a:r>
-            <a:endParaRPr lang="en-US" altLang="ko-KR" sz="1200" spc="-103">
-              <a:ln>
-                <a:solidFill>
-                  <a:schemeClr val="bg1">
-                    <a:lumMod val="85000"/>
-                    <a:alpha val="0"/>
-                  </a:schemeClr>
-                </a:solidFill>
-              </a:ln>
-              <a:latin typeface="나눔스퀘어 Bold" panose="020B0600000101010101" pitchFamily="50" charset="-127"/>
-              <a:ea typeface="나눔스퀘어 Bold" panose="020B0600000101010101" pitchFamily="50" charset="-127"/>
-            </a:endParaRPr>
-          </a:p>
-          <a:p>
-            <a:pPr>
-              <a:lnSpc>
-                <a:spcPct val="200000"/>
-              </a:lnSpc>
-            </a:pPr>
-            <a:r>
-              <a:rPr lang="en-US" altLang="ko-KR" sz="1200" spc="-103" smtClean="0">
-                <a:ln>
-                  <a:solidFill>
-                    <a:schemeClr val="bg1">
-                      <a:lumMod val="85000"/>
-                      <a:alpha val="0"/>
-                    </a:schemeClr>
-                  </a:solidFill>
-                </a:ln>
-                <a:latin typeface="나눔스퀘어 Bold" panose="020B0600000101010101" pitchFamily="50" charset="-127"/>
-                <a:ea typeface="나눔스퀘어 Bold" panose="020B0600000101010101" pitchFamily="50" charset="-127"/>
-              </a:rPr>
-              <a:t>4. </a:t>
-            </a:r>
-            <a:r>
-              <a:rPr lang="en-US" altLang="ko-KR" sz="1200" spc="-103">
-                <a:ln>
-                  <a:solidFill>
-                    <a:schemeClr val="bg1">
-                      <a:lumMod val="85000"/>
-                      <a:alpha val="0"/>
-                    </a:schemeClr>
-                  </a:solidFill>
-                </a:ln>
-                <a:latin typeface="나눔스퀘어 Bold" panose="020B0600000101010101" pitchFamily="50" charset="-127"/>
-                <a:ea typeface="나눔스퀘어 Bold" panose="020B0600000101010101" pitchFamily="50" charset="-127"/>
-              </a:rPr>
-              <a:t>MLflow Model Registry </a:t>
-            </a:r>
-            <a:r>
-              <a:rPr lang="en-US" altLang="ko-KR" sz="1200" spc="-103" smtClean="0">
-                <a:ln>
-                  <a:solidFill>
-                    <a:schemeClr val="bg1">
-                      <a:lumMod val="85000"/>
-                      <a:alpha val="0"/>
-                    </a:schemeClr>
-                  </a:solidFill>
-                </a:ln>
-                <a:latin typeface="나눔스퀘어 Bold" panose="020B0600000101010101" pitchFamily="50" charset="-127"/>
-                <a:ea typeface="나눔스퀘어 Bold" panose="020B0600000101010101" pitchFamily="50" charset="-127"/>
-              </a:rPr>
-              <a:t>: ML </a:t>
-            </a:r>
-            <a:r>
-              <a:rPr lang="ko-KR" altLang="en-US" sz="1200" spc="-103" smtClean="0">
-                <a:ln>
-                  <a:solidFill>
-                    <a:schemeClr val="bg1">
-                      <a:lumMod val="85000"/>
-                      <a:alpha val="0"/>
-                    </a:schemeClr>
-                  </a:solidFill>
-                </a:ln>
-                <a:latin typeface="나눔스퀘어 Bold" panose="020B0600000101010101" pitchFamily="50" charset="-127"/>
-                <a:ea typeface="나눔스퀘어 Bold" panose="020B0600000101010101" pitchFamily="50" charset="-127"/>
-              </a:rPr>
-              <a:t>실험 과정에 자연스럽게 사용할 수 있다</a:t>
-            </a:r>
-            <a:r>
-              <a:rPr lang="en-US" altLang="ko-KR" sz="1200" spc="-103" smtClean="0">
-                <a:ln>
-                  <a:solidFill>
-                    <a:schemeClr val="bg1">
-                      <a:lumMod val="85000"/>
-                      <a:alpha val="0"/>
-                    </a:schemeClr>
-                  </a:solidFill>
-                </a:ln>
-                <a:latin typeface="나눔스퀘어 Bold" panose="020B0600000101010101" pitchFamily="50" charset="-127"/>
-                <a:ea typeface="나눔스퀘어 Bold" panose="020B0600000101010101" pitchFamily="50" charset="-127"/>
-              </a:rPr>
-              <a:t>.</a:t>
-            </a:r>
-          </a:p>
-          <a:p>
-            <a:pPr>
-              <a:lnSpc>
-                <a:spcPct val="200000"/>
-              </a:lnSpc>
-            </a:pPr>
-            <a:endParaRPr lang="en-US" altLang="ko-KR" sz="1200" spc="-103">
-              <a:ln>
-                <a:solidFill>
-                  <a:schemeClr val="bg1">
-                    <a:lumMod val="85000"/>
-                    <a:alpha val="0"/>
-                  </a:schemeClr>
-                </a:solidFill>
-              </a:ln>
-              <a:latin typeface="나눔스퀘어 Bold" panose="020B0600000101010101" pitchFamily="50" charset="-127"/>
-              <a:ea typeface="나눔스퀘어 Bold" panose="020B0600000101010101" pitchFamily="50" charset="-127"/>
-            </a:endParaRPr>
-          </a:p>
-        </p:txBody>
-      </p:sp>
-      <p:sp>
-        <p:nvSpPr>
-          <p:cNvPr id="9" name="TextBox 8"/>
-          <p:cNvSpPr txBox="1"/>
-          <p:nvPr/>
-        </p:nvSpPr>
-        <p:spPr>
-          <a:xfrm>
-            <a:off x="1088238" y="437393"/>
-            <a:ext cx="5396382" cy="584775"/>
-          </a:xfrm>
-          <a:prstGeom prst="rect">
-            <a:avLst/>
-          </a:prstGeom>
-          <a:noFill/>
-        </p:spPr>
-        <p:txBody>
-          <a:bodyPr wrap="square" rtlCol="0">
-            <a:spAutoFit/>
-          </a:bodyPr>
-          <a:lstStyle/>
-          <a:p>
-            <a:r>
-              <a:rPr lang="en-US" altLang="ko-KR" sz="3200" spc="-150" smtClean="0">
-                <a:solidFill>
-                  <a:srgbClr val="00002F"/>
-                </a:solidFill>
-                <a:latin typeface="나눔스퀘어 ExtraBold" panose="020B0600000101010101" pitchFamily="50" charset="-127"/>
-                <a:ea typeface="나눔스퀘어 ExtraBold" panose="020B0600000101010101" pitchFamily="50" charset="-127"/>
-              </a:rPr>
-              <a:t>MLflow </a:t>
-            </a:r>
-            <a:r>
-              <a:rPr lang="ko-KR" altLang="en-US" sz="3200" spc="-150" smtClean="0">
-                <a:solidFill>
-                  <a:srgbClr val="00002F"/>
-                </a:solidFill>
-                <a:latin typeface="나눔스퀘어 ExtraBold" panose="020B0600000101010101" pitchFamily="50" charset="-127"/>
-                <a:ea typeface="나눔스퀘어 ExtraBold" panose="020B0600000101010101" pitchFamily="50" charset="-127"/>
-              </a:rPr>
-              <a:t>소개</a:t>
-            </a:r>
-            <a:endParaRPr lang="en-US" altLang="ko-KR" sz="3200" spc="-150">
-              <a:solidFill>
-                <a:srgbClr val="00002F"/>
-              </a:solidFill>
-              <a:latin typeface="나눔스퀘어 ExtraBold" panose="020B0600000101010101" pitchFamily="50" charset="-127"/>
-              <a:ea typeface="나눔스퀘어 ExtraBold" panose="020B0600000101010101" pitchFamily="50" charset="-127"/>
-            </a:endParaRPr>
+              <a:t>?</a:t>
+            </a:r>
           </a:p>
         </p:txBody>
       </p:sp>
     </p:spTree>
     <p:extLst>
       <p:ext uri="{BB962C8B-B14F-4D97-AF65-F5344CB8AC3E}">
-        <p14:creationId xmlns:p14="http://schemas.microsoft.com/office/powerpoint/2010/main" val="1157021246"/>
+        <p14:creationId xmlns:p14="http://schemas.microsoft.com/office/powerpoint/2010/main" val="2277343195"/>
       </p:ext>
     </p:extLst>
   </p:cSld>
@@ -3383,14 +7732,14 @@
           <a:p>
             <a:pPr algn="ctr"/>
             <a:r>
-              <a:rPr lang="en-US" altLang="ko-KR" sz="2400" spc="-150" smtClean="0">
+              <a:rPr lang="en-US" altLang="ko-KR" sz="2400" spc="-150">
                 <a:solidFill>
                   <a:srgbClr val="00002F"/>
                 </a:solidFill>
                 <a:latin typeface="나눔스퀘어 ExtraBold" panose="020B0600000101010101" pitchFamily="50" charset="-127"/>
                 <a:ea typeface="나눔스퀘어 ExtraBold" panose="020B0600000101010101" pitchFamily="50" charset="-127"/>
               </a:rPr>
-              <a:t>02.</a:t>
+              <a:t>01.</a:t>
             </a:r>
             <a:endParaRPr lang="ko-KR" altLang="en-US" sz="2400" spc="-150" dirty="0">
               <a:solidFill>
@@ -3443,7 +7792,7 @@
                 <a:latin typeface="나눔스퀘어 ExtraBold" panose="020B0600000101010101" pitchFamily="50" charset="-127"/>
                 <a:ea typeface="나눔스퀘어 ExtraBold" panose="020B0600000101010101" pitchFamily="50" charset="-127"/>
               </a:rPr>
-              <a:t>Needs</a:t>
+              <a:t>MLflow</a:t>
             </a:r>
             <a:endParaRPr lang="ko-KR" altLang="en-US" sz="1400" spc="-100" dirty="0">
               <a:ln>
@@ -3474,8 +7823,8 @@
         </p:nvSpPr>
         <p:spPr>
           <a:xfrm>
-            <a:off x="3951742" y="5545345"/>
-            <a:ext cx="4085310" cy="830997"/>
+            <a:off x="1587109" y="2865041"/>
+            <a:ext cx="9017782" cy="2308324"/>
           </a:xfrm>
           <a:prstGeom prst="rect">
             <a:avLst/>
@@ -3488,27 +7837,237 @@
           </a:bodyPr>
           <a:lstStyle/>
           <a:p>
-            <a:pPr>
+            <a:pPr marL="171450" indent="-171450">
+              <a:lnSpc>
+                <a:spcPct val="200000"/>
+              </a:lnSpc>
+              <a:buFont typeface="Arial" panose="020B0604020202020204" pitchFamily="34" charset="0"/>
+              <a:buChar char="•"/>
+            </a:pPr>
+            <a:r>
+              <a:rPr lang="en-US" altLang="ko-KR" sz="1200" spc="-103" smtClean="0">
+                <a:ln>
+                  <a:solidFill>
+                    <a:schemeClr val="bg1">
+                      <a:lumMod val="85000"/>
+                      <a:alpha val="0"/>
+                    </a:schemeClr>
+                  </a:solidFill>
+                </a:ln>
+                <a:latin typeface="나눔스퀘어 Bold" panose="020B0600000101010101" pitchFamily="50" charset="-127"/>
+                <a:ea typeface="나눔스퀘어 Bold" panose="020B0600000101010101" pitchFamily="50" charset="-127"/>
+              </a:rPr>
+              <a:t>MLflow</a:t>
+            </a:r>
+            <a:r>
+              <a:rPr lang="ko-KR" altLang="en-US" sz="1200" spc="-103" smtClean="0">
+                <a:ln>
+                  <a:solidFill>
+                    <a:schemeClr val="bg1">
+                      <a:lumMod val="85000"/>
+                      <a:alpha val="0"/>
+                    </a:schemeClr>
+                  </a:solidFill>
+                </a:ln>
+                <a:latin typeface="나눔스퀘어 Bold" panose="020B0600000101010101" pitchFamily="50" charset="-127"/>
+                <a:ea typeface="나눔스퀘어 Bold" panose="020B0600000101010101" pitchFamily="50" charset="-127"/>
+              </a:rPr>
+              <a:t>는 </a:t>
+            </a:r>
+            <a:r>
+              <a:rPr lang="en-US" altLang="ko-KR" sz="1200" spc="-103" smtClean="0">
+                <a:ln>
+                  <a:solidFill>
+                    <a:schemeClr val="bg1">
+                      <a:lumMod val="85000"/>
+                      <a:alpha val="0"/>
+                    </a:schemeClr>
+                  </a:solidFill>
+                </a:ln>
+                <a:latin typeface="나눔스퀘어 Bold" panose="020B0600000101010101" pitchFamily="50" charset="-127"/>
+                <a:ea typeface="나눔스퀘어 Bold" panose="020B0600000101010101" pitchFamily="50" charset="-127"/>
+              </a:rPr>
+              <a:t>End-to-End </a:t>
+            </a:r>
+            <a:r>
+              <a:rPr lang="en-US" altLang="ko-KR" sz="1200" spc="-103">
+                <a:ln>
+                  <a:solidFill>
+                    <a:schemeClr val="bg1">
+                      <a:lumMod val="85000"/>
+                      <a:alpha val="0"/>
+                    </a:schemeClr>
+                  </a:solidFill>
+                </a:ln>
+                <a:latin typeface="나눔스퀘어 Bold" panose="020B0600000101010101" pitchFamily="50" charset="-127"/>
+                <a:ea typeface="나눔스퀘어 Bold" panose="020B0600000101010101" pitchFamily="50" charset="-127"/>
+              </a:rPr>
+              <a:t>machine learning </a:t>
+            </a:r>
+            <a:r>
+              <a:rPr lang="en-US" altLang="ko-KR" sz="1200" spc="-103" smtClean="0">
+                <a:ln>
+                  <a:solidFill>
+                    <a:schemeClr val="bg1">
+                      <a:lumMod val="85000"/>
+                      <a:alpha val="0"/>
+                    </a:schemeClr>
+                  </a:solidFill>
+                </a:ln>
+                <a:latin typeface="나눔스퀘어 Bold" panose="020B0600000101010101" pitchFamily="50" charset="-127"/>
+                <a:ea typeface="나눔스퀘어 Bold" panose="020B0600000101010101" pitchFamily="50" charset="-127"/>
+              </a:rPr>
+              <a:t>lifecycle</a:t>
+            </a:r>
+            <a:r>
+              <a:rPr lang="ko-KR" altLang="en-US" sz="1200" spc="-103" smtClean="0">
+                <a:ln>
+                  <a:solidFill>
+                    <a:schemeClr val="bg1">
+                      <a:lumMod val="85000"/>
+                      <a:alpha val="0"/>
+                    </a:schemeClr>
+                  </a:solidFill>
+                </a:ln>
+                <a:latin typeface="나눔스퀘어 Bold" panose="020B0600000101010101" pitchFamily="50" charset="-127"/>
+                <a:ea typeface="나눔스퀘어 Bold" panose="020B0600000101010101" pitchFamily="50" charset="-127"/>
+              </a:rPr>
+              <a:t>을 관리하는 오픈소스 플랫폼이며 모든 </a:t>
+            </a:r>
+            <a:r>
+              <a:rPr lang="ko-KR" altLang="en-US" sz="1200" spc="-103">
+                <a:ln>
+                  <a:solidFill>
+                    <a:schemeClr val="bg1">
+                      <a:lumMod val="85000"/>
+                      <a:alpha val="0"/>
+                    </a:schemeClr>
+                  </a:solidFill>
+                </a:ln>
+                <a:latin typeface="나눔스퀘어 Bold" panose="020B0600000101010101" pitchFamily="50" charset="-127"/>
+                <a:ea typeface="나눔스퀘어 Bold" panose="020B0600000101010101" pitchFamily="50" charset="-127"/>
+              </a:rPr>
+              <a:t>기계 학습 라이브러리 및 프로그래밍 언어와 함께 사용할 수 있다</a:t>
+            </a:r>
+            <a:r>
+              <a:rPr lang="en-US" altLang="ko-KR" sz="1200" spc="-103" smtClean="0">
+                <a:ln>
+                  <a:solidFill>
+                    <a:schemeClr val="bg1">
+                      <a:lumMod val="85000"/>
+                      <a:alpha val="0"/>
+                    </a:schemeClr>
+                  </a:solidFill>
+                </a:ln>
+                <a:latin typeface="나눔스퀘어 Bold" panose="020B0600000101010101" pitchFamily="50" charset="-127"/>
+                <a:ea typeface="나눔스퀘어 Bold" panose="020B0600000101010101" pitchFamily="50" charset="-127"/>
+              </a:rPr>
+              <a:t>.</a:t>
+            </a:r>
+          </a:p>
+          <a:p>
+            <a:pPr marL="171450" indent="-171450">
+              <a:lnSpc>
+                <a:spcPct val="200000"/>
+              </a:lnSpc>
+              <a:buFont typeface="Arial" panose="020B0604020202020204" pitchFamily="34" charset="0"/>
+              <a:buChar char="•"/>
+            </a:pPr>
+            <a:r>
+              <a:rPr lang="en-US" altLang="ko-KR" sz="1200" spc="-103" smtClean="0">
+                <a:ln>
+                  <a:solidFill>
+                    <a:schemeClr val="bg1">
+                      <a:lumMod val="85000"/>
+                      <a:alpha val="0"/>
+                    </a:schemeClr>
+                  </a:solidFill>
+                </a:ln>
+                <a:latin typeface="나눔스퀘어 Bold" panose="020B0600000101010101" pitchFamily="50" charset="-127"/>
+                <a:ea typeface="나눔스퀘어 Bold" panose="020B0600000101010101" pitchFamily="50" charset="-127"/>
+              </a:rPr>
+              <a:t>Mlflow</a:t>
+            </a:r>
+            <a:r>
+              <a:rPr lang="ko-KR" altLang="en-US" sz="1200" spc="-103" smtClean="0">
+                <a:ln>
+                  <a:solidFill>
+                    <a:schemeClr val="bg1">
+                      <a:lumMod val="85000"/>
+                      <a:alpha val="0"/>
+                    </a:schemeClr>
+                  </a:solidFill>
+                </a:ln>
+                <a:latin typeface="나눔스퀘어 Bold" panose="020B0600000101010101" pitchFamily="50" charset="-127"/>
+                <a:ea typeface="나눔스퀘어 Bold" panose="020B0600000101010101" pitchFamily="50" charset="-127"/>
+              </a:rPr>
+              <a:t>의 </a:t>
+            </a:r>
+            <a:r>
+              <a:rPr lang="en-US" altLang="ko-KR" sz="1200" spc="-103" smtClean="0">
+                <a:ln>
+                  <a:solidFill>
+                    <a:schemeClr val="bg1">
+                      <a:lumMod val="85000"/>
+                      <a:alpha val="0"/>
+                    </a:schemeClr>
+                  </a:solidFill>
+                </a:ln>
+                <a:latin typeface="나눔스퀘어 Bold" panose="020B0600000101010101" pitchFamily="50" charset="-127"/>
+                <a:ea typeface="나눔스퀘어 Bold" panose="020B0600000101010101" pitchFamily="50" charset="-127"/>
+              </a:rPr>
+              <a:t>4</a:t>
+            </a:r>
+            <a:r>
+              <a:rPr lang="ko-KR" altLang="en-US" sz="1200" spc="-103" smtClean="0">
+                <a:ln>
+                  <a:solidFill>
+                    <a:schemeClr val="bg1">
+                      <a:lumMod val="85000"/>
+                      <a:alpha val="0"/>
+                    </a:schemeClr>
+                  </a:solidFill>
+                </a:ln>
+                <a:latin typeface="나눔스퀘어 Bold" panose="020B0600000101010101" pitchFamily="50" charset="-127"/>
+                <a:ea typeface="나눔스퀘어 Bold" panose="020B0600000101010101" pitchFamily="50" charset="-127"/>
+              </a:rPr>
+              <a:t>가지 주요 기능</a:t>
+            </a:r>
+            <a:r>
+              <a:rPr lang="en-US" altLang="ko-KR" sz="1200" spc="-103" smtClean="0">
+                <a:ln>
+                  <a:solidFill>
+                    <a:schemeClr val="bg1">
+                      <a:lumMod val="85000"/>
+                      <a:alpha val="0"/>
+                    </a:schemeClr>
+                  </a:solidFill>
+                </a:ln>
+                <a:latin typeface="나눔스퀘어 Bold" panose="020B0600000101010101" pitchFamily="50" charset="-127"/>
+                <a:ea typeface="나눔스퀘어 Bold" panose="020B0600000101010101" pitchFamily="50" charset="-127"/>
+              </a:rPr>
+              <a:t>.</a:t>
+            </a:r>
+            <a:endParaRPr lang="en-US" altLang="ko-KR" sz="1200" spc="-103">
+              <a:ln>
+                <a:solidFill>
+                  <a:schemeClr val="bg1">
+                    <a:lumMod val="85000"/>
+                    <a:alpha val="0"/>
+                  </a:schemeClr>
+                </a:solidFill>
+              </a:ln>
+              <a:latin typeface="나눔스퀘어 Bold" panose="020B0600000101010101" pitchFamily="50" charset="-127"/>
+              <a:ea typeface="나눔스퀘어 Bold" panose="020B0600000101010101" pitchFamily="50" charset="-127"/>
+            </a:endParaRPr>
+          </a:p>
+          <a:p>
+            <a:pPr lvl="1">
               <a:lnSpc>
                 <a:spcPct val="200000"/>
               </a:lnSpc>
             </a:pPr>
             <a:r>
-              <a:rPr lang="ko-KR" altLang="en-US" sz="1200" spc="-103" smtClean="0">
-                <a:ln>
-                  <a:solidFill>
-                    <a:schemeClr val="bg1">
-                      <a:lumMod val="85000"/>
-                      <a:alpha val="0"/>
-                    </a:schemeClr>
-                  </a:solidFill>
-                </a:ln>
-                <a:latin typeface="나눔스퀘어 Bold" panose="020B0600000101010101" pitchFamily="50" charset="-127"/>
-                <a:ea typeface="나눔스퀘어 Bold" panose="020B0600000101010101" pitchFamily="50" charset="-127"/>
-              </a:rPr>
-              <a:t>영화 리뷰의 긍정 부정을 분류하는 </a:t>
-            </a:r>
-            <a:r>
               <a:rPr lang="en-US" altLang="ko-KR" sz="1200" spc="-103" smtClean="0">
                 <a:ln>
                   <a:solidFill>
@@ -3521,56 +8080,253 @@
                 <a:latin typeface="나눔스퀘어 Bold" panose="020B0600000101010101" pitchFamily="50" charset="-127"/>
                 <a:ea typeface="나눔스퀘어 Bold" panose="020B0600000101010101" pitchFamily="50" charset="-127"/>
               </a:rPr>
-              <a:t>ML </a:t>
-            </a:r>
-            <a:r>
-              <a:rPr lang="ko-KR" altLang="en-US" sz="1200" spc="-103" smtClean="0">
-                <a:ln>
-                  <a:solidFill>
-                    <a:schemeClr val="bg1">
-                      <a:lumMod val="85000"/>
-                      <a:alpha val="0"/>
-                    </a:schemeClr>
-                  </a:solidFill>
-                </a:ln>
-                <a:latin typeface="나눔스퀘어 Bold" panose="020B0600000101010101" pitchFamily="50" charset="-127"/>
-                <a:ea typeface="나눔스퀘어 Bold" panose="020B0600000101010101" pitchFamily="50" charset="-127"/>
-              </a:rPr>
-              <a:t>모델을 만들어야 하는 과업 발생</a:t>
-            </a:r>
-            <a:endParaRPr lang="en-US" altLang="ko-KR" sz="1200" spc="-103" smtClean="0">
-              <a:ln>
-                <a:solidFill>
-                  <a:schemeClr val="bg1">
-                    <a:lumMod val="85000"/>
-                    <a:alpha val="0"/>
-                  </a:schemeClr>
-                </a:solidFill>
-              </a:ln>
-              <a:latin typeface="나눔스퀘어 Bold" panose="020B0600000101010101" pitchFamily="50" charset="-127"/>
-              <a:ea typeface="나눔스퀘어 Bold" panose="020B0600000101010101" pitchFamily="50" charset="-127"/>
-            </a:endParaRPr>
-          </a:p>
-          <a:p>
-            <a:pPr>
+              <a:t>1. </a:t>
+            </a:r>
+            <a:r>
+              <a:rPr lang="en-US" altLang="ko-KR" sz="1200" spc="-103">
+                <a:ln>
+                  <a:solidFill>
+                    <a:schemeClr val="bg1">
+                      <a:lumMod val="85000"/>
+                      <a:alpha val="0"/>
+                    </a:schemeClr>
+                  </a:solidFill>
+                </a:ln>
+                <a:latin typeface="나눔스퀘어 Bold" panose="020B0600000101010101" pitchFamily="50" charset="-127"/>
+                <a:ea typeface="나눔스퀘어 Bold" panose="020B0600000101010101" pitchFamily="50" charset="-127"/>
+              </a:rPr>
+              <a:t>MLflow </a:t>
+            </a:r>
+            <a:r>
+              <a:rPr lang="en-US" altLang="ko-KR" sz="1200" spc="-103" smtClean="0">
+                <a:ln>
+                  <a:solidFill>
+                    <a:schemeClr val="bg1">
+                      <a:lumMod val="85000"/>
+                      <a:alpha val="0"/>
+                    </a:schemeClr>
+                  </a:solidFill>
+                </a:ln>
+                <a:latin typeface="나눔스퀘어 Bold" panose="020B0600000101010101" pitchFamily="50" charset="-127"/>
+                <a:ea typeface="나눔스퀘어 Bold" panose="020B0600000101010101" pitchFamily="50" charset="-127"/>
+              </a:rPr>
+              <a:t>Tracking : </a:t>
+            </a:r>
+            <a:r>
+              <a:rPr lang="en-US" altLang="ko-KR" sz="1200" spc="-103">
+                <a:ln>
+                  <a:solidFill>
+                    <a:schemeClr val="bg1">
+                      <a:lumMod val="85000"/>
+                      <a:alpha val="0"/>
+                    </a:schemeClr>
+                  </a:solidFill>
+                </a:ln>
+                <a:latin typeface="나눔스퀘어 Bold" panose="020B0600000101010101" pitchFamily="50" charset="-127"/>
+                <a:ea typeface="나눔스퀘어 Bold" panose="020B0600000101010101" pitchFamily="50" charset="-127"/>
+              </a:rPr>
+              <a:t>Record and query experiments: code, data, config, and results</a:t>
+            </a:r>
+          </a:p>
+          <a:p>
+            <a:pPr lvl="1">
               <a:lnSpc>
                 <a:spcPct val="200000"/>
               </a:lnSpc>
             </a:pPr>
             <a:r>
-              <a:rPr lang="ko-KR" altLang="en-US" sz="1200" spc="-103" smtClean="0">
-                <a:ln>
-                  <a:solidFill>
-                    <a:schemeClr val="bg1">
-                      <a:lumMod val="85000"/>
-                      <a:alpha val="0"/>
-                    </a:schemeClr>
-                  </a:solidFill>
-                </a:ln>
-                <a:latin typeface="나눔스퀘어 Bold" panose="020B0600000101010101" pitchFamily="50" charset="-127"/>
-                <a:ea typeface="나눔스퀘어 Bold" panose="020B0600000101010101" pitchFamily="50" charset="-127"/>
-              </a:rPr>
-              <a:t>수많은 실험 반복</a:t>
+              <a:rPr lang="en-US" altLang="ko-KR" sz="1200" spc="-103" smtClean="0">
+                <a:ln>
+                  <a:solidFill>
+                    <a:schemeClr val="bg1">
+                      <a:lumMod val="85000"/>
+                      <a:alpha val="0"/>
+                    </a:schemeClr>
+                  </a:solidFill>
+                </a:ln>
+                <a:latin typeface="나눔스퀘어 Bold" panose="020B0600000101010101" pitchFamily="50" charset="-127"/>
+                <a:ea typeface="나눔스퀘어 Bold" panose="020B0600000101010101" pitchFamily="50" charset="-127"/>
+              </a:rPr>
+              <a:t>2. </a:t>
+            </a:r>
+            <a:r>
+              <a:rPr lang="en-US" altLang="ko-KR" sz="1200" spc="-103">
+                <a:ln>
+                  <a:solidFill>
+                    <a:schemeClr val="bg1">
+                      <a:lumMod val="85000"/>
+                      <a:alpha val="0"/>
+                    </a:schemeClr>
+                  </a:solidFill>
+                </a:ln>
+                <a:latin typeface="나눔스퀘어 Bold" panose="020B0600000101010101" pitchFamily="50" charset="-127"/>
+                <a:ea typeface="나눔스퀘어 Bold" panose="020B0600000101010101" pitchFamily="50" charset="-127"/>
+              </a:rPr>
+              <a:t>MLflow Projects </a:t>
+            </a:r>
+            <a:r>
+              <a:rPr lang="en-US" altLang="ko-KR" sz="1200" spc="-103" smtClean="0">
+                <a:ln>
+                  <a:solidFill>
+                    <a:schemeClr val="bg1">
+                      <a:lumMod val="85000"/>
+                      <a:alpha val="0"/>
+                    </a:schemeClr>
+                  </a:solidFill>
+                </a:ln>
+                <a:latin typeface="나눔스퀘어 Bold" panose="020B0600000101010101" pitchFamily="50" charset="-127"/>
+                <a:ea typeface="나눔스퀘어 Bold" panose="020B0600000101010101" pitchFamily="50" charset="-127"/>
+              </a:rPr>
+              <a:t> : </a:t>
+            </a:r>
+            <a:r>
+              <a:rPr lang="en-US" altLang="ko-KR" sz="1200" spc="-103">
+                <a:ln>
+                  <a:solidFill>
+                    <a:schemeClr val="bg1">
+                      <a:lumMod val="85000"/>
+                      <a:alpha val="0"/>
+                    </a:schemeClr>
+                  </a:solidFill>
+                </a:ln>
+                <a:latin typeface="나눔스퀘어 Bold" panose="020B0600000101010101" pitchFamily="50" charset="-127"/>
+                <a:ea typeface="나눔스퀘어 Bold" panose="020B0600000101010101" pitchFamily="50" charset="-127"/>
+              </a:rPr>
+              <a:t>Package data science code in a format to reproduce runs on any platform</a:t>
+            </a:r>
+          </a:p>
+          <a:p>
+            <a:pPr lvl="1">
+              <a:lnSpc>
+                <a:spcPct val="200000"/>
+              </a:lnSpc>
+            </a:pPr>
+            <a:r>
+              <a:rPr lang="en-US" altLang="ko-KR" sz="1200" spc="-103" smtClean="0">
+                <a:ln>
+                  <a:solidFill>
+                    <a:schemeClr val="bg1">
+                      <a:lumMod val="85000"/>
+                      <a:alpha val="0"/>
+                    </a:schemeClr>
+                  </a:solidFill>
+                </a:ln>
+                <a:latin typeface="나눔스퀘어 Bold" panose="020B0600000101010101" pitchFamily="50" charset="-127"/>
+                <a:ea typeface="나눔스퀘어 Bold" panose="020B0600000101010101" pitchFamily="50" charset="-127"/>
+              </a:rPr>
+              <a:t>3. Mlflow </a:t>
+            </a:r>
+            <a:r>
+              <a:rPr lang="en-US" altLang="ko-KR" sz="1200" spc="-103">
+                <a:ln>
+                  <a:solidFill>
+                    <a:schemeClr val="bg1">
+                      <a:lumMod val="85000"/>
+                      <a:alpha val="0"/>
+                    </a:schemeClr>
+                  </a:solidFill>
+                </a:ln>
+                <a:latin typeface="나눔스퀘어 Bold" panose="020B0600000101010101" pitchFamily="50" charset="-127"/>
+                <a:ea typeface="나눔스퀘어 Bold" panose="020B0600000101010101" pitchFamily="50" charset="-127"/>
+              </a:rPr>
+              <a:t>Models </a:t>
+            </a:r>
+            <a:r>
+              <a:rPr lang="en-US" altLang="ko-KR" sz="1200" spc="-103" smtClean="0">
+                <a:ln>
+                  <a:solidFill>
+                    <a:schemeClr val="bg1">
+                      <a:lumMod val="85000"/>
+                      <a:alpha val="0"/>
+                    </a:schemeClr>
+                  </a:solidFill>
+                </a:ln>
+                <a:latin typeface="나눔스퀘어 Bold" panose="020B0600000101010101" pitchFamily="50" charset="-127"/>
+                <a:ea typeface="나눔스퀘어 Bold" panose="020B0600000101010101" pitchFamily="50" charset="-127"/>
+              </a:rPr>
+              <a:t> : </a:t>
+            </a:r>
+            <a:r>
+              <a:rPr lang="en-US" altLang="ko-KR" sz="1200" spc="-103">
+                <a:ln>
+                  <a:solidFill>
+                    <a:schemeClr val="bg1">
+                      <a:lumMod val="85000"/>
+                      <a:alpha val="0"/>
+                    </a:schemeClr>
+                  </a:solidFill>
+                </a:ln>
+                <a:latin typeface="나눔스퀘어 Bold" panose="020B0600000101010101" pitchFamily="50" charset="-127"/>
+                <a:ea typeface="나눔스퀘어 Bold" panose="020B0600000101010101" pitchFamily="50" charset="-127"/>
+              </a:rPr>
+              <a:t>Deploy machine learning models in diverse serving environments</a:t>
+            </a:r>
+          </a:p>
+          <a:p>
+            <a:pPr lvl="1">
+              <a:lnSpc>
+                <a:spcPct val="200000"/>
+              </a:lnSpc>
+            </a:pPr>
+            <a:r>
+              <a:rPr lang="en-US" altLang="ko-KR" sz="1200" spc="-103" smtClean="0">
+                <a:ln>
+                  <a:solidFill>
+                    <a:schemeClr val="bg1">
+                      <a:lumMod val="85000"/>
+                      <a:alpha val="0"/>
+                    </a:schemeClr>
+                  </a:solidFill>
+                </a:ln>
+                <a:latin typeface="나눔스퀘어 Bold" panose="020B0600000101010101" pitchFamily="50" charset="-127"/>
+                <a:ea typeface="나눔스퀘어 Bold" panose="020B0600000101010101" pitchFamily="50" charset="-127"/>
+              </a:rPr>
+              <a:t>4. Model </a:t>
+            </a:r>
+            <a:r>
+              <a:rPr lang="en-US" altLang="ko-KR" sz="1200" spc="-103">
+                <a:ln>
+                  <a:solidFill>
+                    <a:schemeClr val="bg1">
+                      <a:lumMod val="85000"/>
+                      <a:alpha val="0"/>
+                    </a:schemeClr>
+                  </a:solidFill>
+                </a:ln>
+                <a:latin typeface="나눔스퀘어 Bold" panose="020B0600000101010101" pitchFamily="50" charset="-127"/>
+                <a:ea typeface="나눔스퀘어 Bold" panose="020B0600000101010101" pitchFamily="50" charset="-127"/>
+              </a:rPr>
+              <a:t>Registry </a:t>
+            </a:r>
+            <a:r>
+              <a:rPr lang="en-US" altLang="ko-KR" sz="1200" spc="-103" smtClean="0">
+                <a:ln>
+                  <a:solidFill>
+                    <a:schemeClr val="bg1">
+                      <a:lumMod val="85000"/>
+                      <a:alpha val="0"/>
+                    </a:schemeClr>
+                  </a:solidFill>
+                </a:ln>
+                <a:latin typeface="나눔스퀘어 Bold" panose="020B0600000101010101" pitchFamily="50" charset="-127"/>
+                <a:ea typeface="나눔스퀘어 Bold" panose="020B0600000101010101" pitchFamily="50" charset="-127"/>
+              </a:rPr>
+              <a:t>: </a:t>
+            </a:r>
+            <a:r>
+              <a:rPr lang="en-US" altLang="ko-KR" sz="1200" spc="-103">
+                <a:ln>
+                  <a:solidFill>
+                    <a:schemeClr val="bg1">
+                      <a:lumMod val="85000"/>
+                      <a:alpha val="0"/>
+                    </a:schemeClr>
+                  </a:solidFill>
+                </a:ln>
+                <a:latin typeface="나눔스퀘어 Bold" panose="020B0600000101010101" pitchFamily="50" charset="-127"/>
+                <a:ea typeface="나눔스퀘어 Bold" panose="020B0600000101010101" pitchFamily="50" charset="-127"/>
+              </a:rPr>
+              <a:t>Store, annotate, discover, and manage models in a central repository</a:t>
             </a:r>
             <a:endParaRPr lang="en-US" altLang="ko-KR" sz="1200" spc="-103" smtClean="0">
               <a:ln>
@@ -3617,7 +8373,17 @@
                 <a:latin typeface="나눔스퀘어 ExtraBold" panose="020B0600000101010101" pitchFamily="50" charset="-127"/>
                 <a:ea typeface="나눔스퀘어 ExtraBold" panose="020B0600000101010101" pitchFamily="50" charset="-127"/>
               </a:rPr>
-              <a:t>Mlflow Tracking</a:t>
+              <a:t>MLflow </a:t>
+            </a:r>
+            <a:r>
+              <a:rPr lang="ko-KR" altLang="en-US" sz="3200" spc="-150" smtClean="0">
+                <a:solidFill>
+                  <a:srgbClr val="00002F"/>
+                </a:solidFill>
+                <a:latin typeface="나눔스퀘어 ExtraBold" panose="020B0600000101010101" pitchFamily="50" charset="-127"/>
+                <a:ea typeface="나눔스퀘어 ExtraBold" panose="020B0600000101010101" pitchFamily="50" charset="-127"/>
+              </a:rPr>
+              <a:t>소개</a:t>
             </a:r>
             <a:endParaRPr lang="en-US" altLang="ko-KR" sz="3200" spc="-150">
               <a:solidFill>
@@ -3629,6 +8395,343 @@
           </a:p>
         </p:txBody>
       </p:sp>
+    </p:spTree>
+    <p:extLst>
+      <p:ext uri="{BB962C8B-B14F-4D97-AF65-F5344CB8AC3E}">
+        <p14:creationId xmlns:p14="http://schemas.microsoft.com/office/powerpoint/2010/main" val="1157021246"/>
+      </p:ext>
+    </p:extLst>
+  </p:cSld>
+  <p:clrMapOvr>
+    <a:masterClrMapping/>
+  </p:clrMapOvr>
+</p:sld>
+</file>
+
+<file path=ppt/slides/slide7.xml><?xml version="1.0" encoding="utf-8"?>
+<p:sld xmlns:a="http://schemas.openxmlformats.org/drawingml/2006/main" xmlns:r="http://schemas.openxmlformats.org/officeDocument/2006/relationships" xmlns:p="http://schemas.openxmlformats.org/presentationml/2006/main">
+  <p:cSld>
+    <p:spTree>
+      <p:nvGrpSpPr>
+        <p:cNvPr id="1" name=""/>
+        <p:cNvGrpSpPr/>
+        <p:nvPr/>
+      </p:nvGrpSpPr>
+      <p:grpSpPr>
+        <a:xfrm>
+          <a:off x="0" y="0"/>
+          <a:ext cx="0" cy="0"/>
+          <a:chOff x="0" y="0"/>
+          <a:chExt cx="0" cy="0"/>
+        </a:xfrm>
+      </p:grpSpPr>
+      <p:sp>
+        <p:nvSpPr>
+          <p:cNvPr id="12" name="TextBox 11"/>
+          <p:cNvSpPr txBox="1"/>
+          <p:nvPr/>
+        </p:nvSpPr>
+        <p:spPr>
+          <a:xfrm>
+            <a:off x="455532" y="498947"/>
+            <a:ext cx="614271" cy="461665"/>
+          </a:xfrm>
+          <a:prstGeom prst="rect">
+            <a:avLst/>
+          </a:prstGeom>
+          <a:noFill/>
+        </p:spPr>
+        <p:txBody>
+          <a:bodyPr wrap="square" rtlCol="0">
+            <a:spAutoFit/>
+          </a:bodyPr>
+          <a:lstStyle/>
+          <a:p>
+            <a:pPr algn="ctr"/>
+            <a:r>
+              <a:rPr lang="en-US" altLang="ko-KR" sz="2400" spc="-150" smtClean="0">
+                <a:solidFill>
+                  <a:srgbClr val="00002F"/>
+                </a:solidFill>
+                <a:latin typeface="나눔스퀘어 ExtraBold" panose="020B0600000101010101" pitchFamily="50" charset="-127"/>
+                <a:ea typeface="나눔스퀘어 ExtraBold" panose="020B0600000101010101" pitchFamily="50" charset="-127"/>
+              </a:rPr>
+              <a:t>02.</a:t>
+            </a:r>
+            <a:endParaRPr lang="ko-KR" altLang="en-US" sz="2400" spc="-150" dirty="0">
+              <a:solidFill>
+                <a:srgbClr val="00002F"/>
+              </a:solidFill>
+              <a:latin typeface="나눔스퀘어 ExtraBold" panose="020B0600000101010101" pitchFamily="50" charset="-127"/>
+              <a:ea typeface="나눔스퀘어 ExtraBold" panose="020B0600000101010101" pitchFamily="50" charset="-127"/>
+            </a:endParaRPr>
+          </a:p>
+        </p:txBody>
+      </p:sp>
+      <p:sp>
+        <p:nvSpPr>
+          <p:cNvPr id="36" name="TextBox 35">
+            <a:extLst>
+              <a:ext uri="{FF2B5EF4-FFF2-40B4-BE49-F238E27FC236}">
+                <a16:creationId xmlns:a16="http://schemas.microsoft.com/office/drawing/2014/main" id="{76BF0B6A-32FF-436D-83C4-AB1F31C134F8}"/>
+              </a:ext>
+            </a:extLst>
+          </p:cNvPr>
+          <p:cNvSpPr txBox="1"/>
+          <p:nvPr/>
+        </p:nvSpPr>
+        <p:spPr>
+          <a:xfrm>
+            <a:off x="1119982" y="1075034"/>
+            <a:ext cx="2596341" cy="307777"/>
+          </a:xfrm>
+          <a:prstGeom prst="rect">
+            <a:avLst/>
+          </a:prstGeom>
+          <a:noFill/>
+        </p:spPr>
+        <p:txBody>
+          <a:bodyPr wrap="square" rtlCol="0">
+            <a:spAutoFit/>
+          </a:bodyPr>
+          <a:lstStyle/>
+          <a:p>
+            <a:r>
+              <a:rPr lang="en-US" altLang="ko-KR" sz="1400" spc="-100" smtClean="0">
+                <a:ln>
+                  <a:solidFill>
+                    <a:schemeClr val="bg1">
+                      <a:lumMod val="65000"/>
+                      <a:alpha val="0"/>
+                    </a:schemeClr>
+                  </a:solidFill>
+                </a:ln>
+                <a:latin typeface="나눔스퀘어 ExtraBold" panose="020B0600000101010101" pitchFamily="50" charset="-127"/>
+                <a:ea typeface="나눔스퀘어 ExtraBold" panose="020B0600000101010101" pitchFamily="50" charset="-127"/>
+              </a:rPr>
+              <a:t>Needs</a:t>
+            </a:r>
+            <a:endParaRPr lang="ko-KR" altLang="en-US" sz="1400" spc="-100" dirty="0">
+              <a:ln>
+                <a:solidFill>
+                  <a:schemeClr val="bg1">
+                    <a:lumMod val="65000"/>
+                    <a:alpha val="0"/>
+                  </a:schemeClr>
+                </a:solidFill>
+              </a:ln>
+              <a:latin typeface="나눔스퀘어 ExtraBold" panose="020B0600000101010101" pitchFamily="50" charset="-127"/>
+              <a:ea typeface="나눔스퀘어 ExtraBold" panose="020B0600000101010101" pitchFamily="50" charset="-127"/>
+            </a:endParaRPr>
+          </a:p>
+        </p:txBody>
+      </p:sp>
+      <p:sp>
+        <p:nvSpPr>
+          <p:cNvPr id="6" name="TextBox 5">
+            <a:extLst>
+              <a:ext uri="{FF2B5EF4-FFF2-40B4-BE49-F238E27FC236}">
+                <a16:creationId xmlns:a16="http://schemas.microsoft.com/office/drawing/2014/main" id="{C40C17C7-6436-43BB-AB8B-1F1856BAF096}"/>
+              </a:ext>
+            </a:extLst>
+          </p:cNvPr>
+          <p:cNvSpPr txBox="1"/>
+          <p:nvPr/>
+        </p:nvSpPr>
+        <p:spPr>
+          <a:xfrm>
+            <a:off x="2518969" y="5545345"/>
+            <a:ext cx="7154062" cy="830997"/>
+          </a:xfrm>
+          <a:prstGeom prst="rect">
+            <a:avLst/>
+          </a:prstGeom>
+          <a:noFill/>
+        </p:spPr>
+        <p:txBody>
+          <a:bodyPr wrap="square" rtlCol="0" anchor="ctr">
+            <a:spAutoFit/>
+          </a:bodyPr>
+          <a:lstStyle/>
+          <a:p>
+            <a:pPr marL="171450" indent="-171450">
+              <a:lnSpc>
+                <a:spcPct val="200000"/>
+              </a:lnSpc>
+              <a:buFont typeface="Arial" panose="020B0604020202020204" pitchFamily="34" charset="0"/>
+              <a:buChar char="•"/>
+            </a:pPr>
+            <a:r>
+              <a:rPr lang="ko-KR" altLang="en-US" sz="1200" spc="-103" smtClean="0">
+                <a:ln>
+                  <a:solidFill>
+                    <a:schemeClr val="bg1">
+                      <a:lumMod val="85000"/>
+                      <a:alpha val="0"/>
+                    </a:schemeClr>
+                  </a:solidFill>
+                </a:ln>
+                <a:latin typeface="나눔스퀘어 Bold" panose="020B0600000101010101" pitchFamily="50" charset="-127"/>
+                <a:ea typeface="나눔스퀘어 Bold" panose="020B0600000101010101" pitchFamily="50" charset="-127"/>
+              </a:rPr>
+              <a:t>영화 리뷰의 긍정 부정을 분류하는 </a:t>
+            </a:r>
+            <a:r>
+              <a:rPr lang="en-US" altLang="ko-KR" sz="1200" spc="-103" smtClean="0">
+                <a:ln>
+                  <a:solidFill>
+                    <a:schemeClr val="bg1">
+                      <a:lumMod val="85000"/>
+                      <a:alpha val="0"/>
+                    </a:schemeClr>
+                  </a:solidFill>
+                </a:ln>
+                <a:latin typeface="나눔스퀘어 Bold" panose="020B0600000101010101" pitchFamily="50" charset="-127"/>
+                <a:ea typeface="나눔스퀘어 Bold" panose="020B0600000101010101" pitchFamily="50" charset="-127"/>
+              </a:rPr>
+              <a:t>ML </a:t>
+            </a:r>
+            <a:r>
+              <a:rPr lang="ko-KR" altLang="en-US" sz="1200" spc="-103" smtClean="0">
+                <a:ln>
+                  <a:solidFill>
+                    <a:schemeClr val="bg1">
+                      <a:lumMod val="85000"/>
+                      <a:alpha val="0"/>
+                    </a:schemeClr>
+                  </a:solidFill>
+                </a:ln>
+                <a:latin typeface="나눔스퀘어 Bold" panose="020B0600000101010101" pitchFamily="50" charset="-127"/>
+                <a:ea typeface="나눔스퀘어 Bold" panose="020B0600000101010101" pitchFamily="50" charset="-127"/>
+              </a:rPr>
+              <a:t>모델을 만들어야 하는 과업 발생</a:t>
+            </a:r>
+            <a:endParaRPr lang="en-US" altLang="ko-KR" sz="1200" spc="-103" smtClean="0">
+              <a:ln>
+                <a:solidFill>
+                  <a:schemeClr val="bg1">
+                    <a:lumMod val="85000"/>
+                    <a:alpha val="0"/>
+                  </a:schemeClr>
+                </a:solidFill>
+              </a:ln>
+              <a:latin typeface="나눔스퀘어 Bold" panose="020B0600000101010101" pitchFamily="50" charset="-127"/>
+              <a:ea typeface="나눔스퀘어 Bold" panose="020B0600000101010101" pitchFamily="50" charset="-127"/>
+            </a:endParaRPr>
+          </a:p>
+          <a:p>
+            <a:pPr marL="171450" indent="-171450">
+              <a:lnSpc>
+                <a:spcPct val="200000"/>
+              </a:lnSpc>
+              <a:buFont typeface="Arial" panose="020B0604020202020204" pitchFamily="34" charset="0"/>
+              <a:buChar char="•"/>
+            </a:pPr>
+            <a:r>
+              <a:rPr lang="ko-KR" altLang="en-US" sz="1200" spc="-103" smtClean="0">
+                <a:ln>
+                  <a:solidFill>
+                    <a:schemeClr val="bg1">
+                      <a:lumMod val="85000"/>
+                      <a:alpha val="0"/>
+                    </a:schemeClr>
+                  </a:solidFill>
+                </a:ln>
+                <a:latin typeface="나눔스퀘어 Bold" panose="020B0600000101010101" pitchFamily="50" charset="-127"/>
+                <a:ea typeface="나눔스퀘어 Bold" panose="020B0600000101010101" pitchFamily="50" charset="-127"/>
+              </a:rPr>
+              <a:t>수많은 조건들로 실험을 반복하며 발생하는 </a:t>
+            </a:r>
+            <a:r>
+              <a:rPr lang="en-US" altLang="ko-KR" sz="1200" spc="-103" smtClean="0">
+                <a:ln>
+                  <a:solidFill>
+                    <a:schemeClr val="bg1">
+                      <a:lumMod val="85000"/>
+                      <a:alpha val="0"/>
+                    </a:schemeClr>
+                  </a:solidFill>
+                </a:ln>
+                <a:latin typeface="나눔스퀘어 Bold" panose="020B0600000101010101" pitchFamily="50" charset="-127"/>
+                <a:ea typeface="나눔스퀘어 Bold" panose="020B0600000101010101" pitchFamily="50" charset="-127"/>
+              </a:rPr>
+              <a:t>accuracy, f1_score, train_loss, test_loss, parameter</a:t>
+            </a:r>
+            <a:r>
+              <a:rPr lang="ko-KR" altLang="en-US" sz="1200" spc="-103" smtClean="0">
+                <a:ln>
+                  <a:solidFill>
+                    <a:schemeClr val="bg1">
+                      <a:lumMod val="85000"/>
+                      <a:alpha val="0"/>
+                    </a:schemeClr>
+                  </a:solidFill>
+                </a:ln>
+                <a:latin typeface="나눔스퀘어 Bold" panose="020B0600000101010101" pitchFamily="50" charset="-127"/>
+                <a:ea typeface="나눔스퀘어 Bold" panose="020B0600000101010101" pitchFamily="50" charset="-127"/>
+              </a:rPr>
+              <a:t>들을 기록해야 한다</a:t>
+            </a:r>
+            <a:r>
+              <a:rPr lang="en-US" altLang="ko-KR" sz="1200" spc="-103" smtClean="0">
+                <a:ln>
+                  <a:solidFill>
+                    <a:schemeClr val="bg1">
+                      <a:lumMod val="85000"/>
+                      <a:alpha val="0"/>
+                    </a:schemeClr>
+                  </a:solidFill>
+                </a:ln>
+                <a:latin typeface="나눔스퀘어 Bold" panose="020B0600000101010101" pitchFamily="50" charset="-127"/>
+                <a:ea typeface="나눔스퀘어 Bold" panose="020B0600000101010101" pitchFamily="50" charset="-127"/>
+              </a:rPr>
+              <a:t>. </a:t>
+            </a:r>
+          </a:p>
+        </p:txBody>
+      </p:sp>
+      <p:sp>
+        <p:nvSpPr>
+          <p:cNvPr id="9" name="TextBox 8"/>
+          <p:cNvSpPr txBox="1"/>
+          <p:nvPr/>
+        </p:nvSpPr>
+        <p:spPr>
+          <a:xfrm>
+            <a:off x="1088238" y="437393"/>
+            <a:ext cx="5396382" cy="584775"/>
+          </a:xfrm>
+          <a:prstGeom prst="rect">
+            <a:avLst/>
+          </a:prstGeom>
+          <a:noFill/>
+        </p:spPr>
+        <p:txBody>
+          <a:bodyPr wrap="square" rtlCol="0">
+            <a:spAutoFit/>
+          </a:bodyPr>
+          <a:lstStyle/>
+          <a:p>
+            <a:r>
+              <a:rPr lang="en-US" altLang="ko-KR" sz="3200" spc="-150" smtClean="0">
+                <a:solidFill>
+                  <a:srgbClr val="00002F"/>
+                </a:solidFill>
+                <a:latin typeface="나눔스퀘어 ExtraBold" panose="020B0600000101010101" pitchFamily="50" charset="-127"/>
+                <a:ea typeface="나눔스퀘어 ExtraBold" panose="020B0600000101010101" pitchFamily="50" charset="-127"/>
+              </a:rPr>
+              <a:t>Mlflow Tracking</a:t>
+            </a:r>
+            <a:endParaRPr lang="en-US" altLang="ko-KR" sz="3200" spc="-150">
+              <a:solidFill>
+                <a:srgbClr val="00002F"/>
+              </a:solidFill>
+              <a:latin typeface="나눔스퀘어 ExtraBold" panose="020B0600000101010101" pitchFamily="50" charset="-127"/>
+              <a:ea typeface="나눔스퀘어 ExtraBold" panose="020B0600000101010101" pitchFamily="50" charset="-127"/>
+            </a:endParaRPr>
+          </a:p>
+        </p:txBody>
+      </p:sp>
       <p:grpSp>
         <p:nvGrpSpPr>
           <p:cNvPr id="2" name="그룹 1"/>
@@ -3637,7 +8740,7 @@
         </p:nvGrpSpPr>
         <p:grpSpPr>
           <a:xfrm>
-            <a:off x="1627176" y="2200656"/>
+            <a:off x="1627176" y="2067653"/>
             <a:ext cx="1826620" cy="2224221"/>
             <a:chOff x="1627176" y="2317033"/>
             <a:chExt cx="1826620" cy="2224221"/>
@@ -3951,7 +9054,7 @@
         </p:nvGrpSpPr>
         <p:grpSpPr>
           <a:xfrm>
-            <a:off x="5127712" y="1663874"/>
+            <a:off x="5127712" y="1530871"/>
             <a:ext cx="1733371" cy="3473990"/>
             <a:chOff x="4617523" y="1780251"/>
             <a:chExt cx="1733371" cy="3473990"/>
@@ -4391,7 +9494,7 @@
         </p:nvGrpSpPr>
         <p:grpSpPr>
           <a:xfrm>
-            <a:off x="8534998" y="2196706"/>
+            <a:off x="8534998" y="2063703"/>
             <a:ext cx="2021011" cy="2398473"/>
             <a:chOff x="7421092" y="2158104"/>
             <a:chExt cx="2021011" cy="2398473"/>
@@ -4708,7 +9811,7 @@
         </p:nvCxnSpPr>
         <p:spPr>
           <a:xfrm flipV="1">
-            <a:off x="3453796" y="1850911"/>
+            <a:off x="3453796" y="1717908"/>
             <a:ext cx="1673916" cy="536782"/>
           </a:xfrm>
           <a:prstGeom prst="straightConnector1">
@@ -4747,7 +9850,7 @@
         </p:nvCxnSpPr>
         <p:spPr>
           <a:xfrm flipV="1">
-            <a:off x="3453796" y="2383743"/>
+            <a:off x="3453796" y="2250740"/>
             <a:ext cx="1673916" cy="3950"/>
           </a:xfrm>
           <a:prstGeom prst="straightConnector1">
@@ -4786,7 +9889,7 @@
         </p:nvCxnSpPr>
         <p:spPr>
           <a:xfrm>
-            <a:off x="3453796" y="2387693"/>
+            <a:off x="3453796" y="2254690"/>
             <a:ext cx="1673916" cy="528882"/>
           </a:xfrm>
           <a:prstGeom prst="straightConnector1">
@@ -4825,7 +9928,7 @@
         </p:nvCxnSpPr>
         <p:spPr>
           <a:xfrm>
-            <a:off x="3453796" y="2387693"/>
+            <a:off x="3453796" y="2254690"/>
             <a:ext cx="1673916" cy="1497472"/>
           </a:xfrm>
           <a:prstGeom prst="straightConnector1">
@@ -4864,7 +9967,7 @@
         </p:nvCxnSpPr>
         <p:spPr>
           <a:xfrm>
-            <a:off x="3453796" y="2387693"/>
+            <a:off x="3453796" y="2254690"/>
             <a:ext cx="1673916" cy="2030304"/>
           </a:xfrm>
           <a:prstGeom prst="straightConnector1">
@@ -4903,7 +10006,7 @@
         </p:nvCxnSpPr>
         <p:spPr>
           <a:xfrm>
-            <a:off x="3453796" y="3751036"/>
+            <a:off x="3453796" y="3618033"/>
             <a:ext cx="1673916" cy="1199792"/>
           </a:xfrm>
           <a:prstGeom prst="straightConnector1">
@@ -4942,7 +10045,7 @@
         </p:nvCxnSpPr>
         <p:spPr>
           <a:xfrm>
-            <a:off x="6861083" y="2383743"/>
+            <a:off x="6861083" y="2250740"/>
             <a:ext cx="1673915" cy="0"/>
           </a:xfrm>
           <a:prstGeom prst="straightConnector1">
@@ -4981,7 +10084,7 @@
         </p:nvCxnSpPr>
         <p:spPr>
           <a:xfrm>
-            <a:off x="3453796" y="4237841"/>
+            <a:off x="3453796" y="4104838"/>
             <a:ext cx="1673916" cy="180156"/>
           </a:xfrm>
           <a:prstGeom prst="straightConnector1">
@@ -5020,7 +10123,7 @@
         </p:nvCxnSpPr>
         <p:spPr>
           <a:xfrm>
-            <a:off x="6861083" y="3885165"/>
+            <a:off x="6861083" y="3752162"/>
             <a:ext cx="1673915" cy="522978"/>
           </a:xfrm>
           <a:prstGeom prst="straightConnector1">
@@ -5059,7 +10162,7 @@
         </p:nvCxnSpPr>
         <p:spPr>
           <a:xfrm flipV="1">
-            <a:off x="6861083" y="4408143"/>
+            <a:off x="6861083" y="4275140"/>
             <a:ext cx="1673915" cy="542685"/>
           </a:xfrm>
           <a:prstGeom prst="straightConnector1">
@@ -5098,7 +10201,7 @@
         </p:nvCxnSpPr>
         <p:spPr>
           <a:xfrm flipV="1">
-            <a:off x="6861083" y="3877774"/>
+            <a:off x="6861083" y="3744771"/>
             <a:ext cx="1673915" cy="540223"/>
           </a:xfrm>
           <a:prstGeom prst="straightConnector1">
@@ -5137,7 +10240,7 @@
         </p:nvCxnSpPr>
         <p:spPr>
           <a:xfrm flipV="1">
-            <a:off x="6861083" y="2914111"/>
+            <a:off x="6861083" y="2781108"/>
             <a:ext cx="1673915" cy="971054"/>
           </a:xfrm>
           <a:prstGeom prst="straightConnector1">
@@ -5176,7 +10279,7 @@
         </p:nvCxnSpPr>
         <p:spPr>
           <a:xfrm>
-            <a:off x="6861083" y="1850911"/>
+            <a:off x="6861083" y="1717908"/>
             <a:ext cx="1673915" cy="2026863"/>
           </a:xfrm>
           <a:prstGeom prst="straightConnector1">
@@ -5214,7 +10317,7 @@
         </p:nvCxnSpPr>
         <p:spPr>
           <a:xfrm flipV="1">
-            <a:off x="6825885" y="2383743"/>
+            <a:off x="6825885" y="2250740"/>
             <a:ext cx="1709113" cy="530051"/>
           </a:xfrm>
           <a:prstGeom prst="straightConnector1">
@@ -5253,7 +10356,7 @@
         </p:nvCxnSpPr>
         <p:spPr>
           <a:xfrm>
-            <a:off x="3453796" y="2874498"/>
+            <a:off x="3453796" y="2741495"/>
             <a:ext cx="1673916" cy="2076330"/>
           </a:xfrm>
           <a:prstGeom prst="straightConnector1">
@@ -5292,7 +10395,7 @@
         </p:nvCxnSpPr>
         <p:spPr>
           <a:xfrm flipV="1">
-            <a:off x="6861083" y="2914111"/>
+            <a:off x="6861083" y="2781108"/>
             <a:ext cx="1673915" cy="1503886"/>
           </a:xfrm>
           <a:prstGeom prst="straightConnector1">
@@ -5324,203 +10427,6 @@
     <p:extLst>
       <p:ext uri="{BB962C8B-B14F-4D97-AF65-F5344CB8AC3E}">
         <p14:creationId xmlns:p14="http://schemas.microsoft.com/office/powerpoint/2010/main" val="294693411"/>
-      </p:ext>
-    </p:extLst>
-  </p:cSld>
-  <p:clrMapOvr>
-    <a:masterClrMapping/>
-  </p:clrMapOvr>
-</p:sld>
-</file>
-
-<file path=ppt/slides/slide7.xml><?xml version="1.0" encoding="utf-8"?>
-<p:sld xmlns:a="http://schemas.openxmlformats.org/drawingml/2006/main" xmlns:r="http://schemas.openxmlformats.org/officeDocument/2006/relationships" xmlns:p="http://schemas.openxmlformats.org/presentationml/2006/main">
-  <p:cSld>
-    <p:spTree>
-      <p:nvGrpSpPr>
-        <p:cNvPr id="1" name=""/>
-        <p:cNvGrpSpPr/>
-        <p:nvPr/>
-      </p:nvGrpSpPr>
-      <p:grpSpPr>
-        <a:xfrm>
-          <a:off x="0" y="0"/>
-          <a:ext cx="0" cy="0"/>
-          <a:chOff x="0" y="0"/>
-          <a:chExt cx="0" cy="0"/>
-        </a:xfrm>
-      </p:grpSpPr>
-      <p:sp>
-        <p:nvSpPr>
-          <p:cNvPr id="12" name="TextBox 11"/>
-          <p:cNvSpPr txBox="1"/>
-          <p:nvPr/>
-        </p:nvSpPr>
-        <p:spPr>
-          <a:xfrm>
-            <a:off x="455532" y="498947"/>
-            <a:ext cx="614271" cy="461665"/>
-          </a:xfrm>
-          <a:prstGeom prst="rect">
-            <a:avLst/>
-          </a:prstGeom>
-          <a:noFill/>
-        </p:spPr>
-        <p:txBody>
-          <a:bodyPr wrap="square" rtlCol="0">
-            <a:spAutoFit/>
-          </a:bodyPr>
-          <a:lstStyle/>
-          <a:p>
-            <a:pPr algn="ctr"/>
-            <a:r>
-              <a:rPr lang="en-US" altLang="ko-KR" sz="2400" spc="-150" smtClean="0">
-                <a:solidFill>
-                  <a:srgbClr val="00002F"/>
-                </a:solidFill>
-                <a:latin typeface="나눔스퀘어 ExtraBold" panose="020B0600000101010101" pitchFamily="50" charset="-127"/>
-                <a:ea typeface="나눔스퀘어 ExtraBold" panose="020B0600000101010101" pitchFamily="50" charset="-127"/>
-              </a:rPr>
-              <a:t>02.</a:t>
-            </a:r>
-            <a:endParaRPr lang="ko-KR" altLang="en-US" sz="2400" spc="-150" dirty="0">
-              <a:solidFill>
-                <a:srgbClr val="00002F"/>
-              </a:solidFill>
-              <a:latin typeface="나눔스퀘어 ExtraBold" panose="020B0600000101010101" pitchFamily="50" charset="-127"/>
-              <a:ea typeface="나눔스퀘어 ExtraBold" panose="020B0600000101010101" pitchFamily="50" charset="-127"/>
-            </a:endParaRPr>
-          </a:p>
-        </p:txBody>
-      </p:sp>
-      <p:sp>
-        <p:nvSpPr>
-          <p:cNvPr id="36" name="TextBox 35">
-            <a:extLst>
-              <a:ext uri="{FF2B5EF4-FFF2-40B4-BE49-F238E27FC236}">
-                <a16:creationId xmlns:a16="http://schemas.microsoft.com/office/drawing/2014/main" id="{76BF0B6A-32FF-436D-83C4-AB1F31C134F8}"/>
-              </a:ext>
-            </a:extLst>
-          </p:cNvPr>
-          <p:cNvSpPr txBox="1"/>
-          <p:nvPr/>
-        </p:nvSpPr>
-        <p:spPr>
-          <a:xfrm>
-            <a:off x="1119982" y="1075034"/>
-            <a:ext cx="2596341" cy="307777"/>
-          </a:xfrm>
-          <a:prstGeom prst="rect">
-            <a:avLst/>
-          </a:prstGeom>
-          <a:noFill/>
-        </p:spPr>
-        <p:txBody>
-          <a:bodyPr wrap="square" rtlCol="0">
-            <a:spAutoFit/>
-          </a:bodyPr>
-          <a:lstStyle/>
-          <a:p>
-            <a:r>
-              <a:rPr lang="en-US" altLang="ko-KR" sz="1400" spc="-100" smtClean="0">
-                <a:ln>
-                  <a:solidFill>
-                    <a:schemeClr val="bg1">
-                      <a:lumMod val="65000"/>
-                      <a:alpha val="0"/>
-                    </a:schemeClr>
-                  </a:solidFill>
-                </a:ln>
-                <a:latin typeface="나눔스퀘어 ExtraBold" panose="020B0600000101010101" pitchFamily="50" charset="-127"/>
-                <a:ea typeface="나눔스퀘어 ExtraBold" panose="020B0600000101010101" pitchFamily="50" charset="-127"/>
-              </a:rPr>
-              <a:t>Needs</a:t>
-            </a:r>
-            <a:endParaRPr lang="ko-KR" altLang="en-US" sz="1400" spc="-100" dirty="0">
-              <a:ln>
-                <a:solidFill>
-                  <a:schemeClr val="bg1">
-                    <a:lumMod val="65000"/>
-                    <a:alpha val="0"/>
-                  </a:schemeClr>
-                </a:solidFill>
-              </a:ln>
-              <a:latin typeface="나눔스퀘어 ExtraBold" panose="020B0600000101010101" pitchFamily="50" charset="-127"/>
-              <a:ea typeface="나눔스퀘어 ExtraBold" panose="020B0600000101010101" pitchFamily="50" charset="-127"/>
-            </a:endParaRPr>
-          </a:p>
-        </p:txBody>
-      </p:sp>
-      <p:sp>
-        <p:nvSpPr>
-          <p:cNvPr id="9" name="TextBox 8"/>
-          <p:cNvSpPr txBox="1"/>
-          <p:nvPr/>
-        </p:nvSpPr>
-        <p:spPr>
-          <a:xfrm>
-            <a:off x="1088238" y="437393"/>
-            <a:ext cx="5396382" cy="584775"/>
-          </a:xfrm>
-          <a:prstGeom prst="rect">
-            <a:avLst/>
-          </a:prstGeom>
-          <a:noFill/>
-        </p:spPr>
-        <p:txBody>
-          <a:bodyPr wrap="square" rtlCol="0">
-            <a:spAutoFit/>
-          </a:bodyPr>
-          <a:lstStyle/>
-          <a:p>
-            <a:r>
-              <a:rPr lang="en-US" altLang="ko-KR" sz="3200" spc="-150" smtClean="0">
-                <a:solidFill>
-                  <a:srgbClr val="00002F"/>
-                </a:solidFill>
-                <a:latin typeface="나눔스퀘어 ExtraBold" panose="020B0600000101010101" pitchFamily="50" charset="-127"/>
-                <a:ea typeface="나눔스퀘어 ExtraBold" panose="020B0600000101010101" pitchFamily="50" charset="-127"/>
-              </a:rPr>
-              <a:t>Mlflow Tracking</a:t>
-            </a:r>
-            <a:endParaRPr lang="en-US" altLang="ko-KR" sz="3200" spc="-150">
-              <a:solidFill>
-                <a:srgbClr val="00002F"/>
-              </a:solidFill>
-              <a:latin typeface="나눔스퀘어 ExtraBold" panose="020B0600000101010101" pitchFamily="50" charset="-127"/>
-              <a:ea typeface="나눔스퀘어 ExtraBold" panose="020B0600000101010101" pitchFamily="50" charset="-127"/>
-            </a:endParaRPr>
-          </a:p>
-        </p:txBody>
-      </p:sp>
-      <p:pic>
-        <p:nvPicPr>
-          <p:cNvPr id="5" name="그림 4"/>
-          <p:cNvPicPr>
-            <a:picLocks noChangeAspect="1"/>
-          </p:cNvPicPr>
-          <p:nvPr/>
-        </p:nvPicPr>
-        <p:blipFill>
-          <a:blip r:embed="rId2"/>
-          <a:stretch>
-            <a:fillRect/>
-          </a:stretch>
-        </p:blipFill>
-        <p:spPr>
-          <a:xfrm>
-            <a:off x="3100742" y="1830406"/>
-            <a:ext cx="5990516" cy="4510599"/>
-          </a:xfrm>
-          <a:prstGeom prst="rect">
-            <a:avLst/>
-          </a:prstGeom>
-        </p:spPr>
-      </p:pic>
-    </p:spTree>
-    <p:extLst>
-      <p:ext uri="{BB962C8B-B14F-4D97-AF65-F5344CB8AC3E}">
-        <p14:creationId xmlns:p14="http://schemas.microsoft.com/office/powerpoint/2010/main" val="3243341211"/>
       </p:ext>
     </p:extLst>
   </p:cSld>
@@ -5650,6 +10556,74 @@
       </p:sp>
       <p:sp>
         <p:nvSpPr>
+          <p:cNvPr id="6" name="TextBox 5">
+            <a:extLst>
+              <a:ext uri="{FF2B5EF4-FFF2-40B4-BE49-F238E27FC236}">
+                <a16:creationId xmlns:a16="http://schemas.microsoft.com/office/drawing/2014/main" id="{C40C17C7-6436-43BB-AB8B-1F1856BAF096}"/>
+              </a:ext>
+            </a:extLst>
+          </p:cNvPr>
+          <p:cNvSpPr txBox="1"/>
+          <p:nvPr/>
+        </p:nvSpPr>
+        <p:spPr>
+          <a:xfrm>
+            <a:off x="2518969" y="5754857"/>
+            <a:ext cx="7154062" cy="411972"/>
+          </a:xfrm>
+          <a:prstGeom prst="rect">
+            <a:avLst/>
+          </a:prstGeom>
+          <a:noFill/>
+        </p:spPr>
+        <p:txBody>
+          <a:bodyPr wrap="square" rtlCol="0" anchor="ctr">
+            <a:spAutoFit/>
+          </a:bodyPr>
+          <a:lstStyle/>
+          <a:p>
+            <a:pPr marL="171450" indent="-171450" algn="ctr">
+              <a:lnSpc>
+                <a:spcPct val="200000"/>
+              </a:lnSpc>
+              <a:buFont typeface="Arial" panose="020B0604020202020204" pitchFamily="34" charset="0"/>
+              <a:buChar char="•"/>
+            </a:pPr>
+            <a:r>
+              <a:rPr lang="ko-KR" altLang="en-US" sz="1200" spc="-103" smtClean="0">
+                <a:ln>
+                  <a:solidFill>
+                    <a:schemeClr val="bg1">
+                      <a:lumMod val="85000"/>
+                      <a:alpha val="0"/>
+                    </a:schemeClr>
+                  </a:solidFill>
+                </a:ln>
+                <a:latin typeface="나눔스퀘어 Bold" panose="020B0600000101010101" pitchFamily="50" charset="-127"/>
+                <a:ea typeface="나눔스퀘어 Bold" panose="020B0600000101010101" pitchFamily="50" charset="-127"/>
+              </a:rPr>
+              <a:t>갓셀에 순서대로 기록하자</a:t>
+            </a:r>
+            <a:r>
+              <a:rPr lang="en-US" altLang="ko-KR" sz="1200" spc="-103" smtClean="0">
+                <a:ln>
+                  <a:solidFill>
+                    <a:schemeClr val="bg1">
+                      <a:lumMod val="85000"/>
+                      <a:alpha val="0"/>
+                    </a:schemeClr>
+                  </a:solidFill>
+                </a:ln>
+                <a:latin typeface="나눔스퀘어 Bold" panose="020B0600000101010101" pitchFamily="50" charset="-127"/>
+                <a:ea typeface="나눔스퀘어 Bold" panose="020B0600000101010101" pitchFamily="50" charset="-127"/>
+              </a:rPr>
+              <a:t>.</a:t>
+            </a:r>
+          </a:p>
+        </p:txBody>
+      </p:sp>
+      <p:sp>
+        <p:nvSpPr>
           <p:cNvPr id="9" name="TextBox 8"/>
           <p:cNvSpPr txBox="1"/>
           <p:nvPr/>
@@ -5692,32 +10666,541 @@
       </p:sp>
       <p:pic>
         <p:nvPicPr>
-          <p:cNvPr id="2" name="그림 1"/>
+          <p:cNvPr id="2052" name="Picture 4" descr="엑셀 AZURE 머신러닝 데이터 분석 방법 :: 미세먼지 예측 예제 - 오빠두엑셀"/>
           <p:cNvPicPr>
-            <a:picLocks noChangeAspect="1"/>
+            <a:picLocks noChangeAspect="1" noChangeArrowheads="1"/>
           </p:cNvPicPr>
           <p:nvPr/>
         </p:nvPicPr>
         <p:blipFill>
-          <a:blip r:embed="rId2"/>
+          <a:blip r:embed="rId2">
+            <a:extLst>
+              <a:ext uri="{28A0092B-C50C-407E-A947-70E740481C1C}">
+                <a14:useLocalDpi xmlns:a14="http://schemas.microsoft.com/office/drawing/2010/main" val="0"/>
+              </a:ext>
+            </a:extLst>
+          </a:blip>
+          <a:srcRect/>
           <a:stretch>
             <a:fillRect/>
           </a:stretch>
         </p:blipFill>
-        <p:spPr>
+        <p:spPr bwMode="auto">
           <a:xfrm>
-            <a:off x="1385280" y="1799510"/>
-            <a:ext cx="9421441" cy="4406135"/>
+            <a:off x="3328119" y="1892876"/>
+            <a:ext cx="5535762" cy="3353395"/>
           </a:xfrm>
           <a:prstGeom prst="rect">
             <a:avLst/>
           </a:prstGeom>
+          <a:noFill/>
+          <a:extLst>
+            <a:ext uri="{909E8E84-426E-40DD-AFC4-6F175D3DCCD1}">
+              <a14:hiddenFill xmlns:a14="http://schemas.microsoft.com/office/drawing/2010/main">
+                <a:solidFill>
+                  <a:srgbClr val="FFFFFF"/>
+                </a:solidFill>
+              </a14:hiddenFill>
+            </a:ext>
+          </a:extLst>
         </p:spPr>
       </p:pic>
     </p:spTree>
     <p:extLst>
       <p:ext uri="{BB962C8B-B14F-4D97-AF65-F5344CB8AC3E}">
-        <p14:creationId xmlns:p14="http://schemas.microsoft.com/office/powerpoint/2010/main" val="1717091195"/>
+        <p14:creationId xmlns:p14="http://schemas.microsoft.com/office/powerpoint/2010/main" val="601578115"/>
+      </p:ext>
+    </p:extLst>
+  </p:cSld>
+  <p:clrMapOvr>
+    <a:masterClrMapping/>
+  </p:clrMapOvr>
+</p:sld>
+</file>
+
+<file path=ppt/slides/slide9.xml><?xml version="1.0" encoding="utf-8"?>
+<p:sld xmlns:a="http://schemas.openxmlformats.org/drawingml/2006/main" xmlns:r="http://schemas.openxmlformats.org/officeDocument/2006/relationships" xmlns:p="http://schemas.openxmlformats.org/presentationml/2006/main">
+  <p:cSld>
+    <p:spTree>
+      <p:nvGrpSpPr>
+        <p:cNvPr id="1" name=""/>
+        <p:cNvGrpSpPr/>
+        <p:nvPr/>
+      </p:nvGrpSpPr>
+      <p:grpSpPr>
+        <a:xfrm>
+          <a:off x="0" y="0"/>
+          <a:ext cx="0" cy="0"/>
+          <a:chOff x="0" y="0"/>
+          <a:chExt cx="0" cy="0"/>
+        </a:xfrm>
+      </p:grpSpPr>
+      <p:sp>
+        <p:nvSpPr>
+          <p:cNvPr id="12" name="TextBox 11"/>
+          <p:cNvSpPr txBox="1"/>
+          <p:nvPr/>
+        </p:nvSpPr>
+        <p:spPr>
+          <a:xfrm>
+            <a:off x="455532" y="498947"/>
+            <a:ext cx="614271" cy="461665"/>
+          </a:xfrm>
+          <a:prstGeom prst="rect">
+            <a:avLst/>
+          </a:prstGeom>
+          <a:noFill/>
+        </p:spPr>
+        <p:txBody>
+          <a:bodyPr wrap="square" rtlCol="0">
+            <a:spAutoFit/>
+          </a:bodyPr>
+          <a:lstStyle/>
+          <a:p>
+            <a:pPr algn="ctr"/>
+            <a:r>
+              <a:rPr lang="en-US" altLang="ko-KR" sz="2400" spc="-150" smtClean="0">
+                <a:solidFill>
+                  <a:srgbClr val="00002F"/>
+                </a:solidFill>
+                <a:latin typeface="나눔스퀘어 ExtraBold" panose="020B0600000101010101" pitchFamily="50" charset="-127"/>
+                <a:ea typeface="나눔스퀘어 ExtraBold" panose="020B0600000101010101" pitchFamily="50" charset="-127"/>
+              </a:rPr>
+              <a:t>02.</a:t>
+            </a:r>
+            <a:endParaRPr lang="ko-KR" altLang="en-US" sz="2400" spc="-150" dirty="0">
+              <a:solidFill>
+                <a:srgbClr val="00002F"/>
+              </a:solidFill>
+              <a:latin typeface="나눔스퀘어 ExtraBold" panose="020B0600000101010101" pitchFamily="50" charset="-127"/>
+              <a:ea typeface="나눔스퀘어 ExtraBold" panose="020B0600000101010101" pitchFamily="50" charset="-127"/>
+            </a:endParaRPr>
+          </a:p>
+        </p:txBody>
+      </p:sp>
+      <p:sp>
+        <p:nvSpPr>
+          <p:cNvPr id="36" name="TextBox 35">
+            <a:extLst>
+              <a:ext uri="{FF2B5EF4-FFF2-40B4-BE49-F238E27FC236}">
+                <a16:creationId xmlns:a16="http://schemas.microsoft.com/office/drawing/2014/main" id="{76BF0B6A-32FF-436D-83C4-AB1F31C134F8}"/>
+              </a:ext>
+            </a:extLst>
+          </p:cNvPr>
+          <p:cNvSpPr txBox="1"/>
+          <p:nvPr/>
+        </p:nvSpPr>
+        <p:spPr>
+          <a:xfrm>
+            <a:off x="1119982" y="1075034"/>
+            <a:ext cx="2596341" cy="307777"/>
+          </a:xfrm>
+          <a:prstGeom prst="rect">
+            <a:avLst/>
+          </a:prstGeom>
+          <a:noFill/>
+        </p:spPr>
+        <p:txBody>
+          <a:bodyPr wrap="square" rtlCol="0">
+            <a:spAutoFit/>
+          </a:bodyPr>
+          <a:lstStyle/>
+          <a:p>
+            <a:r>
+              <a:rPr lang="en-US" altLang="ko-KR" sz="1400" spc="-100" smtClean="0">
+                <a:ln>
+                  <a:solidFill>
+                    <a:schemeClr val="bg1">
+                      <a:lumMod val="65000"/>
+                      <a:alpha val="0"/>
+                    </a:schemeClr>
+                  </a:solidFill>
+                </a:ln>
+                <a:latin typeface="나눔스퀘어 ExtraBold" panose="020B0600000101010101" pitchFamily="50" charset="-127"/>
+                <a:ea typeface="나눔스퀘어 ExtraBold" panose="020B0600000101010101" pitchFamily="50" charset="-127"/>
+              </a:rPr>
+              <a:t>Needs</a:t>
+            </a:r>
+            <a:endParaRPr lang="ko-KR" altLang="en-US" sz="1400" spc="-100" dirty="0">
+              <a:ln>
+                <a:solidFill>
+                  <a:schemeClr val="bg1">
+                    <a:lumMod val="65000"/>
+                    <a:alpha val="0"/>
+                  </a:schemeClr>
+                </a:solidFill>
+              </a:ln>
+              <a:latin typeface="나눔스퀘어 ExtraBold" panose="020B0600000101010101" pitchFamily="50" charset="-127"/>
+              <a:ea typeface="나눔스퀘어 ExtraBold" panose="020B0600000101010101" pitchFamily="50" charset="-127"/>
+            </a:endParaRPr>
+          </a:p>
+        </p:txBody>
+      </p:sp>
+      <p:sp>
+        <p:nvSpPr>
+          <p:cNvPr id="6" name="TextBox 5">
+            <a:extLst>
+              <a:ext uri="{FF2B5EF4-FFF2-40B4-BE49-F238E27FC236}">
+                <a16:creationId xmlns:a16="http://schemas.microsoft.com/office/drawing/2014/main" id="{C40C17C7-6436-43BB-AB8B-1F1856BAF096}"/>
+              </a:ext>
+            </a:extLst>
+          </p:cNvPr>
+          <p:cNvSpPr txBox="1"/>
+          <p:nvPr/>
+        </p:nvSpPr>
+        <p:spPr>
+          <a:xfrm>
+            <a:off x="3867114" y="5076473"/>
+            <a:ext cx="4457773" cy="1200329"/>
+          </a:xfrm>
+          <a:prstGeom prst="rect">
+            <a:avLst/>
+          </a:prstGeom>
+          <a:noFill/>
+        </p:spPr>
+        <p:txBody>
+          <a:bodyPr wrap="square" rtlCol="0" anchor="ctr">
+            <a:spAutoFit/>
+          </a:bodyPr>
+          <a:lstStyle/>
+          <a:p>
+            <a:pPr marL="171450" indent="-171450">
+              <a:lnSpc>
+                <a:spcPct val="200000"/>
+              </a:lnSpc>
+              <a:buFont typeface="Arial" panose="020B0604020202020204" pitchFamily="34" charset="0"/>
+              <a:buChar char="•"/>
+            </a:pPr>
+            <a:r>
+              <a:rPr lang="ko-KR" altLang="en-US" sz="1200" spc="-103" smtClean="0">
+                <a:ln>
+                  <a:solidFill>
+                    <a:schemeClr val="bg1">
+                      <a:lumMod val="85000"/>
+                      <a:alpha val="0"/>
+                    </a:schemeClr>
+                  </a:solidFill>
+                </a:ln>
+                <a:latin typeface="나눔스퀘어 Bold" panose="020B0600000101010101" pitchFamily="50" charset="-127"/>
+                <a:ea typeface="나눔스퀘어 Bold" panose="020B0600000101010101" pitchFamily="50" charset="-127"/>
+              </a:rPr>
+              <a:t>실험이 </a:t>
+            </a:r>
+            <a:r>
+              <a:rPr lang="en-US" altLang="ko-KR" sz="1200" spc="-103" smtClean="0">
+                <a:ln>
+                  <a:solidFill>
+                    <a:schemeClr val="bg1">
+                      <a:lumMod val="85000"/>
+                      <a:alpha val="0"/>
+                    </a:schemeClr>
+                  </a:solidFill>
+                </a:ln>
+                <a:latin typeface="나눔스퀘어 Bold" panose="020B0600000101010101" pitchFamily="50" charset="-127"/>
+                <a:ea typeface="나눔스퀘어 Bold" panose="020B0600000101010101" pitchFamily="50" charset="-127"/>
+              </a:rPr>
+              <a:t>100</a:t>
+            </a:r>
+            <a:r>
+              <a:rPr lang="ko-KR" altLang="en-US" sz="1200" spc="-103" smtClean="0">
+                <a:ln>
+                  <a:solidFill>
+                    <a:schemeClr val="bg1">
+                      <a:lumMod val="85000"/>
+                      <a:alpha val="0"/>
+                    </a:schemeClr>
+                  </a:solidFill>
+                </a:ln>
+                <a:latin typeface="나눔스퀘어 Bold" panose="020B0600000101010101" pitchFamily="50" charset="-127"/>
+                <a:ea typeface="나눔스퀘어 Bold" panose="020B0600000101010101" pitchFamily="50" charset="-127"/>
+              </a:rPr>
+              <a:t>번 넘게 이루어진다면</a:t>
+            </a:r>
+            <a:r>
+              <a:rPr lang="en-US" altLang="ko-KR" sz="1200" spc="-103" smtClean="0">
+                <a:ln>
+                  <a:solidFill>
+                    <a:schemeClr val="bg1">
+                      <a:lumMod val="85000"/>
+                      <a:alpha val="0"/>
+                    </a:schemeClr>
+                  </a:solidFill>
+                </a:ln>
+                <a:latin typeface="나눔스퀘어 Bold" panose="020B0600000101010101" pitchFamily="50" charset="-127"/>
+                <a:ea typeface="나눔스퀘어 Bold" panose="020B0600000101010101" pitchFamily="50" charset="-127"/>
+              </a:rPr>
+              <a:t>…</a:t>
+            </a:r>
+          </a:p>
+          <a:p>
+            <a:pPr marL="171450" indent="-171450">
+              <a:lnSpc>
+                <a:spcPct val="200000"/>
+              </a:lnSpc>
+              <a:buFont typeface="Arial" panose="020B0604020202020204" pitchFamily="34" charset="0"/>
+              <a:buChar char="•"/>
+            </a:pPr>
+            <a:r>
+              <a:rPr lang="ko-KR" altLang="en-US" sz="1200" spc="-103" smtClean="0">
+                <a:ln>
+                  <a:solidFill>
+                    <a:schemeClr val="bg1">
+                      <a:lumMod val="85000"/>
+                      <a:alpha val="0"/>
+                    </a:schemeClr>
+                  </a:solidFill>
+                </a:ln>
+                <a:latin typeface="나눔스퀘어 Bold" panose="020B0600000101010101" pitchFamily="50" charset="-127"/>
+                <a:ea typeface="나눔스퀘어 Bold" panose="020B0600000101010101" pitchFamily="50" charset="-127"/>
+              </a:rPr>
+              <a:t>아</a:t>
+            </a:r>
+            <a:r>
+              <a:rPr lang="en-US" altLang="ko-KR" sz="1200" spc="-103" smtClean="0">
+                <a:ln>
+                  <a:solidFill>
+                    <a:schemeClr val="bg1">
+                      <a:lumMod val="85000"/>
+                      <a:alpha val="0"/>
+                    </a:schemeClr>
+                  </a:solidFill>
+                </a:ln>
+                <a:latin typeface="나눔스퀘어 Bold" panose="020B0600000101010101" pitchFamily="50" charset="-127"/>
+                <a:ea typeface="나눔스퀘어 Bold" panose="020B0600000101010101" pitchFamily="50" charset="-127"/>
+              </a:rPr>
+              <a:t>… </a:t>
+            </a:r>
+            <a:r>
+              <a:rPr lang="ko-KR" altLang="en-US" sz="1200" spc="-103" smtClean="0">
+                <a:ln>
+                  <a:solidFill>
+                    <a:schemeClr val="bg1">
+                      <a:lumMod val="85000"/>
+                      <a:alpha val="0"/>
+                    </a:schemeClr>
+                  </a:solidFill>
+                </a:ln>
+                <a:latin typeface="나눔스퀘어 Bold" panose="020B0600000101010101" pitchFamily="50" charset="-127"/>
+                <a:ea typeface="나눔스퀘어 Bold" panose="020B0600000101010101" pitchFamily="50" charset="-127"/>
+              </a:rPr>
+              <a:t>잘 못 적었네</a:t>
+            </a:r>
+            <a:endParaRPr lang="en-US" altLang="ko-KR" sz="1200" spc="-103" smtClean="0">
+              <a:ln>
+                <a:solidFill>
+                  <a:schemeClr val="bg1">
+                    <a:lumMod val="85000"/>
+                    <a:alpha val="0"/>
+                  </a:schemeClr>
+                </a:solidFill>
+              </a:ln>
+              <a:latin typeface="나눔스퀘어 Bold" panose="020B0600000101010101" pitchFamily="50" charset="-127"/>
+              <a:ea typeface="나눔스퀘어 Bold" panose="020B0600000101010101" pitchFamily="50" charset="-127"/>
+            </a:endParaRPr>
+          </a:p>
+          <a:p>
+            <a:pPr marL="171450" indent="-171450">
+              <a:lnSpc>
+                <a:spcPct val="200000"/>
+              </a:lnSpc>
+              <a:buFont typeface="Arial" panose="020B0604020202020204" pitchFamily="34" charset="0"/>
+              <a:buChar char="•"/>
+            </a:pPr>
+            <a:r>
+              <a:rPr lang="ko-KR" altLang="en-US" sz="1200" spc="-103" smtClean="0">
+                <a:ln>
+                  <a:solidFill>
+                    <a:schemeClr val="bg1">
+                      <a:lumMod val="85000"/>
+                      <a:alpha val="0"/>
+                    </a:schemeClr>
+                  </a:solidFill>
+                </a:ln>
+                <a:latin typeface="나눔스퀘어 Bold" panose="020B0600000101010101" pitchFamily="50" charset="-127"/>
+                <a:ea typeface="나눔스퀘어 Bold" panose="020B0600000101010101" pitchFamily="50" charset="-127"/>
+              </a:rPr>
+              <a:t>자동화하는 방법 없을까</a:t>
+            </a:r>
+            <a:r>
+              <a:rPr lang="en-US" altLang="ko-KR" sz="1200" spc="-103" smtClean="0">
+                <a:ln>
+                  <a:solidFill>
+                    <a:schemeClr val="bg1">
+                      <a:lumMod val="85000"/>
+                      <a:alpha val="0"/>
+                    </a:schemeClr>
+                  </a:solidFill>
+                </a:ln>
+                <a:latin typeface="나눔스퀘어 Bold" panose="020B0600000101010101" pitchFamily="50" charset="-127"/>
+                <a:ea typeface="나눔스퀘어 Bold" panose="020B0600000101010101" pitchFamily="50" charset="-127"/>
+              </a:rPr>
+              <a:t>? </a:t>
+            </a:r>
+            <a:r>
+              <a:rPr lang="ko-KR" altLang="en-US" sz="1200" spc="-103" smtClean="0">
+                <a:ln>
+                  <a:solidFill>
+                    <a:schemeClr val="bg1">
+                      <a:lumMod val="85000"/>
+                      <a:alpha val="0"/>
+                    </a:schemeClr>
+                  </a:solidFill>
+                </a:ln>
+                <a:latin typeface="나눔스퀘어 Bold" panose="020B0600000101010101" pitchFamily="50" charset="-127"/>
+                <a:ea typeface="나눔스퀘어 Bold" panose="020B0600000101010101" pitchFamily="50" charset="-127"/>
+              </a:rPr>
+              <a:t>그리고 예쁜</a:t>
+            </a:r>
+            <a:r>
+              <a:rPr lang="en-US" altLang="ko-KR" sz="1200" spc="-103">
+                <a:ln>
+                  <a:solidFill>
+                    <a:schemeClr val="bg1">
+                      <a:lumMod val="85000"/>
+                      <a:alpha val="0"/>
+                    </a:schemeClr>
+                  </a:solidFill>
+                </a:ln>
+                <a:latin typeface="나눔스퀘어 Bold" panose="020B0600000101010101" pitchFamily="50" charset="-127"/>
+                <a:ea typeface="나눔스퀘어 Bold" panose="020B0600000101010101" pitchFamily="50" charset="-127"/>
+              </a:rPr>
+              <a:t> </a:t>
+            </a:r>
+            <a:r>
+              <a:rPr lang="en-US" altLang="ko-KR" sz="1200" spc="-103" smtClean="0">
+                <a:ln>
+                  <a:solidFill>
+                    <a:schemeClr val="bg1">
+                      <a:lumMod val="85000"/>
+                      <a:alpha val="0"/>
+                    </a:schemeClr>
+                  </a:solidFill>
+                </a:ln>
+                <a:latin typeface="나눔스퀘어 Bold" panose="020B0600000101010101" pitchFamily="50" charset="-127"/>
+                <a:ea typeface="나눔스퀘어 Bold" panose="020B0600000101010101" pitchFamily="50" charset="-127"/>
+              </a:rPr>
+              <a:t>UI</a:t>
+            </a:r>
+            <a:r>
+              <a:rPr lang="ko-KR" altLang="en-US" sz="1200" spc="-103" smtClean="0">
+                <a:ln>
+                  <a:solidFill>
+                    <a:schemeClr val="bg1">
+                      <a:lumMod val="85000"/>
+                      <a:alpha val="0"/>
+                    </a:schemeClr>
+                  </a:solidFill>
+                </a:ln>
+                <a:latin typeface="나눔스퀘어 Bold" panose="020B0600000101010101" pitchFamily="50" charset="-127"/>
+                <a:ea typeface="나눔스퀘어 Bold" panose="020B0600000101010101" pitchFamily="50" charset="-127"/>
+              </a:rPr>
+              <a:t>로 기록들을 모아서 볼 수 없을까</a:t>
+            </a:r>
+            <a:r>
+              <a:rPr lang="en-US" altLang="ko-KR" sz="1200" spc="-103" smtClean="0">
+                <a:ln>
+                  <a:solidFill>
+                    <a:schemeClr val="bg1">
+                      <a:lumMod val="85000"/>
+                      <a:alpha val="0"/>
+                    </a:schemeClr>
+                  </a:solidFill>
+                </a:ln>
+                <a:latin typeface="나눔스퀘어 Bold" panose="020B0600000101010101" pitchFamily="50" charset="-127"/>
+                <a:ea typeface="나눔스퀘어 Bold" panose="020B0600000101010101" pitchFamily="50" charset="-127"/>
+              </a:rPr>
+              <a:t>?</a:t>
+            </a:r>
+          </a:p>
+        </p:txBody>
+      </p:sp>
+      <p:sp>
+        <p:nvSpPr>
+          <p:cNvPr id="9" name="TextBox 8"/>
+          <p:cNvSpPr txBox="1"/>
+          <p:nvPr/>
+        </p:nvSpPr>
+        <p:spPr>
+          <a:xfrm>
+            <a:off x="1088238" y="437393"/>
+            <a:ext cx="5396382" cy="584775"/>
+          </a:xfrm>
+          <a:prstGeom prst="rect">
+            <a:avLst/>
+          </a:prstGeom>
+          <a:noFill/>
+        </p:spPr>
+        <p:txBody>
+          <a:bodyPr wrap="square" rtlCol="0">
+            <a:spAutoFit/>
+          </a:bodyPr>
+          <a:lstStyle/>
+          <a:p>
+            <a:r>
+              <a:rPr lang="en-US" altLang="ko-KR" sz="3200" spc="-150" smtClean="0">
+                <a:solidFill>
+                  <a:srgbClr val="00002F"/>
+                </a:solidFill>
+                <a:latin typeface="나눔스퀘어 ExtraBold" panose="020B0600000101010101" pitchFamily="50" charset="-127"/>
+                <a:ea typeface="나눔스퀘어 ExtraBold" panose="020B0600000101010101" pitchFamily="50" charset="-127"/>
+              </a:rPr>
+              <a:t>Mlflow Tracking</a:t>
+            </a:r>
+            <a:endParaRPr lang="en-US" altLang="ko-KR" sz="3200" spc="-150">
+              <a:solidFill>
+                <a:srgbClr val="00002F"/>
+              </a:solidFill>
+              <a:latin typeface="나눔스퀘어 ExtraBold" panose="020B0600000101010101" pitchFamily="50" charset="-127"/>
+              <a:ea typeface="나눔스퀘어 ExtraBold" panose="020B0600000101010101" pitchFamily="50" charset="-127"/>
+            </a:endParaRPr>
+          </a:p>
+        </p:txBody>
+      </p:sp>
+      <p:pic>
+        <p:nvPicPr>
+          <p:cNvPr id="7" name="Picture 6" descr="웃긴짤모음(3) - 월요일, 출근짤, 사회생활짤"/>
+          <p:cNvPicPr>
+            <a:picLocks noChangeAspect="1" noChangeArrowheads="1"/>
+          </p:cNvPicPr>
+          <p:nvPr/>
+        </p:nvPicPr>
+        <p:blipFill>
+          <a:blip r:embed="rId2">
+            <a:extLst>
+              <a:ext uri="{28A0092B-C50C-407E-A947-70E740481C1C}">
+                <a14:useLocalDpi xmlns:a14="http://schemas.microsoft.com/office/drawing/2010/main" val="0"/>
+              </a:ext>
+            </a:extLst>
+          </a:blip>
+          <a:srcRect/>
+          <a:stretch>
+            <a:fillRect/>
+          </a:stretch>
+        </p:blipFill>
+        <p:spPr bwMode="auto">
+          <a:xfrm>
+            <a:off x="3734429" y="1872760"/>
+            <a:ext cx="4723141" cy="2928347"/>
+          </a:xfrm>
+          <a:prstGeom prst="rect">
+            <a:avLst/>
+          </a:prstGeom>
+          <a:noFill/>
+          <a:extLst>
+            <a:ext uri="{909E8E84-426E-40DD-AFC4-6F175D3DCCD1}">
+              <a14:hiddenFill xmlns:a14="http://schemas.microsoft.com/office/drawing/2010/main">
+                <a:solidFill>
+                  <a:srgbClr val="FFFFFF"/>
+                </a:solidFill>
+              </a14:hiddenFill>
+            </a:ext>
+          </a:extLst>
+        </p:spPr>
+      </p:pic>
+    </p:spTree>
+    <p:extLst>
+      <p:ext uri="{BB962C8B-B14F-4D97-AF65-F5344CB8AC3E}">
+        <p14:creationId xmlns:p14="http://schemas.microsoft.com/office/powerpoint/2010/main" val="2043085459"/>
       </p:ext>
     </p:extLst>
   </p:cSld>
